--- a/数模16周报告.pptx
+++ b/数模16周报告.pptx
@@ -4,24 +4,36 @@
   <p:sldMasterIdLst>
     <p:sldMasterId id="2147483648" r:id="rId1"/>
   </p:sldMasterIdLst>
+  <p:notesMasterIdLst>
+    <p:notesMasterId r:id="rId28"/>
+  </p:notesMasterIdLst>
   <p:sldIdLst>
     <p:sldId id="266" r:id="rId2"/>
     <p:sldId id="256" r:id="rId3"/>
     <p:sldId id="264" r:id="rId4"/>
-    <p:sldId id="267" r:id="rId5"/>
-    <p:sldId id="268" r:id="rId6"/>
-    <p:sldId id="269" r:id="rId7"/>
-    <p:sldId id="257" r:id="rId8"/>
-    <p:sldId id="273" r:id="rId9"/>
+    <p:sldId id="289" r:id="rId5"/>
+    <p:sldId id="290" r:id="rId6"/>
+    <p:sldId id="292" r:id="rId7"/>
+    <p:sldId id="269" r:id="rId8"/>
+    <p:sldId id="257" r:id="rId9"/>
     <p:sldId id="270" r:id="rId10"/>
     <p:sldId id="271" r:id="rId11"/>
-    <p:sldId id="272" r:id="rId12"/>
-    <p:sldId id="259" r:id="rId13"/>
-    <p:sldId id="260" r:id="rId14"/>
-    <p:sldId id="261" r:id="rId15"/>
-    <p:sldId id="262" r:id="rId16"/>
-    <p:sldId id="265" r:id="rId17"/>
-    <p:sldId id="263" r:id="rId18"/>
+    <p:sldId id="278" r:id="rId12"/>
+    <p:sldId id="275" r:id="rId13"/>
+    <p:sldId id="274" r:id="rId14"/>
+    <p:sldId id="291" r:id="rId15"/>
+    <p:sldId id="283" r:id="rId16"/>
+    <p:sldId id="284" r:id="rId17"/>
+    <p:sldId id="276" r:id="rId18"/>
+    <p:sldId id="277" r:id="rId19"/>
+    <p:sldId id="267" r:id="rId20"/>
+    <p:sldId id="268" r:id="rId21"/>
+    <p:sldId id="259" r:id="rId22"/>
+    <p:sldId id="260" r:id="rId23"/>
+    <p:sldId id="261" r:id="rId24"/>
+    <p:sldId id="262" r:id="rId25"/>
+    <p:sldId id="265" r:id="rId26"/>
+    <p:sldId id="263" r:id="rId27"/>
   </p:sldIdLst>
   <p:sldSz cx="12192000" cy="6858000"/>
   <p:notesSz cx="6858000" cy="9144000"/>
@@ -128,6 +140,439 @@
 </p:presentation>
 </file>
 
+<file path=ppt/notesMasters/notesMaster1.xml><?xml version="1.0" encoding="utf-8"?>
+<p:notesMaster xmlns:a="http://schemas.openxmlformats.org/drawingml/2006/main" xmlns:r="http://schemas.openxmlformats.org/officeDocument/2006/relationships" xmlns:p="http://schemas.openxmlformats.org/presentationml/2006/main">
+  <p:cSld>
+    <p:bg>
+      <p:bgRef idx="1001">
+        <a:schemeClr val="bg1"/>
+      </p:bgRef>
+    </p:bg>
+    <p:spTree>
+      <p:nvGrpSpPr>
+        <p:cNvPr id="1" name=""/>
+        <p:cNvGrpSpPr/>
+        <p:nvPr/>
+      </p:nvGrpSpPr>
+      <p:grpSpPr>
+        <a:xfrm>
+          <a:off x="0" y="0"/>
+          <a:ext cx="0" cy="0"/>
+          <a:chOff x="0" y="0"/>
+          <a:chExt cx="0" cy="0"/>
+        </a:xfrm>
+      </p:grpSpPr>
+      <p:sp>
+        <p:nvSpPr>
+          <p:cNvPr id="2" name="页眉占位符 1"/>
+          <p:cNvSpPr>
+            <a:spLocks noGrp="1"/>
+          </p:cNvSpPr>
+          <p:nvPr>
+            <p:ph type="hdr" sz="quarter"/>
+          </p:nvPr>
+        </p:nvSpPr>
+        <p:spPr>
+          <a:xfrm>
+            <a:off x="0" y="0"/>
+            <a:ext cx="2971800" cy="458788"/>
+          </a:xfrm>
+          <a:prstGeom prst="rect">
+            <a:avLst/>
+          </a:prstGeom>
+        </p:spPr>
+        <p:txBody>
+          <a:bodyPr vert="horz" lIns="91440" tIns="45720" rIns="91440" bIns="45720" rtlCol="0"/>
+          <a:lstStyle>
+            <a:lvl1pPr algn="l">
+              <a:defRPr sz="1200"/>
+            </a:lvl1pPr>
+          </a:lstStyle>
+          <a:p>
+            <a:endParaRPr lang="zh-CN" altLang="en-US"/>
+          </a:p>
+        </p:txBody>
+      </p:sp>
+      <p:sp>
+        <p:nvSpPr>
+          <p:cNvPr id="3" name="日期占位符 2"/>
+          <p:cNvSpPr>
+            <a:spLocks noGrp="1"/>
+          </p:cNvSpPr>
+          <p:nvPr>
+            <p:ph type="dt" idx="1"/>
+          </p:nvPr>
+        </p:nvSpPr>
+        <p:spPr>
+          <a:xfrm>
+            <a:off x="3884613" y="0"/>
+            <a:ext cx="2971800" cy="458788"/>
+          </a:xfrm>
+          <a:prstGeom prst="rect">
+            <a:avLst/>
+          </a:prstGeom>
+        </p:spPr>
+        <p:txBody>
+          <a:bodyPr vert="horz" lIns="91440" tIns="45720" rIns="91440" bIns="45720" rtlCol="0"/>
+          <a:lstStyle>
+            <a:lvl1pPr algn="r">
+              <a:defRPr sz="1200"/>
+            </a:lvl1pPr>
+          </a:lstStyle>
+          <a:p>
+            <a:fld id="{8D50BD92-EDD6-47ED-BA6C-65876335F633}" type="datetimeFigureOut">
+              <a:rPr lang="zh-CN" altLang="en-US" smtClean="0"/>
+              <a:t>2022/6/14</a:t>
+            </a:fld>
+            <a:endParaRPr lang="zh-CN" altLang="en-US"/>
+          </a:p>
+        </p:txBody>
+      </p:sp>
+      <p:sp>
+        <p:nvSpPr>
+          <p:cNvPr id="4" name="幻灯片图像占位符 3"/>
+          <p:cNvSpPr>
+            <a:spLocks noGrp="1" noRot="1" noChangeAspect="1"/>
+          </p:cNvSpPr>
+          <p:nvPr>
+            <p:ph type="sldImg" idx="2"/>
+          </p:nvPr>
+        </p:nvSpPr>
+        <p:spPr>
+          <a:xfrm>
+            <a:off x="685800" y="1143000"/>
+            <a:ext cx="5486400" cy="3086100"/>
+          </a:xfrm>
+          <a:prstGeom prst="rect">
+            <a:avLst/>
+          </a:prstGeom>
+          <a:noFill/>
+          <a:ln w="12700">
+            <a:solidFill>
+              <a:prstClr val="black"/>
+            </a:solidFill>
+          </a:ln>
+        </p:spPr>
+        <p:txBody>
+          <a:bodyPr vert="horz" lIns="91440" tIns="45720" rIns="91440" bIns="45720" rtlCol="0" anchor="ctr"/>
+          <a:lstStyle/>
+          <a:p>
+            <a:endParaRPr lang="zh-CN" altLang="en-US"/>
+          </a:p>
+        </p:txBody>
+      </p:sp>
+      <p:sp>
+        <p:nvSpPr>
+          <p:cNvPr id="5" name="备注占位符 4"/>
+          <p:cNvSpPr>
+            <a:spLocks noGrp="1"/>
+          </p:cNvSpPr>
+          <p:nvPr>
+            <p:ph type="body" sz="quarter" idx="3"/>
+          </p:nvPr>
+        </p:nvSpPr>
+        <p:spPr>
+          <a:xfrm>
+            <a:off x="685800" y="4400550"/>
+            <a:ext cx="5486400" cy="3600450"/>
+          </a:xfrm>
+          <a:prstGeom prst="rect">
+            <a:avLst/>
+          </a:prstGeom>
+        </p:spPr>
+        <p:txBody>
+          <a:bodyPr vert="horz" lIns="91440" tIns="45720" rIns="91440" bIns="45720" rtlCol="0"/>
+          <a:lstStyle/>
+          <a:p>
+            <a:pPr lvl="0"/>
+            <a:r>
+              <a:rPr lang="zh-CN" altLang="en-US"/>
+              <a:t>单击此处编辑母版文本样式</a:t>
+            </a:r>
+          </a:p>
+          <a:p>
+            <a:pPr lvl="1"/>
+            <a:r>
+              <a:rPr lang="zh-CN" altLang="en-US"/>
+              <a:t>二级</a:t>
+            </a:r>
+          </a:p>
+          <a:p>
+            <a:pPr lvl="2"/>
+            <a:r>
+              <a:rPr lang="zh-CN" altLang="en-US"/>
+              <a:t>三级</a:t>
+            </a:r>
+          </a:p>
+          <a:p>
+            <a:pPr lvl="3"/>
+            <a:r>
+              <a:rPr lang="zh-CN" altLang="en-US"/>
+              <a:t>四级</a:t>
+            </a:r>
+          </a:p>
+          <a:p>
+            <a:pPr lvl="4"/>
+            <a:r>
+              <a:rPr lang="zh-CN" altLang="en-US"/>
+              <a:t>五级</a:t>
+            </a:r>
+          </a:p>
+        </p:txBody>
+      </p:sp>
+      <p:sp>
+        <p:nvSpPr>
+          <p:cNvPr id="6" name="页脚占位符 5"/>
+          <p:cNvSpPr>
+            <a:spLocks noGrp="1"/>
+          </p:cNvSpPr>
+          <p:nvPr>
+            <p:ph type="ftr" sz="quarter" idx="4"/>
+          </p:nvPr>
+        </p:nvSpPr>
+        <p:spPr>
+          <a:xfrm>
+            <a:off x="0" y="8685213"/>
+            <a:ext cx="2971800" cy="458787"/>
+          </a:xfrm>
+          <a:prstGeom prst="rect">
+            <a:avLst/>
+          </a:prstGeom>
+        </p:spPr>
+        <p:txBody>
+          <a:bodyPr vert="horz" lIns="91440" tIns="45720" rIns="91440" bIns="45720" rtlCol="0" anchor="b"/>
+          <a:lstStyle>
+            <a:lvl1pPr algn="l">
+              <a:defRPr sz="1200"/>
+            </a:lvl1pPr>
+          </a:lstStyle>
+          <a:p>
+            <a:endParaRPr lang="zh-CN" altLang="en-US"/>
+          </a:p>
+        </p:txBody>
+      </p:sp>
+      <p:sp>
+        <p:nvSpPr>
+          <p:cNvPr id="7" name="灯片编号占位符 6"/>
+          <p:cNvSpPr>
+            <a:spLocks noGrp="1"/>
+          </p:cNvSpPr>
+          <p:nvPr>
+            <p:ph type="sldNum" sz="quarter" idx="5"/>
+          </p:nvPr>
+        </p:nvSpPr>
+        <p:spPr>
+          <a:xfrm>
+            <a:off x="3884613" y="8685213"/>
+            <a:ext cx="2971800" cy="458787"/>
+          </a:xfrm>
+          <a:prstGeom prst="rect">
+            <a:avLst/>
+          </a:prstGeom>
+        </p:spPr>
+        <p:txBody>
+          <a:bodyPr vert="horz" lIns="91440" tIns="45720" rIns="91440" bIns="45720" rtlCol="0" anchor="b"/>
+          <a:lstStyle>
+            <a:lvl1pPr algn="r">
+              <a:defRPr sz="1200"/>
+            </a:lvl1pPr>
+          </a:lstStyle>
+          <a:p>
+            <a:fld id="{E4ED3234-1A5D-489F-82A8-7F4FA8663588}" type="slidenum">
+              <a:rPr lang="zh-CN" altLang="en-US" smtClean="0"/>
+              <a:t>‹#›</a:t>
+            </a:fld>
+            <a:endParaRPr lang="zh-CN" altLang="en-US"/>
+          </a:p>
+        </p:txBody>
+      </p:sp>
+    </p:spTree>
+    <p:extLst>
+      <p:ext uri="{BB962C8B-B14F-4D97-AF65-F5344CB8AC3E}">
+        <p14:creationId xmlns:p14="http://schemas.microsoft.com/office/powerpoint/2010/main" val="1907247342"/>
+      </p:ext>
+    </p:extLst>
+  </p:cSld>
+  <p:clrMap bg1="lt1" tx1="dk1" bg2="lt2" tx2="dk2" accent1="accent1" accent2="accent2" accent3="accent3" accent4="accent4" accent5="accent5" accent6="accent6" hlink="hlink" folHlink="folHlink"/>
+  <p:notesStyle>
+    <a:lvl1pPr marL="0" algn="l" defTabSz="914400" rtl="0" eaLnBrk="1" latinLnBrk="0" hangingPunct="1">
+      <a:defRPr sz="1200" kern="1200">
+        <a:solidFill>
+          <a:schemeClr val="tx1"/>
+        </a:solidFill>
+        <a:latin typeface="+mn-lt"/>
+        <a:ea typeface="+mn-ea"/>
+        <a:cs typeface="+mn-cs"/>
+      </a:defRPr>
+    </a:lvl1pPr>
+    <a:lvl2pPr marL="457200" algn="l" defTabSz="914400" rtl="0" eaLnBrk="1" latinLnBrk="0" hangingPunct="1">
+      <a:defRPr sz="1200" kern="1200">
+        <a:solidFill>
+          <a:schemeClr val="tx1"/>
+        </a:solidFill>
+        <a:latin typeface="+mn-lt"/>
+        <a:ea typeface="+mn-ea"/>
+        <a:cs typeface="+mn-cs"/>
+      </a:defRPr>
+    </a:lvl2pPr>
+    <a:lvl3pPr marL="914400" algn="l" defTabSz="914400" rtl="0" eaLnBrk="1" latinLnBrk="0" hangingPunct="1">
+      <a:defRPr sz="1200" kern="1200">
+        <a:solidFill>
+          <a:schemeClr val="tx1"/>
+        </a:solidFill>
+        <a:latin typeface="+mn-lt"/>
+        <a:ea typeface="+mn-ea"/>
+        <a:cs typeface="+mn-cs"/>
+      </a:defRPr>
+    </a:lvl3pPr>
+    <a:lvl4pPr marL="1371600" algn="l" defTabSz="914400" rtl="0" eaLnBrk="1" latinLnBrk="0" hangingPunct="1">
+      <a:defRPr sz="1200" kern="1200">
+        <a:solidFill>
+          <a:schemeClr val="tx1"/>
+        </a:solidFill>
+        <a:latin typeface="+mn-lt"/>
+        <a:ea typeface="+mn-ea"/>
+        <a:cs typeface="+mn-cs"/>
+      </a:defRPr>
+    </a:lvl4pPr>
+    <a:lvl5pPr marL="1828800" algn="l" defTabSz="914400" rtl="0" eaLnBrk="1" latinLnBrk="0" hangingPunct="1">
+      <a:defRPr sz="1200" kern="1200">
+        <a:solidFill>
+          <a:schemeClr val="tx1"/>
+        </a:solidFill>
+        <a:latin typeface="+mn-lt"/>
+        <a:ea typeface="+mn-ea"/>
+        <a:cs typeface="+mn-cs"/>
+      </a:defRPr>
+    </a:lvl5pPr>
+    <a:lvl6pPr marL="2286000" algn="l" defTabSz="914400" rtl="0" eaLnBrk="1" latinLnBrk="0" hangingPunct="1">
+      <a:defRPr sz="1200" kern="1200">
+        <a:solidFill>
+          <a:schemeClr val="tx1"/>
+        </a:solidFill>
+        <a:latin typeface="+mn-lt"/>
+        <a:ea typeface="+mn-ea"/>
+        <a:cs typeface="+mn-cs"/>
+      </a:defRPr>
+    </a:lvl6pPr>
+    <a:lvl7pPr marL="2743200" algn="l" defTabSz="914400" rtl="0" eaLnBrk="1" latinLnBrk="0" hangingPunct="1">
+      <a:defRPr sz="1200" kern="1200">
+        <a:solidFill>
+          <a:schemeClr val="tx1"/>
+        </a:solidFill>
+        <a:latin typeface="+mn-lt"/>
+        <a:ea typeface="+mn-ea"/>
+        <a:cs typeface="+mn-cs"/>
+      </a:defRPr>
+    </a:lvl7pPr>
+    <a:lvl8pPr marL="3200400" algn="l" defTabSz="914400" rtl="0" eaLnBrk="1" latinLnBrk="0" hangingPunct="1">
+      <a:defRPr sz="1200" kern="1200">
+        <a:solidFill>
+          <a:schemeClr val="tx1"/>
+        </a:solidFill>
+        <a:latin typeface="+mn-lt"/>
+        <a:ea typeface="+mn-ea"/>
+        <a:cs typeface="+mn-cs"/>
+      </a:defRPr>
+    </a:lvl8pPr>
+    <a:lvl9pPr marL="3657600" algn="l" defTabSz="914400" rtl="0" eaLnBrk="1" latinLnBrk="0" hangingPunct="1">
+      <a:defRPr sz="1200" kern="1200">
+        <a:solidFill>
+          <a:schemeClr val="tx1"/>
+        </a:solidFill>
+        <a:latin typeface="+mn-lt"/>
+        <a:ea typeface="+mn-ea"/>
+        <a:cs typeface="+mn-cs"/>
+      </a:defRPr>
+    </a:lvl9pPr>
+  </p:notesStyle>
+</p:notesMaster>
+</file>
+
+<file path=ppt/notesSlides/notesSlide1.xml><?xml version="1.0" encoding="utf-8"?>
+<p:notes xmlns:a="http://schemas.openxmlformats.org/drawingml/2006/main" xmlns:r="http://schemas.openxmlformats.org/officeDocument/2006/relationships" xmlns:p="http://schemas.openxmlformats.org/presentationml/2006/main">
+  <p:cSld>
+    <p:spTree>
+      <p:nvGrpSpPr>
+        <p:cNvPr id="1" name=""/>
+        <p:cNvGrpSpPr/>
+        <p:nvPr/>
+      </p:nvGrpSpPr>
+      <p:grpSpPr>
+        <a:xfrm>
+          <a:off x="0" y="0"/>
+          <a:ext cx="0" cy="0"/>
+          <a:chOff x="0" y="0"/>
+          <a:chExt cx="0" cy="0"/>
+        </a:xfrm>
+      </p:grpSpPr>
+      <p:sp>
+        <p:nvSpPr>
+          <p:cNvPr id="2" name="幻灯片图像占位符 1"/>
+          <p:cNvSpPr>
+            <a:spLocks noGrp="1" noRot="1" noChangeAspect="1"/>
+          </p:cNvSpPr>
+          <p:nvPr>
+            <p:ph type="sldImg"/>
+          </p:nvPr>
+        </p:nvSpPr>
+        <p:spPr/>
+      </p:sp>
+      <p:sp>
+        <p:nvSpPr>
+          <p:cNvPr id="3" name="备注占位符 2"/>
+          <p:cNvSpPr>
+            <a:spLocks noGrp="1"/>
+          </p:cNvSpPr>
+          <p:nvPr>
+            <p:ph type="body" idx="1"/>
+          </p:nvPr>
+        </p:nvSpPr>
+        <p:spPr/>
+        <p:txBody>
+          <a:bodyPr/>
+          <a:lstStyle/>
+          <a:p>
+            <a:endParaRPr lang="zh-CN" altLang="en-US" dirty="0"/>
+          </a:p>
+        </p:txBody>
+      </p:sp>
+      <p:sp>
+        <p:nvSpPr>
+          <p:cNvPr id="4" name="灯片编号占位符 3"/>
+          <p:cNvSpPr>
+            <a:spLocks noGrp="1"/>
+          </p:cNvSpPr>
+          <p:nvPr>
+            <p:ph type="sldNum" sz="quarter" idx="5"/>
+          </p:nvPr>
+        </p:nvSpPr>
+        <p:spPr/>
+        <p:txBody>
+          <a:bodyPr/>
+          <a:lstStyle/>
+          <a:p>
+            <a:fld id="{E4ED3234-1A5D-489F-82A8-7F4FA8663588}" type="slidenum">
+              <a:rPr lang="zh-CN" altLang="en-US" smtClean="0"/>
+              <a:t>5</a:t>
+            </a:fld>
+            <a:endParaRPr lang="zh-CN" altLang="en-US"/>
+          </a:p>
+        </p:txBody>
+      </p:sp>
+    </p:spTree>
+    <p:extLst>
+      <p:ext uri="{BB962C8B-B14F-4D97-AF65-F5344CB8AC3E}">
+        <p14:creationId xmlns:p14="http://schemas.microsoft.com/office/powerpoint/2010/main" val="3535246802"/>
+      </p:ext>
+    </p:extLst>
+  </p:cSld>
+  <p:clrMapOvr>
+    <a:masterClrMapping/>
+  </p:clrMapOvr>
+</p:notes>
+</file>
+
 <file path=ppt/slideLayouts/slideLayout1.xml><?xml version="1.0" encoding="utf-8"?>
 <p:sldLayout xmlns:a="http://schemas.openxmlformats.org/drawingml/2006/main" xmlns:r="http://schemas.openxmlformats.org/officeDocument/2006/relationships" xmlns:p="http://schemas.openxmlformats.org/presentationml/2006/main" type="title" preserve="1">
   <p:cSld name="标题幻灯片">
@@ -275,7 +720,7 @@
           <a:p>
             <a:fld id="{38D2F079-72ED-455F-84CE-DB8625D5603C}" type="datetimeFigureOut">
               <a:rPr lang="zh-CN" altLang="en-US" smtClean="0"/>
-              <a:t>2022/6/8</a:t>
+              <a:t>2022/6/14</a:t>
             </a:fld>
             <a:endParaRPr lang="zh-CN" altLang="en-US"/>
           </a:p>
@@ -826,7 +1271,7 @@
           <a:p>
             <a:fld id="{38D2F079-72ED-455F-84CE-DB8625D5603C}" type="datetimeFigureOut">
               <a:rPr lang="zh-CN" altLang="en-US" smtClean="0"/>
-              <a:t>2022/6/8</a:t>
+              <a:t>2022/6/14</a:t>
             </a:fld>
             <a:endParaRPr lang="zh-CN" altLang="en-US"/>
           </a:p>
@@ -1034,7 +1479,7 @@
           <a:p>
             <a:fld id="{38D2F079-72ED-455F-84CE-DB8625D5603C}" type="datetimeFigureOut">
               <a:rPr lang="zh-CN" altLang="en-US" smtClean="0"/>
-              <a:t>2022/6/8</a:t>
+              <a:t>2022/6/14</a:t>
             </a:fld>
             <a:endParaRPr lang="zh-CN" altLang="en-US"/>
           </a:p>
@@ -1232,7 +1677,7 @@
           <a:p>
             <a:fld id="{38D2F079-72ED-455F-84CE-DB8625D5603C}" type="datetimeFigureOut">
               <a:rPr lang="zh-CN" altLang="en-US" smtClean="0"/>
-              <a:t>2022/6/8</a:t>
+              <a:t>2022/6/14</a:t>
             </a:fld>
             <a:endParaRPr lang="zh-CN" altLang="en-US"/>
           </a:p>
@@ -1978,7 +2423,7 @@
           <a:p>
             <a:fld id="{38D2F079-72ED-455F-84CE-DB8625D5603C}" type="datetimeFigureOut">
               <a:rPr lang="zh-CN" altLang="en-US" smtClean="0"/>
-              <a:t>2022/6/8</a:t>
+              <a:t>2022/6/14</a:t>
             </a:fld>
             <a:endParaRPr lang="zh-CN" altLang="en-US"/>
           </a:p>
@@ -2243,7 +2688,7 @@
           <a:p>
             <a:fld id="{38D2F079-72ED-455F-84CE-DB8625D5603C}" type="datetimeFigureOut">
               <a:rPr lang="zh-CN" altLang="en-US" smtClean="0"/>
-              <a:t>2022/6/8</a:t>
+              <a:t>2022/6/14</a:t>
             </a:fld>
             <a:endParaRPr lang="zh-CN" altLang="en-US"/>
           </a:p>
@@ -2655,7 +3100,7 @@
           <a:p>
             <a:fld id="{38D2F079-72ED-455F-84CE-DB8625D5603C}" type="datetimeFigureOut">
               <a:rPr lang="zh-CN" altLang="en-US" smtClean="0"/>
-              <a:t>2022/6/8</a:t>
+              <a:t>2022/6/14</a:t>
             </a:fld>
             <a:endParaRPr lang="zh-CN" altLang="en-US"/>
           </a:p>
@@ -2796,7 +3241,7 @@
           <a:p>
             <a:fld id="{38D2F079-72ED-455F-84CE-DB8625D5603C}" type="datetimeFigureOut">
               <a:rPr lang="zh-CN" altLang="en-US" smtClean="0"/>
-              <a:t>2022/6/8</a:t>
+              <a:t>2022/6/14</a:t>
             </a:fld>
             <a:endParaRPr lang="zh-CN" altLang="en-US"/>
           </a:p>
@@ -2909,7 +3354,7 @@
           <a:p>
             <a:fld id="{38D2F079-72ED-455F-84CE-DB8625D5603C}" type="datetimeFigureOut">
               <a:rPr lang="zh-CN" altLang="en-US" smtClean="0"/>
-              <a:t>2022/6/8</a:t>
+              <a:t>2022/6/14</a:t>
             </a:fld>
             <a:endParaRPr lang="zh-CN" altLang="en-US"/>
           </a:p>
@@ -3220,7 +3665,7 @@
           <a:p>
             <a:fld id="{38D2F079-72ED-455F-84CE-DB8625D5603C}" type="datetimeFigureOut">
               <a:rPr lang="zh-CN" altLang="en-US" smtClean="0"/>
-              <a:t>2022/6/8</a:t>
+              <a:t>2022/6/14</a:t>
             </a:fld>
             <a:endParaRPr lang="zh-CN" altLang="en-US"/>
           </a:p>
@@ -3508,7 +3953,7 @@
           <a:p>
             <a:fld id="{38D2F079-72ED-455F-84CE-DB8625D5603C}" type="datetimeFigureOut">
               <a:rPr lang="zh-CN" altLang="en-US" smtClean="0"/>
-              <a:t>2022/6/8</a:t>
+              <a:t>2022/6/14</a:t>
             </a:fld>
             <a:endParaRPr lang="zh-CN" altLang="en-US"/>
           </a:p>
@@ -3767,7 +4212,7 @@
           <a:p>
             <a:fld id="{38D2F079-72ED-455F-84CE-DB8625D5603C}" type="datetimeFigureOut">
               <a:rPr lang="zh-CN" altLang="en-US" smtClean="0"/>
-              <a:t>2022/6/8</a:t>
+              <a:t>2022/6/14</a:t>
             </a:fld>
             <a:endParaRPr lang="zh-CN" altLang="en-US"/>
           </a:p>
@@ -4350,7 +4795,7 @@
           <a:lstStyle/>
           <a:p>
             <a:r>
-              <a:rPr lang="zh-CN" altLang="en-US" dirty="0"/>
+              <a:rPr lang="zh-CN" altLang="en-US" b="1" dirty="0"/>
               <a:t>存在问题</a:t>
             </a:r>
           </a:p>
@@ -4377,6 +4822,23 @@
           <a:bodyPr/>
           <a:lstStyle/>
           <a:p>
+            <a:pPr marL="0" indent="0">
+              <a:buNone/>
+            </a:pPr>
+            <a:r>
+              <a:rPr lang="en-US" altLang="zh-CN" dirty="0"/>
+              <a:t>(5)</a:t>
+            </a:r>
+            <a:r>
+              <a:rPr lang="zh-CN" altLang="en-US" dirty="0"/>
+              <a:t>有些信贷决策模型只是形式优化模型，单目标、变量多、约束少，直观的结果与模型无关。</a:t>
+            </a:r>
+            <a:endParaRPr lang="en-US" altLang="zh-CN" dirty="0"/>
+          </a:p>
+          <a:p>
+            <a:pPr marL="0" indent="0">
+              <a:buNone/>
+            </a:pPr>
             <a:r>
               <a:rPr lang="zh-CN" altLang="en-US" dirty="0"/>
               <a:t> </a:t>
@@ -4387,16 +4849,13 @@
             </a:r>
             <a:r>
               <a:rPr lang="zh-CN" altLang="en-US" dirty="0"/>
-              <a:t>有些信贷决策模型只是形式优化模型，单目标、变量</a:t>
-            </a:r>
-          </a:p>
-          <a:p>
-            <a:r>
-              <a:rPr lang="zh-CN" altLang="en-US" dirty="0"/>
-              <a:t>多、约束少，直观的结果与模型无关。</a:t>
-            </a:r>
-          </a:p>
-          <a:p>
+              <a:t>由于问题的开放性，无固定模型和方法，更无确定结 果，几乎无可参考的资料。不能死搬硬套或照抄了一 些不相关的模型、方法和不搭界的所谓“高大上”的算法。</a:t>
+            </a:r>
+          </a:p>
+          <a:p>
+            <a:pPr marL="0" indent="0">
+              <a:buNone/>
+            </a:pPr>
             <a:r>
               <a:rPr lang="zh-CN" altLang="en-US" dirty="0"/>
               <a:t> </a:t>
@@ -4407,40 +4866,30 @@
             </a:r>
             <a:r>
               <a:rPr lang="zh-CN" altLang="en-US" dirty="0"/>
-              <a:t>有的利用机器学习，没有说明训练样本和验证样本各 是什么，即便是交叉检验也应设定相应比例。有的用神经网络</a:t>
-            </a:r>
-          </a:p>
-          <a:p>
+              <a:t>竞赛论文的表述看，搬方法、套模型、抄算法的 “套路化</a:t>
+            </a:r>
+            <a:r>
+              <a:rPr lang="en-US" altLang="zh-CN" dirty="0"/>
+              <a:t>;</a:t>
+            </a:r>
             <a:r>
               <a:rPr lang="zh-CN" altLang="en-US" dirty="0"/>
-              <a:t>只抄了一般算法，没有具体实现过程，输入与输出是什么，又</a:t>
-            </a:r>
-          </a:p>
-          <a:p>
+              <a:t>做法仍存在，形式化和虚拟化的表面文章过多， 模板化”和“套路化”的论文较为普遍。没有特性 没</a:t>
+            </a:r>
+            <a:r>
+              <a:rPr lang="en-US" altLang="zh-CN" dirty="0"/>
+              <a:t>, </a:t>
+            </a:r>
             <a:r>
               <a:rPr lang="zh-CN" altLang="en-US" dirty="0"/>
-              <a:t>如何实现</a:t>
-            </a:r>
-            <a:r>
-              <a:rPr lang="en-US" altLang="zh-CN" dirty="0"/>
-              <a:t>?</a:t>
-            </a:r>
-          </a:p>
-          <a:p>
-            <a:r>
-              <a:rPr lang="en-US" altLang="zh-CN" dirty="0"/>
-              <a:t> (8)</a:t>
-            </a:r>
-            <a:r>
-              <a:rPr lang="zh-CN" altLang="en-US" dirty="0"/>
-              <a:t>大多数没有考虑一般突发因素的影响，而对新冠疫情</a:t>
-            </a:r>
-          </a:p>
-          <a:p>
-            <a:r>
-              <a:rPr lang="zh-CN" altLang="en-US" dirty="0"/>
-              <a:t>也只考虑了负面影响。而且没有反映到信贷风险和信贷决策模 型中去</a:t>
-            </a:r>
+              <a:t>针对性，何以创新。</a:t>
+            </a:r>
+          </a:p>
+          <a:p>
+            <a:pPr marL="0" indent="0">
+              <a:buNone/>
+            </a:pPr>
+            <a:endParaRPr lang="zh-CN" altLang="en-US" dirty="0"/>
           </a:p>
         </p:txBody>
       </p:sp>
@@ -4479,7 +4928,7 @@
           <p:cNvPr id="2" name="标题 1">
             <a:extLst>
               <a:ext uri="{FF2B5EF4-FFF2-40B4-BE49-F238E27FC236}">
-                <a16:creationId xmlns:a16="http://schemas.microsoft.com/office/drawing/2014/main" id="{534853EF-F3E4-2B3C-7BAF-B4095AAA4708}"/>
+                <a16:creationId xmlns:a16="http://schemas.microsoft.com/office/drawing/2014/main" id="{774E5903-FCB4-FB73-A718-08A35E40F3CF}"/>
               </a:ext>
             </a:extLst>
           </p:cNvPr>
@@ -4496,8 +4945,8 @@
           <a:lstStyle/>
           <a:p>
             <a:r>
-              <a:rPr lang="zh-CN" altLang="en-US" dirty="0"/>
-              <a:t>存在问题</a:t>
+              <a:rPr lang="zh-CN" altLang="en-US" b="1" dirty="0"/>
+              <a:t>优点</a:t>
             </a:r>
           </a:p>
         </p:txBody>
@@ -4507,7 +4956,7 @@
           <p:cNvPr id="3" name="内容占位符 2">
             <a:extLst>
               <a:ext uri="{FF2B5EF4-FFF2-40B4-BE49-F238E27FC236}">
-                <a16:creationId xmlns:a16="http://schemas.microsoft.com/office/drawing/2014/main" id="{BD28BDE2-B41D-B5F5-24C3-8FF601ECAFEA}"/>
+                <a16:creationId xmlns:a16="http://schemas.microsoft.com/office/drawing/2014/main" id="{6568680D-71A7-E666-E4D7-9E71E53A8535}"/>
               </a:ext>
             </a:extLst>
           </p:cNvPr>
@@ -4520,61 +4969,185 @@
         </p:nvSpPr>
         <p:spPr/>
         <p:txBody>
-          <a:bodyPr/>
+          <a:bodyPr>
+            <a:normAutofit/>
+          </a:bodyPr>
           <a:lstStyle/>
           <a:p>
-            <a:r>
-              <a:rPr lang="zh-CN" altLang="en-US" dirty="0"/>
+            <a:pPr marL="0" indent="0" algn="l">
+              <a:lnSpc>
+                <a:spcPct val="100000"/>
+              </a:lnSpc>
+              <a:buNone/>
+            </a:pPr>
+            <a:r>
+              <a:rPr lang="en-US" altLang="zh-CN" sz="2000" dirty="0">
+                <a:latin typeface="TimesNewRomanPSMT"/>
+              </a:rPr>
+              <a:t>1</a:t>
+            </a:r>
+            <a:r>
+              <a:rPr lang="en-US" altLang="zh-CN" sz="2000" b="0" i="0" u="none" strike="noStrike" baseline="0" dirty="0">
+                <a:latin typeface="TimesNewRomanPSMT"/>
+              </a:rPr>
               <a:t> </a:t>
             </a:r>
             <a:r>
-              <a:rPr lang="en-US" altLang="zh-CN" dirty="0"/>
-              <a:t>(9)</a:t>
-            </a:r>
-            <a:r>
-              <a:rPr lang="zh-CN" altLang="en-US" dirty="0"/>
-              <a:t>由于问题的开放性，无固定模型和方法，更无确定结 果，几乎无可参考的资料。有的参赛队死搬硬套或照抄了一 些不相关的模型、方法和不搭界的所谓“高大上”的算法。</a:t>
-            </a:r>
-          </a:p>
-          <a:p>
-            <a:r>
-              <a:rPr lang="zh-CN" altLang="en-US" dirty="0"/>
+              <a:rPr lang="en-US" altLang="zh-CN" sz="2000" b="0" i="0" u="none" strike="noStrike" baseline="0" dirty="0">
+                <a:latin typeface="宋体" panose="02010600030101010101" pitchFamily="2" charset="-122"/>
+                <a:ea typeface="宋体" panose="02010600030101010101" pitchFamily="2" charset="-122"/>
+              </a:rPr>
+              <a:t>.</a:t>
+            </a:r>
+            <a:r>
+              <a:rPr lang="zh-CN" altLang="en-US" sz="2000" b="0" i="0" u="none" strike="noStrike" baseline="0" dirty="0">
+                <a:latin typeface="宋体" panose="02010600030101010101" pitchFamily="2" charset="-122"/>
+                <a:ea typeface="宋体" panose="02010600030101010101" pitchFamily="2" charset="-122"/>
+              </a:rPr>
+              <a:t>根据</a:t>
+            </a:r>
+            <a:r>
+              <a:rPr lang="en-US" altLang="zh-CN" sz="2000" b="0" i="0" u="none" strike="noStrike" baseline="0" dirty="0">
+                <a:latin typeface="TimesNewRomanPSMT"/>
+                <a:ea typeface="宋体" panose="02010600030101010101" pitchFamily="2" charset="-122"/>
+              </a:rPr>
+              <a:t>RAROC </a:t>
+            </a:r>
+            <a:r>
+              <a:rPr lang="zh-CN" altLang="en-US" sz="2000" b="0" i="0" u="none" strike="noStrike" baseline="0" dirty="0">
+                <a:latin typeface="宋体" panose="02010600030101010101" pitchFamily="2" charset="-122"/>
+                <a:ea typeface="宋体" panose="02010600030101010101" pitchFamily="2" charset="-122"/>
+              </a:rPr>
+              <a:t>（风险资本回报率）理论和违约金字塔理论构建合理有效的最优贷款决</a:t>
+            </a:r>
+          </a:p>
+          <a:p>
+            <a:pPr marL="0" indent="0" algn="l">
+              <a:lnSpc>
+                <a:spcPct val="100000"/>
+              </a:lnSpc>
+              <a:buNone/>
+            </a:pPr>
+            <a:r>
+              <a:rPr lang="zh-CN" altLang="en-US" sz="2000" b="0" i="0" u="none" strike="noStrike" baseline="0" dirty="0">
+                <a:latin typeface="宋体" panose="02010600030101010101" pitchFamily="2" charset="-122"/>
+                <a:ea typeface="宋体" panose="02010600030101010101" pitchFamily="2" charset="-122"/>
+              </a:rPr>
+              <a:t>策模型，使得模型有充分的理论依据，能够解决实际问题。</a:t>
+            </a:r>
+          </a:p>
+          <a:p>
+            <a:pPr marL="0" indent="0" algn="l">
+              <a:lnSpc>
+                <a:spcPct val="100000"/>
+              </a:lnSpc>
+              <a:buNone/>
+            </a:pPr>
+            <a:r>
+              <a:rPr lang="en-US" altLang="zh-CN" sz="2000" dirty="0">
+                <a:latin typeface="TimesNewRomanPSMT"/>
+              </a:rPr>
+              <a:t>2</a:t>
+            </a:r>
+            <a:r>
+              <a:rPr lang="en-US" altLang="zh-CN" sz="2000" b="0" i="0" u="none" strike="noStrike" baseline="0" dirty="0">
+                <a:latin typeface="TimesNewRomanPSMT"/>
+              </a:rPr>
               <a:t> </a:t>
             </a:r>
             <a:r>
-              <a:rPr lang="en-US" altLang="zh-CN" dirty="0"/>
-              <a:t>(10)</a:t>
-            </a:r>
-            <a:r>
-              <a:rPr lang="zh-CN" altLang="en-US" dirty="0"/>
-              <a:t>竞赛论文的表述看，搬方法、套模型、抄算法的 “套路化</a:t>
-            </a:r>
-            <a:r>
-              <a:rPr lang="en-US" altLang="zh-CN" dirty="0"/>
-              <a:t>;</a:t>
-            </a:r>
-            <a:r>
-              <a:rPr lang="zh-CN" altLang="en-US" dirty="0"/>
-              <a:t>做法仍存在，形式化和虚拟化的表面文章过多， 模板化”和“套路化”的论文较为普遍。没有特性 没</a:t>
-            </a:r>
-            <a:r>
-              <a:rPr lang="en-US" altLang="zh-CN" dirty="0"/>
-              <a:t>, </a:t>
-            </a:r>
-            <a:r>
-              <a:rPr lang="zh-CN" altLang="en-US" dirty="0"/>
-              <a:t>针对性，何以创新。</a:t>
-            </a:r>
-          </a:p>
-          <a:p>
-            <a:endParaRPr lang="zh-CN" altLang="en-US" dirty="0"/>
+              <a:rPr lang="en-US" altLang="zh-CN" sz="2000" b="0" i="0" u="none" strike="noStrike" baseline="0" dirty="0">
+                <a:latin typeface="宋体" panose="02010600030101010101" pitchFamily="2" charset="-122"/>
+                <a:ea typeface="宋体" panose="02010600030101010101" pitchFamily="2" charset="-122"/>
+              </a:rPr>
+              <a:t>.</a:t>
+            </a:r>
+            <a:r>
+              <a:rPr lang="zh-CN" altLang="en-US" sz="2000" b="0" i="0" u="none" strike="noStrike" baseline="0" dirty="0">
+                <a:latin typeface="宋体" panose="02010600030101010101" pitchFamily="2" charset="-122"/>
+                <a:ea typeface="宋体" panose="02010600030101010101" pitchFamily="2" charset="-122"/>
+              </a:rPr>
+              <a:t>风险阈值的设定十分巧妙，有效地减少了银行面临的违约风险。</a:t>
+            </a:r>
+          </a:p>
+          <a:p>
+            <a:pPr marL="0" indent="0" algn="l">
+              <a:lnSpc>
+                <a:spcPct val="100000"/>
+              </a:lnSpc>
+              <a:buNone/>
+            </a:pPr>
+            <a:r>
+              <a:rPr lang="en-US" altLang="zh-CN" sz="2000" dirty="0">
+                <a:latin typeface="TimesNewRomanPSMT"/>
+              </a:rPr>
+              <a:t>3</a:t>
+            </a:r>
+            <a:r>
+              <a:rPr lang="en-US" altLang="zh-CN" sz="2000" b="0" i="0" u="none" strike="noStrike" baseline="0" dirty="0">
+                <a:latin typeface="TimesNewRomanPSMT"/>
+              </a:rPr>
+              <a:t> </a:t>
+            </a:r>
+            <a:r>
+              <a:rPr lang="en-US" altLang="zh-CN" sz="2000" b="0" i="0" u="none" strike="noStrike" baseline="0" dirty="0">
+                <a:latin typeface="宋体" panose="02010600030101010101" pitchFamily="2" charset="-122"/>
+                <a:ea typeface="宋体" panose="02010600030101010101" pitchFamily="2" charset="-122"/>
+              </a:rPr>
+              <a:t>.</a:t>
+            </a:r>
+            <a:r>
+              <a:rPr lang="zh-CN" altLang="en-US" sz="2000" b="0" i="0" u="none" strike="noStrike" baseline="0" dirty="0">
+                <a:latin typeface="宋体" panose="02010600030101010101" pitchFamily="2" charset="-122"/>
+                <a:ea typeface="宋体" panose="02010600030101010101" pitchFamily="2" charset="-122"/>
+              </a:rPr>
+              <a:t>创新性地提出了突发事件因子，结果证明将这种因子引入模型中十分有效，能够很</a:t>
+            </a:r>
+          </a:p>
+          <a:p>
+            <a:pPr marL="0" indent="0" algn="l">
+              <a:lnSpc>
+                <a:spcPct val="100000"/>
+              </a:lnSpc>
+              <a:buNone/>
+            </a:pPr>
+            <a:r>
+              <a:rPr lang="zh-CN" altLang="en-US" sz="2000" b="0" i="0" u="none" strike="noStrike" baseline="0" dirty="0">
+                <a:latin typeface="宋体" panose="02010600030101010101" pitchFamily="2" charset="-122"/>
+                <a:ea typeface="宋体" panose="02010600030101010101" pitchFamily="2" charset="-122"/>
+              </a:rPr>
+              <a:t>好的识别到突发事件的影响。</a:t>
+            </a:r>
+            <a:endParaRPr lang="en-US" altLang="zh-CN" sz="2000" b="0" i="0" u="none" strike="noStrike" baseline="0" dirty="0">
+              <a:latin typeface="宋体" panose="02010600030101010101" pitchFamily="2" charset="-122"/>
+              <a:ea typeface="宋体" panose="02010600030101010101" pitchFamily="2" charset="-122"/>
+            </a:endParaRPr>
+          </a:p>
+          <a:p>
+            <a:pPr marL="0" indent="0" algn="l">
+              <a:buNone/>
+            </a:pPr>
+            <a:r>
+              <a:rPr lang="zh-CN" altLang="en-US" sz="2000" b="0" i="0" u="none" strike="noStrike" baseline="0" dirty="0">
+                <a:solidFill>
+                  <a:srgbClr val="0906E0"/>
+                </a:solidFill>
+                <a:latin typeface="楷体" panose="02010609060101010101" pitchFamily="49" charset="-122"/>
+                <a:ea typeface="楷体" panose="02010609060101010101" pitchFamily="49" charset="-122"/>
+              </a:rPr>
+              <a:t>问题的针对性强、数据的处理和应用正确，模型设计和结论切合实际，考虑问题全面，有创新、有特色，思路清晰、表述准确、论述严谨</a:t>
+            </a:r>
+            <a:endParaRPr lang="zh-CN" altLang="en-US" sz="2000" b="0" i="0" u="none" strike="noStrike" baseline="0" dirty="0">
+              <a:latin typeface="宋体" panose="02010600030101010101" pitchFamily="2" charset="-122"/>
+              <a:ea typeface="宋体" panose="02010600030101010101" pitchFamily="2" charset="-122"/>
+            </a:endParaRPr>
           </a:p>
         </p:txBody>
       </p:sp>
     </p:spTree>
     <p:extLst>
       <p:ext uri="{BB962C8B-B14F-4D97-AF65-F5344CB8AC3E}">
-        <p14:creationId xmlns:p14="http://schemas.microsoft.com/office/powerpoint/2010/main" val="2980984477"/>
+        <p14:creationId xmlns:p14="http://schemas.microsoft.com/office/powerpoint/2010/main" val="2340650250"/>
       </p:ext>
     </p:extLst>
   </p:cSld>
@@ -4615,7 +5188,7 @@
         </p:nvSpPr>
         <p:spPr>
           <a:xfrm>
-            <a:off x="0" y="1654143"/>
+            <a:off x="0" y="1656308"/>
             <a:ext cx="12192000" cy="3256777"/>
           </a:xfrm>
           <a:prstGeom prst="rect">
@@ -4691,7 +5264,7 @@
                 <a:ea typeface="微软雅黑" panose="020B0503020204020204" pitchFamily="34" charset="-122"/>
                 <a:cs typeface="Times New Roman" panose="02020603050405020304" pitchFamily="18" charset="0"/>
               </a:rPr>
-              <a:t>随机森林</a:t>
+              <a:t>程序主要技术复现</a:t>
             </a:r>
           </a:p>
         </p:txBody>
@@ -4710,7 +5283,7 @@
         </p:nvSpPr>
         <p:spPr>
           <a:xfrm>
-            <a:off x="4601029" y="3756971"/>
+            <a:off x="4595965" y="4126707"/>
             <a:ext cx="3156857" cy="338554"/>
           </a:xfrm>
           <a:prstGeom prst="rect">
@@ -5409,10 +5982,70 @@
           </a:p>
         </p:txBody>
       </p:sp>
+      <p:sp>
+        <p:nvSpPr>
+          <p:cNvPr id="2" name="文本框 1">
+            <a:extLst>
+              <a:ext uri="{FF2B5EF4-FFF2-40B4-BE49-F238E27FC236}">
+                <a16:creationId xmlns:a16="http://schemas.microsoft.com/office/drawing/2014/main" id="{238A4732-9D59-889B-454D-099C2026B6F0}"/>
+              </a:ext>
+            </a:extLst>
+          </p:cNvPr>
+          <p:cNvSpPr txBox="1"/>
+          <p:nvPr/>
+        </p:nvSpPr>
+        <p:spPr>
+          <a:xfrm>
+            <a:off x="5331463" y="3533106"/>
+            <a:ext cx="2608188" cy="461665"/>
+          </a:xfrm>
+          <a:prstGeom prst="rect">
+            <a:avLst/>
+          </a:prstGeom>
+          <a:noFill/>
+        </p:spPr>
+        <p:txBody>
+          <a:bodyPr wrap="square" rtlCol="0">
+            <a:spAutoFit/>
+          </a:bodyPr>
+          <a:lstStyle/>
+          <a:p>
+            <a:r>
+              <a:rPr lang="en-US" altLang="zh-CN" sz="2400" dirty="0">
+                <a:solidFill>
+                  <a:schemeClr val="bg1"/>
+                </a:solidFill>
+              </a:rPr>
+              <a:t>2020</a:t>
+            </a:r>
+            <a:r>
+              <a:rPr lang="zh-CN" altLang="en-US" sz="2400" dirty="0">
+                <a:solidFill>
+                  <a:schemeClr val="bg1"/>
+                </a:solidFill>
+              </a:rPr>
+              <a:t>国赛</a:t>
+            </a:r>
+            <a:r>
+              <a:rPr lang="en-US" altLang="zh-CN" sz="2400" dirty="0">
+                <a:solidFill>
+                  <a:schemeClr val="bg1"/>
+                </a:solidFill>
+              </a:rPr>
+              <a:t>C</a:t>
+            </a:r>
+            <a:endParaRPr lang="zh-CN" altLang="en-US" sz="2400" dirty="0">
+              <a:solidFill>
+                <a:schemeClr val="bg1"/>
+              </a:solidFill>
+            </a:endParaRPr>
+          </a:p>
+        </p:txBody>
+      </p:sp>
     </p:spTree>
     <p:extLst>
       <p:ext uri="{BB962C8B-B14F-4D97-AF65-F5344CB8AC3E}">
-        <p14:creationId xmlns:p14="http://schemas.microsoft.com/office/powerpoint/2010/main" val="1114382289"/>
+        <p14:creationId xmlns:p14="http://schemas.microsoft.com/office/powerpoint/2010/main" val="1424461480"/>
       </p:ext>
     </p:extLst>
   </p:cSld>
@@ -5444,6 +6077,4267 @@
           <p:cNvPr id="2" name="标题 1">
             <a:extLst>
               <a:ext uri="{FF2B5EF4-FFF2-40B4-BE49-F238E27FC236}">
+                <a16:creationId xmlns:a16="http://schemas.microsoft.com/office/drawing/2014/main" id="{A15BE240-0920-02F0-BE4E-2DED95B3E87F}"/>
+              </a:ext>
+            </a:extLst>
+          </p:cNvPr>
+          <p:cNvSpPr>
+            <a:spLocks noGrp="1"/>
+          </p:cNvSpPr>
+          <p:nvPr>
+            <p:ph type="title"/>
+          </p:nvPr>
+        </p:nvSpPr>
+        <p:spPr/>
+        <p:txBody>
+          <a:bodyPr/>
+          <a:lstStyle/>
+          <a:p>
+            <a:r>
+              <a:rPr lang="zh-CN" altLang="en-US" dirty="0"/>
+              <a:t>原文具体思路图</a:t>
+            </a:r>
+          </a:p>
+        </p:txBody>
+      </p:sp>
+      <p:pic>
+        <p:nvPicPr>
+          <p:cNvPr id="4" name="内容占位符 3">
+            <a:extLst>
+              <a:ext uri="{FF2B5EF4-FFF2-40B4-BE49-F238E27FC236}">
+                <a16:creationId xmlns:a16="http://schemas.microsoft.com/office/drawing/2014/main" id="{A8C180C0-823D-2639-5C32-CB0BFFD828BE}"/>
+              </a:ext>
+            </a:extLst>
+          </p:cNvPr>
+          <p:cNvPicPr>
+            <a:picLocks noGrp="1" noChangeAspect="1"/>
+          </p:cNvPicPr>
+          <p:nvPr>
+            <p:ph idx="1"/>
+          </p:nvPr>
+        </p:nvPicPr>
+        <p:blipFill>
+          <a:blip r:embed="rId2"/>
+          <a:stretch>
+            <a:fillRect/>
+          </a:stretch>
+        </p:blipFill>
+        <p:spPr>
+          <a:xfrm>
+            <a:off x="838200" y="1942226"/>
+            <a:ext cx="6738909" cy="4351338"/>
+          </a:xfrm>
+          <a:prstGeom prst="rect">
+            <a:avLst/>
+          </a:prstGeom>
+        </p:spPr>
+      </p:pic>
+    </p:spTree>
+    <p:extLst>
+      <p:ext uri="{BB962C8B-B14F-4D97-AF65-F5344CB8AC3E}">
+        <p14:creationId xmlns:p14="http://schemas.microsoft.com/office/powerpoint/2010/main" val="2519834865"/>
+      </p:ext>
+    </p:extLst>
+  </p:cSld>
+  <p:clrMapOvr>
+    <a:masterClrMapping/>
+  </p:clrMapOvr>
+</p:sld>
+</file>
+
+<file path=ppt/slides/slide14.xml><?xml version="1.0" encoding="utf-8"?>
+<p:sld xmlns:a="http://schemas.openxmlformats.org/drawingml/2006/main" xmlns:r="http://schemas.openxmlformats.org/officeDocument/2006/relationships" xmlns:p="http://schemas.openxmlformats.org/presentationml/2006/main">
+  <p:cSld>
+    <p:spTree>
+      <p:nvGrpSpPr>
+        <p:cNvPr id="1" name=""/>
+        <p:cNvGrpSpPr/>
+        <p:nvPr/>
+      </p:nvGrpSpPr>
+      <p:grpSpPr>
+        <a:xfrm>
+          <a:off x="0" y="0"/>
+          <a:ext cx="0" cy="0"/>
+          <a:chOff x="0" y="0"/>
+          <a:chExt cx="0" cy="0"/>
+        </a:xfrm>
+      </p:grpSpPr>
+      <p:sp>
+        <p:nvSpPr>
+          <p:cNvPr id="2" name="标题 1"/>
+          <p:cNvSpPr>
+            <a:spLocks noGrp="1"/>
+          </p:cNvSpPr>
+          <p:nvPr>
+            <p:ph type="title"/>
+          </p:nvPr>
+        </p:nvSpPr>
+        <p:spPr/>
+        <p:txBody>
+          <a:bodyPr/>
+          <a:lstStyle/>
+          <a:p>
+            <a:r>
+              <a:rPr lang="zh-CN" altLang="en-US"/>
+              <a:t>量化指标</a:t>
+            </a:r>
+          </a:p>
+        </p:txBody>
+      </p:sp>
+      <p:sp>
+        <p:nvSpPr>
+          <p:cNvPr id="3" name="内容占位符 2"/>
+          <p:cNvSpPr>
+            <a:spLocks noGrp="1"/>
+          </p:cNvSpPr>
+          <p:nvPr>
+            <p:ph idx="1"/>
+          </p:nvPr>
+        </p:nvSpPr>
+        <p:spPr/>
+        <p:txBody>
+          <a:bodyPr/>
+          <a:lstStyle/>
+          <a:p>
+            <a:r>
+              <a:rPr lang="zh-CN" altLang="en-US"/>
+              <a:t>提炼有效指标，对目标函数的表达，算法的复杂程度，模型的准确度有着决定性的作用。</a:t>
+            </a:r>
+          </a:p>
+          <a:p>
+            <a:r>
+              <a:rPr lang="zh-CN" altLang="en-US"/>
+              <a:t>通过研读优秀论文，指标的提炼绝不是人云亦云，要结合合理的假设与推导，注意观察已给数据的信息，合理量化。</a:t>
+            </a:r>
+          </a:p>
+        </p:txBody>
+      </p:sp>
+    </p:spTree>
+  </p:cSld>
+  <p:clrMapOvr>
+    <a:masterClrMapping/>
+  </p:clrMapOvr>
+</p:sld>
+</file>
+
+<file path=ppt/slides/slide15.xml><?xml version="1.0" encoding="utf-8"?>
+<p:sld xmlns:a="http://schemas.openxmlformats.org/drawingml/2006/main" xmlns:r="http://schemas.openxmlformats.org/officeDocument/2006/relationships" xmlns:p="http://schemas.openxmlformats.org/presentationml/2006/main">
+  <p:cSld>
+    <p:spTree>
+      <p:nvGrpSpPr>
+        <p:cNvPr id="1" name=""/>
+        <p:cNvGrpSpPr/>
+        <p:nvPr/>
+      </p:nvGrpSpPr>
+      <p:grpSpPr>
+        <a:xfrm>
+          <a:off x="0" y="0"/>
+          <a:ext cx="0" cy="0"/>
+          <a:chOff x="0" y="0"/>
+          <a:chExt cx="0" cy="0"/>
+        </a:xfrm>
+      </p:grpSpPr>
+      <p:sp>
+        <p:nvSpPr>
+          <p:cNvPr id="2" name="标题 1"/>
+          <p:cNvSpPr>
+            <a:spLocks noGrp="1"/>
+          </p:cNvSpPr>
+          <p:nvPr>
+            <p:ph type="title"/>
+          </p:nvPr>
+        </p:nvSpPr>
+        <p:spPr/>
+        <p:txBody>
+          <a:bodyPr/>
+          <a:lstStyle/>
+          <a:p>
+            <a:r>
+              <a:rPr lang="zh-CN" altLang="en-US"/>
+              <a:t>熵权法</a:t>
+            </a:r>
+          </a:p>
+        </p:txBody>
+      </p:sp>
+      <p:sp>
+        <p:nvSpPr>
+          <p:cNvPr id="3" name="内容占位符 2"/>
+          <p:cNvSpPr>
+            <a:spLocks noGrp="1"/>
+          </p:cNvSpPr>
+          <p:nvPr>
+            <p:ph idx="1"/>
+          </p:nvPr>
+        </p:nvSpPr>
+        <p:spPr/>
+        <p:txBody>
+          <a:bodyPr>
+            <a:normAutofit lnSpcReduction="10000"/>
+          </a:bodyPr>
+          <a:lstStyle/>
+          <a:p>
+            <a:r>
+              <a:rPr lang="zh-CN" altLang="en-US" dirty="0"/>
+              <a:t>定义：根据信息熵的定义，对于某项指标，可以用熵值来判断某个指标的离散程度，其熵值越小，指标的离散程度越大，该指标对综合评价的影响（即权重）就越大，如果某项指标的值全部相等，则该指标在综合评价中不起作用。</a:t>
+            </a:r>
+          </a:p>
+          <a:p>
+            <a:r>
+              <a:rPr lang="zh-CN" altLang="en-US" dirty="0"/>
+              <a:t>解题步骤：</a:t>
+            </a:r>
+          </a:p>
+          <a:p>
+            <a:r>
+              <a:rPr lang="zh-CN" altLang="en-US" dirty="0"/>
+              <a:t>（</a:t>
+            </a:r>
+            <a:r>
+              <a:rPr lang="en-US" altLang="zh-CN" dirty="0"/>
+              <a:t>1</a:t>
+            </a:r>
+            <a:r>
+              <a:rPr lang="zh-CN" altLang="en-US" dirty="0"/>
+              <a:t>）数据预处理：对冗余数据，异常值数据进行处理</a:t>
+            </a:r>
+          </a:p>
+          <a:p>
+            <a:r>
+              <a:rPr lang="zh-CN" altLang="en-US" dirty="0"/>
+              <a:t>（</a:t>
+            </a:r>
+            <a:r>
+              <a:rPr lang="en-US" altLang="zh-CN" dirty="0"/>
+              <a:t>2</a:t>
+            </a:r>
+            <a:r>
+              <a:rPr lang="zh-CN" altLang="en-US" dirty="0"/>
+              <a:t>）归一化处理：（</a:t>
+            </a:r>
+            <a:r>
+              <a:rPr lang="en-US" altLang="zh-CN" dirty="0"/>
+              <a:t>1</a:t>
+            </a:r>
+            <a:r>
+              <a:rPr lang="zh-CN" altLang="en-US" dirty="0"/>
+              <a:t>）</a:t>
+            </a:r>
+            <a:r>
+              <a:rPr lang="en-US" altLang="zh-CN" dirty="0"/>
+              <a:t>0-1</a:t>
+            </a:r>
+            <a:r>
+              <a:rPr lang="zh-CN" altLang="en-US" dirty="0"/>
+              <a:t>归一化</a:t>
+            </a:r>
+            <a:endParaRPr lang="en-US" altLang="zh-CN" dirty="0"/>
+          </a:p>
+          <a:p>
+            <a:pPr marL="0" indent="0">
+              <a:buNone/>
+            </a:pPr>
+            <a:r>
+              <a:rPr lang="zh-CN" altLang="en-US" dirty="0"/>
+              <a:t>                                  （</a:t>
+            </a:r>
+            <a:r>
+              <a:rPr lang="en-US" altLang="zh-CN" dirty="0"/>
+              <a:t>2</a:t>
+            </a:r>
+            <a:r>
+              <a:rPr lang="zh-CN" altLang="en-US" dirty="0"/>
+              <a:t>）</a:t>
+            </a:r>
+            <a:r>
+              <a:rPr lang="en-US" altLang="zh-CN" dirty="0"/>
+              <a:t>Z-score</a:t>
+            </a:r>
+            <a:r>
+              <a:rPr lang="zh-CN" altLang="en-US" dirty="0"/>
+              <a:t>归一化</a:t>
+            </a:r>
+          </a:p>
+          <a:p>
+            <a:r>
+              <a:rPr lang="zh-CN" altLang="en-US" dirty="0"/>
+              <a:t>（</a:t>
+            </a:r>
+            <a:r>
+              <a:rPr lang="en-US" altLang="zh-CN" dirty="0"/>
+              <a:t>3</a:t>
+            </a:r>
+            <a:r>
+              <a:rPr lang="zh-CN" altLang="en-US" dirty="0"/>
+              <a:t>）先计算第</a:t>
+            </a:r>
+            <a:r>
+              <a:rPr lang="en-US" altLang="zh-CN" dirty="0" err="1"/>
+              <a:t>i</a:t>
+            </a:r>
+            <a:r>
+              <a:rPr lang="zh-CN" altLang="en-US" dirty="0"/>
+              <a:t>个用户的第</a:t>
+            </a:r>
+            <a:r>
+              <a:rPr lang="en-US" altLang="zh-CN" dirty="0"/>
+              <a:t>j</a:t>
+            </a:r>
+            <a:r>
+              <a:rPr lang="zh-CN" altLang="en-US" dirty="0"/>
+              <a:t>个指标的比重</a:t>
+            </a:r>
+          </a:p>
+          <a:p>
+            <a:r>
+              <a:rPr lang="zh-CN" altLang="en-US" dirty="0"/>
+              <a:t>（</a:t>
+            </a:r>
+            <a:r>
+              <a:rPr lang="en-US" altLang="zh-CN" dirty="0"/>
+              <a:t>4</a:t>
+            </a:r>
+            <a:r>
+              <a:rPr lang="zh-CN" altLang="en-US" dirty="0"/>
+              <a:t>）计算第</a:t>
+            </a:r>
+            <a:r>
+              <a:rPr lang="en-US" altLang="zh-CN" dirty="0"/>
+              <a:t>j</a:t>
+            </a:r>
+            <a:r>
+              <a:rPr lang="zh-CN" altLang="en-US" dirty="0"/>
+              <a:t>个指标的信息熵</a:t>
+            </a:r>
+          </a:p>
+        </p:txBody>
+      </p:sp>
+      <p:graphicFrame>
+        <p:nvGraphicFramePr>
+          <p:cNvPr id="9" name="对象 8">
+            <a:extLst>
+              <a:ext uri="{FF2B5EF4-FFF2-40B4-BE49-F238E27FC236}">
+                <a16:creationId xmlns:a16="http://schemas.microsoft.com/office/drawing/2014/main" id="{3036E017-0451-CB7D-CE51-17D7171E3C62}"/>
+              </a:ext>
+            </a:extLst>
+          </p:cNvPr>
+          <p:cNvGraphicFramePr>
+            <a:graphicFrameLocks noChangeAspect="1"/>
+          </p:cNvGraphicFramePr>
+          <p:nvPr>
+            <p:extLst>
+              <p:ext uri="{D42A27DB-BD31-4B8C-83A1-F6EECF244321}">
+                <p14:modId xmlns:p14="http://schemas.microsoft.com/office/powerpoint/2010/main" val="2037721063"/>
+              </p:ext>
+            </p:extLst>
+          </p:nvPr>
+        </p:nvGraphicFramePr>
+        <p:xfrm>
+          <a:off x="6951140" y="4196114"/>
+          <a:ext cx="1431883" cy="492943"/>
+        </p:xfrm>
+        <a:graphic>
+          <a:graphicData uri="http://schemas.openxmlformats.org/presentationml/2006/ole">
+            <mc:AlternateContent xmlns:mc="http://schemas.openxmlformats.org/markup-compatibility/2006">
+              <mc:Choice xmlns:v="urn:schemas-microsoft-com:vml" Requires="v">
+                <p:oleObj name="Equation" r:id="rId2" imgW="1549080" imgH="533160" progId="Equation.DSMT4">
+                  <p:embed/>
+                </p:oleObj>
+              </mc:Choice>
+              <mc:Fallback>
+                <p:oleObj name="Equation" r:id="rId2" imgW="1549080" imgH="533160" progId="Equation.DSMT4">
+                  <p:embed/>
+                  <p:pic>
+                    <p:nvPicPr>
+                      <p:cNvPr id="4" name="对象 3">
+                        <a:extLst>
+                          <a:ext uri="{FF2B5EF4-FFF2-40B4-BE49-F238E27FC236}">
+                            <a16:creationId xmlns:a16="http://schemas.microsoft.com/office/drawing/2014/main" id="{6E07D40B-4DC1-149A-C818-899884F05625}"/>
+                          </a:ext>
+                        </a:extLst>
+                      </p:cNvPr>
+                      <p:cNvPicPr/>
+                      <p:nvPr/>
+                    </p:nvPicPr>
+                    <p:blipFill>
+                      <a:blip r:embed="rId3"/>
+                      <a:stretch>
+                        <a:fillRect/>
+                      </a:stretch>
+                    </p:blipFill>
+                    <p:spPr>
+                      <a:xfrm>
+                        <a:off x="6951140" y="4196114"/>
+                        <a:ext cx="1431883" cy="492943"/>
+                      </a:xfrm>
+                      <a:prstGeom prst="rect">
+                        <a:avLst/>
+                      </a:prstGeom>
+                    </p:spPr>
+                  </p:pic>
+                </p:oleObj>
+              </mc:Fallback>
+            </mc:AlternateContent>
+          </a:graphicData>
+        </a:graphic>
+      </p:graphicFrame>
+      <p:graphicFrame>
+        <p:nvGraphicFramePr>
+          <p:cNvPr id="10" name="对象 9">
+            <a:extLst>
+              <a:ext uri="{FF2B5EF4-FFF2-40B4-BE49-F238E27FC236}">
+                <a16:creationId xmlns:a16="http://schemas.microsoft.com/office/drawing/2014/main" id="{388735EF-276C-5970-E2A8-3BD8E6A3D333}"/>
+              </a:ext>
+            </a:extLst>
+          </p:cNvPr>
+          <p:cNvGraphicFramePr>
+            <a:graphicFrameLocks noChangeAspect="1"/>
+          </p:cNvGraphicFramePr>
+          <p:nvPr>
+            <p:extLst>
+              <p:ext uri="{D42A27DB-BD31-4B8C-83A1-F6EECF244321}">
+                <p14:modId xmlns:p14="http://schemas.microsoft.com/office/powerpoint/2010/main" val="346077658"/>
+              </p:ext>
+            </p:extLst>
+          </p:nvPr>
+        </p:nvGraphicFramePr>
+        <p:xfrm>
+          <a:off x="7543587" y="4689057"/>
+          <a:ext cx="774700" cy="419100"/>
+        </p:xfrm>
+        <a:graphic>
+          <a:graphicData uri="http://schemas.openxmlformats.org/presentationml/2006/ole">
+            <mc:AlternateContent xmlns:mc="http://schemas.openxmlformats.org/markup-compatibility/2006">
+              <mc:Choice xmlns:v="urn:schemas-microsoft-com:vml" Requires="v">
+                <p:oleObj name="Equation" r:id="rId4" imgW="774418" imgH="419415" progId="Equation.DSMT4">
+                  <p:embed/>
+                </p:oleObj>
+              </mc:Choice>
+              <mc:Fallback>
+                <p:oleObj name="Equation" r:id="rId4" imgW="774418" imgH="419415" progId="Equation.DSMT4">
+                  <p:embed/>
+                  <p:pic>
+                    <p:nvPicPr>
+                      <p:cNvPr id="0" name=""/>
+                      <p:cNvPicPr/>
+                      <p:nvPr/>
+                    </p:nvPicPr>
+                    <p:blipFill>
+                      <a:blip r:embed="rId5"/>
+                      <a:stretch>
+                        <a:fillRect/>
+                      </a:stretch>
+                    </p:blipFill>
+                    <p:spPr>
+                      <a:xfrm>
+                        <a:off x="7543587" y="4689057"/>
+                        <a:ext cx="774700" cy="419100"/>
+                      </a:xfrm>
+                      <a:prstGeom prst="rect">
+                        <a:avLst/>
+                      </a:prstGeom>
+                    </p:spPr>
+                  </p:pic>
+                </p:oleObj>
+              </mc:Fallback>
+            </mc:AlternateContent>
+          </a:graphicData>
+        </a:graphic>
+      </p:graphicFrame>
+      <p:graphicFrame>
+        <p:nvGraphicFramePr>
+          <p:cNvPr id="11" name="对象 10">
+            <a:extLst>
+              <a:ext uri="{FF2B5EF4-FFF2-40B4-BE49-F238E27FC236}">
+                <a16:creationId xmlns:a16="http://schemas.microsoft.com/office/drawing/2014/main" id="{B10C20C7-1BB7-0FD7-53F5-635585A37B8B}"/>
+              </a:ext>
+            </a:extLst>
+          </p:cNvPr>
+          <p:cNvGraphicFramePr>
+            <a:graphicFrameLocks noChangeAspect="1"/>
+          </p:cNvGraphicFramePr>
+          <p:nvPr>
+            <p:extLst>
+              <p:ext uri="{D42A27DB-BD31-4B8C-83A1-F6EECF244321}">
+                <p14:modId xmlns:p14="http://schemas.microsoft.com/office/powerpoint/2010/main" val="448241507"/>
+              </p:ext>
+            </p:extLst>
+          </p:nvPr>
+        </p:nvGraphicFramePr>
+        <p:xfrm>
+          <a:off x="7684523" y="5102810"/>
+          <a:ext cx="698500" cy="660400"/>
+        </p:xfrm>
+        <a:graphic>
+          <a:graphicData uri="http://schemas.openxmlformats.org/presentationml/2006/ole">
+            <mc:AlternateContent xmlns:mc="http://schemas.openxmlformats.org/markup-compatibility/2006">
+              <mc:Choice xmlns:v="urn:schemas-microsoft-com:vml" Requires="v">
+                <p:oleObj name="Equation" r:id="rId6" imgW="698400" imgH="660240" progId="Equation.DSMT4">
+                  <p:embed/>
+                </p:oleObj>
+              </mc:Choice>
+              <mc:Fallback>
+                <p:oleObj name="Equation" r:id="rId6" imgW="698400" imgH="660240" progId="Equation.DSMT4">
+                  <p:embed/>
+                  <p:pic>
+                    <p:nvPicPr>
+                      <p:cNvPr id="6" name="对象 5">
+                        <a:extLst>
+                          <a:ext uri="{FF2B5EF4-FFF2-40B4-BE49-F238E27FC236}">
+                            <a16:creationId xmlns:a16="http://schemas.microsoft.com/office/drawing/2014/main" id="{AD46CFA5-7D81-8AD0-813C-822B81C57D42}"/>
+                          </a:ext>
+                        </a:extLst>
+                      </p:cNvPr>
+                      <p:cNvPicPr/>
+                      <p:nvPr/>
+                    </p:nvPicPr>
+                    <p:blipFill>
+                      <a:blip r:embed="rId7"/>
+                      <a:stretch>
+                        <a:fillRect/>
+                      </a:stretch>
+                    </p:blipFill>
+                    <p:spPr>
+                      <a:xfrm>
+                        <a:off x="7684523" y="5102810"/>
+                        <a:ext cx="698500" cy="660400"/>
+                      </a:xfrm>
+                      <a:prstGeom prst="rect">
+                        <a:avLst/>
+                      </a:prstGeom>
+                    </p:spPr>
+                  </p:pic>
+                </p:oleObj>
+              </mc:Fallback>
+            </mc:AlternateContent>
+          </a:graphicData>
+        </a:graphic>
+      </p:graphicFrame>
+      <p:graphicFrame>
+        <p:nvGraphicFramePr>
+          <p:cNvPr id="12" name="对象 11">
+            <a:extLst>
+              <a:ext uri="{FF2B5EF4-FFF2-40B4-BE49-F238E27FC236}">
+                <a16:creationId xmlns:a16="http://schemas.microsoft.com/office/drawing/2014/main" id="{C04CD193-486D-0349-2658-D128C689BD7F}"/>
+              </a:ext>
+            </a:extLst>
+          </p:cNvPr>
+          <p:cNvGraphicFramePr>
+            <a:graphicFrameLocks noChangeAspect="1"/>
+          </p:cNvGraphicFramePr>
+          <p:nvPr>
+            <p:extLst>
+              <p:ext uri="{D42A27DB-BD31-4B8C-83A1-F6EECF244321}">
+                <p14:modId xmlns:p14="http://schemas.microsoft.com/office/powerpoint/2010/main" val="3872017556"/>
+              </p:ext>
+            </p:extLst>
+          </p:nvPr>
+        </p:nvGraphicFramePr>
+        <p:xfrm>
+          <a:off x="5861455" y="5679864"/>
+          <a:ext cx="1168400" cy="431800"/>
+        </p:xfrm>
+        <a:graphic>
+          <a:graphicData uri="http://schemas.openxmlformats.org/presentationml/2006/ole">
+            <mc:AlternateContent xmlns:mc="http://schemas.openxmlformats.org/markup-compatibility/2006">
+              <mc:Choice xmlns:v="urn:schemas-microsoft-com:vml" Requires="v">
+                <p:oleObj name="Equation" r:id="rId8" imgW="1168200" imgH="431640" progId="Equation.DSMT4">
+                  <p:embed/>
+                </p:oleObj>
+              </mc:Choice>
+              <mc:Fallback>
+                <p:oleObj name="Equation" r:id="rId8" imgW="1168200" imgH="431640" progId="Equation.DSMT4">
+                  <p:embed/>
+                  <p:pic>
+                    <p:nvPicPr>
+                      <p:cNvPr id="7" name="对象 6">
+                        <a:extLst>
+                          <a:ext uri="{FF2B5EF4-FFF2-40B4-BE49-F238E27FC236}">
+                            <a16:creationId xmlns:a16="http://schemas.microsoft.com/office/drawing/2014/main" id="{4DA572D0-9D71-50DB-2AFD-EBE4BFD7F1D0}"/>
+                          </a:ext>
+                        </a:extLst>
+                      </p:cNvPr>
+                      <p:cNvPicPr/>
+                      <p:nvPr/>
+                    </p:nvPicPr>
+                    <p:blipFill>
+                      <a:blip r:embed="rId9"/>
+                      <a:stretch>
+                        <a:fillRect/>
+                      </a:stretch>
+                    </p:blipFill>
+                    <p:spPr>
+                      <a:xfrm>
+                        <a:off x="5861455" y="5679864"/>
+                        <a:ext cx="1168400" cy="431800"/>
+                      </a:xfrm>
+                      <a:prstGeom prst="rect">
+                        <a:avLst/>
+                      </a:prstGeom>
+                    </p:spPr>
+                  </p:pic>
+                </p:oleObj>
+              </mc:Fallback>
+            </mc:AlternateContent>
+          </a:graphicData>
+        </a:graphic>
+      </p:graphicFrame>
+      <p:graphicFrame>
+        <p:nvGraphicFramePr>
+          <p:cNvPr id="13" name="对象 12">
+            <a:extLst>
+              <a:ext uri="{FF2B5EF4-FFF2-40B4-BE49-F238E27FC236}">
+                <a16:creationId xmlns:a16="http://schemas.microsoft.com/office/drawing/2014/main" id="{21FF5C81-D8B5-DF3C-4506-6D8C83301C99}"/>
+              </a:ext>
+            </a:extLst>
+          </p:cNvPr>
+          <p:cNvGraphicFramePr>
+            <a:graphicFrameLocks noChangeAspect="1"/>
+          </p:cNvGraphicFramePr>
+          <p:nvPr>
+            <p:extLst>
+              <p:ext uri="{D42A27DB-BD31-4B8C-83A1-F6EECF244321}">
+                <p14:modId xmlns:p14="http://schemas.microsoft.com/office/powerpoint/2010/main" val="4197802375"/>
+              </p:ext>
+            </p:extLst>
+          </p:nvPr>
+        </p:nvGraphicFramePr>
+        <p:xfrm>
+          <a:off x="7170791" y="5679864"/>
+          <a:ext cx="596900" cy="393700"/>
+        </p:xfrm>
+        <a:graphic>
+          <a:graphicData uri="http://schemas.openxmlformats.org/presentationml/2006/ole">
+            <mc:AlternateContent xmlns:mc="http://schemas.openxmlformats.org/markup-compatibility/2006">
+              <mc:Choice xmlns:v="urn:schemas-microsoft-com:vml" Requires="v">
+                <p:oleObj name="Equation" r:id="rId10" imgW="596880" imgH="393480" progId="Equation.DSMT4">
+                  <p:embed/>
+                </p:oleObj>
+              </mc:Choice>
+              <mc:Fallback>
+                <p:oleObj name="Equation" r:id="rId10" imgW="596880" imgH="393480" progId="Equation.DSMT4">
+                  <p:embed/>
+                  <p:pic>
+                    <p:nvPicPr>
+                      <p:cNvPr id="8" name="对象 7">
+                        <a:extLst>
+                          <a:ext uri="{FF2B5EF4-FFF2-40B4-BE49-F238E27FC236}">
+                            <a16:creationId xmlns:a16="http://schemas.microsoft.com/office/drawing/2014/main" id="{589739B1-897E-6B50-827E-49592B019046}"/>
+                          </a:ext>
+                        </a:extLst>
+                      </p:cNvPr>
+                      <p:cNvPicPr/>
+                      <p:nvPr/>
+                    </p:nvPicPr>
+                    <p:blipFill>
+                      <a:blip r:embed="rId11"/>
+                      <a:stretch>
+                        <a:fillRect/>
+                      </a:stretch>
+                    </p:blipFill>
+                    <p:spPr>
+                      <a:xfrm>
+                        <a:off x="7170791" y="5679864"/>
+                        <a:ext cx="596900" cy="393700"/>
+                      </a:xfrm>
+                      <a:prstGeom prst="rect">
+                        <a:avLst/>
+                      </a:prstGeom>
+                    </p:spPr>
+                  </p:pic>
+                </p:oleObj>
+              </mc:Fallback>
+            </mc:AlternateContent>
+          </a:graphicData>
+        </a:graphic>
+      </p:graphicFrame>
+    </p:spTree>
+  </p:cSld>
+  <p:clrMapOvr>
+    <a:masterClrMapping/>
+  </p:clrMapOvr>
+</p:sld>
+</file>
+
+<file path=ppt/slides/slide16.xml><?xml version="1.0" encoding="utf-8"?>
+<p:sld xmlns:a="http://schemas.openxmlformats.org/drawingml/2006/main" xmlns:r="http://schemas.openxmlformats.org/officeDocument/2006/relationships" xmlns:p="http://schemas.openxmlformats.org/presentationml/2006/main">
+  <p:cSld>
+    <p:spTree>
+      <p:nvGrpSpPr>
+        <p:cNvPr id="1" name=""/>
+        <p:cNvGrpSpPr/>
+        <p:nvPr/>
+      </p:nvGrpSpPr>
+      <p:grpSpPr>
+        <a:xfrm>
+          <a:off x="0" y="0"/>
+          <a:ext cx="0" cy="0"/>
+          <a:chOff x="0" y="0"/>
+          <a:chExt cx="0" cy="0"/>
+        </a:xfrm>
+      </p:grpSpPr>
+      <p:sp>
+        <p:nvSpPr>
+          <p:cNvPr id="2" name="标题 1"/>
+          <p:cNvSpPr>
+            <a:spLocks noGrp="1"/>
+          </p:cNvSpPr>
+          <p:nvPr>
+            <p:ph type="title"/>
+          </p:nvPr>
+        </p:nvSpPr>
+        <p:spPr/>
+        <p:txBody>
+          <a:bodyPr/>
+          <a:lstStyle/>
+          <a:p>
+            <a:r>
+              <a:rPr lang="zh-CN" altLang="en-US"/>
+              <a:t>熵权法</a:t>
+            </a:r>
+          </a:p>
+        </p:txBody>
+      </p:sp>
+      <p:sp>
+        <p:nvSpPr>
+          <p:cNvPr id="3" name="内容占位符 2"/>
+          <p:cNvSpPr>
+            <a:spLocks noGrp="1"/>
+          </p:cNvSpPr>
+          <p:nvPr>
+            <p:ph idx="1"/>
+          </p:nvPr>
+        </p:nvSpPr>
+        <p:spPr/>
+        <p:txBody>
+          <a:bodyPr/>
+          <a:lstStyle/>
+          <a:p>
+            <a:r>
+              <a:rPr lang="zh-CN" altLang="en-US" dirty="0"/>
+              <a:t>计算第j个指标的权重</a:t>
+            </a:r>
+            <a:endParaRPr lang="en-US" altLang="zh-CN" dirty="0"/>
+          </a:p>
+          <a:p>
+            <a:endParaRPr lang="zh-CN" altLang="en-US" dirty="0"/>
+          </a:p>
+          <a:p>
+            <a:endParaRPr lang="en-US" altLang="zh-CN" dirty="0"/>
+          </a:p>
+          <a:p>
+            <a:r>
+              <a:rPr lang="zh-CN" altLang="en-US" dirty="0"/>
+              <a:t>利用加权求和公式计算样本的分数或评价值</a:t>
+            </a:r>
+            <a:endParaRPr lang="en-US" altLang="zh-CN" dirty="0"/>
+          </a:p>
+          <a:p>
+            <a:endParaRPr lang="zh-CN" altLang="en-US" dirty="0"/>
+          </a:p>
+        </p:txBody>
+      </p:sp>
+      <p:graphicFrame>
+        <p:nvGraphicFramePr>
+          <p:cNvPr id="9" name="对象 8">
+            <a:extLst>
+              <a:ext uri="{FF2B5EF4-FFF2-40B4-BE49-F238E27FC236}">
+                <a16:creationId xmlns:a16="http://schemas.microsoft.com/office/drawing/2014/main" id="{5709B8B3-EDD7-6B02-9A23-79A890C56637}"/>
+              </a:ext>
+            </a:extLst>
+          </p:cNvPr>
+          <p:cNvGraphicFramePr>
+            <a:graphicFrameLocks noChangeAspect="1"/>
+          </p:cNvGraphicFramePr>
+          <p:nvPr>
+            <p:extLst>
+              <p:ext uri="{D42A27DB-BD31-4B8C-83A1-F6EECF244321}">
+                <p14:modId xmlns:p14="http://schemas.microsoft.com/office/powerpoint/2010/main" val="2468279362"/>
+              </p:ext>
+            </p:extLst>
+          </p:nvPr>
+        </p:nvGraphicFramePr>
+        <p:xfrm>
+          <a:off x="1982435" y="2373123"/>
+          <a:ext cx="1346777" cy="897851"/>
+        </p:xfrm>
+        <a:graphic>
+          <a:graphicData uri="http://schemas.openxmlformats.org/presentationml/2006/ole">
+            <mc:AlternateContent xmlns:mc="http://schemas.openxmlformats.org/markup-compatibility/2006">
+              <mc:Choice xmlns:v="urn:schemas-microsoft-com:vml" Requires="v">
+                <p:oleObj name="Equation" r:id="rId2" imgW="876240" imgH="583920" progId="Equation.DSMT4">
+                  <p:embed/>
+                </p:oleObj>
+              </mc:Choice>
+              <mc:Fallback>
+                <p:oleObj name="Equation" r:id="rId2" imgW="876240" imgH="583920" progId="Equation.DSMT4">
+                  <p:embed/>
+                  <p:pic>
+                    <p:nvPicPr>
+                      <p:cNvPr id="0" name=""/>
+                      <p:cNvPicPr/>
+                      <p:nvPr/>
+                    </p:nvPicPr>
+                    <p:blipFill>
+                      <a:blip r:embed="rId3"/>
+                      <a:stretch>
+                        <a:fillRect/>
+                      </a:stretch>
+                    </p:blipFill>
+                    <p:spPr>
+                      <a:xfrm>
+                        <a:off x="1982435" y="2373123"/>
+                        <a:ext cx="1346777" cy="897851"/>
+                      </a:xfrm>
+                      <a:prstGeom prst="rect">
+                        <a:avLst/>
+                      </a:prstGeom>
+                    </p:spPr>
+                  </p:pic>
+                </p:oleObj>
+              </mc:Fallback>
+            </mc:AlternateContent>
+          </a:graphicData>
+        </a:graphic>
+      </p:graphicFrame>
+      <p:graphicFrame>
+        <p:nvGraphicFramePr>
+          <p:cNvPr id="10" name="对象 9">
+            <a:extLst>
+              <a:ext uri="{FF2B5EF4-FFF2-40B4-BE49-F238E27FC236}">
+                <a16:creationId xmlns:a16="http://schemas.microsoft.com/office/drawing/2014/main" id="{4B53D571-7256-B910-E736-9E0A51733E2A}"/>
+              </a:ext>
+            </a:extLst>
+          </p:cNvPr>
+          <p:cNvGraphicFramePr>
+            <a:graphicFrameLocks noChangeAspect="1"/>
+          </p:cNvGraphicFramePr>
+          <p:nvPr>
+            <p:extLst>
+              <p:ext uri="{D42A27DB-BD31-4B8C-83A1-F6EECF244321}">
+                <p14:modId xmlns:p14="http://schemas.microsoft.com/office/powerpoint/2010/main" val="3429867580"/>
+              </p:ext>
+            </p:extLst>
+          </p:nvPr>
+        </p:nvGraphicFramePr>
+        <p:xfrm>
+          <a:off x="1720078" y="4001294"/>
+          <a:ext cx="1969869" cy="656623"/>
+        </p:xfrm>
+        <a:graphic>
+          <a:graphicData uri="http://schemas.openxmlformats.org/presentationml/2006/ole">
+            <mc:AlternateContent xmlns:mc="http://schemas.openxmlformats.org/markup-compatibility/2006">
+              <mc:Choice xmlns:v="urn:schemas-microsoft-com:vml" Requires="v">
+                <p:oleObj name="Equation" r:id="rId4" imgW="1066680" imgH="355320" progId="Equation.DSMT4">
+                  <p:embed/>
+                </p:oleObj>
+              </mc:Choice>
+              <mc:Fallback>
+                <p:oleObj name="Equation" r:id="rId4" imgW="1066680" imgH="355320" progId="Equation.DSMT4">
+                  <p:embed/>
+                  <p:pic>
+                    <p:nvPicPr>
+                      <p:cNvPr id="0" name=""/>
+                      <p:cNvPicPr/>
+                      <p:nvPr/>
+                    </p:nvPicPr>
+                    <p:blipFill>
+                      <a:blip r:embed="rId5"/>
+                      <a:stretch>
+                        <a:fillRect/>
+                      </a:stretch>
+                    </p:blipFill>
+                    <p:spPr>
+                      <a:xfrm>
+                        <a:off x="1720078" y="4001294"/>
+                        <a:ext cx="1969869" cy="656623"/>
+                      </a:xfrm>
+                      <a:prstGeom prst="rect">
+                        <a:avLst/>
+                      </a:prstGeom>
+                    </p:spPr>
+                  </p:pic>
+                </p:oleObj>
+              </mc:Fallback>
+            </mc:AlternateContent>
+          </a:graphicData>
+        </a:graphic>
+      </p:graphicFrame>
+    </p:spTree>
+  </p:cSld>
+  <p:clrMapOvr>
+    <a:masterClrMapping/>
+  </p:clrMapOvr>
+</p:sld>
+</file>
+
+<file path=ppt/slides/slide17.xml><?xml version="1.0" encoding="utf-8"?>
+<p:sld xmlns:a="http://schemas.openxmlformats.org/drawingml/2006/main" xmlns:r="http://schemas.openxmlformats.org/officeDocument/2006/relationships" xmlns:p="http://schemas.openxmlformats.org/presentationml/2006/main">
+  <p:cSld>
+    <p:spTree>
+      <p:nvGrpSpPr>
+        <p:cNvPr id="1" name=""/>
+        <p:cNvGrpSpPr/>
+        <p:nvPr/>
+      </p:nvGrpSpPr>
+      <p:grpSpPr>
+        <a:xfrm>
+          <a:off x="0" y="0"/>
+          <a:ext cx="0" cy="0"/>
+          <a:chOff x="0" y="0"/>
+          <a:chExt cx="0" cy="0"/>
+        </a:xfrm>
+      </p:grpSpPr>
+      <p:sp>
+        <p:nvSpPr>
+          <p:cNvPr id="2" name="标题 1">
+            <a:extLst>
+              <a:ext uri="{FF2B5EF4-FFF2-40B4-BE49-F238E27FC236}">
+                <a16:creationId xmlns:a16="http://schemas.microsoft.com/office/drawing/2014/main" id="{8F0DFB6A-77E2-88ED-D0C1-AEF1F1B3ADD0}"/>
+              </a:ext>
+            </a:extLst>
+          </p:cNvPr>
+          <p:cNvSpPr>
+            <a:spLocks noGrp="1"/>
+          </p:cNvSpPr>
+          <p:nvPr>
+            <p:ph type="title"/>
+          </p:nvPr>
+        </p:nvSpPr>
+        <p:spPr/>
+        <p:txBody>
+          <a:bodyPr/>
+          <a:lstStyle/>
+          <a:p>
+            <a:endParaRPr lang="zh-CN" altLang="en-US"/>
+          </a:p>
+        </p:txBody>
+      </p:sp>
+      <p:sp>
+        <p:nvSpPr>
+          <p:cNvPr id="3" name="内容占位符 2">
+            <a:extLst>
+              <a:ext uri="{FF2B5EF4-FFF2-40B4-BE49-F238E27FC236}">
+                <a16:creationId xmlns:a16="http://schemas.microsoft.com/office/drawing/2014/main" id="{312814B6-D435-B78D-088E-393DE542EE61}"/>
+              </a:ext>
+            </a:extLst>
+          </p:cNvPr>
+          <p:cNvSpPr>
+            <a:spLocks noGrp="1"/>
+          </p:cNvSpPr>
+          <p:nvPr>
+            <p:ph idx="1"/>
+          </p:nvPr>
+        </p:nvSpPr>
+        <p:spPr/>
+        <p:txBody>
+          <a:bodyPr/>
+          <a:lstStyle/>
+          <a:p>
+            <a:endParaRPr lang="zh-CN" altLang="en-US" dirty="0"/>
+          </a:p>
+        </p:txBody>
+      </p:sp>
+    </p:spTree>
+    <p:extLst>
+      <p:ext uri="{BB962C8B-B14F-4D97-AF65-F5344CB8AC3E}">
+        <p14:creationId xmlns:p14="http://schemas.microsoft.com/office/powerpoint/2010/main" val="2941592791"/>
+      </p:ext>
+    </p:extLst>
+  </p:cSld>
+  <p:clrMapOvr>
+    <a:masterClrMapping/>
+  </p:clrMapOvr>
+</p:sld>
+</file>
+
+<file path=ppt/slides/slide18.xml><?xml version="1.0" encoding="utf-8"?>
+<p:sld xmlns:a="http://schemas.openxmlformats.org/drawingml/2006/main" xmlns:r="http://schemas.openxmlformats.org/officeDocument/2006/relationships" xmlns:p="http://schemas.openxmlformats.org/presentationml/2006/main">
+  <p:cSld>
+    <p:spTree>
+      <p:nvGrpSpPr>
+        <p:cNvPr id="1" name=""/>
+        <p:cNvGrpSpPr/>
+        <p:nvPr/>
+      </p:nvGrpSpPr>
+      <p:grpSpPr>
+        <a:xfrm>
+          <a:off x="0" y="0"/>
+          <a:ext cx="0" cy="0"/>
+          <a:chOff x="0" y="0"/>
+          <a:chExt cx="0" cy="0"/>
+        </a:xfrm>
+      </p:grpSpPr>
+      <p:sp>
+        <p:nvSpPr>
+          <p:cNvPr id="4" name="矩形 3">
+            <a:extLst>
+              <a:ext uri="{FF2B5EF4-FFF2-40B4-BE49-F238E27FC236}">
+                <a16:creationId xmlns:a16="http://schemas.microsoft.com/office/drawing/2014/main" id="{5FE2F0BB-ABBC-0839-6581-534FD00C434E}"/>
+              </a:ext>
+            </a:extLst>
+          </p:cNvPr>
+          <p:cNvSpPr/>
+          <p:nvPr/>
+        </p:nvSpPr>
+        <p:spPr>
+          <a:xfrm>
+            <a:off x="0" y="1656308"/>
+            <a:ext cx="12192000" cy="3256777"/>
+          </a:xfrm>
+          <a:prstGeom prst="rect">
+            <a:avLst/>
+          </a:prstGeom>
+          <a:solidFill>
+            <a:schemeClr val="accent1">
+              <a:lumMod val="75000"/>
+            </a:schemeClr>
+          </a:solidFill>
+        </p:spPr>
+        <p:style>
+          <a:lnRef idx="2">
+            <a:schemeClr val="accent1">
+              <a:shade val="50000"/>
+            </a:schemeClr>
+          </a:lnRef>
+          <a:fillRef idx="1">
+            <a:schemeClr val="accent1"/>
+          </a:fillRef>
+          <a:effectRef idx="0">
+            <a:schemeClr val="accent1"/>
+          </a:effectRef>
+          <a:fontRef idx="minor">
+            <a:schemeClr val="lt1"/>
+          </a:fontRef>
+        </p:style>
+        <p:txBody>
+          <a:bodyPr rtlCol="0" anchor="ctr"/>
+          <a:lstStyle/>
+          <a:p>
+            <a:pPr algn="ctr" defTabSz="685800"/>
+            <a:endParaRPr lang="zh-CN" altLang="en-US" sz="1350"/>
+          </a:p>
+        </p:txBody>
+      </p:sp>
+      <p:sp>
+        <p:nvSpPr>
+          <p:cNvPr id="5" name="矩形 4">
+            <a:extLst>
+              <a:ext uri="{FF2B5EF4-FFF2-40B4-BE49-F238E27FC236}">
+                <a16:creationId xmlns:a16="http://schemas.microsoft.com/office/drawing/2014/main" id="{37938814-1030-970A-757B-1573ED7389F8}"/>
+              </a:ext>
+            </a:extLst>
+          </p:cNvPr>
+          <p:cNvSpPr/>
+          <p:nvPr/>
+        </p:nvSpPr>
+        <p:spPr bwMode="auto">
+          <a:xfrm>
+            <a:off x="3182382" y="2659559"/>
+            <a:ext cx="5827236" cy="769441"/>
+          </a:xfrm>
+          <a:prstGeom prst="rect">
+            <a:avLst/>
+          </a:prstGeom>
+        </p:spPr>
+        <p:txBody>
+          <a:bodyPr wrap="square">
+            <a:spAutoFit/>
+          </a:bodyPr>
+          <a:lstStyle/>
+          <a:p>
+            <a:pPr algn="ctr">
+              <a:defRPr/>
+            </a:pPr>
+            <a:r>
+              <a:rPr lang="zh-CN" altLang="en-US" sz="4400" b="1" kern="100" dirty="0">
+                <a:solidFill>
+                  <a:schemeClr val="bg1"/>
+                </a:solidFill>
+                <a:latin typeface="微软雅黑" panose="020B0503020204020204" pitchFamily="34" charset="-122"/>
+                <a:ea typeface="微软雅黑" panose="020B0503020204020204" pitchFamily="34" charset="-122"/>
+                <a:cs typeface="Times New Roman" panose="02020603050405020304" pitchFamily="18" charset="0"/>
+              </a:rPr>
+              <a:t>难点点评</a:t>
+            </a:r>
+          </a:p>
+        </p:txBody>
+      </p:sp>
+      <p:sp>
+        <p:nvSpPr>
+          <p:cNvPr id="6" name="矩形 5">
+            <a:extLst>
+              <a:ext uri="{FF2B5EF4-FFF2-40B4-BE49-F238E27FC236}">
+                <a16:creationId xmlns:a16="http://schemas.microsoft.com/office/drawing/2014/main" id="{2020E845-6E37-6685-A41B-C50F8BEFD66F}"/>
+              </a:ext>
+            </a:extLst>
+          </p:cNvPr>
+          <p:cNvSpPr/>
+          <p:nvPr/>
+        </p:nvSpPr>
+        <p:spPr>
+          <a:xfrm>
+            <a:off x="4595965" y="4126707"/>
+            <a:ext cx="3156857" cy="338554"/>
+          </a:xfrm>
+          <a:prstGeom prst="rect">
+            <a:avLst/>
+          </a:prstGeom>
+        </p:spPr>
+        <p:txBody>
+          <a:bodyPr wrap="square">
+            <a:spAutoFit/>
+          </a:bodyPr>
+          <a:lstStyle/>
+          <a:p>
+            <a:pPr lvl="0" algn="ctr"/>
+            <a:r>
+              <a:rPr lang="zh-CN" altLang="en-US" sz="1600" dirty="0">
+                <a:solidFill>
+                  <a:schemeClr val="bg1"/>
+                </a:solidFill>
+              </a:rPr>
+              <a:t>赵伟毓、葛鸣城、张涵聪</a:t>
+            </a:r>
+            <a:endParaRPr lang="en-US" altLang="zh-CN" sz="1600" dirty="0">
+              <a:solidFill>
+                <a:schemeClr val="bg1"/>
+              </a:solidFill>
+            </a:endParaRPr>
+          </a:p>
+        </p:txBody>
+      </p:sp>
+      <p:sp>
+        <p:nvSpPr>
+          <p:cNvPr id="7" name="椭圆 6">
+            <a:extLst>
+              <a:ext uri="{FF2B5EF4-FFF2-40B4-BE49-F238E27FC236}">
+                <a16:creationId xmlns:a16="http://schemas.microsoft.com/office/drawing/2014/main" id="{210ED04E-EA3E-A869-09BA-2D1376D45F5D}"/>
+              </a:ext>
+            </a:extLst>
+          </p:cNvPr>
+          <p:cNvSpPr/>
+          <p:nvPr/>
+        </p:nvSpPr>
+        <p:spPr>
+          <a:xfrm>
+            <a:off x="5331463" y="731670"/>
+            <a:ext cx="1685865" cy="1685865"/>
+          </a:xfrm>
+          <a:prstGeom prst="ellipse">
+            <a:avLst/>
+          </a:prstGeom>
+          <a:solidFill>
+            <a:schemeClr val="bg1"/>
+          </a:solidFill>
+          <a:ln>
+            <a:noFill/>
+          </a:ln>
+          <a:effectLst>
+            <a:outerShdw blurRad="101600" dist="101600" dir="5400000" algn="t" rotWithShape="0">
+              <a:prstClr val="black">
+                <a:alpha val="40000"/>
+              </a:prstClr>
+            </a:outerShdw>
+          </a:effectLst>
+        </p:spPr>
+        <p:style>
+          <a:lnRef idx="2">
+            <a:schemeClr val="accent1">
+              <a:shade val="50000"/>
+            </a:schemeClr>
+          </a:lnRef>
+          <a:fillRef idx="1">
+            <a:schemeClr val="accent1"/>
+          </a:fillRef>
+          <a:effectRef idx="0">
+            <a:schemeClr val="accent1"/>
+          </a:effectRef>
+          <a:fontRef idx="minor">
+            <a:schemeClr val="lt1"/>
+          </a:fontRef>
+        </p:style>
+        <p:txBody>
+          <a:bodyPr rot="0" spcFirstLastPara="0" vertOverflow="overflow" horzOverflow="overflow" vert="horz" wrap="square" lIns="91440" tIns="45720" rIns="91440" bIns="45720" numCol="1" spcCol="0" rtlCol="0" fromWordArt="0" anchor="ctr" anchorCtr="0" forceAA="0" compatLnSpc="1">
+            <a:prstTxWarp prst="textNoShape">
+              <a:avLst/>
+            </a:prstTxWarp>
+            <a:noAutofit/>
+          </a:bodyPr>
+          <a:lstStyle/>
+          <a:p>
+            <a:pPr algn="ctr"/>
+            <a:endParaRPr lang="zh-CN" altLang="en-US"/>
+          </a:p>
+        </p:txBody>
+      </p:sp>
+      <p:grpSp>
+        <p:nvGrpSpPr>
+          <p:cNvPr id="8" name="组合 7">
+            <a:extLst>
+              <a:ext uri="{FF2B5EF4-FFF2-40B4-BE49-F238E27FC236}">
+                <a16:creationId xmlns:a16="http://schemas.microsoft.com/office/drawing/2014/main" id="{E74331D4-3823-5215-24FE-96E89198D559}"/>
+              </a:ext>
+            </a:extLst>
+          </p:cNvPr>
+          <p:cNvGrpSpPr/>
+          <p:nvPr/>
+        </p:nvGrpSpPr>
+        <p:grpSpPr>
+          <a:xfrm>
+            <a:off x="5593967" y="1118628"/>
+            <a:ext cx="1160855" cy="1012554"/>
+            <a:chOff x="4675188" y="2882900"/>
+            <a:chExt cx="360362" cy="314325"/>
+          </a:xfrm>
+          <a:solidFill>
+            <a:schemeClr val="accent1">
+              <a:lumMod val="75000"/>
+            </a:schemeClr>
+          </a:solidFill>
+        </p:grpSpPr>
+        <p:sp>
+          <p:nvSpPr>
+            <p:cNvPr id="9" name="AutoShape 43">
+              <a:extLst>
+                <a:ext uri="{FF2B5EF4-FFF2-40B4-BE49-F238E27FC236}">
+                  <a16:creationId xmlns:a16="http://schemas.microsoft.com/office/drawing/2014/main" id="{1F79AE39-2C47-9327-1260-EBD6532C2068}"/>
+                </a:ext>
+              </a:extLst>
+            </p:cNvPr>
+            <p:cNvSpPr>
+              <a:spLocks/>
+            </p:cNvSpPr>
+            <p:nvPr/>
+          </p:nvSpPr>
+          <p:spPr bwMode="auto">
+            <a:xfrm>
+              <a:off x="4675188" y="2882900"/>
+              <a:ext cx="360362" cy="257175"/>
+            </a:xfrm>
+            <a:custGeom>
+              <a:avLst/>
+              <a:gdLst>
+                <a:gd name="T0" fmla="*/ 10800 w 21600"/>
+                <a:gd name="T1" fmla="*/ 10800 h 21600"/>
+                <a:gd name="T2" fmla="*/ 10800 w 21600"/>
+                <a:gd name="T3" fmla="*/ 10800 h 21600"/>
+                <a:gd name="T4" fmla="*/ 10800 w 21600"/>
+                <a:gd name="T5" fmla="*/ 10800 h 21600"/>
+                <a:gd name="T6" fmla="*/ 10800 w 21600"/>
+                <a:gd name="T7" fmla="*/ 10800 h 21600"/>
+              </a:gdLst>
+              <a:ahLst/>
+              <a:cxnLst>
+                <a:cxn ang="0">
+                  <a:pos x="T0" y="T1"/>
+                </a:cxn>
+                <a:cxn ang="0">
+                  <a:pos x="T2" y="T3"/>
+                </a:cxn>
+                <a:cxn ang="0">
+                  <a:pos x="T4" y="T5"/>
+                </a:cxn>
+                <a:cxn ang="0">
+                  <a:pos x="T6" y="T7"/>
+                </a:cxn>
+              </a:cxnLst>
+              <a:rect l="0" t="0" r="r" b="b"/>
+              <a:pathLst>
+                <a:path w="21600" h="21600">
+                  <a:moveTo>
+                    <a:pt x="10951" y="9367"/>
+                  </a:moveTo>
+                  <a:cubicBezTo>
+                    <a:pt x="10901" y="9383"/>
+                    <a:pt x="10851" y="9391"/>
+                    <a:pt x="10800" y="9391"/>
+                  </a:cubicBezTo>
+                  <a:cubicBezTo>
+                    <a:pt x="10748" y="9391"/>
+                    <a:pt x="10698" y="9383"/>
+                    <a:pt x="10648" y="9367"/>
+                  </a:cubicBezTo>
+                  <a:lnTo>
+                    <a:pt x="1873" y="6550"/>
+                  </a:lnTo>
+                  <a:cubicBezTo>
+                    <a:pt x="1566" y="6452"/>
+                    <a:pt x="1349" y="6072"/>
+                    <a:pt x="1349" y="5634"/>
+                  </a:cubicBezTo>
+                  <a:cubicBezTo>
+                    <a:pt x="1349" y="5197"/>
+                    <a:pt x="1566" y="4817"/>
+                    <a:pt x="1873" y="4719"/>
+                  </a:cubicBezTo>
+                  <a:lnTo>
+                    <a:pt x="10648" y="1902"/>
+                  </a:lnTo>
+                  <a:cubicBezTo>
+                    <a:pt x="10698" y="1886"/>
+                    <a:pt x="10748" y="1878"/>
+                    <a:pt x="10800" y="1878"/>
+                  </a:cubicBezTo>
+                  <a:cubicBezTo>
+                    <a:pt x="10851" y="1878"/>
+                    <a:pt x="10901" y="1886"/>
+                    <a:pt x="10951" y="1902"/>
+                  </a:cubicBezTo>
+                  <a:lnTo>
+                    <a:pt x="19726" y="4719"/>
+                  </a:lnTo>
+                  <a:cubicBezTo>
+                    <a:pt x="20033" y="4817"/>
+                    <a:pt x="20249" y="5197"/>
+                    <a:pt x="20249" y="5634"/>
+                  </a:cubicBezTo>
+                  <a:cubicBezTo>
+                    <a:pt x="20249" y="6072"/>
+                    <a:pt x="20033" y="6452"/>
+                    <a:pt x="19726" y="6550"/>
+                  </a:cubicBezTo>
+                  <a:cubicBezTo>
+                    <a:pt x="19726" y="6550"/>
+                    <a:pt x="10951" y="9367"/>
+                    <a:pt x="10951" y="9367"/>
+                  </a:cubicBezTo>
+                  <a:close/>
+                  <a:moveTo>
+                    <a:pt x="16874" y="16904"/>
+                  </a:moveTo>
+                  <a:cubicBezTo>
+                    <a:pt x="16874" y="17942"/>
+                    <a:pt x="14849" y="19721"/>
+                    <a:pt x="10800" y="19721"/>
+                  </a:cubicBezTo>
+                  <a:cubicBezTo>
+                    <a:pt x="6749" y="19721"/>
+                    <a:pt x="4724" y="17942"/>
+                    <a:pt x="4724" y="16904"/>
+                  </a:cubicBezTo>
+                  <a:lnTo>
+                    <a:pt x="4724" y="9394"/>
+                  </a:lnTo>
+                  <a:lnTo>
+                    <a:pt x="10353" y="11200"/>
+                  </a:lnTo>
+                  <a:cubicBezTo>
+                    <a:pt x="10501" y="11246"/>
+                    <a:pt x="10651" y="11269"/>
+                    <a:pt x="10800" y="11269"/>
+                  </a:cubicBezTo>
+                  <a:cubicBezTo>
+                    <a:pt x="10949" y="11269"/>
+                    <a:pt x="11098" y="11246"/>
+                    <a:pt x="11255" y="11198"/>
+                  </a:cubicBezTo>
+                  <a:lnTo>
+                    <a:pt x="16874" y="9394"/>
+                  </a:lnTo>
+                  <a:cubicBezTo>
+                    <a:pt x="16874" y="9394"/>
+                    <a:pt x="16874" y="16904"/>
+                    <a:pt x="16874" y="16904"/>
+                  </a:cubicBezTo>
+                  <a:close/>
+                  <a:moveTo>
+                    <a:pt x="21600" y="5634"/>
+                  </a:moveTo>
+                  <a:cubicBezTo>
+                    <a:pt x="21600" y="4314"/>
+                    <a:pt x="20954" y="3185"/>
+                    <a:pt x="20030" y="2888"/>
+                  </a:cubicBezTo>
+                  <a:lnTo>
+                    <a:pt x="11246" y="68"/>
+                  </a:lnTo>
+                  <a:cubicBezTo>
+                    <a:pt x="11098" y="22"/>
+                    <a:pt x="10949" y="0"/>
+                    <a:pt x="10800" y="0"/>
+                  </a:cubicBezTo>
+                  <a:cubicBezTo>
+                    <a:pt x="10651" y="0"/>
+                    <a:pt x="10501" y="22"/>
+                    <a:pt x="10344" y="71"/>
+                  </a:cubicBezTo>
+                  <a:lnTo>
+                    <a:pt x="1570" y="2888"/>
+                  </a:lnTo>
+                  <a:cubicBezTo>
+                    <a:pt x="645" y="3185"/>
+                    <a:pt x="0" y="4314"/>
+                    <a:pt x="0" y="5634"/>
+                  </a:cubicBezTo>
+                  <a:cubicBezTo>
+                    <a:pt x="0" y="6955"/>
+                    <a:pt x="645" y="8084"/>
+                    <a:pt x="1569" y="8380"/>
+                  </a:cubicBezTo>
+                  <a:lnTo>
+                    <a:pt x="3374" y="8960"/>
+                  </a:lnTo>
+                  <a:lnTo>
+                    <a:pt x="3374" y="16904"/>
+                  </a:lnTo>
+                  <a:cubicBezTo>
+                    <a:pt x="3374" y="19397"/>
+                    <a:pt x="5425" y="21600"/>
+                    <a:pt x="10800" y="21600"/>
+                  </a:cubicBezTo>
+                  <a:cubicBezTo>
+                    <a:pt x="16174" y="21600"/>
+                    <a:pt x="18224" y="19397"/>
+                    <a:pt x="18224" y="16904"/>
+                  </a:cubicBezTo>
+                  <a:lnTo>
+                    <a:pt x="18224" y="8960"/>
+                  </a:lnTo>
+                  <a:lnTo>
+                    <a:pt x="20030" y="8380"/>
+                  </a:lnTo>
+                  <a:cubicBezTo>
+                    <a:pt x="20954" y="8084"/>
+                    <a:pt x="21600" y="6955"/>
+                    <a:pt x="21600" y="5634"/>
+                  </a:cubicBezTo>
+                </a:path>
+              </a:pathLst>
+            </a:custGeom>
+            <a:grpFill/>
+            <a:ln/>
+          </p:spPr>
+          <p:style>
+            <a:lnRef idx="1">
+              <a:schemeClr val="accent1"/>
+            </a:lnRef>
+            <a:fillRef idx="0">
+              <a:schemeClr val="accent1"/>
+            </a:fillRef>
+            <a:effectRef idx="0">
+              <a:schemeClr val="accent1"/>
+            </a:effectRef>
+            <a:fontRef idx="minor">
+              <a:schemeClr val="tx1"/>
+            </a:fontRef>
+          </p:style>
+          <p:txBody>
+            <a:bodyPr lIns="19050" tIns="19050" rIns="19050" bIns="19050" anchor="ctr"/>
+            <a:lstStyle/>
+            <a:p>
+              <a:pPr marL="0" marR="0" lvl="0" indent="0" algn="ctr" defTabSz="228600" eaLnBrk="1" fontAlgn="base" latinLnBrk="0" hangingPunct="0">
+                <a:lnSpc>
+                  <a:spcPct val="100000"/>
+                </a:lnSpc>
+                <a:spcBef>
+                  <a:spcPct val="0"/>
+                </a:spcBef>
+                <a:spcAft>
+                  <a:spcPct val="0"/>
+                </a:spcAft>
+                <a:buClrTx/>
+                <a:buSzTx/>
+                <a:buFontTx/>
+                <a:buNone/>
+                <a:tabLst/>
+                <a:defRPr/>
+              </a:pPr>
+              <a:endParaRPr kumimoji="0" lang="en-US" sz="1500" i="0" u="none" strike="noStrike" kern="0" normalizeH="0" baseline="0" noProof="0" dirty="0">
+                <a:ln w="0"/>
+                <a:effectLst>
+                  <a:outerShdw blurRad="38100" dist="19050" dir="2700000" algn="tl" rotWithShape="0">
+                    <a:schemeClr val="dk1">
+                      <a:alpha val="40000"/>
+                    </a:schemeClr>
+                  </a:outerShdw>
+                </a:effectLst>
+                <a:uLnTx/>
+                <a:uFillTx/>
+                <a:latin typeface="Gill Sans" charset="0"/>
+                <a:sym typeface="Gill Sans" charset="0"/>
+              </a:endParaRPr>
+            </a:p>
+          </p:txBody>
+        </p:sp>
+        <p:sp>
+          <p:nvSpPr>
+            <p:cNvPr id="10" name="AutoShape 44">
+              <a:extLst>
+                <a:ext uri="{FF2B5EF4-FFF2-40B4-BE49-F238E27FC236}">
+                  <a16:creationId xmlns:a16="http://schemas.microsoft.com/office/drawing/2014/main" id="{BE462345-CDC5-0A1A-11AE-FC48BDD6FC72}"/>
+                </a:ext>
+              </a:extLst>
+            </p:cNvPr>
+            <p:cNvSpPr>
+              <a:spLocks/>
+            </p:cNvSpPr>
+            <p:nvPr/>
+          </p:nvSpPr>
+          <p:spPr bwMode="auto">
+            <a:xfrm>
+              <a:off x="5000625" y="2994025"/>
+              <a:ext cx="22225" cy="123825"/>
+            </a:xfrm>
+            <a:custGeom>
+              <a:avLst/>
+              <a:gdLst>
+                <a:gd name="T0" fmla="*/ 10800 w 21600"/>
+                <a:gd name="T1" fmla="*/ 10800 h 21600"/>
+                <a:gd name="T2" fmla="*/ 10800 w 21600"/>
+                <a:gd name="T3" fmla="*/ 10800 h 21600"/>
+                <a:gd name="T4" fmla="*/ 10800 w 21600"/>
+                <a:gd name="T5" fmla="*/ 10800 h 21600"/>
+                <a:gd name="T6" fmla="*/ 10800 w 21600"/>
+                <a:gd name="T7" fmla="*/ 10800 h 21600"/>
+              </a:gdLst>
+              <a:ahLst/>
+              <a:cxnLst>
+                <a:cxn ang="0">
+                  <a:pos x="T0" y="T1"/>
+                </a:cxn>
+                <a:cxn ang="0">
+                  <a:pos x="T2" y="T3"/>
+                </a:cxn>
+                <a:cxn ang="0">
+                  <a:pos x="T4" y="T5"/>
+                </a:cxn>
+                <a:cxn ang="0">
+                  <a:pos x="T6" y="T7"/>
+                </a:cxn>
+              </a:cxnLst>
+              <a:rect l="0" t="0" r="r" b="b"/>
+              <a:pathLst>
+                <a:path w="21600" h="21600">
+                  <a:moveTo>
+                    <a:pt x="0" y="1963"/>
+                  </a:moveTo>
+                  <a:lnTo>
+                    <a:pt x="0" y="19636"/>
+                  </a:lnTo>
+                  <a:cubicBezTo>
+                    <a:pt x="0" y="20721"/>
+                    <a:pt x="4841" y="21599"/>
+                    <a:pt x="10800" y="21599"/>
+                  </a:cubicBezTo>
+                  <a:cubicBezTo>
+                    <a:pt x="16758" y="21599"/>
+                    <a:pt x="21600" y="20721"/>
+                    <a:pt x="21600" y="19636"/>
+                  </a:cubicBezTo>
+                  <a:lnTo>
+                    <a:pt x="21600" y="1963"/>
+                  </a:lnTo>
+                  <a:cubicBezTo>
+                    <a:pt x="21600" y="878"/>
+                    <a:pt x="16758" y="0"/>
+                    <a:pt x="10800" y="0"/>
+                  </a:cubicBezTo>
+                  <a:cubicBezTo>
+                    <a:pt x="4841" y="0"/>
+                    <a:pt x="0" y="878"/>
+                    <a:pt x="0" y="1963"/>
+                  </a:cubicBezTo>
+                </a:path>
+              </a:pathLst>
+            </a:custGeom>
+            <a:grpFill/>
+            <a:ln/>
+          </p:spPr>
+          <p:style>
+            <a:lnRef idx="1">
+              <a:schemeClr val="accent1"/>
+            </a:lnRef>
+            <a:fillRef idx="0">
+              <a:schemeClr val="accent1"/>
+            </a:fillRef>
+            <a:effectRef idx="0">
+              <a:schemeClr val="accent1"/>
+            </a:effectRef>
+            <a:fontRef idx="minor">
+              <a:schemeClr val="tx1"/>
+            </a:fontRef>
+          </p:style>
+          <p:txBody>
+            <a:bodyPr lIns="19050" tIns="19050" rIns="19050" bIns="19050" anchor="ctr"/>
+            <a:lstStyle/>
+            <a:p>
+              <a:pPr marL="0" marR="0" lvl="0" indent="0" algn="ctr" defTabSz="228600" eaLnBrk="1" fontAlgn="base" latinLnBrk="0" hangingPunct="0">
+                <a:lnSpc>
+                  <a:spcPct val="100000"/>
+                </a:lnSpc>
+                <a:spcBef>
+                  <a:spcPct val="0"/>
+                </a:spcBef>
+                <a:spcAft>
+                  <a:spcPct val="0"/>
+                </a:spcAft>
+                <a:buClrTx/>
+                <a:buSzTx/>
+                <a:buFontTx/>
+                <a:buNone/>
+                <a:tabLst/>
+                <a:defRPr/>
+              </a:pPr>
+              <a:endParaRPr kumimoji="0" lang="en-US" sz="1500" i="0" u="none" strike="noStrike" kern="0" normalizeH="0" baseline="0" noProof="0" dirty="0">
+                <a:ln w="0"/>
+                <a:effectLst>
+                  <a:outerShdw blurRad="38100" dist="19050" dir="2700000" algn="tl" rotWithShape="0">
+                    <a:schemeClr val="dk1">
+                      <a:alpha val="40000"/>
+                    </a:schemeClr>
+                  </a:outerShdw>
+                </a:effectLst>
+                <a:uLnTx/>
+                <a:uFillTx/>
+                <a:latin typeface="Gill Sans" charset="0"/>
+                <a:sym typeface="Gill Sans" charset="0"/>
+              </a:endParaRPr>
+            </a:p>
+          </p:txBody>
+        </p:sp>
+        <p:sp>
+          <p:nvSpPr>
+            <p:cNvPr id="11" name="AutoShape 45">
+              <a:extLst>
+                <a:ext uri="{FF2B5EF4-FFF2-40B4-BE49-F238E27FC236}">
+                  <a16:creationId xmlns:a16="http://schemas.microsoft.com/office/drawing/2014/main" id="{8E120BDE-293B-2FFE-C676-A72C1D40BE26}"/>
+                </a:ext>
+              </a:extLst>
+            </p:cNvPr>
+            <p:cNvSpPr>
+              <a:spLocks/>
+            </p:cNvSpPr>
+            <p:nvPr/>
+          </p:nvSpPr>
+          <p:spPr bwMode="auto">
+            <a:xfrm>
+              <a:off x="4989513" y="3128963"/>
+              <a:ext cx="46037" cy="68262"/>
+            </a:xfrm>
+            <a:custGeom>
+              <a:avLst/>
+              <a:gdLst>
+                <a:gd name="T0" fmla="*/ 10800 w 21600"/>
+                <a:gd name="T1" fmla="*/ 10800 h 21600"/>
+                <a:gd name="T2" fmla="*/ 10800 w 21600"/>
+                <a:gd name="T3" fmla="*/ 10800 h 21600"/>
+                <a:gd name="T4" fmla="*/ 10800 w 21600"/>
+                <a:gd name="T5" fmla="*/ 10800 h 21600"/>
+                <a:gd name="T6" fmla="*/ 10800 w 21600"/>
+                <a:gd name="T7" fmla="*/ 10800 h 21600"/>
+              </a:gdLst>
+              <a:ahLst/>
+              <a:cxnLst>
+                <a:cxn ang="0">
+                  <a:pos x="T0" y="T1"/>
+                </a:cxn>
+                <a:cxn ang="0">
+                  <a:pos x="T2" y="T3"/>
+                </a:cxn>
+                <a:cxn ang="0">
+                  <a:pos x="T4" y="T5"/>
+                </a:cxn>
+                <a:cxn ang="0">
+                  <a:pos x="T6" y="T7"/>
+                </a:cxn>
+              </a:cxnLst>
+              <a:rect l="0" t="0" r="r" b="b"/>
+              <a:pathLst>
+                <a:path w="21600" h="21600">
+                  <a:moveTo>
+                    <a:pt x="10800" y="0"/>
+                  </a:moveTo>
+                  <a:cubicBezTo>
+                    <a:pt x="4838" y="0"/>
+                    <a:pt x="0" y="10427"/>
+                    <a:pt x="0" y="14400"/>
+                  </a:cubicBezTo>
+                  <a:cubicBezTo>
+                    <a:pt x="0" y="18372"/>
+                    <a:pt x="4838" y="21599"/>
+                    <a:pt x="10800" y="21599"/>
+                  </a:cubicBezTo>
+                  <a:cubicBezTo>
+                    <a:pt x="16761" y="21599"/>
+                    <a:pt x="21600" y="18372"/>
+                    <a:pt x="21600" y="14400"/>
+                  </a:cubicBezTo>
+                  <a:cubicBezTo>
+                    <a:pt x="21600" y="10427"/>
+                    <a:pt x="16761" y="0"/>
+                    <a:pt x="10800" y="0"/>
+                  </a:cubicBezTo>
+                </a:path>
+              </a:pathLst>
+            </a:custGeom>
+            <a:grpFill/>
+            <a:ln/>
+          </p:spPr>
+          <p:style>
+            <a:lnRef idx="1">
+              <a:schemeClr val="accent1"/>
+            </a:lnRef>
+            <a:fillRef idx="0">
+              <a:schemeClr val="accent1"/>
+            </a:fillRef>
+            <a:effectRef idx="0">
+              <a:schemeClr val="accent1"/>
+            </a:effectRef>
+            <a:fontRef idx="minor">
+              <a:schemeClr val="tx1"/>
+            </a:fontRef>
+          </p:style>
+          <p:txBody>
+            <a:bodyPr lIns="19050" tIns="19050" rIns="19050" bIns="19050" anchor="ctr"/>
+            <a:lstStyle/>
+            <a:p>
+              <a:pPr marL="0" marR="0" lvl="0" indent="0" algn="ctr" defTabSz="228600" eaLnBrk="1" fontAlgn="base" latinLnBrk="0" hangingPunct="0">
+                <a:lnSpc>
+                  <a:spcPct val="100000"/>
+                </a:lnSpc>
+                <a:spcBef>
+                  <a:spcPct val="0"/>
+                </a:spcBef>
+                <a:spcAft>
+                  <a:spcPct val="0"/>
+                </a:spcAft>
+                <a:buClrTx/>
+                <a:buSzTx/>
+                <a:buFontTx/>
+                <a:buNone/>
+                <a:tabLst/>
+                <a:defRPr/>
+              </a:pPr>
+              <a:endParaRPr kumimoji="0" lang="en-US" sz="1500" i="0" u="none" strike="noStrike" kern="0" normalizeH="0" baseline="0" noProof="0" dirty="0">
+                <a:ln w="0"/>
+                <a:effectLst>
+                  <a:outerShdw blurRad="38100" dist="19050" dir="2700000" algn="tl" rotWithShape="0">
+                    <a:schemeClr val="dk1">
+                      <a:alpha val="40000"/>
+                    </a:schemeClr>
+                  </a:outerShdw>
+                </a:effectLst>
+                <a:uLnTx/>
+                <a:uFillTx/>
+                <a:latin typeface="Gill Sans" charset="0"/>
+                <a:sym typeface="Gill Sans" charset="0"/>
+              </a:endParaRPr>
+            </a:p>
+          </p:txBody>
+        </p:sp>
+      </p:grpSp>
+      <p:sp>
+        <p:nvSpPr>
+          <p:cNvPr id="15" name="矩形 14">
+            <a:extLst>
+              <a:ext uri="{FF2B5EF4-FFF2-40B4-BE49-F238E27FC236}">
+                <a16:creationId xmlns:a16="http://schemas.microsoft.com/office/drawing/2014/main" id="{7BF0973A-1738-8176-FDC9-4A588F869A4D}"/>
+              </a:ext>
+            </a:extLst>
+          </p:cNvPr>
+          <p:cNvSpPr/>
+          <p:nvPr/>
+        </p:nvSpPr>
+        <p:spPr>
+          <a:xfrm>
+            <a:off x="0" y="6570704"/>
+            <a:ext cx="12192000" cy="287296"/>
+          </a:xfrm>
+          <a:prstGeom prst="rect">
+            <a:avLst/>
+          </a:prstGeom>
+          <a:ln>
+            <a:noFill/>
+          </a:ln>
+        </p:spPr>
+        <p:style>
+          <a:lnRef idx="2">
+            <a:schemeClr val="accent1">
+              <a:shade val="50000"/>
+            </a:schemeClr>
+          </a:lnRef>
+          <a:fillRef idx="1">
+            <a:schemeClr val="accent1"/>
+          </a:fillRef>
+          <a:effectRef idx="0">
+            <a:schemeClr val="accent1"/>
+          </a:effectRef>
+          <a:fontRef idx="minor">
+            <a:schemeClr val="lt1"/>
+          </a:fontRef>
+        </p:style>
+        <p:txBody>
+          <a:bodyPr rtlCol="0" anchor="ctr"/>
+          <a:lstStyle/>
+          <a:p>
+            <a:pPr algn="ctr"/>
+            <a:endParaRPr lang="zh-CN" altLang="en-US"/>
+          </a:p>
+        </p:txBody>
+      </p:sp>
+      <p:sp>
+        <p:nvSpPr>
+          <p:cNvPr id="2" name="文本框 1">
+            <a:extLst>
+              <a:ext uri="{FF2B5EF4-FFF2-40B4-BE49-F238E27FC236}">
+                <a16:creationId xmlns:a16="http://schemas.microsoft.com/office/drawing/2014/main" id="{238A4732-9D59-889B-454D-099C2026B6F0}"/>
+              </a:ext>
+            </a:extLst>
+          </p:cNvPr>
+          <p:cNvSpPr txBox="1"/>
+          <p:nvPr/>
+        </p:nvSpPr>
+        <p:spPr>
+          <a:xfrm>
+            <a:off x="5331463" y="3533106"/>
+            <a:ext cx="2608188" cy="461665"/>
+          </a:xfrm>
+          <a:prstGeom prst="rect">
+            <a:avLst/>
+          </a:prstGeom>
+          <a:noFill/>
+        </p:spPr>
+        <p:txBody>
+          <a:bodyPr wrap="square" rtlCol="0">
+            <a:spAutoFit/>
+          </a:bodyPr>
+          <a:lstStyle/>
+          <a:p>
+            <a:r>
+              <a:rPr lang="en-US" altLang="zh-CN" sz="2400" dirty="0">
+                <a:solidFill>
+                  <a:schemeClr val="bg1"/>
+                </a:solidFill>
+              </a:rPr>
+              <a:t>2020</a:t>
+            </a:r>
+            <a:r>
+              <a:rPr lang="zh-CN" altLang="en-US" sz="2400" dirty="0">
+                <a:solidFill>
+                  <a:schemeClr val="bg1"/>
+                </a:solidFill>
+              </a:rPr>
+              <a:t>国赛</a:t>
+            </a:r>
+            <a:r>
+              <a:rPr lang="en-US" altLang="zh-CN" sz="2400" dirty="0">
+                <a:solidFill>
+                  <a:schemeClr val="bg1"/>
+                </a:solidFill>
+              </a:rPr>
+              <a:t>C</a:t>
+            </a:r>
+            <a:endParaRPr lang="zh-CN" altLang="en-US" sz="2400" dirty="0">
+              <a:solidFill>
+                <a:schemeClr val="bg1"/>
+              </a:solidFill>
+            </a:endParaRPr>
+          </a:p>
+        </p:txBody>
+      </p:sp>
+    </p:spTree>
+    <p:extLst>
+      <p:ext uri="{BB962C8B-B14F-4D97-AF65-F5344CB8AC3E}">
+        <p14:creationId xmlns:p14="http://schemas.microsoft.com/office/powerpoint/2010/main" val="1238351936"/>
+      </p:ext>
+    </p:extLst>
+  </p:cSld>
+  <p:clrMapOvr>
+    <a:masterClrMapping/>
+  </p:clrMapOvr>
+</p:sld>
+</file>
+
+<file path=ppt/slides/slide19.xml><?xml version="1.0" encoding="utf-8"?>
+<p:sld xmlns:a="http://schemas.openxmlformats.org/drawingml/2006/main" xmlns:r="http://schemas.openxmlformats.org/officeDocument/2006/relationships" xmlns:p="http://schemas.openxmlformats.org/presentationml/2006/main">
+  <p:cSld>
+    <p:spTree>
+      <p:nvGrpSpPr>
+        <p:cNvPr id="1" name=""/>
+        <p:cNvGrpSpPr/>
+        <p:nvPr/>
+      </p:nvGrpSpPr>
+      <p:grpSpPr>
+        <a:xfrm>
+          <a:off x="0" y="0"/>
+          <a:ext cx="0" cy="0"/>
+          <a:chOff x="0" y="0"/>
+          <a:chExt cx="0" cy="0"/>
+        </a:xfrm>
+      </p:grpSpPr>
+      <p:sp>
+        <p:nvSpPr>
+          <p:cNvPr id="2" name="标题 1">
+            <a:extLst>
+              <a:ext uri="{FF2B5EF4-FFF2-40B4-BE49-F238E27FC236}">
+                <a16:creationId xmlns:a16="http://schemas.microsoft.com/office/drawing/2014/main" id="{92B46323-6940-F2BD-7339-A63948171052}"/>
+              </a:ext>
+            </a:extLst>
+          </p:cNvPr>
+          <p:cNvSpPr>
+            <a:spLocks noGrp="1"/>
+          </p:cNvSpPr>
+          <p:nvPr>
+            <p:ph type="title"/>
+          </p:nvPr>
+        </p:nvSpPr>
+        <p:spPr/>
+        <p:txBody>
+          <a:bodyPr>
+            <a:normAutofit/>
+          </a:bodyPr>
+          <a:lstStyle/>
+          <a:p>
+            <a:r>
+              <a:rPr lang="zh-CN" altLang="en-US" sz="4000" b="0" i="0" u="none" strike="noStrike" baseline="0" dirty="0">
+                <a:solidFill>
+                  <a:srgbClr val="EC330B"/>
+                </a:solidFill>
+                <a:latin typeface="楷体" panose="02010609060101010101" pitchFamily="49" charset="-122"/>
+                <a:ea typeface="楷体" panose="02010609060101010101" pitchFamily="49" charset="-122"/>
+              </a:rPr>
+              <a:t>四、突发因素下信贷决策模型</a:t>
+            </a:r>
+            <a:endParaRPr lang="zh-CN" altLang="en-US" sz="8000" dirty="0"/>
+          </a:p>
+        </p:txBody>
+      </p:sp>
+      <p:sp>
+        <p:nvSpPr>
+          <p:cNvPr id="5" name="AutoShape 4">
+            <a:extLst>
+              <a:ext uri="{FF2B5EF4-FFF2-40B4-BE49-F238E27FC236}">
+                <a16:creationId xmlns:a16="http://schemas.microsoft.com/office/drawing/2014/main" id="{E91E3A18-AC0A-BE7C-A6FD-5DC44AA57782}"/>
+              </a:ext>
+            </a:extLst>
+          </p:cNvPr>
+          <p:cNvSpPr>
+            <a:spLocks noGrp="1" noChangeAspect="1" noChangeArrowheads="1"/>
+          </p:cNvSpPr>
+          <p:nvPr>
+            <p:ph idx="1"/>
+          </p:nvPr>
+        </p:nvSpPr>
+        <p:spPr bwMode="auto">
+          <a:prstGeom prst="rect">
+            <a:avLst/>
+          </a:prstGeom>
+          <a:noFill/>
+          <a:extLst>
+            <a:ext uri="{909E8E84-426E-40DD-AFC4-6F175D3DCCD1}">
+              <a14:hiddenFill xmlns:a14="http://schemas.microsoft.com/office/drawing/2010/main">
+                <a:solidFill>
+                  <a:srgbClr val="FFFFFF"/>
+                </a:solidFill>
+              </a14:hiddenFill>
+            </a:ext>
+          </a:extLst>
+        </p:spPr>
+        <p:txBody>
+          <a:bodyPr vert="horz" wrap="square" lIns="91440" tIns="45720" rIns="91440" bIns="45720" numCol="1" anchor="t" anchorCtr="0" compatLnSpc="1">
+            <a:prstTxWarp prst="textNoShape">
+              <a:avLst/>
+            </a:prstTxWarp>
+            <a:normAutofit lnSpcReduction="10000"/>
+          </a:bodyPr>
+          <a:lstStyle/>
+          <a:p>
+            <a:pPr marL="0" indent="0" algn="l">
+              <a:buNone/>
+            </a:pPr>
+            <a:r>
+              <a:rPr lang="en-US" altLang="zh-CN" b="0" i="0" u="none" strike="noStrike" baseline="0" dirty="0">
+                <a:solidFill>
+                  <a:srgbClr val="0706E3"/>
+                </a:solidFill>
+                <a:latin typeface="TimesNewRomanPSMT"/>
+                <a:ea typeface="楷体" panose="02010609060101010101" pitchFamily="49" charset="-122"/>
+              </a:rPr>
+              <a:t>(1)</a:t>
+            </a:r>
+            <a:r>
+              <a:rPr lang="zh-CN" altLang="en-US" b="0" i="0" u="none" strike="noStrike" baseline="0" dirty="0">
+                <a:solidFill>
+                  <a:srgbClr val="0706E3"/>
+                </a:solidFill>
+                <a:latin typeface="楷体" panose="02010609060101010101" pitchFamily="49" charset="-122"/>
+                <a:ea typeface="楷体" panose="02010609060101010101" pitchFamily="49" charset="-122"/>
+              </a:rPr>
+              <a:t>突发因素的出现本身是不确定的，即为随机事件。</a:t>
+            </a:r>
+          </a:p>
+          <a:p>
+            <a:pPr marL="0" indent="0" algn="l">
+              <a:buNone/>
+            </a:pPr>
+            <a:r>
+              <a:rPr lang="en-US" altLang="zh-CN" b="0" i="0" u="none" strike="noStrike" baseline="0" dirty="0">
+                <a:solidFill>
+                  <a:srgbClr val="000000"/>
+                </a:solidFill>
+                <a:latin typeface="TimesNewRomanPSMT"/>
+                <a:ea typeface="楷体" panose="02010609060101010101" pitchFamily="49" charset="-122"/>
+              </a:rPr>
+              <a:t>(2)</a:t>
+            </a:r>
+            <a:r>
+              <a:rPr lang="zh-CN" altLang="en-US" b="0" i="0" u="none" strike="noStrike" baseline="0" dirty="0">
+                <a:solidFill>
+                  <a:srgbClr val="000000"/>
+                </a:solidFill>
+                <a:latin typeface="楷体" panose="02010609060101010101" pitchFamily="49" charset="-122"/>
+                <a:ea typeface="楷体" panose="02010609060101010101" pitchFamily="49" charset="-122"/>
+              </a:rPr>
+              <a:t>如何表示一般突发突事件的发生过程？</a:t>
+            </a:r>
+          </a:p>
+          <a:p>
+            <a:pPr marL="0" indent="0" algn="l">
+              <a:buNone/>
+            </a:pPr>
+            <a:r>
+              <a:rPr lang="zh-CN" altLang="en-US" b="0" i="0" u="none" strike="noStrike" baseline="0" dirty="0">
+                <a:solidFill>
+                  <a:srgbClr val="000000"/>
+                </a:solidFill>
+                <a:latin typeface="楷体" panose="02010609060101010101" pitchFamily="49" charset="-122"/>
+                <a:ea typeface="楷体" panose="02010609060101010101" pitchFamily="49" charset="-122"/>
+              </a:rPr>
+              <a:t>对各企业的信贷风险和银行的信贷策略产生什么影响？</a:t>
+            </a:r>
+          </a:p>
+          <a:p>
+            <a:pPr marL="0" indent="0" algn="l">
+              <a:buNone/>
+            </a:pPr>
+            <a:r>
+              <a:rPr lang="zh-CN" altLang="en-US" b="0" i="0" u="none" strike="noStrike" baseline="0" dirty="0">
+                <a:solidFill>
+                  <a:srgbClr val="000000"/>
+                </a:solidFill>
+                <a:latin typeface="楷体" panose="02010609060101010101" pitchFamily="49" charset="-122"/>
+                <a:ea typeface="楷体" panose="02010609060101010101" pitchFamily="49" charset="-122"/>
+              </a:rPr>
+              <a:t>相应的影响效果怎么样？</a:t>
+            </a:r>
+          </a:p>
+          <a:p>
+            <a:pPr marL="0" indent="0" algn="l">
+              <a:buNone/>
+            </a:pPr>
+            <a:r>
+              <a:rPr lang="en-US" altLang="zh-CN" b="0" i="0" u="none" strike="noStrike" baseline="0" dirty="0">
+                <a:solidFill>
+                  <a:srgbClr val="0706E3"/>
+                </a:solidFill>
+                <a:latin typeface="TimesNewRomanPSMT"/>
+                <a:ea typeface="楷体" panose="02010609060101010101" pitchFamily="49" charset="-122"/>
+              </a:rPr>
+              <a:t>(3)</a:t>
+            </a:r>
+            <a:r>
+              <a:rPr lang="zh-CN" altLang="en-US" b="0" i="0" u="none" strike="noStrike" baseline="0" dirty="0">
+                <a:solidFill>
+                  <a:srgbClr val="0706E3"/>
+                </a:solidFill>
+                <a:latin typeface="楷体" panose="02010609060101010101" pitchFamily="49" charset="-122"/>
+                <a:ea typeface="楷体" panose="02010609060101010101" pitchFamily="49" charset="-122"/>
+              </a:rPr>
+              <a:t>针对一种突发事件</a:t>
+            </a:r>
+            <a:r>
+              <a:rPr lang="en-US" altLang="zh-CN" b="0" i="0" u="none" strike="noStrike" baseline="0" dirty="0">
+                <a:solidFill>
+                  <a:srgbClr val="0706E3"/>
+                </a:solidFill>
+                <a:latin typeface="楷体" panose="02010609060101010101" pitchFamily="49" charset="-122"/>
+                <a:ea typeface="楷体" panose="02010609060101010101" pitchFamily="49" charset="-122"/>
+              </a:rPr>
+              <a:t>(</a:t>
+            </a:r>
+            <a:r>
+              <a:rPr lang="zh-CN" altLang="en-US" b="0" i="0" u="none" strike="noStrike" baseline="0" dirty="0">
+                <a:solidFill>
+                  <a:srgbClr val="0706E3"/>
+                </a:solidFill>
+                <a:latin typeface="楷体" panose="02010609060101010101" pitchFamily="49" charset="-122"/>
+                <a:ea typeface="楷体" panose="02010609060101010101" pitchFamily="49" charset="-122"/>
+              </a:rPr>
+              <a:t>如新冠疫情</a:t>
+            </a:r>
+            <a:r>
+              <a:rPr lang="en-US" altLang="zh-CN" b="0" i="0" u="none" strike="noStrike" baseline="0" dirty="0">
+                <a:solidFill>
+                  <a:srgbClr val="0706E3"/>
+                </a:solidFill>
+                <a:latin typeface="楷体" panose="02010609060101010101" pitchFamily="49" charset="-122"/>
+                <a:ea typeface="楷体" panose="02010609060101010101" pitchFamily="49" charset="-122"/>
+              </a:rPr>
+              <a:t>)</a:t>
+            </a:r>
+            <a:r>
+              <a:rPr lang="zh-CN" altLang="en-US" b="0" i="0" u="none" strike="noStrike" baseline="0" dirty="0">
+                <a:solidFill>
+                  <a:srgbClr val="0706E3"/>
+                </a:solidFill>
+                <a:latin typeface="楷体" panose="02010609060101010101" pitchFamily="49" charset="-122"/>
+                <a:ea typeface="楷体" panose="02010609060101010101" pitchFamily="49" charset="-122"/>
+              </a:rPr>
+              <a:t>影响，通常要考虑正负</a:t>
+            </a:r>
+          </a:p>
+          <a:p>
+            <a:pPr marL="0" indent="0" algn="l">
+              <a:buNone/>
+            </a:pPr>
+            <a:r>
+              <a:rPr lang="zh-CN" altLang="en-US" b="0" i="0" u="none" strike="noStrike" baseline="0" dirty="0">
+                <a:solidFill>
+                  <a:srgbClr val="0706E3"/>
+                </a:solidFill>
+                <a:latin typeface="楷体" panose="02010609060101010101" pitchFamily="49" charset="-122"/>
+                <a:ea typeface="楷体" panose="02010609060101010101" pitchFamily="49" charset="-122"/>
+              </a:rPr>
+              <a:t>两个方面的影响。</a:t>
+            </a:r>
+          </a:p>
+          <a:p>
+            <a:pPr marL="0" indent="0" algn="l">
+              <a:buNone/>
+            </a:pPr>
+            <a:r>
+              <a:rPr lang="en-US" altLang="zh-CN" b="0" i="0" u="none" strike="noStrike" baseline="0" dirty="0">
+                <a:solidFill>
+                  <a:srgbClr val="000000"/>
+                </a:solidFill>
+                <a:latin typeface="TimesNewRomanPSMT"/>
+                <a:ea typeface="楷体" panose="02010609060101010101" pitchFamily="49" charset="-122"/>
+              </a:rPr>
+              <a:t>(4)</a:t>
+            </a:r>
+            <a:r>
+              <a:rPr lang="zh-CN" altLang="en-US" b="0" i="0" u="none" strike="noStrike" baseline="0" dirty="0">
+                <a:solidFill>
+                  <a:srgbClr val="000000"/>
+                </a:solidFill>
+                <a:latin typeface="楷体" panose="02010609060101010101" pitchFamily="49" charset="-122"/>
+                <a:ea typeface="楷体" panose="02010609060101010101" pitchFamily="49" charset="-122"/>
+              </a:rPr>
+              <a:t>对于企业按行业进行分类，针对不同的行业研究某种突发</a:t>
+            </a:r>
+          </a:p>
+          <a:p>
+            <a:pPr marL="0" indent="0" algn="l">
+              <a:buNone/>
+            </a:pPr>
+            <a:r>
+              <a:rPr lang="zh-CN" altLang="en-US" b="0" i="0" u="none" strike="noStrike" baseline="0" dirty="0">
+                <a:solidFill>
+                  <a:srgbClr val="000000"/>
+                </a:solidFill>
+                <a:latin typeface="楷体" panose="02010609060101010101" pitchFamily="49" charset="-122"/>
+                <a:ea typeface="楷体" panose="02010609060101010101" pitchFamily="49" charset="-122"/>
+              </a:rPr>
+              <a:t>事件的影响和影响效果。</a:t>
+            </a:r>
+          </a:p>
+          <a:p>
+            <a:pPr marL="0" indent="0" algn="l">
+              <a:buNone/>
+            </a:pPr>
+            <a:r>
+              <a:rPr lang="en-US" altLang="zh-CN" b="0" i="0" u="none" strike="noStrike" baseline="0" dirty="0">
+                <a:solidFill>
+                  <a:srgbClr val="0706E3"/>
+                </a:solidFill>
+                <a:latin typeface="TimesNewRomanPSMT"/>
+                <a:ea typeface="楷体" panose="02010609060101010101" pitchFamily="49" charset="-122"/>
+              </a:rPr>
+              <a:t>(5)</a:t>
+            </a:r>
+            <a:r>
+              <a:rPr lang="zh-CN" altLang="en-US" b="0" i="0" u="none" strike="noStrike" baseline="0" dirty="0">
+                <a:solidFill>
+                  <a:srgbClr val="0706E3"/>
+                </a:solidFill>
+                <a:latin typeface="楷体" panose="02010609060101010101" pitchFamily="49" charset="-122"/>
+                <a:ea typeface="楷体" panose="02010609060101010101" pitchFamily="49" charset="-122"/>
+              </a:rPr>
+              <a:t>从宏观和微观层面上研究对信贷风险和信贷策略的影响。</a:t>
+            </a:r>
+            <a:endParaRPr lang="zh-CN" altLang="en-US" sz="4000" dirty="0"/>
+          </a:p>
+        </p:txBody>
+      </p:sp>
+    </p:spTree>
+    <p:extLst>
+      <p:ext uri="{BB962C8B-B14F-4D97-AF65-F5344CB8AC3E}">
+        <p14:creationId xmlns:p14="http://schemas.microsoft.com/office/powerpoint/2010/main" val="1017715799"/>
+      </p:ext>
+    </p:extLst>
+  </p:cSld>
+  <p:clrMapOvr>
+    <a:masterClrMapping/>
+  </p:clrMapOvr>
+</p:sld>
+</file>
+
+<file path=ppt/slides/slide2.xml><?xml version="1.0" encoding="utf-8"?>
+<p:sld xmlns:a="http://schemas.openxmlformats.org/drawingml/2006/main" xmlns:r="http://schemas.openxmlformats.org/officeDocument/2006/relationships" xmlns:p="http://schemas.openxmlformats.org/presentationml/2006/main">
+  <p:cSld>
+    <p:spTree>
+      <p:nvGrpSpPr>
+        <p:cNvPr id="1" name=""/>
+        <p:cNvGrpSpPr/>
+        <p:nvPr/>
+      </p:nvGrpSpPr>
+      <p:grpSpPr>
+        <a:xfrm>
+          <a:off x="0" y="0"/>
+          <a:ext cx="0" cy="0"/>
+          <a:chOff x="0" y="0"/>
+          <a:chExt cx="0" cy="0"/>
+        </a:xfrm>
+      </p:grpSpPr>
+      <p:sp>
+        <p:nvSpPr>
+          <p:cNvPr id="4" name="矩形 3">
+            <a:extLst>
+              <a:ext uri="{FF2B5EF4-FFF2-40B4-BE49-F238E27FC236}">
+                <a16:creationId xmlns:a16="http://schemas.microsoft.com/office/drawing/2014/main" id="{5FE2F0BB-ABBC-0839-6581-534FD00C434E}"/>
+              </a:ext>
+            </a:extLst>
+          </p:cNvPr>
+          <p:cNvSpPr/>
+          <p:nvPr/>
+        </p:nvSpPr>
+        <p:spPr>
+          <a:xfrm>
+            <a:off x="0" y="1656308"/>
+            <a:ext cx="12192000" cy="3256777"/>
+          </a:xfrm>
+          <a:prstGeom prst="rect">
+            <a:avLst/>
+          </a:prstGeom>
+          <a:solidFill>
+            <a:schemeClr val="accent1">
+              <a:lumMod val="75000"/>
+            </a:schemeClr>
+          </a:solidFill>
+        </p:spPr>
+        <p:style>
+          <a:lnRef idx="2">
+            <a:schemeClr val="accent1">
+              <a:shade val="50000"/>
+            </a:schemeClr>
+          </a:lnRef>
+          <a:fillRef idx="1">
+            <a:schemeClr val="accent1"/>
+          </a:fillRef>
+          <a:effectRef idx="0">
+            <a:schemeClr val="accent1"/>
+          </a:effectRef>
+          <a:fontRef idx="minor">
+            <a:schemeClr val="lt1"/>
+          </a:fontRef>
+        </p:style>
+        <p:txBody>
+          <a:bodyPr rtlCol="0" anchor="ctr"/>
+          <a:lstStyle/>
+          <a:p>
+            <a:pPr algn="ctr" defTabSz="685800"/>
+            <a:endParaRPr lang="zh-CN" altLang="en-US" sz="1350"/>
+          </a:p>
+        </p:txBody>
+      </p:sp>
+      <p:sp>
+        <p:nvSpPr>
+          <p:cNvPr id="5" name="矩形 4">
+            <a:extLst>
+              <a:ext uri="{FF2B5EF4-FFF2-40B4-BE49-F238E27FC236}">
+                <a16:creationId xmlns:a16="http://schemas.microsoft.com/office/drawing/2014/main" id="{37938814-1030-970A-757B-1573ED7389F8}"/>
+              </a:ext>
+            </a:extLst>
+          </p:cNvPr>
+          <p:cNvSpPr/>
+          <p:nvPr/>
+        </p:nvSpPr>
+        <p:spPr bwMode="auto">
+          <a:xfrm>
+            <a:off x="3182382" y="2659559"/>
+            <a:ext cx="5827236" cy="769441"/>
+          </a:xfrm>
+          <a:prstGeom prst="rect">
+            <a:avLst/>
+          </a:prstGeom>
+        </p:spPr>
+        <p:txBody>
+          <a:bodyPr wrap="square">
+            <a:spAutoFit/>
+          </a:bodyPr>
+          <a:lstStyle/>
+          <a:p>
+            <a:pPr algn="ctr">
+              <a:defRPr/>
+            </a:pPr>
+            <a:r>
+              <a:rPr lang="en-US" altLang="zh-CN" sz="4400" b="1" kern="100" dirty="0">
+                <a:solidFill>
+                  <a:schemeClr val="bg1"/>
+                </a:solidFill>
+                <a:latin typeface="微软雅黑" panose="020B0503020204020204" pitchFamily="34" charset="-122"/>
+                <a:ea typeface="微软雅黑" panose="020B0503020204020204" pitchFamily="34" charset="-122"/>
+                <a:cs typeface="Times New Roman" panose="02020603050405020304" pitchFamily="18" charset="0"/>
+              </a:rPr>
+              <a:t>16</a:t>
+            </a:r>
+            <a:r>
+              <a:rPr lang="zh-CN" altLang="en-US" sz="4400" b="1" kern="100" dirty="0">
+                <a:solidFill>
+                  <a:schemeClr val="bg1"/>
+                </a:solidFill>
+                <a:latin typeface="微软雅黑" panose="020B0503020204020204" pitchFamily="34" charset="-122"/>
+                <a:ea typeface="微软雅黑" panose="020B0503020204020204" pitchFamily="34" charset="-122"/>
+                <a:cs typeface="Times New Roman" panose="02020603050405020304" pitchFamily="18" charset="0"/>
+              </a:rPr>
+              <a:t>周报告</a:t>
+            </a:r>
+          </a:p>
+        </p:txBody>
+      </p:sp>
+      <p:sp>
+        <p:nvSpPr>
+          <p:cNvPr id="6" name="矩形 5">
+            <a:extLst>
+              <a:ext uri="{FF2B5EF4-FFF2-40B4-BE49-F238E27FC236}">
+                <a16:creationId xmlns:a16="http://schemas.microsoft.com/office/drawing/2014/main" id="{2020E845-6E37-6685-A41B-C50F8BEFD66F}"/>
+              </a:ext>
+            </a:extLst>
+          </p:cNvPr>
+          <p:cNvSpPr/>
+          <p:nvPr/>
+        </p:nvSpPr>
+        <p:spPr>
+          <a:xfrm>
+            <a:off x="4601029" y="3756971"/>
+            <a:ext cx="3156857" cy="338554"/>
+          </a:xfrm>
+          <a:prstGeom prst="rect">
+            <a:avLst/>
+          </a:prstGeom>
+        </p:spPr>
+        <p:txBody>
+          <a:bodyPr wrap="square">
+            <a:spAutoFit/>
+          </a:bodyPr>
+          <a:lstStyle/>
+          <a:p>
+            <a:pPr lvl="0" algn="ctr"/>
+            <a:r>
+              <a:rPr lang="zh-CN" altLang="en-US" sz="1600" dirty="0">
+                <a:solidFill>
+                  <a:schemeClr val="bg1"/>
+                </a:solidFill>
+              </a:rPr>
+              <a:t>赵伟毓、葛鸣城、张涵聪</a:t>
+            </a:r>
+            <a:endParaRPr lang="en-US" altLang="zh-CN" sz="1600" dirty="0">
+              <a:solidFill>
+                <a:schemeClr val="bg1"/>
+              </a:solidFill>
+            </a:endParaRPr>
+          </a:p>
+        </p:txBody>
+      </p:sp>
+      <p:sp>
+        <p:nvSpPr>
+          <p:cNvPr id="7" name="椭圆 6">
+            <a:extLst>
+              <a:ext uri="{FF2B5EF4-FFF2-40B4-BE49-F238E27FC236}">
+                <a16:creationId xmlns:a16="http://schemas.microsoft.com/office/drawing/2014/main" id="{210ED04E-EA3E-A869-09BA-2D1376D45F5D}"/>
+              </a:ext>
+            </a:extLst>
+          </p:cNvPr>
+          <p:cNvSpPr/>
+          <p:nvPr/>
+        </p:nvSpPr>
+        <p:spPr>
+          <a:xfrm>
+            <a:off x="5331463" y="731670"/>
+            <a:ext cx="1685865" cy="1685865"/>
+          </a:xfrm>
+          <a:prstGeom prst="ellipse">
+            <a:avLst/>
+          </a:prstGeom>
+          <a:solidFill>
+            <a:schemeClr val="bg1"/>
+          </a:solidFill>
+          <a:ln>
+            <a:noFill/>
+          </a:ln>
+          <a:effectLst>
+            <a:outerShdw blurRad="101600" dist="101600" dir="5400000" algn="t" rotWithShape="0">
+              <a:prstClr val="black">
+                <a:alpha val="40000"/>
+              </a:prstClr>
+            </a:outerShdw>
+          </a:effectLst>
+        </p:spPr>
+        <p:style>
+          <a:lnRef idx="2">
+            <a:schemeClr val="accent1">
+              <a:shade val="50000"/>
+            </a:schemeClr>
+          </a:lnRef>
+          <a:fillRef idx="1">
+            <a:schemeClr val="accent1"/>
+          </a:fillRef>
+          <a:effectRef idx="0">
+            <a:schemeClr val="accent1"/>
+          </a:effectRef>
+          <a:fontRef idx="minor">
+            <a:schemeClr val="lt1"/>
+          </a:fontRef>
+        </p:style>
+        <p:txBody>
+          <a:bodyPr rot="0" spcFirstLastPara="0" vertOverflow="overflow" horzOverflow="overflow" vert="horz" wrap="square" lIns="91440" tIns="45720" rIns="91440" bIns="45720" numCol="1" spcCol="0" rtlCol="0" fromWordArt="0" anchor="ctr" anchorCtr="0" forceAA="0" compatLnSpc="1">
+            <a:prstTxWarp prst="textNoShape">
+              <a:avLst/>
+            </a:prstTxWarp>
+            <a:noAutofit/>
+          </a:bodyPr>
+          <a:lstStyle/>
+          <a:p>
+            <a:pPr algn="ctr"/>
+            <a:endParaRPr lang="zh-CN" altLang="en-US"/>
+          </a:p>
+        </p:txBody>
+      </p:sp>
+      <p:grpSp>
+        <p:nvGrpSpPr>
+          <p:cNvPr id="8" name="组合 7">
+            <a:extLst>
+              <a:ext uri="{FF2B5EF4-FFF2-40B4-BE49-F238E27FC236}">
+                <a16:creationId xmlns:a16="http://schemas.microsoft.com/office/drawing/2014/main" id="{E74331D4-3823-5215-24FE-96E89198D559}"/>
+              </a:ext>
+            </a:extLst>
+          </p:cNvPr>
+          <p:cNvGrpSpPr/>
+          <p:nvPr/>
+        </p:nvGrpSpPr>
+        <p:grpSpPr>
+          <a:xfrm>
+            <a:off x="5593967" y="1118628"/>
+            <a:ext cx="1160855" cy="1012554"/>
+            <a:chOff x="4675188" y="2882900"/>
+            <a:chExt cx="360362" cy="314325"/>
+          </a:xfrm>
+          <a:solidFill>
+            <a:schemeClr val="accent1">
+              <a:lumMod val="75000"/>
+            </a:schemeClr>
+          </a:solidFill>
+        </p:grpSpPr>
+        <p:sp>
+          <p:nvSpPr>
+            <p:cNvPr id="9" name="AutoShape 43">
+              <a:extLst>
+                <a:ext uri="{FF2B5EF4-FFF2-40B4-BE49-F238E27FC236}">
+                  <a16:creationId xmlns:a16="http://schemas.microsoft.com/office/drawing/2014/main" id="{1F79AE39-2C47-9327-1260-EBD6532C2068}"/>
+                </a:ext>
+              </a:extLst>
+            </p:cNvPr>
+            <p:cNvSpPr>
+              <a:spLocks/>
+            </p:cNvSpPr>
+            <p:nvPr/>
+          </p:nvSpPr>
+          <p:spPr bwMode="auto">
+            <a:xfrm>
+              <a:off x="4675188" y="2882900"/>
+              <a:ext cx="360362" cy="257175"/>
+            </a:xfrm>
+            <a:custGeom>
+              <a:avLst/>
+              <a:gdLst>
+                <a:gd name="T0" fmla="*/ 10800 w 21600"/>
+                <a:gd name="T1" fmla="*/ 10800 h 21600"/>
+                <a:gd name="T2" fmla="*/ 10800 w 21600"/>
+                <a:gd name="T3" fmla="*/ 10800 h 21600"/>
+                <a:gd name="T4" fmla="*/ 10800 w 21600"/>
+                <a:gd name="T5" fmla="*/ 10800 h 21600"/>
+                <a:gd name="T6" fmla="*/ 10800 w 21600"/>
+                <a:gd name="T7" fmla="*/ 10800 h 21600"/>
+              </a:gdLst>
+              <a:ahLst/>
+              <a:cxnLst>
+                <a:cxn ang="0">
+                  <a:pos x="T0" y="T1"/>
+                </a:cxn>
+                <a:cxn ang="0">
+                  <a:pos x="T2" y="T3"/>
+                </a:cxn>
+                <a:cxn ang="0">
+                  <a:pos x="T4" y="T5"/>
+                </a:cxn>
+                <a:cxn ang="0">
+                  <a:pos x="T6" y="T7"/>
+                </a:cxn>
+              </a:cxnLst>
+              <a:rect l="0" t="0" r="r" b="b"/>
+              <a:pathLst>
+                <a:path w="21600" h="21600">
+                  <a:moveTo>
+                    <a:pt x="10951" y="9367"/>
+                  </a:moveTo>
+                  <a:cubicBezTo>
+                    <a:pt x="10901" y="9383"/>
+                    <a:pt x="10851" y="9391"/>
+                    <a:pt x="10800" y="9391"/>
+                  </a:cubicBezTo>
+                  <a:cubicBezTo>
+                    <a:pt x="10748" y="9391"/>
+                    <a:pt x="10698" y="9383"/>
+                    <a:pt x="10648" y="9367"/>
+                  </a:cubicBezTo>
+                  <a:lnTo>
+                    <a:pt x="1873" y="6550"/>
+                  </a:lnTo>
+                  <a:cubicBezTo>
+                    <a:pt x="1566" y="6452"/>
+                    <a:pt x="1349" y="6072"/>
+                    <a:pt x="1349" y="5634"/>
+                  </a:cubicBezTo>
+                  <a:cubicBezTo>
+                    <a:pt x="1349" y="5197"/>
+                    <a:pt x="1566" y="4817"/>
+                    <a:pt x="1873" y="4719"/>
+                  </a:cubicBezTo>
+                  <a:lnTo>
+                    <a:pt x="10648" y="1902"/>
+                  </a:lnTo>
+                  <a:cubicBezTo>
+                    <a:pt x="10698" y="1886"/>
+                    <a:pt x="10748" y="1878"/>
+                    <a:pt x="10800" y="1878"/>
+                  </a:cubicBezTo>
+                  <a:cubicBezTo>
+                    <a:pt x="10851" y="1878"/>
+                    <a:pt x="10901" y="1886"/>
+                    <a:pt x="10951" y="1902"/>
+                  </a:cubicBezTo>
+                  <a:lnTo>
+                    <a:pt x="19726" y="4719"/>
+                  </a:lnTo>
+                  <a:cubicBezTo>
+                    <a:pt x="20033" y="4817"/>
+                    <a:pt x="20249" y="5197"/>
+                    <a:pt x="20249" y="5634"/>
+                  </a:cubicBezTo>
+                  <a:cubicBezTo>
+                    <a:pt x="20249" y="6072"/>
+                    <a:pt x="20033" y="6452"/>
+                    <a:pt x="19726" y="6550"/>
+                  </a:cubicBezTo>
+                  <a:cubicBezTo>
+                    <a:pt x="19726" y="6550"/>
+                    <a:pt x="10951" y="9367"/>
+                    <a:pt x="10951" y="9367"/>
+                  </a:cubicBezTo>
+                  <a:close/>
+                  <a:moveTo>
+                    <a:pt x="16874" y="16904"/>
+                  </a:moveTo>
+                  <a:cubicBezTo>
+                    <a:pt x="16874" y="17942"/>
+                    <a:pt x="14849" y="19721"/>
+                    <a:pt x="10800" y="19721"/>
+                  </a:cubicBezTo>
+                  <a:cubicBezTo>
+                    <a:pt x="6749" y="19721"/>
+                    <a:pt x="4724" y="17942"/>
+                    <a:pt x="4724" y="16904"/>
+                  </a:cubicBezTo>
+                  <a:lnTo>
+                    <a:pt x="4724" y="9394"/>
+                  </a:lnTo>
+                  <a:lnTo>
+                    <a:pt x="10353" y="11200"/>
+                  </a:lnTo>
+                  <a:cubicBezTo>
+                    <a:pt x="10501" y="11246"/>
+                    <a:pt x="10651" y="11269"/>
+                    <a:pt x="10800" y="11269"/>
+                  </a:cubicBezTo>
+                  <a:cubicBezTo>
+                    <a:pt x="10949" y="11269"/>
+                    <a:pt x="11098" y="11246"/>
+                    <a:pt x="11255" y="11198"/>
+                  </a:cubicBezTo>
+                  <a:lnTo>
+                    <a:pt x="16874" y="9394"/>
+                  </a:lnTo>
+                  <a:cubicBezTo>
+                    <a:pt x="16874" y="9394"/>
+                    <a:pt x="16874" y="16904"/>
+                    <a:pt x="16874" y="16904"/>
+                  </a:cubicBezTo>
+                  <a:close/>
+                  <a:moveTo>
+                    <a:pt x="21600" y="5634"/>
+                  </a:moveTo>
+                  <a:cubicBezTo>
+                    <a:pt x="21600" y="4314"/>
+                    <a:pt x="20954" y="3185"/>
+                    <a:pt x="20030" y="2888"/>
+                  </a:cubicBezTo>
+                  <a:lnTo>
+                    <a:pt x="11246" y="68"/>
+                  </a:lnTo>
+                  <a:cubicBezTo>
+                    <a:pt x="11098" y="22"/>
+                    <a:pt x="10949" y="0"/>
+                    <a:pt x="10800" y="0"/>
+                  </a:cubicBezTo>
+                  <a:cubicBezTo>
+                    <a:pt x="10651" y="0"/>
+                    <a:pt x="10501" y="22"/>
+                    <a:pt x="10344" y="71"/>
+                  </a:cubicBezTo>
+                  <a:lnTo>
+                    <a:pt x="1570" y="2888"/>
+                  </a:lnTo>
+                  <a:cubicBezTo>
+                    <a:pt x="645" y="3185"/>
+                    <a:pt x="0" y="4314"/>
+                    <a:pt x="0" y="5634"/>
+                  </a:cubicBezTo>
+                  <a:cubicBezTo>
+                    <a:pt x="0" y="6955"/>
+                    <a:pt x="645" y="8084"/>
+                    <a:pt x="1569" y="8380"/>
+                  </a:cubicBezTo>
+                  <a:lnTo>
+                    <a:pt x="3374" y="8960"/>
+                  </a:lnTo>
+                  <a:lnTo>
+                    <a:pt x="3374" y="16904"/>
+                  </a:lnTo>
+                  <a:cubicBezTo>
+                    <a:pt x="3374" y="19397"/>
+                    <a:pt x="5425" y="21600"/>
+                    <a:pt x="10800" y="21600"/>
+                  </a:cubicBezTo>
+                  <a:cubicBezTo>
+                    <a:pt x="16174" y="21600"/>
+                    <a:pt x="18224" y="19397"/>
+                    <a:pt x="18224" y="16904"/>
+                  </a:cubicBezTo>
+                  <a:lnTo>
+                    <a:pt x="18224" y="8960"/>
+                  </a:lnTo>
+                  <a:lnTo>
+                    <a:pt x="20030" y="8380"/>
+                  </a:lnTo>
+                  <a:cubicBezTo>
+                    <a:pt x="20954" y="8084"/>
+                    <a:pt x="21600" y="6955"/>
+                    <a:pt x="21600" y="5634"/>
+                  </a:cubicBezTo>
+                </a:path>
+              </a:pathLst>
+            </a:custGeom>
+            <a:grpFill/>
+            <a:ln/>
+          </p:spPr>
+          <p:style>
+            <a:lnRef idx="1">
+              <a:schemeClr val="accent1"/>
+            </a:lnRef>
+            <a:fillRef idx="0">
+              <a:schemeClr val="accent1"/>
+            </a:fillRef>
+            <a:effectRef idx="0">
+              <a:schemeClr val="accent1"/>
+            </a:effectRef>
+            <a:fontRef idx="minor">
+              <a:schemeClr val="tx1"/>
+            </a:fontRef>
+          </p:style>
+          <p:txBody>
+            <a:bodyPr lIns="19050" tIns="19050" rIns="19050" bIns="19050" anchor="ctr"/>
+            <a:lstStyle/>
+            <a:p>
+              <a:pPr marL="0" marR="0" lvl="0" indent="0" algn="ctr" defTabSz="228600" eaLnBrk="1" fontAlgn="base" latinLnBrk="0" hangingPunct="0">
+                <a:lnSpc>
+                  <a:spcPct val="100000"/>
+                </a:lnSpc>
+                <a:spcBef>
+                  <a:spcPct val="0"/>
+                </a:spcBef>
+                <a:spcAft>
+                  <a:spcPct val="0"/>
+                </a:spcAft>
+                <a:buClrTx/>
+                <a:buSzTx/>
+                <a:buFontTx/>
+                <a:buNone/>
+                <a:tabLst/>
+                <a:defRPr/>
+              </a:pPr>
+              <a:endParaRPr kumimoji="0" lang="en-US" sz="1500" i="0" u="none" strike="noStrike" kern="0" normalizeH="0" baseline="0" noProof="0" dirty="0">
+                <a:ln w="0"/>
+                <a:effectLst>
+                  <a:outerShdw blurRad="38100" dist="19050" dir="2700000" algn="tl" rotWithShape="0">
+                    <a:schemeClr val="dk1">
+                      <a:alpha val="40000"/>
+                    </a:schemeClr>
+                  </a:outerShdw>
+                </a:effectLst>
+                <a:uLnTx/>
+                <a:uFillTx/>
+                <a:latin typeface="Gill Sans" charset="0"/>
+                <a:sym typeface="Gill Sans" charset="0"/>
+              </a:endParaRPr>
+            </a:p>
+          </p:txBody>
+        </p:sp>
+        <p:sp>
+          <p:nvSpPr>
+            <p:cNvPr id="10" name="AutoShape 44">
+              <a:extLst>
+                <a:ext uri="{FF2B5EF4-FFF2-40B4-BE49-F238E27FC236}">
+                  <a16:creationId xmlns:a16="http://schemas.microsoft.com/office/drawing/2014/main" id="{BE462345-CDC5-0A1A-11AE-FC48BDD6FC72}"/>
+                </a:ext>
+              </a:extLst>
+            </p:cNvPr>
+            <p:cNvSpPr>
+              <a:spLocks/>
+            </p:cNvSpPr>
+            <p:nvPr/>
+          </p:nvSpPr>
+          <p:spPr bwMode="auto">
+            <a:xfrm>
+              <a:off x="5000625" y="2994025"/>
+              <a:ext cx="22225" cy="123825"/>
+            </a:xfrm>
+            <a:custGeom>
+              <a:avLst/>
+              <a:gdLst>
+                <a:gd name="T0" fmla="*/ 10800 w 21600"/>
+                <a:gd name="T1" fmla="*/ 10800 h 21600"/>
+                <a:gd name="T2" fmla="*/ 10800 w 21600"/>
+                <a:gd name="T3" fmla="*/ 10800 h 21600"/>
+                <a:gd name="T4" fmla="*/ 10800 w 21600"/>
+                <a:gd name="T5" fmla="*/ 10800 h 21600"/>
+                <a:gd name="T6" fmla="*/ 10800 w 21600"/>
+                <a:gd name="T7" fmla="*/ 10800 h 21600"/>
+              </a:gdLst>
+              <a:ahLst/>
+              <a:cxnLst>
+                <a:cxn ang="0">
+                  <a:pos x="T0" y="T1"/>
+                </a:cxn>
+                <a:cxn ang="0">
+                  <a:pos x="T2" y="T3"/>
+                </a:cxn>
+                <a:cxn ang="0">
+                  <a:pos x="T4" y="T5"/>
+                </a:cxn>
+                <a:cxn ang="0">
+                  <a:pos x="T6" y="T7"/>
+                </a:cxn>
+              </a:cxnLst>
+              <a:rect l="0" t="0" r="r" b="b"/>
+              <a:pathLst>
+                <a:path w="21600" h="21600">
+                  <a:moveTo>
+                    <a:pt x="0" y="1963"/>
+                  </a:moveTo>
+                  <a:lnTo>
+                    <a:pt x="0" y="19636"/>
+                  </a:lnTo>
+                  <a:cubicBezTo>
+                    <a:pt x="0" y="20721"/>
+                    <a:pt x="4841" y="21599"/>
+                    <a:pt x="10800" y="21599"/>
+                  </a:cubicBezTo>
+                  <a:cubicBezTo>
+                    <a:pt x="16758" y="21599"/>
+                    <a:pt x="21600" y="20721"/>
+                    <a:pt x="21600" y="19636"/>
+                  </a:cubicBezTo>
+                  <a:lnTo>
+                    <a:pt x="21600" y="1963"/>
+                  </a:lnTo>
+                  <a:cubicBezTo>
+                    <a:pt x="21600" y="878"/>
+                    <a:pt x="16758" y="0"/>
+                    <a:pt x="10800" y="0"/>
+                  </a:cubicBezTo>
+                  <a:cubicBezTo>
+                    <a:pt x="4841" y="0"/>
+                    <a:pt x="0" y="878"/>
+                    <a:pt x="0" y="1963"/>
+                  </a:cubicBezTo>
+                </a:path>
+              </a:pathLst>
+            </a:custGeom>
+            <a:grpFill/>
+            <a:ln/>
+          </p:spPr>
+          <p:style>
+            <a:lnRef idx="1">
+              <a:schemeClr val="accent1"/>
+            </a:lnRef>
+            <a:fillRef idx="0">
+              <a:schemeClr val="accent1"/>
+            </a:fillRef>
+            <a:effectRef idx="0">
+              <a:schemeClr val="accent1"/>
+            </a:effectRef>
+            <a:fontRef idx="minor">
+              <a:schemeClr val="tx1"/>
+            </a:fontRef>
+          </p:style>
+          <p:txBody>
+            <a:bodyPr lIns="19050" tIns="19050" rIns="19050" bIns="19050" anchor="ctr"/>
+            <a:lstStyle/>
+            <a:p>
+              <a:pPr marL="0" marR="0" lvl="0" indent="0" algn="ctr" defTabSz="228600" eaLnBrk="1" fontAlgn="base" latinLnBrk="0" hangingPunct="0">
+                <a:lnSpc>
+                  <a:spcPct val="100000"/>
+                </a:lnSpc>
+                <a:spcBef>
+                  <a:spcPct val="0"/>
+                </a:spcBef>
+                <a:spcAft>
+                  <a:spcPct val="0"/>
+                </a:spcAft>
+                <a:buClrTx/>
+                <a:buSzTx/>
+                <a:buFontTx/>
+                <a:buNone/>
+                <a:tabLst/>
+                <a:defRPr/>
+              </a:pPr>
+              <a:endParaRPr kumimoji="0" lang="en-US" sz="1500" i="0" u="none" strike="noStrike" kern="0" normalizeH="0" baseline="0" noProof="0" dirty="0">
+                <a:ln w="0"/>
+                <a:effectLst>
+                  <a:outerShdw blurRad="38100" dist="19050" dir="2700000" algn="tl" rotWithShape="0">
+                    <a:schemeClr val="dk1">
+                      <a:alpha val="40000"/>
+                    </a:schemeClr>
+                  </a:outerShdw>
+                </a:effectLst>
+                <a:uLnTx/>
+                <a:uFillTx/>
+                <a:latin typeface="Gill Sans" charset="0"/>
+                <a:sym typeface="Gill Sans" charset="0"/>
+              </a:endParaRPr>
+            </a:p>
+          </p:txBody>
+        </p:sp>
+        <p:sp>
+          <p:nvSpPr>
+            <p:cNvPr id="11" name="AutoShape 45">
+              <a:extLst>
+                <a:ext uri="{FF2B5EF4-FFF2-40B4-BE49-F238E27FC236}">
+                  <a16:creationId xmlns:a16="http://schemas.microsoft.com/office/drawing/2014/main" id="{8E120BDE-293B-2FFE-C676-A72C1D40BE26}"/>
+                </a:ext>
+              </a:extLst>
+            </p:cNvPr>
+            <p:cNvSpPr>
+              <a:spLocks/>
+            </p:cNvSpPr>
+            <p:nvPr/>
+          </p:nvSpPr>
+          <p:spPr bwMode="auto">
+            <a:xfrm>
+              <a:off x="4989513" y="3128963"/>
+              <a:ext cx="46037" cy="68262"/>
+            </a:xfrm>
+            <a:custGeom>
+              <a:avLst/>
+              <a:gdLst>
+                <a:gd name="T0" fmla="*/ 10800 w 21600"/>
+                <a:gd name="T1" fmla="*/ 10800 h 21600"/>
+                <a:gd name="T2" fmla="*/ 10800 w 21600"/>
+                <a:gd name="T3" fmla="*/ 10800 h 21600"/>
+                <a:gd name="T4" fmla="*/ 10800 w 21600"/>
+                <a:gd name="T5" fmla="*/ 10800 h 21600"/>
+                <a:gd name="T6" fmla="*/ 10800 w 21600"/>
+                <a:gd name="T7" fmla="*/ 10800 h 21600"/>
+              </a:gdLst>
+              <a:ahLst/>
+              <a:cxnLst>
+                <a:cxn ang="0">
+                  <a:pos x="T0" y="T1"/>
+                </a:cxn>
+                <a:cxn ang="0">
+                  <a:pos x="T2" y="T3"/>
+                </a:cxn>
+                <a:cxn ang="0">
+                  <a:pos x="T4" y="T5"/>
+                </a:cxn>
+                <a:cxn ang="0">
+                  <a:pos x="T6" y="T7"/>
+                </a:cxn>
+              </a:cxnLst>
+              <a:rect l="0" t="0" r="r" b="b"/>
+              <a:pathLst>
+                <a:path w="21600" h="21600">
+                  <a:moveTo>
+                    <a:pt x="10800" y="0"/>
+                  </a:moveTo>
+                  <a:cubicBezTo>
+                    <a:pt x="4838" y="0"/>
+                    <a:pt x="0" y="10427"/>
+                    <a:pt x="0" y="14400"/>
+                  </a:cubicBezTo>
+                  <a:cubicBezTo>
+                    <a:pt x="0" y="18372"/>
+                    <a:pt x="4838" y="21599"/>
+                    <a:pt x="10800" y="21599"/>
+                  </a:cubicBezTo>
+                  <a:cubicBezTo>
+                    <a:pt x="16761" y="21599"/>
+                    <a:pt x="21600" y="18372"/>
+                    <a:pt x="21600" y="14400"/>
+                  </a:cubicBezTo>
+                  <a:cubicBezTo>
+                    <a:pt x="21600" y="10427"/>
+                    <a:pt x="16761" y="0"/>
+                    <a:pt x="10800" y="0"/>
+                  </a:cubicBezTo>
+                </a:path>
+              </a:pathLst>
+            </a:custGeom>
+            <a:grpFill/>
+            <a:ln/>
+          </p:spPr>
+          <p:style>
+            <a:lnRef idx="1">
+              <a:schemeClr val="accent1"/>
+            </a:lnRef>
+            <a:fillRef idx="0">
+              <a:schemeClr val="accent1"/>
+            </a:fillRef>
+            <a:effectRef idx="0">
+              <a:schemeClr val="accent1"/>
+            </a:effectRef>
+            <a:fontRef idx="minor">
+              <a:schemeClr val="tx1"/>
+            </a:fontRef>
+          </p:style>
+          <p:txBody>
+            <a:bodyPr lIns="19050" tIns="19050" rIns="19050" bIns="19050" anchor="ctr"/>
+            <a:lstStyle/>
+            <a:p>
+              <a:pPr marL="0" marR="0" lvl="0" indent="0" algn="ctr" defTabSz="228600" eaLnBrk="1" fontAlgn="base" latinLnBrk="0" hangingPunct="0">
+                <a:lnSpc>
+                  <a:spcPct val="100000"/>
+                </a:lnSpc>
+                <a:spcBef>
+                  <a:spcPct val="0"/>
+                </a:spcBef>
+                <a:spcAft>
+                  <a:spcPct val="0"/>
+                </a:spcAft>
+                <a:buClrTx/>
+                <a:buSzTx/>
+                <a:buFontTx/>
+                <a:buNone/>
+                <a:tabLst/>
+                <a:defRPr/>
+              </a:pPr>
+              <a:endParaRPr kumimoji="0" lang="en-US" sz="1500" i="0" u="none" strike="noStrike" kern="0" normalizeH="0" baseline="0" noProof="0" dirty="0">
+                <a:ln w="0"/>
+                <a:effectLst>
+                  <a:outerShdw blurRad="38100" dist="19050" dir="2700000" algn="tl" rotWithShape="0">
+                    <a:schemeClr val="dk1">
+                      <a:alpha val="40000"/>
+                    </a:schemeClr>
+                  </a:outerShdw>
+                </a:effectLst>
+                <a:uLnTx/>
+                <a:uFillTx/>
+                <a:latin typeface="Gill Sans" charset="0"/>
+                <a:sym typeface="Gill Sans" charset="0"/>
+              </a:endParaRPr>
+            </a:p>
+          </p:txBody>
+        </p:sp>
+      </p:grpSp>
+      <p:sp>
+        <p:nvSpPr>
+          <p:cNvPr id="15" name="矩形 14">
+            <a:extLst>
+              <a:ext uri="{FF2B5EF4-FFF2-40B4-BE49-F238E27FC236}">
+                <a16:creationId xmlns:a16="http://schemas.microsoft.com/office/drawing/2014/main" id="{7BF0973A-1738-8176-FDC9-4A588F869A4D}"/>
+              </a:ext>
+            </a:extLst>
+          </p:cNvPr>
+          <p:cNvSpPr/>
+          <p:nvPr/>
+        </p:nvSpPr>
+        <p:spPr>
+          <a:xfrm>
+            <a:off x="0" y="6570704"/>
+            <a:ext cx="12192000" cy="287296"/>
+          </a:xfrm>
+          <a:prstGeom prst="rect">
+            <a:avLst/>
+          </a:prstGeom>
+          <a:ln>
+            <a:noFill/>
+          </a:ln>
+        </p:spPr>
+        <p:style>
+          <a:lnRef idx="2">
+            <a:schemeClr val="accent1">
+              <a:shade val="50000"/>
+            </a:schemeClr>
+          </a:lnRef>
+          <a:fillRef idx="1">
+            <a:schemeClr val="accent1"/>
+          </a:fillRef>
+          <a:effectRef idx="0">
+            <a:schemeClr val="accent1"/>
+          </a:effectRef>
+          <a:fontRef idx="minor">
+            <a:schemeClr val="lt1"/>
+          </a:fontRef>
+        </p:style>
+        <p:txBody>
+          <a:bodyPr rtlCol="0" anchor="ctr"/>
+          <a:lstStyle/>
+          <a:p>
+            <a:pPr algn="ctr"/>
+            <a:endParaRPr lang="zh-CN" altLang="en-US"/>
+          </a:p>
+        </p:txBody>
+      </p:sp>
+    </p:spTree>
+    <p:extLst>
+      <p:ext uri="{BB962C8B-B14F-4D97-AF65-F5344CB8AC3E}">
+        <p14:creationId xmlns:p14="http://schemas.microsoft.com/office/powerpoint/2010/main" val="321313927"/>
+      </p:ext>
+    </p:extLst>
+  </p:cSld>
+  <p:clrMapOvr>
+    <a:masterClrMapping/>
+  </p:clrMapOvr>
+</p:sld>
+</file>
+
+<file path=ppt/slides/slide20.xml><?xml version="1.0" encoding="utf-8"?>
+<p:sld xmlns:a="http://schemas.openxmlformats.org/drawingml/2006/main" xmlns:r="http://schemas.openxmlformats.org/officeDocument/2006/relationships" xmlns:p="http://schemas.openxmlformats.org/presentationml/2006/main">
+  <p:cSld>
+    <p:spTree>
+      <p:nvGrpSpPr>
+        <p:cNvPr id="1" name=""/>
+        <p:cNvGrpSpPr/>
+        <p:nvPr/>
+      </p:nvGrpSpPr>
+      <p:grpSpPr>
+        <a:xfrm>
+          <a:off x="0" y="0"/>
+          <a:ext cx="0" cy="0"/>
+          <a:chOff x="0" y="0"/>
+          <a:chExt cx="0" cy="0"/>
+        </a:xfrm>
+      </p:grpSpPr>
+      <p:sp>
+        <p:nvSpPr>
+          <p:cNvPr id="2" name="标题 1">
+            <a:extLst>
+              <a:ext uri="{FF2B5EF4-FFF2-40B4-BE49-F238E27FC236}">
+                <a16:creationId xmlns:a16="http://schemas.microsoft.com/office/drawing/2014/main" id="{13642BA8-7827-AA06-FF54-A8AEE84E6781}"/>
+              </a:ext>
+            </a:extLst>
+          </p:cNvPr>
+          <p:cNvSpPr>
+            <a:spLocks noGrp="1"/>
+          </p:cNvSpPr>
+          <p:nvPr>
+            <p:ph type="title"/>
+          </p:nvPr>
+        </p:nvSpPr>
+        <p:spPr/>
+        <p:txBody>
+          <a:bodyPr>
+            <a:normAutofit/>
+          </a:bodyPr>
+          <a:lstStyle/>
+          <a:p>
+            <a:r>
+              <a:rPr lang="zh-CN" altLang="en-US" sz="4800" b="0" i="0" u="none" strike="noStrike" baseline="0" dirty="0">
+                <a:solidFill>
+                  <a:srgbClr val="E8080B"/>
+                </a:solidFill>
+                <a:latin typeface="楷体" panose="02010609060101010101" pitchFamily="49" charset="-122"/>
+                <a:ea typeface="楷体" panose="02010609060101010101" pitchFamily="49" charset="-122"/>
+              </a:rPr>
+              <a:t>具体的实现方法</a:t>
+            </a:r>
+            <a:endParaRPr lang="zh-CN" altLang="en-US" sz="9600" b="1" dirty="0"/>
+          </a:p>
+        </p:txBody>
+      </p:sp>
+      <p:sp>
+        <p:nvSpPr>
+          <p:cNvPr id="3" name="内容占位符 2">
+            <a:extLst>
+              <a:ext uri="{FF2B5EF4-FFF2-40B4-BE49-F238E27FC236}">
+                <a16:creationId xmlns:a16="http://schemas.microsoft.com/office/drawing/2014/main" id="{915B5EC3-3435-600D-DB62-C83882CDF8CE}"/>
+              </a:ext>
+            </a:extLst>
+          </p:cNvPr>
+          <p:cNvSpPr>
+            <a:spLocks noGrp="1"/>
+          </p:cNvSpPr>
+          <p:nvPr>
+            <p:ph idx="1"/>
+          </p:nvPr>
+        </p:nvSpPr>
+        <p:spPr/>
+        <p:txBody>
+          <a:bodyPr>
+            <a:normAutofit/>
+          </a:bodyPr>
+          <a:lstStyle/>
+          <a:p>
+            <a:pPr marL="0" indent="0" algn="l">
+              <a:buNone/>
+            </a:pPr>
+            <a:r>
+              <a:rPr lang="en-US" altLang="zh-CN" b="0" i="0" u="none" strike="noStrike" baseline="0" dirty="0">
+                <a:solidFill>
+                  <a:srgbClr val="0806E2"/>
+                </a:solidFill>
+                <a:latin typeface="TimesNewRomanPSMT"/>
+              </a:rPr>
+              <a:t>(1) </a:t>
+            </a:r>
+            <a:r>
+              <a:rPr lang="zh-CN" altLang="en-US" b="0" i="0" u="none" strike="noStrike" baseline="0" dirty="0">
+                <a:solidFill>
+                  <a:srgbClr val="0806E2"/>
+                </a:solidFill>
+                <a:latin typeface="楷体" panose="02010609060101010101" pitchFamily="49" charset="-122"/>
+                <a:ea typeface="楷体" panose="02010609060101010101" pitchFamily="49" charset="-122"/>
+              </a:rPr>
+              <a:t>一般突发事件的发生过程可视为二项分布、</a:t>
+            </a:r>
+            <a:r>
+              <a:rPr lang="en-US" altLang="zh-CN" b="0" i="0" u="none" strike="noStrike" baseline="0" dirty="0" err="1">
+                <a:solidFill>
+                  <a:srgbClr val="0806E2"/>
+                </a:solidFill>
+                <a:latin typeface="TimesNewRomanPSMT"/>
+                <a:ea typeface="楷体" panose="02010609060101010101" pitchFamily="49" charset="-122"/>
+              </a:rPr>
+              <a:t>Possion</a:t>
+            </a:r>
+            <a:r>
+              <a:rPr lang="zh-CN" altLang="en-US" b="0" i="0" u="none" strike="noStrike" baseline="0" dirty="0">
+                <a:solidFill>
+                  <a:srgbClr val="0806E2"/>
+                </a:solidFill>
+                <a:latin typeface="楷体" panose="02010609060101010101" pitchFamily="49" charset="-122"/>
+                <a:ea typeface="楷体" panose="02010609060101010101" pitchFamily="49" charset="-122"/>
+              </a:rPr>
+              <a:t>分布，</a:t>
+            </a:r>
+          </a:p>
+          <a:p>
+            <a:pPr marL="0" indent="0" algn="l">
+              <a:buNone/>
+            </a:pPr>
+            <a:r>
+              <a:rPr lang="zh-CN" altLang="en-US" b="0" i="0" u="none" strike="noStrike" baseline="0" dirty="0">
+                <a:solidFill>
+                  <a:srgbClr val="0806E2"/>
+                </a:solidFill>
+                <a:latin typeface="楷体" panose="02010609060101010101" pitchFamily="49" charset="-122"/>
+                <a:ea typeface="楷体" panose="02010609060101010101" pitchFamily="49" charset="-122"/>
+              </a:rPr>
+              <a:t>一般突发事件的影响效果可依据不同的行业用正态分布表述。</a:t>
+            </a:r>
+          </a:p>
+          <a:p>
+            <a:pPr marL="0" indent="0" algn="l">
+              <a:buNone/>
+            </a:pPr>
+            <a:r>
+              <a:rPr lang="en-US" altLang="zh-CN" b="0" i="0" u="none" strike="noStrike" baseline="0" dirty="0">
+                <a:solidFill>
+                  <a:srgbClr val="000000"/>
+                </a:solidFill>
+                <a:latin typeface="TimesNewRomanPSMT"/>
+              </a:rPr>
+              <a:t>(2)</a:t>
+            </a:r>
+            <a:r>
+              <a:rPr lang="zh-CN" altLang="en-US" b="0" i="0" u="none" strike="noStrike" baseline="0" dirty="0">
+                <a:solidFill>
+                  <a:srgbClr val="000000"/>
+                </a:solidFill>
+                <a:latin typeface="楷体" panose="02010609060101010101" pitchFamily="49" charset="-122"/>
+                <a:ea typeface="楷体" panose="02010609060101010101" pitchFamily="49" charset="-122"/>
+              </a:rPr>
+              <a:t>考虑新冠疫情的影响，针对不同</a:t>
+            </a:r>
+            <a:r>
+              <a:rPr lang="en-US" altLang="zh-CN" b="0" i="0" u="none" strike="noStrike" baseline="0" dirty="0">
+                <a:solidFill>
+                  <a:srgbClr val="000000"/>
+                </a:solidFill>
+                <a:latin typeface="楷体" panose="02010609060101010101" pitchFamily="49" charset="-122"/>
+                <a:ea typeface="楷体" panose="02010609060101010101" pitchFamily="49" charset="-122"/>
+              </a:rPr>
+              <a:t>(</a:t>
+            </a:r>
+            <a:r>
+              <a:rPr lang="zh-CN" altLang="en-US" b="0" i="0" u="none" strike="noStrike" baseline="0" dirty="0">
+                <a:solidFill>
+                  <a:srgbClr val="000000"/>
+                </a:solidFill>
+                <a:latin typeface="楷体" panose="02010609060101010101" pitchFamily="49" charset="-122"/>
+                <a:ea typeface="楷体" panose="02010609060101010101" pitchFamily="49" charset="-122"/>
+              </a:rPr>
+              <a:t>有代表性</a:t>
+            </a:r>
+            <a:r>
+              <a:rPr lang="en-US" altLang="zh-CN" b="0" i="0" u="none" strike="noStrike" baseline="0" dirty="0">
+                <a:solidFill>
+                  <a:srgbClr val="000000"/>
+                </a:solidFill>
+                <a:latin typeface="楷体" panose="02010609060101010101" pitchFamily="49" charset="-122"/>
+                <a:ea typeface="楷体" panose="02010609060101010101" pitchFamily="49" charset="-122"/>
+              </a:rPr>
+              <a:t>)</a:t>
+            </a:r>
+            <a:r>
+              <a:rPr lang="zh-CN" altLang="en-US" b="0" i="0" u="none" strike="noStrike" baseline="0" dirty="0">
+                <a:solidFill>
+                  <a:srgbClr val="000000"/>
+                </a:solidFill>
+                <a:latin typeface="楷体" panose="02010609060101010101" pitchFamily="49" charset="-122"/>
+                <a:ea typeface="楷体" panose="02010609060101010101" pitchFamily="49" charset="-122"/>
+              </a:rPr>
+              <a:t>的行业分析</a:t>
+            </a:r>
+          </a:p>
+          <a:p>
+            <a:pPr marL="0" indent="0" algn="l">
+              <a:buNone/>
+            </a:pPr>
+            <a:r>
+              <a:rPr lang="zh-CN" altLang="en-US" b="0" i="0" u="none" strike="noStrike" baseline="0" dirty="0">
+                <a:solidFill>
+                  <a:srgbClr val="000000"/>
+                </a:solidFill>
+                <a:latin typeface="楷体" panose="02010609060101010101" pitchFamily="49" charset="-122"/>
+                <a:ea typeface="楷体" panose="02010609060101010101" pitchFamily="49" charset="-122"/>
+              </a:rPr>
+              <a:t>正负两方面的影响，考虑对信贷风险和信贷策略的影响效果。</a:t>
+            </a:r>
+          </a:p>
+          <a:p>
+            <a:pPr marL="0" indent="0" algn="l">
+              <a:buNone/>
+            </a:pPr>
+            <a:r>
+              <a:rPr lang="en-US" altLang="zh-CN" b="0" i="0" u="none" strike="noStrike" baseline="0" dirty="0">
+                <a:solidFill>
+                  <a:srgbClr val="0806E2"/>
+                </a:solidFill>
+                <a:latin typeface="TimesNewRomanPSMT"/>
+              </a:rPr>
+              <a:t>(3)</a:t>
+            </a:r>
+            <a:r>
+              <a:rPr lang="zh-CN" altLang="en-US" b="0" i="0" u="none" strike="noStrike" baseline="0" dirty="0">
+                <a:solidFill>
+                  <a:srgbClr val="0806E2"/>
+                </a:solidFill>
+                <a:latin typeface="楷体" panose="02010609060101010101" pitchFamily="49" charset="-122"/>
+                <a:ea typeface="楷体" panose="02010609060101010101" pitchFamily="49" charset="-122"/>
+              </a:rPr>
+              <a:t>突发事件所产生的影响效果可以取均值代入模型求解，得</a:t>
+            </a:r>
+          </a:p>
+          <a:p>
+            <a:pPr marL="0" indent="0" algn="l">
+              <a:buNone/>
+            </a:pPr>
+            <a:r>
+              <a:rPr lang="zh-CN" altLang="en-US" b="0" i="0" u="none" strike="noStrike" baseline="0" dirty="0">
+                <a:solidFill>
+                  <a:srgbClr val="0806E2"/>
+                </a:solidFill>
+                <a:latin typeface="楷体" panose="02010609060101010101" pitchFamily="49" charset="-122"/>
+                <a:ea typeface="楷体" panose="02010609060101010101" pitchFamily="49" charset="-122"/>
+              </a:rPr>
+              <a:t>到调整后的信贷策略，也可用概率分布代入模型进行随机模型</a:t>
+            </a:r>
+          </a:p>
+          <a:p>
+            <a:pPr marL="0" indent="0" algn="l">
+              <a:buNone/>
+            </a:pPr>
+            <a:r>
+              <a:rPr lang="zh-CN" altLang="en-US" b="0" i="0" u="none" strike="noStrike" baseline="0" dirty="0">
+                <a:solidFill>
+                  <a:srgbClr val="0806E2"/>
+                </a:solidFill>
+                <a:latin typeface="楷体" panose="02010609060101010101" pitchFamily="49" charset="-122"/>
+                <a:ea typeface="楷体" panose="02010609060101010101" pitchFamily="49" charset="-122"/>
+              </a:rPr>
+              <a:t>求解分析。</a:t>
+            </a:r>
+          </a:p>
+          <a:p>
+            <a:pPr marL="0" indent="0" algn="l">
+              <a:buNone/>
+            </a:pPr>
+            <a:r>
+              <a:rPr lang="en-US" altLang="zh-CN" b="0" i="0" u="none" strike="noStrike" baseline="0" dirty="0">
+                <a:solidFill>
+                  <a:srgbClr val="000000"/>
+                </a:solidFill>
+                <a:latin typeface="TimesNewRomanPSMT"/>
+              </a:rPr>
+              <a:t>(4)</a:t>
+            </a:r>
+            <a:r>
+              <a:rPr lang="zh-CN" altLang="en-US" b="0" i="0" u="none" strike="noStrike" baseline="0" dirty="0">
+                <a:solidFill>
+                  <a:srgbClr val="000000"/>
+                </a:solidFill>
+                <a:latin typeface="楷体" panose="02010609060101010101" pitchFamily="49" charset="-122"/>
+                <a:ea typeface="楷体" panose="02010609060101010101" pitchFamily="49" charset="-122"/>
+              </a:rPr>
+              <a:t>从宏观和微观两个层面，或从政策层面上做一定的讨论。</a:t>
+            </a:r>
+            <a:endParaRPr lang="zh-CN" altLang="en-US" sz="4000" dirty="0"/>
+          </a:p>
+        </p:txBody>
+      </p:sp>
+    </p:spTree>
+    <p:extLst>
+      <p:ext uri="{BB962C8B-B14F-4D97-AF65-F5344CB8AC3E}">
+        <p14:creationId xmlns:p14="http://schemas.microsoft.com/office/powerpoint/2010/main" val="2989958897"/>
+      </p:ext>
+    </p:extLst>
+  </p:cSld>
+  <p:clrMapOvr>
+    <a:masterClrMapping/>
+  </p:clrMapOvr>
+</p:sld>
+</file>
+
+<file path=ppt/slides/slide21.xml><?xml version="1.0" encoding="utf-8"?>
+<p:sld xmlns:a="http://schemas.openxmlformats.org/drawingml/2006/main" xmlns:r="http://schemas.openxmlformats.org/officeDocument/2006/relationships" xmlns:p="http://schemas.openxmlformats.org/presentationml/2006/main">
+  <p:cSld>
+    <p:spTree>
+      <p:nvGrpSpPr>
+        <p:cNvPr id="1" name=""/>
+        <p:cNvGrpSpPr/>
+        <p:nvPr/>
+      </p:nvGrpSpPr>
+      <p:grpSpPr>
+        <a:xfrm>
+          <a:off x="0" y="0"/>
+          <a:ext cx="0" cy="0"/>
+          <a:chOff x="0" y="0"/>
+          <a:chExt cx="0" cy="0"/>
+        </a:xfrm>
+      </p:grpSpPr>
+      <p:sp>
+        <p:nvSpPr>
+          <p:cNvPr id="4" name="矩形 3">
+            <a:extLst>
+              <a:ext uri="{FF2B5EF4-FFF2-40B4-BE49-F238E27FC236}">
+                <a16:creationId xmlns:a16="http://schemas.microsoft.com/office/drawing/2014/main" id="{5FE2F0BB-ABBC-0839-6581-534FD00C434E}"/>
+              </a:ext>
+            </a:extLst>
+          </p:cNvPr>
+          <p:cNvSpPr/>
+          <p:nvPr/>
+        </p:nvSpPr>
+        <p:spPr>
+          <a:xfrm>
+            <a:off x="0" y="1654143"/>
+            <a:ext cx="12192000" cy="3256777"/>
+          </a:xfrm>
+          <a:prstGeom prst="rect">
+            <a:avLst/>
+          </a:prstGeom>
+          <a:solidFill>
+            <a:schemeClr val="accent1">
+              <a:lumMod val="75000"/>
+            </a:schemeClr>
+          </a:solidFill>
+        </p:spPr>
+        <p:style>
+          <a:lnRef idx="2">
+            <a:schemeClr val="accent1">
+              <a:shade val="50000"/>
+            </a:schemeClr>
+          </a:lnRef>
+          <a:fillRef idx="1">
+            <a:schemeClr val="accent1"/>
+          </a:fillRef>
+          <a:effectRef idx="0">
+            <a:schemeClr val="accent1"/>
+          </a:effectRef>
+          <a:fontRef idx="minor">
+            <a:schemeClr val="lt1"/>
+          </a:fontRef>
+        </p:style>
+        <p:txBody>
+          <a:bodyPr rtlCol="0" anchor="ctr"/>
+          <a:lstStyle/>
+          <a:p>
+            <a:pPr algn="ctr" defTabSz="685800"/>
+            <a:endParaRPr lang="zh-CN" altLang="en-US" sz="1350"/>
+          </a:p>
+        </p:txBody>
+      </p:sp>
+      <p:sp>
+        <p:nvSpPr>
+          <p:cNvPr id="5" name="矩形 4">
+            <a:extLst>
+              <a:ext uri="{FF2B5EF4-FFF2-40B4-BE49-F238E27FC236}">
+                <a16:creationId xmlns:a16="http://schemas.microsoft.com/office/drawing/2014/main" id="{37938814-1030-970A-757B-1573ED7389F8}"/>
+              </a:ext>
+            </a:extLst>
+          </p:cNvPr>
+          <p:cNvSpPr/>
+          <p:nvPr/>
+        </p:nvSpPr>
+        <p:spPr bwMode="auto">
+          <a:xfrm>
+            <a:off x="3182382" y="2659559"/>
+            <a:ext cx="5827236" cy="769441"/>
+          </a:xfrm>
+          <a:prstGeom prst="rect">
+            <a:avLst/>
+          </a:prstGeom>
+        </p:spPr>
+        <p:txBody>
+          <a:bodyPr wrap="square">
+            <a:spAutoFit/>
+          </a:bodyPr>
+          <a:lstStyle/>
+          <a:p>
+            <a:pPr algn="ctr">
+              <a:defRPr/>
+            </a:pPr>
+            <a:r>
+              <a:rPr lang="zh-CN" altLang="en-US" sz="4400" b="1" kern="100" dirty="0">
+                <a:solidFill>
+                  <a:schemeClr val="bg1"/>
+                </a:solidFill>
+                <a:latin typeface="微软雅黑" panose="020B0503020204020204" pitchFamily="34" charset="-122"/>
+                <a:ea typeface="微软雅黑" panose="020B0503020204020204" pitchFamily="34" charset="-122"/>
+                <a:cs typeface="Times New Roman" panose="02020603050405020304" pitchFamily="18" charset="0"/>
+              </a:rPr>
+              <a:t>随机森林</a:t>
+            </a:r>
+          </a:p>
+        </p:txBody>
+      </p:sp>
+      <p:sp>
+        <p:nvSpPr>
+          <p:cNvPr id="6" name="矩形 5">
+            <a:extLst>
+              <a:ext uri="{FF2B5EF4-FFF2-40B4-BE49-F238E27FC236}">
+                <a16:creationId xmlns:a16="http://schemas.microsoft.com/office/drawing/2014/main" id="{2020E845-6E37-6685-A41B-C50F8BEFD66F}"/>
+              </a:ext>
+            </a:extLst>
+          </p:cNvPr>
+          <p:cNvSpPr/>
+          <p:nvPr/>
+        </p:nvSpPr>
+        <p:spPr>
+          <a:xfrm>
+            <a:off x="4595965" y="4182196"/>
+            <a:ext cx="3156857" cy="338554"/>
+          </a:xfrm>
+          <a:prstGeom prst="rect">
+            <a:avLst/>
+          </a:prstGeom>
+        </p:spPr>
+        <p:txBody>
+          <a:bodyPr wrap="square">
+            <a:spAutoFit/>
+          </a:bodyPr>
+          <a:lstStyle/>
+          <a:p>
+            <a:pPr lvl="0" algn="ctr"/>
+            <a:r>
+              <a:rPr lang="zh-CN" altLang="en-US" sz="1600" dirty="0">
+                <a:solidFill>
+                  <a:schemeClr val="bg1"/>
+                </a:solidFill>
+              </a:rPr>
+              <a:t>赵伟毓、葛鸣城、张涵聪</a:t>
+            </a:r>
+            <a:endParaRPr lang="en-US" altLang="zh-CN" sz="1600" dirty="0">
+              <a:solidFill>
+                <a:schemeClr val="bg1"/>
+              </a:solidFill>
+            </a:endParaRPr>
+          </a:p>
+        </p:txBody>
+      </p:sp>
+      <p:sp>
+        <p:nvSpPr>
+          <p:cNvPr id="7" name="椭圆 6">
+            <a:extLst>
+              <a:ext uri="{FF2B5EF4-FFF2-40B4-BE49-F238E27FC236}">
+                <a16:creationId xmlns:a16="http://schemas.microsoft.com/office/drawing/2014/main" id="{210ED04E-EA3E-A869-09BA-2D1376D45F5D}"/>
+              </a:ext>
+            </a:extLst>
+          </p:cNvPr>
+          <p:cNvSpPr/>
+          <p:nvPr/>
+        </p:nvSpPr>
+        <p:spPr>
+          <a:xfrm>
+            <a:off x="5331463" y="731670"/>
+            <a:ext cx="1685865" cy="1685865"/>
+          </a:xfrm>
+          <a:prstGeom prst="ellipse">
+            <a:avLst/>
+          </a:prstGeom>
+          <a:solidFill>
+            <a:schemeClr val="bg1"/>
+          </a:solidFill>
+          <a:ln>
+            <a:noFill/>
+          </a:ln>
+          <a:effectLst>
+            <a:outerShdw blurRad="101600" dist="101600" dir="5400000" algn="t" rotWithShape="0">
+              <a:prstClr val="black">
+                <a:alpha val="40000"/>
+              </a:prstClr>
+            </a:outerShdw>
+          </a:effectLst>
+        </p:spPr>
+        <p:style>
+          <a:lnRef idx="2">
+            <a:schemeClr val="accent1">
+              <a:shade val="50000"/>
+            </a:schemeClr>
+          </a:lnRef>
+          <a:fillRef idx="1">
+            <a:schemeClr val="accent1"/>
+          </a:fillRef>
+          <a:effectRef idx="0">
+            <a:schemeClr val="accent1"/>
+          </a:effectRef>
+          <a:fontRef idx="minor">
+            <a:schemeClr val="lt1"/>
+          </a:fontRef>
+        </p:style>
+        <p:txBody>
+          <a:bodyPr rot="0" spcFirstLastPara="0" vertOverflow="overflow" horzOverflow="overflow" vert="horz" wrap="square" lIns="91440" tIns="45720" rIns="91440" bIns="45720" numCol="1" spcCol="0" rtlCol="0" fromWordArt="0" anchor="ctr" anchorCtr="0" forceAA="0" compatLnSpc="1">
+            <a:prstTxWarp prst="textNoShape">
+              <a:avLst/>
+            </a:prstTxWarp>
+            <a:noAutofit/>
+          </a:bodyPr>
+          <a:lstStyle/>
+          <a:p>
+            <a:pPr algn="ctr"/>
+            <a:endParaRPr lang="zh-CN" altLang="en-US"/>
+          </a:p>
+        </p:txBody>
+      </p:sp>
+      <p:grpSp>
+        <p:nvGrpSpPr>
+          <p:cNvPr id="8" name="组合 7">
+            <a:extLst>
+              <a:ext uri="{FF2B5EF4-FFF2-40B4-BE49-F238E27FC236}">
+                <a16:creationId xmlns:a16="http://schemas.microsoft.com/office/drawing/2014/main" id="{E74331D4-3823-5215-24FE-96E89198D559}"/>
+              </a:ext>
+            </a:extLst>
+          </p:cNvPr>
+          <p:cNvGrpSpPr/>
+          <p:nvPr/>
+        </p:nvGrpSpPr>
+        <p:grpSpPr>
+          <a:xfrm>
+            <a:off x="5593967" y="1118628"/>
+            <a:ext cx="1160855" cy="1012554"/>
+            <a:chOff x="4675188" y="2882900"/>
+            <a:chExt cx="360362" cy="314325"/>
+          </a:xfrm>
+          <a:solidFill>
+            <a:schemeClr val="accent1">
+              <a:lumMod val="75000"/>
+            </a:schemeClr>
+          </a:solidFill>
+        </p:grpSpPr>
+        <p:sp>
+          <p:nvSpPr>
+            <p:cNvPr id="9" name="AutoShape 43">
+              <a:extLst>
+                <a:ext uri="{FF2B5EF4-FFF2-40B4-BE49-F238E27FC236}">
+                  <a16:creationId xmlns:a16="http://schemas.microsoft.com/office/drawing/2014/main" id="{1F79AE39-2C47-9327-1260-EBD6532C2068}"/>
+                </a:ext>
+              </a:extLst>
+            </p:cNvPr>
+            <p:cNvSpPr>
+              <a:spLocks/>
+            </p:cNvSpPr>
+            <p:nvPr/>
+          </p:nvSpPr>
+          <p:spPr bwMode="auto">
+            <a:xfrm>
+              <a:off x="4675188" y="2882900"/>
+              <a:ext cx="360362" cy="257175"/>
+            </a:xfrm>
+            <a:custGeom>
+              <a:avLst/>
+              <a:gdLst>
+                <a:gd name="T0" fmla="*/ 10800 w 21600"/>
+                <a:gd name="T1" fmla="*/ 10800 h 21600"/>
+                <a:gd name="T2" fmla="*/ 10800 w 21600"/>
+                <a:gd name="T3" fmla="*/ 10800 h 21600"/>
+                <a:gd name="T4" fmla="*/ 10800 w 21600"/>
+                <a:gd name="T5" fmla="*/ 10800 h 21600"/>
+                <a:gd name="T6" fmla="*/ 10800 w 21600"/>
+                <a:gd name="T7" fmla="*/ 10800 h 21600"/>
+              </a:gdLst>
+              <a:ahLst/>
+              <a:cxnLst>
+                <a:cxn ang="0">
+                  <a:pos x="T0" y="T1"/>
+                </a:cxn>
+                <a:cxn ang="0">
+                  <a:pos x="T2" y="T3"/>
+                </a:cxn>
+                <a:cxn ang="0">
+                  <a:pos x="T4" y="T5"/>
+                </a:cxn>
+                <a:cxn ang="0">
+                  <a:pos x="T6" y="T7"/>
+                </a:cxn>
+              </a:cxnLst>
+              <a:rect l="0" t="0" r="r" b="b"/>
+              <a:pathLst>
+                <a:path w="21600" h="21600">
+                  <a:moveTo>
+                    <a:pt x="10951" y="9367"/>
+                  </a:moveTo>
+                  <a:cubicBezTo>
+                    <a:pt x="10901" y="9383"/>
+                    <a:pt x="10851" y="9391"/>
+                    <a:pt x="10800" y="9391"/>
+                  </a:cubicBezTo>
+                  <a:cubicBezTo>
+                    <a:pt x="10748" y="9391"/>
+                    <a:pt x="10698" y="9383"/>
+                    <a:pt x="10648" y="9367"/>
+                  </a:cubicBezTo>
+                  <a:lnTo>
+                    <a:pt x="1873" y="6550"/>
+                  </a:lnTo>
+                  <a:cubicBezTo>
+                    <a:pt x="1566" y="6452"/>
+                    <a:pt x="1349" y="6072"/>
+                    <a:pt x="1349" y="5634"/>
+                  </a:cubicBezTo>
+                  <a:cubicBezTo>
+                    <a:pt x="1349" y="5197"/>
+                    <a:pt x="1566" y="4817"/>
+                    <a:pt x="1873" y="4719"/>
+                  </a:cubicBezTo>
+                  <a:lnTo>
+                    <a:pt x="10648" y="1902"/>
+                  </a:lnTo>
+                  <a:cubicBezTo>
+                    <a:pt x="10698" y="1886"/>
+                    <a:pt x="10748" y="1878"/>
+                    <a:pt x="10800" y="1878"/>
+                  </a:cubicBezTo>
+                  <a:cubicBezTo>
+                    <a:pt x="10851" y="1878"/>
+                    <a:pt x="10901" y="1886"/>
+                    <a:pt x="10951" y="1902"/>
+                  </a:cubicBezTo>
+                  <a:lnTo>
+                    <a:pt x="19726" y="4719"/>
+                  </a:lnTo>
+                  <a:cubicBezTo>
+                    <a:pt x="20033" y="4817"/>
+                    <a:pt x="20249" y="5197"/>
+                    <a:pt x="20249" y="5634"/>
+                  </a:cubicBezTo>
+                  <a:cubicBezTo>
+                    <a:pt x="20249" y="6072"/>
+                    <a:pt x="20033" y="6452"/>
+                    <a:pt x="19726" y="6550"/>
+                  </a:cubicBezTo>
+                  <a:cubicBezTo>
+                    <a:pt x="19726" y="6550"/>
+                    <a:pt x="10951" y="9367"/>
+                    <a:pt x="10951" y="9367"/>
+                  </a:cubicBezTo>
+                  <a:close/>
+                  <a:moveTo>
+                    <a:pt x="16874" y="16904"/>
+                  </a:moveTo>
+                  <a:cubicBezTo>
+                    <a:pt x="16874" y="17942"/>
+                    <a:pt x="14849" y="19721"/>
+                    <a:pt x="10800" y="19721"/>
+                  </a:cubicBezTo>
+                  <a:cubicBezTo>
+                    <a:pt x="6749" y="19721"/>
+                    <a:pt x="4724" y="17942"/>
+                    <a:pt x="4724" y="16904"/>
+                  </a:cubicBezTo>
+                  <a:lnTo>
+                    <a:pt x="4724" y="9394"/>
+                  </a:lnTo>
+                  <a:lnTo>
+                    <a:pt x="10353" y="11200"/>
+                  </a:lnTo>
+                  <a:cubicBezTo>
+                    <a:pt x="10501" y="11246"/>
+                    <a:pt x="10651" y="11269"/>
+                    <a:pt x="10800" y="11269"/>
+                  </a:cubicBezTo>
+                  <a:cubicBezTo>
+                    <a:pt x="10949" y="11269"/>
+                    <a:pt x="11098" y="11246"/>
+                    <a:pt x="11255" y="11198"/>
+                  </a:cubicBezTo>
+                  <a:lnTo>
+                    <a:pt x="16874" y="9394"/>
+                  </a:lnTo>
+                  <a:cubicBezTo>
+                    <a:pt x="16874" y="9394"/>
+                    <a:pt x="16874" y="16904"/>
+                    <a:pt x="16874" y="16904"/>
+                  </a:cubicBezTo>
+                  <a:close/>
+                  <a:moveTo>
+                    <a:pt x="21600" y="5634"/>
+                  </a:moveTo>
+                  <a:cubicBezTo>
+                    <a:pt x="21600" y="4314"/>
+                    <a:pt x="20954" y="3185"/>
+                    <a:pt x="20030" y="2888"/>
+                  </a:cubicBezTo>
+                  <a:lnTo>
+                    <a:pt x="11246" y="68"/>
+                  </a:lnTo>
+                  <a:cubicBezTo>
+                    <a:pt x="11098" y="22"/>
+                    <a:pt x="10949" y="0"/>
+                    <a:pt x="10800" y="0"/>
+                  </a:cubicBezTo>
+                  <a:cubicBezTo>
+                    <a:pt x="10651" y="0"/>
+                    <a:pt x="10501" y="22"/>
+                    <a:pt x="10344" y="71"/>
+                  </a:cubicBezTo>
+                  <a:lnTo>
+                    <a:pt x="1570" y="2888"/>
+                  </a:lnTo>
+                  <a:cubicBezTo>
+                    <a:pt x="645" y="3185"/>
+                    <a:pt x="0" y="4314"/>
+                    <a:pt x="0" y="5634"/>
+                  </a:cubicBezTo>
+                  <a:cubicBezTo>
+                    <a:pt x="0" y="6955"/>
+                    <a:pt x="645" y="8084"/>
+                    <a:pt x="1569" y="8380"/>
+                  </a:cubicBezTo>
+                  <a:lnTo>
+                    <a:pt x="3374" y="8960"/>
+                  </a:lnTo>
+                  <a:lnTo>
+                    <a:pt x="3374" y="16904"/>
+                  </a:lnTo>
+                  <a:cubicBezTo>
+                    <a:pt x="3374" y="19397"/>
+                    <a:pt x="5425" y="21600"/>
+                    <a:pt x="10800" y="21600"/>
+                  </a:cubicBezTo>
+                  <a:cubicBezTo>
+                    <a:pt x="16174" y="21600"/>
+                    <a:pt x="18224" y="19397"/>
+                    <a:pt x="18224" y="16904"/>
+                  </a:cubicBezTo>
+                  <a:lnTo>
+                    <a:pt x="18224" y="8960"/>
+                  </a:lnTo>
+                  <a:lnTo>
+                    <a:pt x="20030" y="8380"/>
+                  </a:lnTo>
+                  <a:cubicBezTo>
+                    <a:pt x="20954" y="8084"/>
+                    <a:pt x="21600" y="6955"/>
+                    <a:pt x="21600" y="5634"/>
+                  </a:cubicBezTo>
+                </a:path>
+              </a:pathLst>
+            </a:custGeom>
+            <a:grpFill/>
+            <a:ln/>
+          </p:spPr>
+          <p:style>
+            <a:lnRef idx="1">
+              <a:schemeClr val="accent1"/>
+            </a:lnRef>
+            <a:fillRef idx="0">
+              <a:schemeClr val="accent1"/>
+            </a:fillRef>
+            <a:effectRef idx="0">
+              <a:schemeClr val="accent1"/>
+            </a:effectRef>
+            <a:fontRef idx="minor">
+              <a:schemeClr val="tx1"/>
+            </a:fontRef>
+          </p:style>
+          <p:txBody>
+            <a:bodyPr lIns="19050" tIns="19050" rIns="19050" bIns="19050" anchor="ctr"/>
+            <a:lstStyle/>
+            <a:p>
+              <a:pPr marL="0" marR="0" lvl="0" indent="0" algn="ctr" defTabSz="228600" eaLnBrk="1" fontAlgn="base" latinLnBrk="0" hangingPunct="0">
+                <a:lnSpc>
+                  <a:spcPct val="100000"/>
+                </a:lnSpc>
+                <a:spcBef>
+                  <a:spcPct val="0"/>
+                </a:spcBef>
+                <a:spcAft>
+                  <a:spcPct val="0"/>
+                </a:spcAft>
+                <a:buClrTx/>
+                <a:buSzTx/>
+                <a:buFontTx/>
+                <a:buNone/>
+                <a:tabLst/>
+                <a:defRPr/>
+              </a:pPr>
+              <a:endParaRPr kumimoji="0" lang="en-US" sz="1500" i="0" u="none" strike="noStrike" kern="0" normalizeH="0" baseline="0" noProof="0" dirty="0">
+                <a:ln w="0"/>
+                <a:effectLst>
+                  <a:outerShdw blurRad="38100" dist="19050" dir="2700000" algn="tl" rotWithShape="0">
+                    <a:schemeClr val="dk1">
+                      <a:alpha val="40000"/>
+                    </a:schemeClr>
+                  </a:outerShdw>
+                </a:effectLst>
+                <a:uLnTx/>
+                <a:uFillTx/>
+                <a:latin typeface="Gill Sans" charset="0"/>
+                <a:sym typeface="Gill Sans" charset="0"/>
+              </a:endParaRPr>
+            </a:p>
+          </p:txBody>
+        </p:sp>
+        <p:sp>
+          <p:nvSpPr>
+            <p:cNvPr id="10" name="AutoShape 44">
+              <a:extLst>
+                <a:ext uri="{FF2B5EF4-FFF2-40B4-BE49-F238E27FC236}">
+                  <a16:creationId xmlns:a16="http://schemas.microsoft.com/office/drawing/2014/main" id="{BE462345-CDC5-0A1A-11AE-FC48BDD6FC72}"/>
+                </a:ext>
+              </a:extLst>
+            </p:cNvPr>
+            <p:cNvSpPr>
+              <a:spLocks/>
+            </p:cNvSpPr>
+            <p:nvPr/>
+          </p:nvSpPr>
+          <p:spPr bwMode="auto">
+            <a:xfrm>
+              <a:off x="5000625" y="2994025"/>
+              <a:ext cx="22225" cy="123825"/>
+            </a:xfrm>
+            <a:custGeom>
+              <a:avLst/>
+              <a:gdLst>
+                <a:gd name="T0" fmla="*/ 10800 w 21600"/>
+                <a:gd name="T1" fmla="*/ 10800 h 21600"/>
+                <a:gd name="T2" fmla="*/ 10800 w 21600"/>
+                <a:gd name="T3" fmla="*/ 10800 h 21600"/>
+                <a:gd name="T4" fmla="*/ 10800 w 21600"/>
+                <a:gd name="T5" fmla="*/ 10800 h 21600"/>
+                <a:gd name="T6" fmla="*/ 10800 w 21600"/>
+                <a:gd name="T7" fmla="*/ 10800 h 21600"/>
+              </a:gdLst>
+              <a:ahLst/>
+              <a:cxnLst>
+                <a:cxn ang="0">
+                  <a:pos x="T0" y="T1"/>
+                </a:cxn>
+                <a:cxn ang="0">
+                  <a:pos x="T2" y="T3"/>
+                </a:cxn>
+                <a:cxn ang="0">
+                  <a:pos x="T4" y="T5"/>
+                </a:cxn>
+                <a:cxn ang="0">
+                  <a:pos x="T6" y="T7"/>
+                </a:cxn>
+              </a:cxnLst>
+              <a:rect l="0" t="0" r="r" b="b"/>
+              <a:pathLst>
+                <a:path w="21600" h="21600">
+                  <a:moveTo>
+                    <a:pt x="0" y="1963"/>
+                  </a:moveTo>
+                  <a:lnTo>
+                    <a:pt x="0" y="19636"/>
+                  </a:lnTo>
+                  <a:cubicBezTo>
+                    <a:pt x="0" y="20721"/>
+                    <a:pt x="4841" y="21599"/>
+                    <a:pt x="10800" y="21599"/>
+                  </a:cubicBezTo>
+                  <a:cubicBezTo>
+                    <a:pt x="16758" y="21599"/>
+                    <a:pt x="21600" y="20721"/>
+                    <a:pt x="21600" y="19636"/>
+                  </a:cubicBezTo>
+                  <a:lnTo>
+                    <a:pt x="21600" y="1963"/>
+                  </a:lnTo>
+                  <a:cubicBezTo>
+                    <a:pt x="21600" y="878"/>
+                    <a:pt x="16758" y="0"/>
+                    <a:pt x="10800" y="0"/>
+                  </a:cubicBezTo>
+                  <a:cubicBezTo>
+                    <a:pt x="4841" y="0"/>
+                    <a:pt x="0" y="878"/>
+                    <a:pt x="0" y="1963"/>
+                  </a:cubicBezTo>
+                </a:path>
+              </a:pathLst>
+            </a:custGeom>
+            <a:grpFill/>
+            <a:ln/>
+          </p:spPr>
+          <p:style>
+            <a:lnRef idx="1">
+              <a:schemeClr val="accent1"/>
+            </a:lnRef>
+            <a:fillRef idx="0">
+              <a:schemeClr val="accent1"/>
+            </a:fillRef>
+            <a:effectRef idx="0">
+              <a:schemeClr val="accent1"/>
+            </a:effectRef>
+            <a:fontRef idx="minor">
+              <a:schemeClr val="tx1"/>
+            </a:fontRef>
+          </p:style>
+          <p:txBody>
+            <a:bodyPr lIns="19050" tIns="19050" rIns="19050" bIns="19050" anchor="ctr"/>
+            <a:lstStyle/>
+            <a:p>
+              <a:pPr marL="0" marR="0" lvl="0" indent="0" algn="ctr" defTabSz="228600" eaLnBrk="1" fontAlgn="base" latinLnBrk="0" hangingPunct="0">
+                <a:lnSpc>
+                  <a:spcPct val="100000"/>
+                </a:lnSpc>
+                <a:spcBef>
+                  <a:spcPct val="0"/>
+                </a:spcBef>
+                <a:spcAft>
+                  <a:spcPct val="0"/>
+                </a:spcAft>
+                <a:buClrTx/>
+                <a:buSzTx/>
+                <a:buFontTx/>
+                <a:buNone/>
+                <a:tabLst/>
+                <a:defRPr/>
+              </a:pPr>
+              <a:endParaRPr kumimoji="0" lang="en-US" sz="1500" i="0" u="none" strike="noStrike" kern="0" normalizeH="0" baseline="0" noProof="0" dirty="0">
+                <a:ln w="0"/>
+                <a:effectLst>
+                  <a:outerShdw blurRad="38100" dist="19050" dir="2700000" algn="tl" rotWithShape="0">
+                    <a:schemeClr val="dk1">
+                      <a:alpha val="40000"/>
+                    </a:schemeClr>
+                  </a:outerShdw>
+                </a:effectLst>
+                <a:uLnTx/>
+                <a:uFillTx/>
+                <a:latin typeface="Gill Sans" charset="0"/>
+                <a:sym typeface="Gill Sans" charset="0"/>
+              </a:endParaRPr>
+            </a:p>
+          </p:txBody>
+        </p:sp>
+        <p:sp>
+          <p:nvSpPr>
+            <p:cNvPr id="11" name="AutoShape 45">
+              <a:extLst>
+                <a:ext uri="{FF2B5EF4-FFF2-40B4-BE49-F238E27FC236}">
+                  <a16:creationId xmlns:a16="http://schemas.microsoft.com/office/drawing/2014/main" id="{8E120BDE-293B-2FFE-C676-A72C1D40BE26}"/>
+                </a:ext>
+              </a:extLst>
+            </p:cNvPr>
+            <p:cNvSpPr>
+              <a:spLocks/>
+            </p:cNvSpPr>
+            <p:nvPr/>
+          </p:nvSpPr>
+          <p:spPr bwMode="auto">
+            <a:xfrm>
+              <a:off x="4989513" y="3128963"/>
+              <a:ext cx="46037" cy="68262"/>
+            </a:xfrm>
+            <a:custGeom>
+              <a:avLst/>
+              <a:gdLst>
+                <a:gd name="T0" fmla="*/ 10800 w 21600"/>
+                <a:gd name="T1" fmla="*/ 10800 h 21600"/>
+                <a:gd name="T2" fmla="*/ 10800 w 21600"/>
+                <a:gd name="T3" fmla="*/ 10800 h 21600"/>
+                <a:gd name="T4" fmla="*/ 10800 w 21600"/>
+                <a:gd name="T5" fmla="*/ 10800 h 21600"/>
+                <a:gd name="T6" fmla="*/ 10800 w 21600"/>
+                <a:gd name="T7" fmla="*/ 10800 h 21600"/>
+              </a:gdLst>
+              <a:ahLst/>
+              <a:cxnLst>
+                <a:cxn ang="0">
+                  <a:pos x="T0" y="T1"/>
+                </a:cxn>
+                <a:cxn ang="0">
+                  <a:pos x="T2" y="T3"/>
+                </a:cxn>
+                <a:cxn ang="0">
+                  <a:pos x="T4" y="T5"/>
+                </a:cxn>
+                <a:cxn ang="0">
+                  <a:pos x="T6" y="T7"/>
+                </a:cxn>
+              </a:cxnLst>
+              <a:rect l="0" t="0" r="r" b="b"/>
+              <a:pathLst>
+                <a:path w="21600" h="21600">
+                  <a:moveTo>
+                    <a:pt x="10800" y="0"/>
+                  </a:moveTo>
+                  <a:cubicBezTo>
+                    <a:pt x="4838" y="0"/>
+                    <a:pt x="0" y="10427"/>
+                    <a:pt x="0" y="14400"/>
+                  </a:cubicBezTo>
+                  <a:cubicBezTo>
+                    <a:pt x="0" y="18372"/>
+                    <a:pt x="4838" y="21599"/>
+                    <a:pt x="10800" y="21599"/>
+                  </a:cubicBezTo>
+                  <a:cubicBezTo>
+                    <a:pt x="16761" y="21599"/>
+                    <a:pt x="21600" y="18372"/>
+                    <a:pt x="21600" y="14400"/>
+                  </a:cubicBezTo>
+                  <a:cubicBezTo>
+                    <a:pt x="21600" y="10427"/>
+                    <a:pt x="16761" y="0"/>
+                    <a:pt x="10800" y="0"/>
+                  </a:cubicBezTo>
+                </a:path>
+              </a:pathLst>
+            </a:custGeom>
+            <a:grpFill/>
+            <a:ln/>
+          </p:spPr>
+          <p:style>
+            <a:lnRef idx="1">
+              <a:schemeClr val="accent1"/>
+            </a:lnRef>
+            <a:fillRef idx="0">
+              <a:schemeClr val="accent1"/>
+            </a:fillRef>
+            <a:effectRef idx="0">
+              <a:schemeClr val="accent1"/>
+            </a:effectRef>
+            <a:fontRef idx="minor">
+              <a:schemeClr val="tx1"/>
+            </a:fontRef>
+          </p:style>
+          <p:txBody>
+            <a:bodyPr lIns="19050" tIns="19050" rIns="19050" bIns="19050" anchor="ctr"/>
+            <a:lstStyle/>
+            <a:p>
+              <a:pPr marL="0" marR="0" lvl="0" indent="0" algn="ctr" defTabSz="228600" eaLnBrk="1" fontAlgn="base" latinLnBrk="0" hangingPunct="0">
+                <a:lnSpc>
+                  <a:spcPct val="100000"/>
+                </a:lnSpc>
+                <a:spcBef>
+                  <a:spcPct val="0"/>
+                </a:spcBef>
+                <a:spcAft>
+                  <a:spcPct val="0"/>
+                </a:spcAft>
+                <a:buClrTx/>
+                <a:buSzTx/>
+                <a:buFontTx/>
+                <a:buNone/>
+                <a:tabLst/>
+                <a:defRPr/>
+              </a:pPr>
+              <a:endParaRPr kumimoji="0" lang="en-US" sz="1500" i="0" u="none" strike="noStrike" kern="0" normalizeH="0" baseline="0" noProof="0" dirty="0">
+                <a:ln w="0"/>
+                <a:effectLst>
+                  <a:outerShdw blurRad="38100" dist="19050" dir="2700000" algn="tl" rotWithShape="0">
+                    <a:schemeClr val="dk1">
+                      <a:alpha val="40000"/>
+                    </a:schemeClr>
+                  </a:outerShdw>
+                </a:effectLst>
+                <a:uLnTx/>
+                <a:uFillTx/>
+                <a:latin typeface="Gill Sans" charset="0"/>
+                <a:sym typeface="Gill Sans" charset="0"/>
+              </a:endParaRPr>
+            </a:p>
+          </p:txBody>
+        </p:sp>
+      </p:grpSp>
+      <p:sp>
+        <p:nvSpPr>
+          <p:cNvPr id="15" name="矩形 14">
+            <a:extLst>
+              <a:ext uri="{FF2B5EF4-FFF2-40B4-BE49-F238E27FC236}">
+                <a16:creationId xmlns:a16="http://schemas.microsoft.com/office/drawing/2014/main" id="{7BF0973A-1738-8176-FDC9-4A588F869A4D}"/>
+              </a:ext>
+            </a:extLst>
+          </p:cNvPr>
+          <p:cNvSpPr/>
+          <p:nvPr/>
+        </p:nvSpPr>
+        <p:spPr>
+          <a:xfrm>
+            <a:off x="0" y="6570704"/>
+            <a:ext cx="12192000" cy="287296"/>
+          </a:xfrm>
+          <a:prstGeom prst="rect">
+            <a:avLst/>
+          </a:prstGeom>
+          <a:ln>
+            <a:noFill/>
+          </a:ln>
+        </p:spPr>
+        <p:style>
+          <a:lnRef idx="2">
+            <a:schemeClr val="accent1">
+              <a:shade val="50000"/>
+            </a:schemeClr>
+          </a:lnRef>
+          <a:fillRef idx="1">
+            <a:schemeClr val="accent1"/>
+          </a:fillRef>
+          <a:effectRef idx="0">
+            <a:schemeClr val="accent1"/>
+          </a:effectRef>
+          <a:fontRef idx="minor">
+            <a:schemeClr val="lt1"/>
+          </a:fontRef>
+        </p:style>
+        <p:txBody>
+          <a:bodyPr rtlCol="0" anchor="ctr"/>
+          <a:lstStyle/>
+          <a:p>
+            <a:pPr algn="ctr"/>
+            <a:endParaRPr lang="zh-CN" altLang="en-US"/>
+          </a:p>
+        </p:txBody>
+      </p:sp>
+      <p:sp>
+        <p:nvSpPr>
+          <p:cNvPr id="2" name="文本框 1">
+            <a:extLst>
+              <a:ext uri="{FF2B5EF4-FFF2-40B4-BE49-F238E27FC236}">
+                <a16:creationId xmlns:a16="http://schemas.microsoft.com/office/drawing/2014/main" id="{32E6208F-E13B-FDD8-1616-9DAD8B056BB7}"/>
+              </a:ext>
+            </a:extLst>
+          </p:cNvPr>
+          <p:cNvSpPr txBox="1"/>
+          <p:nvPr/>
+        </p:nvSpPr>
+        <p:spPr>
+          <a:xfrm>
+            <a:off x="5228650" y="3590094"/>
+            <a:ext cx="2092687" cy="461665"/>
+          </a:xfrm>
+          <a:prstGeom prst="rect">
+            <a:avLst/>
+          </a:prstGeom>
+          <a:noFill/>
+        </p:spPr>
+        <p:txBody>
+          <a:bodyPr wrap="square" rtlCol="0">
+            <a:spAutoFit/>
+          </a:bodyPr>
+          <a:lstStyle/>
+          <a:p>
+            <a:r>
+              <a:rPr lang="zh-CN" altLang="en-US" sz="2400" dirty="0">
+                <a:solidFill>
+                  <a:schemeClr val="bg1"/>
+                </a:solidFill>
+              </a:rPr>
+              <a:t>模型介绍</a:t>
+            </a:r>
+          </a:p>
+        </p:txBody>
+      </p:sp>
+    </p:spTree>
+    <p:extLst>
+      <p:ext uri="{BB962C8B-B14F-4D97-AF65-F5344CB8AC3E}">
+        <p14:creationId xmlns:p14="http://schemas.microsoft.com/office/powerpoint/2010/main" val="1114382289"/>
+      </p:ext>
+    </p:extLst>
+  </p:cSld>
+  <p:clrMapOvr>
+    <a:masterClrMapping/>
+  </p:clrMapOvr>
+</p:sld>
+</file>
+
+<file path=ppt/slides/slide22.xml><?xml version="1.0" encoding="utf-8"?>
+<p:sld xmlns:a="http://schemas.openxmlformats.org/drawingml/2006/main" xmlns:r="http://schemas.openxmlformats.org/officeDocument/2006/relationships" xmlns:p="http://schemas.openxmlformats.org/presentationml/2006/main">
+  <p:cSld>
+    <p:spTree>
+      <p:nvGrpSpPr>
+        <p:cNvPr id="1" name=""/>
+        <p:cNvGrpSpPr/>
+        <p:nvPr/>
+      </p:nvGrpSpPr>
+      <p:grpSpPr>
+        <a:xfrm>
+          <a:off x="0" y="0"/>
+          <a:ext cx="0" cy="0"/>
+          <a:chOff x="0" y="0"/>
+          <a:chExt cx="0" cy="0"/>
+        </a:xfrm>
+      </p:grpSpPr>
+      <p:sp>
+        <p:nvSpPr>
+          <p:cNvPr id="2" name="标题 1">
+            <a:extLst>
+              <a:ext uri="{FF2B5EF4-FFF2-40B4-BE49-F238E27FC236}">
                 <a16:creationId xmlns:a16="http://schemas.microsoft.com/office/drawing/2014/main" id="{7B3D82E3-9230-C25B-F196-F19D36FC41C3}"/>
               </a:ext>
             </a:extLst>
@@ -5558,7 +10452,7 @@
 </p:sld>
 </file>
 
-<file path=ppt/slides/slide14.xml><?xml version="1.0" encoding="utf-8"?>
+<file path=ppt/slides/slide23.xml><?xml version="1.0" encoding="utf-8"?>
 <p:sld xmlns:a="http://schemas.openxmlformats.org/drawingml/2006/main" xmlns:r="http://schemas.openxmlformats.org/officeDocument/2006/relationships" xmlns:p="http://schemas.openxmlformats.org/presentationml/2006/main">
   <p:cSld>
     <p:spTree>
@@ -5653,7 +10547,7 @@
 </p:sld>
 </file>
 
-<file path=ppt/slides/slide15.xml><?xml version="1.0" encoding="utf-8"?>
+<file path=ppt/slides/slide24.xml><?xml version="1.0" encoding="utf-8"?>
 <p:sld xmlns:a="http://schemas.openxmlformats.org/drawingml/2006/main" xmlns:r="http://schemas.openxmlformats.org/officeDocument/2006/relationships" xmlns:p="http://schemas.openxmlformats.org/presentationml/2006/main">
   <p:cSld>
     <p:spTree>
@@ -6082,7 +10976,7 @@
 </p:sld>
 </file>
 
-<file path=ppt/slides/slide16.xml><?xml version="1.0" encoding="utf-8"?>
+<file path=ppt/slides/slide25.xml><?xml version="1.0" encoding="utf-8"?>
 <p:sld xmlns:a="http://schemas.openxmlformats.org/drawingml/2006/main" xmlns:r="http://schemas.openxmlformats.org/officeDocument/2006/relationships" xmlns:p="http://schemas.openxmlformats.org/presentationml/2006/main">
   <p:cSld>
     <p:spTree>
@@ -6304,7 +11198,7 @@
 </p:sld>
 </file>
 
-<file path=ppt/slides/slide17.xml><?xml version="1.0" encoding="utf-8"?>
+<file path=ppt/slides/slide26.xml><?xml version="1.0" encoding="utf-8"?>
 <p:sld xmlns:a="http://schemas.openxmlformats.org/drawingml/2006/main" xmlns:r="http://schemas.openxmlformats.org/officeDocument/2006/relationships" xmlns:p="http://schemas.openxmlformats.org/presentationml/2006/main">
   <p:cSld>
     <p:spTree>
@@ -6396,7 +11290,7 @@
 </p:sld>
 </file>
 
-<file path=ppt/slides/slide2.xml><?xml version="1.0" encoding="utf-8"?>
+<file path=ppt/slides/slide3.xml><?xml version="1.0" encoding="utf-8"?>
 <p:sld xmlns:a="http://schemas.openxmlformats.org/drawingml/2006/main" xmlns:r="http://schemas.openxmlformats.org/officeDocument/2006/relationships" xmlns:p="http://schemas.openxmlformats.org/presentationml/2006/main">
   <p:cSld>
     <p:spTree>
@@ -6495,17 +11389,6 @@
               <a:defRPr/>
             </a:pPr>
             <a:r>
-              <a:rPr lang="en-US" altLang="zh-CN" sz="4400" b="1" kern="100" dirty="0">
-                <a:solidFill>
-                  <a:schemeClr val="bg1"/>
-                </a:solidFill>
-                <a:latin typeface="微软雅黑" panose="020B0503020204020204" pitchFamily="34" charset="-122"/>
-                <a:ea typeface="微软雅黑" panose="020B0503020204020204" pitchFamily="34" charset="-122"/>
-                <a:cs typeface="Times New Roman" panose="02020603050405020304" pitchFamily="18" charset="0"/>
-              </a:rPr>
-              <a:t>16</a:t>
-            </a:r>
-            <a:r>
               <a:rPr lang="zh-CN" altLang="en-US" sz="4400" b="1" kern="100" dirty="0">
                 <a:solidFill>
                   <a:schemeClr val="bg1"/>
@@ -6514,7 +11397,7 @@
                 <a:ea typeface="微软雅黑" panose="020B0503020204020204" pitchFamily="34" charset="-122"/>
                 <a:cs typeface="Times New Roman" panose="02020603050405020304" pitchFamily="18" charset="0"/>
               </a:rPr>
-              <a:t>周报告</a:t>
+              <a:t>赛题点评</a:t>
             </a:r>
           </a:p>
         </p:txBody>
@@ -6533,7 +11416,7 @@
         </p:nvSpPr>
         <p:spPr>
           <a:xfrm>
-            <a:off x="4601029" y="3756971"/>
+            <a:off x="4595965" y="4126707"/>
             <a:ext cx="3156857" cy="338554"/>
           </a:xfrm>
           <a:prstGeom prst="rect">
@@ -7232,844 +12115,6 @@
           </a:p>
         </p:txBody>
       </p:sp>
-    </p:spTree>
-    <p:extLst>
-      <p:ext uri="{BB962C8B-B14F-4D97-AF65-F5344CB8AC3E}">
-        <p14:creationId xmlns:p14="http://schemas.microsoft.com/office/powerpoint/2010/main" val="321313927"/>
-      </p:ext>
-    </p:extLst>
-  </p:cSld>
-  <p:clrMapOvr>
-    <a:masterClrMapping/>
-  </p:clrMapOvr>
-</p:sld>
-</file>
-
-<file path=ppt/slides/slide3.xml><?xml version="1.0" encoding="utf-8"?>
-<p:sld xmlns:a="http://schemas.openxmlformats.org/drawingml/2006/main" xmlns:r="http://schemas.openxmlformats.org/officeDocument/2006/relationships" xmlns:p="http://schemas.openxmlformats.org/presentationml/2006/main">
-  <p:cSld>
-    <p:spTree>
-      <p:nvGrpSpPr>
-        <p:cNvPr id="1" name=""/>
-        <p:cNvGrpSpPr/>
-        <p:nvPr/>
-      </p:nvGrpSpPr>
-      <p:grpSpPr>
-        <a:xfrm>
-          <a:off x="0" y="0"/>
-          <a:ext cx="0" cy="0"/>
-          <a:chOff x="0" y="0"/>
-          <a:chExt cx="0" cy="0"/>
-        </a:xfrm>
-      </p:grpSpPr>
-      <p:sp>
-        <p:nvSpPr>
-          <p:cNvPr id="4" name="矩形 3">
-            <a:extLst>
-              <a:ext uri="{FF2B5EF4-FFF2-40B4-BE49-F238E27FC236}">
-                <a16:creationId xmlns:a16="http://schemas.microsoft.com/office/drawing/2014/main" id="{5FE2F0BB-ABBC-0839-6581-534FD00C434E}"/>
-              </a:ext>
-            </a:extLst>
-          </p:cNvPr>
-          <p:cNvSpPr/>
-          <p:nvPr/>
-        </p:nvSpPr>
-        <p:spPr>
-          <a:xfrm>
-            <a:off x="0" y="1656308"/>
-            <a:ext cx="12192000" cy="3256777"/>
-          </a:xfrm>
-          <a:prstGeom prst="rect">
-            <a:avLst/>
-          </a:prstGeom>
-          <a:solidFill>
-            <a:schemeClr val="accent1">
-              <a:lumMod val="75000"/>
-            </a:schemeClr>
-          </a:solidFill>
-        </p:spPr>
-        <p:style>
-          <a:lnRef idx="2">
-            <a:schemeClr val="accent1">
-              <a:shade val="50000"/>
-            </a:schemeClr>
-          </a:lnRef>
-          <a:fillRef idx="1">
-            <a:schemeClr val="accent1"/>
-          </a:fillRef>
-          <a:effectRef idx="0">
-            <a:schemeClr val="accent1"/>
-          </a:effectRef>
-          <a:fontRef idx="minor">
-            <a:schemeClr val="lt1"/>
-          </a:fontRef>
-        </p:style>
-        <p:txBody>
-          <a:bodyPr rtlCol="0" anchor="ctr"/>
-          <a:lstStyle/>
-          <a:p>
-            <a:pPr algn="ctr" defTabSz="685800"/>
-            <a:endParaRPr lang="zh-CN" altLang="en-US" sz="1350"/>
-          </a:p>
-        </p:txBody>
-      </p:sp>
-      <p:sp>
-        <p:nvSpPr>
-          <p:cNvPr id="5" name="矩形 4">
-            <a:extLst>
-              <a:ext uri="{FF2B5EF4-FFF2-40B4-BE49-F238E27FC236}">
-                <a16:creationId xmlns:a16="http://schemas.microsoft.com/office/drawing/2014/main" id="{37938814-1030-970A-757B-1573ED7389F8}"/>
-              </a:ext>
-            </a:extLst>
-          </p:cNvPr>
-          <p:cNvSpPr/>
-          <p:nvPr/>
-        </p:nvSpPr>
-        <p:spPr bwMode="auto">
-          <a:xfrm>
-            <a:off x="3182382" y="2659559"/>
-            <a:ext cx="5827236" cy="769441"/>
-          </a:xfrm>
-          <a:prstGeom prst="rect">
-            <a:avLst/>
-          </a:prstGeom>
-        </p:spPr>
-        <p:txBody>
-          <a:bodyPr wrap="square">
-            <a:spAutoFit/>
-          </a:bodyPr>
-          <a:lstStyle/>
-          <a:p>
-            <a:pPr algn="ctr">
-              <a:defRPr/>
-            </a:pPr>
-            <a:r>
-              <a:rPr lang="zh-CN" altLang="en-US" sz="4400" b="1" kern="100" dirty="0">
-                <a:solidFill>
-                  <a:schemeClr val="bg1"/>
-                </a:solidFill>
-                <a:latin typeface="微软雅黑" panose="020B0503020204020204" pitchFamily="34" charset="-122"/>
-                <a:ea typeface="微软雅黑" panose="020B0503020204020204" pitchFamily="34" charset="-122"/>
-                <a:cs typeface="Times New Roman" panose="02020603050405020304" pitchFamily="18" charset="0"/>
-              </a:rPr>
-              <a:t>赛题点评</a:t>
-            </a:r>
-          </a:p>
-        </p:txBody>
-      </p:sp>
-      <p:sp>
-        <p:nvSpPr>
-          <p:cNvPr id="6" name="矩形 5">
-            <a:extLst>
-              <a:ext uri="{FF2B5EF4-FFF2-40B4-BE49-F238E27FC236}">
-                <a16:creationId xmlns:a16="http://schemas.microsoft.com/office/drawing/2014/main" id="{2020E845-6E37-6685-A41B-C50F8BEFD66F}"/>
-              </a:ext>
-            </a:extLst>
-          </p:cNvPr>
-          <p:cNvSpPr/>
-          <p:nvPr/>
-        </p:nvSpPr>
-        <p:spPr>
-          <a:xfrm>
-            <a:off x="4595965" y="4126707"/>
-            <a:ext cx="3156857" cy="338554"/>
-          </a:xfrm>
-          <a:prstGeom prst="rect">
-            <a:avLst/>
-          </a:prstGeom>
-        </p:spPr>
-        <p:txBody>
-          <a:bodyPr wrap="square">
-            <a:spAutoFit/>
-          </a:bodyPr>
-          <a:lstStyle/>
-          <a:p>
-            <a:pPr lvl="0" algn="ctr"/>
-            <a:r>
-              <a:rPr lang="zh-CN" altLang="en-US" sz="1600" dirty="0">
-                <a:solidFill>
-                  <a:schemeClr val="bg1"/>
-                </a:solidFill>
-              </a:rPr>
-              <a:t>赵伟毓、葛鸣城、张涵聪</a:t>
-            </a:r>
-            <a:endParaRPr lang="en-US" altLang="zh-CN" sz="1600" dirty="0">
-              <a:solidFill>
-                <a:schemeClr val="bg1"/>
-              </a:solidFill>
-            </a:endParaRPr>
-          </a:p>
-        </p:txBody>
-      </p:sp>
-      <p:sp>
-        <p:nvSpPr>
-          <p:cNvPr id="7" name="椭圆 6">
-            <a:extLst>
-              <a:ext uri="{FF2B5EF4-FFF2-40B4-BE49-F238E27FC236}">
-                <a16:creationId xmlns:a16="http://schemas.microsoft.com/office/drawing/2014/main" id="{210ED04E-EA3E-A869-09BA-2D1376D45F5D}"/>
-              </a:ext>
-            </a:extLst>
-          </p:cNvPr>
-          <p:cNvSpPr/>
-          <p:nvPr/>
-        </p:nvSpPr>
-        <p:spPr>
-          <a:xfrm>
-            <a:off x="5331463" y="731670"/>
-            <a:ext cx="1685865" cy="1685865"/>
-          </a:xfrm>
-          <a:prstGeom prst="ellipse">
-            <a:avLst/>
-          </a:prstGeom>
-          <a:solidFill>
-            <a:schemeClr val="bg1"/>
-          </a:solidFill>
-          <a:ln>
-            <a:noFill/>
-          </a:ln>
-          <a:effectLst>
-            <a:outerShdw blurRad="101600" dist="101600" dir="5400000" algn="t" rotWithShape="0">
-              <a:prstClr val="black">
-                <a:alpha val="40000"/>
-              </a:prstClr>
-            </a:outerShdw>
-          </a:effectLst>
-        </p:spPr>
-        <p:style>
-          <a:lnRef idx="2">
-            <a:schemeClr val="accent1">
-              <a:shade val="50000"/>
-            </a:schemeClr>
-          </a:lnRef>
-          <a:fillRef idx="1">
-            <a:schemeClr val="accent1"/>
-          </a:fillRef>
-          <a:effectRef idx="0">
-            <a:schemeClr val="accent1"/>
-          </a:effectRef>
-          <a:fontRef idx="minor">
-            <a:schemeClr val="lt1"/>
-          </a:fontRef>
-        </p:style>
-        <p:txBody>
-          <a:bodyPr rot="0" spcFirstLastPara="0" vertOverflow="overflow" horzOverflow="overflow" vert="horz" wrap="square" lIns="91440" tIns="45720" rIns="91440" bIns="45720" numCol="1" spcCol="0" rtlCol="0" fromWordArt="0" anchor="ctr" anchorCtr="0" forceAA="0" compatLnSpc="1">
-            <a:prstTxWarp prst="textNoShape">
-              <a:avLst/>
-            </a:prstTxWarp>
-            <a:noAutofit/>
-          </a:bodyPr>
-          <a:lstStyle/>
-          <a:p>
-            <a:pPr algn="ctr"/>
-            <a:endParaRPr lang="zh-CN" altLang="en-US"/>
-          </a:p>
-        </p:txBody>
-      </p:sp>
-      <p:grpSp>
-        <p:nvGrpSpPr>
-          <p:cNvPr id="8" name="组合 7">
-            <a:extLst>
-              <a:ext uri="{FF2B5EF4-FFF2-40B4-BE49-F238E27FC236}">
-                <a16:creationId xmlns:a16="http://schemas.microsoft.com/office/drawing/2014/main" id="{E74331D4-3823-5215-24FE-96E89198D559}"/>
-              </a:ext>
-            </a:extLst>
-          </p:cNvPr>
-          <p:cNvGrpSpPr/>
-          <p:nvPr/>
-        </p:nvGrpSpPr>
-        <p:grpSpPr>
-          <a:xfrm>
-            <a:off x="5593967" y="1118628"/>
-            <a:ext cx="1160855" cy="1012554"/>
-            <a:chOff x="4675188" y="2882900"/>
-            <a:chExt cx="360362" cy="314325"/>
-          </a:xfrm>
-          <a:solidFill>
-            <a:schemeClr val="accent1">
-              <a:lumMod val="75000"/>
-            </a:schemeClr>
-          </a:solidFill>
-        </p:grpSpPr>
-        <p:sp>
-          <p:nvSpPr>
-            <p:cNvPr id="9" name="AutoShape 43">
-              <a:extLst>
-                <a:ext uri="{FF2B5EF4-FFF2-40B4-BE49-F238E27FC236}">
-                  <a16:creationId xmlns:a16="http://schemas.microsoft.com/office/drawing/2014/main" id="{1F79AE39-2C47-9327-1260-EBD6532C2068}"/>
-                </a:ext>
-              </a:extLst>
-            </p:cNvPr>
-            <p:cNvSpPr>
-              <a:spLocks/>
-            </p:cNvSpPr>
-            <p:nvPr/>
-          </p:nvSpPr>
-          <p:spPr bwMode="auto">
-            <a:xfrm>
-              <a:off x="4675188" y="2882900"/>
-              <a:ext cx="360362" cy="257175"/>
-            </a:xfrm>
-            <a:custGeom>
-              <a:avLst/>
-              <a:gdLst>
-                <a:gd name="T0" fmla="*/ 10800 w 21600"/>
-                <a:gd name="T1" fmla="*/ 10800 h 21600"/>
-                <a:gd name="T2" fmla="*/ 10800 w 21600"/>
-                <a:gd name="T3" fmla="*/ 10800 h 21600"/>
-                <a:gd name="T4" fmla="*/ 10800 w 21600"/>
-                <a:gd name="T5" fmla="*/ 10800 h 21600"/>
-                <a:gd name="T6" fmla="*/ 10800 w 21600"/>
-                <a:gd name="T7" fmla="*/ 10800 h 21600"/>
-              </a:gdLst>
-              <a:ahLst/>
-              <a:cxnLst>
-                <a:cxn ang="0">
-                  <a:pos x="T0" y="T1"/>
-                </a:cxn>
-                <a:cxn ang="0">
-                  <a:pos x="T2" y="T3"/>
-                </a:cxn>
-                <a:cxn ang="0">
-                  <a:pos x="T4" y="T5"/>
-                </a:cxn>
-                <a:cxn ang="0">
-                  <a:pos x="T6" y="T7"/>
-                </a:cxn>
-              </a:cxnLst>
-              <a:rect l="0" t="0" r="r" b="b"/>
-              <a:pathLst>
-                <a:path w="21600" h="21600">
-                  <a:moveTo>
-                    <a:pt x="10951" y="9367"/>
-                  </a:moveTo>
-                  <a:cubicBezTo>
-                    <a:pt x="10901" y="9383"/>
-                    <a:pt x="10851" y="9391"/>
-                    <a:pt x="10800" y="9391"/>
-                  </a:cubicBezTo>
-                  <a:cubicBezTo>
-                    <a:pt x="10748" y="9391"/>
-                    <a:pt x="10698" y="9383"/>
-                    <a:pt x="10648" y="9367"/>
-                  </a:cubicBezTo>
-                  <a:lnTo>
-                    <a:pt x="1873" y="6550"/>
-                  </a:lnTo>
-                  <a:cubicBezTo>
-                    <a:pt x="1566" y="6452"/>
-                    <a:pt x="1349" y="6072"/>
-                    <a:pt x="1349" y="5634"/>
-                  </a:cubicBezTo>
-                  <a:cubicBezTo>
-                    <a:pt x="1349" y="5197"/>
-                    <a:pt x="1566" y="4817"/>
-                    <a:pt x="1873" y="4719"/>
-                  </a:cubicBezTo>
-                  <a:lnTo>
-                    <a:pt x="10648" y="1902"/>
-                  </a:lnTo>
-                  <a:cubicBezTo>
-                    <a:pt x="10698" y="1886"/>
-                    <a:pt x="10748" y="1878"/>
-                    <a:pt x="10800" y="1878"/>
-                  </a:cubicBezTo>
-                  <a:cubicBezTo>
-                    <a:pt x="10851" y="1878"/>
-                    <a:pt x="10901" y="1886"/>
-                    <a:pt x="10951" y="1902"/>
-                  </a:cubicBezTo>
-                  <a:lnTo>
-                    <a:pt x="19726" y="4719"/>
-                  </a:lnTo>
-                  <a:cubicBezTo>
-                    <a:pt x="20033" y="4817"/>
-                    <a:pt x="20249" y="5197"/>
-                    <a:pt x="20249" y="5634"/>
-                  </a:cubicBezTo>
-                  <a:cubicBezTo>
-                    <a:pt x="20249" y="6072"/>
-                    <a:pt x="20033" y="6452"/>
-                    <a:pt x="19726" y="6550"/>
-                  </a:cubicBezTo>
-                  <a:cubicBezTo>
-                    <a:pt x="19726" y="6550"/>
-                    <a:pt x="10951" y="9367"/>
-                    <a:pt x="10951" y="9367"/>
-                  </a:cubicBezTo>
-                  <a:close/>
-                  <a:moveTo>
-                    <a:pt x="16874" y="16904"/>
-                  </a:moveTo>
-                  <a:cubicBezTo>
-                    <a:pt x="16874" y="17942"/>
-                    <a:pt x="14849" y="19721"/>
-                    <a:pt x="10800" y="19721"/>
-                  </a:cubicBezTo>
-                  <a:cubicBezTo>
-                    <a:pt x="6749" y="19721"/>
-                    <a:pt x="4724" y="17942"/>
-                    <a:pt x="4724" y="16904"/>
-                  </a:cubicBezTo>
-                  <a:lnTo>
-                    <a:pt x="4724" y="9394"/>
-                  </a:lnTo>
-                  <a:lnTo>
-                    <a:pt x="10353" y="11200"/>
-                  </a:lnTo>
-                  <a:cubicBezTo>
-                    <a:pt x="10501" y="11246"/>
-                    <a:pt x="10651" y="11269"/>
-                    <a:pt x="10800" y="11269"/>
-                  </a:cubicBezTo>
-                  <a:cubicBezTo>
-                    <a:pt x="10949" y="11269"/>
-                    <a:pt x="11098" y="11246"/>
-                    <a:pt x="11255" y="11198"/>
-                  </a:cubicBezTo>
-                  <a:lnTo>
-                    <a:pt x="16874" y="9394"/>
-                  </a:lnTo>
-                  <a:cubicBezTo>
-                    <a:pt x="16874" y="9394"/>
-                    <a:pt x="16874" y="16904"/>
-                    <a:pt x="16874" y="16904"/>
-                  </a:cubicBezTo>
-                  <a:close/>
-                  <a:moveTo>
-                    <a:pt x="21600" y="5634"/>
-                  </a:moveTo>
-                  <a:cubicBezTo>
-                    <a:pt x="21600" y="4314"/>
-                    <a:pt x="20954" y="3185"/>
-                    <a:pt x="20030" y="2888"/>
-                  </a:cubicBezTo>
-                  <a:lnTo>
-                    <a:pt x="11246" y="68"/>
-                  </a:lnTo>
-                  <a:cubicBezTo>
-                    <a:pt x="11098" y="22"/>
-                    <a:pt x="10949" y="0"/>
-                    <a:pt x="10800" y="0"/>
-                  </a:cubicBezTo>
-                  <a:cubicBezTo>
-                    <a:pt x="10651" y="0"/>
-                    <a:pt x="10501" y="22"/>
-                    <a:pt x="10344" y="71"/>
-                  </a:cubicBezTo>
-                  <a:lnTo>
-                    <a:pt x="1570" y="2888"/>
-                  </a:lnTo>
-                  <a:cubicBezTo>
-                    <a:pt x="645" y="3185"/>
-                    <a:pt x="0" y="4314"/>
-                    <a:pt x="0" y="5634"/>
-                  </a:cubicBezTo>
-                  <a:cubicBezTo>
-                    <a:pt x="0" y="6955"/>
-                    <a:pt x="645" y="8084"/>
-                    <a:pt x="1569" y="8380"/>
-                  </a:cubicBezTo>
-                  <a:lnTo>
-                    <a:pt x="3374" y="8960"/>
-                  </a:lnTo>
-                  <a:lnTo>
-                    <a:pt x="3374" y="16904"/>
-                  </a:lnTo>
-                  <a:cubicBezTo>
-                    <a:pt x="3374" y="19397"/>
-                    <a:pt x="5425" y="21600"/>
-                    <a:pt x="10800" y="21600"/>
-                  </a:cubicBezTo>
-                  <a:cubicBezTo>
-                    <a:pt x="16174" y="21600"/>
-                    <a:pt x="18224" y="19397"/>
-                    <a:pt x="18224" y="16904"/>
-                  </a:cubicBezTo>
-                  <a:lnTo>
-                    <a:pt x="18224" y="8960"/>
-                  </a:lnTo>
-                  <a:lnTo>
-                    <a:pt x="20030" y="8380"/>
-                  </a:lnTo>
-                  <a:cubicBezTo>
-                    <a:pt x="20954" y="8084"/>
-                    <a:pt x="21600" y="6955"/>
-                    <a:pt x="21600" y="5634"/>
-                  </a:cubicBezTo>
-                </a:path>
-              </a:pathLst>
-            </a:custGeom>
-            <a:grpFill/>
-            <a:ln/>
-          </p:spPr>
-          <p:style>
-            <a:lnRef idx="1">
-              <a:schemeClr val="accent1"/>
-            </a:lnRef>
-            <a:fillRef idx="0">
-              <a:schemeClr val="accent1"/>
-            </a:fillRef>
-            <a:effectRef idx="0">
-              <a:schemeClr val="accent1"/>
-            </a:effectRef>
-            <a:fontRef idx="minor">
-              <a:schemeClr val="tx1"/>
-            </a:fontRef>
-          </p:style>
-          <p:txBody>
-            <a:bodyPr lIns="19050" tIns="19050" rIns="19050" bIns="19050" anchor="ctr"/>
-            <a:lstStyle/>
-            <a:p>
-              <a:pPr marL="0" marR="0" lvl="0" indent="0" algn="ctr" defTabSz="228600" eaLnBrk="1" fontAlgn="base" latinLnBrk="0" hangingPunct="0">
-                <a:lnSpc>
-                  <a:spcPct val="100000"/>
-                </a:lnSpc>
-                <a:spcBef>
-                  <a:spcPct val="0"/>
-                </a:spcBef>
-                <a:spcAft>
-                  <a:spcPct val="0"/>
-                </a:spcAft>
-                <a:buClrTx/>
-                <a:buSzTx/>
-                <a:buFontTx/>
-                <a:buNone/>
-                <a:tabLst/>
-                <a:defRPr/>
-              </a:pPr>
-              <a:endParaRPr kumimoji="0" lang="en-US" sz="1500" i="0" u="none" strike="noStrike" kern="0" normalizeH="0" baseline="0" noProof="0" dirty="0">
-                <a:ln w="0"/>
-                <a:effectLst>
-                  <a:outerShdw blurRad="38100" dist="19050" dir="2700000" algn="tl" rotWithShape="0">
-                    <a:schemeClr val="dk1">
-                      <a:alpha val="40000"/>
-                    </a:schemeClr>
-                  </a:outerShdw>
-                </a:effectLst>
-                <a:uLnTx/>
-                <a:uFillTx/>
-                <a:latin typeface="Gill Sans" charset="0"/>
-                <a:sym typeface="Gill Sans" charset="0"/>
-              </a:endParaRPr>
-            </a:p>
-          </p:txBody>
-        </p:sp>
-        <p:sp>
-          <p:nvSpPr>
-            <p:cNvPr id="10" name="AutoShape 44">
-              <a:extLst>
-                <a:ext uri="{FF2B5EF4-FFF2-40B4-BE49-F238E27FC236}">
-                  <a16:creationId xmlns:a16="http://schemas.microsoft.com/office/drawing/2014/main" id="{BE462345-CDC5-0A1A-11AE-FC48BDD6FC72}"/>
-                </a:ext>
-              </a:extLst>
-            </p:cNvPr>
-            <p:cNvSpPr>
-              <a:spLocks/>
-            </p:cNvSpPr>
-            <p:nvPr/>
-          </p:nvSpPr>
-          <p:spPr bwMode="auto">
-            <a:xfrm>
-              <a:off x="5000625" y="2994025"/>
-              <a:ext cx="22225" cy="123825"/>
-            </a:xfrm>
-            <a:custGeom>
-              <a:avLst/>
-              <a:gdLst>
-                <a:gd name="T0" fmla="*/ 10800 w 21600"/>
-                <a:gd name="T1" fmla="*/ 10800 h 21600"/>
-                <a:gd name="T2" fmla="*/ 10800 w 21600"/>
-                <a:gd name="T3" fmla="*/ 10800 h 21600"/>
-                <a:gd name="T4" fmla="*/ 10800 w 21600"/>
-                <a:gd name="T5" fmla="*/ 10800 h 21600"/>
-                <a:gd name="T6" fmla="*/ 10800 w 21600"/>
-                <a:gd name="T7" fmla="*/ 10800 h 21600"/>
-              </a:gdLst>
-              <a:ahLst/>
-              <a:cxnLst>
-                <a:cxn ang="0">
-                  <a:pos x="T0" y="T1"/>
-                </a:cxn>
-                <a:cxn ang="0">
-                  <a:pos x="T2" y="T3"/>
-                </a:cxn>
-                <a:cxn ang="0">
-                  <a:pos x="T4" y="T5"/>
-                </a:cxn>
-                <a:cxn ang="0">
-                  <a:pos x="T6" y="T7"/>
-                </a:cxn>
-              </a:cxnLst>
-              <a:rect l="0" t="0" r="r" b="b"/>
-              <a:pathLst>
-                <a:path w="21600" h="21600">
-                  <a:moveTo>
-                    <a:pt x="0" y="1963"/>
-                  </a:moveTo>
-                  <a:lnTo>
-                    <a:pt x="0" y="19636"/>
-                  </a:lnTo>
-                  <a:cubicBezTo>
-                    <a:pt x="0" y="20721"/>
-                    <a:pt x="4841" y="21599"/>
-                    <a:pt x="10800" y="21599"/>
-                  </a:cubicBezTo>
-                  <a:cubicBezTo>
-                    <a:pt x="16758" y="21599"/>
-                    <a:pt x="21600" y="20721"/>
-                    <a:pt x="21600" y="19636"/>
-                  </a:cubicBezTo>
-                  <a:lnTo>
-                    <a:pt x="21600" y="1963"/>
-                  </a:lnTo>
-                  <a:cubicBezTo>
-                    <a:pt x="21600" y="878"/>
-                    <a:pt x="16758" y="0"/>
-                    <a:pt x="10800" y="0"/>
-                  </a:cubicBezTo>
-                  <a:cubicBezTo>
-                    <a:pt x="4841" y="0"/>
-                    <a:pt x="0" y="878"/>
-                    <a:pt x="0" y="1963"/>
-                  </a:cubicBezTo>
-                </a:path>
-              </a:pathLst>
-            </a:custGeom>
-            <a:grpFill/>
-            <a:ln/>
-          </p:spPr>
-          <p:style>
-            <a:lnRef idx="1">
-              <a:schemeClr val="accent1"/>
-            </a:lnRef>
-            <a:fillRef idx="0">
-              <a:schemeClr val="accent1"/>
-            </a:fillRef>
-            <a:effectRef idx="0">
-              <a:schemeClr val="accent1"/>
-            </a:effectRef>
-            <a:fontRef idx="minor">
-              <a:schemeClr val="tx1"/>
-            </a:fontRef>
-          </p:style>
-          <p:txBody>
-            <a:bodyPr lIns="19050" tIns="19050" rIns="19050" bIns="19050" anchor="ctr"/>
-            <a:lstStyle/>
-            <a:p>
-              <a:pPr marL="0" marR="0" lvl="0" indent="0" algn="ctr" defTabSz="228600" eaLnBrk="1" fontAlgn="base" latinLnBrk="0" hangingPunct="0">
-                <a:lnSpc>
-                  <a:spcPct val="100000"/>
-                </a:lnSpc>
-                <a:spcBef>
-                  <a:spcPct val="0"/>
-                </a:spcBef>
-                <a:spcAft>
-                  <a:spcPct val="0"/>
-                </a:spcAft>
-                <a:buClrTx/>
-                <a:buSzTx/>
-                <a:buFontTx/>
-                <a:buNone/>
-                <a:tabLst/>
-                <a:defRPr/>
-              </a:pPr>
-              <a:endParaRPr kumimoji="0" lang="en-US" sz="1500" i="0" u="none" strike="noStrike" kern="0" normalizeH="0" baseline="0" noProof="0" dirty="0">
-                <a:ln w="0"/>
-                <a:effectLst>
-                  <a:outerShdw blurRad="38100" dist="19050" dir="2700000" algn="tl" rotWithShape="0">
-                    <a:schemeClr val="dk1">
-                      <a:alpha val="40000"/>
-                    </a:schemeClr>
-                  </a:outerShdw>
-                </a:effectLst>
-                <a:uLnTx/>
-                <a:uFillTx/>
-                <a:latin typeface="Gill Sans" charset="0"/>
-                <a:sym typeface="Gill Sans" charset="0"/>
-              </a:endParaRPr>
-            </a:p>
-          </p:txBody>
-        </p:sp>
-        <p:sp>
-          <p:nvSpPr>
-            <p:cNvPr id="11" name="AutoShape 45">
-              <a:extLst>
-                <a:ext uri="{FF2B5EF4-FFF2-40B4-BE49-F238E27FC236}">
-                  <a16:creationId xmlns:a16="http://schemas.microsoft.com/office/drawing/2014/main" id="{8E120BDE-293B-2FFE-C676-A72C1D40BE26}"/>
-                </a:ext>
-              </a:extLst>
-            </p:cNvPr>
-            <p:cNvSpPr>
-              <a:spLocks/>
-            </p:cNvSpPr>
-            <p:nvPr/>
-          </p:nvSpPr>
-          <p:spPr bwMode="auto">
-            <a:xfrm>
-              <a:off x="4989513" y="3128963"/>
-              <a:ext cx="46037" cy="68262"/>
-            </a:xfrm>
-            <a:custGeom>
-              <a:avLst/>
-              <a:gdLst>
-                <a:gd name="T0" fmla="*/ 10800 w 21600"/>
-                <a:gd name="T1" fmla="*/ 10800 h 21600"/>
-                <a:gd name="T2" fmla="*/ 10800 w 21600"/>
-                <a:gd name="T3" fmla="*/ 10800 h 21600"/>
-                <a:gd name="T4" fmla="*/ 10800 w 21600"/>
-                <a:gd name="T5" fmla="*/ 10800 h 21600"/>
-                <a:gd name="T6" fmla="*/ 10800 w 21600"/>
-                <a:gd name="T7" fmla="*/ 10800 h 21600"/>
-              </a:gdLst>
-              <a:ahLst/>
-              <a:cxnLst>
-                <a:cxn ang="0">
-                  <a:pos x="T0" y="T1"/>
-                </a:cxn>
-                <a:cxn ang="0">
-                  <a:pos x="T2" y="T3"/>
-                </a:cxn>
-                <a:cxn ang="0">
-                  <a:pos x="T4" y="T5"/>
-                </a:cxn>
-                <a:cxn ang="0">
-                  <a:pos x="T6" y="T7"/>
-                </a:cxn>
-              </a:cxnLst>
-              <a:rect l="0" t="0" r="r" b="b"/>
-              <a:pathLst>
-                <a:path w="21600" h="21600">
-                  <a:moveTo>
-                    <a:pt x="10800" y="0"/>
-                  </a:moveTo>
-                  <a:cubicBezTo>
-                    <a:pt x="4838" y="0"/>
-                    <a:pt x="0" y="10427"/>
-                    <a:pt x="0" y="14400"/>
-                  </a:cubicBezTo>
-                  <a:cubicBezTo>
-                    <a:pt x="0" y="18372"/>
-                    <a:pt x="4838" y="21599"/>
-                    <a:pt x="10800" y="21599"/>
-                  </a:cubicBezTo>
-                  <a:cubicBezTo>
-                    <a:pt x="16761" y="21599"/>
-                    <a:pt x="21600" y="18372"/>
-                    <a:pt x="21600" y="14400"/>
-                  </a:cubicBezTo>
-                  <a:cubicBezTo>
-                    <a:pt x="21600" y="10427"/>
-                    <a:pt x="16761" y="0"/>
-                    <a:pt x="10800" y="0"/>
-                  </a:cubicBezTo>
-                </a:path>
-              </a:pathLst>
-            </a:custGeom>
-            <a:grpFill/>
-            <a:ln/>
-          </p:spPr>
-          <p:style>
-            <a:lnRef idx="1">
-              <a:schemeClr val="accent1"/>
-            </a:lnRef>
-            <a:fillRef idx="0">
-              <a:schemeClr val="accent1"/>
-            </a:fillRef>
-            <a:effectRef idx="0">
-              <a:schemeClr val="accent1"/>
-            </a:effectRef>
-            <a:fontRef idx="minor">
-              <a:schemeClr val="tx1"/>
-            </a:fontRef>
-          </p:style>
-          <p:txBody>
-            <a:bodyPr lIns="19050" tIns="19050" rIns="19050" bIns="19050" anchor="ctr"/>
-            <a:lstStyle/>
-            <a:p>
-              <a:pPr marL="0" marR="0" lvl="0" indent="0" algn="ctr" defTabSz="228600" eaLnBrk="1" fontAlgn="base" latinLnBrk="0" hangingPunct="0">
-                <a:lnSpc>
-                  <a:spcPct val="100000"/>
-                </a:lnSpc>
-                <a:spcBef>
-                  <a:spcPct val="0"/>
-                </a:spcBef>
-                <a:spcAft>
-                  <a:spcPct val="0"/>
-                </a:spcAft>
-                <a:buClrTx/>
-                <a:buSzTx/>
-                <a:buFontTx/>
-                <a:buNone/>
-                <a:tabLst/>
-                <a:defRPr/>
-              </a:pPr>
-              <a:endParaRPr kumimoji="0" lang="en-US" sz="1500" i="0" u="none" strike="noStrike" kern="0" normalizeH="0" baseline="0" noProof="0" dirty="0">
-                <a:ln w="0"/>
-                <a:effectLst>
-                  <a:outerShdw blurRad="38100" dist="19050" dir="2700000" algn="tl" rotWithShape="0">
-                    <a:schemeClr val="dk1">
-                      <a:alpha val="40000"/>
-                    </a:schemeClr>
-                  </a:outerShdw>
-                </a:effectLst>
-                <a:uLnTx/>
-                <a:uFillTx/>
-                <a:latin typeface="Gill Sans" charset="0"/>
-                <a:sym typeface="Gill Sans" charset="0"/>
-              </a:endParaRPr>
-            </a:p>
-          </p:txBody>
-        </p:sp>
-      </p:grpSp>
-      <p:sp>
-        <p:nvSpPr>
-          <p:cNvPr id="15" name="矩形 14">
-            <a:extLst>
-              <a:ext uri="{FF2B5EF4-FFF2-40B4-BE49-F238E27FC236}">
-                <a16:creationId xmlns:a16="http://schemas.microsoft.com/office/drawing/2014/main" id="{7BF0973A-1738-8176-FDC9-4A588F869A4D}"/>
-              </a:ext>
-            </a:extLst>
-          </p:cNvPr>
-          <p:cNvSpPr/>
-          <p:nvPr/>
-        </p:nvSpPr>
-        <p:spPr>
-          <a:xfrm>
-            <a:off x="0" y="6570704"/>
-            <a:ext cx="12192000" cy="287296"/>
-          </a:xfrm>
-          <a:prstGeom prst="rect">
-            <a:avLst/>
-          </a:prstGeom>
-          <a:ln>
-            <a:noFill/>
-          </a:ln>
-        </p:spPr>
-        <p:style>
-          <a:lnRef idx="2">
-            <a:schemeClr val="accent1">
-              <a:shade val="50000"/>
-            </a:schemeClr>
-          </a:lnRef>
-          <a:fillRef idx="1">
-            <a:schemeClr val="accent1"/>
-          </a:fillRef>
-          <a:effectRef idx="0">
-            <a:schemeClr val="accent1"/>
-          </a:effectRef>
-          <a:fontRef idx="minor">
-            <a:schemeClr val="lt1"/>
-          </a:fontRef>
-        </p:style>
-        <p:txBody>
-          <a:bodyPr rtlCol="0" anchor="ctr"/>
-          <a:lstStyle/>
-          <a:p>
-            <a:pPr algn="ctr"/>
-            <a:endParaRPr lang="zh-CN" altLang="en-US"/>
-          </a:p>
-        </p:txBody>
-      </p:sp>
       <p:sp>
         <p:nvSpPr>
           <p:cNvPr id="2" name="文本框 1">
@@ -8162,13 +12207,7 @@
       </p:grpSpPr>
       <p:sp>
         <p:nvSpPr>
-          <p:cNvPr id="2" name="标题 1">
-            <a:extLst>
-              <a:ext uri="{FF2B5EF4-FFF2-40B4-BE49-F238E27FC236}">
-                <a16:creationId xmlns:a16="http://schemas.microsoft.com/office/drawing/2014/main" id="{92B46323-6940-F2BD-7339-A63948171052}"/>
-              </a:ext>
-            </a:extLst>
-          </p:cNvPr>
+          <p:cNvPr id="2" name="标题 1"/>
           <p:cNvSpPr>
             <a:spLocks noGrp="1"/>
           </p:cNvSpPr>
@@ -8178,298 +12217,101 @@
         </p:nvSpPr>
         <p:spPr/>
         <p:txBody>
-          <a:bodyPr>
-            <a:normAutofit/>
-          </a:bodyPr>
+          <a:bodyPr/>
           <a:lstStyle/>
           <a:p>
             <a:r>
-              <a:rPr lang="zh-CN" altLang="en-US" sz="4000" b="0" i="0" u="none" strike="noStrike" baseline="0" dirty="0">
-                <a:solidFill>
-                  <a:srgbClr val="EC330B"/>
-                </a:solidFill>
-                <a:latin typeface="楷体" panose="02010609060101010101" pitchFamily="49" charset="-122"/>
-                <a:ea typeface="楷体" panose="02010609060101010101" pitchFamily="49" charset="-122"/>
-              </a:rPr>
-              <a:t>四、突发因素下信贷决策模型</a:t>
-            </a:r>
-            <a:endParaRPr lang="zh-CN" altLang="en-US" sz="8000" dirty="0"/>
-          </a:p>
-        </p:txBody>
-      </p:sp>
-      <p:sp>
-        <p:nvSpPr>
-          <p:cNvPr id="5" name="AutoShape 4">
-            <a:extLst>
-              <a:ext uri="{FF2B5EF4-FFF2-40B4-BE49-F238E27FC236}">
-                <a16:creationId xmlns:a16="http://schemas.microsoft.com/office/drawing/2014/main" id="{E91E3A18-AC0A-BE7C-A6FD-5DC44AA57782}"/>
-              </a:ext>
-            </a:extLst>
-          </p:cNvPr>
+              <a:rPr lang="zh-CN" altLang="en-US" b="1" dirty="0"/>
+              <a:t>赛题点评</a:t>
+            </a:r>
+          </a:p>
+        </p:txBody>
+      </p:sp>
+      <p:sp>
+        <p:nvSpPr>
+          <p:cNvPr id="3" name="内容占位符 2"/>
           <p:cNvSpPr>
-            <a:spLocks noGrp="1" noChangeAspect="1" noChangeArrowheads="1"/>
+            <a:spLocks noGrp="1"/>
           </p:cNvSpPr>
           <p:nvPr>
             <p:ph idx="1"/>
           </p:nvPr>
         </p:nvSpPr>
-        <p:spPr bwMode="auto">
-          <a:prstGeom prst="rect">
-            <a:avLst/>
-          </a:prstGeom>
-          <a:noFill/>
-          <a:extLst>
-            <a:ext uri="{909E8E84-426E-40DD-AFC4-6F175D3DCCD1}">
-              <a14:hiddenFill xmlns:a14="http://schemas.microsoft.com/office/drawing/2010/main">
-                <a:solidFill>
-                  <a:srgbClr val="FFFFFF"/>
-                </a:solidFill>
-              </a14:hiddenFill>
-            </a:ext>
-          </a:extLst>
-        </p:spPr>
-        <p:txBody>
-          <a:bodyPr vert="horz" wrap="square" lIns="91440" tIns="45720" rIns="91440" bIns="45720" numCol="1" anchor="t" anchorCtr="0" compatLnSpc="1">
-            <a:prstTxWarp prst="textNoShape">
-              <a:avLst/>
-            </a:prstTxWarp>
-            <a:normAutofit lnSpcReduction="10000"/>
+        <p:spPr/>
+        <p:txBody>
+          <a:bodyPr>
+            <a:normAutofit fontScale="92500" lnSpcReduction="10000"/>
           </a:bodyPr>
           <a:lstStyle/>
           <a:p>
-            <a:pPr marL="0" indent="0" algn="l">
+            <a:pPr marL="0" indent="0">
+              <a:lnSpc>
+                <a:spcPct val="120000"/>
+              </a:lnSpc>
               <a:buNone/>
             </a:pPr>
             <a:r>
-              <a:rPr lang="en-US" altLang="zh-CN" b="0" i="0" u="none" strike="noStrike" baseline="0" dirty="0">
-                <a:solidFill>
-                  <a:srgbClr val="0706E3"/>
-                </a:solidFill>
-                <a:latin typeface="TimesNewRomanPSMT"/>
-                <a:ea typeface="楷体" panose="02010609060101010101" pitchFamily="49" charset="-122"/>
+              <a:rPr lang="zh-CN" altLang="en-US" dirty="0">
+                <a:latin typeface="黑体" panose="02010609060101010101" pitchFamily="49" charset="-122"/>
+                <a:ea typeface="黑体" panose="02010609060101010101" pitchFamily="49" charset="-122"/>
               </a:rPr>
-              <a:t>(1)</a:t>
-            </a:r>
-            <a:r>
-              <a:rPr lang="zh-CN" altLang="en-US" b="0" i="0" u="none" strike="noStrike" baseline="0" dirty="0">
-                <a:solidFill>
-                  <a:srgbClr val="0706E3"/>
-                </a:solidFill>
-                <a:latin typeface="楷体" panose="02010609060101010101" pitchFamily="49" charset="-122"/>
-                <a:ea typeface="楷体" panose="02010609060101010101" pitchFamily="49" charset="-122"/>
+              <a:t>问题一：主要是解决两个问题：一是建立信贷风险评估模型和银行最有信贷决策模型。属于评估问题和规划问题。主要的思路流程基于附件的交易数据挖掘出各企业的经营和财务指标，并进行优化筛选，以违约概率为目标函数构建信贷风向评估模型（已读论文中有利用梯度下降法的随机森林、熵权法与</a:t>
+            </a:r>
+            <a:r>
+              <a:rPr lang="en-US" altLang="zh-CN" dirty="0">
+                <a:latin typeface="黑体" panose="02010609060101010101" pitchFamily="49" charset="-122"/>
+                <a:ea typeface="黑体" panose="02010609060101010101" pitchFamily="49" charset="-122"/>
               </a:rPr>
-              <a:t>突发因素的出现本身是不确定的，即为随机事件。</a:t>
-            </a:r>
-          </a:p>
-          <a:p>
-            <a:pPr marL="0" indent="0" algn="l">
-              <a:buNone/>
-            </a:pPr>
-            <a:r>
-              <a:rPr lang="en-US" altLang="zh-CN" b="0" i="0" u="none" strike="noStrike" baseline="0" dirty="0">
-                <a:solidFill>
-                  <a:srgbClr val="000000"/>
-                </a:solidFill>
-                <a:latin typeface="TimesNewRomanPSMT"/>
-                <a:ea typeface="楷体" panose="02010609060101010101" pitchFamily="49" charset="-122"/>
+              <a:t>TOPSIS</a:t>
+            </a:r>
+            <a:r>
+              <a:rPr lang="zh-CN" altLang="en-US" dirty="0">
+                <a:latin typeface="黑体" panose="02010609060101010101" pitchFamily="49" charset="-122"/>
+                <a:ea typeface="黑体" panose="02010609060101010101" pitchFamily="49" charset="-122"/>
               </a:rPr>
-              <a:t>(2)</a:t>
-            </a:r>
-            <a:r>
-              <a:rPr lang="zh-CN" altLang="en-US" b="0" i="0" u="none" strike="noStrike" baseline="0" dirty="0">
-                <a:solidFill>
-                  <a:srgbClr val="000000"/>
-                </a:solidFill>
-                <a:latin typeface="楷体" panose="02010609060101010101" pitchFamily="49" charset="-122"/>
-                <a:ea typeface="楷体" panose="02010609060101010101" pitchFamily="49" charset="-122"/>
+              <a:t>、遗传算法）。接下来也可进行模型准确度检验，对比</a:t>
+            </a:r>
+            <a:r>
+              <a:rPr lang="en-US" altLang="zh-CN" dirty="0">
+                <a:latin typeface="黑体" panose="02010609060101010101" pitchFamily="49" charset="-122"/>
+                <a:ea typeface="黑体" panose="02010609060101010101" pitchFamily="49" charset="-122"/>
               </a:rPr>
-              <a:t>如何表示一般突发突事件的发生过程？</a:t>
-            </a:r>
-          </a:p>
-          <a:p>
-            <a:pPr marL="0" indent="0" algn="l">
-              <a:buNone/>
-            </a:pPr>
-            <a:r>
-              <a:rPr lang="zh-CN" altLang="en-US" b="0" i="0" u="none" strike="noStrike" baseline="0" dirty="0">
-                <a:solidFill>
-                  <a:srgbClr val="000000"/>
-                </a:solidFill>
-                <a:latin typeface="楷体" panose="02010609060101010101" pitchFamily="49" charset="-122"/>
-                <a:ea typeface="楷体" panose="02010609060101010101" pitchFamily="49" charset="-122"/>
+              <a:t>BP</a:t>
+            </a:r>
+            <a:r>
+              <a:rPr lang="zh-CN" altLang="en-US" dirty="0">
+                <a:latin typeface="黑体" panose="02010609060101010101" pitchFamily="49" charset="-122"/>
+                <a:ea typeface="黑体" panose="02010609060101010101" pitchFamily="49" charset="-122"/>
               </a:rPr>
-              <a:t>对各企业的信贷风险和银行的信贷策略产生什么影响？</a:t>
-            </a:r>
-          </a:p>
-          <a:p>
-            <a:pPr marL="0" indent="0" algn="l">
-              <a:buNone/>
-            </a:pPr>
-            <a:r>
-              <a:rPr lang="zh-CN" altLang="en-US" b="0" i="0" u="none" strike="noStrike" baseline="0" dirty="0">
-                <a:solidFill>
-                  <a:srgbClr val="000000"/>
-                </a:solidFill>
-                <a:latin typeface="楷体" panose="02010609060101010101" pitchFamily="49" charset="-122"/>
-                <a:ea typeface="楷体" panose="02010609060101010101" pitchFamily="49" charset="-122"/>
+              <a:t>神经网络</a:t>
+            </a:r>
+            <a:r>
+              <a:rPr lang="en-US" altLang="zh-CN" dirty="0">
+                <a:latin typeface="黑体" panose="02010609060101010101" pitchFamily="49" charset="-122"/>
+                <a:ea typeface="黑体" panose="02010609060101010101" pitchFamily="49" charset="-122"/>
               </a:rPr>
-              <a:t>相应的影响效果怎么样？</a:t>
-            </a:r>
-          </a:p>
-          <a:p>
-            <a:pPr marL="0" indent="0" algn="l">
-              <a:buNone/>
-            </a:pPr>
-            <a:r>
-              <a:rPr lang="en-US" altLang="zh-CN" b="0" i="0" u="none" strike="noStrike" baseline="0" dirty="0">
-                <a:solidFill>
-                  <a:srgbClr val="0706E3"/>
-                </a:solidFill>
-                <a:latin typeface="TimesNewRomanPSMT"/>
-                <a:ea typeface="楷体" panose="02010609060101010101" pitchFamily="49" charset="-122"/>
+              <a:t>/</a:t>
+            </a:r>
+            <a:r>
+              <a:rPr lang="zh-CN" altLang="en-US" dirty="0">
+                <a:latin typeface="黑体" panose="02010609060101010101" pitchFamily="49" charset="-122"/>
+                <a:ea typeface="黑体" panose="02010609060101010101" pitchFamily="49" charset="-122"/>
               </a:rPr>
-              <a:t>(3)</a:t>
-            </a:r>
-            <a:r>
-              <a:rPr lang="zh-CN" altLang="en-US" b="0" i="0" u="none" strike="noStrike" baseline="0" dirty="0">
-                <a:solidFill>
-                  <a:srgbClr val="0706E3"/>
-                </a:solidFill>
-                <a:latin typeface="楷体" panose="02010609060101010101" pitchFamily="49" charset="-122"/>
-                <a:ea typeface="楷体" panose="02010609060101010101" pitchFamily="49" charset="-122"/>
-              </a:rPr>
-              <a:t>针对一种突发事件</a:t>
-            </a:r>
-            <a:r>
-              <a:rPr lang="en-US" altLang="zh-CN" b="0" i="0" u="none" strike="noStrike" baseline="0" dirty="0">
-                <a:solidFill>
-                  <a:srgbClr val="0706E3"/>
-                </a:solidFill>
-                <a:latin typeface="楷体" panose="02010609060101010101" pitchFamily="49" charset="-122"/>
-                <a:ea typeface="楷体" panose="02010609060101010101" pitchFamily="49" charset="-122"/>
-              </a:rPr>
-              <a:t>(</a:t>
-            </a:r>
-            <a:r>
-              <a:rPr lang="zh-CN" altLang="en-US" b="0" i="0" u="none" strike="noStrike" baseline="0" dirty="0">
-                <a:solidFill>
-                  <a:srgbClr val="0706E3"/>
-                </a:solidFill>
-                <a:latin typeface="楷体" panose="02010609060101010101" pitchFamily="49" charset="-122"/>
-                <a:ea typeface="楷体" panose="02010609060101010101" pitchFamily="49" charset="-122"/>
-              </a:rPr>
-              <a:t>如新冠疫情</a:t>
-            </a:r>
-            <a:r>
-              <a:rPr lang="en-US" altLang="zh-CN" b="0" i="0" u="none" strike="noStrike" baseline="0" dirty="0">
-                <a:solidFill>
-                  <a:srgbClr val="0706E3"/>
-                </a:solidFill>
-                <a:latin typeface="楷体" panose="02010609060101010101" pitchFamily="49" charset="-122"/>
-                <a:ea typeface="楷体" panose="02010609060101010101" pitchFamily="49" charset="-122"/>
-              </a:rPr>
-              <a:t>)</a:t>
-            </a:r>
-            <a:r>
-              <a:rPr lang="zh-CN" altLang="en-US" b="0" i="0" u="none" strike="noStrike" baseline="0" dirty="0">
-                <a:solidFill>
-                  <a:srgbClr val="0706E3"/>
-                </a:solidFill>
-                <a:latin typeface="楷体" panose="02010609060101010101" pitchFamily="49" charset="-122"/>
-                <a:ea typeface="楷体" panose="02010609060101010101" pitchFamily="49" charset="-122"/>
-              </a:rPr>
-              <a:t>影响，通常要考虑正负</a:t>
-            </a:r>
-          </a:p>
-          <a:p>
-            <a:pPr marL="0" indent="0" algn="l">
-              <a:buNone/>
-            </a:pPr>
-            <a:r>
-              <a:rPr lang="zh-CN" altLang="en-US" b="0" i="0" u="none" strike="noStrike" baseline="0" dirty="0">
-                <a:solidFill>
-                  <a:srgbClr val="0706E3"/>
-                </a:solidFill>
-                <a:latin typeface="楷体" panose="02010609060101010101" pitchFamily="49" charset="-122"/>
-                <a:ea typeface="楷体" panose="02010609060101010101" pitchFamily="49" charset="-122"/>
-              </a:rPr>
-              <a:t>两个方面的影响。</a:t>
-            </a:r>
-          </a:p>
-          <a:p>
-            <a:pPr marL="0" indent="0" algn="l">
-              <a:buNone/>
-            </a:pPr>
-            <a:r>
-              <a:rPr lang="en-US" altLang="zh-CN" b="0" i="0" u="none" strike="noStrike" baseline="0" dirty="0">
-                <a:solidFill>
-                  <a:srgbClr val="000000"/>
-                </a:solidFill>
-                <a:latin typeface="TimesNewRomanPSMT"/>
-                <a:ea typeface="楷体" panose="02010609060101010101" pitchFamily="49" charset="-122"/>
-              </a:rPr>
-              <a:t>(4)</a:t>
-            </a:r>
-            <a:r>
-              <a:rPr lang="zh-CN" altLang="en-US" b="0" i="0" u="none" strike="noStrike" baseline="0" dirty="0">
-                <a:solidFill>
-                  <a:srgbClr val="000000"/>
-                </a:solidFill>
-                <a:latin typeface="楷体" panose="02010609060101010101" pitchFamily="49" charset="-122"/>
-                <a:ea typeface="楷体" panose="02010609060101010101" pitchFamily="49" charset="-122"/>
-              </a:rPr>
-              <a:t>对于企业按行业进行分类，针对不同的行业研究某种突发</a:t>
-            </a:r>
-          </a:p>
-          <a:p>
-            <a:pPr marL="0" indent="0" algn="l">
-              <a:buNone/>
-            </a:pPr>
-            <a:r>
-              <a:rPr lang="zh-CN" altLang="en-US" b="0" i="0" u="none" strike="noStrike" baseline="0" dirty="0">
-                <a:solidFill>
-                  <a:srgbClr val="000000"/>
-                </a:solidFill>
-                <a:latin typeface="楷体" panose="02010609060101010101" pitchFamily="49" charset="-122"/>
-                <a:ea typeface="楷体" panose="02010609060101010101" pitchFamily="49" charset="-122"/>
-              </a:rPr>
-              <a:t>事件的影响和影响效果。</a:t>
-            </a:r>
-          </a:p>
-          <a:p>
-            <a:pPr marL="0" indent="0" algn="l">
-              <a:buNone/>
-            </a:pPr>
-            <a:r>
-              <a:rPr lang="en-US" altLang="zh-CN" b="0" i="0" u="none" strike="noStrike" baseline="0" dirty="0">
-                <a:solidFill>
-                  <a:srgbClr val="0706E3"/>
-                </a:solidFill>
-                <a:latin typeface="TimesNewRomanPSMT"/>
-                <a:ea typeface="楷体" panose="02010609060101010101" pitchFamily="49" charset="-122"/>
-              </a:rPr>
-              <a:t>(5)</a:t>
-            </a:r>
-            <a:r>
-              <a:rPr lang="zh-CN" altLang="en-US" b="0" i="0" u="none" strike="noStrike" baseline="0" dirty="0">
-                <a:solidFill>
-                  <a:srgbClr val="0706E3"/>
-                </a:solidFill>
-                <a:latin typeface="楷体" panose="02010609060101010101" pitchFamily="49" charset="-122"/>
-                <a:ea typeface="楷体" panose="02010609060101010101" pitchFamily="49" charset="-122"/>
-              </a:rPr>
-              <a:t>从宏观和微观层面上研究对信贷风险和信贷策略的影响。</a:t>
-            </a:r>
-            <a:endParaRPr lang="zh-CN" altLang="en-US" sz="4000" dirty="0"/>
+              <a:t>传统决策树算法，该模型准确性较高。第二个问题将违约概率作为指标建立以贷款收益最大化，客户流失率最小、客户违约风险最小为指标，建立非线性多目标规划模型，根据模型求解，可以确定最佳的信贷策略。</a:t>
+            </a:r>
+          </a:p>
+          <a:p>
+            <a:endParaRPr lang="zh-CN" altLang="en-US" dirty="0"/>
+          </a:p>
+          <a:p>
+            <a:endParaRPr lang="zh-CN" altLang="en-US" dirty="0"/>
+          </a:p>
+          <a:p>
+            <a:endParaRPr lang="zh-CN" altLang="en-US" dirty="0"/>
           </a:p>
         </p:txBody>
       </p:sp>
     </p:spTree>
-    <p:extLst>
-      <p:ext uri="{BB962C8B-B14F-4D97-AF65-F5344CB8AC3E}">
-        <p14:creationId xmlns:p14="http://schemas.microsoft.com/office/powerpoint/2010/main" val="696510701"/>
-      </p:ext>
-    </p:extLst>
   </p:cSld>
   <p:clrMapOvr>
     <a:masterClrMapping/>
@@ -8496,13 +12338,7 @@
       </p:grpSpPr>
       <p:sp>
         <p:nvSpPr>
-          <p:cNvPr id="2" name="标题 1">
-            <a:extLst>
-              <a:ext uri="{FF2B5EF4-FFF2-40B4-BE49-F238E27FC236}">
-                <a16:creationId xmlns:a16="http://schemas.microsoft.com/office/drawing/2014/main" id="{13642BA8-7827-AA06-FF54-A8AEE84E6781}"/>
-              </a:ext>
-            </a:extLst>
-          </p:cNvPr>
+          <p:cNvPr id="2" name="标题 1"/>
           <p:cNvSpPr>
             <a:spLocks noGrp="1"/>
           </p:cNvSpPr>
@@ -8512,34 +12348,19 @@
         </p:nvSpPr>
         <p:spPr/>
         <p:txBody>
-          <a:bodyPr>
-            <a:normAutofit/>
-          </a:bodyPr>
+          <a:bodyPr/>
           <a:lstStyle/>
           <a:p>
             <a:r>
-              <a:rPr lang="zh-CN" altLang="en-US" sz="4800" b="0" i="0" u="none" strike="noStrike" baseline="0" dirty="0">
-                <a:solidFill>
-                  <a:srgbClr val="E8080B"/>
-                </a:solidFill>
-                <a:latin typeface="楷体" panose="02010609060101010101" pitchFamily="49" charset="-122"/>
-                <a:ea typeface="楷体" panose="02010609060101010101" pitchFamily="49" charset="-122"/>
-              </a:rPr>
-              <a:t>具体的实现方法</a:t>
-            </a:r>
-            <a:endParaRPr lang="zh-CN" altLang="en-US" sz="9600" b="1" dirty="0"/>
-          </a:p>
-        </p:txBody>
-      </p:sp>
-      <p:sp>
-        <p:nvSpPr>
-          <p:cNvPr id="3" name="内容占位符 2">
-            <a:extLst>
-              <a:ext uri="{FF2B5EF4-FFF2-40B4-BE49-F238E27FC236}">
-                <a16:creationId xmlns:a16="http://schemas.microsoft.com/office/drawing/2014/main" id="{915B5EC3-3435-600D-DB62-C83882CDF8CE}"/>
-              </a:ext>
-            </a:extLst>
-          </p:cNvPr>
+              <a:rPr lang="zh-CN" altLang="en-US" b="1" dirty="0"/>
+              <a:t>赛题点评</a:t>
+            </a:r>
+          </a:p>
+        </p:txBody>
+      </p:sp>
+      <p:sp>
+        <p:nvSpPr>
+          <p:cNvPr id="3" name="内容占位符 2"/>
           <p:cNvSpPr>
             <a:spLocks noGrp="1"/>
           </p:cNvSpPr>
@@ -8547,237 +12368,64 @@
             <p:ph idx="1"/>
           </p:nvPr>
         </p:nvSpPr>
-        <p:spPr/>
-        <p:txBody>
-          <a:bodyPr>
-            <a:normAutofit/>
-          </a:bodyPr>
+        <p:spPr>
+          <a:xfrm>
+            <a:off x="838200" y="1837898"/>
+            <a:ext cx="10515600" cy="4351338"/>
+          </a:xfrm>
+        </p:spPr>
+        <p:txBody>
+          <a:bodyPr/>
           <a:lstStyle/>
           <a:p>
-            <a:pPr marL="0" indent="0" algn="l">
+            <a:pPr marL="0" indent="0">
+              <a:lnSpc>
+                <a:spcPct val="100000"/>
+              </a:lnSpc>
               <a:buNone/>
             </a:pPr>
             <a:r>
-              <a:rPr lang="en-US" altLang="zh-CN" b="0" i="0" u="none" strike="noStrike" baseline="0" dirty="0">
-                <a:solidFill>
-                  <a:srgbClr val="0806E2"/>
-                </a:solidFill>
-                <a:latin typeface="TimesNewRomanPSMT"/>
+              <a:rPr lang="zh-CN" altLang="en-US" sz="3200" dirty="0">
+                <a:latin typeface="黑体" panose="02010609060101010101" pitchFamily="49" charset="-122"/>
+                <a:ea typeface="黑体" panose="02010609060101010101" pitchFamily="49" charset="-122"/>
+                <a:cs typeface="黑体" panose="02010609060101010101" pitchFamily="49" charset="-122"/>
+                <a:sym typeface="+mn-ea"/>
               </a:rPr>
-              <a:t>(1) </a:t>
-            </a:r>
-            <a:r>
-              <a:rPr lang="zh-CN" altLang="en-US" b="0" i="0" u="none" strike="noStrike" baseline="0" dirty="0">
-                <a:solidFill>
-                  <a:srgbClr val="0806E2"/>
-                </a:solidFill>
-                <a:latin typeface="楷体" panose="02010609060101010101" pitchFamily="49" charset="-122"/>
-                <a:ea typeface="楷体" panose="02010609060101010101" pitchFamily="49" charset="-122"/>
-              </a:rPr>
-              <a:t>一般突发事件的发生过程可视为二项分布、</a:t>
-            </a:r>
-            <a:r>
-              <a:rPr lang="en-US" altLang="zh-CN" b="0" i="0" u="none" strike="noStrike" baseline="0" dirty="0" err="1">
-                <a:solidFill>
-                  <a:srgbClr val="0806E2"/>
-                </a:solidFill>
-                <a:latin typeface="TimesNewRomanPSMT"/>
-                <a:ea typeface="楷体" panose="02010609060101010101" pitchFamily="49" charset="-122"/>
-              </a:rPr>
-              <a:t>Possion</a:t>
-            </a:r>
-            <a:r>
-              <a:rPr lang="zh-CN" altLang="en-US" b="0" i="0" u="none" strike="noStrike" baseline="0" dirty="0">
-                <a:solidFill>
-                  <a:srgbClr val="0806E2"/>
-                </a:solidFill>
-                <a:latin typeface="楷体" panose="02010609060101010101" pitchFamily="49" charset="-122"/>
-                <a:ea typeface="楷体" panose="02010609060101010101" pitchFamily="49" charset="-122"/>
-              </a:rPr>
-              <a:t>分布，</a:t>
-            </a:r>
-          </a:p>
-          <a:p>
-            <a:pPr marL="0" indent="0" algn="l">
-              <a:buNone/>
-            </a:pPr>
-            <a:r>
-              <a:rPr lang="zh-CN" altLang="en-US" b="0" i="0" u="none" strike="noStrike" baseline="0" dirty="0">
-                <a:solidFill>
-                  <a:srgbClr val="0806E2"/>
-                </a:solidFill>
-                <a:latin typeface="楷体" panose="02010609060101010101" pitchFamily="49" charset="-122"/>
-                <a:ea typeface="楷体" panose="02010609060101010101" pitchFamily="49" charset="-122"/>
-              </a:rPr>
-              <a:t>一般突发事件的影响效果可依据不同的行业用正态分布表述。</a:t>
-            </a:r>
-          </a:p>
-          <a:p>
-            <a:pPr marL="0" indent="0" algn="l">
-              <a:buNone/>
-            </a:pPr>
-            <a:r>
-              <a:rPr lang="en-US" altLang="zh-CN" b="0" i="0" u="none" strike="noStrike" baseline="0" dirty="0">
-                <a:solidFill>
-                  <a:srgbClr val="000000"/>
-                </a:solidFill>
-                <a:latin typeface="TimesNewRomanPSMT"/>
-              </a:rPr>
-              <a:t>(2)</a:t>
-            </a:r>
-            <a:r>
-              <a:rPr lang="zh-CN" altLang="en-US" b="0" i="0" u="none" strike="noStrike" baseline="0" dirty="0">
-                <a:solidFill>
-                  <a:srgbClr val="000000"/>
-                </a:solidFill>
-                <a:latin typeface="楷体" panose="02010609060101010101" pitchFamily="49" charset="-122"/>
-                <a:ea typeface="楷体" panose="02010609060101010101" pitchFamily="49" charset="-122"/>
-              </a:rPr>
-              <a:t>考虑新冠疫情的影响，针对不同</a:t>
-            </a:r>
-            <a:r>
-              <a:rPr lang="en-US" altLang="zh-CN" b="0" i="0" u="none" strike="noStrike" baseline="0" dirty="0">
-                <a:solidFill>
-                  <a:srgbClr val="000000"/>
-                </a:solidFill>
-                <a:latin typeface="楷体" panose="02010609060101010101" pitchFamily="49" charset="-122"/>
-                <a:ea typeface="楷体" panose="02010609060101010101" pitchFamily="49" charset="-122"/>
-              </a:rPr>
-              <a:t>(</a:t>
-            </a:r>
-            <a:r>
-              <a:rPr lang="zh-CN" altLang="en-US" b="0" i="0" u="none" strike="noStrike" baseline="0" dirty="0">
-                <a:solidFill>
-                  <a:srgbClr val="000000"/>
-                </a:solidFill>
-                <a:latin typeface="楷体" panose="02010609060101010101" pitchFamily="49" charset="-122"/>
-                <a:ea typeface="楷体" panose="02010609060101010101" pitchFamily="49" charset="-122"/>
-              </a:rPr>
-              <a:t>有代表性</a:t>
-            </a:r>
-            <a:r>
-              <a:rPr lang="en-US" altLang="zh-CN" b="0" i="0" u="none" strike="noStrike" baseline="0" dirty="0">
-                <a:solidFill>
-                  <a:srgbClr val="000000"/>
-                </a:solidFill>
-                <a:latin typeface="楷体" panose="02010609060101010101" pitchFamily="49" charset="-122"/>
-                <a:ea typeface="楷体" panose="02010609060101010101" pitchFamily="49" charset="-122"/>
-              </a:rPr>
-              <a:t>)</a:t>
-            </a:r>
-            <a:r>
-              <a:rPr lang="zh-CN" altLang="en-US" b="0" i="0" u="none" strike="noStrike" baseline="0" dirty="0">
-                <a:solidFill>
-                  <a:srgbClr val="000000"/>
-                </a:solidFill>
-                <a:latin typeface="楷体" panose="02010609060101010101" pitchFamily="49" charset="-122"/>
-                <a:ea typeface="楷体" panose="02010609060101010101" pitchFamily="49" charset="-122"/>
-              </a:rPr>
-              <a:t>的行业分析</a:t>
-            </a:r>
-          </a:p>
-          <a:p>
-            <a:pPr marL="0" indent="0" algn="l">
-              <a:buNone/>
-            </a:pPr>
-            <a:r>
-              <a:rPr lang="zh-CN" altLang="en-US" b="0" i="0" u="none" strike="noStrike" baseline="0" dirty="0">
-                <a:solidFill>
-                  <a:srgbClr val="000000"/>
-                </a:solidFill>
-                <a:latin typeface="楷体" panose="02010609060101010101" pitchFamily="49" charset="-122"/>
-                <a:ea typeface="楷体" panose="02010609060101010101" pitchFamily="49" charset="-122"/>
-              </a:rPr>
-              <a:t>正负两方面的影响，考虑对信贷风险和信贷策略的影响效果。</a:t>
-            </a:r>
-          </a:p>
-          <a:p>
-            <a:pPr marL="0" indent="0" algn="l">
-              <a:buNone/>
-            </a:pPr>
-            <a:r>
-              <a:rPr lang="en-US" altLang="zh-CN" b="0" i="0" u="none" strike="noStrike" baseline="0" dirty="0">
-                <a:solidFill>
-                  <a:srgbClr val="0806E2"/>
-                </a:solidFill>
-                <a:latin typeface="TimesNewRomanPSMT"/>
-              </a:rPr>
-              <a:t>(3)</a:t>
-            </a:r>
-            <a:r>
-              <a:rPr lang="zh-CN" altLang="en-US" b="0" i="0" u="none" strike="noStrike" baseline="0" dirty="0">
-                <a:solidFill>
-                  <a:srgbClr val="0806E2"/>
-                </a:solidFill>
-                <a:latin typeface="楷体" panose="02010609060101010101" pitchFamily="49" charset="-122"/>
-                <a:ea typeface="楷体" panose="02010609060101010101" pitchFamily="49" charset="-122"/>
-              </a:rPr>
-              <a:t>突发事件所产生的影响效果可以取均值代入模型求解，得</a:t>
-            </a:r>
-          </a:p>
-          <a:p>
-            <a:pPr marL="0" indent="0" algn="l">
-              <a:buNone/>
-            </a:pPr>
-            <a:r>
-              <a:rPr lang="zh-CN" altLang="en-US" b="0" i="0" u="none" strike="noStrike" baseline="0" dirty="0">
-                <a:solidFill>
-                  <a:srgbClr val="0806E2"/>
-                </a:solidFill>
-                <a:latin typeface="楷体" panose="02010609060101010101" pitchFamily="49" charset="-122"/>
-                <a:ea typeface="楷体" panose="02010609060101010101" pitchFamily="49" charset="-122"/>
-              </a:rPr>
-              <a:t>到调整后的信贷策略，也可用概率分布代入模型进行随机模型</a:t>
-            </a:r>
-          </a:p>
-          <a:p>
-            <a:pPr marL="0" indent="0" algn="l">
-              <a:buNone/>
-            </a:pPr>
-            <a:r>
-              <a:rPr lang="zh-CN" altLang="en-US" b="0" i="0" u="none" strike="noStrike" baseline="0" dirty="0">
-                <a:solidFill>
-                  <a:srgbClr val="0806E2"/>
-                </a:solidFill>
-                <a:latin typeface="楷体" panose="02010609060101010101" pitchFamily="49" charset="-122"/>
-                <a:ea typeface="楷体" panose="02010609060101010101" pitchFamily="49" charset="-122"/>
-              </a:rPr>
-              <a:t>求解分析。</a:t>
-            </a:r>
-          </a:p>
-          <a:p>
-            <a:pPr marL="0" indent="0" algn="l">
-              <a:buNone/>
-            </a:pPr>
-            <a:r>
-              <a:rPr lang="en-US" altLang="zh-CN" b="0" i="0" u="none" strike="noStrike" baseline="0" dirty="0">
-                <a:solidFill>
-                  <a:srgbClr val="000000"/>
-                </a:solidFill>
-                <a:latin typeface="TimesNewRomanPSMT"/>
-              </a:rPr>
-              <a:t>(4)</a:t>
-            </a:r>
-            <a:r>
-              <a:rPr lang="zh-CN" altLang="en-US" b="0" i="0" u="none" strike="noStrike" baseline="0" dirty="0">
-                <a:solidFill>
-                  <a:srgbClr val="000000"/>
-                </a:solidFill>
-                <a:latin typeface="楷体" panose="02010609060101010101" pitchFamily="49" charset="-122"/>
-                <a:ea typeface="楷体" panose="02010609060101010101" pitchFamily="49" charset="-122"/>
-              </a:rPr>
-              <a:t>从宏观和微观两个层面，或从政策层面上做一定的讨论。</a:t>
-            </a:r>
-            <a:endParaRPr lang="zh-CN" altLang="en-US" sz="4000" dirty="0"/>
-          </a:p>
-        </p:txBody>
-      </p:sp>
+              <a:t>问题二：基于附件二给出的无信贷记录记录和信贷评级的企业数据，求解最佳的无信贷记录的信贷决策模型。由于问题一与问题二极为近似，利用BP神经网络，将问题一的信贷等级作为训练集，然后对于问题二中302家企业进行信誉评级，之后利用问题一的信贷风险评估模型和信贷决策模型进行求解。</a:t>
+            </a:r>
+            <a:endParaRPr lang="zh-CN" altLang="en-US" sz="3200" dirty="0">
+              <a:latin typeface="黑体" panose="02010609060101010101" pitchFamily="49" charset="-122"/>
+              <a:ea typeface="黑体" panose="02010609060101010101" pitchFamily="49" charset="-122"/>
+              <a:cs typeface="黑体" panose="02010609060101010101" pitchFamily="49" charset="-122"/>
+            </a:endParaRPr>
+          </a:p>
+        </p:txBody>
+      </p:sp>
+      <p:pic>
+        <p:nvPicPr>
+          <p:cNvPr id="4" name="图片 3" descr="(Y4(B(}G_`1)3KD`D(YLBYB"/>
+          <p:cNvPicPr>
+            <a:picLocks noChangeAspect="1"/>
+          </p:cNvPicPr>
+          <p:nvPr/>
+        </p:nvPicPr>
+        <p:blipFill>
+          <a:blip r:embed="rId3"/>
+          <a:stretch>
+            <a:fillRect/>
+          </a:stretch>
+        </p:blipFill>
+        <p:spPr>
+          <a:xfrm>
+            <a:off x="3333750" y="5107947"/>
+            <a:ext cx="5524500" cy="685800"/>
+          </a:xfrm>
+          <a:prstGeom prst="rect">
+            <a:avLst/>
+          </a:prstGeom>
+        </p:spPr>
+      </p:pic>
     </p:spTree>
-    <p:extLst>
-      <p:ext uri="{BB962C8B-B14F-4D97-AF65-F5344CB8AC3E}">
-        <p14:creationId xmlns:p14="http://schemas.microsoft.com/office/powerpoint/2010/main" val="3166705606"/>
-      </p:ext>
-    </p:extLst>
   </p:cSld>
   <p:clrMapOvr>
     <a:masterClrMapping/>
@@ -8807,7 +12455,7 @@
           <p:cNvPr id="2" name="标题 1">
             <a:extLst>
               <a:ext uri="{FF2B5EF4-FFF2-40B4-BE49-F238E27FC236}">
-                <a16:creationId xmlns:a16="http://schemas.microsoft.com/office/drawing/2014/main" id="{1F3F46F1-E019-F3B2-11F7-DD893220EEBA}"/>
+                <a16:creationId xmlns:a16="http://schemas.microsoft.com/office/drawing/2014/main" id="{06E5C393-3E25-5EEF-B87C-4396427E6062}"/>
               </a:ext>
             </a:extLst>
           </p:cNvPr>
@@ -8820,39 +12468,14 @@
         </p:nvSpPr>
         <p:spPr/>
         <p:txBody>
-          <a:bodyPr>
-            <a:normAutofit/>
-          </a:bodyPr>
+          <a:bodyPr/>
           <a:lstStyle/>
           <a:p>
             <a:r>
-              <a:rPr lang="zh-CN" altLang="en-US" sz="3600" b="0" i="0" u="none" strike="noStrike" baseline="0" dirty="0">
-                <a:solidFill>
-                  <a:srgbClr val="0806E3"/>
-                </a:solidFill>
-                <a:latin typeface="MicrosoftYaHei"/>
-              </a:rPr>
-              <a:t>五</a:t>
-            </a:r>
-            <a:r>
-              <a:rPr lang="en-US" altLang="zh-CN" sz="3600" b="0" i="0" u="none" strike="noStrike" baseline="0" dirty="0">
-                <a:solidFill>
-                  <a:srgbClr val="0806E3"/>
-                </a:solidFill>
-                <a:latin typeface="MicrosoftYaHei"/>
-              </a:rPr>
-              <a:t>.</a:t>
-            </a:r>
-            <a:r>
-              <a:rPr lang="zh-CN" altLang="en-US" sz="3600" b="0" i="0" u="none" strike="noStrike" baseline="0" dirty="0">
-                <a:solidFill>
-                  <a:srgbClr val="0806E3"/>
-                </a:solidFill>
-                <a:latin typeface="MicrosoftYaHei"/>
-              </a:rPr>
-              <a:t>关于参赛论文的综合评述</a:t>
-            </a:r>
-            <a:endParaRPr lang="zh-CN" altLang="en-US" sz="7200" dirty="0"/>
+              <a:rPr lang="zh-CN" altLang="en-US" b="1" dirty="0"/>
+              <a:t>赛题点评</a:t>
+            </a:r>
+            <a:endParaRPr lang="zh-CN" altLang="en-US" dirty="0"/>
           </a:p>
         </p:txBody>
       </p:sp>
@@ -8861,7 +12484,7 @@
           <p:cNvPr id="3" name="内容占位符 2">
             <a:extLst>
               <a:ext uri="{FF2B5EF4-FFF2-40B4-BE49-F238E27FC236}">
-                <a16:creationId xmlns:a16="http://schemas.microsoft.com/office/drawing/2014/main" id="{92787A41-8CAB-8C9E-F3A5-D369017033B1}"/>
+                <a16:creationId xmlns:a16="http://schemas.microsoft.com/office/drawing/2014/main" id="{94BDBB58-6946-F09E-BD99-1090E45001E1}"/>
               </a:ext>
             </a:extLst>
           </p:cNvPr>
@@ -8879,209 +12502,64 @@
           </a:bodyPr>
           <a:lstStyle/>
           <a:p>
-            <a:pPr marL="0" indent="0" algn="l">
+            <a:pPr marL="0" indent="0">
+              <a:lnSpc>
+                <a:spcPct val="120000"/>
+              </a:lnSpc>
               <a:buNone/>
             </a:pPr>
             <a:r>
-              <a:rPr lang="en-US" altLang="zh-CN" b="0" i="0" u="none" strike="noStrike" baseline="0" dirty="0">
-                <a:solidFill>
-                  <a:srgbClr val="ED320C"/>
-                </a:solidFill>
-                <a:latin typeface="TimesNewRomanPSMT"/>
+              <a:rPr lang="zh-CN" altLang="en-US" dirty="0">
+                <a:latin typeface="黑体" panose="02010609060101010101" pitchFamily="49" charset="-122"/>
+                <a:ea typeface="黑体" panose="02010609060101010101" pitchFamily="49" charset="-122"/>
               </a:rPr>
-              <a:t>1.</a:t>
-            </a:r>
-            <a:r>
-              <a:rPr lang="zh-CN" altLang="en-US" b="0" i="0" u="none" strike="noStrike" baseline="0" dirty="0">
-                <a:solidFill>
-                  <a:srgbClr val="ED320C"/>
-                </a:solidFill>
-                <a:latin typeface="楷体" panose="02010609060101010101" pitchFamily="49" charset="-122"/>
-                <a:ea typeface="楷体" panose="02010609060101010101" pitchFamily="49" charset="-122"/>
+              <a:t>问题三：将各种突发事件归纳为四大类事件，将附件</a:t>
+            </a:r>
+            <a:r>
+              <a:rPr lang="en-US" altLang="zh-CN" dirty="0">
+                <a:latin typeface="黑体" panose="02010609060101010101" pitchFamily="49" charset="-122"/>
+                <a:ea typeface="黑体" panose="02010609060101010101" pitchFamily="49" charset="-122"/>
               </a:rPr>
-              <a:t>总体情况概述</a:t>
-            </a:r>
-          </a:p>
-          <a:p>
-            <a:pPr marL="0" indent="0" algn="l">
+              <a:t>2</a:t>
+            </a:r>
+            <a:r>
+              <a:rPr lang="zh-CN" altLang="en-US" dirty="0">
+                <a:latin typeface="黑体" panose="02010609060101010101" pitchFamily="49" charset="-122"/>
+                <a:ea typeface="黑体" panose="02010609060101010101" pitchFamily="49" charset="-122"/>
+              </a:rPr>
+              <a:t>中的</a:t>
+            </a:r>
+            <a:r>
+              <a:rPr lang="en-US" altLang="zh-CN" dirty="0">
+                <a:latin typeface="黑体" panose="02010609060101010101" pitchFamily="49" charset="-122"/>
+                <a:ea typeface="黑体" panose="02010609060101010101" pitchFamily="49" charset="-122"/>
+              </a:rPr>
+              <a:t>210</a:t>
+            </a:r>
+            <a:r>
+              <a:rPr lang="zh-CN" altLang="en-US" dirty="0">
+                <a:latin typeface="黑体" panose="02010609060101010101" pitchFamily="49" charset="-122"/>
+                <a:ea typeface="黑体" panose="02010609060101010101" pitchFamily="49" charset="-122"/>
+              </a:rPr>
+              <a:t>家企业归纳为五大行业，在此基础上进行分析。从三个方面引入突发事件因子来改进模型，分别是固定突发事件因子，变量突发事件因子，模型突发事件因子。再选取新冠肺炎突发事件作为具体实例，量化第一问提出的改进模型并进行求解，最终获得基于新冠肺炎突发事件下的信贷调整策略。</a:t>
+            </a:r>
+            <a:endParaRPr lang="en-US" altLang="zh-CN" dirty="0">
+              <a:latin typeface="黑体" panose="02010609060101010101" pitchFamily="49" charset="-122"/>
+              <a:ea typeface="黑体" panose="02010609060101010101" pitchFamily="49" charset="-122"/>
+            </a:endParaRPr>
+          </a:p>
+          <a:p>
+            <a:pPr marL="0" indent="0">
               <a:buNone/>
             </a:pPr>
-            <a:r>
-              <a:rPr lang="en-US" altLang="zh-CN" b="0" i="0" u="none" strike="noStrike" baseline="0" dirty="0">
-                <a:solidFill>
-                  <a:srgbClr val="0806E3"/>
-                </a:solidFill>
-                <a:latin typeface="TimesNewRomanPSMT"/>
-              </a:rPr>
-              <a:t>(1)</a:t>
-            </a:r>
-            <a:r>
-              <a:rPr lang="zh-CN" altLang="en-US" b="0" i="0" u="none" strike="noStrike" baseline="0" dirty="0">
-                <a:solidFill>
-                  <a:srgbClr val="0806E3"/>
-                </a:solidFill>
-                <a:latin typeface="楷体" panose="02010609060101010101" pitchFamily="49" charset="-122"/>
-                <a:ea typeface="楷体" panose="02010609060101010101" pitchFamily="49" charset="-122"/>
-              </a:rPr>
-              <a:t>实际的问题，实际的数据；易读易懂、看似容易，但要</a:t>
-            </a:r>
-          </a:p>
-          <a:p>
-            <a:pPr marL="0" indent="0" algn="l">
-              <a:buNone/>
-            </a:pPr>
-            <a:r>
-              <a:rPr lang="zh-CN" altLang="en-US" b="0" i="0" u="none" strike="noStrike" baseline="0" dirty="0">
-                <a:solidFill>
-                  <a:srgbClr val="0806E3"/>
-                </a:solidFill>
-                <a:latin typeface="楷体" panose="02010609060101010101" pitchFamily="49" charset="-122"/>
-                <a:ea typeface="楷体" panose="02010609060101010101" pitchFamily="49" charset="-122"/>
-              </a:rPr>
-              <a:t>真实地解决问题很难；开放性很强，也很有挑战性。虽然选</a:t>
-            </a:r>
-            <a:r>
-              <a:rPr lang="en-US" altLang="zh-CN" b="0" i="0" u="none" strike="noStrike" baseline="0" dirty="0">
-                <a:solidFill>
-                  <a:srgbClr val="0806E3"/>
-                </a:solidFill>
-                <a:latin typeface="TimesNewRomanPSMT"/>
-                <a:ea typeface="楷体" panose="02010609060101010101" pitchFamily="49" charset="-122"/>
-              </a:rPr>
-              <a:t>C</a:t>
-            </a:r>
-          </a:p>
-          <a:p>
-            <a:pPr marL="0" indent="0" algn="l">
-              <a:buNone/>
-            </a:pPr>
-            <a:r>
-              <a:rPr lang="zh-CN" altLang="en-US" b="0" i="0" u="none" strike="noStrike" baseline="0" dirty="0">
-                <a:solidFill>
-                  <a:srgbClr val="0806E3"/>
-                </a:solidFill>
-                <a:latin typeface="楷体" panose="02010609060101010101" pitchFamily="49" charset="-122"/>
-                <a:ea typeface="楷体" panose="02010609060101010101" pitchFamily="49" charset="-122"/>
-              </a:rPr>
-              <a:t>题的很多，但针对问题深入研究的不多，完成质量高的更少。</a:t>
-            </a:r>
-          </a:p>
-          <a:p>
-            <a:pPr marL="0" indent="0" algn="l">
-              <a:buNone/>
-            </a:pPr>
-            <a:r>
-              <a:rPr lang="zh-CN" altLang="en-US" b="0" i="0" u="none" strike="noStrike" baseline="0" dirty="0">
-                <a:solidFill>
-                  <a:srgbClr val="0806E3"/>
-                </a:solidFill>
-                <a:latin typeface="楷体" panose="02010609060101010101" pitchFamily="49" charset="-122"/>
-                <a:ea typeface="楷体" panose="02010609060101010101" pitchFamily="49" charset="-122"/>
-              </a:rPr>
-              <a:t>获全国一、二等奖的比例远低于</a:t>
-            </a:r>
-            <a:r>
-              <a:rPr lang="en-US" altLang="zh-CN" b="0" i="0" u="none" strike="noStrike" baseline="0" dirty="0">
-                <a:solidFill>
-                  <a:srgbClr val="0806E3"/>
-                </a:solidFill>
-                <a:latin typeface="TimesNewRomanPSMT"/>
-                <a:ea typeface="楷体" panose="02010609060101010101" pitchFamily="49" charset="-122"/>
-              </a:rPr>
-              <a:t>A</a:t>
-            </a:r>
-            <a:r>
-              <a:rPr lang="zh-CN" altLang="en-US" b="0" i="0" u="none" strike="noStrike" baseline="0" dirty="0">
-                <a:solidFill>
-                  <a:srgbClr val="0806E3"/>
-                </a:solidFill>
-                <a:latin typeface="楷体" panose="02010609060101010101" pitchFamily="49" charset="-122"/>
-                <a:ea typeface="楷体" panose="02010609060101010101" pitchFamily="49" charset="-122"/>
-              </a:rPr>
-              <a:t>、</a:t>
-            </a:r>
-            <a:r>
-              <a:rPr lang="en-US" altLang="zh-CN" b="0" i="0" u="none" strike="noStrike" baseline="0" dirty="0">
-                <a:solidFill>
-                  <a:srgbClr val="0806E3"/>
-                </a:solidFill>
-                <a:latin typeface="TimesNewRomanPSMT"/>
-                <a:ea typeface="楷体" panose="02010609060101010101" pitchFamily="49" charset="-122"/>
-              </a:rPr>
-              <a:t>B</a:t>
-            </a:r>
-            <a:r>
-              <a:rPr lang="zh-CN" altLang="en-US" b="0" i="0" u="none" strike="noStrike" baseline="0" dirty="0">
-                <a:solidFill>
-                  <a:srgbClr val="0806E3"/>
-                </a:solidFill>
-                <a:latin typeface="楷体" panose="02010609060101010101" pitchFamily="49" charset="-122"/>
-                <a:ea typeface="楷体" panose="02010609060101010101" pitchFamily="49" charset="-122"/>
-              </a:rPr>
-              <a:t>题的获奖率。</a:t>
-            </a:r>
-          </a:p>
-          <a:p>
-            <a:pPr marL="0" indent="0" algn="l">
-              <a:buNone/>
-            </a:pPr>
-            <a:r>
-              <a:rPr lang="en-US" altLang="zh-CN" b="0" i="0" u="none" strike="noStrike" baseline="0" dirty="0">
-                <a:solidFill>
-                  <a:srgbClr val="000000"/>
-                </a:solidFill>
-                <a:latin typeface="TimesNewRomanPSMT"/>
-              </a:rPr>
-              <a:t>(2)</a:t>
-            </a:r>
-            <a:r>
-              <a:rPr lang="zh-CN" altLang="en-US" b="0" i="0" u="none" strike="noStrike" baseline="0" dirty="0">
-                <a:solidFill>
-                  <a:srgbClr val="000000"/>
-                </a:solidFill>
-                <a:latin typeface="楷体" panose="02010609060101010101" pitchFamily="49" charset="-122"/>
-                <a:ea typeface="楷体" panose="02010609060101010101" pitchFamily="49" charset="-122"/>
-              </a:rPr>
-              <a:t>大多数的参赛队对问题的理解是正确的，能够抓住问题</a:t>
-            </a:r>
-          </a:p>
-          <a:p>
-            <a:pPr marL="0" indent="0" algn="l">
-              <a:buNone/>
-            </a:pPr>
-            <a:r>
-              <a:rPr lang="zh-CN" altLang="en-US" b="0" i="0" u="none" strike="noStrike" baseline="0" dirty="0">
-                <a:solidFill>
-                  <a:srgbClr val="000000"/>
-                </a:solidFill>
-                <a:latin typeface="楷体" panose="02010609060101010101" pitchFamily="49" charset="-122"/>
-                <a:ea typeface="楷体" panose="02010609060101010101" pitchFamily="49" charset="-122"/>
-              </a:rPr>
-              <a:t>的核心和实际要求，正确地处理和利用实际数据，并做了相应</a:t>
-            </a:r>
-          </a:p>
-          <a:p>
-            <a:pPr marL="0" indent="0" algn="l">
-              <a:buNone/>
-            </a:pPr>
-            <a:r>
-              <a:rPr lang="zh-CN" altLang="en-US" b="0" i="0" u="none" strike="noStrike" baseline="0" dirty="0">
-                <a:solidFill>
-                  <a:srgbClr val="000000"/>
-                </a:solidFill>
-                <a:latin typeface="楷体" panose="02010609060101010101" pitchFamily="49" charset="-122"/>
-                <a:ea typeface="楷体" panose="02010609060101010101" pitchFamily="49" charset="-122"/>
-              </a:rPr>
-              <a:t>的机理分析，建立了信贷风险量化模型和信贷决策的优化模型。</a:t>
-            </a:r>
-            <a:endParaRPr lang="zh-CN" altLang="en-US" sz="4000" dirty="0"/>
+            <a:endParaRPr lang="zh-CN" altLang="en-US" dirty="0"/>
           </a:p>
         </p:txBody>
       </p:sp>
     </p:spTree>
     <p:extLst>
       <p:ext uri="{BB962C8B-B14F-4D97-AF65-F5344CB8AC3E}">
-        <p14:creationId xmlns:p14="http://schemas.microsoft.com/office/powerpoint/2010/main" val="1742696996"/>
+        <p14:creationId xmlns:p14="http://schemas.microsoft.com/office/powerpoint/2010/main" val="916857083"/>
       </p:ext>
     </p:extLst>
   </p:cSld>
@@ -9110,10 +12588,40 @@
       </p:grpSpPr>
       <p:sp>
         <p:nvSpPr>
+          <p:cNvPr id="2" name="标题 1">
+            <a:extLst>
+              <a:ext uri="{FF2B5EF4-FFF2-40B4-BE49-F238E27FC236}">
+                <a16:creationId xmlns:a16="http://schemas.microsoft.com/office/drawing/2014/main" id="{1F3F46F1-E019-F3B2-11F7-DD893220EEBA}"/>
+              </a:ext>
+            </a:extLst>
+          </p:cNvPr>
+          <p:cNvSpPr>
+            <a:spLocks noGrp="1"/>
+          </p:cNvSpPr>
+          <p:nvPr>
+            <p:ph type="title"/>
+          </p:nvPr>
+        </p:nvSpPr>
+        <p:spPr/>
+        <p:txBody>
+          <a:bodyPr>
+            <a:normAutofit/>
+          </a:bodyPr>
+          <a:lstStyle/>
+          <a:p>
+            <a:r>
+              <a:rPr lang="zh-CN" altLang="en-US" b="1" dirty="0"/>
+              <a:t>评委关于参赛论文的综合评述</a:t>
+            </a:r>
+          </a:p>
+        </p:txBody>
+      </p:sp>
+      <p:sp>
+        <p:nvSpPr>
           <p:cNvPr id="3" name="内容占位符 2">
             <a:extLst>
               <a:ext uri="{FF2B5EF4-FFF2-40B4-BE49-F238E27FC236}">
-                <a16:creationId xmlns:a16="http://schemas.microsoft.com/office/drawing/2014/main" id="{53A56D8B-ED79-EBBC-4E30-7C2C2A23EA18}"/>
+                <a16:creationId xmlns:a16="http://schemas.microsoft.com/office/drawing/2014/main" id="{92787A41-8CAB-8C9E-F3A5-D369017033B1}"/>
               </a:ext>
             </a:extLst>
           </p:cNvPr>
@@ -9131,66 +12639,150 @@
           </a:bodyPr>
           <a:lstStyle/>
           <a:p>
-            <a:pPr marL="0" indent="0">
+            <a:pPr marL="0" indent="0" algn="l">
               <a:buNone/>
             </a:pPr>
             <a:r>
               <a:rPr lang="en-US" altLang="zh-CN" b="0" i="0" u="none" strike="noStrike" baseline="0" dirty="0">
                 <a:solidFill>
-                  <a:srgbClr val="0806E2"/>
+                  <a:srgbClr val="ED320C"/>
                 </a:solidFill>
-                <a:latin typeface="ArialMT"/>
+                <a:latin typeface="TimesNewRomanPSMT"/>
               </a:rPr>
-              <a:t>•</a:t>
+              <a:t>1.</a:t>
             </a:r>
             <a:r>
               <a:rPr lang="zh-CN" altLang="en-US" b="0" i="0" u="none" strike="noStrike" baseline="0" dirty="0">
                 <a:solidFill>
-                  <a:srgbClr val="0806E2"/>
+                  <a:srgbClr val="ED320C"/>
                 </a:solidFill>
                 <a:latin typeface="楷体" panose="02010609060101010101" pitchFamily="49" charset="-122"/>
                 <a:ea typeface="楷体" panose="02010609060101010101" pitchFamily="49" charset="-122"/>
               </a:rPr>
-              <a:t>能够准确地抓住了问题的核心，真正从问题出发深入地分析问</a:t>
-            </a:r>
-          </a:p>
-          <a:p>
-            <a:pPr marL="0" indent="0">
+              <a:t>总体情况概述</a:t>
+            </a:r>
+          </a:p>
+          <a:p>
+            <a:pPr marL="0" indent="0" algn="l">
               <a:buNone/>
             </a:pPr>
             <a:r>
+              <a:rPr lang="en-US" altLang="zh-CN" b="0" i="0" u="none" strike="noStrike" baseline="0" dirty="0">
+                <a:solidFill>
+                  <a:srgbClr val="0806E3"/>
+                </a:solidFill>
+                <a:latin typeface="TimesNewRomanPSMT"/>
+              </a:rPr>
+              <a:t>(1)</a:t>
+            </a:r>
+            <a:r>
               <a:rPr lang="zh-CN" altLang="en-US" b="0" i="0" u="none" strike="noStrike" baseline="0" dirty="0">
                 <a:solidFill>
-                  <a:srgbClr val="0806E2"/>
+                  <a:srgbClr val="0806E3"/>
                 </a:solidFill>
                 <a:latin typeface="楷体" panose="02010609060101010101" pitchFamily="49" charset="-122"/>
                 <a:ea typeface="楷体" panose="02010609060101010101" pitchFamily="49" charset="-122"/>
               </a:rPr>
-              <a:t>题、自主地研究问题、很好地解决了问题。</a:t>
-            </a:r>
-            <a:r>
-              <a:rPr lang="en-US" altLang="zh-CN" b="0" i="0" u="none" strike="noStrike" baseline="0" dirty="0">
+              <a:t>实际的问题，实际的数据；易读易懂、看似容易，但要</a:t>
+            </a:r>
+          </a:p>
+          <a:p>
+            <a:pPr marL="0" indent="0" algn="l">
+              <a:buNone/>
+            </a:pPr>
+            <a:r>
+              <a:rPr lang="zh-CN" altLang="en-US" b="0" i="0" u="none" strike="noStrike" baseline="0" dirty="0">
                 <a:solidFill>
-                  <a:srgbClr val="E4080E"/>
+                  <a:srgbClr val="0806E3"/>
                 </a:solidFill>
                 <a:latin typeface="楷体" panose="02010609060101010101" pitchFamily="49" charset="-122"/>
                 <a:ea typeface="楷体" panose="02010609060101010101" pitchFamily="49" charset="-122"/>
               </a:rPr>
-              <a:t>-</a:t>
-            </a:r>
+              <a:t>真实地解决问题很难；开放性很强，也很有挑战性。虽然选</a:t>
+            </a:r>
+            <a:r>
+              <a:rPr lang="en-US" altLang="zh-CN" b="0" i="0" u="none" strike="noStrike" baseline="0" dirty="0">
+                <a:solidFill>
+                  <a:srgbClr val="0806E3"/>
+                </a:solidFill>
+                <a:latin typeface="TimesNewRomanPSMT"/>
+                <a:ea typeface="楷体" panose="02010609060101010101" pitchFamily="49" charset="-122"/>
+              </a:rPr>
+              <a:t>C</a:t>
+            </a:r>
+          </a:p>
+          <a:p>
+            <a:pPr marL="0" indent="0" algn="l">
+              <a:buNone/>
+            </a:pPr>
             <a:r>
               <a:rPr lang="zh-CN" altLang="en-US" b="0" i="0" u="none" strike="noStrike" baseline="0" dirty="0">
                 <a:solidFill>
-                  <a:srgbClr val="E4080E"/>
+                  <a:srgbClr val="0806E3"/>
                 </a:solidFill>
                 <a:latin typeface="楷体" panose="02010609060101010101" pitchFamily="49" charset="-122"/>
                 <a:ea typeface="楷体" panose="02010609060101010101" pitchFamily="49" charset="-122"/>
               </a:rPr>
-              <a:t>真正在研究问题！</a:t>
-            </a:r>
-          </a:p>
-          <a:p>
-            <a:pPr marL="0" indent="0">
+              <a:t>题的很多，但针对问题深入研究的不多，完成质量高的更少。</a:t>
+            </a:r>
+          </a:p>
+          <a:p>
+            <a:pPr marL="0" indent="0" algn="l">
+              <a:buNone/>
+            </a:pPr>
+            <a:r>
+              <a:rPr lang="zh-CN" altLang="en-US" b="0" i="0" u="none" strike="noStrike" baseline="0" dirty="0">
+                <a:solidFill>
+                  <a:srgbClr val="0806E3"/>
+                </a:solidFill>
+                <a:latin typeface="楷体" panose="02010609060101010101" pitchFamily="49" charset="-122"/>
+                <a:ea typeface="楷体" panose="02010609060101010101" pitchFamily="49" charset="-122"/>
+              </a:rPr>
+              <a:t>获全国一、二等奖的比例远低于</a:t>
+            </a:r>
+            <a:r>
+              <a:rPr lang="en-US" altLang="zh-CN" b="0" i="0" u="none" strike="noStrike" baseline="0" dirty="0">
+                <a:solidFill>
+                  <a:srgbClr val="0806E3"/>
+                </a:solidFill>
+                <a:latin typeface="TimesNewRomanPSMT"/>
+                <a:ea typeface="楷体" panose="02010609060101010101" pitchFamily="49" charset="-122"/>
+              </a:rPr>
+              <a:t>A</a:t>
+            </a:r>
+            <a:r>
+              <a:rPr lang="zh-CN" altLang="en-US" b="0" i="0" u="none" strike="noStrike" baseline="0" dirty="0">
+                <a:solidFill>
+                  <a:srgbClr val="0806E3"/>
+                </a:solidFill>
+                <a:latin typeface="楷体" panose="02010609060101010101" pitchFamily="49" charset="-122"/>
+                <a:ea typeface="楷体" panose="02010609060101010101" pitchFamily="49" charset="-122"/>
+              </a:rPr>
+              <a:t>、</a:t>
+            </a:r>
+            <a:r>
+              <a:rPr lang="en-US" altLang="zh-CN" b="0" i="0" u="none" strike="noStrike" baseline="0" dirty="0">
+                <a:solidFill>
+                  <a:srgbClr val="0806E3"/>
+                </a:solidFill>
+                <a:latin typeface="TimesNewRomanPSMT"/>
+                <a:ea typeface="楷体" panose="02010609060101010101" pitchFamily="49" charset="-122"/>
+              </a:rPr>
+              <a:t>B</a:t>
+            </a:r>
+            <a:r>
+              <a:rPr lang="zh-CN" altLang="en-US" b="0" i="0" u="none" strike="noStrike" baseline="0" dirty="0">
+                <a:solidFill>
+                  <a:srgbClr val="0806E3"/>
+                </a:solidFill>
+                <a:latin typeface="楷体" panose="02010609060101010101" pitchFamily="49" charset="-122"/>
+                <a:ea typeface="楷体" panose="02010609060101010101" pitchFamily="49" charset="-122"/>
+              </a:rPr>
+              <a:t>题的获奖率。</a:t>
+            </a:r>
+          </a:p>
+          <a:p>
+            <a:pPr marL="0" indent="0" algn="l">
               <a:buNone/>
             </a:pPr>
             <a:r>
@@ -9198,9 +12790,9 @@
                 <a:solidFill>
                   <a:srgbClr val="000000"/>
                 </a:solidFill>
-                <a:latin typeface="ArialMT"/>
+                <a:latin typeface="TimesNewRomanPSMT"/>
               </a:rPr>
-              <a:t>•</a:t>
+              <a:t>(2)</a:t>
             </a:r>
             <a:r>
               <a:rPr lang="zh-CN" altLang="en-US" b="0" i="0" u="none" strike="noStrike" baseline="0" dirty="0">
@@ -9210,18 +12802,13 @@
                 <a:latin typeface="楷体" panose="02010609060101010101" pitchFamily="49" charset="-122"/>
                 <a:ea typeface="楷体" panose="02010609060101010101" pitchFamily="49" charset="-122"/>
               </a:rPr>
-              <a:t>根据附件</a:t>
-            </a:r>
-            <a:r>
-              <a:rPr lang="en-US" altLang="zh-CN" b="0" i="0" u="none" strike="noStrike" baseline="0" dirty="0">
-                <a:solidFill>
-                  <a:srgbClr val="000000"/>
-                </a:solidFill>
-                <a:latin typeface="TimesNewRomanPSMT"/>
-                <a:ea typeface="楷体" panose="02010609060101010101" pitchFamily="49" charset="-122"/>
-              </a:rPr>
-              <a:t>1</a:t>
-            </a:r>
+              <a:t>大多数的参赛队对问题的理解是正确的，能够抓住问题</a:t>
+            </a:r>
+          </a:p>
+          <a:p>
+            <a:pPr marL="0" indent="0" algn="l">
+              <a:buNone/>
+            </a:pPr>
             <a:r>
               <a:rPr lang="zh-CN" altLang="en-US" b="0" i="0" u="none" strike="noStrike" baseline="0" dirty="0">
                 <a:solidFill>
@@ -9230,11 +12817,11 @@
                 <a:latin typeface="楷体" panose="02010609060101010101" pitchFamily="49" charset="-122"/>
                 <a:ea typeface="楷体" panose="02010609060101010101" pitchFamily="49" charset="-122"/>
               </a:rPr>
-              <a:t>的数据，分析提炼出了反映企业综合实力和信誉的指</a:t>
-            </a:r>
-          </a:p>
-          <a:p>
-            <a:pPr marL="0" indent="0">
+              <a:t>的核心和实际要求，正确地处理和利用实际数据，并做了相应</a:t>
+            </a:r>
+          </a:p>
+          <a:p>
+            <a:pPr marL="0" indent="0" algn="l">
               <a:buNone/>
             </a:pPr>
             <a:r>
@@ -9245,133 +12832,16 @@
                 <a:latin typeface="楷体" panose="02010609060101010101" pitchFamily="49" charset="-122"/>
                 <a:ea typeface="楷体" panose="02010609060101010101" pitchFamily="49" charset="-122"/>
               </a:rPr>
-              <a:t>标，利用机器学习方法得出了各企业的</a:t>
-            </a:r>
-            <a:r>
-              <a:rPr lang="zh-CN" altLang="en-US" b="0" i="0" u="none" strike="noStrike" baseline="0" dirty="0">
-                <a:solidFill>
-                  <a:srgbClr val="530607"/>
-                </a:solidFill>
-                <a:latin typeface="楷体" panose="02010609060101010101" pitchFamily="49" charset="-122"/>
-                <a:ea typeface="楷体" panose="02010609060101010101" pitchFamily="49" charset="-122"/>
-              </a:rPr>
-              <a:t>信贷违</a:t>
-            </a:r>
-            <a:r>
-              <a:rPr lang="zh-CN" altLang="en-US" b="0" i="0" u="none" strike="noStrike" baseline="0" dirty="0">
-                <a:solidFill>
-                  <a:srgbClr val="E4080E"/>
-                </a:solidFill>
-                <a:latin typeface="楷体" panose="02010609060101010101" pitchFamily="49" charset="-122"/>
-                <a:ea typeface="楷体" panose="02010609060101010101" pitchFamily="49" charset="-122"/>
-              </a:rPr>
-              <a:t>约概率</a:t>
-            </a:r>
-            <a:r>
-              <a:rPr lang="zh-CN" altLang="en-US" b="0" i="0" u="none" strike="noStrike" baseline="0" dirty="0">
-                <a:solidFill>
-                  <a:srgbClr val="000000"/>
-                </a:solidFill>
-                <a:latin typeface="楷体" panose="02010609060101010101" pitchFamily="49" charset="-122"/>
-                <a:ea typeface="楷体" panose="02010609060101010101" pitchFamily="49" charset="-122"/>
-              </a:rPr>
-              <a:t>一信贷风险。</a:t>
-            </a:r>
-          </a:p>
-          <a:p>
-            <a:pPr marL="0" indent="0">
-              <a:buNone/>
-            </a:pPr>
-            <a:r>
-              <a:rPr lang="en-US" altLang="zh-CN" b="0" i="0" u="none" strike="noStrike" baseline="0" dirty="0">
-                <a:solidFill>
-                  <a:srgbClr val="0806E2"/>
-                </a:solidFill>
-                <a:latin typeface="ArialMT"/>
-              </a:rPr>
-              <a:t>•</a:t>
-            </a:r>
-            <a:r>
-              <a:rPr lang="zh-CN" altLang="en-US" b="0" i="0" u="none" strike="noStrike" baseline="0" dirty="0">
-                <a:solidFill>
-                  <a:srgbClr val="0806E2"/>
-                </a:solidFill>
-                <a:latin typeface="楷体" panose="02010609060101010101" pitchFamily="49" charset="-122"/>
-                <a:ea typeface="楷体" panose="02010609060101010101" pitchFamily="49" charset="-122"/>
-              </a:rPr>
-              <a:t>依据实际，综合考虑银行放贷总额和总收益、企业贷款利率、</a:t>
-            </a:r>
-          </a:p>
-          <a:p>
-            <a:pPr marL="0" indent="0">
-              <a:buNone/>
-            </a:pPr>
-            <a:r>
-              <a:rPr lang="zh-CN" altLang="en-US" b="0" i="0" u="none" strike="noStrike" baseline="0" dirty="0">
-                <a:solidFill>
-                  <a:srgbClr val="0806E2"/>
-                </a:solidFill>
-                <a:latin typeface="楷体" panose="02010609060101010101" pitchFamily="49" charset="-122"/>
-                <a:ea typeface="楷体" panose="02010609060101010101" pitchFamily="49" charset="-122"/>
-              </a:rPr>
-              <a:t>额度、违约概率和利率与流失率的关系等，建立了以银行总期望</a:t>
-            </a:r>
-          </a:p>
-          <a:p>
-            <a:pPr marL="0" indent="0">
-              <a:buNone/>
-            </a:pPr>
-            <a:r>
-              <a:rPr lang="zh-CN" altLang="en-US" b="0" i="0" u="none" strike="noStrike" baseline="0" dirty="0">
-                <a:solidFill>
-                  <a:srgbClr val="0806E2"/>
-                </a:solidFill>
-                <a:latin typeface="楷体" panose="02010609060101010101" pitchFamily="49" charset="-122"/>
-                <a:ea typeface="楷体" panose="02010609060101010101" pitchFamily="49" charset="-122"/>
-              </a:rPr>
-              <a:t>收益最大化的优化决策模型，求解给出了合理的信贷策略。</a:t>
+              <a:t>的机理分析，建立了信贷风险量化模型和信贷决策的优化模型。</a:t>
             </a:r>
             <a:endParaRPr lang="zh-CN" altLang="en-US" sz="4000" dirty="0"/>
-          </a:p>
-        </p:txBody>
-      </p:sp>
-      <p:sp>
-        <p:nvSpPr>
-          <p:cNvPr id="7" name="标题 1">
-            <a:extLst>
-              <a:ext uri="{FF2B5EF4-FFF2-40B4-BE49-F238E27FC236}">
-                <a16:creationId xmlns:a16="http://schemas.microsoft.com/office/drawing/2014/main" id="{2D42B351-BFBC-F9E1-16C7-71C917FD834B}"/>
-              </a:ext>
-            </a:extLst>
-          </p:cNvPr>
-          <p:cNvSpPr>
-            <a:spLocks noGrp="1"/>
-          </p:cNvSpPr>
-          <p:nvPr>
-            <p:ph type="title"/>
-          </p:nvPr>
-        </p:nvSpPr>
-        <p:spPr>
-          <a:xfrm>
-            <a:off x="838200" y="365125"/>
-            <a:ext cx="10515600" cy="1325563"/>
-          </a:xfrm>
-        </p:spPr>
-        <p:txBody>
-          <a:bodyPr/>
-          <a:lstStyle/>
-          <a:p>
-            <a:r>
-              <a:rPr lang="zh-CN" altLang="en-US" dirty="0"/>
-              <a:t>获奖队伍</a:t>
-            </a:r>
           </a:p>
         </p:txBody>
       </p:sp>
     </p:spTree>
     <p:extLst>
       <p:ext uri="{BB962C8B-B14F-4D97-AF65-F5344CB8AC3E}">
-        <p14:creationId xmlns:p14="http://schemas.microsoft.com/office/powerpoint/2010/main" val="1934890083"/>
+        <p14:creationId xmlns:p14="http://schemas.microsoft.com/office/powerpoint/2010/main" val="1742696996"/>
       </p:ext>
     </p:extLst>
   </p:cSld>
@@ -9400,10 +12870,237 @@
       </p:grpSpPr>
       <p:sp>
         <p:nvSpPr>
-          <p:cNvPr id="2" name="标题 1">
-            <a:extLst>
-              <a:ext uri="{FF2B5EF4-FFF2-40B4-BE49-F238E27FC236}">
-                <a16:creationId xmlns:a16="http://schemas.microsoft.com/office/drawing/2014/main" id="{EBB5B9C4-3544-9487-7FF8-E2353AA97F5D}"/>
+          <p:cNvPr id="3" name="内容占位符 2">
+            <a:extLst>
+              <a:ext uri="{FF2B5EF4-FFF2-40B4-BE49-F238E27FC236}">
+                <a16:creationId xmlns:a16="http://schemas.microsoft.com/office/drawing/2014/main" id="{53A56D8B-ED79-EBBC-4E30-7C2C2A23EA18}"/>
+              </a:ext>
+            </a:extLst>
+          </p:cNvPr>
+          <p:cNvSpPr>
+            <a:spLocks noGrp="1"/>
+          </p:cNvSpPr>
+          <p:nvPr>
+            <p:ph idx="1"/>
+          </p:nvPr>
+        </p:nvSpPr>
+        <p:spPr/>
+        <p:txBody>
+          <a:bodyPr>
+            <a:normAutofit/>
+          </a:bodyPr>
+          <a:lstStyle/>
+          <a:p>
+            <a:pPr marL="0" indent="0">
+              <a:buNone/>
+            </a:pPr>
+            <a:r>
+              <a:rPr lang="en-US" altLang="zh-CN" b="0" i="0" u="none" strike="noStrike" baseline="0" dirty="0">
+                <a:solidFill>
+                  <a:srgbClr val="0806E2"/>
+                </a:solidFill>
+                <a:latin typeface="ArialMT"/>
+              </a:rPr>
+              <a:t>•</a:t>
+            </a:r>
+            <a:r>
+              <a:rPr lang="zh-CN" altLang="en-US" b="0" i="0" u="none" strike="noStrike" baseline="0" dirty="0">
+                <a:solidFill>
+                  <a:srgbClr val="0806E2"/>
+                </a:solidFill>
+                <a:latin typeface="楷体" panose="02010609060101010101" pitchFamily="49" charset="-122"/>
+                <a:ea typeface="楷体" panose="02010609060101010101" pitchFamily="49" charset="-122"/>
+              </a:rPr>
+              <a:t>能够准确地抓住了问题的核心，真正从问题出发深入地分析问</a:t>
+            </a:r>
+          </a:p>
+          <a:p>
+            <a:pPr marL="0" indent="0">
+              <a:buNone/>
+            </a:pPr>
+            <a:r>
+              <a:rPr lang="zh-CN" altLang="en-US" b="0" i="0" u="none" strike="noStrike" baseline="0" dirty="0">
+                <a:solidFill>
+                  <a:srgbClr val="0806E2"/>
+                </a:solidFill>
+                <a:latin typeface="楷体" panose="02010609060101010101" pitchFamily="49" charset="-122"/>
+                <a:ea typeface="楷体" panose="02010609060101010101" pitchFamily="49" charset="-122"/>
+              </a:rPr>
+              <a:t>题、自主地研究问题、很好地解决了问题。</a:t>
+            </a:r>
+            <a:r>
+              <a:rPr lang="en-US" altLang="zh-CN" b="0" i="0" u="none" strike="noStrike" baseline="0" dirty="0">
+                <a:solidFill>
+                  <a:srgbClr val="E4080E"/>
+                </a:solidFill>
+                <a:latin typeface="楷体" panose="02010609060101010101" pitchFamily="49" charset="-122"/>
+                <a:ea typeface="楷体" panose="02010609060101010101" pitchFamily="49" charset="-122"/>
+              </a:rPr>
+              <a:t>-</a:t>
+            </a:r>
+            <a:r>
+              <a:rPr lang="zh-CN" altLang="en-US" b="0" i="0" u="none" strike="noStrike" baseline="0" dirty="0">
+                <a:solidFill>
+                  <a:srgbClr val="E4080E"/>
+                </a:solidFill>
+                <a:latin typeface="楷体" panose="02010609060101010101" pitchFamily="49" charset="-122"/>
+                <a:ea typeface="楷体" panose="02010609060101010101" pitchFamily="49" charset="-122"/>
+              </a:rPr>
+              <a:t>真正在研究问题！</a:t>
+            </a:r>
+          </a:p>
+          <a:p>
+            <a:pPr marL="0" indent="0">
+              <a:buNone/>
+            </a:pPr>
+            <a:r>
+              <a:rPr lang="en-US" altLang="zh-CN" b="0" i="0" u="none" strike="noStrike" baseline="0" dirty="0">
+                <a:solidFill>
+                  <a:srgbClr val="000000"/>
+                </a:solidFill>
+                <a:latin typeface="ArialMT"/>
+              </a:rPr>
+              <a:t>•</a:t>
+            </a:r>
+            <a:r>
+              <a:rPr lang="zh-CN" altLang="en-US" b="0" i="0" u="none" strike="noStrike" baseline="0" dirty="0">
+                <a:solidFill>
+                  <a:srgbClr val="000000"/>
+                </a:solidFill>
+                <a:latin typeface="楷体" panose="02010609060101010101" pitchFamily="49" charset="-122"/>
+                <a:ea typeface="楷体" panose="02010609060101010101" pitchFamily="49" charset="-122"/>
+              </a:rPr>
+              <a:t>根据附件</a:t>
+            </a:r>
+            <a:r>
+              <a:rPr lang="en-US" altLang="zh-CN" b="0" i="0" u="none" strike="noStrike" baseline="0" dirty="0">
+                <a:solidFill>
+                  <a:srgbClr val="000000"/>
+                </a:solidFill>
+                <a:latin typeface="TimesNewRomanPSMT"/>
+                <a:ea typeface="楷体" panose="02010609060101010101" pitchFamily="49" charset="-122"/>
+              </a:rPr>
+              <a:t>1</a:t>
+            </a:r>
+            <a:r>
+              <a:rPr lang="zh-CN" altLang="en-US" b="0" i="0" u="none" strike="noStrike" baseline="0" dirty="0">
+                <a:solidFill>
+                  <a:srgbClr val="000000"/>
+                </a:solidFill>
+                <a:latin typeface="楷体" panose="02010609060101010101" pitchFamily="49" charset="-122"/>
+                <a:ea typeface="楷体" panose="02010609060101010101" pitchFamily="49" charset="-122"/>
+              </a:rPr>
+              <a:t>的数据，分析提炼出了反映企业综合实力和信誉的指</a:t>
+            </a:r>
+          </a:p>
+          <a:p>
+            <a:pPr marL="0" indent="0">
+              <a:buNone/>
+            </a:pPr>
+            <a:r>
+              <a:rPr lang="zh-CN" altLang="en-US" b="0" i="0" u="none" strike="noStrike" baseline="0" dirty="0">
+                <a:solidFill>
+                  <a:srgbClr val="000000"/>
+                </a:solidFill>
+                <a:latin typeface="楷体" panose="02010609060101010101" pitchFamily="49" charset="-122"/>
+                <a:ea typeface="楷体" panose="02010609060101010101" pitchFamily="49" charset="-122"/>
+              </a:rPr>
+              <a:t>标，利用机器学习方法得出了各企业的</a:t>
+            </a:r>
+            <a:r>
+              <a:rPr lang="zh-CN" altLang="en-US" b="0" i="0" u="none" strike="noStrike" baseline="0" dirty="0">
+                <a:solidFill>
+                  <a:srgbClr val="530607"/>
+                </a:solidFill>
+                <a:latin typeface="楷体" panose="02010609060101010101" pitchFamily="49" charset="-122"/>
+                <a:ea typeface="楷体" panose="02010609060101010101" pitchFamily="49" charset="-122"/>
+              </a:rPr>
+              <a:t>信贷违</a:t>
+            </a:r>
+            <a:r>
+              <a:rPr lang="zh-CN" altLang="en-US" b="0" i="0" u="none" strike="noStrike" baseline="0" dirty="0">
+                <a:solidFill>
+                  <a:srgbClr val="E4080E"/>
+                </a:solidFill>
+                <a:latin typeface="楷体" panose="02010609060101010101" pitchFamily="49" charset="-122"/>
+                <a:ea typeface="楷体" panose="02010609060101010101" pitchFamily="49" charset="-122"/>
+              </a:rPr>
+              <a:t>约概率</a:t>
+            </a:r>
+            <a:r>
+              <a:rPr lang="zh-CN" altLang="en-US" b="0" i="0" u="none" strike="noStrike" baseline="0" dirty="0">
+                <a:solidFill>
+                  <a:srgbClr val="000000"/>
+                </a:solidFill>
+                <a:latin typeface="楷体" panose="02010609060101010101" pitchFamily="49" charset="-122"/>
+                <a:ea typeface="楷体" panose="02010609060101010101" pitchFamily="49" charset="-122"/>
+              </a:rPr>
+              <a:t>一信贷风险。</a:t>
+            </a:r>
+          </a:p>
+          <a:p>
+            <a:pPr marL="0" indent="0">
+              <a:buNone/>
+            </a:pPr>
+            <a:r>
+              <a:rPr lang="en-US" altLang="zh-CN" b="0" i="0" u="none" strike="noStrike" baseline="0" dirty="0">
+                <a:solidFill>
+                  <a:srgbClr val="0806E2"/>
+                </a:solidFill>
+                <a:latin typeface="ArialMT"/>
+              </a:rPr>
+              <a:t>•</a:t>
+            </a:r>
+            <a:r>
+              <a:rPr lang="zh-CN" altLang="en-US" b="0" i="0" u="none" strike="noStrike" baseline="0" dirty="0">
+                <a:solidFill>
+                  <a:srgbClr val="0806E2"/>
+                </a:solidFill>
+                <a:latin typeface="楷体" panose="02010609060101010101" pitchFamily="49" charset="-122"/>
+                <a:ea typeface="楷体" panose="02010609060101010101" pitchFamily="49" charset="-122"/>
+              </a:rPr>
+              <a:t>依据实际，综合考虑银行放贷总额和总收益、企业贷款利率、</a:t>
+            </a:r>
+          </a:p>
+          <a:p>
+            <a:pPr marL="0" indent="0">
+              <a:buNone/>
+            </a:pPr>
+            <a:r>
+              <a:rPr lang="zh-CN" altLang="en-US" b="0" i="0" u="none" strike="noStrike" baseline="0" dirty="0">
+                <a:solidFill>
+                  <a:srgbClr val="0806E2"/>
+                </a:solidFill>
+                <a:latin typeface="楷体" panose="02010609060101010101" pitchFamily="49" charset="-122"/>
+                <a:ea typeface="楷体" panose="02010609060101010101" pitchFamily="49" charset="-122"/>
+              </a:rPr>
+              <a:t>额度、违约概率和利率与流失率的关系等，建立了以银行总期望</a:t>
+            </a:r>
+          </a:p>
+          <a:p>
+            <a:pPr marL="0" indent="0">
+              <a:buNone/>
+            </a:pPr>
+            <a:r>
+              <a:rPr lang="zh-CN" altLang="en-US" b="0" i="0" u="none" strike="noStrike" baseline="0" dirty="0">
+                <a:solidFill>
+                  <a:srgbClr val="0806E2"/>
+                </a:solidFill>
+                <a:latin typeface="楷体" panose="02010609060101010101" pitchFamily="49" charset="-122"/>
+                <a:ea typeface="楷体" panose="02010609060101010101" pitchFamily="49" charset="-122"/>
+              </a:rPr>
+              <a:t>收益最大化的优化决策模型，求解给出了合理的信贷策略。</a:t>
+            </a:r>
+            <a:endParaRPr lang="zh-CN" altLang="en-US" sz="4000" dirty="0"/>
+          </a:p>
+        </p:txBody>
+      </p:sp>
+      <p:sp>
+        <p:nvSpPr>
+          <p:cNvPr id="7" name="标题 1">
+            <a:extLst>
+              <a:ext uri="{FF2B5EF4-FFF2-40B4-BE49-F238E27FC236}">
+                <a16:creationId xmlns:a16="http://schemas.microsoft.com/office/drawing/2014/main" id="{2D42B351-BFBC-F9E1-16C7-71C917FD834B}"/>
               </a:ext>
             </a:extLst>
           </p:cNvPr>
@@ -9414,165 +13111,27 @@
             <p:ph type="title"/>
           </p:nvPr>
         </p:nvSpPr>
-        <p:spPr/>
+        <p:spPr>
+          <a:xfrm>
+            <a:off x="838200" y="365125"/>
+            <a:ext cx="10515600" cy="1325563"/>
+          </a:xfrm>
+        </p:spPr>
         <p:txBody>
           <a:bodyPr/>
           <a:lstStyle/>
           <a:p>
             <a:r>
-              <a:rPr lang="zh-CN" altLang="en-US" dirty="0"/>
+              <a:rPr lang="zh-CN" altLang="en-US" b="1" dirty="0"/>
               <a:t>获奖队伍</a:t>
             </a:r>
-          </a:p>
-        </p:txBody>
-      </p:sp>
-      <p:sp>
-        <p:nvSpPr>
-          <p:cNvPr id="3" name="内容占位符 2">
-            <a:extLst>
-              <a:ext uri="{FF2B5EF4-FFF2-40B4-BE49-F238E27FC236}">
-                <a16:creationId xmlns:a16="http://schemas.microsoft.com/office/drawing/2014/main" id="{7D931E93-72A5-B32F-4119-4B13258FE36D}"/>
-              </a:ext>
-            </a:extLst>
-          </p:cNvPr>
-          <p:cNvSpPr>
-            <a:spLocks noGrp="1"/>
-          </p:cNvSpPr>
-          <p:nvPr>
-            <p:ph idx="1"/>
-          </p:nvPr>
-        </p:nvSpPr>
-        <p:spPr/>
-        <p:txBody>
-          <a:bodyPr>
-            <a:normAutofit/>
-          </a:bodyPr>
-          <a:lstStyle/>
-          <a:p>
-            <a:pPr marL="0" indent="0" algn="l">
-              <a:buNone/>
-            </a:pPr>
-            <a:r>
-              <a:rPr lang="en-US" altLang="zh-CN" sz="3200" b="0" i="0" u="none" strike="noStrike" baseline="0" dirty="0">
-                <a:solidFill>
-                  <a:srgbClr val="000000"/>
-                </a:solidFill>
-                <a:latin typeface="ArialMT"/>
-              </a:rPr>
-              <a:t>•</a:t>
-            </a:r>
-            <a:r>
-              <a:rPr lang="zh-CN" altLang="en-US" sz="3200" b="0" i="0" u="none" strike="noStrike" baseline="0" dirty="0">
-                <a:solidFill>
-                  <a:srgbClr val="000000"/>
-                </a:solidFill>
-                <a:latin typeface="楷体" panose="02010609060101010101" pitchFamily="49" charset="-122"/>
-                <a:ea typeface="楷体" panose="02010609060101010101" pitchFamily="49" charset="-122"/>
-              </a:rPr>
-              <a:t>从宏观和微观两个层面上研究了突发因素的正负两方面的</a:t>
-            </a:r>
-          </a:p>
-          <a:p>
-            <a:pPr marL="0" indent="0" algn="l">
-              <a:buNone/>
-            </a:pPr>
-            <a:r>
-              <a:rPr lang="zh-CN" altLang="en-US" sz="3200" b="0" i="0" u="none" strike="noStrike" baseline="0" dirty="0">
-                <a:solidFill>
-                  <a:srgbClr val="000000"/>
-                </a:solidFill>
-                <a:latin typeface="楷体" panose="02010609060101010101" pitchFamily="49" charset="-122"/>
-                <a:ea typeface="楷体" panose="02010609060101010101" pitchFamily="49" charset="-122"/>
-              </a:rPr>
-              <a:t>影响，给出了信贷决策的调整模型和策略，并对国家相关</a:t>
-            </a:r>
-          </a:p>
-          <a:p>
-            <a:pPr marL="0" indent="0" algn="l">
-              <a:buNone/>
-            </a:pPr>
-            <a:r>
-              <a:rPr lang="zh-CN" altLang="en-US" sz="3200" b="0" i="0" u="none" strike="noStrike" baseline="0" dirty="0">
-                <a:solidFill>
-                  <a:srgbClr val="000000"/>
-                </a:solidFill>
-                <a:latin typeface="楷体" panose="02010609060101010101" pitchFamily="49" charset="-122"/>
-                <a:ea typeface="楷体" panose="02010609060101010101" pitchFamily="49" charset="-122"/>
-              </a:rPr>
-              <a:t>政策的作用做了讨论。</a:t>
-            </a:r>
-          </a:p>
-          <a:p>
-            <a:pPr marL="0" indent="0" algn="l">
-              <a:buNone/>
-            </a:pPr>
-            <a:r>
-              <a:rPr lang="en-US" altLang="zh-CN" sz="3200" b="0" i="0" u="none" strike="noStrike" baseline="0" dirty="0">
-                <a:solidFill>
-                  <a:srgbClr val="E9340F"/>
-                </a:solidFill>
-                <a:latin typeface="ArialMT"/>
-              </a:rPr>
-              <a:t>•</a:t>
-            </a:r>
-            <a:r>
-              <a:rPr lang="zh-CN" altLang="en-US" sz="3200" b="0" i="0" u="none" strike="noStrike" baseline="0" dirty="0">
-                <a:solidFill>
-                  <a:srgbClr val="E9340F"/>
-                </a:solidFill>
-                <a:latin typeface="楷体" panose="02010609060101010101" pitchFamily="49" charset="-122"/>
-                <a:ea typeface="楷体" panose="02010609060101010101" pitchFamily="49" charset="-122"/>
-              </a:rPr>
-              <a:t>特点</a:t>
-            </a:r>
-            <a:r>
-              <a:rPr lang="zh-CN" altLang="en-US" sz="3200" b="0" i="0" u="none" strike="noStrike" baseline="0" dirty="0">
-                <a:solidFill>
-                  <a:srgbClr val="0906E0"/>
-                </a:solidFill>
-                <a:latin typeface="楷体" panose="02010609060101010101" pitchFamily="49" charset="-122"/>
-                <a:ea typeface="楷体" panose="02010609060101010101" pitchFamily="49" charset="-122"/>
-              </a:rPr>
-              <a:t>：问题的针对性强、数据的处理和应用正确，模型设</a:t>
-            </a:r>
-          </a:p>
-          <a:p>
-            <a:pPr marL="0" indent="0" algn="l">
-              <a:buNone/>
-            </a:pPr>
-            <a:r>
-              <a:rPr lang="zh-CN" altLang="en-US" sz="3200" b="0" i="0" u="none" strike="noStrike" baseline="0" dirty="0">
-                <a:solidFill>
-                  <a:srgbClr val="0906E0"/>
-                </a:solidFill>
-                <a:latin typeface="楷体" panose="02010609060101010101" pitchFamily="49" charset="-122"/>
-                <a:ea typeface="楷体" panose="02010609060101010101" pitchFamily="49" charset="-122"/>
-              </a:rPr>
-              <a:t>计和结论切合实际，考虑问题全面，有创新、有特色，思</a:t>
-            </a:r>
-          </a:p>
-          <a:p>
-            <a:pPr marL="0" indent="0" algn="l">
-              <a:buNone/>
-            </a:pPr>
-            <a:r>
-              <a:rPr lang="zh-CN" altLang="en-US" sz="3200" b="0" i="0" u="none" strike="noStrike" baseline="0" dirty="0">
-                <a:solidFill>
-                  <a:srgbClr val="0906E0"/>
-                </a:solidFill>
-                <a:latin typeface="楷体" panose="02010609060101010101" pitchFamily="49" charset="-122"/>
-                <a:ea typeface="楷体" panose="02010609060101010101" pitchFamily="49" charset="-122"/>
-              </a:rPr>
-              <a:t>路清晰、表述准确、论述严谨，应是一篇优秀的参赛论文。</a:t>
-            </a:r>
-            <a:endParaRPr lang="zh-CN" altLang="en-US" sz="4400" dirty="0"/>
           </a:p>
         </p:txBody>
       </p:sp>
     </p:spTree>
     <p:extLst>
       <p:ext uri="{BB962C8B-B14F-4D97-AF65-F5344CB8AC3E}">
-        <p14:creationId xmlns:p14="http://schemas.microsoft.com/office/powerpoint/2010/main" val="1774590471"/>
+        <p14:creationId xmlns:p14="http://schemas.microsoft.com/office/powerpoint/2010/main" val="1934890083"/>
       </p:ext>
     </p:extLst>
   </p:cSld>
@@ -9621,7 +13180,7 @@
           <a:lstStyle/>
           <a:p>
             <a:r>
-              <a:rPr lang="zh-CN" altLang="en-US" dirty="0"/>
+              <a:rPr lang="zh-CN" altLang="en-US" b="1" dirty="0"/>
               <a:t>存在问题</a:t>
             </a:r>
           </a:p>
@@ -9646,7 +13205,7 @@
         <p:spPr/>
         <p:txBody>
           <a:bodyPr>
-            <a:normAutofit fontScale="77500" lnSpcReduction="20000"/>
+            <a:normAutofit fontScale="92500" lnSpcReduction="20000"/>
           </a:bodyPr>
           <a:lstStyle/>
           <a:p>
@@ -9666,20 +13225,9 @@
             </a:r>
             <a:r>
               <a:rPr lang="zh-CN" altLang="en-US" dirty="0"/>
-              <a:t>有些参赛论文不针对实际问题和数据，没有抓住核心问题，考虑了一些无知的因素，例如企业规模、人员数量、资产情况等因素。</a:t>
-            </a:r>
-            <a:r>
-              <a:rPr lang="en-US" altLang="zh-CN" dirty="0"/>
-              <a:t>--</a:t>
-            </a:r>
-            <a:r>
-              <a:rPr lang="zh-CN" altLang="en-US" dirty="0"/>
-              <a:t>抄文献</a:t>
-            </a:r>
-            <a:r>
-              <a:rPr lang="en-US" altLang="zh-CN" dirty="0"/>
-              <a:t>!</a:t>
-            </a:r>
+              <a:t> 不针对实际问题和数据，没有抓住核心问题，考虑了一些无用的因素，例如企业规模、人员数量、资产情况等因素，一味抄文献。</a:t>
+            </a:r>
+            <a:endParaRPr lang="en-US" altLang="zh-CN" dirty="0"/>
           </a:p>
           <a:p>
             <a:pPr marL="0" indent="0">
@@ -9694,8 +13242,9 @@
             </a:r>
             <a:r>
               <a:rPr lang="zh-CN" altLang="en-US" dirty="0"/>
-              <a:t>该问题是一个典型的风险决策问题，信贷风险的量化是一个重要内容。一些参赛队简单地将问题视为一个综合评价问题，把所有相关因素指标简单地用综合加权综合到一起，综合指标的含义是什么？</a:t>
-            </a:r>
+              <a:t>该问题是一个典型的风险决策问题，信贷风险的量化是一个重要内容。不能简单地将问题视为一个综合评价问题，把所有相关因素指标简单地用综合加权综合到一起</a:t>
+            </a:r>
+            <a:endParaRPr lang="en-US" altLang="zh-CN" dirty="0"/>
           </a:p>
           <a:p>
             <a:pPr marL="0" indent="0">
@@ -9714,7 +13263,7 @@
             </a:r>
             <a:r>
               <a:rPr lang="zh-CN" altLang="en-US" dirty="0"/>
-              <a:t>有些参赛队忽视实际、不思机理、浮于表面，习惯于 “采用什么方法、借用什么文献、套用什么模型和算法”等 所谓的建模“技巧、套路”。</a:t>
+              <a:t> 忽视实际、不思机理、浮于表面，习惯于 “采用什么方法、借用什么文献、套用什么模型和算法”等 所谓的建模“技巧、套路”。</a:t>
             </a:r>
           </a:p>
           <a:p>
@@ -9734,31 +13283,8 @@
             </a:r>
             <a:r>
               <a:rPr lang="zh-CN" altLang="en-US" dirty="0"/>
-              <a:t>很多参赛队没有合理、充分地利用数据信息。有的把 问题视一个纯粹数据分析问题，用多种统计方法，得到了一 些与问题无关的结果。</a:t>
-            </a:r>
-          </a:p>
-          <a:p>
-            <a:pPr marL="0" indent="0">
-              <a:lnSpc>
-                <a:spcPct val="120000"/>
-              </a:lnSpc>
-              <a:buNone/>
-            </a:pPr>
-            <a:r>
-              <a:rPr lang="zh-CN" altLang="en-US" dirty="0"/>
-              <a:t> </a:t>
-            </a:r>
-            <a:r>
-              <a:rPr lang="en-US" altLang="zh-CN" dirty="0"/>
-              <a:t>(5)</a:t>
-            </a:r>
-            <a:r>
-              <a:rPr lang="zh-CN" altLang="en-US" dirty="0"/>
-              <a:t>有些参赛队没有明确给出企业信贷风险的量化模型， 或模型不正确，没有企业信贷风险的数值结果。</a:t>
-            </a:r>
-          </a:p>
-          <a:p>
-            <a:endParaRPr lang="zh-CN" altLang="en-US" dirty="0"/>
+              <a:t> 没有合理、充分地利用数据信息。把问题视一个纯粹数据分析问题，用多种统计方法，得到了一 些与问题无关的结果。</a:t>
+            </a:r>
           </a:p>
         </p:txBody>
       </p:sp>
@@ -10068,4 +13594,299 @@
     </a:ext>
   </a:extLst>
 </a:theme>
+</file>
+
+<file path=ppt/theme/theme2.xml><?xml version="1.0" encoding="utf-8"?>
+<a:theme xmlns:a="http://schemas.openxmlformats.org/drawingml/2006/main" name="Office 主题​​">
+  <a:themeElements>
+    <a:clrScheme name="Office">
+      <a:dk1>
+        <a:sysClr val="windowText" lastClr="000000"/>
+      </a:dk1>
+      <a:lt1>
+        <a:sysClr val="window" lastClr="FFFFFF"/>
+      </a:lt1>
+      <a:dk2>
+        <a:srgbClr val="44546A"/>
+      </a:dk2>
+      <a:lt2>
+        <a:srgbClr val="E7E6E6"/>
+      </a:lt2>
+      <a:accent1>
+        <a:srgbClr val="4472C4"/>
+      </a:accent1>
+      <a:accent2>
+        <a:srgbClr val="ED7D31"/>
+      </a:accent2>
+      <a:accent3>
+        <a:srgbClr val="A5A5A5"/>
+      </a:accent3>
+      <a:accent4>
+        <a:srgbClr val="FFC000"/>
+      </a:accent4>
+      <a:accent5>
+        <a:srgbClr val="5B9BD5"/>
+      </a:accent5>
+      <a:accent6>
+        <a:srgbClr val="70AD47"/>
+      </a:accent6>
+      <a:hlink>
+        <a:srgbClr val="0563C1"/>
+      </a:hlink>
+      <a:folHlink>
+        <a:srgbClr val="954F72"/>
+      </a:folHlink>
+    </a:clrScheme>
+    <a:fontScheme name="Office">
+      <a:majorFont>
+        <a:latin typeface="等线 Light" panose="020F0302020204030204"/>
+        <a:ea typeface=""/>
+        <a:cs typeface=""/>
+        <a:font script="Jpan" typeface="游ゴシック Light"/>
+        <a:font script="Hang" typeface="맑은 고딕"/>
+        <a:font script="Hans" typeface="等线 Light"/>
+        <a:font script="Hant" typeface="新細明體"/>
+        <a:font script="Arab" typeface="Times New Roman"/>
+        <a:font script="Hebr" typeface="Times New Roman"/>
+        <a:font script="Thai" typeface="Angsana New"/>
+        <a:font script="Ethi" typeface="Nyala"/>
+        <a:font script="Beng" typeface="Vrinda"/>
+        <a:font script="Gujr" typeface="Shruti"/>
+        <a:font script="Khmr" typeface="MoolBoran"/>
+        <a:font script="Knda" typeface="Tunga"/>
+        <a:font script="Guru" typeface="Raavi"/>
+        <a:font script="Cans" typeface="Euphemia"/>
+        <a:font script="Cher" typeface="Plantagenet Cherokee"/>
+        <a:font script="Yiii" typeface="Microsoft Yi Baiti"/>
+        <a:font script="Tibt" typeface="Microsoft Himalaya"/>
+        <a:font script="Thaa" typeface="MV Boli"/>
+        <a:font script="Deva" typeface="Mangal"/>
+        <a:font script="Telu" typeface="Gautami"/>
+        <a:font script="Taml" typeface="Latha"/>
+        <a:font script="Syrc" typeface="Estrangelo Edessa"/>
+        <a:font script="Orya" typeface="Kalinga"/>
+        <a:font script="Mlym" typeface="Kartika"/>
+        <a:font script="Laoo" typeface="DokChampa"/>
+        <a:font script="Sinh" typeface="Iskoola Pota"/>
+        <a:font script="Mong" typeface="Mongolian Baiti"/>
+        <a:font script="Viet" typeface="Times New Roman"/>
+        <a:font script="Uigh" typeface="Microsoft Uighur"/>
+        <a:font script="Geor" typeface="Sylfaen"/>
+        <a:font script="Armn" typeface="Arial"/>
+        <a:font script="Bugi" typeface="Leelawadee UI"/>
+        <a:font script="Bopo" typeface="Microsoft JhengHei"/>
+        <a:font script="Java" typeface="Javanese Text"/>
+        <a:font script="Lisu" typeface="Segoe UI"/>
+        <a:font script="Mymr" typeface="Myanmar Text"/>
+        <a:font script="Nkoo" typeface="Ebrima"/>
+        <a:font script="Olck" typeface="Nirmala UI"/>
+        <a:font script="Osma" typeface="Ebrima"/>
+        <a:font script="Phag" typeface="Phagspa"/>
+        <a:font script="Syrn" typeface="Estrangelo Edessa"/>
+        <a:font script="Syrj" typeface="Estrangelo Edessa"/>
+        <a:font script="Syre" typeface="Estrangelo Edessa"/>
+        <a:font script="Sora" typeface="Nirmala UI"/>
+        <a:font script="Tale" typeface="Microsoft Tai Le"/>
+        <a:font script="Talu" typeface="Microsoft New Tai Lue"/>
+        <a:font script="Tfng" typeface="Ebrima"/>
+      </a:majorFont>
+      <a:minorFont>
+        <a:latin typeface="等线" panose="020F0502020204030204"/>
+        <a:ea typeface=""/>
+        <a:cs typeface=""/>
+        <a:font script="Jpan" typeface="游ゴシック"/>
+        <a:font script="Hang" typeface="맑은 고딕"/>
+        <a:font script="Hans" typeface="等线"/>
+        <a:font script="Hant" typeface="新細明體"/>
+        <a:font script="Arab" typeface="Arial"/>
+        <a:font script="Hebr" typeface="Arial"/>
+        <a:font script="Thai" typeface="Cordia New"/>
+        <a:font script="Ethi" typeface="Nyala"/>
+        <a:font script="Beng" typeface="Vrinda"/>
+        <a:font script="Gujr" typeface="Shruti"/>
+        <a:font script="Khmr" typeface="DaunPenh"/>
+        <a:font script="Knda" typeface="Tunga"/>
+        <a:font script="Guru" typeface="Raavi"/>
+        <a:font script="Cans" typeface="Euphemia"/>
+        <a:font script="Cher" typeface="Plantagenet Cherokee"/>
+        <a:font script="Yiii" typeface="Microsoft Yi Baiti"/>
+        <a:font script="Tibt" typeface="Microsoft Himalaya"/>
+        <a:font script="Thaa" typeface="MV Boli"/>
+        <a:font script="Deva" typeface="Mangal"/>
+        <a:font script="Telu" typeface="Gautami"/>
+        <a:font script="Taml" typeface="Latha"/>
+        <a:font script="Syrc" typeface="Estrangelo Edessa"/>
+        <a:font script="Orya" typeface="Kalinga"/>
+        <a:font script="Mlym" typeface="Kartika"/>
+        <a:font script="Laoo" typeface="DokChampa"/>
+        <a:font script="Sinh" typeface="Iskoola Pota"/>
+        <a:font script="Mong" typeface="Mongolian Baiti"/>
+        <a:font script="Viet" typeface="Arial"/>
+        <a:font script="Uigh" typeface="Microsoft Uighur"/>
+        <a:font script="Geor" typeface="Sylfaen"/>
+        <a:font script="Armn" typeface="Arial"/>
+        <a:font script="Bugi" typeface="Leelawadee UI"/>
+        <a:font script="Bopo" typeface="Microsoft JhengHei"/>
+        <a:font script="Java" typeface="Javanese Text"/>
+        <a:font script="Lisu" typeface="Segoe UI"/>
+        <a:font script="Mymr" typeface="Myanmar Text"/>
+        <a:font script="Nkoo" typeface="Ebrima"/>
+        <a:font script="Olck" typeface="Nirmala UI"/>
+        <a:font script="Osma" typeface="Ebrima"/>
+        <a:font script="Phag" typeface="Phagspa"/>
+        <a:font script="Syrn" typeface="Estrangelo Edessa"/>
+        <a:font script="Syrj" typeface="Estrangelo Edessa"/>
+        <a:font script="Syre" typeface="Estrangelo Edessa"/>
+        <a:font script="Sora" typeface="Nirmala UI"/>
+        <a:font script="Tale" typeface="Microsoft Tai Le"/>
+        <a:font script="Talu" typeface="Microsoft New Tai Lue"/>
+        <a:font script="Tfng" typeface="Ebrima"/>
+      </a:minorFont>
+    </a:fontScheme>
+    <a:fmtScheme name="Office">
+      <a:fillStyleLst>
+        <a:solidFill>
+          <a:schemeClr val="phClr"/>
+        </a:solidFill>
+        <a:gradFill rotWithShape="1">
+          <a:gsLst>
+            <a:gs pos="0">
+              <a:schemeClr val="phClr">
+                <a:lumMod val="110000"/>
+                <a:satMod val="105000"/>
+                <a:tint val="67000"/>
+              </a:schemeClr>
+            </a:gs>
+            <a:gs pos="50000">
+              <a:schemeClr val="phClr">
+                <a:lumMod val="105000"/>
+                <a:satMod val="103000"/>
+                <a:tint val="73000"/>
+              </a:schemeClr>
+            </a:gs>
+            <a:gs pos="100000">
+              <a:schemeClr val="phClr">
+                <a:lumMod val="105000"/>
+                <a:satMod val="109000"/>
+                <a:tint val="81000"/>
+              </a:schemeClr>
+            </a:gs>
+          </a:gsLst>
+          <a:lin ang="5400000" scaled="0"/>
+        </a:gradFill>
+        <a:gradFill rotWithShape="1">
+          <a:gsLst>
+            <a:gs pos="0">
+              <a:schemeClr val="phClr">
+                <a:satMod val="103000"/>
+                <a:lumMod val="102000"/>
+                <a:tint val="94000"/>
+              </a:schemeClr>
+            </a:gs>
+            <a:gs pos="50000">
+              <a:schemeClr val="phClr">
+                <a:satMod val="110000"/>
+                <a:lumMod val="100000"/>
+                <a:shade val="100000"/>
+              </a:schemeClr>
+            </a:gs>
+            <a:gs pos="100000">
+              <a:schemeClr val="phClr">
+                <a:lumMod val="99000"/>
+                <a:satMod val="120000"/>
+                <a:shade val="78000"/>
+              </a:schemeClr>
+            </a:gs>
+          </a:gsLst>
+          <a:lin ang="5400000" scaled="0"/>
+        </a:gradFill>
+      </a:fillStyleLst>
+      <a:lnStyleLst>
+        <a:ln w="6350" cap="flat" cmpd="sng" algn="ctr">
+          <a:solidFill>
+            <a:schemeClr val="phClr"/>
+          </a:solidFill>
+          <a:prstDash val="solid"/>
+          <a:miter lim="800000"/>
+        </a:ln>
+        <a:ln w="12700" cap="flat" cmpd="sng" algn="ctr">
+          <a:solidFill>
+            <a:schemeClr val="phClr"/>
+          </a:solidFill>
+          <a:prstDash val="solid"/>
+          <a:miter lim="800000"/>
+        </a:ln>
+        <a:ln w="19050" cap="flat" cmpd="sng" algn="ctr">
+          <a:solidFill>
+            <a:schemeClr val="phClr"/>
+          </a:solidFill>
+          <a:prstDash val="solid"/>
+          <a:miter lim="800000"/>
+        </a:ln>
+      </a:lnStyleLst>
+      <a:effectStyleLst>
+        <a:effectStyle>
+          <a:effectLst/>
+        </a:effectStyle>
+        <a:effectStyle>
+          <a:effectLst/>
+        </a:effectStyle>
+        <a:effectStyle>
+          <a:effectLst>
+            <a:outerShdw blurRad="57150" dist="19050" dir="5400000" algn="ctr" rotWithShape="0">
+              <a:srgbClr val="000000">
+                <a:alpha val="63000"/>
+              </a:srgbClr>
+            </a:outerShdw>
+          </a:effectLst>
+        </a:effectStyle>
+      </a:effectStyleLst>
+      <a:bgFillStyleLst>
+        <a:solidFill>
+          <a:schemeClr val="phClr"/>
+        </a:solidFill>
+        <a:solidFill>
+          <a:schemeClr val="phClr">
+            <a:tint val="95000"/>
+            <a:satMod val="170000"/>
+          </a:schemeClr>
+        </a:solidFill>
+        <a:gradFill rotWithShape="1">
+          <a:gsLst>
+            <a:gs pos="0">
+              <a:schemeClr val="phClr">
+                <a:tint val="93000"/>
+                <a:satMod val="150000"/>
+                <a:shade val="98000"/>
+                <a:lumMod val="102000"/>
+              </a:schemeClr>
+            </a:gs>
+            <a:gs pos="50000">
+              <a:schemeClr val="phClr">
+                <a:tint val="98000"/>
+                <a:satMod val="130000"/>
+                <a:shade val="90000"/>
+                <a:lumMod val="103000"/>
+              </a:schemeClr>
+            </a:gs>
+            <a:gs pos="100000">
+              <a:schemeClr val="phClr">
+                <a:shade val="63000"/>
+                <a:satMod val="120000"/>
+              </a:schemeClr>
+            </a:gs>
+          </a:gsLst>
+          <a:lin ang="5400000" scaled="0"/>
+        </a:gradFill>
+      </a:bgFillStyleLst>
+    </a:fmtScheme>
+  </a:themeElements>
+  <a:objectDefaults/>
+  <a:extraClrSchemeLst/>
+  <a:extLst>
+    <a:ext uri="{05A4C25C-085E-4340-85A3-A5531E510DB2}">
+      <thm15:themeFamily xmlns:thm15="http://schemas.microsoft.com/office/thememl/2012/main" name="Office Theme" id="{62F939B6-93AF-4DB8-9C6B-D6C7DFDC589F}" vid="{4A3C46E8-61CC-4603-A589-7422A47A8E4A}"/>
+    </a:ext>
+  </a:extLst>
+</a:theme>
 </file>
--- a/数模16周报告.pptx
+++ b/数模16周报告.pptx
@@ -1,42 +1,38 @@
 
 <file path=ppt/presentation.xml><?xml version="1.0" encoding="utf-8"?>
-<p:presentation xmlns:a="http://schemas.openxmlformats.org/drawingml/2006/main" xmlns:r="http://schemas.openxmlformats.org/officeDocument/2006/relationships" xmlns:p="http://schemas.openxmlformats.org/presentationml/2006/main" saveSubsetFonts="1">
+<p:presentation xmlns:a="http://schemas.openxmlformats.org/drawingml/2006/main" xmlns:r="http://schemas.openxmlformats.org/officeDocument/2006/relationships" xmlns:p="http://schemas.openxmlformats.org/presentationml/2006/main">
   <p:sldMasterIdLst>
     <p:sldMasterId id="2147483648" r:id="rId1"/>
   </p:sldMasterIdLst>
-  <p:notesMasterIdLst>
-    <p:notesMasterId r:id="rId28"/>
-  </p:notesMasterIdLst>
   <p:sldIdLst>
-    <p:sldId id="266" r:id="rId2"/>
-    <p:sldId id="256" r:id="rId3"/>
-    <p:sldId id="264" r:id="rId4"/>
-    <p:sldId id="289" r:id="rId5"/>
-    <p:sldId id="290" r:id="rId6"/>
-    <p:sldId id="292" r:id="rId7"/>
+    <p:sldId id="266" r:id="rId3"/>
+    <p:sldId id="256" r:id="rId4"/>
+    <p:sldId id="264" r:id="rId5"/>
+    <p:sldId id="289" r:id="rId6"/>
+    <p:sldId id="290" r:id="rId7"/>
     <p:sldId id="269" r:id="rId8"/>
     <p:sldId id="257" r:id="rId9"/>
     <p:sldId id="270" r:id="rId10"/>
     <p:sldId id="271" r:id="rId11"/>
-    <p:sldId id="278" r:id="rId12"/>
-    <p:sldId id="275" r:id="rId13"/>
-    <p:sldId id="274" r:id="rId14"/>
-    <p:sldId id="291" r:id="rId15"/>
-    <p:sldId id="283" r:id="rId16"/>
-    <p:sldId id="284" r:id="rId17"/>
-    <p:sldId id="276" r:id="rId18"/>
-    <p:sldId id="277" r:id="rId19"/>
-    <p:sldId id="267" r:id="rId20"/>
-    <p:sldId id="268" r:id="rId21"/>
-    <p:sldId id="259" r:id="rId22"/>
-    <p:sldId id="260" r:id="rId23"/>
-    <p:sldId id="261" r:id="rId24"/>
-    <p:sldId id="262" r:id="rId25"/>
-    <p:sldId id="265" r:id="rId26"/>
-    <p:sldId id="263" r:id="rId27"/>
+    <p:sldId id="275" r:id="rId12"/>
+    <p:sldId id="274" r:id="rId13"/>
+    <p:sldId id="276" r:id="rId14"/>
+    <p:sldId id="277" r:id="rId15"/>
+    <p:sldId id="291" r:id="rId16"/>
+    <p:sldId id="267" r:id="rId17"/>
+    <p:sldId id="268" r:id="rId18"/>
+    <p:sldId id="259" r:id="rId19"/>
+    <p:sldId id="260" r:id="rId20"/>
+    <p:sldId id="261" r:id="rId21"/>
+    <p:sldId id="262" r:id="rId22"/>
+    <p:sldId id="265" r:id="rId23"/>
+    <p:sldId id="263" r:id="rId24"/>
   </p:sldIdLst>
   <p:sldSz cx="12192000" cy="6858000"/>
   <p:notesSz cx="6858000" cy="9144000"/>
+  <p:custDataLst>
+    <p:tags r:id="rId28"/>
+  </p:custDataLst>
   <p:defaultTextStyle>
     <a:defPPr>
       <a:defRPr lang="zh-CN"/>
@@ -132,445 +128,7 @@
       </a:defRPr>
     </a:lvl9pPr>
   </p:defaultTextStyle>
-  <p:extLst>
-    <p:ext uri="{EFAFB233-063F-42B5-8137-9DF3F51BA10A}">
-      <p15:sldGuideLst xmlns:p15="http://schemas.microsoft.com/office/powerpoint/2012/main"/>
-    </p:ext>
-  </p:extLst>
 </p:presentation>
-</file>
-
-<file path=ppt/notesMasters/notesMaster1.xml><?xml version="1.0" encoding="utf-8"?>
-<p:notesMaster xmlns:a="http://schemas.openxmlformats.org/drawingml/2006/main" xmlns:r="http://schemas.openxmlformats.org/officeDocument/2006/relationships" xmlns:p="http://schemas.openxmlformats.org/presentationml/2006/main">
-  <p:cSld>
-    <p:bg>
-      <p:bgRef idx="1001">
-        <a:schemeClr val="bg1"/>
-      </p:bgRef>
-    </p:bg>
-    <p:spTree>
-      <p:nvGrpSpPr>
-        <p:cNvPr id="1" name=""/>
-        <p:cNvGrpSpPr/>
-        <p:nvPr/>
-      </p:nvGrpSpPr>
-      <p:grpSpPr>
-        <a:xfrm>
-          <a:off x="0" y="0"/>
-          <a:ext cx="0" cy="0"/>
-          <a:chOff x="0" y="0"/>
-          <a:chExt cx="0" cy="0"/>
-        </a:xfrm>
-      </p:grpSpPr>
-      <p:sp>
-        <p:nvSpPr>
-          <p:cNvPr id="2" name="页眉占位符 1"/>
-          <p:cNvSpPr>
-            <a:spLocks noGrp="1"/>
-          </p:cNvSpPr>
-          <p:nvPr>
-            <p:ph type="hdr" sz="quarter"/>
-          </p:nvPr>
-        </p:nvSpPr>
-        <p:spPr>
-          <a:xfrm>
-            <a:off x="0" y="0"/>
-            <a:ext cx="2971800" cy="458788"/>
-          </a:xfrm>
-          <a:prstGeom prst="rect">
-            <a:avLst/>
-          </a:prstGeom>
-        </p:spPr>
-        <p:txBody>
-          <a:bodyPr vert="horz" lIns="91440" tIns="45720" rIns="91440" bIns="45720" rtlCol="0"/>
-          <a:lstStyle>
-            <a:lvl1pPr algn="l">
-              <a:defRPr sz="1200"/>
-            </a:lvl1pPr>
-          </a:lstStyle>
-          <a:p>
-            <a:endParaRPr lang="zh-CN" altLang="en-US"/>
-          </a:p>
-        </p:txBody>
-      </p:sp>
-      <p:sp>
-        <p:nvSpPr>
-          <p:cNvPr id="3" name="日期占位符 2"/>
-          <p:cNvSpPr>
-            <a:spLocks noGrp="1"/>
-          </p:cNvSpPr>
-          <p:nvPr>
-            <p:ph type="dt" idx="1"/>
-          </p:nvPr>
-        </p:nvSpPr>
-        <p:spPr>
-          <a:xfrm>
-            <a:off x="3884613" y="0"/>
-            <a:ext cx="2971800" cy="458788"/>
-          </a:xfrm>
-          <a:prstGeom prst="rect">
-            <a:avLst/>
-          </a:prstGeom>
-        </p:spPr>
-        <p:txBody>
-          <a:bodyPr vert="horz" lIns="91440" tIns="45720" rIns="91440" bIns="45720" rtlCol="0"/>
-          <a:lstStyle>
-            <a:lvl1pPr algn="r">
-              <a:defRPr sz="1200"/>
-            </a:lvl1pPr>
-          </a:lstStyle>
-          <a:p>
-            <a:fld id="{8D50BD92-EDD6-47ED-BA6C-65876335F633}" type="datetimeFigureOut">
-              <a:rPr lang="zh-CN" altLang="en-US" smtClean="0"/>
-              <a:t>2022/6/14</a:t>
-            </a:fld>
-            <a:endParaRPr lang="zh-CN" altLang="en-US"/>
-          </a:p>
-        </p:txBody>
-      </p:sp>
-      <p:sp>
-        <p:nvSpPr>
-          <p:cNvPr id="4" name="幻灯片图像占位符 3"/>
-          <p:cNvSpPr>
-            <a:spLocks noGrp="1" noRot="1" noChangeAspect="1"/>
-          </p:cNvSpPr>
-          <p:nvPr>
-            <p:ph type="sldImg" idx="2"/>
-          </p:nvPr>
-        </p:nvSpPr>
-        <p:spPr>
-          <a:xfrm>
-            <a:off x="685800" y="1143000"/>
-            <a:ext cx="5486400" cy="3086100"/>
-          </a:xfrm>
-          <a:prstGeom prst="rect">
-            <a:avLst/>
-          </a:prstGeom>
-          <a:noFill/>
-          <a:ln w="12700">
-            <a:solidFill>
-              <a:prstClr val="black"/>
-            </a:solidFill>
-          </a:ln>
-        </p:spPr>
-        <p:txBody>
-          <a:bodyPr vert="horz" lIns="91440" tIns="45720" rIns="91440" bIns="45720" rtlCol="0" anchor="ctr"/>
-          <a:lstStyle/>
-          <a:p>
-            <a:endParaRPr lang="zh-CN" altLang="en-US"/>
-          </a:p>
-        </p:txBody>
-      </p:sp>
-      <p:sp>
-        <p:nvSpPr>
-          <p:cNvPr id="5" name="备注占位符 4"/>
-          <p:cNvSpPr>
-            <a:spLocks noGrp="1"/>
-          </p:cNvSpPr>
-          <p:nvPr>
-            <p:ph type="body" sz="quarter" idx="3"/>
-          </p:nvPr>
-        </p:nvSpPr>
-        <p:spPr>
-          <a:xfrm>
-            <a:off x="685800" y="4400550"/>
-            <a:ext cx="5486400" cy="3600450"/>
-          </a:xfrm>
-          <a:prstGeom prst="rect">
-            <a:avLst/>
-          </a:prstGeom>
-        </p:spPr>
-        <p:txBody>
-          <a:bodyPr vert="horz" lIns="91440" tIns="45720" rIns="91440" bIns="45720" rtlCol="0"/>
-          <a:lstStyle/>
-          <a:p>
-            <a:pPr lvl="0"/>
-            <a:r>
-              <a:rPr lang="zh-CN" altLang="en-US"/>
-              <a:t>单击此处编辑母版文本样式</a:t>
-            </a:r>
-          </a:p>
-          <a:p>
-            <a:pPr lvl="1"/>
-            <a:r>
-              <a:rPr lang="zh-CN" altLang="en-US"/>
-              <a:t>二级</a:t>
-            </a:r>
-          </a:p>
-          <a:p>
-            <a:pPr lvl="2"/>
-            <a:r>
-              <a:rPr lang="zh-CN" altLang="en-US"/>
-              <a:t>三级</a:t>
-            </a:r>
-          </a:p>
-          <a:p>
-            <a:pPr lvl="3"/>
-            <a:r>
-              <a:rPr lang="zh-CN" altLang="en-US"/>
-              <a:t>四级</a:t>
-            </a:r>
-          </a:p>
-          <a:p>
-            <a:pPr lvl="4"/>
-            <a:r>
-              <a:rPr lang="zh-CN" altLang="en-US"/>
-              <a:t>五级</a:t>
-            </a:r>
-          </a:p>
-        </p:txBody>
-      </p:sp>
-      <p:sp>
-        <p:nvSpPr>
-          <p:cNvPr id="6" name="页脚占位符 5"/>
-          <p:cNvSpPr>
-            <a:spLocks noGrp="1"/>
-          </p:cNvSpPr>
-          <p:nvPr>
-            <p:ph type="ftr" sz="quarter" idx="4"/>
-          </p:nvPr>
-        </p:nvSpPr>
-        <p:spPr>
-          <a:xfrm>
-            <a:off x="0" y="8685213"/>
-            <a:ext cx="2971800" cy="458787"/>
-          </a:xfrm>
-          <a:prstGeom prst="rect">
-            <a:avLst/>
-          </a:prstGeom>
-        </p:spPr>
-        <p:txBody>
-          <a:bodyPr vert="horz" lIns="91440" tIns="45720" rIns="91440" bIns="45720" rtlCol="0" anchor="b"/>
-          <a:lstStyle>
-            <a:lvl1pPr algn="l">
-              <a:defRPr sz="1200"/>
-            </a:lvl1pPr>
-          </a:lstStyle>
-          <a:p>
-            <a:endParaRPr lang="zh-CN" altLang="en-US"/>
-          </a:p>
-        </p:txBody>
-      </p:sp>
-      <p:sp>
-        <p:nvSpPr>
-          <p:cNvPr id="7" name="灯片编号占位符 6"/>
-          <p:cNvSpPr>
-            <a:spLocks noGrp="1"/>
-          </p:cNvSpPr>
-          <p:nvPr>
-            <p:ph type="sldNum" sz="quarter" idx="5"/>
-          </p:nvPr>
-        </p:nvSpPr>
-        <p:spPr>
-          <a:xfrm>
-            <a:off x="3884613" y="8685213"/>
-            <a:ext cx="2971800" cy="458787"/>
-          </a:xfrm>
-          <a:prstGeom prst="rect">
-            <a:avLst/>
-          </a:prstGeom>
-        </p:spPr>
-        <p:txBody>
-          <a:bodyPr vert="horz" lIns="91440" tIns="45720" rIns="91440" bIns="45720" rtlCol="0" anchor="b"/>
-          <a:lstStyle>
-            <a:lvl1pPr algn="r">
-              <a:defRPr sz="1200"/>
-            </a:lvl1pPr>
-          </a:lstStyle>
-          <a:p>
-            <a:fld id="{E4ED3234-1A5D-489F-82A8-7F4FA8663588}" type="slidenum">
-              <a:rPr lang="zh-CN" altLang="en-US" smtClean="0"/>
-              <a:t>‹#›</a:t>
-            </a:fld>
-            <a:endParaRPr lang="zh-CN" altLang="en-US"/>
-          </a:p>
-        </p:txBody>
-      </p:sp>
-    </p:spTree>
-    <p:extLst>
-      <p:ext uri="{BB962C8B-B14F-4D97-AF65-F5344CB8AC3E}">
-        <p14:creationId xmlns:p14="http://schemas.microsoft.com/office/powerpoint/2010/main" val="1907247342"/>
-      </p:ext>
-    </p:extLst>
-  </p:cSld>
-  <p:clrMap bg1="lt1" tx1="dk1" bg2="lt2" tx2="dk2" accent1="accent1" accent2="accent2" accent3="accent3" accent4="accent4" accent5="accent5" accent6="accent6" hlink="hlink" folHlink="folHlink"/>
-  <p:notesStyle>
-    <a:lvl1pPr marL="0" algn="l" defTabSz="914400" rtl="0" eaLnBrk="1" latinLnBrk="0" hangingPunct="1">
-      <a:defRPr sz="1200" kern="1200">
-        <a:solidFill>
-          <a:schemeClr val="tx1"/>
-        </a:solidFill>
-        <a:latin typeface="+mn-lt"/>
-        <a:ea typeface="+mn-ea"/>
-        <a:cs typeface="+mn-cs"/>
-      </a:defRPr>
-    </a:lvl1pPr>
-    <a:lvl2pPr marL="457200" algn="l" defTabSz="914400" rtl="0" eaLnBrk="1" latinLnBrk="0" hangingPunct="1">
-      <a:defRPr sz="1200" kern="1200">
-        <a:solidFill>
-          <a:schemeClr val="tx1"/>
-        </a:solidFill>
-        <a:latin typeface="+mn-lt"/>
-        <a:ea typeface="+mn-ea"/>
-        <a:cs typeface="+mn-cs"/>
-      </a:defRPr>
-    </a:lvl2pPr>
-    <a:lvl3pPr marL="914400" algn="l" defTabSz="914400" rtl="0" eaLnBrk="1" latinLnBrk="0" hangingPunct="1">
-      <a:defRPr sz="1200" kern="1200">
-        <a:solidFill>
-          <a:schemeClr val="tx1"/>
-        </a:solidFill>
-        <a:latin typeface="+mn-lt"/>
-        <a:ea typeface="+mn-ea"/>
-        <a:cs typeface="+mn-cs"/>
-      </a:defRPr>
-    </a:lvl3pPr>
-    <a:lvl4pPr marL="1371600" algn="l" defTabSz="914400" rtl="0" eaLnBrk="1" latinLnBrk="0" hangingPunct="1">
-      <a:defRPr sz="1200" kern="1200">
-        <a:solidFill>
-          <a:schemeClr val="tx1"/>
-        </a:solidFill>
-        <a:latin typeface="+mn-lt"/>
-        <a:ea typeface="+mn-ea"/>
-        <a:cs typeface="+mn-cs"/>
-      </a:defRPr>
-    </a:lvl4pPr>
-    <a:lvl5pPr marL="1828800" algn="l" defTabSz="914400" rtl="0" eaLnBrk="1" latinLnBrk="0" hangingPunct="1">
-      <a:defRPr sz="1200" kern="1200">
-        <a:solidFill>
-          <a:schemeClr val="tx1"/>
-        </a:solidFill>
-        <a:latin typeface="+mn-lt"/>
-        <a:ea typeface="+mn-ea"/>
-        <a:cs typeface="+mn-cs"/>
-      </a:defRPr>
-    </a:lvl5pPr>
-    <a:lvl6pPr marL="2286000" algn="l" defTabSz="914400" rtl="0" eaLnBrk="1" latinLnBrk="0" hangingPunct="1">
-      <a:defRPr sz="1200" kern="1200">
-        <a:solidFill>
-          <a:schemeClr val="tx1"/>
-        </a:solidFill>
-        <a:latin typeface="+mn-lt"/>
-        <a:ea typeface="+mn-ea"/>
-        <a:cs typeface="+mn-cs"/>
-      </a:defRPr>
-    </a:lvl6pPr>
-    <a:lvl7pPr marL="2743200" algn="l" defTabSz="914400" rtl="0" eaLnBrk="1" latinLnBrk="0" hangingPunct="1">
-      <a:defRPr sz="1200" kern="1200">
-        <a:solidFill>
-          <a:schemeClr val="tx1"/>
-        </a:solidFill>
-        <a:latin typeface="+mn-lt"/>
-        <a:ea typeface="+mn-ea"/>
-        <a:cs typeface="+mn-cs"/>
-      </a:defRPr>
-    </a:lvl7pPr>
-    <a:lvl8pPr marL="3200400" algn="l" defTabSz="914400" rtl="0" eaLnBrk="1" latinLnBrk="0" hangingPunct="1">
-      <a:defRPr sz="1200" kern="1200">
-        <a:solidFill>
-          <a:schemeClr val="tx1"/>
-        </a:solidFill>
-        <a:latin typeface="+mn-lt"/>
-        <a:ea typeface="+mn-ea"/>
-        <a:cs typeface="+mn-cs"/>
-      </a:defRPr>
-    </a:lvl8pPr>
-    <a:lvl9pPr marL="3657600" algn="l" defTabSz="914400" rtl="0" eaLnBrk="1" latinLnBrk="0" hangingPunct="1">
-      <a:defRPr sz="1200" kern="1200">
-        <a:solidFill>
-          <a:schemeClr val="tx1"/>
-        </a:solidFill>
-        <a:latin typeface="+mn-lt"/>
-        <a:ea typeface="+mn-ea"/>
-        <a:cs typeface="+mn-cs"/>
-      </a:defRPr>
-    </a:lvl9pPr>
-  </p:notesStyle>
-</p:notesMaster>
-</file>
-
-<file path=ppt/notesSlides/notesSlide1.xml><?xml version="1.0" encoding="utf-8"?>
-<p:notes xmlns:a="http://schemas.openxmlformats.org/drawingml/2006/main" xmlns:r="http://schemas.openxmlformats.org/officeDocument/2006/relationships" xmlns:p="http://schemas.openxmlformats.org/presentationml/2006/main">
-  <p:cSld>
-    <p:spTree>
-      <p:nvGrpSpPr>
-        <p:cNvPr id="1" name=""/>
-        <p:cNvGrpSpPr/>
-        <p:nvPr/>
-      </p:nvGrpSpPr>
-      <p:grpSpPr>
-        <a:xfrm>
-          <a:off x="0" y="0"/>
-          <a:ext cx="0" cy="0"/>
-          <a:chOff x="0" y="0"/>
-          <a:chExt cx="0" cy="0"/>
-        </a:xfrm>
-      </p:grpSpPr>
-      <p:sp>
-        <p:nvSpPr>
-          <p:cNvPr id="2" name="幻灯片图像占位符 1"/>
-          <p:cNvSpPr>
-            <a:spLocks noGrp="1" noRot="1" noChangeAspect="1"/>
-          </p:cNvSpPr>
-          <p:nvPr>
-            <p:ph type="sldImg"/>
-          </p:nvPr>
-        </p:nvSpPr>
-        <p:spPr/>
-      </p:sp>
-      <p:sp>
-        <p:nvSpPr>
-          <p:cNvPr id="3" name="备注占位符 2"/>
-          <p:cNvSpPr>
-            <a:spLocks noGrp="1"/>
-          </p:cNvSpPr>
-          <p:nvPr>
-            <p:ph type="body" idx="1"/>
-          </p:nvPr>
-        </p:nvSpPr>
-        <p:spPr/>
-        <p:txBody>
-          <a:bodyPr/>
-          <a:lstStyle/>
-          <a:p>
-            <a:endParaRPr lang="zh-CN" altLang="en-US" dirty="0"/>
-          </a:p>
-        </p:txBody>
-      </p:sp>
-      <p:sp>
-        <p:nvSpPr>
-          <p:cNvPr id="4" name="灯片编号占位符 3"/>
-          <p:cNvSpPr>
-            <a:spLocks noGrp="1"/>
-          </p:cNvSpPr>
-          <p:nvPr>
-            <p:ph type="sldNum" sz="quarter" idx="5"/>
-          </p:nvPr>
-        </p:nvSpPr>
-        <p:spPr/>
-        <p:txBody>
-          <a:bodyPr/>
-          <a:lstStyle/>
-          <a:p>
-            <a:fld id="{E4ED3234-1A5D-489F-82A8-7F4FA8663588}" type="slidenum">
-              <a:rPr lang="zh-CN" altLang="en-US" smtClean="0"/>
-              <a:t>5</a:t>
-            </a:fld>
-            <a:endParaRPr lang="zh-CN" altLang="en-US"/>
-          </a:p>
-        </p:txBody>
-      </p:sp>
-    </p:spTree>
-    <p:extLst>
-      <p:ext uri="{BB962C8B-B14F-4D97-AF65-F5344CB8AC3E}">
-        <p14:creationId xmlns:p14="http://schemas.microsoft.com/office/powerpoint/2010/main" val="3535246802"/>
-      </p:ext>
-    </p:extLst>
-  </p:cSld>
-  <p:clrMapOvr>
-    <a:masterClrMapping/>
-  </p:clrMapOvr>
-</p:notes>
 </file>
 
 <file path=ppt/slideLayouts/slideLayout1.xml><?xml version="1.0" encoding="utf-8"?>
@@ -592,13 +150,7 @@
       </p:grpSpPr>
       <p:sp>
         <p:nvSpPr>
-          <p:cNvPr id="2" name="标题 1">
-            <a:extLst>
-              <a:ext uri="{FF2B5EF4-FFF2-40B4-BE49-F238E27FC236}">
-                <a16:creationId xmlns:a16="http://schemas.microsoft.com/office/drawing/2014/main" id="{9B711C1A-AD1F-489E-ECF9-7047B2912D6B}"/>
-              </a:ext>
-            </a:extLst>
-          </p:cNvPr>
+          <p:cNvPr id="2" name="标题 1"/>
           <p:cNvSpPr>
             <a:spLocks noGrp="1"/>
           </p:cNvSpPr>
@@ -624,18 +176,13 @@
               <a:rPr lang="zh-CN" altLang="en-US"/>
               <a:t>单击此处编辑母版标题样式</a:t>
             </a:r>
-          </a:p>
-        </p:txBody>
-      </p:sp>
-      <p:sp>
-        <p:nvSpPr>
-          <p:cNvPr id="3" name="副标题 2">
-            <a:extLst>
-              <a:ext uri="{FF2B5EF4-FFF2-40B4-BE49-F238E27FC236}">
-                <a16:creationId xmlns:a16="http://schemas.microsoft.com/office/drawing/2014/main" id="{DB3F710B-3417-77F5-B3DB-B8E28D9909AF}"/>
-              </a:ext>
-            </a:extLst>
-          </p:cNvPr>
+            <a:endParaRPr lang="zh-CN" altLang="en-US"/>
+          </a:p>
+        </p:txBody>
+      </p:sp>
+      <p:sp>
+        <p:nvSpPr>
+          <p:cNvPr id="3" name="副标题 2"/>
           <p:cNvSpPr>
             <a:spLocks noGrp="1"/>
           </p:cNvSpPr>
@@ -694,18 +241,13 @@
               <a:rPr lang="zh-CN" altLang="en-US"/>
               <a:t>单击此处编辑母版副标题样式</a:t>
             </a:r>
-          </a:p>
-        </p:txBody>
-      </p:sp>
-      <p:sp>
-        <p:nvSpPr>
-          <p:cNvPr id="4" name="日期占位符 3">
-            <a:extLst>
-              <a:ext uri="{FF2B5EF4-FFF2-40B4-BE49-F238E27FC236}">
-                <a16:creationId xmlns:a16="http://schemas.microsoft.com/office/drawing/2014/main" id="{132E2CEF-F1BF-303A-799C-CAE5C3DDBFEB}"/>
-              </a:ext>
-            </a:extLst>
-          </p:cNvPr>
+            <a:endParaRPr lang="zh-CN" altLang="en-US"/>
+          </a:p>
+        </p:txBody>
+      </p:sp>
+      <p:sp>
+        <p:nvSpPr>
+          <p:cNvPr id="4" name="日期占位符 3"/>
           <p:cNvSpPr>
             <a:spLocks noGrp="1"/>
           </p:cNvSpPr>
@@ -720,7 +262,6 @@
           <a:p>
             <a:fld id="{38D2F079-72ED-455F-84CE-DB8625D5603C}" type="datetimeFigureOut">
               <a:rPr lang="zh-CN" altLang="en-US" smtClean="0"/>
-              <a:t>2022/6/14</a:t>
             </a:fld>
             <a:endParaRPr lang="zh-CN" altLang="en-US"/>
           </a:p>
@@ -728,13 +269,7 @@
       </p:sp>
       <p:sp>
         <p:nvSpPr>
-          <p:cNvPr id="5" name="页脚占位符 4">
-            <a:extLst>
-              <a:ext uri="{FF2B5EF4-FFF2-40B4-BE49-F238E27FC236}">
-                <a16:creationId xmlns:a16="http://schemas.microsoft.com/office/drawing/2014/main" id="{87275A17-E2A2-3B6A-EF5E-08F7C3DF9117}"/>
-              </a:ext>
-            </a:extLst>
-          </p:cNvPr>
+          <p:cNvPr id="5" name="页脚占位符 4"/>
           <p:cNvSpPr>
             <a:spLocks noGrp="1"/>
           </p:cNvSpPr>
@@ -753,13 +288,7 @@
       </p:sp>
       <p:sp>
         <p:nvSpPr>
-          <p:cNvPr id="6" name="灯片编号占位符 5">
-            <a:extLst>
-              <a:ext uri="{FF2B5EF4-FFF2-40B4-BE49-F238E27FC236}">
-                <a16:creationId xmlns:a16="http://schemas.microsoft.com/office/drawing/2014/main" id="{FE2A22A2-36B0-67F0-C87E-493A51EEAF26}"/>
-              </a:ext>
-            </a:extLst>
-          </p:cNvPr>
+          <p:cNvPr id="6" name="灯片编号占位符 5"/>
           <p:cNvSpPr>
             <a:spLocks noGrp="1"/>
           </p:cNvSpPr>
@@ -774,7 +303,6 @@
           <a:p>
             <a:fld id="{7D68EEC4-A888-40D2-96A3-4D8C6D94BC6B}" type="slidenum">
               <a:rPr lang="zh-CN" altLang="en-US" smtClean="0"/>
-              <a:t>‹#›</a:t>
             </a:fld>
             <a:endParaRPr lang="zh-CN" altLang="en-US"/>
           </a:p>
@@ -782,13 +310,7 @@
       </p:sp>
       <p:pic>
         <p:nvPicPr>
-          <p:cNvPr id="7" name="图片 1">
-            <a:extLst>
-              <a:ext uri="{FF2B5EF4-FFF2-40B4-BE49-F238E27FC236}">
-                <a16:creationId xmlns:a16="http://schemas.microsoft.com/office/drawing/2014/main" id="{816C65C0-BA99-228B-C223-65C8A37C8E28}"/>
-              </a:ext>
-            </a:extLst>
-          </p:cNvPr>
+          <p:cNvPr id="7" name="图片 1"/>
           <p:cNvPicPr>
             <a:picLocks noChangeAspect="1"/>
           </p:cNvPicPr>
@@ -842,13 +364,7 @@
       </p:pic>
       <p:pic>
         <p:nvPicPr>
-          <p:cNvPr id="8" name="图片 2">
-            <a:extLst>
-              <a:ext uri="{FF2B5EF4-FFF2-40B4-BE49-F238E27FC236}">
-                <a16:creationId xmlns:a16="http://schemas.microsoft.com/office/drawing/2014/main" id="{8FC64B55-A974-055A-49BB-D5762AE4959C}"/>
-              </a:ext>
-            </a:extLst>
-          </p:cNvPr>
+          <p:cNvPr id="8" name="图片 2"/>
           <p:cNvPicPr>
             <a:picLocks noChangeAspect="1"/>
           </p:cNvPicPr>
@@ -902,13 +418,7 @@
       </p:pic>
       <p:sp>
         <p:nvSpPr>
-          <p:cNvPr id="9" name="文本框 16">
-            <a:extLst>
-              <a:ext uri="{FF2B5EF4-FFF2-40B4-BE49-F238E27FC236}">
-                <a16:creationId xmlns:a16="http://schemas.microsoft.com/office/drawing/2014/main" id="{2FCAECEC-477D-835D-B9ED-D023E098ED3C}"/>
-              </a:ext>
-            </a:extLst>
-          </p:cNvPr>
+          <p:cNvPr id="9" name="文本框 16"/>
           <p:cNvSpPr txBox="1">
             <a:spLocks noChangeArrowheads="1"/>
           </p:cNvSpPr>
@@ -1083,13 +593,7 @@
       </p:sp>
       <p:sp>
         <p:nvSpPr>
-          <p:cNvPr id="10" name="矩形 9">
-            <a:extLst>
-              <a:ext uri="{FF2B5EF4-FFF2-40B4-BE49-F238E27FC236}">
-                <a16:creationId xmlns:a16="http://schemas.microsoft.com/office/drawing/2014/main" id="{4B34A0D5-5A86-4DC5-1288-5481A62B2B7A}"/>
-              </a:ext>
-            </a:extLst>
-          </p:cNvPr>
+          <p:cNvPr id="10" name="矩形 9"/>
           <p:cNvSpPr/>
           <p:nvPr userDrawn="1"/>
         </p:nvSpPr>
@@ -1134,11 +638,6 @@
         </p:txBody>
       </p:sp>
     </p:spTree>
-    <p:extLst>
-      <p:ext uri="{BB962C8B-B14F-4D97-AF65-F5344CB8AC3E}">
-        <p14:creationId xmlns:p14="http://schemas.microsoft.com/office/powerpoint/2010/main" val="4036051499"/>
-      </p:ext>
-    </p:extLst>
   </p:cSld>
   <p:clrMapOvr>
     <a:masterClrMapping/>
@@ -1165,13 +664,7 @@
       </p:grpSpPr>
       <p:sp>
         <p:nvSpPr>
-          <p:cNvPr id="2" name="标题 1">
-            <a:extLst>
-              <a:ext uri="{FF2B5EF4-FFF2-40B4-BE49-F238E27FC236}">
-                <a16:creationId xmlns:a16="http://schemas.microsoft.com/office/drawing/2014/main" id="{45A082D9-E33D-DF3A-4C17-5181497D77BE}"/>
-              </a:ext>
-            </a:extLst>
-          </p:cNvPr>
+          <p:cNvPr id="2" name="标题 1"/>
           <p:cNvSpPr>
             <a:spLocks noGrp="1"/>
           </p:cNvSpPr>
@@ -1188,18 +681,13 @@
               <a:rPr lang="zh-CN" altLang="en-US"/>
               <a:t>单击此处编辑母版标题样式</a:t>
             </a:r>
-          </a:p>
-        </p:txBody>
-      </p:sp>
-      <p:sp>
-        <p:nvSpPr>
-          <p:cNvPr id="3" name="竖排文字占位符 2">
-            <a:extLst>
-              <a:ext uri="{FF2B5EF4-FFF2-40B4-BE49-F238E27FC236}">
-                <a16:creationId xmlns:a16="http://schemas.microsoft.com/office/drawing/2014/main" id="{8C210102-98BA-A47E-531D-76955D14B076}"/>
-              </a:ext>
-            </a:extLst>
-          </p:cNvPr>
+            <a:endParaRPr lang="zh-CN" altLang="en-US"/>
+          </a:p>
+        </p:txBody>
+      </p:sp>
+      <p:sp>
+        <p:nvSpPr>
+          <p:cNvPr id="3" name="竖排文字占位符 2"/>
           <p:cNvSpPr>
             <a:spLocks noGrp="1"/>
           </p:cNvSpPr>
@@ -1217,6 +705,7 @@
               <a:rPr lang="zh-CN" altLang="en-US"/>
               <a:t>单击此处编辑母版文本样式</a:t>
             </a:r>
+            <a:endParaRPr lang="zh-CN" altLang="en-US"/>
           </a:p>
           <a:p>
             <a:pPr lvl="1"/>
@@ -1224,6 +713,7 @@
               <a:rPr lang="zh-CN" altLang="en-US"/>
               <a:t>二级</a:t>
             </a:r>
+            <a:endParaRPr lang="zh-CN" altLang="en-US"/>
           </a:p>
           <a:p>
             <a:pPr lvl="2"/>
@@ -1231,6 +721,7 @@
               <a:rPr lang="zh-CN" altLang="en-US"/>
               <a:t>三级</a:t>
             </a:r>
+            <a:endParaRPr lang="zh-CN" altLang="en-US"/>
           </a:p>
           <a:p>
             <a:pPr lvl="3"/>
@@ -1238,6 +729,7 @@
               <a:rPr lang="zh-CN" altLang="en-US"/>
               <a:t>四级</a:t>
             </a:r>
+            <a:endParaRPr lang="zh-CN" altLang="en-US"/>
           </a:p>
           <a:p>
             <a:pPr lvl="4"/>
@@ -1245,18 +737,13 @@
               <a:rPr lang="zh-CN" altLang="en-US"/>
               <a:t>五级</a:t>
             </a:r>
-          </a:p>
-        </p:txBody>
-      </p:sp>
-      <p:sp>
-        <p:nvSpPr>
-          <p:cNvPr id="4" name="日期占位符 3">
-            <a:extLst>
-              <a:ext uri="{FF2B5EF4-FFF2-40B4-BE49-F238E27FC236}">
-                <a16:creationId xmlns:a16="http://schemas.microsoft.com/office/drawing/2014/main" id="{49FDAA9E-0A17-19F2-AAB4-D4B0D3991D2F}"/>
-              </a:ext>
-            </a:extLst>
-          </p:cNvPr>
+            <a:endParaRPr lang="zh-CN" altLang="en-US"/>
+          </a:p>
+        </p:txBody>
+      </p:sp>
+      <p:sp>
+        <p:nvSpPr>
+          <p:cNvPr id="4" name="日期占位符 3"/>
           <p:cNvSpPr>
             <a:spLocks noGrp="1"/>
           </p:cNvSpPr>
@@ -1271,7 +758,6 @@
           <a:p>
             <a:fld id="{38D2F079-72ED-455F-84CE-DB8625D5603C}" type="datetimeFigureOut">
               <a:rPr lang="zh-CN" altLang="en-US" smtClean="0"/>
-              <a:t>2022/6/14</a:t>
             </a:fld>
             <a:endParaRPr lang="zh-CN" altLang="en-US"/>
           </a:p>
@@ -1279,13 +765,7 @@
       </p:sp>
       <p:sp>
         <p:nvSpPr>
-          <p:cNvPr id="5" name="页脚占位符 4">
-            <a:extLst>
-              <a:ext uri="{FF2B5EF4-FFF2-40B4-BE49-F238E27FC236}">
-                <a16:creationId xmlns:a16="http://schemas.microsoft.com/office/drawing/2014/main" id="{9EC9064A-7E79-DC5E-99B0-8C85568EC159}"/>
-              </a:ext>
-            </a:extLst>
-          </p:cNvPr>
+          <p:cNvPr id="5" name="页脚占位符 4"/>
           <p:cNvSpPr>
             <a:spLocks noGrp="1"/>
           </p:cNvSpPr>
@@ -1304,13 +784,7 @@
       </p:sp>
       <p:sp>
         <p:nvSpPr>
-          <p:cNvPr id="6" name="灯片编号占位符 5">
-            <a:extLst>
-              <a:ext uri="{FF2B5EF4-FFF2-40B4-BE49-F238E27FC236}">
-                <a16:creationId xmlns:a16="http://schemas.microsoft.com/office/drawing/2014/main" id="{6E9713C6-F7EB-39F8-8F6B-4FE1C3E1D93C}"/>
-              </a:ext>
-            </a:extLst>
-          </p:cNvPr>
+          <p:cNvPr id="6" name="灯片编号占位符 5"/>
           <p:cNvSpPr>
             <a:spLocks noGrp="1"/>
           </p:cNvSpPr>
@@ -1325,18 +799,12 @@
           <a:p>
             <a:fld id="{7D68EEC4-A888-40D2-96A3-4D8C6D94BC6B}" type="slidenum">
               <a:rPr lang="zh-CN" altLang="en-US" smtClean="0"/>
-              <a:t>‹#›</a:t>
             </a:fld>
             <a:endParaRPr lang="zh-CN" altLang="en-US"/>
           </a:p>
         </p:txBody>
       </p:sp>
     </p:spTree>
-    <p:extLst>
-      <p:ext uri="{BB962C8B-B14F-4D97-AF65-F5344CB8AC3E}">
-        <p14:creationId xmlns:p14="http://schemas.microsoft.com/office/powerpoint/2010/main" val="3943212680"/>
-      </p:ext>
-    </p:extLst>
   </p:cSld>
   <p:clrMapOvr>
     <a:masterClrMapping/>
@@ -1363,13 +831,7 @@
       </p:grpSpPr>
       <p:sp>
         <p:nvSpPr>
-          <p:cNvPr id="2" name="竖排标题 1">
-            <a:extLst>
-              <a:ext uri="{FF2B5EF4-FFF2-40B4-BE49-F238E27FC236}">
-                <a16:creationId xmlns:a16="http://schemas.microsoft.com/office/drawing/2014/main" id="{6F6CB250-CB5F-7707-33A5-C428C5B7B466}"/>
-              </a:ext>
-            </a:extLst>
-          </p:cNvPr>
+          <p:cNvPr id="2" name="竖排标题 1"/>
           <p:cNvSpPr>
             <a:spLocks noGrp="1"/>
           </p:cNvSpPr>
@@ -1391,18 +853,13 @@
               <a:rPr lang="zh-CN" altLang="en-US"/>
               <a:t>单击此处编辑母版标题样式</a:t>
             </a:r>
-          </a:p>
-        </p:txBody>
-      </p:sp>
-      <p:sp>
-        <p:nvSpPr>
-          <p:cNvPr id="3" name="竖排文字占位符 2">
-            <a:extLst>
-              <a:ext uri="{FF2B5EF4-FFF2-40B4-BE49-F238E27FC236}">
-                <a16:creationId xmlns:a16="http://schemas.microsoft.com/office/drawing/2014/main" id="{7EC11622-84DF-7D57-93FD-F7B2BCE27D7B}"/>
-              </a:ext>
-            </a:extLst>
-          </p:cNvPr>
+            <a:endParaRPr lang="zh-CN" altLang="en-US"/>
+          </a:p>
+        </p:txBody>
+      </p:sp>
+      <p:sp>
+        <p:nvSpPr>
+          <p:cNvPr id="3" name="竖排文字占位符 2"/>
           <p:cNvSpPr>
             <a:spLocks noGrp="1"/>
           </p:cNvSpPr>
@@ -1425,6 +882,7 @@
               <a:rPr lang="zh-CN" altLang="en-US"/>
               <a:t>单击此处编辑母版文本样式</a:t>
             </a:r>
+            <a:endParaRPr lang="zh-CN" altLang="en-US"/>
           </a:p>
           <a:p>
             <a:pPr lvl="1"/>
@@ -1432,6 +890,7 @@
               <a:rPr lang="zh-CN" altLang="en-US"/>
               <a:t>二级</a:t>
             </a:r>
+            <a:endParaRPr lang="zh-CN" altLang="en-US"/>
           </a:p>
           <a:p>
             <a:pPr lvl="2"/>
@@ -1439,6 +898,7 @@
               <a:rPr lang="zh-CN" altLang="en-US"/>
               <a:t>三级</a:t>
             </a:r>
+            <a:endParaRPr lang="zh-CN" altLang="en-US"/>
           </a:p>
           <a:p>
             <a:pPr lvl="3"/>
@@ -1446,6 +906,7 @@
               <a:rPr lang="zh-CN" altLang="en-US"/>
               <a:t>四级</a:t>
             </a:r>
+            <a:endParaRPr lang="zh-CN" altLang="en-US"/>
           </a:p>
           <a:p>
             <a:pPr lvl="4"/>
@@ -1453,18 +914,13 @@
               <a:rPr lang="zh-CN" altLang="en-US"/>
               <a:t>五级</a:t>
             </a:r>
-          </a:p>
-        </p:txBody>
-      </p:sp>
-      <p:sp>
-        <p:nvSpPr>
-          <p:cNvPr id="4" name="日期占位符 3">
-            <a:extLst>
-              <a:ext uri="{FF2B5EF4-FFF2-40B4-BE49-F238E27FC236}">
-                <a16:creationId xmlns:a16="http://schemas.microsoft.com/office/drawing/2014/main" id="{F670DF88-56F1-2CC1-6E76-2C9F009E2251}"/>
-              </a:ext>
-            </a:extLst>
-          </p:cNvPr>
+            <a:endParaRPr lang="zh-CN" altLang="en-US"/>
+          </a:p>
+        </p:txBody>
+      </p:sp>
+      <p:sp>
+        <p:nvSpPr>
+          <p:cNvPr id="4" name="日期占位符 3"/>
           <p:cNvSpPr>
             <a:spLocks noGrp="1"/>
           </p:cNvSpPr>
@@ -1479,7 +935,6 @@
           <a:p>
             <a:fld id="{38D2F079-72ED-455F-84CE-DB8625D5603C}" type="datetimeFigureOut">
               <a:rPr lang="zh-CN" altLang="en-US" smtClean="0"/>
-              <a:t>2022/6/14</a:t>
             </a:fld>
             <a:endParaRPr lang="zh-CN" altLang="en-US"/>
           </a:p>
@@ -1487,13 +942,7 @@
       </p:sp>
       <p:sp>
         <p:nvSpPr>
-          <p:cNvPr id="5" name="页脚占位符 4">
-            <a:extLst>
-              <a:ext uri="{FF2B5EF4-FFF2-40B4-BE49-F238E27FC236}">
-                <a16:creationId xmlns:a16="http://schemas.microsoft.com/office/drawing/2014/main" id="{B05D9EBB-294E-3DC3-5C9A-47DC1FF9D1D1}"/>
-              </a:ext>
-            </a:extLst>
-          </p:cNvPr>
+          <p:cNvPr id="5" name="页脚占位符 4"/>
           <p:cNvSpPr>
             <a:spLocks noGrp="1"/>
           </p:cNvSpPr>
@@ -1512,13 +961,7 @@
       </p:sp>
       <p:sp>
         <p:nvSpPr>
-          <p:cNvPr id="6" name="灯片编号占位符 5">
-            <a:extLst>
-              <a:ext uri="{FF2B5EF4-FFF2-40B4-BE49-F238E27FC236}">
-                <a16:creationId xmlns:a16="http://schemas.microsoft.com/office/drawing/2014/main" id="{071741DB-A2DE-2552-2A99-9C8E143837E0}"/>
-              </a:ext>
-            </a:extLst>
-          </p:cNvPr>
+          <p:cNvPr id="6" name="灯片编号占位符 5"/>
           <p:cNvSpPr>
             <a:spLocks noGrp="1"/>
           </p:cNvSpPr>
@@ -1533,18 +976,12 @@
           <a:p>
             <a:fld id="{7D68EEC4-A888-40D2-96A3-4D8C6D94BC6B}" type="slidenum">
               <a:rPr lang="zh-CN" altLang="en-US" smtClean="0"/>
-              <a:t>‹#›</a:t>
             </a:fld>
             <a:endParaRPr lang="zh-CN" altLang="en-US"/>
           </a:p>
         </p:txBody>
       </p:sp>
     </p:spTree>
-    <p:extLst>
-      <p:ext uri="{BB962C8B-B14F-4D97-AF65-F5344CB8AC3E}">
-        <p14:creationId xmlns:p14="http://schemas.microsoft.com/office/powerpoint/2010/main" val="2675632016"/>
-      </p:ext>
-    </p:extLst>
   </p:cSld>
   <p:clrMapOvr>
     <a:masterClrMapping/>
@@ -1571,13 +1008,7 @@
       </p:grpSpPr>
       <p:sp>
         <p:nvSpPr>
-          <p:cNvPr id="2" name="标题 1">
-            <a:extLst>
-              <a:ext uri="{FF2B5EF4-FFF2-40B4-BE49-F238E27FC236}">
-                <a16:creationId xmlns:a16="http://schemas.microsoft.com/office/drawing/2014/main" id="{9FBC2C77-C83D-5F4B-5467-F411F164801D}"/>
-              </a:ext>
-            </a:extLst>
-          </p:cNvPr>
+          <p:cNvPr id="2" name="标题 1"/>
           <p:cNvSpPr>
             <a:spLocks noGrp="1"/>
           </p:cNvSpPr>
@@ -1594,18 +1025,13 @@
               <a:rPr lang="zh-CN" altLang="en-US" dirty="0"/>
               <a:t>单击此处编辑母版标题样式</a:t>
             </a:r>
-          </a:p>
-        </p:txBody>
-      </p:sp>
-      <p:sp>
-        <p:nvSpPr>
-          <p:cNvPr id="3" name="内容占位符 2">
-            <a:extLst>
-              <a:ext uri="{FF2B5EF4-FFF2-40B4-BE49-F238E27FC236}">
-                <a16:creationId xmlns:a16="http://schemas.microsoft.com/office/drawing/2014/main" id="{3FE1D147-EC33-880B-A6D3-A7FB91627978}"/>
-              </a:ext>
-            </a:extLst>
-          </p:cNvPr>
+            <a:endParaRPr lang="zh-CN" altLang="en-US" dirty="0"/>
+          </a:p>
+        </p:txBody>
+      </p:sp>
+      <p:sp>
+        <p:nvSpPr>
+          <p:cNvPr id="3" name="内容占位符 2"/>
           <p:cNvSpPr>
             <a:spLocks noGrp="1"/>
           </p:cNvSpPr>
@@ -1623,6 +1049,7 @@
               <a:rPr lang="zh-CN" altLang="en-US"/>
               <a:t>单击此处编辑母版文本样式</a:t>
             </a:r>
+            <a:endParaRPr lang="zh-CN" altLang="en-US"/>
           </a:p>
           <a:p>
             <a:pPr lvl="1"/>
@@ -1630,6 +1057,7 @@
               <a:rPr lang="zh-CN" altLang="en-US"/>
               <a:t>二级</a:t>
             </a:r>
+            <a:endParaRPr lang="zh-CN" altLang="en-US"/>
           </a:p>
           <a:p>
             <a:pPr lvl="2"/>
@@ -1637,6 +1065,7 @@
               <a:rPr lang="zh-CN" altLang="en-US"/>
               <a:t>三级</a:t>
             </a:r>
+            <a:endParaRPr lang="zh-CN" altLang="en-US"/>
           </a:p>
           <a:p>
             <a:pPr lvl="3"/>
@@ -1644,6 +1073,7 @@
               <a:rPr lang="zh-CN" altLang="en-US"/>
               <a:t>四级</a:t>
             </a:r>
+            <a:endParaRPr lang="zh-CN" altLang="en-US"/>
           </a:p>
           <a:p>
             <a:pPr lvl="4"/>
@@ -1651,18 +1081,13 @@
               <a:rPr lang="zh-CN" altLang="en-US"/>
               <a:t>五级</a:t>
             </a:r>
-          </a:p>
-        </p:txBody>
-      </p:sp>
-      <p:sp>
-        <p:nvSpPr>
-          <p:cNvPr id="4" name="日期占位符 3">
-            <a:extLst>
-              <a:ext uri="{FF2B5EF4-FFF2-40B4-BE49-F238E27FC236}">
-                <a16:creationId xmlns:a16="http://schemas.microsoft.com/office/drawing/2014/main" id="{D53B71BB-6D92-3A64-724A-179D5CA86025}"/>
-              </a:ext>
-            </a:extLst>
-          </p:cNvPr>
+            <a:endParaRPr lang="zh-CN" altLang="en-US"/>
+          </a:p>
+        </p:txBody>
+      </p:sp>
+      <p:sp>
+        <p:nvSpPr>
+          <p:cNvPr id="4" name="日期占位符 3"/>
           <p:cNvSpPr>
             <a:spLocks noGrp="1"/>
           </p:cNvSpPr>
@@ -1677,7 +1102,6 @@
           <a:p>
             <a:fld id="{38D2F079-72ED-455F-84CE-DB8625D5603C}" type="datetimeFigureOut">
               <a:rPr lang="zh-CN" altLang="en-US" smtClean="0"/>
-              <a:t>2022/6/14</a:t>
             </a:fld>
             <a:endParaRPr lang="zh-CN" altLang="en-US"/>
           </a:p>
@@ -1685,13 +1109,7 @@
       </p:sp>
       <p:sp>
         <p:nvSpPr>
-          <p:cNvPr id="5" name="页脚占位符 4">
-            <a:extLst>
-              <a:ext uri="{FF2B5EF4-FFF2-40B4-BE49-F238E27FC236}">
-                <a16:creationId xmlns:a16="http://schemas.microsoft.com/office/drawing/2014/main" id="{62D50491-3D0C-8D22-F68E-7EB82FF0B2C9}"/>
-              </a:ext>
-            </a:extLst>
-          </p:cNvPr>
+          <p:cNvPr id="5" name="页脚占位符 4"/>
           <p:cNvSpPr>
             <a:spLocks noGrp="1"/>
           </p:cNvSpPr>
@@ -1710,13 +1128,7 @@
       </p:sp>
       <p:sp>
         <p:nvSpPr>
-          <p:cNvPr id="6" name="灯片编号占位符 5">
-            <a:extLst>
-              <a:ext uri="{FF2B5EF4-FFF2-40B4-BE49-F238E27FC236}">
-                <a16:creationId xmlns:a16="http://schemas.microsoft.com/office/drawing/2014/main" id="{BE27E911-10B4-491C-0038-5DF4E43EDF40}"/>
-              </a:ext>
-            </a:extLst>
-          </p:cNvPr>
+          <p:cNvPr id="6" name="灯片编号占位符 5"/>
           <p:cNvSpPr>
             <a:spLocks noGrp="1"/>
           </p:cNvSpPr>
@@ -1731,7 +1143,6 @@
           <a:p>
             <a:fld id="{7D68EEC4-A888-40D2-96A3-4D8C6D94BC6B}" type="slidenum">
               <a:rPr lang="zh-CN" altLang="en-US" smtClean="0"/>
-              <a:t>‹#›</a:t>
             </a:fld>
             <a:endParaRPr lang="zh-CN" altLang="en-US"/>
           </a:p>
@@ -1739,13 +1150,7 @@
       </p:sp>
       <p:pic>
         <p:nvPicPr>
-          <p:cNvPr id="10" name="图片 1">
-            <a:extLst>
-              <a:ext uri="{FF2B5EF4-FFF2-40B4-BE49-F238E27FC236}">
-                <a16:creationId xmlns:a16="http://schemas.microsoft.com/office/drawing/2014/main" id="{BB75AAEF-F7D5-32B5-969B-0B861E19EBAE}"/>
-              </a:ext>
-            </a:extLst>
-          </p:cNvPr>
+          <p:cNvPr id="10" name="图片 1"/>
           <p:cNvPicPr>
             <a:picLocks noChangeAspect="1"/>
           </p:cNvPicPr>
@@ -1799,13 +1204,7 @@
       </p:pic>
       <p:pic>
         <p:nvPicPr>
-          <p:cNvPr id="11" name="图片 2">
-            <a:extLst>
-              <a:ext uri="{FF2B5EF4-FFF2-40B4-BE49-F238E27FC236}">
-                <a16:creationId xmlns:a16="http://schemas.microsoft.com/office/drawing/2014/main" id="{C30A98F5-2D18-B9B6-CC5E-6F0BDCFA079E}"/>
-              </a:ext>
-            </a:extLst>
-          </p:cNvPr>
+          <p:cNvPr id="11" name="图片 2"/>
           <p:cNvPicPr>
             <a:picLocks noChangeAspect="1"/>
           </p:cNvPicPr>
@@ -1859,13 +1258,7 @@
       </p:pic>
       <p:sp>
         <p:nvSpPr>
-          <p:cNvPr id="12" name="文本框 16">
-            <a:extLst>
-              <a:ext uri="{FF2B5EF4-FFF2-40B4-BE49-F238E27FC236}">
-                <a16:creationId xmlns:a16="http://schemas.microsoft.com/office/drawing/2014/main" id="{B09BC427-1E25-127C-4DD7-0C064677958E}"/>
-              </a:ext>
-            </a:extLst>
-          </p:cNvPr>
+          <p:cNvPr id="12" name="文本框 16"/>
           <p:cNvSpPr txBox="1">
             <a:spLocks noChangeArrowheads="1"/>
           </p:cNvSpPr>
@@ -2040,13 +1433,7 @@
       </p:sp>
       <p:grpSp>
         <p:nvGrpSpPr>
-          <p:cNvPr id="13" name="组合 12">
-            <a:extLst>
-              <a:ext uri="{FF2B5EF4-FFF2-40B4-BE49-F238E27FC236}">
-                <a16:creationId xmlns:a16="http://schemas.microsoft.com/office/drawing/2014/main" id="{05F3A225-DBA9-A292-4F8B-52230A64A777}"/>
-              </a:ext>
-            </a:extLst>
-          </p:cNvPr>
+          <p:cNvPr id="13" name="组合 12"/>
           <p:cNvGrpSpPr/>
           <p:nvPr userDrawn="1"/>
         </p:nvGrpSpPr>
@@ -2063,13 +1450,7 @@
         </p:grpSpPr>
         <p:cxnSp>
           <p:nvCxnSpPr>
-            <p:cNvPr id="14" name="直接连接符 13">
-              <a:extLst>
-                <a:ext uri="{FF2B5EF4-FFF2-40B4-BE49-F238E27FC236}">
-                  <a16:creationId xmlns:a16="http://schemas.microsoft.com/office/drawing/2014/main" id="{FFB8848D-CAD5-6FAF-FC85-22B4D76D4AAE}"/>
-                </a:ext>
-              </a:extLst>
-            </p:cNvPr>
+            <p:cNvPr id="14" name="直接连接符 13"/>
             <p:cNvCxnSpPr/>
             <p:nvPr/>
           </p:nvCxnSpPr>
@@ -2105,13 +1486,7 @@
         </p:cxnSp>
         <p:sp>
           <p:nvSpPr>
-            <p:cNvPr id="15" name="矩形 14">
-              <a:extLst>
-                <a:ext uri="{FF2B5EF4-FFF2-40B4-BE49-F238E27FC236}">
-                  <a16:creationId xmlns:a16="http://schemas.microsoft.com/office/drawing/2014/main" id="{A2A44121-197F-9DC0-C6B0-ABFE01974D9F}"/>
-                </a:ext>
-              </a:extLst>
-            </p:cNvPr>
+            <p:cNvPr id="15" name="矩形 14"/>
             <p:cNvSpPr/>
             <p:nvPr/>
           </p:nvSpPr>
@@ -2158,13 +1533,7 @@
       </p:grpSp>
       <p:sp>
         <p:nvSpPr>
-          <p:cNvPr id="16" name="矩形 15">
-            <a:extLst>
-              <a:ext uri="{FF2B5EF4-FFF2-40B4-BE49-F238E27FC236}">
-                <a16:creationId xmlns:a16="http://schemas.microsoft.com/office/drawing/2014/main" id="{2E5572E6-0F9D-8F24-317D-220357F19A13}"/>
-              </a:ext>
-            </a:extLst>
-          </p:cNvPr>
+          <p:cNvPr id="16" name="矩形 15"/>
           <p:cNvSpPr/>
           <p:nvPr userDrawn="1"/>
         </p:nvSpPr>
@@ -2209,11 +1578,6 @@
         </p:txBody>
       </p:sp>
     </p:spTree>
-    <p:extLst>
-      <p:ext uri="{BB962C8B-B14F-4D97-AF65-F5344CB8AC3E}">
-        <p14:creationId xmlns:p14="http://schemas.microsoft.com/office/powerpoint/2010/main" val="372173934"/>
-      </p:ext>
-    </p:extLst>
   </p:cSld>
   <p:clrMapOvr>
     <a:masterClrMapping/>
@@ -2240,13 +1604,7 @@
       </p:grpSpPr>
       <p:sp>
         <p:nvSpPr>
-          <p:cNvPr id="2" name="标题 1">
-            <a:extLst>
-              <a:ext uri="{FF2B5EF4-FFF2-40B4-BE49-F238E27FC236}">
-                <a16:creationId xmlns:a16="http://schemas.microsoft.com/office/drawing/2014/main" id="{4D09AEEA-798C-E1E0-0BB7-B2AF4E29CFD9}"/>
-              </a:ext>
-            </a:extLst>
-          </p:cNvPr>
+          <p:cNvPr id="2" name="标题 1"/>
           <p:cNvSpPr>
             <a:spLocks noGrp="1"/>
           </p:cNvSpPr>
@@ -2272,18 +1630,13 @@
               <a:rPr lang="zh-CN" altLang="en-US"/>
               <a:t>单击此处编辑母版标题样式</a:t>
             </a:r>
-          </a:p>
-        </p:txBody>
-      </p:sp>
-      <p:sp>
-        <p:nvSpPr>
-          <p:cNvPr id="3" name="文本占位符 2">
-            <a:extLst>
-              <a:ext uri="{FF2B5EF4-FFF2-40B4-BE49-F238E27FC236}">
-                <a16:creationId xmlns:a16="http://schemas.microsoft.com/office/drawing/2014/main" id="{991FE413-5AE8-25C7-207C-2A8F86E2413B}"/>
-              </a:ext>
-            </a:extLst>
-          </p:cNvPr>
+            <a:endParaRPr lang="zh-CN" altLang="en-US"/>
+          </a:p>
+        </p:txBody>
+      </p:sp>
+      <p:sp>
+        <p:nvSpPr>
+          <p:cNvPr id="3" name="文本占位符 2"/>
           <p:cNvSpPr>
             <a:spLocks noGrp="1"/>
           </p:cNvSpPr>
@@ -2397,18 +1750,13 @@
               <a:rPr lang="zh-CN" altLang="en-US"/>
               <a:t>单击此处编辑母版文本样式</a:t>
             </a:r>
-          </a:p>
-        </p:txBody>
-      </p:sp>
-      <p:sp>
-        <p:nvSpPr>
-          <p:cNvPr id="4" name="日期占位符 3">
-            <a:extLst>
-              <a:ext uri="{FF2B5EF4-FFF2-40B4-BE49-F238E27FC236}">
-                <a16:creationId xmlns:a16="http://schemas.microsoft.com/office/drawing/2014/main" id="{0E7BEA4E-1625-4913-0042-96ADC10539E4}"/>
-              </a:ext>
-            </a:extLst>
-          </p:cNvPr>
+            <a:endParaRPr lang="zh-CN" altLang="en-US"/>
+          </a:p>
+        </p:txBody>
+      </p:sp>
+      <p:sp>
+        <p:nvSpPr>
+          <p:cNvPr id="4" name="日期占位符 3"/>
           <p:cNvSpPr>
             <a:spLocks noGrp="1"/>
           </p:cNvSpPr>
@@ -2423,7 +1771,6 @@
           <a:p>
             <a:fld id="{38D2F079-72ED-455F-84CE-DB8625D5603C}" type="datetimeFigureOut">
               <a:rPr lang="zh-CN" altLang="en-US" smtClean="0"/>
-              <a:t>2022/6/14</a:t>
             </a:fld>
             <a:endParaRPr lang="zh-CN" altLang="en-US"/>
           </a:p>
@@ -2431,13 +1778,7 @@
       </p:sp>
       <p:sp>
         <p:nvSpPr>
-          <p:cNvPr id="5" name="页脚占位符 4">
-            <a:extLst>
-              <a:ext uri="{FF2B5EF4-FFF2-40B4-BE49-F238E27FC236}">
-                <a16:creationId xmlns:a16="http://schemas.microsoft.com/office/drawing/2014/main" id="{EA825D23-E4B9-E1BD-46CE-8690084E84BE}"/>
-              </a:ext>
-            </a:extLst>
-          </p:cNvPr>
+          <p:cNvPr id="5" name="页脚占位符 4"/>
           <p:cNvSpPr>
             <a:spLocks noGrp="1"/>
           </p:cNvSpPr>
@@ -2456,13 +1797,7 @@
       </p:sp>
       <p:sp>
         <p:nvSpPr>
-          <p:cNvPr id="6" name="灯片编号占位符 5">
-            <a:extLst>
-              <a:ext uri="{FF2B5EF4-FFF2-40B4-BE49-F238E27FC236}">
-                <a16:creationId xmlns:a16="http://schemas.microsoft.com/office/drawing/2014/main" id="{9453819F-C260-23FA-3E28-7D5E903E29B0}"/>
-              </a:ext>
-            </a:extLst>
-          </p:cNvPr>
+          <p:cNvPr id="6" name="灯片编号占位符 5"/>
           <p:cNvSpPr>
             <a:spLocks noGrp="1"/>
           </p:cNvSpPr>
@@ -2477,18 +1812,12 @@
           <a:p>
             <a:fld id="{7D68EEC4-A888-40D2-96A3-4D8C6D94BC6B}" type="slidenum">
               <a:rPr lang="zh-CN" altLang="en-US" smtClean="0"/>
-              <a:t>‹#›</a:t>
             </a:fld>
             <a:endParaRPr lang="zh-CN" altLang="en-US"/>
           </a:p>
         </p:txBody>
       </p:sp>
     </p:spTree>
-    <p:extLst>
-      <p:ext uri="{BB962C8B-B14F-4D97-AF65-F5344CB8AC3E}">
-        <p14:creationId xmlns:p14="http://schemas.microsoft.com/office/powerpoint/2010/main" val="3024532990"/>
-      </p:ext>
-    </p:extLst>
   </p:cSld>
   <p:clrMapOvr>
     <a:masterClrMapping/>
@@ -2515,13 +1844,7 @@
       </p:grpSpPr>
       <p:sp>
         <p:nvSpPr>
-          <p:cNvPr id="2" name="标题 1">
-            <a:extLst>
-              <a:ext uri="{FF2B5EF4-FFF2-40B4-BE49-F238E27FC236}">
-                <a16:creationId xmlns:a16="http://schemas.microsoft.com/office/drawing/2014/main" id="{B0867CF5-7D86-A282-2E05-6799D2F93C82}"/>
-              </a:ext>
-            </a:extLst>
-          </p:cNvPr>
+          <p:cNvPr id="2" name="标题 1"/>
           <p:cNvSpPr>
             <a:spLocks noGrp="1"/>
           </p:cNvSpPr>
@@ -2538,18 +1861,13 @@
               <a:rPr lang="zh-CN" altLang="en-US"/>
               <a:t>单击此处编辑母版标题样式</a:t>
             </a:r>
-          </a:p>
-        </p:txBody>
-      </p:sp>
-      <p:sp>
-        <p:nvSpPr>
-          <p:cNvPr id="3" name="内容占位符 2">
-            <a:extLst>
-              <a:ext uri="{FF2B5EF4-FFF2-40B4-BE49-F238E27FC236}">
-                <a16:creationId xmlns:a16="http://schemas.microsoft.com/office/drawing/2014/main" id="{5C865943-453D-18FC-D48B-907330220F77}"/>
-              </a:ext>
-            </a:extLst>
-          </p:cNvPr>
+            <a:endParaRPr lang="zh-CN" altLang="en-US"/>
+          </a:p>
+        </p:txBody>
+      </p:sp>
+      <p:sp>
+        <p:nvSpPr>
+          <p:cNvPr id="3" name="内容占位符 2"/>
           <p:cNvSpPr>
             <a:spLocks noGrp="1"/>
           </p:cNvSpPr>
@@ -2572,6 +1890,7 @@
               <a:rPr lang="zh-CN" altLang="en-US"/>
               <a:t>单击此处编辑母版文本样式</a:t>
             </a:r>
+            <a:endParaRPr lang="zh-CN" altLang="en-US"/>
           </a:p>
           <a:p>
             <a:pPr lvl="1"/>
@@ -2579,6 +1898,7 @@
               <a:rPr lang="zh-CN" altLang="en-US"/>
               <a:t>二级</a:t>
             </a:r>
+            <a:endParaRPr lang="zh-CN" altLang="en-US"/>
           </a:p>
           <a:p>
             <a:pPr lvl="2"/>
@@ -2586,6 +1906,7 @@
               <a:rPr lang="zh-CN" altLang="en-US"/>
               <a:t>三级</a:t>
             </a:r>
+            <a:endParaRPr lang="zh-CN" altLang="en-US"/>
           </a:p>
           <a:p>
             <a:pPr lvl="3"/>
@@ -2593,6 +1914,7 @@
               <a:rPr lang="zh-CN" altLang="en-US"/>
               <a:t>四级</a:t>
             </a:r>
+            <a:endParaRPr lang="zh-CN" altLang="en-US"/>
           </a:p>
           <a:p>
             <a:pPr lvl="4"/>
@@ -2600,18 +1922,13 @@
               <a:rPr lang="zh-CN" altLang="en-US"/>
               <a:t>五级</a:t>
             </a:r>
-          </a:p>
-        </p:txBody>
-      </p:sp>
-      <p:sp>
-        <p:nvSpPr>
-          <p:cNvPr id="4" name="内容占位符 3">
-            <a:extLst>
-              <a:ext uri="{FF2B5EF4-FFF2-40B4-BE49-F238E27FC236}">
-                <a16:creationId xmlns:a16="http://schemas.microsoft.com/office/drawing/2014/main" id="{BDAD9EAD-A32B-5CA8-FF4D-03FC4F5044B1}"/>
-              </a:ext>
-            </a:extLst>
-          </p:cNvPr>
+            <a:endParaRPr lang="zh-CN" altLang="en-US"/>
+          </a:p>
+        </p:txBody>
+      </p:sp>
+      <p:sp>
+        <p:nvSpPr>
+          <p:cNvPr id="4" name="内容占位符 3"/>
           <p:cNvSpPr>
             <a:spLocks noGrp="1"/>
           </p:cNvSpPr>
@@ -2634,6 +1951,7 @@
               <a:rPr lang="zh-CN" altLang="en-US"/>
               <a:t>单击此处编辑母版文本样式</a:t>
             </a:r>
+            <a:endParaRPr lang="zh-CN" altLang="en-US"/>
           </a:p>
           <a:p>
             <a:pPr lvl="1"/>
@@ -2641,6 +1959,7 @@
               <a:rPr lang="zh-CN" altLang="en-US"/>
               <a:t>二级</a:t>
             </a:r>
+            <a:endParaRPr lang="zh-CN" altLang="en-US"/>
           </a:p>
           <a:p>
             <a:pPr lvl="2"/>
@@ -2648,6 +1967,7 @@
               <a:rPr lang="zh-CN" altLang="en-US"/>
               <a:t>三级</a:t>
             </a:r>
+            <a:endParaRPr lang="zh-CN" altLang="en-US"/>
           </a:p>
           <a:p>
             <a:pPr lvl="3"/>
@@ -2655,6 +1975,7 @@
               <a:rPr lang="zh-CN" altLang="en-US"/>
               <a:t>四级</a:t>
             </a:r>
+            <a:endParaRPr lang="zh-CN" altLang="en-US"/>
           </a:p>
           <a:p>
             <a:pPr lvl="4"/>
@@ -2662,18 +1983,13 @@
               <a:rPr lang="zh-CN" altLang="en-US"/>
               <a:t>五级</a:t>
             </a:r>
-          </a:p>
-        </p:txBody>
-      </p:sp>
-      <p:sp>
-        <p:nvSpPr>
-          <p:cNvPr id="5" name="日期占位符 4">
-            <a:extLst>
-              <a:ext uri="{FF2B5EF4-FFF2-40B4-BE49-F238E27FC236}">
-                <a16:creationId xmlns:a16="http://schemas.microsoft.com/office/drawing/2014/main" id="{4EA11F3B-B4EB-DBF3-CD9D-4FF9AFCE61D2}"/>
-              </a:ext>
-            </a:extLst>
-          </p:cNvPr>
+            <a:endParaRPr lang="zh-CN" altLang="en-US"/>
+          </a:p>
+        </p:txBody>
+      </p:sp>
+      <p:sp>
+        <p:nvSpPr>
+          <p:cNvPr id="5" name="日期占位符 4"/>
           <p:cNvSpPr>
             <a:spLocks noGrp="1"/>
           </p:cNvSpPr>
@@ -2688,7 +2004,6 @@
           <a:p>
             <a:fld id="{38D2F079-72ED-455F-84CE-DB8625D5603C}" type="datetimeFigureOut">
               <a:rPr lang="zh-CN" altLang="en-US" smtClean="0"/>
-              <a:t>2022/6/14</a:t>
             </a:fld>
             <a:endParaRPr lang="zh-CN" altLang="en-US"/>
           </a:p>
@@ -2696,13 +2011,7 @@
       </p:sp>
       <p:sp>
         <p:nvSpPr>
-          <p:cNvPr id="6" name="页脚占位符 5">
-            <a:extLst>
-              <a:ext uri="{FF2B5EF4-FFF2-40B4-BE49-F238E27FC236}">
-                <a16:creationId xmlns:a16="http://schemas.microsoft.com/office/drawing/2014/main" id="{1686D743-09E0-EC64-526F-835E910A74F1}"/>
-              </a:ext>
-            </a:extLst>
-          </p:cNvPr>
+          <p:cNvPr id="6" name="页脚占位符 5"/>
           <p:cNvSpPr>
             <a:spLocks noGrp="1"/>
           </p:cNvSpPr>
@@ -2721,13 +2030,7 @@
       </p:sp>
       <p:sp>
         <p:nvSpPr>
-          <p:cNvPr id="7" name="灯片编号占位符 6">
-            <a:extLst>
-              <a:ext uri="{FF2B5EF4-FFF2-40B4-BE49-F238E27FC236}">
-                <a16:creationId xmlns:a16="http://schemas.microsoft.com/office/drawing/2014/main" id="{2FBE4EC7-E988-FAAF-D3D0-416745769765}"/>
-              </a:ext>
-            </a:extLst>
-          </p:cNvPr>
+          <p:cNvPr id="7" name="灯片编号占位符 6"/>
           <p:cNvSpPr>
             <a:spLocks noGrp="1"/>
           </p:cNvSpPr>
@@ -2742,18 +2045,12 @@
           <a:p>
             <a:fld id="{7D68EEC4-A888-40D2-96A3-4D8C6D94BC6B}" type="slidenum">
               <a:rPr lang="zh-CN" altLang="en-US" smtClean="0"/>
-              <a:t>‹#›</a:t>
             </a:fld>
             <a:endParaRPr lang="zh-CN" altLang="en-US"/>
           </a:p>
         </p:txBody>
       </p:sp>
     </p:spTree>
-    <p:extLst>
-      <p:ext uri="{BB962C8B-B14F-4D97-AF65-F5344CB8AC3E}">
-        <p14:creationId xmlns:p14="http://schemas.microsoft.com/office/powerpoint/2010/main" val="647872254"/>
-      </p:ext>
-    </p:extLst>
   </p:cSld>
   <p:clrMapOvr>
     <a:masterClrMapping/>
@@ -2780,13 +2077,7 @@
       </p:grpSpPr>
       <p:sp>
         <p:nvSpPr>
-          <p:cNvPr id="2" name="标题 1">
-            <a:extLst>
-              <a:ext uri="{FF2B5EF4-FFF2-40B4-BE49-F238E27FC236}">
-                <a16:creationId xmlns:a16="http://schemas.microsoft.com/office/drawing/2014/main" id="{35934E7E-6AC9-46E4-C24F-7F210033BD1F}"/>
-              </a:ext>
-            </a:extLst>
-          </p:cNvPr>
+          <p:cNvPr id="2" name="标题 1"/>
           <p:cNvSpPr>
             <a:spLocks noGrp="1"/>
           </p:cNvSpPr>
@@ -2808,18 +2099,13 @@
               <a:rPr lang="zh-CN" altLang="en-US"/>
               <a:t>单击此处编辑母版标题样式</a:t>
             </a:r>
-          </a:p>
-        </p:txBody>
-      </p:sp>
-      <p:sp>
-        <p:nvSpPr>
-          <p:cNvPr id="3" name="文本占位符 2">
-            <a:extLst>
-              <a:ext uri="{FF2B5EF4-FFF2-40B4-BE49-F238E27FC236}">
-                <a16:creationId xmlns:a16="http://schemas.microsoft.com/office/drawing/2014/main" id="{07EF14CA-9AB3-6FE9-38C1-6D7CAA2F4C7F}"/>
-              </a:ext>
-            </a:extLst>
-          </p:cNvPr>
+            <a:endParaRPr lang="zh-CN" altLang="en-US"/>
+          </a:p>
+        </p:txBody>
+      </p:sp>
+      <p:sp>
+        <p:nvSpPr>
+          <p:cNvPr id="3" name="文本占位符 2"/>
           <p:cNvSpPr>
             <a:spLocks noGrp="1"/>
           </p:cNvSpPr>
@@ -2879,18 +2165,13 @@
               <a:rPr lang="zh-CN" altLang="en-US"/>
               <a:t>单击此处编辑母版文本样式</a:t>
             </a:r>
-          </a:p>
-        </p:txBody>
-      </p:sp>
-      <p:sp>
-        <p:nvSpPr>
-          <p:cNvPr id="4" name="内容占位符 3">
-            <a:extLst>
-              <a:ext uri="{FF2B5EF4-FFF2-40B4-BE49-F238E27FC236}">
-                <a16:creationId xmlns:a16="http://schemas.microsoft.com/office/drawing/2014/main" id="{1315A6E9-1E41-E870-4920-0560094F8EF9}"/>
-              </a:ext>
-            </a:extLst>
-          </p:cNvPr>
+            <a:endParaRPr lang="zh-CN" altLang="en-US"/>
+          </a:p>
+        </p:txBody>
+      </p:sp>
+      <p:sp>
+        <p:nvSpPr>
+          <p:cNvPr id="4" name="内容占位符 3"/>
           <p:cNvSpPr>
             <a:spLocks noGrp="1"/>
           </p:cNvSpPr>
@@ -2913,6 +2194,7 @@
               <a:rPr lang="zh-CN" altLang="en-US"/>
               <a:t>单击此处编辑母版文本样式</a:t>
             </a:r>
+            <a:endParaRPr lang="zh-CN" altLang="en-US"/>
           </a:p>
           <a:p>
             <a:pPr lvl="1"/>
@@ -2920,6 +2202,7 @@
               <a:rPr lang="zh-CN" altLang="en-US"/>
               <a:t>二级</a:t>
             </a:r>
+            <a:endParaRPr lang="zh-CN" altLang="en-US"/>
           </a:p>
           <a:p>
             <a:pPr lvl="2"/>
@@ -2927,6 +2210,7 @@
               <a:rPr lang="zh-CN" altLang="en-US"/>
               <a:t>三级</a:t>
             </a:r>
+            <a:endParaRPr lang="zh-CN" altLang="en-US"/>
           </a:p>
           <a:p>
             <a:pPr lvl="3"/>
@@ -2934,6 +2218,7 @@
               <a:rPr lang="zh-CN" altLang="en-US"/>
               <a:t>四级</a:t>
             </a:r>
+            <a:endParaRPr lang="zh-CN" altLang="en-US"/>
           </a:p>
           <a:p>
             <a:pPr lvl="4"/>
@@ -2941,18 +2226,13 @@
               <a:rPr lang="zh-CN" altLang="en-US"/>
               <a:t>五级</a:t>
             </a:r>
-          </a:p>
-        </p:txBody>
-      </p:sp>
-      <p:sp>
-        <p:nvSpPr>
-          <p:cNvPr id="5" name="文本占位符 4">
-            <a:extLst>
-              <a:ext uri="{FF2B5EF4-FFF2-40B4-BE49-F238E27FC236}">
-                <a16:creationId xmlns:a16="http://schemas.microsoft.com/office/drawing/2014/main" id="{A5674BE3-C28E-66CD-0609-6943B9908641}"/>
-              </a:ext>
-            </a:extLst>
-          </p:cNvPr>
+            <a:endParaRPr lang="zh-CN" altLang="en-US"/>
+          </a:p>
+        </p:txBody>
+      </p:sp>
+      <p:sp>
+        <p:nvSpPr>
+          <p:cNvPr id="5" name="文本占位符 4"/>
           <p:cNvSpPr>
             <a:spLocks noGrp="1"/>
           </p:cNvSpPr>
@@ -3012,18 +2292,13 @@
               <a:rPr lang="zh-CN" altLang="en-US"/>
               <a:t>单击此处编辑母版文本样式</a:t>
             </a:r>
-          </a:p>
-        </p:txBody>
-      </p:sp>
-      <p:sp>
-        <p:nvSpPr>
-          <p:cNvPr id="6" name="内容占位符 5">
-            <a:extLst>
-              <a:ext uri="{FF2B5EF4-FFF2-40B4-BE49-F238E27FC236}">
-                <a16:creationId xmlns:a16="http://schemas.microsoft.com/office/drawing/2014/main" id="{6A3FDEF1-F167-6D94-3DA7-5186F460C2E2}"/>
-              </a:ext>
-            </a:extLst>
-          </p:cNvPr>
+            <a:endParaRPr lang="zh-CN" altLang="en-US"/>
+          </a:p>
+        </p:txBody>
+      </p:sp>
+      <p:sp>
+        <p:nvSpPr>
+          <p:cNvPr id="6" name="内容占位符 5"/>
           <p:cNvSpPr>
             <a:spLocks noGrp="1"/>
           </p:cNvSpPr>
@@ -3046,6 +2321,7 @@
               <a:rPr lang="zh-CN" altLang="en-US"/>
               <a:t>单击此处编辑母版文本样式</a:t>
             </a:r>
+            <a:endParaRPr lang="zh-CN" altLang="en-US"/>
           </a:p>
           <a:p>
             <a:pPr lvl="1"/>
@@ -3053,6 +2329,7 @@
               <a:rPr lang="zh-CN" altLang="en-US"/>
               <a:t>二级</a:t>
             </a:r>
+            <a:endParaRPr lang="zh-CN" altLang="en-US"/>
           </a:p>
           <a:p>
             <a:pPr lvl="2"/>
@@ -3060,6 +2337,7 @@
               <a:rPr lang="zh-CN" altLang="en-US"/>
               <a:t>三级</a:t>
             </a:r>
+            <a:endParaRPr lang="zh-CN" altLang="en-US"/>
           </a:p>
           <a:p>
             <a:pPr lvl="3"/>
@@ -3067,6 +2345,7 @@
               <a:rPr lang="zh-CN" altLang="en-US"/>
               <a:t>四级</a:t>
             </a:r>
+            <a:endParaRPr lang="zh-CN" altLang="en-US"/>
           </a:p>
           <a:p>
             <a:pPr lvl="4"/>
@@ -3074,18 +2353,13 @@
               <a:rPr lang="zh-CN" altLang="en-US"/>
               <a:t>五级</a:t>
             </a:r>
-          </a:p>
-        </p:txBody>
-      </p:sp>
-      <p:sp>
-        <p:nvSpPr>
-          <p:cNvPr id="7" name="日期占位符 6">
-            <a:extLst>
-              <a:ext uri="{FF2B5EF4-FFF2-40B4-BE49-F238E27FC236}">
-                <a16:creationId xmlns:a16="http://schemas.microsoft.com/office/drawing/2014/main" id="{A9104391-F5BE-B558-D892-3FCEA91C31C1}"/>
-              </a:ext>
-            </a:extLst>
-          </p:cNvPr>
+            <a:endParaRPr lang="zh-CN" altLang="en-US"/>
+          </a:p>
+        </p:txBody>
+      </p:sp>
+      <p:sp>
+        <p:nvSpPr>
+          <p:cNvPr id="7" name="日期占位符 6"/>
           <p:cNvSpPr>
             <a:spLocks noGrp="1"/>
           </p:cNvSpPr>
@@ -3100,7 +2374,6 @@
           <a:p>
             <a:fld id="{38D2F079-72ED-455F-84CE-DB8625D5603C}" type="datetimeFigureOut">
               <a:rPr lang="zh-CN" altLang="en-US" smtClean="0"/>
-              <a:t>2022/6/14</a:t>
             </a:fld>
             <a:endParaRPr lang="zh-CN" altLang="en-US"/>
           </a:p>
@@ -3108,13 +2381,7 @@
       </p:sp>
       <p:sp>
         <p:nvSpPr>
-          <p:cNvPr id="8" name="页脚占位符 7">
-            <a:extLst>
-              <a:ext uri="{FF2B5EF4-FFF2-40B4-BE49-F238E27FC236}">
-                <a16:creationId xmlns:a16="http://schemas.microsoft.com/office/drawing/2014/main" id="{F6A0E0A9-C33B-D515-589D-54C632AC7E0D}"/>
-              </a:ext>
-            </a:extLst>
-          </p:cNvPr>
+          <p:cNvPr id="8" name="页脚占位符 7"/>
           <p:cNvSpPr>
             <a:spLocks noGrp="1"/>
           </p:cNvSpPr>
@@ -3133,13 +2400,7 @@
       </p:sp>
       <p:sp>
         <p:nvSpPr>
-          <p:cNvPr id="9" name="灯片编号占位符 8">
-            <a:extLst>
-              <a:ext uri="{FF2B5EF4-FFF2-40B4-BE49-F238E27FC236}">
-                <a16:creationId xmlns:a16="http://schemas.microsoft.com/office/drawing/2014/main" id="{2E121B20-6F05-A30D-1279-AD1E6AE731E1}"/>
-              </a:ext>
-            </a:extLst>
-          </p:cNvPr>
+          <p:cNvPr id="9" name="灯片编号占位符 8"/>
           <p:cNvSpPr>
             <a:spLocks noGrp="1"/>
           </p:cNvSpPr>
@@ -3154,18 +2415,12 @@
           <a:p>
             <a:fld id="{7D68EEC4-A888-40D2-96A3-4D8C6D94BC6B}" type="slidenum">
               <a:rPr lang="zh-CN" altLang="en-US" smtClean="0"/>
-              <a:t>‹#›</a:t>
             </a:fld>
             <a:endParaRPr lang="zh-CN" altLang="en-US"/>
           </a:p>
         </p:txBody>
       </p:sp>
     </p:spTree>
-    <p:extLst>
-      <p:ext uri="{BB962C8B-B14F-4D97-AF65-F5344CB8AC3E}">
-        <p14:creationId xmlns:p14="http://schemas.microsoft.com/office/powerpoint/2010/main" val="2163386210"/>
-      </p:ext>
-    </p:extLst>
   </p:cSld>
   <p:clrMapOvr>
     <a:masterClrMapping/>
@@ -3192,13 +2447,7 @@
       </p:grpSpPr>
       <p:sp>
         <p:nvSpPr>
-          <p:cNvPr id="2" name="标题 1">
-            <a:extLst>
-              <a:ext uri="{FF2B5EF4-FFF2-40B4-BE49-F238E27FC236}">
-                <a16:creationId xmlns:a16="http://schemas.microsoft.com/office/drawing/2014/main" id="{84409F23-04B3-EAFF-902E-D0AA5A923DFA}"/>
-              </a:ext>
-            </a:extLst>
-          </p:cNvPr>
+          <p:cNvPr id="2" name="标题 1"/>
           <p:cNvSpPr>
             <a:spLocks noGrp="1"/>
           </p:cNvSpPr>
@@ -3215,18 +2464,13 @@
               <a:rPr lang="zh-CN" altLang="en-US"/>
               <a:t>单击此处编辑母版标题样式</a:t>
             </a:r>
-          </a:p>
-        </p:txBody>
-      </p:sp>
-      <p:sp>
-        <p:nvSpPr>
-          <p:cNvPr id="3" name="日期占位符 2">
-            <a:extLst>
-              <a:ext uri="{FF2B5EF4-FFF2-40B4-BE49-F238E27FC236}">
-                <a16:creationId xmlns:a16="http://schemas.microsoft.com/office/drawing/2014/main" id="{3F6DDE99-1F83-AD12-82E0-B98DE0127458}"/>
-              </a:ext>
-            </a:extLst>
-          </p:cNvPr>
+            <a:endParaRPr lang="zh-CN" altLang="en-US"/>
+          </a:p>
+        </p:txBody>
+      </p:sp>
+      <p:sp>
+        <p:nvSpPr>
+          <p:cNvPr id="3" name="日期占位符 2"/>
           <p:cNvSpPr>
             <a:spLocks noGrp="1"/>
           </p:cNvSpPr>
@@ -3241,7 +2485,6 @@
           <a:p>
             <a:fld id="{38D2F079-72ED-455F-84CE-DB8625D5603C}" type="datetimeFigureOut">
               <a:rPr lang="zh-CN" altLang="en-US" smtClean="0"/>
-              <a:t>2022/6/14</a:t>
             </a:fld>
             <a:endParaRPr lang="zh-CN" altLang="en-US"/>
           </a:p>
@@ -3249,13 +2492,7 @@
       </p:sp>
       <p:sp>
         <p:nvSpPr>
-          <p:cNvPr id="4" name="页脚占位符 3">
-            <a:extLst>
-              <a:ext uri="{FF2B5EF4-FFF2-40B4-BE49-F238E27FC236}">
-                <a16:creationId xmlns:a16="http://schemas.microsoft.com/office/drawing/2014/main" id="{FD9480FC-2430-01D8-A150-9F4BE3E79730}"/>
-              </a:ext>
-            </a:extLst>
-          </p:cNvPr>
+          <p:cNvPr id="4" name="页脚占位符 3"/>
           <p:cNvSpPr>
             <a:spLocks noGrp="1"/>
           </p:cNvSpPr>
@@ -3274,13 +2511,7 @@
       </p:sp>
       <p:sp>
         <p:nvSpPr>
-          <p:cNvPr id="5" name="灯片编号占位符 4">
-            <a:extLst>
-              <a:ext uri="{FF2B5EF4-FFF2-40B4-BE49-F238E27FC236}">
-                <a16:creationId xmlns:a16="http://schemas.microsoft.com/office/drawing/2014/main" id="{901D9841-5C93-E6FA-0919-A4F9FA58E21E}"/>
-              </a:ext>
-            </a:extLst>
-          </p:cNvPr>
+          <p:cNvPr id="5" name="灯片编号占位符 4"/>
           <p:cNvSpPr>
             <a:spLocks noGrp="1"/>
           </p:cNvSpPr>
@@ -3295,18 +2526,12 @@
           <a:p>
             <a:fld id="{7D68EEC4-A888-40D2-96A3-4D8C6D94BC6B}" type="slidenum">
               <a:rPr lang="zh-CN" altLang="en-US" smtClean="0"/>
-              <a:t>‹#›</a:t>
             </a:fld>
             <a:endParaRPr lang="zh-CN" altLang="en-US"/>
           </a:p>
         </p:txBody>
       </p:sp>
     </p:spTree>
-    <p:extLst>
-      <p:ext uri="{BB962C8B-B14F-4D97-AF65-F5344CB8AC3E}">
-        <p14:creationId xmlns:p14="http://schemas.microsoft.com/office/powerpoint/2010/main" val="3439514168"/>
-      </p:ext>
-    </p:extLst>
   </p:cSld>
   <p:clrMapOvr>
     <a:masterClrMapping/>
@@ -3333,13 +2558,7 @@
       </p:grpSpPr>
       <p:sp>
         <p:nvSpPr>
-          <p:cNvPr id="2" name="日期占位符 1">
-            <a:extLst>
-              <a:ext uri="{FF2B5EF4-FFF2-40B4-BE49-F238E27FC236}">
-                <a16:creationId xmlns:a16="http://schemas.microsoft.com/office/drawing/2014/main" id="{C97819F6-AB36-C6F2-AF7F-F9E78920E480}"/>
-              </a:ext>
-            </a:extLst>
-          </p:cNvPr>
+          <p:cNvPr id="2" name="日期占位符 1"/>
           <p:cNvSpPr>
             <a:spLocks noGrp="1"/>
           </p:cNvSpPr>
@@ -3354,7 +2573,6 @@
           <a:p>
             <a:fld id="{38D2F079-72ED-455F-84CE-DB8625D5603C}" type="datetimeFigureOut">
               <a:rPr lang="zh-CN" altLang="en-US" smtClean="0"/>
-              <a:t>2022/6/14</a:t>
             </a:fld>
             <a:endParaRPr lang="zh-CN" altLang="en-US"/>
           </a:p>
@@ -3362,13 +2580,7 @@
       </p:sp>
       <p:sp>
         <p:nvSpPr>
-          <p:cNvPr id="3" name="页脚占位符 2">
-            <a:extLst>
-              <a:ext uri="{FF2B5EF4-FFF2-40B4-BE49-F238E27FC236}">
-                <a16:creationId xmlns:a16="http://schemas.microsoft.com/office/drawing/2014/main" id="{6D600E80-DF5C-E336-53FD-1E96C320E5E9}"/>
-              </a:ext>
-            </a:extLst>
-          </p:cNvPr>
+          <p:cNvPr id="3" name="页脚占位符 2"/>
           <p:cNvSpPr>
             <a:spLocks noGrp="1"/>
           </p:cNvSpPr>
@@ -3387,13 +2599,7 @@
       </p:sp>
       <p:sp>
         <p:nvSpPr>
-          <p:cNvPr id="4" name="灯片编号占位符 3">
-            <a:extLst>
-              <a:ext uri="{FF2B5EF4-FFF2-40B4-BE49-F238E27FC236}">
-                <a16:creationId xmlns:a16="http://schemas.microsoft.com/office/drawing/2014/main" id="{00D0624B-DF4A-54A5-0D73-02724EC9F21D}"/>
-              </a:ext>
-            </a:extLst>
-          </p:cNvPr>
+          <p:cNvPr id="4" name="灯片编号占位符 3"/>
           <p:cNvSpPr>
             <a:spLocks noGrp="1"/>
           </p:cNvSpPr>
@@ -3408,18 +2614,12 @@
           <a:p>
             <a:fld id="{7D68EEC4-A888-40D2-96A3-4D8C6D94BC6B}" type="slidenum">
               <a:rPr lang="zh-CN" altLang="en-US" smtClean="0"/>
-              <a:t>‹#›</a:t>
             </a:fld>
             <a:endParaRPr lang="zh-CN" altLang="en-US"/>
           </a:p>
         </p:txBody>
       </p:sp>
     </p:spTree>
-    <p:extLst>
-      <p:ext uri="{BB962C8B-B14F-4D97-AF65-F5344CB8AC3E}">
-        <p14:creationId xmlns:p14="http://schemas.microsoft.com/office/powerpoint/2010/main" val="1537956911"/>
-      </p:ext>
-    </p:extLst>
   </p:cSld>
   <p:clrMapOvr>
     <a:masterClrMapping/>
@@ -3446,13 +2646,7 @@
       </p:grpSpPr>
       <p:sp>
         <p:nvSpPr>
-          <p:cNvPr id="2" name="标题 1">
-            <a:extLst>
-              <a:ext uri="{FF2B5EF4-FFF2-40B4-BE49-F238E27FC236}">
-                <a16:creationId xmlns:a16="http://schemas.microsoft.com/office/drawing/2014/main" id="{3138197D-C57E-22FA-CC9B-76C67AD5D556}"/>
-              </a:ext>
-            </a:extLst>
-          </p:cNvPr>
+          <p:cNvPr id="2" name="标题 1"/>
           <p:cNvSpPr>
             <a:spLocks noGrp="1"/>
           </p:cNvSpPr>
@@ -3478,18 +2672,13 @@
               <a:rPr lang="zh-CN" altLang="en-US"/>
               <a:t>单击此处编辑母版标题样式</a:t>
             </a:r>
-          </a:p>
-        </p:txBody>
-      </p:sp>
-      <p:sp>
-        <p:nvSpPr>
-          <p:cNvPr id="3" name="内容占位符 2">
-            <a:extLst>
-              <a:ext uri="{FF2B5EF4-FFF2-40B4-BE49-F238E27FC236}">
-                <a16:creationId xmlns:a16="http://schemas.microsoft.com/office/drawing/2014/main" id="{AD6AC99C-1FF5-2A46-60BD-6E766B7C8EE3}"/>
-              </a:ext>
-            </a:extLst>
-          </p:cNvPr>
+            <a:endParaRPr lang="zh-CN" altLang="en-US"/>
+          </a:p>
+        </p:txBody>
+      </p:sp>
+      <p:sp>
+        <p:nvSpPr>
+          <p:cNvPr id="3" name="内容占位符 2"/>
           <p:cNvSpPr>
             <a:spLocks noGrp="1"/>
           </p:cNvSpPr>
@@ -3540,6 +2729,7 @@
               <a:rPr lang="zh-CN" altLang="en-US"/>
               <a:t>单击此处编辑母版文本样式</a:t>
             </a:r>
+            <a:endParaRPr lang="zh-CN" altLang="en-US"/>
           </a:p>
           <a:p>
             <a:pPr lvl="1"/>
@@ -3547,6 +2737,7 @@
               <a:rPr lang="zh-CN" altLang="en-US"/>
               <a:t>二级</a:t>
             </a:r>
+            <a:endParaRPr lang="zh-CN" altLang="en-US"/>
           </a:p>
           <a:p>
             <a:pPr lvl="2"/>
@@ -3554,6 +2745,7 @@
               <a:rPr lang="zh-CN" altLang="en-US"/>
               <a:t>三级</a:t>
             </a:r>
+            <a:endParaRPr lang="zh-CN" altLang="en-US"/>
           </a:p>
           <a:p>
             <a:pPr lvl="3"/>
@@ -3561,6 +2753,7 @@
               <a:rPr lang="zh-CN" altLang="en-US"/>
               <a:t>四级</a:t>
             </a:r>
+            <a:endParaRPr lang="zh-CN" altLang="en-US"/>
           </a:p>
           <a:p>
             <a:pPr lvl="4"/>
@@ -3568,18 +2761,13 @@
               <a:rPr lang="zh-CN" altLang="en-US"/>
               <a:t>五级</a:t>
             </a:r>
-          </a:p>
-        </p:txBody>
-      </p:sp>
-      <p:sp>
-        <p:nvSpPr>
-          <p:cNvPr id="4" name="文本占位符 3">
-            <a:extLst>
-              <a:ext uri="{FF2B5EF4-FFF2-40B4-BE49-F238E27FC236}">
-                <a16:creationId xmlns:a16="http://schemas.microsoft.com/office/drawing/2014/main" id="{10249F2A-7EC1-9324-74CE-FED4101935DC}"/>
-              </a:ext>
-            </a:extLst>
-          </p:cNvPr>
+            <a:endParaRPr lang="zh-CN" altLang="en-US"/>
+          </a:p>
+        </p:txBody>
+      </p:sp>
+      <p:sp>
+        <p:nvSpPr>
+          <p:cNvPr id="4" name="文本占位符 3"/>
           <p:cNvSpPr>
             <a:spLocks noGrp="1"/>
           </p:cNvSpPr>
@@ -3639,18 +2827,13 @@
               <a:rPr lang="zh-CN" altLang="en-US"/>
               <a:t>单击此处编辑母版文本样式</a:t>
             </a:r>
-          </a:p>
-        </p:txBody>
-      </p:sp>
-      <p:sp>
-        <p:nvSpPr>
-          <p:cNvPr id="5" name="日期占位符 4">
-            <a:extLst>
-              <a:ext uri="{FF2B5EF4-FFF2-40B4-BE49-F238E27FC236}">
-                <a16:creationId xmlns:a16="http://schemas.microsoft.com/office/drawing/2014/main" id="{B3C4C59A-8A84-C906-BEF6-E81D63D17A1E}"/>
-              </a:ext>
-            </a:extLst>
-          </p:cNvPr>
+            <a:endParaRPr lang="zh-CN" altLang="en-US"/>
+          </a:p>
+        </p:txBody>
+      </p:sp>
+      <p:sp>
+        <p:nvSpPr>
+          <p:cNvPr id="5" name="日期占位符 4"/>
           <p:cNvSpPr>
             <a:spLocks noGrp="1"/>
           </p:cNvSpPr>
@@ -3665,7 +2848,6 @@
           <a:p>
             <a:fld id="{38D2F079-72ED-455F-84CE-DB8625D5603C}" type="datetimeFigureOut">
               <a:rPr lang="zh-CN" altLang="en-US" smtClean="0"/>
-              <a:t>2022/6/14</a:t>
             </a:fld>
             <a:endParaRPr lang="zh-CN" altLang="en-US"/>
           </a:p>
@@ -3673,13 +2855,7 @@
       </p:sp>
       <p:sp>
         <p:nvSpPr>
-          <p:cNvPr id="6" name="页脚占位符 5">
-            <a:extLst>
-              <a:ext uri="{FF2B5EF4-FFF2-40B4-BE49-F238E27FC236}">
-                <a16:creationId xmlns:a16="http://schemas.microsoft.com/office/drawing/2014/main" id="{100DDCC5-DDE5-4F1B-DD77-0E15A08623F1}"/>
-              </a:ext>
-            </a:extLst>
-          </p:cNvPr>
+          <p:cNvPr id="6" name="页脚占位符 5"/>
           <p:cNvSpPr>
             <a:spLocks noGrp="1"/>
           </p:cNvSpPr>
@@ -3698,13 +2874,7 @@
       </p:sp>
       <p:sp>
         <p:nvSpPr>
-          <p:cNvPr id="7" name="灯片编号占位符 6">
-            <a:extLst>
-              <a:ext uri="{FF2B5EF4-FFF2-40B4-BE49-F238E27FC236}">
-                <a16:creationId xmlns:a16="http://schemas.microsoft.com/office/drawing/2014/main" id="{5715CE4B-0E2D-E88B-93FB-9369DC76DFEE}"/>
-              </a:ext>
-            </a:extLst>
-          </p:cNvPr>
+          <p:cNvPr id="7" name="灯片编号占位符 6"/>
           <p:cNvSpPr>
             <a:spLocks noGrp="1"/>
           </p:cNvSpPr>
@@ -3719,18 +2889,12 @@
           <a:p>
             <a:fld id="{7D68EEC4-A888-40D2-96A3-4D8C6D94BC6B}" type="slidenum">
               <a:rPr lang="zh-CN" altLang="en-US" smtClean="0"/>
-              <a:t>‹#›</a:t>
             </a:fld>
             <a:endParaRPr lang="zh-CN" altLang="en-US"/>
           </a:p>
         </p:txBody>
       </p:sp>
     </p:spTree>
-    <p:extLst>
-      <p:ext uri="{BB962C8B-B14F-4D97-AF65-F5344CB8AC3E}">
-        <p14:creationId xmlns:p14="http://schemas.microsoft.com/office/powerpoint/2010/main" val="187439507"/>
-      </p:ext>
-    </p:extLst>
   </p:cSld>
   <p:clrMapOvr>
     <a:masterClrMapping/>
@@ -3757,13 +2921,7 @@
       </p:grpSpPr>
       <p:sp>
         <p:nvSpPr>
-          <p:cNvPr id="2" name="标题 1">
-            <a:extLst>
-              <a:ext uri="{FF2B5EF4-FFF2-40B4-BE49-F238E27FC236}">
-                <a16:creationId xmlns:a16="http://schemas.microsoft.com/office/drawing/2014/main" id="{F35A609C-FCFB-80EB-186A-665509AF7948}"/>
-              </a:ext>
-            </a:extLst>
-          </p:cNvPr>
+          <p:cNvPr id="2" name="标题 1"/>
           <p:cNvSpPr>
             <a:spLocks noGrp="1"/>
           </p:cNvSpPr>
@@ -3789,18 +2947,13 @@
               <a:rPr lang="zh-CN" altLang="en-US"/>
               <a:t>单击此处编辑母版标题样式</a:t>
             </a:r>
-          </a:p>
-        </p:txBody>
-      </p:sp>
-      <p:sp>
-        <p:nvSpPr>
-          <p:cNvPr id="3" name="图片占位符 2">
-            <a:extLst>
-              <a:ext uri="{FF2B5EF4-FFF2-40B4-BE49-F238E27FC236}">
-                <a16:creationId xmlns:a16="http://schemas.microsoft.com/office/drawing/2014/main" id="{E3B4A8B7-0B64-7806-6181-F389A7266946}"/>
-              </a:ext>
-            </a:extLst>
-          </p:cNvPr>
+            <a:endParaRPr lang="zh-CN" altLang="en-US"/>
+          </a:p>
+        </p:txBody>
+      </p:sp>
+      <p:sp>
+        <p:nvSpPr>
+          <p:cNvPr id="3" name="图片占位符 2"/>
           <p:cNvSpPr>
             <a:spLocks noGrp="1"/>
           </p:cNvSpPr>
@@ -3861,13 +3014,7 @@
       </p:sp>
       <p:sp>
         <p:nvSpPr>
-          <p:cNvPr id="4" name="文本占位符 3">
-            <a:extLst>
-              <a:ext uri="{FF2B5EF4-FFF2-40B4-BE49-F238E27FC236}">
-                <a16:creationId xmlns:a16="http://schemas.microsoft.com/office/drawing/2014/main" id="{3D1EA4B1-0F21-BD21-7B18-75D6B949E192}"/>
-              </a:ext>
-            </a:extLst>
-          </p:cNvPr>
+          <p:cNvPr id="4" name="文本占位符 3"/>
           <p:cNvSpPr>
             <a:spLocks noGrp="1"/>
           </p:cNvSpPr>
@@ -3927,18 +3074,13 @@
               <a:rPr lang="zh-CN" altLang="en-US"/>
               <a:t>单击此处编辑母版文本样式</a:t>
             </a:r>
-          </a:p>
-        </p:txBody>
-      </p:sp>
-      <p:sp>
-        <p:nvSpPr>
-          <p:cNvPr id="5" name="日期占位符 4">
-            <a:extLst>
-              <a:ext uri="{FF2B5EF4-FFF2-40B4-BE49-F238E27FC236}">
-                <a16:creationId xmlns:a16="http://schemas.microsoft.com/office/drawing/2014/main" id="{756BA916-A70E-D70F-C11D-14B896DF489B}"/>
-              </a:ext>
-            </a:extLst>
-          </p:cNvPr>
+            <a:endParaRPr lang="zh-CN" altLang="en-US"/>
+          </a:p>
+        </p:txBody>
+      </p:sp>
+      <p:sp>
+        <p:nvSpPr>
+          <p:cNvPr id="5" name="日期占位符 4"/>
           <p:cNvSpPr>
             <a:spLocks noGrp="1"/>
           </p:cNvSpPr>
@@ -3953,7 +3095,6 @@
           <a:p>
             <a:fld id="{38D2F079-72ED-455F-84CE-DB8625D5603C}" type="datetimeFigureOut">
               <a:rPr lang="zh-CN" altLang="en-US" smtClean="0"/>
-              <a:t>2022/6/14</a:t>
             </a:fld>
             <a:endParaRPr lang="zh-CN" altLang="en-US"/>
           </a:p>
@@ -3961,13 +3102,7 @@
       </p:sp>
       <p:sp>
         <p:nvSpPr>
-          <p:cNvPr id="6" name="页脚占位符 5">
-            <a:extLst>
-              <a:ext uri="{FF2B5EF4-FFF2-40B4-BE49-F238E27FC236}">
-                <a16:creationId xmlns:a16="http://schemas.microsoft.com/office/drawing/2014/main" id="{C7A53F75-CD93-413D-801C-05ECCB58280C}"/>
-              </a:ext>
-            </a:extLst>
-          </p:cNvPr>
+          <p:cNvPr id="6" name="页脚占位符 5"/>
           <p:cNvSpPr>
             <a:spLocks noGrp="1"/>
           </p:cNvSpPr>
@@ -3986,13 +3121,7 @@
       </p:sp>
       <p:sp>
         <p:nvSpPr>
-          <p:cNvPr id="7" name="灯片编号占位符 6">
-            <a:extLst>
-              <a:ext uri="{FF2B5EF4-FFF2-40B4-BE49-F238E27FC236}">
-                <a16:creationId xmlns:a16="http://schemas.microsoft.com/office/drawing/2014/main" id="{1E4CBC83-B01B-EA28-5192-86892143A1CB}"/>
-              </a:ext>
-            </a:extLst>
-          </p:cNvPr>
+          <p:cNvPr id="7" name="灯片编号占位符 6"/>
           <p:cNvSpPr>
             <a:spLocks noGrp="1"/>
           </p:cNvSpPr>
@@ -4007,18 +3136,12 @@
           <a:p>
             <a:fld id="{7D68EEC4-A888-40D2-96A3-4D8C6D94BC6B}" type="slidenum">
               <a:rPr lang="zh-CN" altLang="en-US" smtClean="0"/>
-              <a:t>‹#›</a:t>
             </a:fld>
             <a:endParaRPr lang="zh-CN" altLang="en-US"/>
           </a:p>
         </p:txBody>
       </p:sp>
     </p:spTree>
-    <p:extLst>
-      <p:ext uri="{BB962C8B-B14F-4D97-AF65-F5344CB8AC3E}">
-        <p14:creationId xmlns:p14="http://schemas.microsoft.com/office/powerpoint/2010/main" val="4217696605"/>
-      </p:ext>
-    </p:extLst>
   </p:cSld>
   <p:clrMapOvr>
     <a:masterClrMapping/>
@@ -4068,13 +3191,7 @@
       </p:grpSpPr>
       <p:sp>
         <p:nvSpPr>
-          <p:cNvPr id="2" name="标题占位符 1">
-            <a:extLst>
-              <a:ext uri="{FF2B5EF4-FFF2-40B4-BE49-F238E27FC236}">
-                <a16:creationId xmlns:a16="http://schemas.microsoft.com/office/drawing/2014/main" id="{EEAD18C2-886C-6CBD-0722-F881D0A9531F}"/>
-              </a:ext>
-            </a:extLst>
-          </p:cNvPr>
+          <p:cNvPr id="2" name="标题占位符 1"/>
           <p:cNvSpPr>
             <a:spLocks noGrp="1"/>
           </p:cNvSpPr>
@@ -4101,18 +3218,13 @@
               <a:rPr lang="zh-CN" altLang="en-US"/>
               <a:t>单击此处编辑母版标题样式</a:t>
             </a:r>
-          </a:p>
-        </p:txBody>
-      </p:sp>
-      <p:sp>
-        <p:nvSpPr>
-          <p:cNvPr id="3" name="文本占位符 2">
-            <a:extLst>
-              <a:ext uri="{FF2B5EF4-FFF2-40B4-BE49-F238E27FC236}">
-                <a16:creationId xmlns:a16="http://schemas.microsoft.com/office/drawing/2014/main" id="{B953996B-28D8-484F-6BC2-046A4A742320}"/>
-              </a:ext>
-            </a:extLst>
-          </p:cNvPr>
+            <a:endParaRPr lang="zh-CN" altLang="en-US"/>
+          </a:p>
+        </p:txBody>
+      </p:sp>
+      <p:sp>
+        <p:nvSpPr>
+          <p:cNvPr id="3" name="文本占位符 2"/>
           <p:cNvSpPr>
             <a:spLocks noGrp="1"/>
           </p:cNvSpPr>
@@ -4140,6 +3252,7 @@
               <a:rPr lang="zh-CN" altLang="en-US"/>
               <a:t>单击此处编辑母版文本样式</a:t>
             </a:r>
+            <a:endParaRPr lang="zh-CN" altLang="en-US"/>
           </a:p>
           <a:p>
             <a:pPr lvl="1"/>
@@ -4147,6 +3260,7 @@
               <a:rPr lang="zh-CN" altLang="en-US"/>
               <a:t>二级</a:t>
             </a:r>
+            <a:endParaRPr lang="zh-CN" altLang="en-US"/>
           </a:p>
           <a:p>
             <a:pPr lvl="2"/>
@@ -4154,6 +3268,7 @@
               <a:rPr lang="zh-CN" altLang="en-US"/>
               <a:t>三级</a:t>
             </a:r>
+            <a:endParaRPr lang="zh-CN" altLang="en-US"/>
           </a:p>
           <a:p>
             <a:pPr lvl="3"/>
@@ -4161,6 +3276,7 @@
               <a:rPr lang="zh-CN" altLang="en-US"/>
               <a:t>四级</a:t>
             </a:r>
+            <a:endParaRPr lang="zh-CN" altLang="en-US"/>
           </a:p>
           <a:p>
             <a:pPr lvl="4"/>
@@ -4168,18 +3284,13 @@
               <a:rPr lang="zh-CN" altLang="en-US"/>
               <a:t>五级</a:t>
             </a:r>
-          </a:p>
-        </p:txBody>
-      </p:sp>
-      <p:sp>
-        <p:nvSpPr>
-          <p:cNvPr id="4" name="日期占位符 3">
-            <a:extLst>
-              <a:ext uri="{FF2B5EF4-FFF2-40B4-BE49-F238E27FC236}">
-                <a16:creationId xmlns:a16="http://schemas.microsoft.com/office/drawing/2014/main" id="{D39BB392-A71D-CCA2-BC65-5FDEB87B24F5}"/>
-              </a:ext>
-            </a:extLst>
-          </p:cNvPr>
+            <a:endParaRPr lang="zh-CN" altLang="en-US"/>
+          </a:p>
+        </p:txBody>
+      </p:sp>
+      <p:sp>
+        <p:nvSpPr>
+          <p:cNvPr id="4" name="日期占位符 3"/>
           <p:cNvSpPr>
             <a:spLocks noGrp="1"/>
           </p:cNvSpPr>
@@ -4212,7 +3323,6 @@
           <a:p>
             <a:fld id="{38D2F079-72ED-455F-84CE-DB8625D5603C}" type="datetimeFigureOut">
               <a:rPr lang="zh-CN" altLang="en-US" smtClean="0"/>
-              <a:t>2022/6/14</a:t>
             </a:fld>
             <a:endParaRPr lang="zh-CN" altLang="en-US"/>
           </a:p>
@@ -4220,13 +3330,7 @@
       </p:sp>
       <p:sp>
         <p:nvSpPr>
-          <p:cNvPr id="5" name="页脚占位符 4">
-            <a:extLst>
-              <a:ext uri="{FF2B5EF4-FFF2-40B4-BE49-F238E27FC236}">
-                <a16:creationId xmlns:a16="http://schemas.microsoft.com/office/drawing/2014/main" id="{1A94A9E9-530D-EDBE-28E2-0AF5D23CFCA9}"/>
-              </a:ext>
-            </a:extLst>
-          </p:cNvPr>
+          <p:cNvPr id="5" name="页脚占位符 4"/>
           <p:cNvSpPr>
             <a:spLocks noGrp="1"/>
           </p:cNvSpPr>
@@ -4263,13 +3367,7 @@
       </p:sp>
       <p:sp>
         <p:nvSpPr>
-          <p:cNvPr id="6" name="灯片编号占位符 5">
-            <a:extLst>
-              <a:ext uri="{FF2B5EF4-FFF2-40B4-BE49-F238E27FC236}">
-                <a16:creationId xmlns:a16="http://schemas.microsoft.com/office/drawing/2014/main" id="{C4872720-1E14-35BA-E97C-350958F4EE9A}"/>
-              </a:ext>
-            </a:extLst>
-          </p:cNvPr>
+          <p:cNvPr id="6" name="灯片编号占位符 5"/>
           <p:cNvSpPr>
             <a:spLocks noGrp="1"/>
           </p:cNvSpPr>
@@ -4302,18 +3400,12 @@
           <a:p>
             <a:fld id="{7D68EEC4-A888-40D2-96A3-4D8C6D94BC6B}" type="slidenum">
               <a:rPr lang="zh-CN" altLang="en-US" smtClean="0"/>
-              <a:t>‹#›</a:t>
             </a:fld>
             <a:endParaRPr lang="zh-CN" altLang="en-US"/>
           </a:p>
         </p:txBody>
       </p:sp>
     </p:spTree>
-    <p:extLst>
-      <p:ext uri="{BB962C8B-B14F-4D97-AF65-F5344CB8AC3E}">
-        <p14:creationId xmlns:p14="http://schemas.microsoft.com/office/powerpoint/2010/main" val="1132028593"/>
-      </p:ext>
-    </p:extLst>
   </p:cSld>
   <p:clrMap bg1="lt1" tx1="dk1" bg2="lt2" tx2="dk2" accent1="accent1" accent2="accent2" accent3="accent3" accent4="accent4" accent5="accent5" accent6="accent6" hlink="hlink" folHlink="folHlink"/>
   <p:sldLayoutIdLst>
@@ -4631,13 +3723,7 @@
       </p:grpSpPr>
       <p:sp>
         <p:nvSpPr>
-          <p:cNvPr id="2" name="标题 1">
-            <a:extLst>
-              <a:ext uri="{FF2B5EF4-FFF2-40B4-BE49-F238E27FC236}">
-                <a16:creationId xmlns:a16="http://schemas.microsoft.com/office/drawing/2014/main" id="{1E137CAE-542B-071B-48AE-85FF4821B7AA}"/>
-              </a:ext>
-            </a:extLst>
-          </p:cNvPr>
+          <p:cNvPr id="2" name="标题 1"/>
           <p:cNvSpPr>
             <a:spLocks noGrp="1"/>
           </p:cNvSpPr>
@@ -4656,13 +3742,7 @@
       </p:sp>
       <p:sp>
         <p:nvSpPr>
-          <p:cNvPr id="3" name="内容占位符 2">
-            <a:extLst>
-              <a:ext uri="{FF2B5EF4-FFF2-40B4-BE49-F238E27FC236}">
-                <a16:creationId xmlns:a16="http://schemas.microsoft.com/office/drawing/2014/main" id="{7AFC1918-459F-DD0A-D43F-0B2398D63A1E}"/>
-              </a:ext>
-            </a:extLst>
-          </p:cNvPr>
+          <p:cNvPr id="3" name="内容占位符 2"/>
           <p:cNvSpPr>
             <a:spLocks noGrp="1"/>
           </p:cNvSpPr>
@@ -4744,11 +3824,6 @@
         </p:txBody>
       </p:sp>
     </p:spTree>
-    <p:extLst>
-      <p:ext uri="{BB962C8B-B14F-4D97-AF65-F5344CB8AC3E}">
-        <p14:creationId xmlns:p14="http://schemas.microsoft.com/office/powerpoint/2010/main" val="332559102"/>
-      </p:ext>
-    </p:extLst>
   </p:cSld>
   <p:clrMapOvr>
     <a:masterClrMapping/>
@@ -4775,414 +3850,7 @@
       </p:grpSpPr>
       <p:sp>
         <p:nvSpPr>
-          <p:cNvPr id="2" name="标题 1">
-            <a:extLst>
-              <a:ext uri="{FF2B5EF4-FFF2-40B4-BE49-F238E27FC236}">
-                <a16:creationId xmlns:a16="http://schemas.microsoft.com/office/drawing/2014/main" id="{74DB28F4-2EC4-E169-AC3D-F46E4D40EC87}"/>
-              </a:ext>
-            </a:extLst>
-          </p:cNvPr>
-          <p:cNvSpPr>
-            <a:spLocks noGrp="1"/>
-          </p:cNvSpPr>
-          <p:nvPr>
-            <p:ph type="title"/>
-          </p:nvPr>
-        </p:nvSpPr>
-        <p:spPr/>
-        <p:txBody>
-          <a:bodyPr/>
-          <a:lstStyle/>
-          <a:p>
-            <a:r>
-              <a:rPr lang="zh-CN" altLang="en-US" b="1" dirty="0"/>
-              <a:t>存在问题</a:t>
-            </a:r>
-          </a:p>
-        </p:txBody>
-      </p:sp>
-      <p:sp>
-        <p:nvSpPr>
-          <p:cNvPr id="3" name="内容占位符 2">
-            <a:extLst>
-              <a:ext uri="{FF2B5EF4-FFF2-40B4-BE49-F238E27FC236}">
-                <a16:creationId xmlns:a16="http://schemas.microsoft.com/office/drawing/2014/main" id="{5ADABF79-AC14-69C3-ECA9-DA8B7266A2F0}"/>
-              </a:ext>
-            </a:extLst>
-          </p:cNvPr>
-          <p:cNvSpPr>
-            <a:spLocks noGrp="1"/>
-          </p:cNvSpPr>
-          <p:nvPr>
-            <p:ph idx="1"/>
-          </p:nvPr>
-        </p:nvSpPr>
-        <p:spPr/>
-        <p:txBody>
-          <a:bodyPr/>
-          <a:lstStyle/>
-          <a:p>
-            <a:pPr marL="0" indent="0">
-              <a:buNone/>
-            </a:pPr>
-            <a:r>
-              <a:rPr lang="en-US" altLang="zh-CN" dirty="0"/>
-              <a:t>(5)</a:t>
-            </a:r>
-            <a:r>
-              <a:rPr lang="zh-CN" altLang="en-US" dirty="0"/>
-              <a:t>有些信贷决策模型只是形式优化模型，单目标、变量多、约束少，直观的结果与模型无关。</a:t>
-            </a:r>
-            <a:endParaRPr lang="en-US" altLang="zh-CN" dirty="0"/>
-          </a:p>
-          <a:p>
-            <a:pPr marL="0" indent="0">
-              <a:buNone/>
-            </a:pPr>
-            <a:r>
-              <a:rPr lang="zh-CN" altLang="en-US" dirty="0"/>
-              <a:t> </a:t>
-            </a:r>
-            <a:r>
-              <a:rPr lang="en-US" altLang="zh-CN" dirty="0"/>
-              <a:t>(6)</a:t>
-            </a:r>
-            <a:r>
-              <a:rPr lang="zh-CN" altLang="en-US" dirty="0"/>
-              <a:t>由于问题的开放性，无固定模型和方法，更无确定结 果，几乎无可参考的资料。不能死搬硬套或照抄了一 些不相关的模型、方法和不搭界的所谓“高大上”的算法。</a:t>
-            </a:r>
-          </a:p>
-          <a:p>
-            <a:pPr marL="0" indent="0">
-              <a:buNone/>
-            </a:pPr>
-            <a:r>
-              <a:rPr lang="zh-CN" altLang="en-US" dirty="0"/>
-              <a:t> </a:t>
-            </a:r>
-            <a:r>
-              <a:rPr lang="en-US" altLang="zh-CN" dirty="0"/>
-              <a:t>(7)</a:t>
-            </a:r>
-            <a:r>
-              <a:rPr lang="zh-CN" altLang="en-US" dirty="0"/>
-              <a:t>竞赛论文的表述看，搬方法、套模型、抄算法的 “套路化</a:t>
-            </a:r>
-            <a:r>
-              <a:rPr lang="en-US" altLang="zh-CN" dirty="0"/>
-              <a:t>;</a:t>
-            </a:r>
-            <a:r>
-              <a:rPr lang="zh-CN" altLang="en-US" dirty="0"/>
-              <a:t>做法仍存在，形式化和虚拟化的表面文章过多， 模板化”和“套路化”的论文较为普遍。没有特性 没</a:t>
-            </a:r>
-            <a:r>
-              <a:rPr lang="en-US" altLang="zh-CN" dirty="0"/>
-              <a:t>, </a:t>
-            </a:r>
-            <a:r>
-              <a:rPr lang="zh-CN" altLang="en-US" dirty="0"/>
-              <a:t>针对性，何以创新。</a:t>
-            </a:r>
-          </a:p>
-          <a:p>
-            <a:pPr marL="0" indent="0">
-              <a:buNone/>
-            </a:pPr>
-            <a:endParaRPr lang="zh-CN" altLang="en-US" dirty="0"/>
-          </a:p>
-        </p:txBody>
-      </p:sp>
-    </p:spTree>
-    <p:extLst>
-      <p:ext uri="{BB962C8B-B14F-4D97-AF65-F5344CB8AC3E}">
-        <p14:creationId xmlns:p14="http://schemas.microsoft.com/office/powerpoint/2010/main" val="2285105941"/>
-      </p:ext>
-    </p:extLst>
-  </p:cSld>
-  <p:clrMapOvr>
-    <a:masterClrMapping/>
-  </p:clrMapOvr>
-</p:sld>
-</file>
-
-<file path=ppt/slides/slide11.xml><?xml version="1.0" encoding="utf-8"?>
-<p:sld xmlns:a="http://schemas.openxmlformats.org/drawingml/2006/main" xmlns:r="http://schemas.openxmlformats.org/officeDocument/2006/relationships" xmlns:p="http://schemas.openxmlformats.org/presentationml/2006/main">
-  <p:cSld>
-    <p:spTree>
-      <p:nvGrpSpPr>
-        <p:cNvPr id="1" name=""/>
-        <p:cNvGrpSpPr/>
-        <p:nvPr/>
-      </p:nvGrpSpPr>
-      <p:grpSpPr>
-        <a:xfrm>
-          <a:off x="0" y="0"/>
-          <a:ext cx="0" cy="0"/>
-          <a:chOff x="0" y="0"/>
-          <a:chExt cx="0" cy="0"/>
-        </a:xfrm>
-      </p:grpSpPr>
-      <p:sp>
-        <p:nvSpPr>
-          <p:cNvPr id="2" name="标题 1">
-            <a:extLst>
-              <a:ext uri="{FF2B5EF4-FFF2-40B4-BE49-F238E27FC236}">
-                <a16:creationId xmlns:a16="http://schemas.microsoft.com/office/drawing/2014/main" id="{774E5903-FCB4-FB73-A718-08A35E40F3CF}"/>
-              </a:ext>
-            </a:extLst>
-          </p:cNvPr>
-          <p:cNvSpPr>
-            <a:spLocks noGrp="1"/>
-          </p:cNvSpPr>
-          <p:nvPr>
-            <p:ph type="title"/>
-          </p:nvPr>
-        </p:nvSpPr>
-        <p:spPr/>
-        <p:txBody>
-          <a:bodyPr/>
-          <a:lstStyle/>
-          <a:p>
-            <a:r>
-              <a:rPr lang="zh-CN" altLang="en-US" b="1" dirty="0"/>
-              <a:t>优点</a:t>
-            </a:r>
-          </a:p>
-        </p:txBody>
-      </p:sp>
-      <p:sp>
-        <p:nvSpPr>
-          <p:cNvPr id="3" name="内容占位符 2">
-            <a:extLst>
-              <a:ext uri="{FF2B5EF4-FFF2-40B4-BE49-F238E27FC236}">
-                <a16:creationId xmlns:a16="http://schemas.microsoft.com/office/drawing/2014/main" id="{6568680D-71A7-E666-E4D7-9E71E53A8535}"/>
-              </a:ext>
-            </a:extLst>
-          </p:cNvPr>
-          <p:cNvSpPr>
-            <a:spLocks noGrp="1"/>
-          </p:cNvSpPr>
-          <p:nvPr>
-            <p:ph idx="1"/>
-          </p:nvPr>
-        </p:nvSpPr>
-        <p:spPr/>
-        <p:txBody>
-          <a:bodyPr>
-            <a:normAutofit/>
-          </a:bodyPr>
-          <a:lstStyle/>
-          <a:p>
-            <a:pPr marL="0" indent="0" algn="l">
-              <a:lnSpc>
-                <a:spcPct val="100000"/>
-              </a:lnSpc>
-              <a:buNone/>
-            </a:pPr>
-            <a:r>
-              <a:rPr lang="en-US" altLang="zh-CN" sz="2000" dirty="0">
-                <a:latin typeface="TimesNewRomanPSMT"/>
-              </a:rPr>
-              <a:t>1</a:t>
-            </a:r>
-            <a:r>
-              <a:rPr lang="en-US" altLang="zh-CN" sz="2000" b="0" i="0" u="none" strike="noStrike" baseline="0" dirty="0">
-                <a:latin typeface="TimesNewRomanPSMT"/>
-              </a:rPr>
-              <a:t> </a:t>
-            </a:r>
-            <a:r>
-              <a:rPr lang="en-US" altLang="zh-CN" sz="2000" b="0" i="0" u="none" strike="noStrike" baseline="0" dirty="0">
-                <a:latin typeface="宋体" panose="02010600030101010101" pitchFamily="2" charset="-122"/>
-                <a:ea typeface="宋体" panose="02010600030101010101" pitchFamily="2" charset="-122"/>
-              </a:rPr>
-              <a:t>.</a:t>
-            </a:r>
-            <a:r>
-              <a:rPr lang="zh-CN" altLang="en-US" sz="2000" b="0" i="0" u="none" strike="noStrike" baseline="0" dirty="0">
-                <a:latin typeface="宋体" panose="02010600030101010101" pitchFamily="2" charset="-122"/>
-                <a:ea typeface="宋体" panose="02010600030101010101" pitchFamily="2" charset="-122"/>
-              </a:rPr>
-              <a:t>根据</a:t>
-            </a:r>
-            <a:r>
-              <a:rPr lang="en-US" altLang="zh-CN" sz="2000" b="0" i="0" u="none" strike="noStrike" baseline="0" dirty="0">
-                <a:latin typeface="TimesNewRomanPSMT"/>
-                <a:ea typeface="宋体" panose="02010600030101010101" pitchFamily="2" charset="-122"/>
-              </a:rPr>
-              <a:t>RAROC </a:t>
-            </a:r>
-            <a:r>
-              <a:rPr lang="zh-CN" altLang="en-US" sz="2000" b="0" i="0" u="none" strike="noStrike" baseline="0" dirty="0">
-                <a:latin typeface="宋体" panose="02010600030101010101" pitchFamily="2" charset="-122"/>
-                <a:ea typeface="宋体" panose="02010600030101010101" pitchFamily="2" charset="-122"/>
-              </a:rPr>
-              <a:t>（风险资本回报率）理论和违约金字塔理论构建合理有效的最优贷款决</a:t>
-            </a:r>
-          </a:p>
-          <a:p>
-            <a:pPr marL="0" indent="0" algn="l">
-              <a:lnSpc>
-                <a:spcPct val="100000"/>
-              </a:lnSpc>
-              <a:buNone/>
-            </a:pPr>
-            <a:r>
-              <a:rPr lang="zh-CN" altLang="en-US" sz="2000" b="0" i="0" u="none" strike="noStrike" baseline="0" dirty="0">
-                <a:latin typeface="宋体" panose="02010600030101010101" pitchFamily="2" charset="-122"/>
-                <a:ea typeface="宋体" panose="02010600030101010101" pitchFamily="2" charset="-122"/>
-              </a:rPr>
-              <a:t>策模型，使得模型有充分的理论依据，能够解决实际问题。</a:t>
-            </a:r>
-          </a:p>
-          <a:p>
-            <a:pPr marL="0" indent="0" algn="l">
-              <a:lnSpc>
-                <a:spcPct val="100000"/>
-              </a:lnSpc>
-              <a:buNone/>
-            </a:pPr>
-            <a:r>
-              <a:rPr lang="en-US" altLang="zh-CN" sz="2000" dirty="0">
-                <a:latin typeface="TimesNewRomanPSMT"/>
-              </a:rPr>
-              <a:t>2</a:t>
-            </a:r>
-            <a:r>
-              <a:rPr lang="en-US" altLang="zh-CN" sz="2000" b="0" i="0" u="none" strike="noStrike" baseline="0" dirty="0">
-                <a:latin typeface="TimesNewRomanPSMT"/>
-              </a:rPr>
-              <a:t> </a:t>
-            </a:r>
-            <a:r>
-              <a:rPr lang="en-US" altLang="zh-CN" sz="2000" b="0" i="0" u="none" strike="noStrike" baseline="0" dirty="0">
-                <a:latin typeface="宋体" panose="02010600030101010101" pitchFamily="2" charset="-122"/>
-                <a:ea typeface="宋体" panose="02010600030101010101" pitchFamily="2" charset="-122"/>
-              </a:rPr>
-              <a:t>.</a:t>
-            </a:r>
-            <a:r>
-              <a:rPr lang="zh-CN" altLang="en-US" sz="2000" b="0" i="0" u="none" strike="noStrike" baseline="0" dirty="0">
-                <a:latin typeface="宋体" panose="02010600030101010101" pitchFamily="2" charset="-122"/>
-                <a:ea typeface="宋体" panose="02010600030101010101" pitchFamily="2" charset="-122"/>
-              </a:rPr>
-              <a:t>风险阈值的设定十分巧妙，有效地减少了银行面临的违约风险。</a:t>
-            </a:r>
-          </a:p>
-          <a:p>
-            <a:pPr marL="0" indent="0" algn="l">
-              <a:lnSpc>
-                <a:spcPct val="100000"/>
-              </a:lnSpc>
-              <a:buNone/>
-            </a:pPr>
-            <a:r>
-              <a:rPr lang="en-US" altLang="zh-CN" sz="2000" dirty="0">
-                <a:latin typeface="TimesNewRomanPSMT"/>
-              </a:rPr>
-              <a:t>3</a:t>
-            </a:r>
-            <a:r>
-              <a:rPr lang="en-US" altLang="zh-CN" sz="2000" b="0" i="0" u="none" strike="noStrike" baseline="0" dirty="0">
-                <a:latin typeface="TimesNewRomanPSMT"/>
-              </a:rPr>
-              <a:t> </a:t>
-            </a:r>
-            <a:r>
-              <a:rPr lang="en-US" altLang="zh-CN" sz="2000" b="0" i="0" u="none" strike="noStrike" baseline="0" dirty="0">
-                <a:latin typeface="宋体" panose="02010600030101010101" pitchFamily="2" charset="-122"/>
-                <a:ea typeface="宋体" panose="02010600030101010101" pitchFamily="2" charset="-122"/>
-              </a:rPr>
-              <a:t>.</a:t>
-            </a:r>
-            <a:r>
-              <a:rPr lang="zh-CN" altLang="en-US" sz="2000" b="0" i="0" u="none" strike="noStrike" baseline="0" dirty="0">
-                <a:latin typeface="宋体" panose="02010600030101010101" pitchFamily="2" charset="-122"/>
-                <a:ea typeface="宋体" panose="02010600030101010101" pitchFamily="2" charset="-122"/>
-              </a:rPr>
-              <a:t>创新性地提出了突发事件因子，结果证明将这种因子引入模型中十分有效，能够很</a:t>
-            </a:r>
-          </a:p>
-          <a:p>
-            <a:pPr marL="0" indent="0" algn="l">
-              <a:lnSpc>
-                <a:spcPct val="100000"/>
-              </a:lnSpc>
-              <a:buNone/>
-            </a:pPr>
-            <a:r>
-              <a:rPr lang="zh-CN" altLang="en-US" sz="2000" b="0" i="0" u="none" strike="noStrike" baseline="0" dirty="0">
-                <a:latin typeface="宋体" panose="02010600030101010101" pitchFamily="2" charset="-122"/>
-                <a:ea typeface="宋体" panose="02010600030101010101" pitchFamily="2" charset="-122"/>
-              </a:rPr>
-              <a:t>好的识别到突发事件的影响。</a:t>
-            </a:r>
-            <a:endParaRPr lang="en-US" altLang="zh-CN" sz="2000" b="0" i="0" u="none" strike="noStrike" baseline="0" dirty="0">
-              <a:latin typeface="宋体" panose="02010600030101010101" pitchFamily="2" charset="-122"/>
-              <a:ea typeface="宋体" panose="02010600030101010101" pitchFamily="2" charset="-122"/>
-            </a:endParaRPr>
-          </a:p>
-          <a:p>
-            <a:pPr marL="0" indent="0" algn="l">
-              <a:buNone/>
-            </a:pPr>
-            <a:r>
-              <a:rPr lang="zh-CN" altLang="en-US" sz="2000" b="0" i="0" u="none" strike="noStrike" baseline="0" dirty="0">
-                <a:solidFill>
-                  <a:srgbClr val="0906E0"/>
-                </a:solidFill>
-                <a:latin typeface="楷体" panose="02010609060101010101" pitchFamily="49" charset="-122"/>
-                <a:ea typeface="楷体" panose="02010609060101010101" pitchFamily="49" charset="-122"/>
-              </a:rPr>
-              <a:t>问题的针对性强、数据的处理和应用正确，模型设计和结论切合实际，考虑问题全面，有创新、有特色，思路清晰、表述准确、论述严谨</a:t>
-            </a:r>
-            <a:endParaRPr lang="zh-CN" altLang="en-US" sz="2000" b="0" i="0" u="none" strike="noStrike" baseline="0" dirty="0">
-              <a:latin typeface="宋体" panose="02010600030101010101" pitchFamily="2" charset="-122"/>
-              <a:ea typeface="宋体" panose="02010600030101010101" pitchFamily="2" charset="-122"/>
-            </a:endParaRPr>
-          </a:p>
-        </p:txBody>
-      </p:sp>
-    </p:spTree>
-    <p:extLst>
-      <p:ext uri="{BB962C8B-B14F-4D97-AF65-F5344CB8AC3E}">
-        <p14:creationId xmlns:p14="http://schemas.microsoft.com/office/powerpoint/2010/main" val="2340650250"/>
-      </p:ext>
-    </p:extLst>
-  </p:cSld>
-  <p:clrMapOvr>
-    <a:masterClrMapping/>
-  </p:clrMapOvr>
-</p:sld>
-</file>
-
-<file path=ppt/slides/slide12.xml><?xml version="1.0" encoding="utf-8"?>
-<p:sld xmlns:a="http://schemas.openxmlformats.org/drawingml/2006/main" xmlns:r="http://schemas.openxmlformats.org/officeDocument/2006/relationships" xmlns:p="http://schemas.openxmlformats.org/presentationml/2006/main">
-  <p:cSld>
-    <p:spTree>
-      <p:nvGrpSpPr>
-        <p:cNvPr id="1" name=""/>
-        <p:cNvGrpSpPr/>
-        <p:nvPr/>
-      </p:nvGrpSpPr>
-      <p:grpSpPr>
-        <a:xfrm>
-          <a:off x="0" y="0"/>
-          <a:ext cx="0" cy="0"/>
-          <a:chOff x="0" y="0"/>
-          <a:chExt cx="0" cy="0"/>
-        </a:xfrm>
-      </p:grpSpPr>
-      <p:sp>
-        <p:nvSpPr>
-          <p:cNvPr id="4" name="矩形 3">
-            <a:extLst>
-              <a:ext uri="{FF2B5EF4-FFF2-40B4-BE49-F238E27FC236}">
-                <a16:creationId xmlns:a16="http://schemas.microsoft.com/office/drawing/2014/main" id="{5FE2F0BB-ABBC-0839-6581-534FD00C434E}"/>
-              </a:ext>
-            </a:extLst>
-          </p:cNvPr>
+          <p:cNvPr id="4" name="矩形 3"/>
           <p:cNvSpPr/>
           <p:nvPr/>
         </p:nvSpPr>
@@ -5227,13 +3895,7 @@
       </p:sp>
       <p:sp>
         <p:nvSpPr>
-          <p:cNvPr id="5" name="矩形 4">
-            <a:extLst>
-              <a:ext uri="{FF2B5EF4-FFF2-40B4-BE49-F238E27FC236}">
-                <a16:creationId xmlns:a16="http://schemas.microsoft.com/office/drawing/2014/main" id="{37938814-1030-970A-757B-1573ED7389F8}"/>
-              </a:ext>
-            </a:extLst>
-          </p:cNvPr>
+          <p:cNvPr id="5" name="矩形 4"/>
           <p:cNvSpPr/>
           <p:nvPr/>
         </p:nvSpPr>
@@ -5266,18 +3928,20 @@
               </a:rPr>
               <a:t>程序主要技术复现</a:t>
             </a:r>
-          </a:p>
-        </p:txBody>
-      </p:sp>
-      <p:sp>
-        <p:nvSpPr>
-          <p:cNvPr id="6" name="矩形 5">
-            <a:extLst>
-              <a:ext uri="{FF2B5EF4-FFF2-40B4-BE49-F238E27FC236}">
-                <a16:creationId xmlns:a16="http://schemas.microsoft.com/office/drawing/2014/main" id="{2020E845-6E37-6685-A41B-C50F8BEFD66F}"/>
-              </a:ext>
-            </a:extLst>
-          </p:cNvPr>
+            <a:endParaRPr lang="zh-CN" altLang="en-US" sz="4400" b="1" kern="100" dirty="0">
+              <a:solidFill>
+                <a:schemeClr val="bg1"/>
+              </a:solidFill>
+              <a:latin typeface="微软雅黑" panose="020B0503020204020204" pitchFamily="34" charset="-122"/>
+              <a:ea typeface="微软雅黑" panose="020B0503020204020204" pitchFamily="34" charset="-122"/>
+              <a:cs typeface="Times New Roman" panose="02020603050405020304" pitchFamily="18" charset="0"/>
+            </a:endParaRPr>
+          </a:p>
+        </p:txBody>
+      </p:sp>
+      <p:sp>
+        <p:nvSpPr>
+          <p:cNvPr id="6" name="矩形 5"/>
           <p:cNvSpPr/>
           <p:nvPr/>
         </p:nvSpPr>
@@ -5315,13 +3979,7 @@
       </p:sp>
       <p:sp>
         <p:nvSpPr>
-          <p:cNvPr id="7" name="椭圆 6">
-            <a:extLst>
-              <a:ext uri="{FF2B5EF4-FFF2-40B4-BE49-F238E27FC236}">
-                <a16:creationId xmlns:a16="http://schemas.microsoft.com/office/drawing/2014/main" id="{210ED04E-EA3E-A869-09BA-2D1376D45F5D}"/>
-              </a:ext>
-            </a:extLst>
-          </p:cNvPr>
+          <p:cNvPr id="7" name="椭圆 6"/>
           <p:cNvSpPr/>
           <p:nvPr/>
         </p:nvSpPr>
@@ -5365,9 +4023,6 @@
         </p:style>
         <p:txBody>
           <a:bodyPr rot="0" spcFirstLastPara="0" vertOverflow="overflow" horzOverflow="overflow" vert="horz" wrap="square" lIns="91440" tIns="45720" rIns="91440" bIns="45720" numCol="1" spcCol="0" rtlCol="0" fromWordArt="0" anchor="ctr" anchorCtr="0" forceAA="0" compatLnSpc="1">
-            <a:prstTxWarp prst="textNoShape">
-              <a:avLst/>
-            </a:prstTxWarp>
             <a:noAutofit/>
           </a:bodyPr>
           <a:lstStyle/>
@@ -5379,13 +4034,7 @@
       </p:sp>
       <p:grpSp>
         <p:nvGrpSpPr>
-          <p:cNvPr id="8" name="组合 7">
-            <a:extLst>
-              <a:ext uri="{FF2B5EF4-FFF2-40B4-BE49-F238E27FC236}">
-                <a16:creationId xmlns:a16="http://schemas.microsoft.com/office/drawing/2014/main" id="{E74331D4-3823-5215-24FE-96E89198D559}"/>
-              </a:ext>
-            </a:extLst>
-          </p:cNvPr>
+          <p:cNvPr id="8" name="组合 7"/>
           <p:cNvGrpSpPr/>
           <p:nvPr/>
         </p:nvGrpSpPr>
@@ -5404,16 +4053,8 @@
         </p:grpSpPr>
         <p:sp>
           <p:nvSpPr>
-            <p:cNvPr id="9" name="AutoShape 43">
-              <a:extLst>
-                <a:ext uri="{FF2B5EF4-FFF2-40B4-BE49-F238E27FC236}">
-                  <a16:creationId xmlns:a16="http://schemas.microsoft.com/office/drawing/2014/main" id="{1F79AE39-2C47-9327-1260-EBD6532C2068}"/>
-                </a:ext>
-              </a:extLst>
-            </p:cNvPr>
-            <p:cNvSpPr>
-              <a:spLocks/>
-            </p:cNvSpPr>
+            <p:cNvPr id="9" name="AutoShape 43"/>
+            <p:cNvSpPr/>
             <p:nvPr/>
           </p:nvSpPr>
           <p:spPr bwMode="auto">
@@ -5612,7 +4253,6 @@
               </a:pathLst>
             </a:custGeom>
             <a:grpFill/>
-            <a:ln/>
           </p:spPr>
           <p:style>
             <a:lnRef idx="1">
@@ -5646,7 +4286,6 @@
                 <a:buSzTx/>
                 <a:buFontTx/>
                 <a:buNone/>
-                <a:tabLst/>
                 <a:defRPr/>
               </a:pPr>
               <a:endParaRPr kumimoji="0" lang="en-US" sz="1500" i="0" u="none" strike="noStrike" kern="0" normalizeH="0" baseline="0" noProof="0" dirty="0">
@@ -5668,16 +4307,8 @@
         </p:sp>
         <p:sp>
           <p:nvSpPr>
-            <p:cNvPr id="10" name="AutoShape 44">
-              <a:extLst>
-                <a:ext uri="{FF2B5EF4-FFF2-40B4-BE49-F238E27FC236}">
-                  <a16:creationId xmlns:a16="http://schemas.microsoft.com/office/drawing/2014/main" id="{BE462345-CDC5-0A1A-11AE-FC48BDD6FC72}"/>
-                </a:ext>
-              </a:extLst>
-            </p:cNvPr>
-            <p:cNvSpPr>
-              <a:spLocks/>
-            </p:cNvSpPr>
+            <p:cNvPr id="10" name="AutoShape 44"/>
+            <p:cNvSpPr/>
             <p:nvPr/>
           </p:nvSpPr>
           <p:spPr bwMode="auto">
@@ -5748,7 +4379,6 @@
               </a:pathLst>
             </a:custGeom>
             <a:grpFill/>
-            <a:ln/>
           </p:spPr>
           <p:style>
             <a:lnRef idx="1">
@@ -5782,7 +4412,6 @@
                 <a:buSzTx/>
                 <a:buFontTx/>
                 <a:buNone/>
-                <a:tabLst/>
                 <a:defRPr/>
               </a:pPr>
               <a:endParaRPr kumimoji="0" lang="en-US" sz="1500" i="0" u="none" strike="noStrike" kern="0" normalizeH="0" baseline="0" noProof="0" dirty="0">
@@ -5804,16 +4433,8 @@
         </p:sp>
         <p:sp>
           <p:nvSpPr>
-            <p:cNvPr id="11" name="AutoShape 45">
-              <a:extLst>
-                <a:ext uri="{FF2B5EF4-FFF2-40B4-BE49-F238E27FC236}">
-                  <a16:creationId xmlns:a16="http://schemas.microsoft.com/office/drawing/2014/main" id="{8E120BDE-293B-2FFE-C676-A72C1D40BE26}"/>
-                </a:ext>
-              </a:extLst>
-            </p:cNvPr>
-            <p:cNvSpPr>
-              <a:spLocks/>
-            </p:cNvSpPr>
+            <p:cNvPr id="11" name="AutoShape 45"/>
+            <p:cNvSpPr/>
             <p:nvPr/>
           </p:nvSpPr>
           <p:spPr bwMode="auto">
@@ -5878,7 +4499,6 @@
               </a:pathLst>
             </a:custGeom>
             <a:grpFill/>
-            <a:ln/>
           </p:spPr>
           <p:style>
             <a:lnRef idx="1">
@@ -5912,7 +4532,6 @@
                 <a:buSzTx/>
                 <a:buFontTx/>
                 <a:buNone/>
-                <a:tabLst/>
                 <a:defRPr/>
               </a:pPr>
               <a:endParaRPr kumimoji="0" lang="en-US" sz="1500" i="0" u="none" strike="noStrike" kern="0" normalizeH="0" baseline="0" noProof="0" dirty="0">
@@ -5935,13 +4554,7 @@
       </p:grpSp>
       <p:sp>
         <p:nvSpPr>
-          <p:cNvPr id="15" name="矩形 14">
-            <a:extLst>
-              <a:ext uri="{FF2B5EF4-FFF2-40B4-BE49-F238E27FC236}">
-                <a16:creationId xmlns:a16="http://schemas.microsoft.com/office/drawing/2014/main" id="{7BF0973A-1738-8176-FDC9-4A588F869A4D}"/>
-              </a:ext>
-            </a:extLst>
-          </p:cNvPr>
+          <p:cNvPr id="15" name="矩形 14"/>
           <p:cNvSpPr/>
           <p:nvPr/>
         </p:nvSpPr>
@@ -5984,13 +4597,7 @@
       </p:sp>
       <p:sp>
         <p:nvSpPr>
-          <p:cNvPr id="2" name="文本框 1">
-            <a:extLst>
-              <a:ext uri="{FF2B5EF4-FFF2-40B4-BE49-F238E27FC236}">
-                <a16:creationId xmlns:a16="http://schemas.microsoft.com/office/drawing/2014/main" id="{238A4732-9D59-889B-454D-099C2026B6F0}"/>
-              </a:ext>
-            </a:extLst>
-          </p:cNvPr>
+          <p:cNvPr id="2" name="文本框 1"/>
           <p:cNvSpPr txBox="1"/>
           <p:nvPr/>
         </p:nvSpPr>
@@ -6043,11 +4650,143 @@
         </p:txBody>
       </p:sp>
     </p:spTree>
-    <p:extLst>
-      <p:ext uri="{BB962C8B-B14F-4D97-AF65-F5344CB8AC3E}">
-        <p14:creationId xmlns:p14="http://schemas.microsoft.com/office/powerpoint/2010/main" val="1424461480"/>
-      </p:ext>
-    </p:extLst>
+  </p:cSld>
+  <p:clrMapOvr>
+    <a:masterClrMapping/>
+  </p:clrMapOvr>
+</p:sld>
+</file>
+
+<file path=ppt/slides/slide11.xml><?xml version="1.0" encoding="utf-8"?>
+<p:sld xmlns:a="http://schemas.openxmlformats.org/drawingml/2006/main" xmlns:r="http://schemas.openxmlformats.org/officeDocument/2006/relationships" xmlns:p="http://schemas.openxmlformats.org/presentationml/2006/main">
+  <p:cSld>
+    <p:spTree>
+      <p:nvGrpSpPr>
+        <p:cNvPr id="1" name=""/>
+        <p:cNvGrpSpPr/>
+        <p:nvPr/>
+      </p:nvGrpSpPr>
+      <p:grpSpPr>
+        <a:xfrm>
+          <a:off x="0" y="0"/>
+          <a:ext cx="0" cy="0"/>
+          <a:chOff x="0" y="0"/>
+          <a:chExt cx="0" cy="0"/>
+        </a:xfrm>
+      </p:grpSpPr>
+      <p:sp>
+        <p:nvSpPr>
+          <p:cNvPr id="2" name="标题 1"/>
+          <p:cNvSpPr>
+            <a:spLocks noGrp="1"/>
+          </p:cNvSpPr>
+          <p:nvPr>
+            <p:ph type="title"/>
+          </p:nvPr>
+        </p:nvSpPr>
+        <p:spPr/>
+        <p:txBody>
+          <a:bodyPr/>
+          <a:lstStyle/>
+          <a:p>
+            <a:r>
+              <a:rPr lang="zh-CN" altLang="en-US" dirty="0"/>
+              <a:t>文章具体思路图</a:t>
+            </a:r>
+            <a:endParaRPr lang="zh-CN" altLang="en-US" dirty="0"/>
+          </a:p>
+        </p:txBody>
+      </p:sp>
+      <p:pic>
+        <p:nvPicPr>
+          <p:cNvPr id="4" name="内容占位符 3"/>
+          <p:cNvPicPr>
+            <a:picLocks noGrp="1" noChangeAspect="1"/>
+          </p:cNvPicPr>
+          <p:nvPr>
+            <p:ph idx="1"/>
+          </p:nvPr>
+        </p:nvPicPr>
+        <p:blipFill>
+          <a:blip r:embed="rId1"/>
+          <a:stretch>
+            <a:fillRect/>
+          </a:stretch>
+        </p:blipFill>
+        <p:spPr>
+          <a:xfrm>
+            <a:off x="2726545" y="1825625"/>
+            <a:ext cx="6738909" cy="4351338"/>
+          </a:xfrm>
+          <a:prstGeom prst="rect">
+            <a:avLst/>
+          </a:prstGeom>
+        </p:spPr>
+      </p:pic>
+    </p:spTree>
+  </p:cSld>
+  <p:clrMapOvr>
+    <a:masterClrMapping/>
+  </p:clrMapOvr>
+</p:sld>
+</file>
+
+<file path=ppt/slides/slide12.xml><?xml version="1.0" encoding="utf-8"?>
+<p:sld xmlns:a="http://schemas.openxmlformats.org/drawingml/2006/main" xmlns:r="http://schemas.openxmlformats.org/officeDocument/2006/relationships" xmlns:p="http://schemas.openxmlformats.org/presentationml/2006/main">
+  <p:cSld>
+    <p:spTree>
+      <p:nvGrpSpPr>
+        <p:cNvPr id="1" name=""/>
+        <p:cNvGrpSpPr/>
+        <p:nvPr/>
+      </p:nvGrpSpPr>
+      <p:grpSpPr>
+        <a:xfrm>
+          <a:off x="0" y="0"/>
+          <a:ext cx="0" cy="0"/>
+          <a:chOff x="0" y="0"/>
+          <a:chExt cx="0" cy="0"/>
+        </a:xfrm>
+      </p:grpSpPr>
+      <p:sp>
+        <p:nvSpPr>
+          <p:cNvPr id="2" name="标题 1"/>
+          <p:cNvSpPr>
+            <a:spLocks noGrp="1"/>
+          </p:cNvSpPr>
+          <p:nvPr>
+            <p:ph type="title"/>
+          </p:nvPr>
+        </p:nvSpPr>
+        <p:spPr/>
+        <p:txBody>
+          <a:bodyPr/>
+          <a:lstStyle/>
+          <a:p>
+            <a:endParaRPr lang="zh-CN" altLang="en-US"/>
+          </a:p>
+        </p:txBody>
+      </p:sp>
+      <p:sp>
+        <p:nvSpPr>
+          <p:cNvPr id="3" name="内容占位符 2"/>
+          <p:cNvSpPr>
+            <a:spLocks noGrp="1"/>
+          </p:cNvSpPr>
+          <p:nvPr>
+            <p:ph idx="1"/>
+          </p:nvPr>
+        </p:nvSpPr>
+        <p:spPr/>
+        <p:txBody>
+          <a:bodyPr/>
+          <a:lstStyle/>
+          <a:p>
+            <a:endParaRPr lang="zh-CN" altLang="en-US"/>
+          </a:p>
+        </p:txBody>
+      </p:sp>
+    </p:spTree>
   </p:cSld>
   <p:clrMapOvr>
     <a:masterClrMapping/>
@@ -6074,1008 +4813,7 @@
       </p:grpSpPr>
       <p:sp>
         <p:nvSpPr>
-          <p:cNvPr id="2" name="标题 1">
-            <a:extLst>
-              <a:ext uri="{FF2B5EF4-FFF2-40B4-BE49-F238E27FC236}">
-                <a16:creationId xmlns:a16="http://schemas.microsoft.com/office/drawing/2014/main" id="{A15BE240-0920-02F0-BE4E-2DED95B3E87F}"/>
-              </a:ext>
-            </a:extLst>
-          </p:cNvPr>
-          <p:cNvSpPr>
-            <a:spLocks noGrp="1"/>
-          </p:cNvSpPr>
-          <p:nvPr>
-            <p:ph type="title"/>
-          </p:nvPr>
-        </p:nvSpPr>
-        <p:spPr/>
-        <p:txBody>
-          <a:bodyPr/>
-          <a:lstStyle/>
-          <a:p>
-            <a:r>
-              <a:rPr lang="zh-CN" altLang="en-US" dirty="0"/>
-              <a:t>原文具体思路图</a:t>
-            </a:r>
-          </a:p>
-        </p:txBody>
-      </p:sp>
-      <p:pic>
-        <p:nvPicPr>
-          <p:cNvPr id="4" name="内容占位符 3">
-            <a:extLst>
-              <a:ext uri="{FF2B5EF4-FFF2-40B4-BE49-F238E27FC236}">
-                <a16:creationId xmlns:a16="http://schemas.microsoft.com/office/drawing/2014/main" id="{A8C180C0-823D-2639-5C32-CB0BFFD828BE}"/>
-              </a:ext>
-            </a:extLst>
-          </p:cNvPr>
-          <p:cNvPicPr>
-            <a:picLocks noGrp="1" noChangeAspect="1"/>
-          </p:cNvPicPr>
-          <p:nvPr>
-            <p:ph idx="1"/>
-          </p:nvPr>
-        </p:nvPicPr>
-        <p:blipFill>
-          <a:blip r:embed="rId2"/>
-          <a:stretch>
-            <a:fillRect/>
-          </a:stretch>
-        </p:blipFill>
-        <p:spPr>
-          <a:xfrm>
-            <a:off x="838200" y="1942226"/>
-            <a:ext cx="6738909" cy="4351338"/>
-          </a:xfrm>
-          <a:prstGeom prst="rect">
-            <a:avLst/>
-          </a:prstGeom>
-        </p:spPr>
-      </p:pic>
-    </p:spTree>
-    <p:extLst>
-      <p:ext uri="{BB962C8B-B14F-4D97-AF65-F5344CB8AC3E}">
-        <p14:creationId xmlns:p14="http://schemas.microsoft.com/office/powerpoint/2010/main" val="2519834865"/>
-      </p:ext>
-    </p:extLst>
-  </p:cSld>
-  <p:clrMapOvr>
-    <a:masterClrMapping/>
-  </p:clrMapOvr>
-</p:sld>
-</file>
-
-<file path=ppt/slides/slide14.xml><?xml version="1.0" encoding="utf-8"?>
-<p:sld xmlns:a="http://schemas.openxmlformats.org/drawingml/2006/main" xmlns:r="http://schemas.openxmlformats.org/officeDocument/2006/relationships" xmlns:p="http://schemas.openxmlformats.org/presentationml/2006/main">
-  <p:cSld>
-    <p:spTree>
-      <p:nvGrpSpPr>
-        <p:cNvPr id="1" name=""/>
-        <p:cNvGrpSpPr/>
-        <p:nvPr/>
-      </p:nvGrpSpPr>
-      <p:grpSpPr>
-        <a:xfrm>
-          <a:off x="0" y="0"/>
-          <a:ext cx="0" cy="0"/>
-          <a:chOff x="0" y="0"/>
-          <a:chExt cx="0" cy="0"/>
-        </a:xfrm>
-      </p:grpSpPr>
-      <p:sp>
-        <p:nvSpPr>
-          <p:cNvPr id="2" name="标题 1"/>
-          <p:cNvSpPr>
-            <a:spLocks noGrp="1"/>
-          </p:cNvSpPr>
-          <p:nvPr>
-            <p:ph type="title"/>
-          </p:nvPr>
-        </p:nvSpPr>
-        <p:spPr/>
-        <p:txBody>
-          <a:bodyPr/>
-          <a:lstStyle/>
-          <a:p>
-            <a:r>
-              <a:rPr lang="zh-CN" altLang="en-US"/>
-              <a:t>量化指标</a:t>
-            </a:r>
-          </a:p>
-        </p:txBody>
-      </p:sp>
-      <p:sp>
-        <p:nvSpPr>
-          <p:cNvPr id="3" name="内容占位符 2"/>
-          <p:cNvSpPr>
-            <a:spLocks noGrp="1"/>
-          </p:cNvSpPr>
-          <p:nvPr>
-            <p:ph idx="1"/>
-          </p:nvPr>
-        </p:nvSpPr>
-        <p:spPr/>
-        <p:txBody>
-          <a:bodyPr/>
-          <a:lstStyle/>
-          <a:p>
-            <a:r>
-              <a:rPr lang="zh-CN" altLang="en-US"/>
-              <a:t>提炼有效指标，对目标函数的表达，算法的复杂程度，模型的准确度有着决定性的作用。</a:t>
-            </a:r>
-          </a:p>
-          <a:p>
-            <a:r>
-              <a:rPr lang="zh-CN" altLang="en-US"/>
-              <a:t>通过研读优秀论文，指标的提炼绝不是人云亦云，要结合合理的假设与推导，注意观察已给数据的信息，合理量化。</a:t>
-            </a:r>
-          </a:p>
-        </p:txBody>
-      </p:sp>
-    </p:spTree>
-  </p:cSld>
-  <p:clrMapOvr>
-    <a:masterClrMapping/>
-  </p:clrMapOvr>
-</p:sld>
-</file>
-
-<file path=ppt/slides/slide15.xml><?xml version="1.0" encoding="utf-8"?>
-<p:sld xmlns:a="http://schemas.openxmlformats.org/drawingml/2006/main" xmlns:r="http://schemas.openxmlformats.org/officeDocument/2006/relationships" xmlns:p="http://schemas.openxmlformats.org/presentationml/2006/main">
-  <p:cSld>
-    <p:spTree>
-      <p:nvGrpSpPr>
-        <p:cNvPr id="1" name=""/>
-        <p:cNvGrpSpPr/>
-        <p:nvPr/>
-      </p:nvGrpSpPr>
-      <p:grpSpPr>
-        <a:xfrm>
-          <a:off x="0" y="0"/>
-          <a:ext cx="0" cy="0"/>
-          <a:chOff x="0" y="0"/>
-          <a:chExt cx="0" cy="0"/>
-        </a:xfrm>
-      </p:grpSpPr>
-      <p:sp>
-        <p:nvSpPr>
-          <p:cNvPr id="2" name="标题 1"/>
-          <p:cNvSpPr>
-            <a:spLocks noGrp="1"/>
-          </p:cNvSpPr>
-          <p:nvPr>
-            <p:ph type="title"/>
-          </p:nvPr>
-        </p:nvSpPr>
-        <p:spPr/>
-        <p:txBody>
-          <a:bodyPr/>
-          <a:lstStyle/>
-          <a:p>
-            <a:r>
-              <a:rPr lang="zh-CN" altLang="en-US"/>
-              <a:t>熵权法</a:t>
-            </a:r>
-          </a:p>
-        </p:txBody>
-      </p:sp>
-      <p:sp>
-        <p:nvSpPr>
-          <p:cNvPr id="3" name="内容占位符 2"/>
-          <p:cNvSpPr>
-            <a:spLocks noGrp="1"/>
-          </p:cNvSpPr>
-          <p:nvPr>
-            <p:ph idx="1"/>
-          </p:nvPr>
-        </p:nvSpPr>
-        <p:spPr/>
-        <p:txBody>
-          <a:bodyPr>
-            <a:normAutofit lnSpcReduction="10000"/>
-          </a:bodyPr>
-          <a:lstStyle/>
-          <a:p>
-            <a:r>
-              <a:rPr lang="zh-CN" altLang="en-US" dirty="0"/>
-              <a:t>定义：根据信息熵的定义，对于某项指标，可以用熵值来判断某个指标的离散程度，其熵值越小，指标的离散程度越大，该指标对综合评价的影响（即权重）就越大，如果某项指标的值全部相等，则该指标在综合评价中不起作用。</a:t>
-            </a:r>
-          </a:p>
-          <a:p>
-            <a:r>
-              <a:rPr lang="zh-CN" altLang="en-US" dirty="0"/>
-              <a:t>解题步骤：</a:t>
-            </a:r>
-          </a:p>
-          <a:p>
-            <a:r>
-              <a:rPr lang="zh-CN" altLang="en-US" dirty="0"/>
-              <a:t>（</a:t>
-            </a:r>
-            <a:r>
-              <a:rPr lang="en-US" altLang="zh-CN" dirty="0"/>
-              <a:t>1</a:t>
-            </a:r>
-            <a:r>
-              <a:rPr lang="zh-CN" altLang="en-US" dirty="0"/>
-              <a:t>）数据预处理：对冗余数据，异常值数据进行处理</a:t>
-            </a:r>
-          </a:p>
-          <a:p>
-            <a:r>
-              <a:rPr lang="zh-CN" altLang="en-US" dirty="0"/>
-              <a:t>（</a:t>
-            </a:r>
-            <a:r>
-              <a:rPr lang="en-US" altLang="zh-CN" dirty="0"/>
-              <a:t>2</a:t>
-            </a:r>
-            <a:r>
-              <a:rPr lang="zh-CN" altLang="en-US" dirty="0"/>
-              <a:t>）归一化处理：（</a:t>
-            </a:r>
-            <a:r>
-              <a:rPr lang="en-US" altLang="zh-CN" dirty="0"/>
-              <a:t>1</a:t>
-            </a:r>
-            <a:r>
-              <a:rPr lang="zh-CN" altLang="en-US" dirty="0"/>
-              <a:t>）</a:t>
-            </a:r>
-            <a:r>
-              <a:rPr lang="en-US" altLang="zh-CN" dirty="0"/>
-              <a:t>0-1</a:t>
-            </a:r>
-            <a:r>
-              <a:rPr lang="zh-CN" altLang="en-US" dirty="0"/>
-              <a:t>归一化</a:t>
-            </a:r>
-            <a:endParaRPr lang="en-US" altLang="zh-CN" dirty="0"/>
-          </a:p>
-          <a:p>
-            <a:pPr marL="0" indent="0">
-              <a:buNone/>
-            </a:pPr>
-            <a:r>
-              <a:rPr lang="zh-CN" altLang="en-US" dirty="0"/>
-              <a:t>                                  （</a:t>
-            </a:r>
-            <a:r>
-              <a:rPr lang="en-US" altLang="zh-CN" dirty="0"/>
-              <a:t>2</a:t>
-            </a:r>
-            <a:r>
-              <a:rPr lang="zh-CN" altLang="en-US" dirty="0"/>
-              <a:t>）</a:t>
-            </a:r>
-            <a:r>
-              <a:rPr lang="en-US" altLang="zh-CN" dirty="0"/>
-              <a:t>Z-score</a:t>
-            </a:r>
-            <a:r>
-              <a:rPr lang="zh-CN" altLang="en-US" dirty="0"/>
-              <a:t>归一化</a:t>
-            </a:r>
-          </a:p>
-          <a:p>
-            <a:r>
-              <a:rPr lang="zh-CN" altLang="en-US" dirty="0"/>
-              <a:t>（</a:t>
-            </a:r>
-            <a:r>
-              <a:rPr lang="en-US" altLang="zh-CN" dirty="0"/>
-              <a:t>3</a:t>
-            </a:r>
-            <a:r>
-              <a:rPr lang="zh-CN" altLang="en-US" dirty="0"/>
-              <a:t>）先计算第</a:t>
-            </a:r>
-            <a:r>
-              <a:rPr lang="en-US" altLang="zh-CN" dirty="0" err="1"/>
-              <a:t>i</a:t>
-            </a:r>
-            <a:r>
-              <a:rPr lang="zh-CN" altLang="en-US" dirty="0"/>
-              <a:t>个用户的第</a:t>
-            </a:r>
-            <a:r>
-              <a:rPr lang="en-US" altLang="zh-CN" dirty="0"/>
-              <a:t>j</a:t>
-            </a:r>
-            <a:r>
-              <a:rPr lang="zh-CN" altLang="en-US" dirty="0"/>
-              <a:t>个指标的比重</a:t>
-            </a:r>
-          </a:p>
-          <a:p>
-            <a:r>
-              <a:rPr lang="zh-CN" altLang="en-US" dirty="0"/>
-              <a:t>（</a:t>
-            </a:r>
-            <a:r>
-              <a:rPr lang="en-US" altLang="zh-CN" dirty="0"/>
-              <a:t>4</a:t>
-            </a:r>
-            <a:r>
-              <a:rPr lang="zh-CN" altLang="en-US" dirty="0"/>
-              <a:t>）计算第</a:t>
-            </a:r>
-            <a:r>
-              <a:rPr lang="en-US" altLang="zh-CN" dirty="0"/>
-              <a:t>j</a:t>
-            </a:r>
-            <a:r>
-              <a:rPr lang="zh-CN" altLang="en-US" dirty="0"/>
-              <a:t>个指标的信息熵</a:t>
-            </a:r>
-          </a:p>
-        </p:txBody>
-      </p:sp>
-      <p:graphicFrame>
-        <p:nvGraphicFramePr>
-          <p:cNvPr id="9" name="对象 8">
-            <a:extLst>
-              <a:ext uri="{FF2B5EF4-FFF2-40B4-BE49-F238E27FC236}">
-                <a16:creationId xmlns:a16="http://schemas.microsoft.com/office/drawing/2014/main" id="{3036E017-0451-CB7D-CE51-17D7171E3C62}"/>
-              </a:ext>
-            </a:extLst>
-          </p:cNvPr>
-          <p:cNvGraphicFramePr>
-            <a:graphicFrameLocks noChangeAspect="1"/>
-          </p:cNvGraphicFramePr>
-          <p:nvPr>
-            <p:extLst>
-              <p:ext uri="{D42A27DB-BD31-4B8C-83A1-F6EECF244321}">
-                <p14:modId xmlns:p14="http://schemas.microsoft.com/office/powerpoint/2010/main" val="2037721063"/>
-              </p:ext>
-            </p:extLst>
-          </p:nvPr>
-        </p:nvGraphicFramePr>
-        <p:xfrm>
-          <a:off x="6951140" y="4196114"/>
-          <a:ext cx="1431883" cy="492943"/>
-        </p:xfrm>
-        <a:graphic>
-          <a:graphicData uri="http://schemas.openxmlformats.org/presentationml/2006/ole">
-            <mc:AlternateContent xmlns:mc="http://schemas.openxmlformats.org/markup-compatibility/2006">
-              <mc:Choice xmlns:v="urn:schemas-microsoft-com:vml" Requires="v">
-                <p:oleObj name="Equation" r:id="rId2" imgW="1549080" imgH="533160" progId="Equation.DSMT4">
-                  <p:embed/>
-                </p:oleObj>
-              </mc:Choice>
-              <mc:Fallback>
-                <p:oleObj name="Equation" r:id="rId2" imgW="1549080" imgH="533160" progId="Equation.DSMT4">
-                  <p:embed/>
-                  <p:pic>
-                    <p:nvPicPr>
-                      <p:cNvPr id="4" name="对象 3">
-                        <a:extLst>
-                          <a:ext uri="{FF2B5EF4-FFF2-40B4-BE49-F238E27FC236}">
-                            <a16:creationId xmlns:a16="http://schemas.microsoft.com/office/drawing/2014/main" id="{6E07D40B-4DC1-149A-C818-899884F05625}"/>
-                          </a:ext>
-                        </a:extLst>
-                      </p:cNvPr>
-                      <p:cNvPicPr/>
-                      <p:nvPr/>
-                    </p:nvPicPr>
-                    <p:blipFill>
-                      <a:blip r:embed="rId3"/>
-                      <a:stretch>
-                        <a:fillRect/>
-                      </a:stretch>
-                    </p:blipFill>
-                    <p:spPr>
-                      <a:xfrm>
-                        <a:off x="6951140" y="4196114"/>
-                        <a:ext cx="1431883" cy="492943"/>
-                      </a:xfrm>
-                      <a:prstGeom prst="rect">
-                        <a:avLst/>
-                      </a:prstGeom>
-                    </p:spPr>
-                  </p:pic>
-                </p:oleObj>
-              </mc:Fallback>
-            </mc:AlternateContent>
-          </a:graphicData>
-        </a:graphic>
-      </p:graphicFrame>
-      <p:graphicFrame>
-        <p:nvGraphicFramePr>
-          <p:cNvPr id="10" name="对象 9">
-            <a:extLst>
-              <a:ext uri="{FF2B5EF4-FFF2-40B4-BE49-F238E27FC236}">
-                <a16:creationId xmlns:a16="http://schemas.microsoft.com/office/drawing/2014/main" id="{388735EF-276C-5970-E2A8-3BD8E6A3D333}"/>
-              </a:ext>
-            </a:extLst>
-          </p:cNvPr>
-          <p:cNvGraphicFramePr>
-            <a:graphicFrameLocks noChangeAspect="1"/>
-          </p:cNvGraphicFramePr>
-          <p:nvPr>
-            <p:extLst>
-              <p:ext uri="{D42A27DB-BD31-4B8C-83A1-F6EECF244321}">
-                <p14:modId xmlns:p14="http://schemas.microsoft.com/office/powerpoint/2010/main" val="346077658"/>
-              </p:ext>
-            </p:extLst>
-          </p:nvPr>
-        </p:nvGraphicFramePr>
-        <p:xfrm>
-          <a:off x="7543587" y="4689057"/>
-          <a:ext cx="774700" cy="419100"/>
-        </p:xfrm>
-        <a:graphic>
-          <a:graphicData uri="http://schemas.openxmlformats.org/presentationml/2006/ole">
-            <mc:AlternateContent xmlns:mc="http://schemas.openxmlformats.org/markup-compatibility/2006">
-              <mc:Choice xmlns:v="urn:schemas-microsoft-com:vml" Requires="v">
-                <p:oleObj name="Equation" r:id="rId4" imgW="774418" imgH="419415" progId="Equation.DSMT4">
-                  <p:embed/>
-                </p:oleObj>
-              </mc:Choice>
-              <mc:Fallback>
-                <p:oleObj name="Equation" r:id="rId4" imgW="774418" imgH="419415" progId="Equation.DSMT4">
-                  <p:embed/>
-                  <p:pic>
-                    <p:nvPicPr>
-                      <p:cNvPr id="0" name=""/>
-                      <p:cNvPicPr/>
-                      <p:nvPr/>
-                    </p:nvPicPr>
-                    <p:blipFill>
-                      <a:blip r:embed="rId5"/>
-                      <a:stretch>
-                        <a:fillRect/>
-                      </a:stretch>
-                    </p:blipFill>
-                    <p:spPr>
-                      <a:xfrm>
-                        <a:off x="7543587" y="4689057"/>
-                        <a:ext cx="774700" cy="419100"/>
-                      </a:xfrm>
-                      <a:prstGeom prst="rect">
-                        <a:avLst/>
-                      </a:prstGeom>
-                    </p:spPr>
-                  </p:pic>
-                </p:oleObj>
-              </mc:Fallback>
-            </mc:AlternateContent>
-          </a:graphicData>
-        </a:graphic>
-      </p:graphicFrame>
-      <p:graphicFrame>
-        <p:nvGraphicFramePr>
-          <p:cNvPr id="11" name="对象 10">
-            <a:extLst>
-              <a:ext uri="{FF2B5EF4-FFF2-40B4-BE49-F238E27FC236}">
-                <a16:creationId xmlns:a16="http://schemas.microsoft.com/office/drawing/2014/main" id="{B10C20C7-1BB7-0FD7-53F5-635585A37B8B}"/>
-              </a:ext>
-            </a:extLst>
-          </p:cNvPr>
-          <p:cNvGraphicFramePr>
-            <a:graphicFrameLocks noChangeAspect="1"/>
-          </p:cNvGraphicFramePr>
-          <p:nvPr>
-            <p:extLst>
-              <p:ext uri="{D42A27DB-BD31-4B8C-83A1-F6EECF244321}">
-                <p14:modId xmlns:p14="http://schemas.microsoft.com/office/powerpoint/2010/main" val="448241507"/>
-              </p:ext>
-            </p:extLst>
-          </p:nvPr>
-        </p:nvGraphicFramePr>
-        <p:xfrm>
-          <a:off x="7684523" y="5102810"/>
-          <a:ext cx="698500" cy="660400"/>
-        </p:xfrm>
-        <a:graphic>
-          <a:graphicData uri="http://schemas.openxmlformats.org/presentationml/2006/ole">
-            <mc:AlternateContent xmlns:mc="http://schemas.openxmlformats.org/markup-compatibility/2006">
-              <mc:Choice xmlns:v="urn:schemas-microsoft-com:vml" Requires="v">
-                <p:oleObj name="Equation" r:id="rId6" imgW="698400" imgH="660240" progId="Equation.DSMT4">
-                  <p:embed/>
-                </p:oleObj>
-              </mc:Choice>
-              <mc:Fallback>
-                <p:oleObj name="Equation" r:id="rId6" imgW="698400" imgH="660240" progId="Equation.DSMT4">
-                  <p:embed/>
-                  <p:pic>
-                    <p:nvPicPr>
-                      <p:cNvPr id="6" name="对象 5">
-                        <a:extLst>
-                          <a:ext uri="{FF2B5EF4-FFF2-40B4-BE49-F238E27FC236}">
-                            <a16:creationId xmlns:a16="http://schemas.microsoft.com/office/drawing/2014/main" id="{AD46CFA5-7D81-8AD0-813C-822B81C57D42}"/>
-                          </a:ext>
-                        </a:extLst>
-                      </p:cNvPr>
-                      <p:cNvPicPr/>
-                      <p:nvPr/>
-                    </p:nvPicPr>
-                    <p:blipFill>
-                      <a:blip r:embed="rId7"/>
-                      <a:stretch>
-                        <a:fillRect/>
-                      </a:stretch>
-                    </p:blipFill>
-                    <p:spPr>
-                      <a:xfrm>
-                        <a:off x="7684523" y="5102810"/>
-                        <a:ext cx="698500" cy="660400"/>
-                      </a:xfrm>
-                      <a:prstGeom prst="rect">
-                        <a:avLst/>
-                      </a:prstGeom>
-                    </p:spPr>
-                  </p:pic>
-                </p:oleObj>
-              </mc:Fallback>
-            </mc:AlternateContent>
-          </a:graphicData>
-        </a:graphic>
-      </p:graphicFrame>
-      <p:graphicFrame>
-        <p:nvGraphicFramePr>
-          <p:cNvPr id="12" name="对象 11">
-            <a:extLst>
-              <a:ext uri="{FF2B5EF4-FFF2-40B4-BE49-F238E27FC236}">
-                <a16:creationId xmlns:a16="http://schemas.microsoft.com/office/drawing/2014/main" id="{C04CD193-486D-0349-2658-D128C689BD7F}"/>
-              </a:ext>
-            </a:extLst>
-          </p:cNvPr>
-          <p:cNvGraphicFramePr>
-            <a:graphicFrameLocks noChangeAspect="1"/>
-          </p:cNvGraphicFramePr>
-          <p:nvPr>
-            <p:extLst>
-              <p:ext uri="{D42A27DB-BD31-4B8C-83A1-F6EECF244321}">
-                <p14:modId xmlns:p14="http://schemas.microsoft.com/office/powerpoint/2010/main" val="3872017556"/>
-              </p:ext>
-            </p:extLst>
-          </p:nvPr>
-        </p:nvGraphicFramePr>
-        <p:xfrm>
-          <a:off x="5861455" y="5679864"/>
-          <a:ext cx="1168400" cy="431800"/>
-        </p:xfrm>
-        <a:graphic>
-          <a:graphicData uri="http://schemas.openxmlformats.org/presentationml/2006/ole">
-            <mc:AlternateContent xmlns:mc="http://schemas.openxmlformats.org/markup-compatibility/2006">
-              <mc:Choice xmlns:v="urn:schemas-microsoft-com:vml" Requires="v">
-                <p:oleObj name="Equation" r:id="rId8" imgW="1168200" imgH="431640" progId="Equation.DSMT4">
-                  <p:embed/>
-                </p:oleObj>
-              </mc:Choice>
-              <mc:Fallback>
-                <p:oleObj name="Equation" r:id="rId8" imgW="1168200" imgH="431640" progId="Equation.DSMT4">
-                  <p:embed/>
-                  <p:pic>
-                    <p:nvPicPr>
-                      <p:cNvPr id="7" name="对象 6">
-                        <a:extLst>
-                          <a:ext uri="{FF2B5EF4-FFF2-40B4-BE49-F238E27FC236}">
-                            <a16:creationId xmlns:a16="http://schemas.microsoft.com/office/drawing/2014/main" id="{4DA572D0-9D71-50DB-2AFD-EBE4BFD7F1D0}"/>
-                          </a:ext>
-                        </a:extLst>
-                      </p:cNvPr>
-                      <p:cNvPicPr/>
-                      <p:nvPr/>
-                    </p:nvPicPr>
-                    <p:blipFill>
-                      <a:blip r:embed="rId9"/>
-                      <a:stretch>
-                        <a:fillRect/>
-                      </a:stretch>
-                    </p:blipFill>
-                    <p:spPr>
-                      <a:xfrm>
-                        <a:off x="5861455" y="5679864"/>
-                        <a:ext cx="1168400" cy="431800"/>
-                      </a:xfrm>
-                      <a:prstGeom prst="rect">
-                        <a:avLst/>
-                      </a:prstGeom>
-                    </p:spPr>
-                  </p:pic>
-                </p:oleObj>
-              </mc:Fallback>
-            </mc:AlternateContent>
-          </a:graphicData>
-        </a:graphic>
-      </p:graphicFrame>
-      <p:graphicFrame>
-        <p:nvGraphicFramePr>
-          <p:cNvPr id="13" name="对象 12">
-            <a:extLst>
-              <a:ext uri="{FF2B5EF4-FFF2-40B4-BE49-F238E27FC236}">
-                <a16:creationId xmlns:a16="http://schemas.microsoft.com/office/drawing/2014/main" id="{21FF5C81-D8B5-DF3C-4506-6D8C83301C99}"/>
-              </a:ext>
-            </a:extLst>
-          </p:cNvPr>
-          <p:cNvGraphicFramePr>
-            <a:graphicFrameLocks noChangeAspect="1"/>
-          </p:cNvGraphicFramePr>
-          <p:nvPr>
-            <p:extLst>
-              <p:ext uri="{D42A27DB-BD31-4B8C-83A1-F6EECF244321}">
-                <p14:modId xmlns:p14="http://schemas.microsoft.com/office/powerpoint/2010/main" val="4197802375"/>
-              </p:ext>
-            </p:extLst>
-          </p:nvPr>
-        </p:nvGraphicFramePr>
-        <p:xfrm>
-          <a:off x="7170791" y="5679864"/>
-          <a:ext cx="596900" cy="393700"/>
-        </p:xfrm>
-        <a:graphic>
-          <a:graphicData uri="http://schemas.openxmlformats.org/presentationml/2006/ole">
-            <mc:AlternateContent xmlns:mc="http://schemas.openxmlformats.org/markup-compatibility/2006">
-              <mc:Choice xmlns:v="urn:schemas-microsoft-com:vml" Requires="v">
-                <p:oleObj name="Equation" r:id="rId10" imgW="596880" imgH="393480" progId="Equation.DSMT4">
-                  <p:embed/>
-                </p:oleObj>
-              </mc:Choice>
-              <mc:Fallback>
-                <p:oleObj name="Equation" r:id="rId10" imgW="596880" imgH="393480" progId="Equation.DSMT4">
-                  <p:embed/>
-                  <p:pic>
-                    <p:nvPicPr>
-                      <p:cNvPr id="8" name="对象 7">
-                        <a:extLst>
-                          <a:ext uri="{FF2B5EF4-FFF2-40B4-BE49-F238E27FC236}">
-                            <a16:creationId xmlns:a16="http://schemas.microsoft.com/office/drawing/2014/main" id="{589739B1-897E-6B50-827E-49592B019046}"/>
-                          </a:ext>
-                        </a:extLst>
-                      </p:cNvPr>
-                      <p:cNvPicPr/>
-                      <p:nvPr/>
-                    </p:nvPicPr>
-                    <p:blipFill>
-                      <a:blip r:embed="rId11"/>
-                      <a:stretch>
-                        <a:fillRect/>
-                      </a:stretch>
-                    </p:blipFill>
-                    <p:spPr>
-                      <a:xfrm>
-                        <a:off x="7170791" y="5679864"/>
-                        <a:ext cx="596900" cy="393700"/>
-                      </a:xfrm>
-                      <a:prstGeom prst="rect">
-                        <a:avLst/>
-                      </a:prstGeom>
-                    </p:spPr>
-                  </p:pic>
-                </p:oleObj>
-              </mc:Fallback>
-            </mc:AlternateContent>
-          </a:graphicData>
-        </a:graphic>
-      </p:graphicFrame>
-    </p:spTree>
-  </p:cSld>
-  <p:clrMapOvr>
-    <a:masterClrMapping/>
-  </p:clrMapOvr>
-</p:sld>
-</file>
-
-<file path=ppt/slides/slide16.xml><?xml version="1.0" encoding="utf-8"?>
-<p:sld xmlns:a="http://schemas.openxmlformats.org/drawingml/2006/main" xmlns:r="http://schemas.openxmlformats.org/officeDocument/2006/relationships" xmlns:p="http://schemas.openxmlformats.org/presentationml/2006/main">
-  <p:cSld>
-    <p:spTree>
-      <p:nvGrpSpPr>
-        <p:cNvPr id="1" name=""/>
-        <p:cNvGrpSpPr/>
-        <p:nvPr/>
-      </p:nvGrpSpPr>
-      <p:grpSpPr>
-        <a:xfrm>
-          <a:off x="0" y="0"/>
-          <a:ext cx="0" cy="0"/>
-          <a:chOff x="0" y="0"/>
-          <a:chExt cx="0" cy="0"/>
-        </a:xfrm>
-      </p:grpSpPr>
-      <p:sp>
-        <p:nvSpPr>
-          <p:cNvPr id="2" name="标题 1"/>
-          <p:cNvSpPr>
-            <a:spLocks noGrp="1"/>
-          </p:cNvSpPr>
-          <p:nvPr>
-            <p:ph type="title"/>
-          </p:nvPr>
-        </p:nvSpPr>
-        <p:spPr/>
-        <p:txBody>
-          <a:bodyPr/>
-          <a:lstStyle/>
-          <a:p>
-            <a:r>
-              <a:rPr lang="zh-CN" altLang="en-US"/>
-              <a:t>熵权法</a:t>
-            </a:r>
-          </a:p>
-        </p:txBody>
-      </p:sp>
-      <p:sp>
-        <p:nvSpPr>
-          <p:cNvPr id="3" name="内容占位符 2"/>
-          <p:cNvSpPr>
-            <a:spLocks noGrp="1"/>
-          </p:cNvSpPr>
-          <p:nvPr>
-            <p:ph idx="1"/>
-          </p:nvPr>
-        </p:nvSpPr>
-        <p:spPr/>
-        <p:txBody>
-          <a:bodyPr/>
-          <a:lstStyle/>
-          <a:p>
-            <a:r>
-              <a:rPr lang="zh-CN" altLang="en-US" dirty="0"/>
-              <a:t>计算第j个指标的权重</a:t>
-            </a:r>
-            <a:endParaRPr lang="en-US" altLang="zh-CN" dirty="0"/>
-          </a:p>
-          <a:p>
-            <a:endParaRPr lang="zh-CN" altLang="en-US" dirty="0"/>
-          </a:p>
-          <a:p>
-            <a:endParaRPr lang="en-US" altLang="zh-CN" dirty="0"/>
-          </a:p>
-          <a:p>
-            <a:r>
-              <a:rPr lang="zh-CN" altLang="en-US" dirty="0"/>
-              <a:t>利用加权求和公式计算样本的分数或评价值</a:t>
-            </a:r>
-            <a:endParaRPr lang="en-US" altLang="zh-CN" dirty="0"/>
-          </a:p>
-          <a:p>
-            <a:endParaRPr lang="zh-CN" altLang="en-US" dirty="0"/>
-          </a:p>
-        </p:txBody>
-      </p:sp>
-      <p:graphicFrame>
-        <p:nvGraphicFramePr>
-          <p:cNvPr id="9" name="对象 8">
-            <a:extLst>
-              <a:ext uri="{FF2B5EF4-FFF2-40B4-BE49-F238E27FC236}">
-                <a16:creationId xmlns:a16="http://schemas.microsoft.com/office/drawing/2014/main" id="{5709B8B3-EDD7-6B02-9A23-79A890C56637}"/>
-              </a:ext>
-            </a:extLst>
-          </p:cNvPr>
-          <p:cNvGraphicFramePr>
-            <a:graphicFrameLocks noChangeAspect="1"/>
-          </p:cNvGraphicFramePr>
-          <p:nvPr>
-            <p:extLst>
-              <p:ext uri="{D42A27DB-BD31-4B8C-83A1-F6EECF244321}">
-                <p14:modId xmlns:p14="http://schemas.microsoft.com/office/powerpoint/2010/main" val="2468279362"/>
-              </p:ext>
-            </p:extLst>
-          </p:nvPr>
-        </p:nvGraphicFramePr>
-        <p:xfrm>
-          <a:off x="1982435" y="2373123"/>
-          <a:ext cx="1346777" cy="897851"/>
-        </p:xfrm>
-        <a:graphic>
-          <a:graphicData uri="http://schemas.openxmlformats.org/presentationml/2006/ole">
-            <mc:AlternateContent xmlns:mc="http://schemas.openxmlformats.org/markup-compatibility/2006">
-              <mc:Choice xmlns:v="urn:schemas-microsoft-com:vml" Requires="v">
-                <p:oleObj name="Equation" r:id="rId2" imgW="876240" imgH="583920" progId="Equation.DSMT4">
-                  <p:embed/>
-                </p:oleObj>
-              </mc:Choice>
-              <mc:Fallback>
-                <p:oleObj name="Equation" r:id="rId2" imgW="876240" imgH="583920" progId="Equation.DSMT4">
-                  <p:embed/>
-                  <p:pic>
-                    <p:nvPicPr>
-                      <p:cNvPr id="0" name=""/>
-                      <p:cNvPicPr/>
-                      <p:nvPr/>
-                    </p:nvPicPr>
-                    <p:blipFill>
-                      <a:blip r:embed="rId3"/>
-                      <a:stretch>
-                        <a:fillRect/>
-                      </a:stretch>
-                    </p:blipFill>
-                    <p:spPr>
-                      <a:xfrm>
-                        <a:off x="1982435" y="2373123"/>
-                        <a:ext cx="1346777" cy="897851"/>
-                      </a:xfrm>
-                      <a:prstGeom prst="rect">
-                        <a:avLst/>
-                      </a:prstGeom>
-                    </p:spPr>
-                  </p:pic>
-                </p:oleObj>
-              </mc:Fallback>
-            </mc:AlternateContent>
-          </a:graphicData>
-        </a:graphic>
-      </p:graphicFrame>
-      <p:graphicFrame>
-        <p:nvGraphicFramePr>
-          <p:cNvPr id="10" name="对象 9">
-            <a:extLst>
-              <a:ext uri="{FF2B5EF4-FFF2-40B4-BE49-F238E27FC236}">
-                <a16:creationId xmlns:a16="http://schemas.microsoft.com/office/drawing/2014/main" id="{4B53D571-7256-B910-E736-9E0A51733E2A}"/>
-              </a:ext>
-            </a:extLst>
-          </p:cNvPr>
-          <p:cNvGraphicFramePr>
-            <a:graphicFrameLocks noChangeAspect="1"/>
-          </p:cNvGraphicFramePr>
-          <p:nvPr>
-            <p:extLst>
-              <p:ext uri="{D42A27DB-BD31-4B8C-83A1-F6EECF244321}">
-                <p14:modId xmlns:p14="http://schemas.microsoft.com/office/powerpoint/2010/main" val="3429867580"/>
-              </p:ext>
-            </p:extLst>
-          </p:nvPr>
-        </p:nvGraphicFramePr>
-        <p:xfrm>
-          <a:off x="1720078" y="4001294"/>
-          <a:ext cx="1969869" cy="656623"/>
-        </p:xfrm>
-        <a:graphic>
-          <a:graphicData uri="http://schemas.openxmlformats.org/presentationml/2006/ole">
-            <mc:AlternateContent xmlns:mc="http://schemas.openxmlformats.org/markup-compatibility/2006">
-              <mc:Choice xmlns:v="urn:schemas-microsoft-com:vml" Requires="v">
-                <p:oleObj name="Equation" r:id="rId4" imgW="1066680" imgH="355320" progId="Equation.DSMT4">
-                  <p:embed/>
-                </p:oleObj>
-              </mc:Choice>
-              <mc:Fallback>
-                <p:oleObj name="Equation" r:id="rId4" imgW="1066680" imgH="355320" progId="Equation.DSMT4">
-                  <p:embed/>
-                  <p:pic>
-                    <p:nvPicPr>
-                      <p:cNvPr id="0" name=""/>
-                      <p:cNvPicPr/>
-                      <p:nvPr/>
-                    </p:nvPicPr>
-                    <p:blipFill>
-                      <a:blip r:embed="rId5"/>
-                      <a:stretch>
-                        <a:fillRect/>
-                      </a:stretch>
-                    </p:blipFill>
-                    <p:spPr>
-                      <a:xfrm>
-                        <a:off x="1720078" y="4001294"/>
-                        <a:ext cx="1969869" cy="656623"/>
-                      </a:xfrm>
-                      <a:prstGeom prst="rect">
-                        <a:avLst/>
-                      </a:prstGeom>
-                    </p:spPr>
-                  </p:pic>
-                </p:oleObj>
-              </mc:Fallback>
-            </mc:AlternateContent>
-          </a:graphicData>
-        </a:graphic>
-      </p:graphicFrame>
-    </p:spTree>
-  </p:cSld>
-  <p:clrMapOvr>
-    <a:masterClrMapping/>
-  </p:clrMapOvr>
-</p:sld>
-</file>
-
-<file path=ppt/slides/slide17.xml><?xml version="1.0" encoding="utf-8"?>
-<p:sld xmlns:a="http://schemas.openxmlformats.org/drawingml/2006/main" xmlns:r="http://schemas.openxmlformats.org/officeDocument/2006/relationships" xmlns:p="http://schemas.openxmlformats.org/presentationml/2006/main">
-  <p:cSld>
-    <p:spTree>
-      <p:nvGrpSpPr>
-        <p:cNvPr id="1" name=""/>
-        <p:cNvGrpSpPr/>
-        <p:nvPr/>
-      </p:nvGrpSpPr>
-      <p:grpSpPr>
-        <a:xfrm>
-          <a:off x="0" y="0"/>
-          <a:ext cx="0" cy="0"/>
-          <a:chOff x="0" y="0"/>
-          <a:chExt cx="0" cy="0"/>
-        </a:xfrm>
-      </p:grpSpPr>
-      <p:sp>
-        <p:nvSpPr>
-          <p:cNvPr id="2" name="标题 1">
-            <a:extLst>
-              <a:ext uri="{FF2B5EF4-FFF2-40B4-BE49-F238E27FC236}">
-                <a16:creationId xmlns:a16="http://schemas.microsoft.com/office/drawing/2014/main" id="{8F0DFB6A-77E2-88ED-D0C1-AEF1F1B3ADD0}"/>
-              </a:ext>
-            </a:extLst>
-          </p:cNvPr>
-          <p:cNvSpPr>
-            <a:spLocks noGrp="1"/>
-          </p:cNvSpPr>
-          <p:nvPr>
-            <p:ph type="title"/>
-          </p:nvPr>
-        </p:nvSpPr>
-        <p:spPr/>
-        <p:txBody>
-          <a:bodyPr/>
-          <a:lstStyle/>
-          <a:p>
-            <a:endParaRPr lang="zh-CN" altLang="en-US"/>
-          </a:p>
-        </p:txBody>
-      </p:sp>
-      <p:sp>
-        <p:nvSpPr>
-          <p:cNvPr id="3" name="内容占位符 2">
-            <a:extLst>
-              <a:ext uri="{FF2B5EF4-FFF2-40B4-BE49-F238E27FC236}">
-                <a16:creationId xmlns:a16="http://schemas.microsoft.com/office/drawing/2014/main" id="{312814B6-D435-B78D-088E-393DE542EE61}"/>
-              </a:ext>
-            </a:extLst>
-          </p:cNvPr>
-          <p:cNvSpPr>
-            <a:spLocks noGrp="1"/>
-          </p:cNvSpPr>
-          <p:nvPr>
-            <p:ph idx="1"/>
-          </p:nvPr>
-        </p:nvSpPr>
-        <p:spPr/>
-        <p:txBody>
-          <a:bodyPr/>
-          <a:lstStyle/>
-          <a:p>
-            <a:endParaRPr lang="zh-CN" altLang="en-US" dirty="0"/>
-          </a:p>
-        </p:txBody>
-      </p:sp>
-    </p:spTree>
-    <p:extLst>
-      <p:ext uri="{BB962C8B-B14F-4D97-AF65-F5344CB8AC3E}">
-        <p14:creationId xmlns:p14="http://schemas.microsoft.com/office/powerpoint/2010/main" val="2941592791"/>
-      </p:ext>
-    </p:extLst>
-  </p:cSld>
-  <p:clrMapOvr>
-    <a:masterClrMapping/>
-  </p:clrMapOvr>
-</p:sld>
-</file>
-
-<file path=ppt/slides/slide18.xml><?xml version="1.0" encoding="utf-8"?>
-<p:sld xmlns:a="http://schemas.openxmlformats.org/drawingml/2006/main" xmlns:r="http://schemas.openxmlformats.org/officeDocument/2006/relationships" xmlns:p="http://schemas.openxmlformats.org/presentationml/2006/main">
-  <p:cSld>
-    <p:spTree>
-      <p:nvGrpSpPr>
-        <p:cNvPr id="1" name=""/>
-        <p:cNvGrpSpPr/>
-        <p:nvPr/>
-      </p:nvGrpSpPr>
-      <p:grpSpPr>
-        <a:xfrm>
-          <a:off x="0" y="0"/>
-          <a:ext cx="0" cy="0"/>
-          <a:chOff x="0" y="0"/>
-          <a:chExt cx="0" cy="0"/>
-        </a:xfrm>
-      </p:grpSpPr>
-      <p:sp>
-        <p:nvSpPr>
-          <p:cNvPr id="4" name="矩形 3">
-            <a:extLst>
-              <a:ext uri="{FF2B5EF4-FFF2-40B4-BE49-F238E27FC236}">
-                <a16:creationId xmlns:a16="http://schemas.microsoft.com/office/drawing/2014/main" id="{5FE2F0BB-ABBC-0839-6581-534FD00C434E}"/>
-              </a:ext>
-            </a:extLst>
-          </p:cNvPr>
+          <p:cNvPr id="4" name="矩形 3"/>
           <p:cNvSpPr/>
           <p:nvPr/>
         </p:nvSpPr>
@@ -7120,13 +4858,7 @@
       </p:sp>
       <p:sp>
         <p:nvSpPr>
-          <p:cNvPr id="5" name="矩形 4">
-            <a:extLst>
-              <a:ext uri="{FF2B5EF4-FFF2-40B4-BE49-F238E27FC236}">
-                <a16:creationId xmlns:a16="http://schemas.microsoft.com/office/drawing/2014/main" id="{37938814-1030-970A-757B-1573ED7389F8}"/>
-              </a:ext>
-            </a:extLst>
-          </p:cNvPr>
+          <p:cNvPr id="5" name="矩形 4"/>
           <p:cNvSpPr/>
           <p:nvPr/>
         </p:nvSpPr>
@@ -7159,18 +4891,20 @@
               </a:rPr>
               <a:t>难点点评</a:t>
             </a:r>
-          </a:p>
-        </p:txBody>
-      </p:sp>
-      <p:sp>
-        <p:nvSpPr>
-          <p:cNvPr id="6" name="矩形 5">
-            <a:extLst>
-              <a:ext uri="{FF2B5EF4-FFF2-40B4-BE49-F238E27FC236}">
-                <a16:creationId xmlns:a16="http://schemas.microsoft.com/office/drawing/2014/main" id="{2020E845-6E37-6685-A41B-C50F8BEFD66F}"/>
-              </a:ext>
-            </a:extLst>
-          </p:cNvPr>
+            <a:endParaRPr lang="zh-CN" altLang="en-US" sz="4400" b="1" kern="100" dirty="0">
+              <a:solidFill>
+                <a:schemeClr val="bg1"/>
+              </a:solidFill>
+              <a:latin typeface="微软雅黑" panose="020B0503020204020204" pitchFamily="34" charset="-122"/>
+              <a:ea typeface="微软雅黑" panose="020B0503020204020204" pitchFamily="34" charset="-122"/>
+              <a:cs typeface="Times New Roman" panose="02020603050405020304" pitchFamily="18" charset="0"/>
+            </a:endParaRPr>
+          </a:p>
+        </p:txBody>
+      </p:sp>
+      <p:sp>
+        <p:nvSpPr>
+          <p:cNvPr id="6" name="矩形 5"/>
           <p:cNvSpPr/>
           <p:nvPr/>
         </p:nvSpPr>
@@ -7208,13 +4942,7 @@
       </p:sp>
       <p:sp>
         <p:nvSpPr>
-          <p:cNvPr id="7" name="椭圆 6">
-            <a:extLst>
-              <a:ext uri="{FF2B5EF4-FFF2-40B4-BE49-F238E27FC236}">
-                <a16:creationId xmlns:a16="http://schemas.microsoft.com/office/drawing/2014/main" id="{210ED04E-EA3E-A869-09BA-2D1376D45F5D}"/>
-              </a:ext>
-            </a:extLst>
-          </p:cNvPr>
+          <p:cNvPr id="7" name="椭圆 6"/>
           <p:cNvSpPr/>
           <p:nvPr/>
         </p:nvSpPr>
@@ -7258,9 +4986,6 @@
         </p:style>
         <p:txBody>
           <a:bodyPr rot="0" spcFirstLastPara="0" vertOverflow="overflow" horzOverflow="overflow" vert="horz" wrap="square" lIns="91440" tIns="45720" rIns="91440" bIns="45720" numCol="1" spcCol="0" rtlCol="0" fromWordArt="0" anchor="ctr" anchorCtr="0" forceAA="0" compatLnSpc="1">
-            <a:prstTxWarp prst="textNoShape">
-              <a:avLst/>
-            </a:prstTxWarp>
             <a:noAutofit/>
           </a:bodyPr>
           <a:lstStyle/>
@@ -7272,13 +4997,7 @@
       </p:sp>
       <p:grpSp>
         <p:nvGrpSpPr>
-          <p:cNvPr id="8" name="组合 7">
-            <a:extLst>
-              <a:ext uri="{FF2B5EF4-FFF2-40B4-BE49-F238E27FC236}">
-                <a16:creationId xmlns:a16="http://schemas.microsoft.com/office/drawing/2014/main" id="{E74331D4-3823-5215-24FE-96E89198D559}"/>
-              </a:ext>
-            </a:extLst>
-          </p:cNvPr>
+          <p:cNvPr id="8" name="组合 7"/>
           <p:cNvGrpSpPr/>
           <p:nvPr/>
         </p:nvGrpSpPr>
@@ -7297,16 +5016,8 @@
         </p:grpSpPr>
         <p:sp>
           <p:nvSpPr>
-            <p:cNvPr id="9" name="AutoShape 43">
-              <a:extLst>
-                <a:ext uri="{FF2B5EF4-FFF2-40B4-BE49-F238E27FC236}">
-                  <a16:creationId xmlns:a16="http://schemas.microsoft.com/office/drawing/2014/main" id="{1F79AE39-2C47-9327-1260-EBD6532C2068}"/>
-                </a:ext>
-              </a:extLst>
-            </p:cNvPr>
-            <p:cNvSpPr>
-              <a:spLocks/>
-            </p:cNvSpPr>
+            <p:cNvPr id="9" name="AutoShape 43"/>
+            <p:cNvSpPr/>
             <p:nvPr/>
           </p:nvSpPr>
           <p:spPr bwMode="auto">
@@ -7505,7 +5216,6 @@
               </a:pathLst>
             </a:custGeom>
             <a:grpFill/>
-            <a:ln/>
           </p:spPr>
           <p:style>
             <a:lnRef idx="1">
@@ -7539,7 +5249,6 @@
                 <a:buSzTx/>
                 <a:buFontTx/>
                 <a:buNone/>
-                <a:tabLst/>
                 <a:defRPr/>
               </a:pPr>
               <a:endParaRPr kumimoji="0" lang="en-US" sz="1500" i="0" u="none" strike="noStrike" kern="0" normalizeH="0" baseline="0" noProof="0" dirty="0">
@@ -7561,16 +5270,8 @@
         </p:sp>
         <p:sp>
           <p:nvSpPr>
-            <p:cNvPr id="10" name="AutoShape 44">
-              <a:extLst>
-                <a:ext uri="{FF2B5EF4-FFF2-40B4-BE49-F238E27FC236}">
-                  <a16:creationId xmlns:a16="http://schemas.microsoft.com/office/drawing/2014/main" id="{BE462345-CDC5-0A1A-11AE-FC48BDD6FC72}"/>
-                </a:ext>
-              </a:extLst>
-            </p:cNvPr>
-            <p:cNvSpPr>
-              <a:spLocks/>
-            </p:cNvSpPr>
+            <p:cNvPr id="10" name="AutoShape 44"/>
+            <p:cNvSpPr/>
             <p:nvPr/>
           </p:nvSpPr>
           <p:spPr bwMode="auto">
@@ -7641,7 +5342,6 @@
               </a:pathLst>
             </a:custGeom>
             <a:grpFill/>
-            <a:ln/>
           </p:spPr>
           <p:style>
             <a:lnRef idx="1">
@@ -7675,7 +5375,6 @@
                 <a:buSzTx/>
                 <a:buFontTx/>
                 <a:buNone/>
-                <a:tabLst/>
                 <a:defRPr/>
               </a:pPr>
               <a:endParaRPr kumimoji="0" lang="en-US" sz="1500" i="0" u="none" strike="noStrike" kern="0" normalizeH="0" baseline="0" noProof="0" dirty="0">
@@ -7697,16 +5396,8 @@
         </p:sp>
         <p:sp>
           <p:nvSpPr>
-            <p:cNvPr id="11" name="AutoShape 45">
-              <a:extLst>
-                <a:ext uri="{FF2B5EF4-FFF2-40B4-BE49-F238E27FC236}">
-                  <a16:creationId xmlns:a16="http://schemas.microsoft.com/office/drawing/2014/main" id="{8E120BDE-293B-2FFE-C676-A72C1D40BE26}"/>
-                </a:ext>
-              </a:extLst>
-            </p:cNvPr>
-            <p:cNvSpPr>
-              <a:spLocks/>
-            </p:cNvSpPr>
+            <p:cNvPr id="11" name="AutoShape 45"/>
+            <p:cNvSpPr/>
             <p:nvPr/>
           </p:nvSpPr>
           <p:spPr bwMode="auto">
@@ -7771,7 +5462,6 @@
               </a:pathLst>
             </a:custGeom>
             <a:grpFill/>
-            <a:ln/>
           </p:spPr>
           <p:style>
             <a:lnRef idx="1">
@@ -7805,7 +5495,6 @@
                 <a:buSzTx/>
                 <a:buFontTx/>
                 <a:buNone/>
-                <a:tabLst/>
                 <a:defRPr/>
               </a:pPr>
               <a:endParaRPr kumimoji="0" lang="en-US" sz="1500" i="0" u="none" strike="noStrike" kern="0" normalizeH="0" baseline="0" noProof="0" dirty="0">
@@ -7828,13 +5517,7 @@
       </p:grpSp>
       <p:sp>
         <p:nvSpPr>
-          <p:cNvPr id="15" name="矩形 14">
-            <a:extLst>
-              <a:ext uri="{FF2B5EF4-FFF2-40B4-BE49-F238E27FC236}">
-                <a16:creationId xmlns:a16="http://schemas.microsoft.com/office/drawing/2014/main" id="{7BF0973A-1738-8176-FDC9-4A588F869A4D}"/>
-              </a:ext>
-            </a:extLst>
-          </p:cNvPr>
+          <p:cNvPr id="15" name="矩形 14"/>
           <p:cNvSpPr/>
           <p:nvPr/>
         </p:nvSpPr>
@@ -7877,13 +5560,7 @@
       </p:sp>
       <p:sp>
         <p:nvSpPr>
-          <p:cNvPr id="2" name="文本框 1">
-            <a:extLst>
-              <a:ext uri="{FF2B5EF4-FFF2-40B4-BE49-F238E27FC236}">
-                <a16:creationId xmlns:a16="http://schemas.microsoft.com/office/drawing/2014/main" id="{238A4732-9D59-889B-454D-099C2026B6F0}"/>
-              </a:ext>
-            </a:extLst>
-          </p:cNvPr>
+          <p:cNvPr id="2" name="文本框 1"/>
           <p:cNvSpPr txBox="1"/>
           <p:nvPr/>
         </p:nvSpPr>
@@ -7936,11 +5613,6 @@
         </p:txBody>
       </p:sp>
     </p:spTree>
-    <p:extLst>
-      <p:ext uri="{BB962C8B-B14F-4D97-AF65-F5344CB8AC3E}">
-        <p14:creationId xmlns:p14="http://schemas.microsoft.com/office/powerpoint/2010/main" val="1238351936"/>
-      </p:ext>
-    </p:extLst>
   </p:cSld>
   <p:clrMapOvr>
     <a:masterClrMapping/>
@@ -7948,7 +5620,84 @@
 </p:sld>
 </file>
 
-<file path=ppt/slides/slide19.xml><?xml version="1.0" encoding="utf-8"?>
+<file path=ppt/slides/slide14.xml><?xml version="1.0" encoding="utf-8"?>
+<p:sld xmlns:a="http://schemas.openxmlformats.org/drawingml/2006/main" xmlns:r="http://schemas.openxmlformats.org/officeDocument/2006/relationships" xmlns:p="http://schemas.openxmlformats.org/presentationml/2006/main">
+  <p:cSld>
+    <p:spTree>
+      <p:nvGrpSpPr>
+        <p:cNvPr id="1" name=""/>
+        <p:cNvGrpSpPr/>
+        <p:nvPr/>
+      </p:nvGrpSpPr>
+      <p:grpSpPr/>
+      <p:sp>
+        <p:nvSpPr>
+          <p:cNvPr id="2" name="标题 1"/>
+          <p:cNvSpPr>
+            <a:spLocks noGrp="1"/>
+          </p:cNvSpPr>
+          <p:nvPr>
+            <p:ph type="title"/>
+          </p:nvPr>
+        </p:nvSpPr>
+        <p:spPr/>
+        <p:txBody>
+          <a:bodyPr/>
+          <a:p>
+            <a:r>
+              <a:rPr lang="zh-CN" altLang="en-US"/>
+              <a:t>量化指标</a:t>
+            </a:r>
+            <a:endParaRPr lang="zh-CN" altLang="en-US"/>
+          </a:p>
+        </p:txBody>
+      </p:sp>
+      <p:sp>
+        <p:nvSpPr>
+          <p:cNvPr id="3" name="内容占位符 2"/>
+          <p:cNvSpPr>
+            <a:spLocks noGrp="1"/>
+          </p:cNvSpPr>
+          <p:nvPr>
+            <p:ph idx="1"/>
+          </p:nvPr>
+        </p:nvSpPr>
+        <p:spPr/>
+        <p:txBody>
+          <a:bodyPr/>
+          <a:p>
+            <a:r>
+              <a:rPr lang="zh-CN" altLang="en-US"/>
+              <a:t>提炼有效指标，对目标函数的表达，算法的复杂程度，模型的准确度有着决定性的</a:t>
+            </a:r>
+            <a:r>
+              <a:rPr lang="zh-CN" altLang="en-US"/>
+              <a:t>作用。</a:t>
+            </a:r>
+            <a:endParaRPr lang="zh-CN" altLang="en-US"/>
+          </a:p>
+          <a:p>
+            <a:r>
+              <a:rPr lang="zh-CN" altLang="en-US"/>
+              <a:t>通过研读优秀论文，指标的提炼绝不是人云亦云，要结合合理的假设与推导，注意观察已给数据的信息，合理</a:t>
+            </a:r>
+            <a:r>
+              <a:rPr lang="zh-CN" altLang="en-US"/>
+              <a:t>量化。</a:t>
+            </a:r>
+            <a:endParaRPr lang="zh-CN" altLang="en-US"/>
+          </a:p>
+        </p:txBody>
+      </p:sp>
+    </p:spTree>
+  </p:cSld>
+  <p:clrMapOvr>
+    <a:masterClrMapping/>
+  </p:clrMapOvr>
+</p:sld>
+</file>
+
+<file path=ppt/slides/slide15.xml><?xml version="1.0" encoding="utf-8"?>
 <p:sld xmlns:a="http://schemas.openxmlformats.org/drawingml/2006/main" xmlns:r="http://schemas.openxmlformats.org/officeDocument/2006/relationships" xmlns:p="http://schemas.openxmlformats.org/presentationml/2006/main">
   <p:cSld>
     <p:spTree>
@@ -7967,13 +5716,7 @@
       </p:grpSpPr>
       <p:sp>
         <p:nvSpPr>
-          <p:cNvPr id="2" name="标题 1">
-            <a:extLst>
-              <a:ext uri="{FF2B5EF4-FFF2-40B4-BE49-F238E27FC236}">
-                <a16:creationId xmlns:a16="http://schemas.microsoft.com/office/drawing/2014/main" id="{92B46323-6940-F2BD-7339-A63948171052}"/>
-              </a:ext>
-            </a:extLst>
-          </p:cNvPr>
+          <p:cNvPr id="2" name="标题 1"/>
           <p:cNvSpPr>
             <a:spLocks noGrp="1"/>
           </p:cNvSpPr>
@@ -8004,13 +5747,7 @@
       </p:sp>
       <p:sp>
         <p:nvSpPr>
-          <p:cNvPr id="5" name="AutoShape 4">
-            <a:extLst>
-              <a:ext uri="{FF2B5EF4-FFF2-40B4-BE49-F238E27FC236}">
-                <a16:creationId xmlns:a16="http://schemas.microsoft.com/office/drawing/2014/main" id="{E91E3A18-AC0A-BE7C-A6FD-5DC44AA57782}"/>
-              </a:ext>
-            </a:extLst>
-          </p:cNvPr>
+          <p:cNvPr id="5" name="AutoShape 4"/>
           <p:cNvSpPr>
             <a:spLocks noGrp="1" noChangeAspect="1" noChangeArrowheads="1"/>
           </p:cNvSpPr>
@@ -8035,9 +5772,6 @@
         </p:spPr>
         <p:txBody>
           <a:bodyPr vert="horz" wrap="square" lIns="91440" tIns="45720" rIns="91440" bIns="45720" numCol="1" anchor="t" anchorCtr="0" compatLnSpc="1">
-            <a:prstTxWarp prst="textNoShape">
-              <a:avLst/>
-            </a:prstTxWarp>
             <a:normAutofit lnSpcReduction="10000"/>
           </a:bodyPr>
           <a:lstStyle/>
@@ -8065,6 +5799,13 @@
               </a:rPr>
               <a:t>突发因素的出现本身是不确定的，即为随机事件。</a:t>
             </a:r>
+            <a:endParaRPr lang="zh-CN" altLang="en-US" b="0" i="0" u="none" strike="noStrike" baseline="0" dirty="0">
+              <a:solidFill>
+                <a:srgbClr val="0706E3"/>
+              </a:solidFill>
+              <a:latin typeface="楷体" panose="02010609060101010101" pitchFamily="49" charset="-122"/>
+              <a:ea typeface="楷体" panose="02010609060101010101" pitchFamily="49" charset="-122"/>
+            </a:endParaRPr>
           </a:p>
           <a:p>
             <a:pPr marL="0" indent="0" algn="l">
@@ -8090,6 +5831,13 @@
               </a:rPr>
               <a:t>如何表示一般突发突事件的发生过程？</a:t>
             </a:r>
+            <a:endParaRPr lang="zh-CN" altLang="en-US" b="0" i="0" u="none" strike="noStrike" baseline="0" dirty="0">
+              <a:solidFill>
+                <a:srgbClr val="000000"/>
+              </a:solidFill>
+              <a:latin typeface="楷体" panose="02010609060101010101" pitchFamily="49" charset="-122"/>
+              <a:ea typeface="楷体" panose="02010609060101010101" pitchFamily="49" charset="-122"/>
+            </a:endParaRPr>
           </a:p>
           <a:p>
             <a:pPr marL="0" indent="0" algn="l">
@@ -8105,6 +5853,13 @@
               </a:rPr>
               <a:t>对各企业的信贷风险和银行的信贷策略产生什么影响？</a:t>
             </a:r>
+            <a:endParaRPr lang="zh-CN" altLang="en-US" b="0" i="0" u="none" strike="noStrike" baseline="0" dirty="0">
+              <a:solidFill>
+                <a:srgbClr val="000000"/>
+              </a:solidFill>
+              <a:latin typeface="楷体" panose="02010609060101010101" pitchFamily="49" charset="-122"/>
+              <a:ea typeface="楷体" panose="02010609060101010101" pitchFamily="49" charset="-122"/>
+            </a:endParaRPr>
           </a:p>
           <a:p>
             <a:pPr marL="0" indent="0" algn="l">
@@ -8120,6 +5875,13 @@
               </a:rPr>
               <a:t>相应的影响效果怎么样？</a:t>
             </a:r>
+            <a:endParaRPr lang="zh-CN" altLang="en-US" b="0" i="0" u="none" strike="noStrike" baseline="0" dirty="0">
+              <a:solidFill>
+                <a:srgbClr val="000000"/>
+              </a:solidFill>
+              <a:latin typeface="楷体" panose="02010609060101010101" pitchFamily="49" charset="-122"/>
+              <a:ea typeface="楷体" panose="02010609060101010101" pitchFamily="49" charset="-122"/>
+            </a:endParaRPr>
           </a:p>
           <a:p>
             <a:pPr marL="0" indent="0" algn="l">
@@ -8185,6 +5947,13 @@
               </a:rPr>
               <a:t>影响，通常要考虑正负</a:t>
             </a:r>
+            <a:endParaRPr lang="zh-CN" altLang="en-US" b="0" i="0" u="none" strike="noStrike" baseline="0" dirty="0">
+              <a:solidFill>
+                <a:srgbClr val="0706E3"/>
+              </a:solidFill>
+              <a:latin typeface="楷体" panose="02010609060101010101" pitchFamily="49" charset="-122"/>
+              <a:ea typeface="楷体" panose="02010609060101010101" pitchFamily="49" charset="-122"/>
+            </a:endParaRPr>
           </a:p>
           <a:p>
             <a:pPr marL="0" indent="0" algn="l">
@@ -8200,6 +5969,13 @@
               </a:rPr>
               <a:t>两个方面的影响。</a:t>
             </a:r>
+            <a:endParaRPr lang="zh-CN" altLang="en-US" b="0" i="0" u="none" strike="noStrike" baseline="0" dirty="0">
+              <a:solidFill>
+                <a:srgbClr val="0706E3"/>
+              </a:solidFill>
+              <a:latin typeface="楷体" panose="02010609060101010101" pitchFamily="49" charset="-122"/>
+              <a:ea typeface="楷体" panose="02010609060101010101" pitchFamily="49" charset="-122"/>
+            </a:endParaRPr>
           </a:p>
           <a:p>
             <a:pPr marL="0" indent="0" algn="l">
@@ -8225,6 +6001,13 @@
               </a:rPr>
               <a:t>对于企业按行业进行分类，针对不同的行业研究某种突发</a:t>
             </a:r>
+            <a:endParaRPr lang="zh-CN" altLang="en-US" b="0" i="0" u="none" strike="noStrike" baseline="0" dirty="0">
+              <a:solidFill>
+                <a:srgbClr val="000000"/>
+              </a:solidFill>
+              <a:latin typeface="楷体" panose="02010609060101010101" pitchFamily="49" charset="-122"/>
+              <a:ea typeface="楷体" panose="02010609060101010101" pitchFamily="49" charset="-122"/>
+            </a:endParaRPr>
           </a:p>
           <a:p>
             <a:pPr marL="0" indent="0" algn="l">
@@ -8240,6 +6023,13 @@
               </a:rPr>
               <a:t>事件的影响和影响效果。</a:t>
             </a:r>
+            <a:endParaRPr lang="zh-CN" altLang="en-US" b="0" i="0" u="none" strike="noStrike" baseline="0" dirty="0">
+              <a:solidFill>
+                <a:srgbClr val="000000"/>
+              </a:solidFill>
+              <a:latin typeface="楷体" panose="02010609060101010101" pitchFamily="49" charset="-122"/>
+              <a:ea typeface="楷体" panose="02010609060101010101" pitchFamily="49" charset="-122"/>
+            </a:endParaRPr>
           </a:p>
           <a:p>
             <a:pPr marL="0" indent="0" algn="l">
@@ -8270,11 +6060,6 @@
         </p:txBody>
       </p:sp>
     </p:spTree>
-    <p:extLst>
-      <p:ext uri="{BB962C8B-B14F-4D97-AF65-F5344CB8AC3E}">
-        <p14:creationId xmlns:p14="http://schemas.microsoft.com/office/powerpoint/2010/main" val="1017715799"/>
-      </p:ext>
-    </p:extLst>
   </p:cSld>
   <p:clrMapOvr>
     <a:masterClrMapping/>
@@ -8282,7 +6067,7 @@
 </p:sld>
 </file>
 
-<file path=ppt/slides/slide2.xml><?xml version="1.0" encoding="utf-8"?>
+<file path=ppt/slides/slide16.xml><?xml version="1.0" encoding="utf-8"?>
 <p:sld xmlns:a="http://schemas.openxmlformats.org/drawingml/2006/main" xmlns:r="http://schemas.openxmlformats.org/officeDocument/2006/relationships" xmlns:p="http://schemas.openxmlformats.org/presentationml/2006/main">
   <p:cSld>
     <p:spTree>
@@ -8301,19 +6086,353 @@
       </p:grpSpPr>
       <p:sp>
         <p:nvSpPr>
-          <p:cNvPr id="4" name="矩形 3">
-            <a:extLst>
-              <a:ext uri="{FF2B5EF4-FFF2-40B4-BE49-F238E27FC236}">
-                <a16:creationId xmlns:a16="http://schemas.microsoft.com/office/drawing/2014/main" id="{5FE2F0BB-ABBC-0839-6581-534FD00C434E}"/>
-              </a:ext>
-            </a:extLst>
-          </p:cNvPr>
+          <p:cNvPr id="2" name="标题 1"/>
+          <p:cNvSpPr>
+            <a:spLocks noGrp="1"/>
+          </p:cNvSpPr>
+          <p:nvPr>
+            <p:ph type="title"/>
+          </p:nvPr>
+        </p:nvSpPr>
+        <p:spPr/>
+        <p:txBody>
+          <a:bodyPr>
+            <a:normAutofit/>
+          </a:bodyPr>
+          <a:lstStyle/>
+          <a:p>
+            <a:r>
+              <a:rPr lang="zh-CN" altLang="en-US" sz="4800" b="0" i="0" u="none" strike="noStrike" baseline="0" dirty="0">
+                <a:solidFill>
+                  <a:srgbClr val="E8080B"/>
+                </a:solidFill>
+                <a:latin typeface="楷体" panose="02010609060101010101" pitchFamily="49" charset="-122"/>
+                <a:ea typeface="楷体" panose="02010609060101010101" pitchFamily="49" charset="-122"/>
+              </a:rPr>
+              <a:t>具体的实现方法</a:t>
+            </a:r>
+            <a:endParaRPr lang="zh-CN" altLang="en-US" sz="9600" b="1" dirty="0"/>
+          </a:p>
+        </p:txBody>
+      </p:sp>
+      <p:sp>
+        <p:nvSpPr>
+          <p:cNvPr id="3" name="内容占位符 2"/>
+          <p:cNvSpPr>
+            <a:spLocks noGrp="1"/>
+          </p:cNvSpPr>
+          <p:nvPr>
+            <p:ph idx="1"/>
+          </p:nvPr>
+        </p:nvSpPr>
+        <p:spPr/>
+        <p:txBody>
+          <a:bodyPr>
+            <a:normAutofit/>
+          </a:bodyPr>
+          <a:lstStyle/>
+          <a:p>
+            <a:pPr marL="0" indent="0" algn="l">
+              <a:buNone/>
+            </a:pPr>
+            <a:r>
+              <a:rPr lang="en-US" altLang="zh-CN" b="0" i="0" u="none" strike="noStrike" baseline="0" dirty="0">
+                <a:solidFill>
+                  <a:srgbClr val="0806E2"/>
+                </a:solidFill>
+                <a:latin typeface="TimesNewRomanPSMT"/>
+              </a:rPr>
+              <a:t>(1) </a:t>
+            </a:r>
+            <a:r>
+              <a:rPr lang="zh-CN" altLang="en-US" b="0" i="0" u="none" strike="noStrike" baseline="0" dirty="0">
+                <a:solidFill>
+                  <a:srgbClr val="0806E2"/>
+                </a:solidFill>
+                <a:latin typeface="楷体" panose="02010609060101010101" pitchFamily="49" charset="-122"/>
+                <a:ea typeface="楷体" panose="02010609060101010101" pitchFamily="49" charset="-122"/>
+              </a:rPr>
+              <a:t>一般突发事件的发生过程可视为二项分布、</a:t>
+            </a:r>
+            <a:r>
+              <a:rPr lang="en-US" altLang="zh-CN" b="0" i="0" u="none" strike="noStrike" baseline="0" dirty="0" err="1">
+                <a:solidFill>
+                  <a:srgbClr val="0806E2"/>
+                </a:solidFill>
+                <a:latin typeface="TimesNewRomanPSMT"/>
+                <a:ea typeface="楷体" panose="02010609060101010101" pitchFamily="49" charset="-122"/>
+              </a:rPr>
+              <a:t>Possion</a:t>
+            </a:r>
+            <a:r>
+              <a:rPr lang="zh-CN" altLang="en-US" b="0" i="0" u="none" strike="noStrike" baseline="0" dirty="0">
+                <a:solidFill>
+                  <a:srgbClr val="0806E2"/>
+                </a:solidFill>
+                <a:latin typeface="楷体" panose="02010609060101010101" pitchFamily="49" charset="-122"/>
+                <a:ea typeface="楷体" panose="02010609060101010101" pitchFamily="49" charset="-122"/>
+              </a:rPr>
+              <a:t>分布，</a:t>
+            </a:r>
+            <a:endParaRPr lang="zh-CN" altLang="en-US" b="0" i="0" u="none" strike="noStrike" baseline="0" dirty="0">
+              <a:solidFill>
+                <a:srgbClr val="0806E2"/>
+              </a:solidFill>
+              <a:latin typeface="楷体" panose="02010609060101010101" pitchFamily="49" charset="-122"/>
+              <a:ea typeface="楷体" panose="02010609060101010101" pitchFamily="49" charset="-122"/>
+            </a:endParaRPr>
+          </a:p>
+          <a:p>
+            <a:pPr marL="0" indent="0" algn="l">
+              <a:buNone/>
+            </a:pPr>
+            <a:r>
+              <a:rPr lang="zh-CN" altLang="en-US" b="0" i="0" u="none" strike="noStrike" baseline="0" dirty="0">
+                <a:solidFill>
+                  <a:srgbClr val="0806E2"/>
+                </a:solidFill>
+                <a:latin typeface="楷体" panose="02010609060101010101" pitchFamily="49" charset="-122"/>
+                <a:ea typeface="楷体" panose="02010609060101010101" pitchFamily="49" charset="-122"/>
+              </a:rPr>
+              <a:t>一般突发事件的影响效果可依据不同的行业用正态分布表述。</a:t>
+            </a:r>
+            <a:endParaRPr lang="zh-CN" altLang="en-US" b="0" i="0" u="none" strike="noStrike" baseline="0" dirty="0">
+              <a:solidFill>
+                <a:srgbClr val="0806E2"/>
+              </a:solidFill>
+              <a:latin typeface="楷体" panose="02010609060101010101" pitchFamily="49" charset="-122"/>
+              <a:ea typeface="楷体" panose="02010609060101010101" pitchFamily="49" charset="-122"/>
+            </a:endParaRPr>
+          </a:p>
+          <a:p>
+            <a:pPr marL="0" indent="0" algn="l">
+              <a:buNone/>
+            </a:pPr>
+            <a:r>
+              <a:rPr lang="en-US" altLang="zh-CN" b="0" i="0" u="none" strike="noStrike" baseline="0" dirty="0">
+                <a:solidFill>
+                  <a:srgbClr val="000000"/>
+                </a:solidFill>
+                <a:latin typeface="TimesNewRomanPSMT"/>
+              </a:rPr>
+              <a:t>(2)</a:t>
+            </a:r>
+            <a:r>
+              <a:rPr lang="zh-CN" altLang="en-US" b="0" i="0" u="none" strike="noStrike" baseline="0" dirty="0">
+                <a:solidFill>
+                  <a:srgbClr val="000000"/>
+                </a:solidFill>
+                <a:latin typeface="楷体" panose="02010609060101010101" pitchFamily="49" charset="-122"/>
+                <a:ea typeface="楷体" panose="02010609060101010101" pitchFamily="49" charset="-122"/>
+              </a:rPr>
+              <a:t>考虑新冠疫情的影响，针对不同</a:t>
+            </a:r>
+            <a:r>
+              <a:rPr lang="en-US" altLang="zh-CN" b="0" i="0" u="none" strike="noStrike" baseline="0" dirty="0">
+                <a:solidFill>
+                  <a:srgbClr val="000000"/>
+                </a:solidFill>
+                <a:latin typeface="楷体" panose="02010609060101010101" pitchFamily="49" charset="-122"/>
+                <a:ea typeface="楷体" panose="02010609060101010101" pitchFamily="49" charset="-122"/>
+              </a:rPr>
+              <a:t>(</a:t>
+            </a:r>
+            <a:r>
+              <a:rPr lang="zh-CN" altLang="en-US" b="0" i="0" u="none" strike="noStrike" baseline="0" dirty="0">
+                <a:solidFill>
+                  <a:srgbClr val="000000"/>
+                </a:solidFill>
+                <a:latin typeface="楷体" panose="02010609060101010101" pitchFamily="49" charset="-122"/>
+                <a:ea typeface="楷体" panose="02010609060101010101" pitchFamily="49" charset="-122"/>
+              </a:rPr>
+              <a:t>有代表性</a:t>
+            </a:r>
+            <a:r>
+              <a:rPr lang="en-US" altLang="zh-CN" b="0" i="0" u="none" strike="noStrike" baseline="0" dirty="0">
+                <a:solidFill>
+                  <a:srgbClr val="000000"/>
+                </a:solidFill>
+                <a:latin typeface="楷体" panose="02010609060101010101" pitchFamily="49" charset="-122"/>
+                <a:ea typeface="楷体" panose="02010609060101010101" pitchFamily="49" charset="-122"/>
+              </a:rPr>
+              <a:t>)</a:t>
+            </a:r>
+            <a:r>
+              <a:rPr lang="zh-CN" altLang="en-US" b="0" i="0" u="none" strike="noStrike" baseline="0" dirty="0">
+                <a:solidFill>
+                  <a:srgbClr val="000000"/>
+                </a:solidFill>
+                <a:latin typeface="楷体" panose="02010609060101010101" pitchFamily="49" charset="-122"/>
+                <a:ea typeface="楷体" panose="02010609060101010101" pitchFamily="49" charset="-122"/>
+              </a:rPr>
+              <a:t>的行业分析</a:t>
+            </a:r>
+            <a:endParaRPr lang="zh-CN" altLang="en-US" b="0" i="0" u="none" strike="noStrike" baseline="0" dirty="0">
+              <a:solidFill>
+                <a:srgbClr val="000000"/>
+              </a:solidFill>
+              <a:latin typeface="楷体" panose="02010609060101010101" pitchFamily="49" charset="-122"/>
+              <a:ea typeface="楷体" panose="02010609060101010101" pitchFamily="49" charset="-122"/>
+            </a:endParaRPr>
+          </a:p>
+          <a:p>
+            <a:pPr marL="0" indent="0" algn="l">
+              <a:buNone/>
+            </a:pPr>
+            <a:r>
+              <a:rPr lang="zh-CN" altLang="en-US" b="0" i="0" u="none" strike="noStrike" baseline="0" dirty="0">
+                <a:solidFill>
+                  <a:srgbClr val="000000"/>
+                </a:solidFill>
+                <a:latin typeface="楷体" panose="02010609060101010101" pitchFamily="49" charset="-122"/>
+                <a:ea typeface="楷体" panose="02010609060101010101" pitchFamily="49" charset="-122"/>
+              </a:rPr>
+              <a:t>正负两方面的影响，考虑对信贷风险和信贷策略的影响效果。</a:t>
+            </a:r>
+            <a:endParaRPr lang="zh-CN" altLang="en-US" b="0" i="0" u="none" strike="noStrike" baseline="0" dirty="0">
+              <a:solidFill>
+                <a:srgbClr val="000000"/>
+              </a:solidFill>
+              <a:latin typeface="楷体" panose="02010609060101010101" pitchFamily="49" charset="-122"/>
+              <a:ea typeface="楷体" panose="02010609060101010101" pitchFamily="49" charset="-122"/>
+            </a:endParaRPr>
+          </a:p>
+          <a:p>
+            <a:pPr marL="0" indent="0" algn="l">
+              <a:buNone/>
+            </a:pPr>
+            <a:r>
+              <a:rPr lang="en-US" altLang="zh-CN" b="0" i="0" u="none" strike="noStrike" baseline="0" dirty="0">
+                <a:solidFill>
+                  <a:srgbClr val="0806E2"/>
+                </a:solidFill>
+                <a:latin typeface="TimesNewRomanPSMT"/>
+              </a:rPr>
+              <a:t>(3)</a:t>
+            </a:r>
+            <a:r>
+              <a:rPr lang="zh-CN" altLang="en-US" b="0" i="0" u="none" strike="noStrike" baseline="0" dirty="0">
+                <a:solidFill>
+                  <a:srgbClr val="0806E2"/>
+                </a:solidFill>
+                <a:latin typeface="楷体" panose="02010609060101010101" pitchFamily="49" charset="-122"/>
+                <a:ea typeface="楷体" panose="02010609060101010101" pitchFamily="49" charset="-122"/>
+              </a:rPr>
+              <a:t>突发事件所产生的影响效果可以取均值代入模型求解，得</a:t>
+            </a:r>
+            <a:endParaRPr lang="zh-CN" altLang="en-US" b="0" i="0" u="none" strike="noStrike" baseline="0" dirty="0">
+              <a:solidFill>
+                <a:srgbClr val="0806E2"/>
+              </a:solidFill>
+              <a:latin typeface="楷体" panose="02010609060101010101" pitchFamily="49" charset="-122"/>
+              <a:ea typeface="楷体" panose="02010609060101010101" pitchFamily="49" charset="-122"/>
+            </a:endParaRPr>
+          </a:p>
+          <a:p>
+            <a:pPr marL="0" indent="0" algn="l">
+              <a:buNone/>
+            </a:pPr>
+            <a:r>
+              <a:rPr lang="zh-CN" altLang="en-US" b="0" i="0" u="none" strike="noStrike" baseline="0" dirty="0">
+                <a:solidFill>
+                  <a:srgbClr val="0806E2"/>
+                </a:solidFill>
+                <a:latin typeface="楷体" panose="02010609060101010101" pitchFamily="49" charset="-122"/>
+                <a:ea typeface="楷体" panose="02010609060101010101" pitchFamily="49" charset="-122"/>
+              </a:rPr>
+              <a:t>到调整后的信贷策略，也可用概率分布代入模型进行随机模型</a:t>
+            </a:r>
+            <a:endParaRPr lang="zh-CN" altLang="en-US" b="0" i="0" u="none" strike="noStrike" baseline="0" dirty="0">
+              <a:solidFill>
+                <a:srgbClr val="0806E2"/>
+              </a:solidFill>
+              <a:latin typeface="楷体" panose="02010609060101010101" pitchFamily="49" charset="-122"/>
+              <a:ea typeface="楷体" panose="02010609060101010101" pitchFamily="49" charset="-122"/>
+            </a:endParaRPr>
+          </a:p>
+          <a:p>
+            <a:pPr marL="0" indent="0" algn="l">
+              <a:buNone/>
+            </a:pPr>
+            <a:r>
+              <a:rPr lang="zh-CN" altLang="en-US" b="0" i="0" u="none" strike="noStrike" baseline="0" dirty="0">
+                <a:solidFill>
+                  <a:srgbClr val="0806E2"/>
+                </a:solidFill>
+                <a:latin typeface="楷体" panose="02010609060101010101" pitchFamily="49" charset="-122"/>
+                <a:ea typeface="楷体" panose="02010609060101010101" pitchFamily="49" charset="-122"/>
+              </a:rPr>
+              <a:t>求解分析。</a:t>
+            </a:r>
+            <a:endParaRPr lang="zh-CN" altLang="en-US" b="0" i="0" u="none" strike="noStrike" baseline="0" dirty="0">
+              <a:solidFill>
+                <a:srgbClr val="0806E2"/>
+              </a:solidFill>
+              <a:latin typeface="楷体" panose="02010609060101010101" pitchFamily="49" charset="-122"/>
+              <a:ea typeface="楷体" panose="02010609060101010101" pitchFamily="49" charset="-122"/>
+            </a:endParaRPr>
+          </a:p>
+          <a:p>
+            <a:pPr marL="0" indent="0" algn="l">
+              <a:buNone/>
+            </a:pPr>
+            <a:r>
+              <a:rPr lang="en-US" altLang="zh-CN" b="0" i="0" u="none" strike="noStrike" baseline="0" dirty="0">
+                <a:solidFill>
+                  <a:srgbClr val="000000"/>
+                </a:solidFill>
+                <a:latin typeface="TimesNewRomanPSMT"/>
+              </a:rPr>
+              <a:t>(4)</a:t>
+            </a:r>
+            <a:r>
+              <a:rPr lang="zh-CN" altLang="en-US" b="0" i="0" u="none" strike="noStrike" baseline="0" dirty="0">
+                <a:solidFill>
+                  <a:srgbClr val="000000"/>
+                </a:solidFill>
+                <a:latin typeface="楷体" panose="02010609060101010101" pitchFamily="49" charset="-122"/>
+                <a:ea typeface="楷体" panose="02010609060101010101" pitchFamily="49" charset="-122"/>
+              </a:rPr>
+              <a:t>从宏观和微观两个层面，或从政策层面上做一定的讨论。</a:t>
+            </a:r>
+            <a:endParaRPr lang="zh-CN" altLang="en-US" sz="4000" dirty="0"/>
+          </a:p>
+        </p:txBody>
+      </p:sp>
+    </p:spTree>
+  </p:cSld>
+  <p:clrMapOvr>
+    <a:masterClrMapping/>
+  </p:clrMapOvr>
+</p:sld>
+</file>
+
+<file path=ppt/slides/slide17.xml><?xml version="1.0" encoding="utf-8"?>
+<p:sld xmlns:a="http://schemas.openxmlformats.org/drawingml/2006/main" xmlns:r="http://schemas.openxmlformats.org/officeDocument/2006/relationships" xmlns:p="http://schemas.openxmlformats.org/presentationml/2006/main">
+  <p:cSld>
+    <p:spTree>
+      <p:nvGrpSpPr>
+        <p:cNvPr id="1" name=""/>
+        <p:cNvGrpSpPr/>
+        <p:nvPr/>
+      </p:nvGrpSpPr>
+      <p:grpSpPr>
+        <a:xfrm>
+          <a:off x="0" y="0"/>
+          <a:ext cx="0" cy="0"/>
+          <a:chOff x="0" y="0"/>
+          <a:chExt cx="0" cy="0"/>
+        </a:xfrm>
+      </p:grpSpPr>
+      <p:sp>
+        <p:nvSpPr>
+          <p:cNvPr id="4" name="矩形 3"/>
           <p:cNvSpPr/>
           <p:nvPr/>
         </p:nvSpPr>
         <p:spPr>
           <a:xfrm>
-            <a:off x="0" y="1656308"/>
+            <a:off x="0" y="1654143"/>
             <a:ext cx="12192000" cy="3256777"/>
           </a:xfrm>
           <a:prstGeom prst="rect">
@@ -8352,13 +6471,7 @@
       </p:sp>
       <p:sp>
         <p:nvSpPr>
-          <p:cNvPr id="5" name="矩形 4">
-            <a:extLst>
-              <a:ext uri="{FF2B5EF4-FFF2-40B4-BE49-F238E27FC236}">
-                <a16:creationId xmlns:a16="http://schemas.microsoft.com/office/drawing/2014/main" id="{37938814-1030-970A-757B-1573ED7389F8}"/>
-              </a:ext>
-            </a:extLst>
-          </p:cNvPr>
+          <p:cNvPr id="5" name="矩形 4"/>
           <p:cNvSpPr/>
           <p:nvPr/>
         </p:nvSpPr>
@@ -8381,7 +6494,7 @@
               <a:defRPr/>
             </a:pPr>
             <a:r>
-              <a:rPr lang="en-US" altLang="zh-CN" sz="4400" b="1" kern="100" dirty="0">
+              <a:rPr lang="zh-CN" altLang="en-US" sz="4400" b="1" kern="100" dirty="0">
                 <a:solidFill>
                   <a:schemeClr val="bg1"/>
                 </a:solidFill>
@@ -8389,37 +6502,28 @@
                 <a:ea typeface="微软雅黑" panose="020B0503020204020204" pitchFamily="34" charset="-122"/>
                 <a:cs typeface="Times New Roman" panose="02020603050405020304" pitchFamily="18" charset="0"/>
               </a:rPr>
-              <a:t>16</a:t>
-            </a:r>
-            <a:r>
-              <a:rPr lang="zh-CN" altLang="en-US" sz="4400" b="1" kern="100" dirty="0">
-                <a:solidFill>
-                  <a:schemeClr val="bg1"/>
-                </a:solidFill>
-                <a:latin typeface="微软雅黑" panose="020B0503020204020204" pitchFamily="34" charset="-122"/>
-                <a:ea typeface="微软雅黑" panose="020B0503020204020204" pitchFamily="34" charset="-122"/>
-                <a:cs typeface="Times New Roman" panose="02020603050405020304" pitchFamily="18" charset="0"/>
-              </a:rPr>
-              <a:t>周报告</a:t>
-            </a:r>
-          </a:p>
-        </p:txBody>
-      </p:sp>
-      <p:sp>
-        <p:nvSpPr>
-          <p:cNvPr id="6" name="矩形 5">
-            <a:extLst>
-              <a:ext uri="{FF2B5EF4-FFF2-40B4-BE49-F238E27FC236}">
-                <a16:creationId xmlns:a16="http://schemas.microsoft.com/office/drawing/2014/main" id="{2020E845-6E37-6685-A41B-C50F8BEFD66F}"/>
-              </a:ext>
-            </a:extLst>
-          </p:cNvPr>
+              <a:t>随机森林</a:t>
+            </a:r>
+            <a:endParaRPr lang="zh-CN" altLang="en-US" sz="4400" b="1" kern="100" dirty="0">
+              <a:solidFill>
+                <a:schemeClr val="bg1"/>
+              </a:solidFill>
+              <a:latin typeface="微软雅黑" panose="020B0503020204020204" pitchFamily="34" charset="-122"/>
+              <a:ea typeface="微软雅黑" panose="020B0503020204020204" pitchFamily="34" charset="-122"/>
+              <a:cs typeface="Times New Roman" panose="02020603050405020304" pitchFamily="18" charset="0"/>
+            </a:endParaRPr>
+          </a:p>
+        </p:txBody>
+      </p:sp>
+      <p:sp>
+        <p:nvSpPr>
+          <p:cNvPr id="6" name="矩形 5"/>
           <p:cNvSpPr/>
           <p:nvPr/>
         </p:nvSpPr>
         <p:spPr>
           <a:xfrm>
-            <a:off x="4601029" y="3756971"/>
+            <a:off x="4595965" y="4182196"/>
             <a:ext cx="3156857" cy="338554"/>
           </a:xfrm>
           <a:prstGeom prst="rect">
@@ -8451,13 +6555,7 @@
       </p:sp>
       <p:sp>
         <p:nvSpPr>
-          <p:cNvPr id="7" name="椭圆 6">
-            <a:extLst>
-              <a:ext uri="{FF2B5EF4-FFF2-40B4-BE49-F238E27FC236}">
-                <a16:creationId xmlns:a16="http://schemas.microsoft.com/office/drawing/2014/main" id="{210ED04E-EA3E-A869-09BA-2D1376D45F5D}"/>
-              </a:ext>
-            </a:extLst>
-          </p:cNvPr>
+          <p:cNvPr id="7" name="椭圆 6"/>
           <p:cNvSpPr/>
           <p:nvPr/>
         </p:nvSpPr>
@@ -8501,9 +6599,6 @@
         </p:style>
         <p:txBody>
           <a:bodyPr rot="0" spcFirstLastPara="0" vertOverflow="overflow" horzOverflow="overflow" vert="horz" wrap="square" lIns="91440" tIns="45720" rIns="91440" bIns="45720" numCol="1" spcCol="0" rtlCol="0" fromWordArt="0" anchor="ctr" anchorCtr="0" forceAA="0" compatLnSpc="1">
-            <a:prstTxWarp prst="textNoShape">
-              <a:avLst/>
-            </a:prstTxWarp>
             <a:noAutofit/>
           </a:bodyPr>
           <a:lstStyle/>
@@ -8515,13 +6610,7 @@
       </p:sp>
       <p:grpSp>
         <p:nvGrpSpPr>
-          <p:cNvPr id="8" name="组合 7">
-            <a:extLst>
-              <a:ext uri="{FF2B5EF4-FFF2-40B4-BE49-F238E27FC236}">
-                <a16:creationId xmlns:a16="http://schemas.microsoft.com/office/drawing/2014/main" id="{E74331D4-3823-5215-24FE-96E89198D559}"/>
-              </a:ext>
-            </a:extLst>
-          </p:cNvPr>
+          <p:cNvPr id="8" name="组合 7"/>
           <p:cNvGrpSpPr/>
           <p:nvPr/>
         </p:nvGrpSpPr>
@@ -8540,16 +6629,8 @@
         </p:grpSpPr>
         <p:sp>
           <p:nvSpPr>
-            <p:cNvPr id="9" name="AutoShape 43">
-              <a:extLst>
-                <a:ext uri="{FF2B5EF4-FFF2-40B4-BE49-F238E27FC236}">
-                  <a16:creationId xmlns:a16="http://schemas.microsoft.com/office/drawing/2014/main" id="{1F79AE39-2C47-9327-1260-EBD6532C2068}"/>
-                </a:ext>
-              </a:extLst>
-            </p:cNvPr>
-            <p:cNvSpPr>
-              <a:spLocks/>
-            </p:cNvSpPr>
+            <p:cNvPr id="9" name="AutoShape 43"/>
+            <p:cNvSpPr/>
             <p:nvPr/>
           </p:nvSpPr>
           <p:spPr bwMode="auto">
@@ -8748,7 +6829,6 @@
               </a:pathLst>
             </a:custGeom>
             <a:grpFill/>
-            <a:ln/>
           </p:spPr>
           <p:style>
             <a:lnRef idx="1">
@@ -8782,7 +6862,6 @@
                 <a:buSzTx/>
                 <a:buFontTx/>
                 <a:buNone/>
-                <a:tabLst/>
                 <a:defRPr/>
               </a:pPr>
               <a:endParaRPr kumimoji="0" lang="en-US" sz="1500" i="0" u="none" strike="noStrike" kern="0" normalizeH="0" baseline="0" noProof="0" dirty="0">
@@ -8804,16 +6883,8 @@
         </p:sp>
         <p:sp>
           <p:nvSpPr>
-            <p:cNvPr id="10" name="AutoShape 44">
-              <a:extLst>
-                <a:ext uri="{FF2B5EF4-FFF2-40B4-BE49-F238E27FC236}">
-                  <a16:creationId xmlns:a16="http://schemas.microsoft.com/office/drawing/2014/main" id="{BE462345-CDC5-0A1A-11AE-FC48BDD6FC72}"/>
-                </a:ext>
-              </a:extLst>
-            </p:cNvPr>
-            <p:cNvSpPr>
-              <a:spLocks/>
-            </p:cNvSpPr>
+            <p:cNvPr id="10" name="AutoShape 44"/>
+            <p:cNvSpPr/>
             <p:nvPr/>
           </p:nvSpPr>
           <p:spPr bwMode="auto">
@@ -8884,7 +6955,6 @@
               </a:pathLst>
             </a:custGeom>
             <a:grpFill/>
-            <a:ln/>
           </p:spPr>
           <p:style>
             <a:lnRef idx="1">
@@ -8918,7 +6988,6 @@
                 <a:buSzTx/>
                 <a:buFontTx/>
                 <a:buNone/>
-                <a:tabLst/>
                 <a:defRPr/>
               </a:pPr>
               <a:endParaRPr kumimoji="0" lang="en-US" sz="1500" i="0" u="none" strike="noStrike" kern="0" normalizeH="0" baseline="0" noProof="0" dirty="0">
@@ -8940,16 +7009,8 @@
         </p:sp>
         <p:sp>
           <p:nvSpPr>
-            <p:cNvPr id="11" name="AutoShape 45">
-              <a:extLst>
-                <a:ext uri="{FF2B5EF4-FFF2-40B4-BE49-F238E27FC236}">
-                  <a16:creationId xmlns:a16="http://schemas.microsoft.com/office/drawing/2014/main" id="{8E120BDE-293B-2FFE-C676-A72C1D40BE26}"/>
-                </a:ext>
-              </a:extLst>
-            </p:cNvPr>
-            <p:cNvSpPr>
-              <a:spLocks/>
-            </p:cNvSpPr>
+            <p:cNvPr id="11" name="AutoShape 45"/>
+            <p:cNvSpPr/>
             <p:nvPr/>
           </p:nvSpPr>
           <p:spPr bwMode="auto">
@@ -9014,7 +7075,6 @@
               </a:pathLst>
             </a:custGeom>
             <a:grpFill/>
-            <a:ln/>
           </p:spPr>
           <p:style>
             <a:lnRef idx="1">
@@ -9048,7 +7108,6 @@
                 <a:buSzTx/>
                 <a:buFontTx/>
                 <a:buNone/>
-                <a:tabLst/>
                 <a:defRPr/>
               </a:pPr>
               <a:endParaRPr kumimoji="0" lang="en-US" sz="1500" i="0" u="none" strike="noStrike" kern="0" normalizeH="0" baseline="0" noProof="0" dirty="0">
@@ -9071,13 +7130,7 @@
       </p:grpSp>
       <p:sp>
         <p:nvSpPr>
-          <p:cNvPr id="15" name="矩形 14">
-            <a:extLst>
-              <a:ext uri="{FF2B5EF4-FFF2-40B4-BE49-F238E27FC236}">
-                <a16:creationId xmlns:a16="http://schemas.microsoft.com/office/drawing/2014/main" id="{7BF0973A-1738-8176-FDC9-4A588F869A4D}"/>
-              </a:ext>
-            </a:extLst>
-          </p:cNvPr>
+          <p:cNvPr id="15" name="矩形 14"/>
           <p:cNvSpPr/>
           <p:nvPr/>
         </p:nvSpPr>
@@ -9118,12 +7171,45 @@
           </a:p>
         </p:txBody>
       </p:sp>
+      <p:sp>
+        <p:nvSpPr>
+          <p:cNvPr id="2" name="文本框 1"/>
+          <p:cNvSpPr txBox="1"/>
+          <p:nvPr/>
+        </p:nvSpPr>
+        <p:spPr>
+          <a:xfrm>
+            <a:off x="5228650" y="3590094"/>
+            <a:ext cx="2092687" cy="461665"/>
+          </a:xfrm>
+          <a:prstGeom prst="rect">
+            <a:avLst/>
+          </a:prstGeom>
+          <a:noFill/>
+        </p:spPr>
+        <p:txBody>
+          <a:bodyPr wrap="square" rtlCol="0">
+            <a:spAutoFit/>
+          </a:bodyPr>
+          <a:lstStyle/>
+          <a:p>
+            <a:r>
+              <a:rPr lang="zh-CN" altLang="en-US" sz="2400" dirty="0">
+                <a:solidFill>
+                  <a:schemeClr val="bg1"/>
+                </a:solidFill>
+              </a:rPr>
+              <a:t>模型介绍</a:t>
+            </a:r>
+            <a:endParaRPr lang="zh-CN" altLang="en-US" sz="2400" dirty="0">
+              <a:solidFill>
+                <a:schemeClr val="bg1"/>
+              </a:solidFill>
+            </a:endParaRPr>
+          </a:p>
+        </p:txBody>
+      </p:sp>
     </p:spTree>
-    <p:extLst>
-      <p:ext uri="{BB962C8B-B14F-4D97-AF65-F5344CB8AC3E}">
-        <p14:creationId xmlns:p14="http://schemas.microsoft.com/office/powerpoint/2010/main" val="321313927"/>
-      </p:ext>
-    </p:extLst>
   </p:cSld>
   <p:clrMapOvr>
     <a:masterClrMapping/>
@@ -9131,7 +7217,7 @@
 </p:sld>
 </file>
 
-<file path=ppt/slides/slide20.xml><?xml version="1.0" encoding="utf-8"?>
+<file path=ppt/slides/slide18.xml><?xml version="1.0" encoding="utf-8"?>
 <p:sld xmlns:a="http://schemas.openxmlformats.org/drawingml/2006/main" xmlns:r="http://schemas.openxmlformats.org/officeDocument/2006/relationships" xmlns:p="http://schemas.openxmlformats.org/presentationml/2006/main">
   <p:cSld>
     <p:spTree>
@@ -9150,13 +7236,7 @@
       </p:grpSpPr>
       <p:sp>
         <p:nvSpPr>
-          <p:cNvPr id="2" name="标题 1">
-            <a:extLst>
-              <a:ext uri="{FF2B5EF4-FFF2-40B4-BE49-F238E27FC236}">
-                <a16:creationId xmlns:a16="http://schemas.microsoft.com/office/drawing/2014/main" id="{13642BA8-7827-AA06-FF54-A8AEE84E6781}"/>
-              </a:ext>
-            </a:extLst>
-          </p:cNvPr>
+          <p:cNvPr id="2" name="标题 1"/>
           <p:cNvSpPr>
             <a:spLocks noGrp="1"/>
           </p:cNvSpPr>
@@ -9166,34 +7246,22 @@
         </p:nvSpPr>
         <p:spPr/>
         <p:txBody>
-          <a:bodyPr>
+          <a:bodyPr anchor="b">
             <a:normAutofit/>
           </a:bodyPr>
           <a:lstStyle/>
           <a:p>
             <a:r>
-              <a:rPr lang="zh-CN" altLang="en-US" sz="4800" b="0" i="0" u="none" strike="noStrike" baseline="0" dirty="0">
-                <a:solidFill>
-                  <a:srgbClr val="E8080B"/>
-                </a:solidFill>
-                <a:latin typeface="楷体" panose="02010609060101010101" pitchFamily="49" charset="-122"/>
-                <a:ea typeface="楷体" panose="02010609060101010101" pitchFamily="49" charset="-122"/>
-              </a:rPr>
-              <a:t>具体的实现方法</a:t>
-            </a:r>
-            <a:endParaRPr lang="zh-CN" altLang="en-US" sz="9600" b="1" dirty="0"/>
-          </a:p>
-        </p:txBody>
-      </p:sp>
-      <p:sp>
-        <p:nvSpPr>
-          <p:cNvPr id="3" name="内容占位符 2">
-            <a:extLst>
-              <a:ext uri="{FF2B5EF4-FFF2-40B4-BE49-F238E27FC236}">
-                <a16:creationId xmlns:a16="http://schemas.microsoft.com/office/drawing/2014/main" id="{915B5EC3-3435-600D-DB62-C83882CDF8CE}"/>
-              </a:ext>
-            </a:extLst>
-          </p:cNvPr>
+              <a:rPr lang="zh-CN" altLang="en-US" sz="5400" b="1" dirty="0"/>
+              <a:t>随机森林方法</a:t>
+            </a:r>
+            <a:endParaRPr lang="zh-CN" altLang="en-US" sz="5400" b="1" dirty="0"/>
+          </a:p>
+        </p:txBody>
+      </p:sp>
+      <p:sp>
+        <p:nvSpPr>
+          <p:cNvPr id="3" name="内容占位符 2"/>
           <p:cNvSpPr>
             <a:spLocks noGrp="1"/>
           </p:cNvSpPr>
@@ -9203,235 +7271,69 @@
         </p:nvSpPr>
         <p:spPr/>
         <p:txBody>
-          <a:bodyPr>
-            <a:normAutofit/>
-          </a:bodyPr>
+          <a:bodyPr/>
           <a:lstStyle/>
           <a:p>
-            <a:pPr marL="0" indent="0" algn="l">
+            <a:pPr marL="0" indent="0">
               <a:buNone/>
             </a:pPr>
             <a:r>
-              <a:rPr lang="en-US" altLang="zh-CN" b="0" i="0" u="none" strike="noStrike" baseline="0" dirty="0">
-                <a:solidFill>
-                  <a:srgbClr val="0806E2"/>
-                </a:solidFill>
-                <a:latin typeface="TimesNewRomanPSMT"/>
-              </a:rPr>
-              <a:t>(1) </a:t>
-            </a:r>
-            <a:r>
-              <a:rPr lang="zh-CN" altLang="en-US" b="0" i="0" u="none" strike="noStrike" baseline="0" dirty="0">
-                <a:solidFill>
-                  <a:srgbClr val="0806E2"/>
-                </a:solidFill>
-                <a:latin typeface="楷体" panose="02010609060101010101" pitchFamily="49" charset="-122"/>
-                <a:ea typeface="楷体" panose="02010609060101010101" pitchFamily="49" charset="-122"/>
-              </a:rPr>
-              <a:t>一般突发事件的发生过程可视为二项分布、</a:t>
-            </a:r>
-            <a:r>
-              <a:rPr lang="en-US" altLang="zh-CN" b="0" i="0" u="none" strike="noStrike" baseline="0" dirty="0" err="1">
-                <a:solidFill>
-                  <a:srgbClr val="0806E2"/>
-                </a:solidFill>
-                <a:latin typeface="TimesNewRomanPSMT"/>
-                <a:ea typeface="楷体" panose="02010609060101010101" pitchFamily="49" charset="-122"/>
-              </a:rPr>
-              <a:t>Possion</a:t>
-            </a:r>
-            <a:r>
-              <a:rPr lang="zh-CN" altLang="en-US" b="0" i="0" u="none" strike="noStrike" baseline="0" dirty="0">
-                <a:solidFill>
-                  <a:srgbClr val="0806E2"/>
-                </a:solidFill>
-                <a:latin typeface="楷体" panose="02010609060101010101" pitchFamily="49" charset="-122"/>
-                <a:ea typeface="楷体" panose="02010609060101010101" pitchFamily="49" charset="-122"/>
-              </a:rPr>
-              <a:t>分布，</a:t>
-            </a:r>
-          </a:p>
-          <a:p>
-            <a:pPr marL="0" indent="0" algn="l">
-              <a:buNone/>
-            </a:pPr>
-            <a:r>
-              <a:rPr lang="zh-CN" altLang="en-US" b="0" i="0" u="none" strike="noStrike" baseline="0" dirty="0">
-                <a:solidFill>
-                  <a:srgbClr val="0806E2"/>
-                </a:solidFill>
-                <a:latin typeface="楷体" panose="02010609060101010101" pitchFamily="49" charset="-122"/>
-                <a:ea typeface="楷体" panose="02010609060101010101" pitchFamily="49" charset="-122"/>
-              </a:rPr>
-              <a:t>一般突发事件的影响效果可依据不同的行业用正态分布表述。</a:t>
-            </a:r>
-          </a:p>
-          <a:p>
-            <a:pPr marL="0" indent="0" algn="l">
-              <a:buNone/>
-            </a:pPr>
-            <a:r>
-              <a:rPr lang="en-US" altLang="zh-CN" b="0" i="0" u="none" strike="noStrike" baseline="0" dirty="0">
-                <a:solidFill>
-                  <a:srgbClr val="000000"/>
-                </a:solidFill>
-                <a:latin typeface="TimesNewRomanPSMT"/>
-              </a:rPr>
-              <a:t>(2)</a:t>
-            </a:r>
-            <a:r>
-              <a:rPr lang="zh-CN" altLang="en-US" b="0" i="0" u="none" strike="noStrike" baseline="0" dirty="0">
-                <a:solidFill>
-                  <a:srgbClr val="000000"/>
-                </a:solidFill>
-                <a:latin typeface="楷体" panose="02010609060101010101" pitchFamily="49" charset="-122"/>
-                <a:ea typeface="楷体" panose="02010609060101010101" pitchFamily="49" charset="-122"/>
-              </a:rPr>
-              <a:t>考虑新冠疫情的影响，针对不同</a:t>
-            </a:r>
-            <a:r>
-              <a:rPr lang="en-US" altLang="zh-CN" b="0" i="0" u="none" strike="noStrike" baseline="0" dirty="0">
-                <a:solidFill>
-                  <a:srgbClr val="000000"/>
-                </a:solidFill>
-                <a:latin typeface="楷体" panose="02010609060101010101" pitchFamily="49" charset="-122"/>
-                <a:ea typeface="楷体" panose="02010609060101010101" pitchFamily="49" charset="-122"/>
-              </a:rPr>
-              <a:t>(</a:t>
-            </a:r>
-            <a:r>
-              <a:rPr lang="zh-CN" altLang="en-US" b="0" i="0" u="none" strike="noStrike" baseline="0" dirty="0">
-                <a:solidFill>
-                  <a:srgbClr val="000000"/>
-                </a:solidFill>
-                <a:latin typeface="楷体" panose="02010609060101010101" pitchFamily="49" charset="-122"/>
-                <a:ea typeface="楷体" panose="02010609060101010101" pitchFamily="49" charset="-122"/>
-              </a:rPr>
-              <a:t>有代表性</a:t>
-            </a:r>
-            <a:r>
-              <a:rPr lang="en-US" altLang="zh-CN" b="0" i="0" u="none" strike="noStrike" baseline="0" dirty="0">
-                <a:solidFill>
-                  <a:srgbClr val="000000"/>
-                </a:solidFill>
-                <a:latin typeface="楷体" panose="02010609060101010101" pitchFamily="49" charset="-122"/>
-                <a:ea typeface="楷体" panose="02010609060101010101" pitchFamily="49" charset="-122"/>
-              </a:rPr>
-              <a:t>)</a:t>
-            </a:r>
-            <a:r>
-              <a:rPr lang="zh-CN" altLang="en-US" b="0" i="0" u="none" strike="noStrike" baseline="0" dirty="0">
-                <a:solidFill>
-                  <a:srgbClr val="000000"/>
-                </a:solidFill>
-                <a:latin typeface="楷体" panose="02010609060101010101" pitchFamily="49" charset="-122"/>
-                <a:ea typeface="楷体" panose="02010609060101010101" pitchFamily="49" charset="-122"/>
-              </a:rPr>
-              <a:t>的行业分析</a:t>
-            </a:r>
-          </a:p>
-          <a:p>
-            <a:pPr marL="0" indent="0" algn="l">
-              <a:buNone/>
-            </a:pPr>
-            <a:r>
-              <a:rPr lang="zh-CN" altLang="en-US" b="0" i="0" u="none" strike="noStrike" baseline="0" dirty="0">
-                <a:solidFill>
-                  <a:srgbClr val="000000"/>
-                </a:solidFill>
-                <a:latin typeface="楷体" panose="02010609060101010101" pitchFamily="49" charset="-122"/>
-                <a:ea typeface="楷体" panose="02010609060101010101" pitchFamily="49" charset="-122"/>
-              </a:rPr>
-              <a:t>正负两方面的影响，考虑对信贷风险和信贷策略的影响效果。</a:t>
-            </a:r>
-          </a:p>
-          <a:p>
-            <a:pPr marL="0" indent="0" algn="l">
-              <a:buNone/>
-            </a:pPr>
-            <a:r>
-              <a:rPr lang="en-US" altLang="zh-CN" b="0" i="0" u="none" strike="noStrike" baseline="0" dirty="0">
-                <a:solidFill>
-                  <a:srgbClr val="0806E2"/>
-                </a:solidFill>
-                <a:latin typeface="TimesNewRomanPSMT"/>
-              </a:rPr>
-              <a:t>(3)</a:t>
-            </a:r>
-            <a:r>
-              <a:rPr lang="zh-CN" altLang="en-US" b="0" i="0" u="none" strike="noStrike" baseline="0" dirty="0">
-                <a:solidFill>
-                  <a:srgbClr val="0806E2"/>
-                </a:solidFill>
-                <a:latin typeface="楷体" panose="02010609060101010101" pitchFamily="49" charset="-122"/>
-                <a:ea typeface="楷体" panose="02010609060101010101" pitchFamily="49" charset="-122"/>
-              </a:rPr>
-              <a:t>突发事件所产生的影响效果可以取均值代入模型求解，得</a:t>
-            </a:r>
-          </a:p>
-          <a:p>
-            <a:pPr marL="0" indent="0" algn="l">
-              <a:buNone/>
-            </a:pPr>
-            <a:r>
-              <a:rPr lang="zh-CN" altLang="en-US" b="0" i="0" u="none" strike="noStrike" baseline="0" dirty="0">
-                <a:solidFill>
-                  <a:srgbClr val="0806E2"/>
-                </a:solidFill>
-                <a:latin typeface="楷体" panose="02010609060101010101" pitchFamily="49" charset="-122"/>
-                <a:ea typeface="楷体" panose="02010609060101010101" pitchFamily="49" charset="-122"/>
-              </a:rPr>
-              <a:t>到调整后的信贷策略，也可用概率分布代入模型进行随机模型</a:t>
-            </a:r>
-          </a:p>
-          <a:p>
-            <a:pPr marL="0" indent="0" algn="l">
-              <a:buNone/>
-            </a:pPr>
-            <a:r>
-              <a:rPr lang="zh-CN" altLang="en-US" b="0" i="0" u="none" strike="noStrike" baseline="0" dirty="0">
-                <a:solidFill>
-                  <a:srgbClr val="0806E2"/>
-                </a:solidFill>
-                <a:latin typeface="楷体" panose="02010609060101010101" pitchFamily="49" charset="-122"/>
-                <a:ea typeface="楷体" panose="02010609060101010101" pitchFamily="49" charset="-122"/>
-              </a:rPr>
-              <a:t>求解分析。</a:t>
-            </a:r>
-          </a:p>
-          <a:p>
-            <a:pPr marL="0" indent="0" algn="l">
-              <a:buNone/>
-            </a:pPr>
-            <a:r>
-              <a:rPr lang="en-US" altLang="zh-CN" b="0" i="0" u="none" strike="noStrike" baseline="0" dirty="0">
-                <a:solidFill>
-                  <a:srgbClr val="000000"/>
-                </a:solidFill>
-                <a:latin typeface="TimesNewRomanPSMT"/>
-              </a:rPr>
-              <a:t>(4)</a:t>
-            </a:r>
-            <a:r>
-              <a:rPr lang="zh-CN" altLang="en-US" b="0" i="0" u="none" strike="noStrike" baseline="0" dirty="0">
-                <a:solidFill>
-                  <a:srgbClr val="000000"/>
-                </a:solidFill>
-                <a:latin typeface="楷体" panose="02010609060101010101" pitchFamily="49" charset="-122"/>
-                <a:ea typeface="楷体" panose="02010609060101010101" pitchFamily="49" charset="-122"/>
-              </a:rPr>
-              <a:t>从宏观和微观两个层面，或从政策层面上做一定的讨论。</a:t>
-            </a:r>
-            <a:endParaRPr lang="zh-CN" altLang="en-US" sz="4000" dirty="0"/>
+              <a:rPr lang="zh-CN" altLang="en-US" dirty="0">
+                <a:latin typeface="黑体" panose="02010609060101010101" pitchFamily="49" charset="-122"/>
+                <a:ea typeface="黑体" panose="02010609060101010101" pitchFamily="49" charset="-122"/>
+              </a:rPr>
+              <a:t>关于随机森林（</a:t>
+            </a:r>
+            <a:r>
+              <a:rPr lang="en-US" altLang="zh-CN" dirty="0">
+                <a:latin typeface="黑体" panose="02010609060101010101" pitchFamily="49" charset="-122"/>
+                <a:ea typeface="黑体" panose="02010609060101010101" pitchFamily="49" charset="-122"/>
+              </a:rPr>
+              <a:t>RF</a:t>
+            </a:r>
+            <a:r>
+              <a:rPr lang="zh-CN" altLang="en-US" dirty="0">
+                <a:latin typeface="黑体" panose="02010609060101010101" pitchFamily="49" charset="-122"/>
+                <a:ea typeface="黑体" panose="02010609060101010101" pitchFamily="49" charset="-122"/>
+              </a:rPr>
+              <a:t>），是用随机的方式建立一个森林，森林里面有很多决策树（决策树多少取决于人为初始设定），不同决策树之间是相互独立的，计算过程中互不干扰，这体现了随机森林算法的集成思想。随机森林的</a:t>
+            </a:r>
+            <a:r>
+              <a:rPr lang="en-US" altLang="zh-CN" dirty="0">
+                <a:latin typeface="黑体" panose="02010609060101010101" pitchFamily="49" charset="-122"/>
+                <a:ea typeface="黑体" panose="02010609060101010101" pitchFamily="49" charset="-122"/>
+              </a:rPr>
+              <a:t>"</a:t>
+            </a:r>
+            <a:r>
+              <a:rPr lang="zh-CN" altLang="en-US" dirty="0">
+                <a:latin typeface="黑体" panose="02010609060101010101" pitchFamily="49" charset="-122"/>
+                <a:ea typeface="黑体" panose="02010609060101010101" pitchFamily="49" charset="-122"/>
+              </a:rPr>
+              <a:t>随机</a:t>
+            </a:r>
+            <a:r>
+              <a:rPr lang="en-US" altLang="zh-CN" dirty="0">
+                <a:latin typeface="黑体" panose="02010609060101010101" pitchFamily="49" charset="-122"/>
+                <a:ea typeface="黑体" panose="02010609060101010101" pitchFamily="49" charset="-122"/>
+              </a:rPr>
+              <a:t>"</a:t>
+            </a:r>
+            <a:r>
+              <a:rPr lang="zh-CN" altLang="en-US" dirty="0">
+                <a:latin typeface="黑体" panose="02010609060101010101" pitchFamily="49" charset="-122"/>
+                <a:ea typeface="黑体" panose="02010609060101010101" pitchFamily="49" charset="-122"/>
+              </a:rPr>
+              <a:t>有两层含义，即样本抽样的随机性和特征抽样的随机性。在得到森林之后，当有一个新的输入样本需要进行分析时，森林中每个决策树分别进行一次运算判断，各自判断输入样本应归为哪一类，最后整合所有决策树的结论，找出被选择较多的类，从而将样本归为那一类，除了用于分类预测外，随机森林还可以用来回归。</a:t>
+            </a:r>
+            <a:endParaRPr lang="zh-CN" altLang="en-US" dirty="0">
+              <a:latin typeface="黑体" panose="02010609060101010101" pitchFamily="49" charset="-122"/>
+              <a:ea typeface="黑体" panose="02010609060101010101" pitchFamily="49" charset="-122"/>
+            </a:endParaRPr>
           </a:p>
         </p:txBody>
       </p:sp>
     </p:spTree>
-    <p:extLst>
-      <p:ext uri="{BB962C8B-B14F-4D97-AF65-F5344CB8AC3E}">
-        <p14:creationId xmlns:p14="http://schemas.microsoft.com/office/powerpoint/2010/main" val="2989958897"/>
-      </p:ext>
-    </p:extLst>
   </p:cSld>
   <p:clrMapOvr>
     <a:masterClrMapping/>
@@ -9439,7 +7341,7 @@
 </p:sld>
 </file>
 
-<file path=ppt/slides/slide21.xml><?xml version="1.0" encoding="utf-8"?>
+<file path=ppt/slides/slide19.xml><?xml version="1.0" encoding="utf-8"?>
 <p:sld xmlns:a="http://schemas.openxmlformats.org/drawingml/2006/main" xmlns:r="http://schemas.openxmlformats.org/officeDocument/2006/relationships" xmlns:p="http://schemas.openxmlformats.org/presentationml/2006/main">
   <p:cSld>
     <p:spTree>
@@ -9458,19 +7360,95 @@
       </p:grpSpPr>
       <p:sp>
         <p:nvSpPr>
-          <p:cNvPr id="4" name="矩形 3">
-            <a:extLst>
-              <a:ext uri="{FF2B5EF4-FFF2-40B4-BE49-F238E27FC236}">
-                <a16:creationId xmlns:a16="http://schemas.microsoft.com/office/drawing/2014/main" id="{5FE2F0BB-ABBC-0839-6581-534FD00C434E}"/>
-              </a:ext>
-            </a:extLst>
-          </p:cNvPr>
+          <p:cNvPr id="2" name="标题 1"/>
+          <p:cNvSpPr>
+            <a:spLocks noGrp="1"/>
+          </p:cNvSpPr>
+          <p:nvPr>
+            <p:ph type="title"/>
+          </p:nvPr>
+        </p:nvSpPr>
+        <p:spPr/>
+        <p:txBody>
+          <a:bodyPr anchor="b">
+            <a:normAutofit/>
+          </a:bodyPr>
+          <a:lstStyle/>
+          <a:p>
+            <a:r>
+              <a:rPr lang="zh-CN" altLang="en-US" sz="2400" dirty="0">
+                <a:latin typeface="黑体" panose="02010609060101010101" pitchFamily="49" charset="-122"/>
+                <a:ea typeface="黑体" panose="02010609060101010101" pitchFamily="49" charset="-122"/>
+              </a:rPr>
+              <a:t>进行分类预测时算法基本思想可以简化为如下图所示：</a:t>
+            </a:r>
+            <a:endParaRPr lang="zh-CN" altLang="en-US" sz="2400" dirty="0">
+              <a:latin typeface="黑体" panose="02010609060101010101" pitchFamily="49" charset="-122"/>
+              <a:ea typeface="黑体" panose="02010609060101010101" pitchFamily="49" charset="-122"/>
+            </a:endParaRPr>
+          </a:p>
+        </p:txBody>
+      </p:sp>
+      <p:pic>
+        <p:nvPicPr>
+          <p:cNvPr id="4" name="image20.jpeg"/>
+          <p:cNvPicPr>
+            <a:picLocks noGrp="1" noChangeAspect="1"/>
+          </p:cNvPicPr>
+          <p:nvPr>
+            <p:ph idx="1"/>
+          </p:nvPr>
+        </p:nvPicPr>
+        <p:blipFill>
+          <a:blip r:embed="rId1" cstate="print"/>
+          <a:stretch>
+            <a:fillRect/>
+          </a:stretch>
+        </p:blipFill>
+        <p:spPr>
+          <a:xfrm>
+            <a:off x="3519487" y="2229644"/>
+            <a:ext cx="5153025" cy="3543300"/>
+          </a:xfrm>
+          <a:prstGeom prst="rect">
+            <a:avLst/>
+          </a:prstGeom>
+        </p:spPr>
+      </p:pic>
+    </p:spTree>
+  </p:cSld>
+  <p:clrMapOvr>
+    <a:masterClrMapping/>
+  </p:clrMapOvr>
+</p:sld>
+</file>
+
+<file path=ppt/slides/slide2.xml><?xml version="1.0" encoding="utf-8"?>
+<p:sld xmlns:a="http://schemas.openxmlformats.org/drawingml/2006/main" xmlns:r="http://schemas.openxmlformats.org/officeDocument/2006/relationships" xmlns:p="http://schemas.openxmlformats.org/presentationml/2006/main">
+  <p:cSld>
+    <p:spTree>
+      <p:nvGrpSpPr>
+        <p:cNvPr id="1" name=""/>
+        <p:cNvGrpSpPr/>
+        <p:nvPr/>
+      </p:nvGrpSpPr>
+      <p:grpSpPr>
+        <a:xfrm>
+          <a:off x="0" y="0"/>
+          <a:ext cx="0" cy="0"/>
+          <a:chOff x="0" y="0"/>
+          <a:chExt cx="0" cy="0"/>
+        </a:xfrm>
+      </p:grpSpPr>
+      <p:sp>
+        <p:nvSpPr>
+          <p:cNvPr id="4" name="矩形 3"/>
           <p:cNvSpPr/>
           <p:nvPr/>
         </p:nvSpPr>
         <p:spPr>
           <a:xfrm>
-            <a:off x="0" y="1654143"/>
+            <a:off x="0" y="1656308"/>
             <a:ext cx="12192000" cy="3256777"/>
           </a:xfrm>
           <a:prstGeom prst="rect">
@@ -9509,13 +7487,7 @@
       </p:sp>
       <p:sp>
         <p:nvSpPr>
-          <p:cNvPr id="5" name="矩形 4">
-            <a:extLst>
-              <a:ext uri="{FF2B5EF4-FFF2-40B4-BE49-F238E27FC236}">
-                <a16:creationId xmlns:a16="http://schemas.microsoft.com/office/drawing/2014/main" id="{37938814-1030-970A-757B-1573ED7389F8}"/>
-              </a:ext>
-            </a:extLst>
-          </p:cNvPr>
+          <p:cNvPr id="5" name="矩形 4"/>
           <p:cNvSpPr/>
           <p:nvPr/>
         </p:nvSpPr>
@@ -9538,7 +7510,7 @@
               <a:defRPr/>
             </a:pPr>
             <a:r>
-              <a:rPr lang="zh-CN" altLang="en-US" sz="4400" b="1" kern="100" dirty="0">
+              <a:rPr lang="en-US" altLang="zh-CN" sz="4400" b="1" kern="100" dirty="0">
                 <a:solidFill>
                   <a:schemeClr val="bg1"/>
                 </a:solidFill>
@@ -9546,26 +7518,39 @@
                 <a:ea typeface="微软雅黑" panose="020B0503020204020204" pitchFamily="34" charset="-122"/>
                 <a:cs typeface="Times New Roman" panose="02020603050405020304" pitchFamily="18" charset="0"/>
               </a:rPr>
-              <a:t>随机森林</a:t>
-            </a:r>
-          </a:p>
-        </p:txBody>
-      </p:sp>
-      <p:sp>
-        <p:nvSpPr>
-          <p:cNvPr id="6" name="矩形 5">
-            <a:extLst>
-              <a:ext uri="{FF2B5EF4-FFF2-40B4-BE49-F238E27FC236}">
-                <a16:creationId xmlns:a16="http://schemas.microsoft.com/office/drawing/2014/main" id="{2020E845-6E37-6685-A41B-C50F8BEFD66F}"/>
-              </a:ext>
-            </a:extLst>
-          </p:cNvPr>
+              <a:t>16</a:t>
+            </a:r>
+            <a:r>
+              <a:rPr lang="zh-CN" altLang="en-US" sz="4400" b="1" kern="100" dirty="0">
+                <a:solidFill>
+                  <a:schemeClr val="bg1"/>
+                </a:solidFill>
+                <a:latin typeface="微软雅黑" panose="020B0503020204020204" pitchFamily="34" charset="-122"/>
+                <a:ea typeface="微软雅黑" panose="020B0503020204020204" pitchFamily="34" charset="-122"/>
+                <a:cs typeface="Times New Roman" panose="02020603050405020304" pitchFamily="18" charset="0"/>
+              </a:rPr>
+              <a:t>周报告</a:t>
+            </a:r>
+            <a:endParaRPr lang="zh-CN" altLang="en-US" sz="4400" b="1" kern="100" dirty="0">
+              <a:solidFill>
+                <a:schemeClr val="bg1"/>
+              </a:solidFill>
+              <a:latin typeface="微软雅黑" panose="020B0503020204020204" pitchFamily="34" charset="-122"/>
+              <a:ea typeface="微软雅黑" panose="020B0503020204020204" pitchFamily="34" charset="-122"/>
+              <a:cs typeface="Times New Roman" panose="02020603050405020304" pitchFamily="18" charset="0"/>
+            </a:endParaRPr>
+          </a:p>
+        </p:txBody>
+      </p:sp>
+      <p:sp>
+        <p:nvSpPr>
+          <p:cNvPr id="6" name="矩形 5"/>
           <p:cNvSpPr/>
           <p:nvPr/>
         </p:nvSpPr>
         <p:spPr>
           <a:xfrm>
-            <a:off x="4595965" y="4182196"/>
+            <a:off x="4601029" y="3756971"/>
             <a:ext cx="3156857" cy="338554"/>
           </a:xfrm>
           <a:prstGeom prst="rect">
@@ -9597,13 +7582,7 @@
       </p:sp>
       <p:sp>
         <p:nvSpPr>
-          <p:cNvPr id="7" name="椭圆 6">
-            <a:extLst>
-              <a:ext uri="{FF2B5EF4-FFF2-40B4-BE49-F238E27FC236}">
-                <a16:creationId xmlns:a16="http://schemas.microsoft.com/office/drawing/2014/main" id="{210ED04E-EA3E-A869-09BA-2D1376D45F5D}"/>
-              </a:ext>
-            </a:extLst>
-          </p:cNvPr>
+          <p:cNvPr id="7" name="椭圆 6"/>
           <p:cNvSpPr/>
           <p:nvPr/>
         </p:nvSpPr>
@@ -9647,9 +7626,6 @@
         </p:style>
         <p:txBody>
           <a:bodyPr rot="0" spcFirstLastPara="0" vertOverflow="overflow" horzOverflow="overflow" vert="horz" wrap="square" lIns="91440" tIns="45720" rIns="91440" bIns="45720" numCol="1" spcCol="0" rtlCol="0" fromWordArt="0" anchor="ctr" anchorCtr="0" forceAA="0" compatLnSpc="1">
-            <a:prstTxWarp prst="textNoShape">
-              <a:avLst/>
-            </a:prstTxWarp>
             <a:noAutofit/>
           </a:bodyPr>
           <a:lstStyle/>
@@ -9661,13 +7637,7 @@
       </p:sp>
       <p:grpSp>
         <p:nvGrpSpPr>
-          <p:cNvPr id="8" name="组合 7">
-            <a:extLst>
-              <a:ext uri="{FF2B5EF4-FFF2-40B4-BE49-F238E27FC236}">
-                <a16:creationId xmlns:a16="http://schemas.microsoft.com/office/drawing/2014/main" id="{E74331D4-3823-5215-24FE-96E89198D559}"/>
-              </a:ext>
-            </a:extLst>
-          </p:cNvPr>
+          <p:cNvPr id="8" name="组合 7"/>
           <p:cNvGrpSpPr/>
           <p:nvPr/>
         </p:nvGrpSpPr>
@@ -9686,16 +7656,8 @@
         </p:grpSpPr>
         <p:sp>
           <p:nvSpPr>
-            <p:cNvPr id="9" name="AutoShape 43">
-              <a:extLst>
-                <a:ext uri="{FF2B5EF4-FFF2-40B4-BE49-F238E27FC236}">
-                  <a16:creationId xmlns:a16="http://schemas.microsoft.com/office/drawing/2014/main" id="{1F79AE39-2C47-9327-1260-EBD6532C2068}"/>
-                </a:ext>
-              </a:extLst>
-            </p:cNvPr>
-            <p:cNvSpPr>
-              <a:spLocks/>
-            </p:cNvSpPr>
+            <p:cNvPr id="9" name="AutoShape 43"/>
+            <p:cNvSpPr/>
             <p:nvPr/>
           </p:nvSpPr>
           <p:spPr bwMode="auto">
@@ -9894,7 +7856,6 @@
               </a:pathLst>
             </a:custGeom>
             <a:grpFill/>
-            <a:ln/>
           </p:spPr>
           <p:style>
             <a:lnRef idx="1">
@@ -9928,7 +7889,6 @@
                 <a:buSzTx/>
                 <a:buFontTx/>
                 <a:buNone/>
-                <a:tabLst/>
                 <a:defRPr/>
               </a:pPr>
               <a:endParaRPr kumimoji="0" lang="en-US" sz="1500" i="0" u="none" strike="noStrike" kern="0" normalizeH="0" baseline="0" noProof="0" dirty="0">
@@ -9950,16 +7910,8 @@
         </p:sp>
         <p:sp>
           <p:nvSpPr>
-            <p:cNvPr id="10" name="AutoShape 44">
-              <a:extLst>
-                <a:ext uri="{FF2B5EF4-FFF2-40B4-BE49-F238E27FC236}">
-                  <a16:creationId xmlns:a16="http://schemas.microsoft.com/office/drawing/2014/main" id="{BE462345-CDC5-0A1A-11AE-FC48BDD6FC72}"/>
-                </a:ext>
-              </a:extLst>
-            </p:cNvPr>
-            <p:cNvSpPr>
-              <a:spLocks/>
-            </p:cNvSpPr>
+            <p:cNvPr id="10" name="AutoShape 44"/>
+            <p:cNvSpPr/>
             <p:nvPr/>
           </p:nvSpPr>
           <p:spPr bwMode="auto">
@@ -10030,7 +7982,6 @@
               </a:pathLst>
             </a:custGeom>
             <a:grpFill/>
-            <a:ln/>
           </p:spPr>
           <p:style>
             <a:lnRef idx="1">
@@ -10064,7 +8015,6 @@
                 <a:buSzTx/>
                 <a:buFontTx/>
                 <a:buNone/>
-                <a:tabLst/>
                 <a:defRPr/>
               </a:pPr>
               <a:endParaRPr kumimoji="0" lang="en-US" sz="1500" i="0" u="none" strike="noStrike" kern="0" normalizeH="0" baseline="0" noProof="0" dirty="0">
@@ -10086,16 +8036,8 @@
         </p:sp>
         <p:sp>
           <p:nvSpPr>
-            <p:cNvPr id="11" name="AutoShape 45">
-              <a:extLst>
-                <a:ext uri="{FF2B5EF4-FFF2-40B4-BE49-F238E27FC236}">
-                  <a16:creationId xmlns:a16="http://schemas.microsoft.com/office/drawing/2014/main" id="{8E120BDE-293B-2FFE-C676-A72C1D40BE26}"/>
-                </a:ext>
-              </a:extLst>
-            </p:cNvPr>
-            <p:cNvSpPr>
-              <a:spLocks/>
-            </p:cNvSpPr>
+            <p:cNvPr id="11" name="AutoShape 45"/>
+            <p:cNvSpPr/>
             <p:nvPr/>
           </p:nvSpPr>
           <p:spPr bwMode="auto">
@@ -10160,7 +8102,6 @@
               </a:pathLst>
             </a:custGeom>
             <a:grpFill/>
-            <a:ln/>
           </p:spPr>
           <p:style>
             <a:lnRef idx="1">
@@ -10194,7 +8135,6 @@
                 <a:buSzTx/>
                 <a:buFontTx/>
                 <a:buNone/>
-                <a:tabLst/>
                 <a:defRPr/>
               </a:pPr>
               <a:endParaRPr kumimoji="0" lang="en-US" sz="1500" i="0" u="none" strike="noStrike" kern="0" normalizeH="0" baseline="0" noProof="0" dirty="0">
@@ -10217,13 +8157,7 @@
       </p:grpSp>
       <p:sp>
         <p:nvSpPr>
-          <p:cNvPr id="15" name="矩形 14">
-            <a:extLst>
-              <a:ext uri="{FF2B5EF4-FFF2-40B4-BE49-F238E27FC236}">
-                <a16:creationId xmlns:a16="http://schemas.microsoft.com/office/drawing/2014/main" id="{7BF0973A-1738-8176-FDC9-4A588F869A4D}"/>
-              </a:ext>
-            </a:extLst>
-          </p:cNvPr>
+          <p:cNvPr id="15" name="矩形 14"/>
           <p:cNvSpPr/>
           <p:nvPr/>
         </p:nvSpPr>
@@ -10264,51 +8198,7 @@
           </a:p>
         </p:txBody>
       </p:sp>
-      <p:sp>
-        <p:nvSpPr>
-          <p:cNvPr id="2" name="文本框 1">
-            <a:extLst>
-              <a:ext uri="{FF2B5EF4-FFF2-40B4-BE49-F238E27FC236}">
-                <a16:creationId xmlns:a16="http://schemas.microsoft.com/office/drawing/2014/main" id="{32E6208F-E13B-FDD8-1616-9DAD8B056BB7}"/>
-              </a:ext>
-            </a:extLst>
-          </p:cNvPr>
-          <p:cNvSpPr txBox="1"/>
-          <p:nvPr/>
-        </p:nvSpPr>
-        <p:spPr>
-          <a:xfrm>
-            <a:off x="5228650" y="3590094"/>
-            <a:ext cx="2092687" cy="461665"/>
-          </a:xfrm>
-          <a:prstGeom prst="rect">
-            <a:avLst/>
-          </a:prstGeom>
-          <a:noFill/>
-        </p:spPr>
-        <p:txBody>
-          <a:bodyPr wrap="square" rtlCol="0">
-            <a:spAutoFit/>
-          </a:bodyPr>
-          <a:lstStyle/>
-          <a:p>
-            <a:r>
-              <a:rPr lang="zh-CN" altLang="en-US" sz="2400" dirty="0">
-                <a:solidFill>
-                  <a:schemeClr val="bg1"/>
-                </a:solidFill>
-              </a:rPr>
-              <a:t>模型介绍</a:t>
-            </a:r>
-          </a:p>
-        </p:txBody>
-      </p:sp>
     </p:spTree>
-    <p:extLst>
-      <p:ext uri="{BB962C8B-B14F-4D97-AF65-F5344CB8AC3E}">
-        <p14:creationId xmlns:p14="http://schemas.microsoft.com/office/powerpoint/2010/main" val="1114382289"/>
-      </p:ext>
-    </p:extLst>
   </p:cSld>
   <p:clrMapOvr>
     <a:masterClrMapping/>
@@ -10316,7 +8206,7 @@
 </p:sld>
 </file>
 
-<file path=ppt/slides/slide22.xml><?xml version="1.0" encoding="utf-8"?>
+<file path=ppt/slides/slide20.xml><?xml version="1.0" encoding="utf-8"?>
 <p:sld xmlns:a="http://schemas.openxmlformats.org/drawingml/2006/main" xmlns:r="http://schemas.openxmlformats.org/officeDocument/2006/relationships" xmlns:p="http://schemas.openxmlformats.org/presentationml/2006/main">
   <p:cSld>
     <p:spTree>
@@ -10335,13 +8225,7 @@
       </p:grpSpPr>
       <p:sp>
         <p:nvSpPr>
-          <p:cNvPr id="2" name="标题 1">
-            <a:extLst>
-              <a:ext uri="{FF2B5EF4-FFF2-40B4-BE49-F238E27FC236}">
-                <a16:creationId xmlns:a16="http://schemas.microsoft.com/office/drawing/2014/main" id="{7B3D82E3-9230-C25B-F196-F19D36FC41C3}"/>
-              </a:ext>
-            </a:extLst>
-          </p:cNvPr>
+          <p:cNvPr id="2" name="标题 1"/>
           <p:cNvSpPr>
             <a:spLocks noGrp="1"/>
           </p:cNvSpPr>
@@ -10358,261 +8242,20 @@
           <a:p>
             <a:r>
               <a:rPr lang="zh-CN" altLang="en-US" sz="5400" b="1" dirty="0"/>
-              <a:t>随机森林方法</a:t>
-            </a:r>
-          </a:p>
-        </p:txBody>
-      </p:sp>
-      <p:sp>
-        <p:nvSpPr>
-          <p:cNvPr id="3" name="内容占位符 2">
-            <a:extLst>
-              <a:ext uri="{FF2B5EF4-FFF2-40B4-BE49-F238E27FC236}">
-                <a16:creationId xmlns:a16="http://schemas.microsoft.com/office/drawing/2014/main" id="{80211F3E-18BD-5899-902E-6E4F9DA730EE}"/>
-              </a:ext>
-            </a:extLst>
-          </p:cNvPr>
-          <p:cNvSpPr>
-            <a:spLocks noGrp="1"/>
-          </p:cNvSpPr>
-          <p:nvPr>
-            <p:ph idx="1"/>
-          </p:nvPr>
-        </p:nvSpPr>
-        <p:spPr/>
-        <p:txBody>
-          <a:bodyPr/>
-          <a:lstStyle/>
-          <a:p>
-            <a:pPr marL="0" indent="0">
-              <a:buNone/>
-            </a:pPr>
-            <a:r>
-              <a:rPr lang="zh-CN" altLang="en-US" dirty="0">
-                <a:latin typeface="黑体" panose="02010609060101010101" pitchFamily="49" charset="-122"/>
-                <a:ea typeface="黑体" panose="02010609060101010101" pitchFamily="49" charset="-122"/>
-              </a:rPr>
-              <a:t>关于随机森林（</a:t>
-            </a:r>
-            <a:r>
-              <a:rPr lang="en-US" altLang="zh-CN" dirty="0">
-                <a:latin typeface="黑体" panose="02010609060101010101" pitchFamily="49" charset="-122"/>
-                <a:ea typeface="黑体" panose="02010609060101010101" pitchFamily="49" charset="-122"/>
-              </a:rPr>
-              <a:t>RF</a:t>
-            </a:r>
-            <a:r>
-              <a:rPr lang="zh-CN" altLang="en-US" dirty="0">
-                <a:latin typeface="黑体" panose="02010609060101010101" pitchFamily="49" charset="-122"/>
-                <a:ea typeface="黑体" panose="02010609060101010101" pitchFamily="49" charset="-122"/>
-              </a:rPr>
-              <a:t>），是用随机的方式建立一个森林，森林里面有很多决策树（决策树多少取决于人为初始设定），不同决策树之间是相互独立的，计算过程中互不干扰，这体现了随机森林算法的集成思想。随机森林的</a:t>
-            </a:r>
-            <a:r>
-              <a:rPr lang="en-US" altLang="zh-CN" dirty="0">
-                <a:latin typeface="黑体" panose="02010609060101010101" pitchFamily="49" charset="-122"/>
-                <a:ea typeface="黑体" panose="02010609060101010101" pitchFamily="49" charset="-122"/>
-              </a:rPr>
-              <a:t>"</a:t>
-            </a:r>
-            <a:r>
-              <a:rPr lang="zh-CN" altLang="en-US" dirty="0">
-                <a:latin typeface="黑体" panose="02010609060101010101" pitchFamily="49" charset="-122"/>
-                <a:ea typeface="黑体" panose="02010609060101010101" pitchFamily="49" charset="-122"/>
-              </a:rPr>
-              <a:t>随机</a:t>
-            </a:r>
-            <a:r>
-              <a:rPr lang="en-US" altLang="zh-CN" dirty="0">
-                <a:latin typeface="黑体" panose="02010609060101010101" pitchFamily="49" charset="-122"/>
-                <a:ea typeface="黑体" panose="02010609060101010101" pitchFamily="49" charset="-122"/>
-              </a:rPr>
-              <a:t>"</a:t>
-            </a:r>
-            <a:r>
-              <a:rPr lang="zh-CN" altLang="en-US" dirty="0">
-                <a:latin typeface="黑体" panose="02010609060101010101" pitchFamily="49" charset="-122"/>
-                <a:ea typeface="黑体" panose="02010609060101010101" pitchFamily="49" charset="-122"/>
-              </a:rPr>
-              <a:t>有两层含义，即样本抽样的随机性和特征抽样的随机性。在得到森林之后，当有一个新的输入样本需要进行分析时，森林中每个决策树分别进行一次运算判断，各自判断输入样本应归为哪一类，最后整合所有决策树的结论，找出被选择较多的类，从而将样本归为那一类，除了用于分类预测外，随机森林还可以用来回归。</a:t>
-            </a:r>
-          </a:p>
-        </p:txBody>
-      </p:sp>
-    </p:spTree>
-    <p:extLst>
-      <p:ext uri="{BB962C8B-B14F-4D97-AF65-F5344CB8AC3E}">
-        <p14:creationId xmlns:p14="http://schemas.microsoft.com/office/powerpoint/2010/main" val="3788361051"/>
-      </p:ext>
-    </p:extLst>
-  </p:cSld>
-  <p:clrMapOvr>
-    <a:masterClrMapping/>
-  </p:clrMapOvr>
-</p:sld>
-</file>
-
-<file path=ppt/slides/slide23.xml><?xml version="1.0" encoding="utf-8"?>
-<p:sld xmlns:a="http://schemas.openxmlformats.org/drawingml/2006/main" xmlns:r="http://schemas.openxmlformats.org/officeDocument/2006/relationships" xmlns:p="http://schemas.openxmlformats.org/presentationml/2006/main">
-  <p:cSld>
-    <p:spTree>
-      <p:nvGrpSpPr>
-        <p:cNvPr id="1" name=""/>
-        <p:cNvGrpSpPr/>
-        <p:nvPr/>
-      </p:nvGrpSpPr>
-      <p:grpSpPr>
-        <a:xfrm>
-          <a:off x="0" y="0"/>
-          <a:ext cx="0" cy="0"/>
-          <a:chOff x="0" y="0"/>
-          <a:chExt cx="0" cy="0"/>
-        </a:xfrm>
-      </p:grpSpPr>
-      <p:sp>
-        <p:nvSpPr>
-          <p:cNvPr id="2" name="标题 1">
-            <a:extLst>
-              <a:ext uri="{FF2B5EF4-FFF2-40B4-BE49-F238E27FC236}">
-                <a16:creationId xmlns:a16="http://schemas.microsoft.com/office/drawing/2014/main" id="{E6947BFA-41A2-A68E-0732-F49586A4571F}"/>
-              </a:ext>
-            </a:extLst>
-          </p:cNvPr>
-          <p:cNvSpPr>
-            <a:spLocks noGrp="1"/>
-          </p:cNvSpPr>
-          <p:nvPr>
-            <p:ph type="title"/>
-          </p:nvPr>
-        </p:nvSpPr>
-        <p:spPr/>
-        <p:txBody>
-          <a:bodyPr anchor="b">
-            <a:normAutofit/>
-          </a:bodyPr>
-          <a:lstStyle/>
-          <a:p>
-            <a:r>
-              <a:rPr lang="zh-CN" altLang="en-US" sz="2400" dirty="0">
-                <a:latin typeface="黑体" panose="02010609060101010101" pitchFamily="49" charset="-122"/>
-                <a:ea typeface="黑体" panose="02010609060101010101" pitchFamily="49" charset="-122"/>
-              </a:rPr>
-              <a:t>进行分类预测时算法基本思想可以简化为如下图所示：</a:t>
-            </a:r>
-          </a:p>
-        </p:txBody>
-      </p:sp>
-      <p:pic>
-        <p:nvPicPr>
-          <p:cNvPr id="4" name="image20.jpeg">
-            <a:extLst>
-              <a:ext uri="{FF2B5EF4-FFF2-40B4-BE49-F238E27FC236}">
-                <a16:creationId xmlns:a16="http://schemas.microsoft.com/office/drawing/2014/main" id="{64CB8EC3-B81D-4132-9932-B577B6D68079}"/>
-              </a:ext>
-            </a:extLst>
-          </p:cNvPr>
-          <p:cNvPicPr>
-            <a:picLocks noGrp="1" noChangeAspect="1"/>
-          </p:cNvPicPr>
-          <p:nvPr>
-            <p:ph idx="1"/>
-          </p:nvPr>
-        </p:nvPicPr>
-        <p:blipFill>
-          <a:blip r:embed="rId2" cstate="print"/>
-          <a:stretch>
-            <a:fillRect/>
-          </a:stretch>
-        </p:blipFill>
-        <p:spPr>
-          <a:xfrm>
-            <a:off x="3519487" y="2229644"/>
-            <a:ext cx="5153025" cy="3543300"/>
-          </a:xfrm>
-          <a:prstGeom prst="rect">
-            <a:avLst/>
-          </a:prstGeom>
-        </p:spPr>
-      </p:pic>
-    </p:spTree>
-    <p:extLst>
-      <p:ext uri="{BB962C8B-B14F-4D97-AF65-F5344CB8AC3E}">
-        <p14:creationId xmlns:p14="http://schemas.microsoft.com/office/powerpoint/2010/main" val="1116454177"/>
-      </p:ext>
-    </p:extLst>
-  </p:cSld>
-  <p:clrMapOvr>
-    <a:masterClrMapping/>
-  </p:clrMapOvr>
-</p:sld>
-</file>
-
-<file path=ppt/slides/slide24.xml><?xml version="1.0" encoding="utf-8"?>
-<p:sld xmlns:a="http://schemas.openxmlformats.org/drawingml/2006/main" xmlns:r="http://schemas.openxmlformats.org/officeDocument/2006/relationships" xmlns:p="http://schemas.openxmlformats.org/presentationml/2006/main">
-  <p:cSld>
-    <p:spTree>
-      <p:nvGrpSpPr>
-        <p:cNvPr id="1" name=""/>
-        <p:cNvGrpSpPr/>
-        <p:nvPr/>
-      </p:nvGrpSpPr>
-      <p:grpSpPr>
-        <a:xfrm>
-          <a:off x="0" y="0"/>
-          <a:ext cx="0" cy="0"/>
-          <a:chOff x="0" y="0"/>
-          <a:chExt cx="0" cy="0"/>
-        </a:xfrm>
-      </p:grpSpPr>
-      <p:sp>
-        <p:nvSpPr>
-          <p:cNvPr id="2" name="标题 1">
-            <a:extLst>
-              <a:ext uri="{FF2B5EF4-FFF2-40B4-BE49-F238E27FC236}">
-                <a16:creationId xmlns:a16="http://schemas.microsoft.com/office/drawing/2014/main" id="{D7219DA6-C8C6-4D2F-C8A2-AB0F84AC7751}"/>
-              </a:ext>
-            </a:extLst>
-          </p:cNvPr>
-          <p:cNvSpPr>
-            <a:spLocks noGrp="1"/>
-          </p:cNvSpPr>
-          <p:nvPr>
-            <p:ph type="title"/>
-          </p:nvPr>
-        </p:nvSpPr>
-        <p:spPr/>
-        <p:txBody>
-          <a:bodyPr anchor="b">
-            <a:normAutofit/>
-          </a:bodyPr>
-          <a:lstStyle/>
-          <a:p>
-            <a:r>
-              <a:rPr lang="zh-CN" altLang="en-US" sz="5400" b="1" dirty="0"/>
               <a:t>随机森林实现流程图</a:t>
             </a:r>
+            <a:endParaRPr lang="zh-CN" altLang="en-US" sz="5400" b="1" dirty="0"/>
           </a:p>
         </p:txBody>
       </p:sp>
       <p:graphicFrame>
         <p:nvGraphicFramePr>
-          <p:cNvPr id="4" name="表格 4">
-            <a:extLst>
-              <a:ext uri="{FF2B5EF4-FFF2-40B4-BE49-F238E27FC236}">
-                <a16:creationId xmlns:a16="http://schemas.microsoft.com/office/drawing/2014/main" id="{95230076-4CD9-51FD-1374-8379751EAE76}"/>
-              </a:ext>
-            </a:extLst>
-          </p:cNvPr>
+          <p:cNvPr id="4" name="表格 4"/>
           <p:cNvGraphicFramePr>
             <a:graphicFrameLocks noGrp="1"/>
           </p:cNvGraphicFramePr>
           <p:nvPr>
             <p:ph idx="1"/>
-            <p:extLst>
-              <p:ext uri="{D42A27DB-BD31-4B8C-83A1-F6EECF244321}">
-                <p14:modId xmlns:p14="http://schemas.microsoft.com/office/powerpoint/2010/main" val="338926874"/>
-              </p:ext>
-            </p:extLst>
           </p:nvPr>
         </p:nvGraphicFramePr>
         <p:xfrm>
@@ -10626,20 +8269,8 @@
                 <a:tableStyleId>{5C22544A-7EE6-4342-B048-85BDC9FD1C3A}</a:tableStyleId>
               </a:tblPr>
               <a:tblGrid>
-                <a:gridCol w="5257800">
-                  <a:extLst>
-                    <a:ext uri="{9D8B030D-6E8A-4147-A177-3AD203B41FA5}">
-                      <a16:colId xmlns:a16="http://schemas.microsoft.com/office/drawing/2014/main" val="1028898345"/>
-                    </a:ext>
-                  </a:extLst>
-                </a:gridCol>
-                <a:gridCol w="5257800">
-                  <a:extLst>
-                    <a:ext uri="{9D8B030D-6E8A-4147-A177-3AD203B41FA5}">
-                      <a16:colId xmlns:a16="http://schemas.microsoft.com/office/drawing/2014/main" val="2708516344"/>
-                    </a:ext>
-                  </a:extLst>
-                </a:gridCol>
+                <a:gridCol w="5257800"/>
+                <a:gridCol w="5257800"/>
               </a:tblGrid>
               <a:tr h="400217">
                 <a:tc>
@@ -10673,15 +8304,11 @@
                         <a:rPr lang="zh-CN" altLang="en-US" dirty="0"/>
                         <a:t>具体实现</a:t>
                       </a:r>
+                      <a:endParaRPr lang="zh-CN" altLang="en-US" dirty="0"/>
                     </a:p>
                   </a:txBody>
                   <a:tcPr/>
                 </a:tc>
-                <a:extLst>
-                  <a:ext uri="{0D108BD9-81ED-4DB2-BD59-A6C34878D82A}">
-                    <a16:rowId xmlns:a16="http://schemas.microsoft.com/office/drawing/2014/main" val="2578675553"/>
-                  </a:ext>
-                </a:extLst>
               </a:tr>
               <a:tr h="165713">
                 <a:tc>
@@ -10693,6 +8320,7 @@
                         <a:rPr lang="zh-CN" altLang="en-US" dirty="0"/>
                         <a:t>输入</a:t>
                       </a:r>
+                      <a:endParaRPr lang="zh-CN" altLang="en-US" dirty="0"/>
                     </a:p>
                   </a:txBody>
                   <a:tcPr/>
@@ -10710,6 +8338,7 @@
                         <a:rPr lang="en-US" altLang="zh-CN" dirty="0"/>
                         <a:t></a:t>
                       </a:r>
+                      <a:endParaRPr lang="en-US" altLang="zh-CN" dirty="0"/>
                     </a:p>
                     <a:p>
                       <a:r>
@@ -10724,15 +8353,11 @@
                         <a:rPr lang="zh-CN" altLang="en-US" dirty="0"/>
                         <a:t>（决策树数目）</a:t>
                       </a:r>
+                      <a:endParaRPr lang="zh-CN" altLang="en-US" dirty="0"/>
                     </a:p>
                   </a:txBody>
                   <a:tcPr/>
                 </a:tc>
-                <a:extLst>
-                  <a:ext uri="{0D108BD9-81ED-4DB2-BD59-A6C34878D82A}">
-                    <a16:rowId xmlns:a16="http://schemas.microsoft.com/office/drawing/2014/main" val="420507974"/>
-                  </a:ext>
-                </a:extLst>
               </a:tr>
               <a:tr h="873648">
                 <a:tc>
@@ -10744,6 +8369,7 @@
                         <a:rPr lang="zh-CN" altLang="en-US" dirty="0"/>
                         <a:t>算法</a:t>
                       </a:r>
+                      <a:endParaRPr lang="zh-CN" altLang="en-US" dirty="0"/>
                     </a:p>
                   </a:txBody>
                   <a:tcPr/>
@@ -10773,6 +8399,7 @@
                         <a:rPr lang="zh-CN" altLang="en-US" dirty="0"/>
                         <a:t>棵树而言：</a:t>
                       </a:r>
+                      <a:endParaRPr lang="zh-CN" altLang="en-US" dirty="0"/>
                     </a:p>
                     <a:p>
                       <a:r>
@@ -10795,6 +8422,7 @@
                         <a:rPr lang="en-US" altLang="zh-CN" dirty="0"/>
                         <a:t>Dt</a:t>
                       </a:r>
+                      <a:endParaRPr lang="en-US" altLang="zh-CN" dirty="0"/>
                     </a:p>
                     <a:p>
                       <a:r>
@@ -10821,6 +8449,7 @@
                         <a:rPr lang="zh-CN" altLang="en-US" dirty="0"/>
                         <a:t>个决策树模型</a:t>
                       </a:r>
+                      <a:endParaRPr lang="zh-CN" altLang="en-US" dirty="0"/>
                     </a:p>
                     <a:p>
                       <a:r>
@@ -10831,6 +8460,7 @@
                         <a:rPr lang="zh-CN" altLang="en-US" dirty="0"/>
                         <a:t>每个决策树不剪枝，一直生长到指定的树的深度</a:t>
                       </a:r>
+                      <a:endParaRPr lang="zh-CN" altLang="en-US" dirty="0"/>
                     </a:p>
                     <a:p>
                       <a:r>
@@ -10853,15 +8483,11 @@
                         <a:rPr lang="zh-CN" altLang="en-US" dirty="0"/>
                         <a:t>个决策树得到的回归结果进行算术平均得到的值为最终的模型输出</a:t>
                       </a:r>
+                      <a:endParaRPr lang="zh-CN" altLang="en-US" dirty="0"/>
                     </a:p>
                   </a:txBody>
                   <a:tcPr/>
                 </a:tc>
-                <a:extLst>
-                  <a:ext uri="{0D108BD9-81ED-4DB2-BD59-A6C34878D82A}">
-                    <a16:rowId xmlns:a16="http://schemas.microsoft.com/office/drawing/2014/main" val="1466665084"/>
-                  </a:ext>
-                </a:extLst>
               </a:tr>
               <a:tr h="473172">
                 <a:tc>
@@ -10873,6 +8499,7 @@
                         <a:rPr lang="zh-CN" altLang="en-US" dirty="0"/>
                         <a:t>输出</a:t>
                       </a:r>
+                      <a:endParaRPr lang="zh-CN" altLang="en-US" dirty="0"/>
                     </a:p>
                   </a:txBody>
                   <a:tcPr/>
@@ -10886,15 +8513,11 @@
                         <a:rPr lang="zh-CN" altLang="en-US" dirty="0"/>
                         <a:t>最终的强分类或强回归结果</a:t>
                       </a:r>
+                      <a:endParaRPr lang="zh-CN" altLang="en-US" dirty="0"/>
                     </a:p>
                   </a:txBody>
                   <a:tcPr/>
                 </a:tc>
-                <a:extLst>
-                  <a:ext uri="{0D108BD9-81ED-4DB2-BD59-A6C34878D82A}">
-                    <a16:rowId xmlns:a16="http://schemas.microsoft.com/office/drawing/2014/main" val="2309851843"/>
-                  </a:ext>
-                </a:extLst>
               </a:tr>
             </a:tbl>
           </a:graphicData>
@@ -10902,23 +8525,11 @@
       </p:graphicFrame>
       <p:graphicFrame>
         <p:nvGraphicFramePr>
-          <p:cNvPr id="8" name="对象 7">
-            <a:extLst>
-              <a:ext uri="{FF2B5EF4-FFF2-40B4-BE49-F238E27FC236}">
-                <a16:creationId xmlns:a16="http://schemas.microsoft.com/office/drawing/2014/main" id="{DBB3CD5F-63E7-DDA7-910D-F8E12BF7713A}"/>
-              </a:ext>
-            </a:extLst>
-          </p:cNvPr>
+          <p:cNvPr id="8" name="对象 7"/>
           <p:cNvGraphicFramePr>
             <a:graphicFrameLocks noChangeAspect="1"/>
           </p:cNvGraphicFramePr>
-          <p:nvPr>
-            <p:extLst>
-              <p:ext uri="{D42A27DB-BD31-4B8C-83A1-F6EECF244321}">
-                <p14:modId xmlns:p14="http://schemas.microsoft.com/office/powerpoint/2010/main" val="3420461267"/>
-              </p:ext>
-            </p:extLst>
-          </p:nvPr>
+          <p:nvPr/>
         </p:nvGraphicFramePr>
         <p:xfrm>
           <a:off x="6977767" y="2320361"/>
@@ -10928,21 +8539,21 @@
           <a:graphicData uri="http://schemas.openxmlformats.org/presentationml/2006/ole">
             <mc:AlternateContent xmlns:mc="http://schemas.openxmlformats.org/markup-compatibility/2006">
               <mc:Choice xmlns:v="urn:schemas-microsoft-com:vml" Requires="v">
-                <p:oleObj name="Equation" r:id="rId2" imgW="2057400" imgH="203040" progId="Equation.DSMT4">
+                <p:oleObj spid="_x0000_s3" name="Equation" r:id="rId1" imgW="49377600" imgH="4876800" progId="Equation.DSMT4">
                   <p:embed/>
                 </p:oleObj>
               </mc:Choice>
               <mc:Fallback>
-                <p:oleObj name="Equation" r:id="rId2" imgW="2057400" imgH="203040" progId="Equation.DSMT4">
+                <p:oleObj name="Equation" r:id="rId1" imgW="49377600" imgH="4876800" progId="Equation.DSMT4">
                   <p:embed/>
                   <p:pic>
                     <p:nvPicPr>
-                      <p:cNvPr id="0" name=""/>
+                      <p:cNvPr id="0" name="图片 2"/>
                       <p:cNvPicPr/>
                       <p:nvPr/>
                     </p:nvPicPr>
                     <p:blipFill>
-                      <a:blip r:embed="rId3"/>
+                      <a:blip r:embed="rId2"/>
                       <a:stretch>
                         <a:fillRect/>
                       </a:stretch>
@@ -10964,11 +8575,6 @@
         </a:graphic>
       </p:graphicFrame>
     </p:spTree>
-    <p:extLst>
-      <p:ext uri="{BB962C8B-B14F-4D97-AF65-F5344CB8AC3E}">
-        <p14:creationId xmlns:p14="http://schemas.microsoft.com/office/powerpoint/2010/main" val="3935162674"/>
-      </p:ext>
-    </p:extLst>
   </p:cSld>
   <p:clrMapOvr>
     <a:masterClrMapping/>
@@ -10976,7 +8582,7 @@
 </p:sld>
 </file>
 
-<file path=ppt/slides/slide25.xml><?xml version="1.0" encoding="utf-8"?>
+<file path=ppt/slides/slide21.xml><?xml version="1.0" encoding="utf-8"?>
 <p:sld xmlns:a="http://schemas.openxmlformats.org/drawingml/2006/main" xmlns:r="http://schemas.openxmlformats.org/officeDocument/2006/relationships" xmlns:p="http://schemas.openxmlformats.org/presentationml/2006/main">
   <p:cSld>
     <p:spTree>
@@ -10995,13 +8601,7 @@
       </p:grpSpPr>
       <p:sp>
         <p:nvSpPr>
-          <p:cNvPr id="2" name="标题 1">
-            <a:extLst>
-              <a:ext uri="{FF2B5EF4-FFF2-40B4-BE49-F238E27FC236}">
-                <a16:creationId xmlns:a16="http://schemas.microsoft.com/office/drawing/2014/main" id="{D9AB754F-83EB-2890-1E42-2C96016C27E4}"/>
-              </a:ext>
-            </a:extLst>
-          </p:cNvPr>
+          <p:cNvPr id="2" name="标题 1"/>
           <p:cNvSpPr>
             <a:spLocks noGrp="1"/>
           </p:cNvSpPr>
@@ -11018,18 +8618,13 @@
               <a:rPr lang="zh-CN" altLang="en-US" sz="5400" b="1" dirty="0"/>
               <a:t>实现代码</a:t>
             </a:r>
-          </a:p>
-        </p:txBody>
-      </p:sp>
-      <p:sp>
-        <p:nvSpPr>
-          <p:cNvPr id="3" name="内容占位符 2">
-            <a:extLst>
-              <a:ext uri="{FF2B5EF4-FFF2-40B4-BE49-F238E27FC236}">
-                <a16:creationId xmlns:a16="http://schemas.microsoft.com/office/drawing/2014/main" id="{8AAAADDB-8703-7DA1-39A8-B9485F99E7FD}"/>
-              </a:ext>
-            </a:extLst>
-          </p:cNvPr>
+            <a:endParaRPr lang="zh-CN" altLang="en-US" sz="5400" b="1" dirty="0"/>
+          </a:p>
+        </p:txBody>
+      </p:sp>
+      <p:sp>
+        <p:nvSpPr>
+          <p:cNvPr id="3" name="内容占位符 2"/>
           <p:cNvSpPr>
             <a:spLocks noGrp="1"/>
           </p:cNvSpPr>
@@ -11104,6 +8699,7 @@
               <a:rPr lang="en-US" altLang="zh-CN" sz="2000" dirty="0"/>
               <a:t>) ;</a:t>
             </a:r>
+            <a:endParaRPr lang="en-US" altLang="zh-CN" sz="2000" dirty="0"/>
           </a:p>
           <a:p>
             <a:pPr marL="0" indent="0">
@@ -11140,6 +8736,7 @@
               <a:rPr lang="en-US" altLang="zh-CN" sz="2000" dirty="0"/>
               <a:t>);</a:t>
             </a:r>
+            <a:endParaRPr lang="en-US" altLang="zh-CN" sz="2000" dirty="0"/>
           </a:p>
           <a:p>
             <a:pPr marL="0" indent="0">
@@ -11186,11 +8783,6 @@
         </p:txBody>
       </p:sp>
     </p:spTree>
-    <p:extLst>
-      <p:ext uri="{BB962C8B-B14F-4D97-AF65-F5344CB8AC3E}">
-        <p14:creationId xmlns:p14="http://schemas.microsoft.com/office/powerpoint/2010/main" val="1259859469"/>
-      </p:ext>
-    </p:extLst>
   </p:cSld>
   <p:clrMapOvr>
     <a:masterClrMapping/>
@@ -11198,7 +8790,7 @@
 </p:sld>
 </file>
 
-<file path=ppt/slides/slide26.xml><?xml version="1.0" encoding="utf-8"?>
+<file path=ppt/slides/slide22.xml><?xml version="1.0" encoding="utf-8"?>
 <p:sld xmlns:a="http://schemas.openxmlformats.org/drawingml/2006/main" xmlns:r="http://schemas.openxmlformats.org/officeDocument/2006/relationships" xmlns:p="http://schemas.openxmlformats.org/presentationml/2006/main">
   <p:cSld>
     <p:spTree>
@@ -11217,13 +8809,7 @@
       </p:grpSpPr>
       <p:sp>
         <p:nvSpPr>
-          <p:cNvPr id="2" name="标题 1">
-            <a:extLst>
-              <a:ext uri="{FF2B5EF4-FFF2-40B4-BE49-F238E27FC236}">
-                <a16:creationId xmlns:a16="http://schemas.microsoft.com/office/drawing/2014/main" id="{4D6BC3A0-8777-A671-0E9E-4B3E06C3585A}"/>
-              </a:ext>
-            </a:extLst>
-          </p:cNvPr>
+          <p:cNvPr id="2" name="标题 1"/>
           <p:cNvSpPr>
             <a:spLocks noGrp="1"/>
           </p:cNvSpPr>
@@ -11242,13 +8828,7 @@
       </p:sp>
       <p:sp>
         <p:nvSpPr>
-          <p:cNvPr id="3" name="内容占位符 2">
-            <a:extLst>
-              <a:ext uri="{FF2B5EF4-FFF2-40B4-BE49-F238E27FC236}">
-                <a16:creationId xmlns:a16="http://schemas.microsoft.com/office/drawing/2014/main" id="{E4D57E8E-8348-0EE7-57CF-7FDFEFB1125E}"/>
-              </a:ext>
-            </a:extLst>
-          </p:cNvPr>
+          <p:cNvPr id="3" name="内容占位符 2"/>
           <p:cNvSpPr>
             <a:spLocks noGrp="1"/>
           </p:cNvSpPr>
@@ -11263,7 +8843,7 @@
           <a:p>
             <a:r>
               <a:rPr lang="en-US" altLang="zh-CN" dirty="0">
-                <a:hlinkClick r:id="rId2"/>
+                <a:hlinkClick r:id="rId1"/>
               </a:rPr>
               <a:t>https://en.wikipedia.org/wiki/Random_forest</a:t>
             </a:r>
@@ -11274,15 +8854,11 @@
               <a:rPr lang="zh-CN" altLang="en-US" dirty="0"/>
               <a:t>看明白继续写</a:t>
             </a:r>
+            <a:endParaRPr lang="zh-CN" altLang="en-US" dirty="0"/>
           </a:p>
         </p:txBody>
       </p:sp>
     </p:spTree>
-    <p:extLst>
-      <p:ext uri="{BB962C8B-B14F-4D97-AF65-F5344CB8AC3E}">
-        <p14:creationId xmlns:p14="http://schemas.microsoft.com/office/powerpoint/2010/main" val="2457426623"/>
-      </p:ext>
-    </p:extLst>
   </p:cSld>
   <p:clrMapOvr>
     <a:masterClrMapping/>
@@ -11309,13 +8885,7 @@
       </p:grpSpPr>
       <p:sp>
         <p:nvSpPr>
-          <p:cNvPr id="4" name="矩形 3">
-            <a:extLst>
-              <a:ext uri="{FF2B5EF4-FFF2-40B4-BE49-F238E27FC236}">
-                <a16:creationId xmlns:a16="http://schemas.microsoft.com/office/drawing/2014/main" id="{5FE2F0BB-ABBC-0839-6581-534FD00C434E}"/>
-              </a:ext>
-            </a:extLst>
-          </p:cNvPr>
+          <p:cNvPr id="4" name="矩形 3"/>
           <p:cNvSpPr/>
           <p:nvPr/>
         </p:nvSpPr>
@@ -11360,13 +8930,7 @@
       </p:sp>
       <p:sp>
         <p:nvSpPr>
-          <p:cNvPr id="5" name="矩形 4">
-            <a:extLst>
-              <a:ext uri="{FF2B5EF4-FFF2-40B4-BE49-F238E27FC236}">
-                <a16:creationId xmlns:a16="http://schemas.microsoft.com/office/drawing/2014/main" id="{37938814-1030-970A-757B-1573ED7389F8}"/>
-              </a:ext>
-            </a:extLst>
-          </p:cNvPr>
+          <p:cNvPr id="5" name="矩形 4"/>
           <p:cNvSpPr/>
           <p:nvPr/>
         </p:nvSpPr>
@@ -11399,18 +8963,20 @@
               </a:rPr>
               <a:t>赛题点评</a:t>
             </a:r>
-          </a:p>
-        </p:txBody>
-      </p:sp>
-      <p:sp>
-        <p:nvSpPr>
-          <p:cNvPr id="6" name="矩形 5">
-            <a:extLst>
-              <a:ext uri="{FF2B5EF4-FFF2-40B4-BE49-F238E27FC236}">
-                <a16:creationId xmlns:a16="http://schemas.microsoft.com/office/drawing/2014/main" id="{2020E845-6E37-6685-A41B-C50F8BEFD66F}"/>
-              </a:ext>
-            </a:extLst>
-          </p:cNvPr>
+            <a:endParaRPr lang="zh-CN" altLang="en-US" sz="4400" b="1" kern="100" dirty="0">
+              <a:solidFill>
+                <a:schemeClr val="bg1"/>
+              </a:solidFill>
+              <a:latin typeface="微软雅黑" panose="020B0503020204020204" pitchFamily="34" charset="-122"/>
+              <a:ea typeface="微软雅黑" panose="020B0503020204020204" pitchFamily="34" charset="-122"/>
+              <a:cs typeface="Times New Roman" panose="02020603050405020304" pitchFamily="18" charset="0"/>
+            </a:endParaRPr>
+          </a:p>
+        </p:txBody>
+      </p:sp>
+      <p:sp>
+        <p:nvSpPr>
+          <p:cNvPr id="6" name="矩形 5"/>
           <p:cNvSpPr/>
           <p:nvPr/>
         </p:nvSpPr>
@@ -11448,13 +9014,7 @@
       </p:sp>
       <p:sp>
         <p:nvSpPr>
-          <p:cNvPr id="7" name="椭圆 6">
-            <a:extLst>
-              <a:ext uri="{FF2B5EF4-FFF2-40B4-BE49-F238E27FC236}">
-                <a16:creationId xmlns:a16="http://schemas.microsoft.com/office/drawing/2014/main" id="{210ED04E-EA3E-A869-09BA-2D1376D45F5D}"/>
-              </a:ext>
-            </a:extLst>
-          </p:cNvPr>
+          <p:cNvPr id="7" name="椭圆 6"/>
           <p:cNvSpPr/>
           <p:nvPr/>
         </p:nvSpPr>
@@ -11498,9 +9058,6 @@
         </p:style>
         <p:txBody>
           <a:bodyPr rot="0" spcFirstLastPara="0" vertOverflow="overflow" horzOverflow="overflow" vert="horz" wrap="square" lIns="91440" tIns="45720" rIns="91440" bIns="45720" numCol="1" spcCol="0" rtlCol="0" fromWordArt="0" anchor="ctr" anchorCtr="0" forceAA="0" compatLnSpc="1">
-            <a:prstTxWarp prst="textNoShape">
-              <a:avLst/>
-            </a:prstTxWarp>
             <a:noAutofit/>
           </a:bodyPr>
           <a:lstStyle/>
@@ -11512,13 +9069,7 @@
       </p:sp>
       <p:grpSp>
         <p:nvGrpSpPr>
-          <p:cNvPr id="8" name="组合 7">
-            <a:extLst>
-              <a:ext uri="{FF2B5EF4-FFF2-40B4-BE49-F238E27FC236}">
-                <a16:creationId xmlns:a16="http://schemas.microsoft.com/office/drawing/2014/main" id="{E74331D4-3823-5215-24FE-96E89198D559}"/>
-              </a:ext>
-            </a:extLst>
-          </p:cNvPr>
+          <p:cNvPr id="8" name="组合 7"/>
           <p:cNvGrpSpPr/>
           <p:nvPr/>
         </p:nvGrpSpPr>
@@ -11537,16 +9088,8 @@
         </p:grpSpPr>
         <p:sp>
           <p:nvSpPr>
-            <p:cNvPr id="9" name="AutoShape 43">
-              <a:extLst>
-                <a:ext uri="{FF2B5EF4-FFF2-40B4-BE49-F238E27FC236}">
-                  <a16:creationId xmlns:a16="http://schemas.microsoft.com/office/drawing/2014/main" id="{1F79AE39-2C47-9327-1260-EBD6532C2068}"/>
-                </a:ext>
-              </a:extLst>
-            </p:cNvPr>
-            <p:cNvSpPr>
-              <a:spLocks/>
-            </p:cNvSpPr>
+            <p:cNvPr id="9" name="AutoShape 43"/>
+            <p:cNvSpPr/>
             <p:nvPr/>
           </p:nvSpPr>
           <p:spPr bwMode="auto">
@@ -11745,7 +9288,6 @@
               </a:pathLst>
             </a:custGeom>
             <a:grpFill/>
-            <a:ln/>
           </p:spPr>
           <p:style>
             <a:lnRef idx="1">
@@ -11779,7 +9321,6 @@
                 <a:buSzTx/>
                 <a:buFontTx/>
                 <a:buNone/>
-                <a:tabLst/>
                 <a:defRPr/>
               </a:pPr>
               <a:endParaRPr kumimoji="0" lang="en-US" sz="1500" i="0" u="none" strike="noStrike" kern="0" normalizeH="0" baseline="0" noProof="0" dirty="0">
@@ -11801,16 +9342,8 @@
         </p:sp>
         <p:sp>
           <p:nvSpPr>
-            <p:cNvPr id="10" name="AutoShape 44">
-              <a:extLst>
-                <a:ext uri="{FF2B5EF4-FFF2-40B4-BE49-F238E27FC236}">
-                  <a16:creationId xmlns:a16="http://schemas.microsoft.com/office/drawing/2014/main" id="{BE462345-CDC5-0A1A-11AE-FC48BDD6FC72}"/>
-                </a:ext>
-              </a:extLst>
-            </p:cNvPr>
-            <p:cNvSpPr>
-              <a:spLocks/>
-            </p:cNvSpPr>
+            <p:cNvPr id="10" name="AutoShape 44"/>
+            <p:cNvSpPr/>
             <p:nvPr/>
           </p:nvSpPr>
           <p:spPr bwMode="auto">
@@ -11881,7 +9414,6 @@
               </a:pathLst>
             </a:custGeom>
             <a:grpFill/>
-            <a:ln/>
           </p:spPr>
           <p:style>
             <a:lnRef idx="1">
@@ -11915,7 +9447,6 @@
                 <a:buSzTx/>
                 <a:buFontTx/>
                 <a:buNone/>
-                <a:tabLst/>
                 <a:defRPr/>
               </a:pPr>
               <a:endParaRPr kumimoji="0" lang="en-US" sz="1500" i="0" u="none" strike="noStrike" kern="0" normalizeH="0" baseline="0" noProof="0" dirty="0">
@@ -11937,16 +9468,8 @@
         </p:sp>
         <p:sp>
           <p:nvSpPr>
-            <p:cNvPr id="11" name="AutoShape 45">
-              <a:extLst>
-                <a:ext uri="{FF2B5EF4-FFF2-40B4-BE49-F238E27FC236}">
-                  <a16:creationId xmlns:a16="http://schemas.microsoft.com/office/drawing/2014/main" id="{8E120BDE-293B-2FFE-C676-A72C1D40BE26}"/>
-                </a:ext>
-              </a:extLst>
-            </p:cNvPr>
-            <p:cNvSpPr>
-              <a:spLocks/>
-            </p:cNvSpPr>
+            <p:cNvPr id="11" name="AutoShape 45"/>
+            <p:cNvSpPr/>
             <p:nvPr/>
           </p:nvSpPr>
           <p:spPr bwMode="auto">
@@ -12011,7 +9534,6 @@
               </a:pathLst>
             </a:custGeom>
             <a:grpFill/>
-            <a:ln/>
           </p:spPr>
           <p:style>
             <a:lnRef idx="1">
@@ -12045,7 +9567,6 @@
                 <a:buSzTx/>
                 <a:buFontTx/>
                 <a:buNone/>
-                <a:tabLst/>
                 <a:defRPr/>
               </a:pPr>
               <a:endParaRPr kumimoji="0" lang="en-US" sz="1500" i="0" u="none" strike="noStrike" kern="0" normalizeH="0" baseline="0" noProof="0" dirty="0">
@@ -12068,13 +9589,7 @@
       </p:grpSp>
       <p:sp>
         <p:nvSpPr>
-          <p:cNvPr id="15" name="矩形 14">
-            <a:extLst>
-              <a:ext uri="{FF2B5EF4-FFF2-40B4-BE49-F238E27FC236}">
-                <a16:creationId xmlns:a16="http://schemas.microsoft.com/office/drawing/2014/main" id="{7BF0973A-1738-8176-FDC9-4A588F869A4D}"/>
-              </a:ext>
-            </a:extLst>
-          </p:cNvPr>
+          <p:cNvPr id="15" name="矩形 14"/>
           <p:cNvSpPr/>
           <p:nvPr/>
         </p:nvSpPr>
@@ -12117,13 +9632,7 @@
       </p:sp>
       <p:sp>
         <p:nvSpPr>
-          <p:cNvPr id="2" name="文本框 1">
-            <a:extLst>
-              <a:ext uri="{FF2B5EF4-FFF2-40B4-BE49-F238E27FC236}">
-                <a16:creationId xmlns:a16="http://schemas.microsoft.com/office/drawing/2014/main" id="{238A4732-9D59-889B-454D-099C2026B6F0}"/>
-              </a:ext>
-            </a:extLst>
-          </p:cNvPr>
+          <p:cNvPr id="2" name="文本框 1"/>
           <p:cNvSpPr txBox="1"/>
           <p:nvPr/>
         </p:nvSpPr>
@@ -12176,11 +9685,6 @@
         </p:txBody>
       </p:sp>
     </p:spTree>
-    <p:extLst>
-      <p:ext uri="{BB962C8B-B14F-4D97-AF65-F5344CB8AC3E}">
-        <p14:creationId xmlns:p14="http://schemas.microsoft.com/office/powerpoint/2010/main" val="1855291081"/>
-      </p:ext>
-    </p:extLst>
   </p:cSld>
   <p:clrMapOvr>
     <a:masterClrMapping/>
@@ -12197,14 +9701,7 @@
         <p:cNvGrpSpPr/>
         <p:nvPr/>
       </p:nvGrpSpPr>
-      <p:grpSpPr>
-        <a:xfrm>
-          <a:off x="0" y="0"/>
-          <a:ext cx="0" cy="0"/>
-          <a:chOff x="0" y="0"/>
-          <a:chExt cx="0" cy="0"/>
-        </a:xfrm>
-      </p:grpSpPr>
+      <p:grpSpPr/>
       <p:sp>
         <p:nvSpPr>
           <p:cNvPr id="2" name="标题 1"/>
@@ -12218,12 +9715,16 @@
         <p:spPr/>
         <p:txBody>
           <a:bodyPr/>
-          <a:lstStyle/>
-          <a:p>
-            <a:r>
-              <a:rPr lang="zh-CN" altLang="en-US" b="1" dirty="0"/>
-              <a:t>赛题点评</a:t>
-            </a:r>
+          <a:p>
+            <a:r>
+              <a:rPr lang="zh-CN" altLang="en-US"/>
+              <a:t>赛题</a:t>
+            </a:r>
+            <a:r>
+              <a:rPr lang="zh-CN" altLang="en-US"/>
+              <a:t>点评</a:t>
+            </a:r>
+            <a:endParaRPr lang="zh-CN" altLang="en-US"/>
           </a:p>
         </p:txBody>
       </p:sp>
@@ -12240,74 +9741,64 @@
         <p:spPr/>
         <p:txBody>
           <a:bodyPr>
-            <a:normAutofit fontScale="92500" lnSpcReduction="10000"/>
+            <a:normAutofit fontScale="70000"/>
           </a:bodyPr>
-          <a:lstStyle/>
-          <a:p>
-            <a:pPr marL="0" indent="0">
+          <a:p>
+            <a:pPr>
               <a:lnSpc>
-                <a:spcPct val="120000"/>
+                <a:spcPct val="160000"/>
               </a:lnSpc>
-              <a:buNone/>
             </a:pPr>
             <a:r>
-              <a:rPr lang="zh-CN" altLang="en-US" dirty="0">
-                <a:latin typeface="黑体" panose="02010609060101010101" pitchFamily="49" charset="-122"/>
-                <a:ea typeface="黑体" panose="02010609060101010101" pitchFamily="49" charset="-122"/>
-              </a:rPr>
+              <a:rPr lang="zh-CN" altLang="en-US"/>
               <a:t>问题一：主要是解决两个问题：一是建立信贷风险评估模型和银行最有信贷决策模型。属于评估问题和规划问题。主要的思路流程基于附件的交易数据挖掘出各企业的经营和财务指标，并进行优化筛选，以违约概率为目标函数构建信贷风向评估模型（已读论文中有利用梯度下降法的随机森林、熵权法与</a:t>
             </a:r>
             <a:r>
-              <a:rPr lang="en-US" altLang="zh-CN" dirty="0">
-                <a:latin typeface="黑体" panose="02010609060101010101" pitchFamily="49" charset="-122"/>
-                <a:ea typeface="黑体" panose="02010609060101010101" pitchFamily="49" charset="-122"/>
-              </a:rPr>
+              <a:rPr lang="en-US" altLang="zh-CN"/>
               <a:t>TOPSIS</a:t>
             </a:r>
             <a:r>
-              <a:rPr lang="zh-CN" altLang="en-US" dirty="0">
-                <a:latin typeface="黑体" panose="02010609060101010101" pitchFamily="49" charset="-122"/>
-                <a:ea typeface="黑体" panose="02010609060101010101" pitchFamily="49" charset="-122"/>
-              </a:rPr>
+              <a:rPr lang="zh-CN" altLang="en-US"/>
               <a:t>、遗传算法）。接下来也可进行模型准确度检验，对比</a:t>
             </a:r>
             <a:r>
-              <a:rPr lang="en-US" altLang="zh-CN" dirty="0">
-                <a:latin typeface="黑体" panose="02010609060101010101" pitchFamily="49" charset="-122"/>
-                <a:ea typeface="黑体" panose="02010609060101010101" pitchFamily="49" charset="-122"/>
-              </a:rPr>
+              <a:rPr lang="en-US" altLang="zh-CN"/>
               <a:t>BP</a:t>
             </a:r>
             <a:r>
-              <a:rPr lang="zh-CN" altLang="en-US" dirty="0">
-                <a:latin typeface="黑体" panose="02010609060101010101" pitchFamily="49" charset="-122"/>
-                <a:ea typeface="黑体" panose="02010609060101010101" pitchFamily="49" charset="-122"/>
-              </a:rPr>
+              <a:rPr lang="zh-CN" altLang="en-US"/>
               <a:t>神经网络</a:t>
             </a:r>
             <a:r>
-              <a:rPr lang="en-US" altLang="zh-CN" dirty="0">
-                <a:latin typeface="黑体" panose="02010609060101010101" pitchFamily="49" charset="-122"/>
-                <a:ea typeface="黑体" panose="02010609060101010101" pitchFamily="49" charset="-122"/>
-              </a:rPr>
+              <a:rPr lang="en-US" altLang="zh-CN"/>
               <a:t>/</a:t>
             </a:r>
             <a:r>
-              <a:rPr lang="zh-CN" altLang="en-US" dirty="0">
-                <a:latin typeface="黑体" panose="02010609060101010101" pitchFamily="49" charset="-122"/>
-                <a:ea typeface="黑体" panose="02010609060101010101" pitchFamily="49" charset="-122"/>
-              </a:rPr>
-              <a:t>传统决策树算法，该模型准确性较高。第二个问题将违约概率作为指标建立以贷款收益最大化，客户流失率最小、客户违约风险最小为指标，建立非线性多目标规划模型，根据模型求解，可以确定最佳的信贷策略。</a:t>
-            </a:r>
-          </a:p>
-          <a:p>
-            <a:endParaRPr lang="zh-CN" altLang="en-US" dirty="0"/>
-          </a:p>
-          <a:p>
-            <a:endParaRPr lang="zh-CN" altLang="en-US" dirty="0"/>
-          </a:p>
-          <a:p>
-            <a:endParaRPr lang="zh-CN" altLang="en-US" dirty="0"/>
+              <a:rPr lang="zh-CN" altLang="en-US"/>
+              <a:t>传统决策树算法，该模型准确性</a:t>
+            </a:r>
+            <a:r>
+              <a:rPr lang="zh-CN" altLang="en-US"/>
+              <a:t>较高。第二个</a:t>
+            </a:r>
+            <a:r>
+              <a:rPr lang="zh-CN" altLang="en-US"/>
+              <a:t>问题将违约概率作为指标建立以贷款收益最大化，客户流失率最小、客户违约风险最小为指标，建立非线性多目标规划模型，根据模型求解，可以确定最佳的信贷</a:t>
+            </a:r>
+            <a:r>
+              <a:rPr lang="zh-CN" altLang="en-US"/>
+              <a:t>策略。</a:t>
+            </a:r>
+            <a:endParaRPr lang="zh-CN" altLang="en-US"/>
+          </a:p>
+          <a:p>
+            <a:endParaRPr lang="zh-CN" altLang="en-US"/>
+          </a:p>
+          <a:p>
+            <a:endParaRPr lang="zh-CN" altLang="en-US"/>
+          </a:p>
+          <a:p>
+            <a:endParaRPr lang="zh-CN" altLang="en-US"/>
           </a:p>
         </p:txBody>
       </p:sp>
@@ -12328,14 +9819,7 @@
         <p:cNvGrpSpPr/>
         <p:nvPr/>
       </p:nvGrpSpPr>
-      <p:grpSpPr>
-        <a:xfrm>
-          <a:off x="0" y="0"/>
-          <a:ext cx="0" cy="0"/>
-          <a:chOff x="0" y="0"/>
-          <a:chExt cx="0" cy="0"/>
-        </a:xfrm>
-      </p:grpSpPr>
+      <p:grpSpPr/>
       <p:sp>
         <p:nvSpPr>
           <p:cNvPr id="2" name="标题 1"/>
@@ -12349,12 +9833,16 @@
         <p:spPr/>
         <p:txBody>
           <a:bodyPr/>
-          <a:lstStyle/>
-          <a:p>
-            <a:r>
-              <a:rPr lang="zh-CN" altLang="en-US" b="1" dirty="0"/>
-              <a:t>赛题点评</a:t>
-            </a:r>
+          <a:p>
+            <a:r>
+              <a:rPr lang="zh-CN" altLang="en-US"/>
+              <a:t>赛题</a:t>
+            </a:r>
+            <a:r>
+              <a:rPr lang="zh-CN" altLang="en-US"/>
+              <a:t>点评</a:t>
+            </a:r>
+            <a:endParaRPr lang="zh-CN" altLang="en-US"/>
           </a:p>
         </p:txBody>
       </p:sp>
@@ -12368,32 +9856,34 @@
             <p:ph idx="1"/>
           </p:nvPr>
         </p:nvSpPr>
-        <p:spPr>
-          <a:xfrm>
-            <a:off x="838200" y="1837898"/>
-            <a:ext cx="10515600" cy="4351338"/>
-          </a:xfrm>
-        </p:spPr>
+        <p:spPr/>
         <p:txBody>
           <a:bodyPr/>
-          <a:lstStyle/>
-          <a:p>
-            <a:pPr marL="0" indent="0">
+          <a:p>
+            <a:pPr>
               <a:lnSpc>
                 <a:spcPct val="100000"/>
               </a:lnSpc>
-              <a:buNone/>
             </a:pPr>
             <a:r>
-              <a:rPr lang="zh-CN" altLang="en-US" sz="3200" dirty="0">
+              <a:rPr lang="en-US" altLang="zh-CN" sz="3200">
                 <a:latin typeface="黑体" panose="02010609060101010101" pitchFamily="49" charset="-122"/>
                 <a:ea typeface="黑体" panose="02010609060101010101" pitchFamily="49" charset="-122"/>
                 <a:cs typeface="黑体" panose="02010609060101010101" pitchFamily="49" charset="-122"/>
                 <a:sym typeface="+mn-ea"/>
               </a:rPr>
-              <a:t>问题二：基于附件二给出的无信贷记录记录和信贷评级的企业数据，求解最佳的无信贷记录的信贷决策模型。由于问题一与问题二极为近似，利用BP神经网络，将问题一的信贷等级作为训练集，然后对于问题二中302家企业进行信誉评级，之后利用问题一的信贷风险评估模型和信贷决策模型进行求解。</a:t>
-            </a:r>
-            <a:endParaRPr lang="zh-CN" altLang="en-US" sz="3200" dirty="0">
+              <a:t>  </a:t>
+            </a:r>
+            <a:r>
+              <a:rPr lang="zh-CN" altLang="en-US" sz="3200">
+                <a:latin typeface="黑体" panose="02010609060101010101" pitchFamily="49" charset="-122"/>
+                <a:ea typeface="黑体" panose="02010609060101010101" pitchFamily="49" charset="-122"/>
+                <a:cs typeface="黑体" panose="02010609060101010101" pitchFamily="49" charset="-122"/>
+                <a:sym typeface="+mn-ea"/>
+              </a:rPr>
+              <a:t>问题二，基于附件二给出的无信贷记录记录和信贷评级的企业数据，求解最佳的无信贷记录的信贷决策模型。由于问题一与问题二极为近似，利用BP神经网络，将问题一的信贷等级作为训练集，然后对于问题二中302家企业进行信誉评级，之后利用问题一的信贷风险评估模型和信贷决策模型进行求解。</a:t>
+            </a:r>
+            <a:endParaRPr lang="zh-CN" altLang="en-US" sz="3200">
               <a:latin typeface="黑体" panose="02010609060101010101" pitchFamily="49" charset="-122"/>
               <a:ea typeface="黑体" panose="02010609060101010101" pitchFamily="49" charset="-122"/>
               <a:cs typeface="黑体" panose="02010609060101010101" pitchFamily="49" charset="-122"/>
@@ -12410,14 +9900,14 @@
           <p:nvPr/>
         </p:nvPicPr>
         <p:blipFill>
-          <a:blip r:embed="rId3"/>
+          <a:blip r:embed="rId1"/>
           <a:stretch>
             <a:fillRect/>
           </a:stretch>
         </p:blipFill>
         <p:spPr>
           <a:xfrm>
-            <a:off x="3333750" y="5107947"/>
+            <a:off x="2441575" y="5144770"/>
             <a:ext cx="5524500" cy="685800"/>
           </a:xfrm>
           <a:prstGeom prst="rect">
@@ -12452,13 +9942,7 @@
       </p:grpSpPr>
       <p:sp>
         <p:nvSpPr>
-          <p:cNvPr id="2" name="标题 1">
-            <a:extLst>
-              <a:ext uri="{FF2B5EF4-FFF2-40B4-BE49-F238E27FC236}">
-                <a16:creationId xmlns:a16="http://schemas.microsoft.com/office/drawing/2014/main" id="{06E5C393-3E25-5EEF-B87C-4396427E6062}"/>
-              </a:ext>
-            </a:extLst>
-          </p:cNvPr>
+          <p:cNvPr id="2" name="标题 1"/>
           <p:cNvSpPr>
             <a:spLocks noGrp="1"/>
           </p:cNvSpPr>
@@ -12468,26 +9952,45 @@
         </p:nvSpPr>
         <p:spPr/>
         <p:txBody>
-          <a:bodyPr/>
+          <a:bodyPr>
+            <a:normAutofit/>
+          </a:bodyPr>
           <a:lstStyle/>
           <a:p>
             <a:r>
-              <a:rPr lang="zh-CN" altLang="en-US" b="1" dirty="0"/>
-              <a:t>赛题点评</a:t>
-            </a:r>
-            <a:endParaRPr lang="zh-CN" altLang="en-US" dirty="0"/>
-          </a:p>
-        </p:txBody>
-      </p:sp>
-      <p:sp>
-        <p:nvSpPr>
-          <p:cNvPr id="3" name="内容占位符 2">
-            <a:extLst>
-              <a:ext uri="{FF2B5EF4-FFF2-40B4-BE49-F238E27FC236}">
-                <a16:creationId xmlns:a16="http://schemas.microsoft.com/office/drawing/2014/main" id="{94BDBB58-6946-F09E-BD99-1090E45001E1}"/>
-              </a:ext>
-            </a:extLst>
-          </p:cNvPr>
+              <a:rPr lang="zh-CN" altLang="en-US" sz="3600" b="0" i="0" u="none" strike="noStrike" baseline="0" dirty="0">
+                <a:solidFill>
+                  <a:srgbClr val="0806E3"/>
+                </a:solidFill>
+                <a:latin typeface="MicrosoftYaHei"/>
+              </a:rPr>
+              <a:t>五</a:t>
+            </a:r>
+            <a:r>
+              <a:rPr lang="en-US" altLang="zh-CN" sz="3600" b="0" i="0" u="none" strike="noStrike" baseline="0" dirty="0">
+                <a:solidFill>
+                  <a:srgbClr val="0806E3"/>
+                </a:solidFill>
+                <a:latin typeface="MicrosoftYaHei"/>
+              </a:rPr>
+              <a:t>.</a:t>
+            </a:r>
+            <a:r>
+              <a:rPr lang="zh-CN" altLang="en-US" sz="3600" b="0" i="0" u="none" strike="noStrike" baseline="0" dirty="0">
+                <a:solidFill>
+                  <a:srgbClr val="0806E3"/>
+                </a:solidFill>
+                <a:latin typeface="MicrosoftYaHei"/>
+              </a:rPr>
+              <a:t>关于参赛论文的综合评述</a:t>
+            </a:r>
+            <a:endParaRPr lang="zh-CN" altLang="en-US" sz="7200" dirty="0"/>
+          </a:p>
+        </p:txBody>
+      </p:sp>
+      <p:sp>
+        <p:nvSpPr>
+          <p:cNvPr id="3" name="内容占位符 2"/>
           <p:cNvSpPr>
             <a:spLocks noGrp="1"/>
           </p:cNvSpPr>
@@ -12502,66 +10005,255 @@
           </a:bodyPr>
           <a:lstStyle/>
           <a:p>
-            <a:pPr marL="0" indent="0">
-              <a:lnSpc>
-                <a:spcPct val="120000"/>
-              </a:lnSpc>
+            <a:pPr marL="0" indent="0" algn="l">
               <a:buNone/>
             </a:pPr>
             <a:r>
-              <a:rPr lang="zh-CN" altLang="en-US" dirty="0">
-                <a:latin typeface="黑体" panose="02010609060101010101" pitchFamily="49" charset="-122"/>
-                <a:ea typeface="黑体" panose="02010609060101010101" pitchFamily="49" charset="-122"/>
-              </a:rPr>
-              <a:t>问题三：将各种突发事件归纳为四大类事件，将附件</a:t>
-            </a:r>
-            <a:r>
-              <a:rPr lang="en-US" altLang="zh-CN" dirty="0">
-                <a:latin typeface="黑体" panose="02010609060101010101" pitchFamily="49" charset="-122"/>
-                <a:ea typeface="黑体" panose="02010609060101010101" pitchFamily="49" charset="-122"/>
-              </a:rPr>
-              <a:t>2</a:t>
-            </a:r>
-            <a:r>
-              <a:rPr lang="zh-CN" altLang="en-US" dirty="0">
-                <a:latin typeface="黑体" panose="02010609060101010101" pitchFamily="49" charset="-122"/>
-                <a:ea typeface="黑体" panose="02010609060101010101" pitchFamily="49" charset="-122"/>
-              </a:rPr>
-              <a:t>中的</a:t>
-            </a:r>
-            <a:r>
-              <a:rPr lang="en-US" altLang="zh-CN" dirty="0">
-                <a:latin typeface="黑体" panose="02010609060101010101" pitchFamily="49" charset="-122"/>
-                <a:ea typeface="黑体" panose="02010609060101010101" pitchFamily="49" charset="-122"/>
-              </a:rPr>
-              <a:t>210</a:t>
-            </a:r>
-            <a:r>
-              <a:rPr lang="zh-CN" altLang="en-US" dirty="0">
-                <a:latin typeface="黑体" panose="02010609060101010101" pitchFamily="49" charset="-122"/>
-                <a:ea typeface="黑体" panose="02010609060101010101" pitchFamily="49" charset="-122"/>
-              </a:rPr>
-              <a:t>家企业归纳为五大行业，在此基础上进行分析。从三个方面引入突发事件因子来改进模型，分别是固定突发事件因子，变量突发事件因子，模型突发事件因子。再选取新冠肺炎突发事件作为具体实例，量化第一问提出的改进模型并进行求解，最终获得基于新冠肺炎突发事件下的信贷调整策略。</a:t>
-            </a:r>
-            <a:endParaRPr lang="en-US" altLang="zh-CN" dirty="0">
-              <a:latin typeface="黑体" panose="02010609060101010101" pitchFamily="49" charset="-122"/>
-              <a:ea typeface="黑体" panose="02010609060101010101" pitchFamily="49" charset="-122"/>
+              <a:rPr lang="en-US" altLang="zh-CN" b="0" i="0" u="none" strike="noStrike" baseline="0" dirty="0">
+                <a:solidFill>
+                  <a:srgbClr val="ED320C"/>
+                </a:solidFill>
+                <a:latin typeface="TimesNewRomanPSMT"/>
+              </a:rPr>
+              <a:t>1.</a:t>
+            </a:r>
+            <a:r>
+              <a:rPr lang="zh-CN" altLang="en-US" b="0" i="0" u="none" strike="noStrike" baseline="0" dirty="0">
+                <a:solidFill>
+                  <a:srgbClr val="ED320C"/>
+                </a:solidFill>
+                <a:latin typeface="楷体" panose="02010609060101010101" pitchFamily="49" charset="-122"/>
+                <a:ea typeface="楷体" panose="02010609060101010101" pitchFamily="49" charset="-122"/>
+              </a:rPr>
+              <a:t>总体情况概述</a:t>
+            </a:r>
+            <a:endParaRPr lang="zh-CN" altLang="en-US" b="0" i="0" u="none" strike="noStrike" baseline="0" dirty="0">
+              <a:solidFill>
+                <a:srgbClr val="ED320C"/>
+              </a:solidFill>
+              <a:latin typeface="楷体" panose="02010609060101010101" pitchFamily="49" charset="-122"/>
+              <a:ea typeface="楷体" panose="02010609060101010101" pitchFamily="49" charset="-122"/>
             </a:endParaRPr>
           </a:p>
           <a:p>
-            <a:pPr marL="0" indent="0">
+            <a:pPr marL="0" indent="0" algn="l">
               <a:buNone/>
             </a:pPr>
-            <a:endParaRPr lang="zh-CN" altLang="en-US" dirty="0"/>
+            <a:r>
+              <a:rPr lang="en-US" altLang="zh-CN" b="0" i="0" u="none" strike="noStrike" baseline="0" dirty="0">
+                <a:solidFill>
+                  <a:srgbClr val="0806E3"/>
+                </a:solidFill>
+                <a:latin typeface="TimesNewRomanPSMT"/>
+              </a:rPr>
+              <a:t>(1)</a:t>
+            </a:r>
+            <a:r>
+              <a:rPr lang="zh-CN" altLang="en-US" b="0" i="0" u="none" strike="noStrike" baseline="0" dirty="0">
+                <a:solidFill>
+                  <a:srgbClr val="0806E3"/>
+                </a:solidFill>
+                <a:latin typeface="楷体" panose="02010609060101010101" pitchFamily="49" charset="-122"/>
+                <a:ea typeface="楷体" panose="02010609060101010101" pitchFamily="49" charset="-122"/>
+              </a:rPr>
+              <a:t>实际的问题，实际的数据；易读易懂、看似容易，但要</a:t>
+            </a:r>
+            <a:endParaRPr lang="zh-CN" altLang="en-US" b="0" i="0" u="none" strike="noStrike" baseline="0" dirty="0">
+              <a:solidFill>
+                <a:srgbClr val="0806E3"/>
+              </a:solidFill>
+              <a:latin typeface="楷体" panose="02010609060101010101" pitchFamily="49" charset="-122"/>
+              <a:ea typeface="楷体" panose="02010609060101010101" pitchFamily="49" charset="-122"/>
+            </a:endParaRPr>
+          </a:p>
+          <a:p>
+            <a:pPr marL="0" indent="0" algn="l">
+              <a:buNone/>
+            </a:pPr>
+            <a:r>
+              <a:rPr lang="zh-CN" altLang="en-US" b="0" i="0" u="none" strike="noStrike" baseline="0" dirty="0">
+                <a:solidFill>
+                  <a:srgbClr val="0806E3"/>
+                </a:solidFill>
+                <a:latin typeface="楷体" panose="02010609060101010101" pitchFamily="49" charset="-122"/>
+                <a:ea typeface="楷体" panose="02010609060101010101" pitchFamily="49" charset="-122"/>
+              </a:rPr>
+              <a:t>真实地解决问题很难；开放性很强，也很有挑战性。虽然选</a:t>
+            </a:r>
+            <a:r>
+              <a:rPr lang="en-US" altLang="zh-CN" b="0" i="0" u="none" strike="noStrike" baseline="0" dirty="0">
+                <a:solidFill>
+                  <a:srgbClr val="0806E3"/>
+                </a:solidFill>
+                <a:latin typeface="TimesNewRomanPSMT"/>
+                <a:ea typeface="楷体" panose="02010609060101010101" pitchFamily="49" charset="-122"/>
+              </a:rPr>
+              <a:t>C</a:t>
+            </a:r>
+            <a:endParaRPr lang="en-US" altLang="zh-CN" b="0" i="0" u="none" strike="noStrike" baseline="0" dirty="0">
+              <a:solidFill>
+                <a:srgbClr val="0806E3"/>
+              </a:solidFill>
+              <a:latin typeface="TimesNewRomanPSMT"/>
+              <a:ea typeface="楷体" panose="02010609060101010101" pitchFamily="49" charset="-122"/>
+            </a:endParaRPr>
+          </a:p>
+          <a:p>
+            <a:pPr marL="0" indent="0" algn="l">
+              <a:buNone/>
+            </a:pPr>
+            <a:r>
+              <a:rPr lang="zh-CN" altLang="en-US" b="0" i="0" u="none" strike="noStrike" baseline="0" dirty="0">
+                <a:solidFill>
+                  <a:srgbClr val="0806E3"/>
+                </a:solidFill>
+                <a:latin typeface="楷体" panose="02010609060101010101" pitchFamily="49" charset="-122"/>
+                <a:ea typeface="楷体" panose="02010609060101010101" pitchFamily="49" charset="-122"/>
+              </a:rPr>
+              <a:t>题的很多，但针对问题深入研究的不多，完成质量高的更少。</a:t>
+            </a:r>
+            <a:endParaRPr lang="zh-CN" altLang="en-US" b="0" i="0" u="none" strike="noStrike" baseline="0" dirty="0">
+              <a:solidFill>
+                <a:srgbClr val="0806E3"/>
+              </a:solidFill>
+              <a:latin typeface="楷体" panose="02010609060101010101" pitchFamily="49" charset="-122"/>
+              <a:ea typeface="楷体" panose="02010609060101010101" pitchFamily="49" charset="-122"/>
+            </a:endParaRPr>
+          </a:p>
+          <a:p>
+            <a:pPr marL="0" indent="0" algn="l">
+              <a:buNone/>
+            </a:pPr>
+            <a:r>
+              <a:rPr lang="zh-CN" altLang="en-US" b="0" i="0" u="none" strike="noStrike" baseline="0" dirty="0">
+                <a:solidFill>
+                  <a:srgbClr val="0806E3"/>
+                </a:solidFill>
+                <a:latin typeface="楷体" panose="02010609060101010101" pitchFamily="49" charset="-122"/>
+                <a:ea typeface="楷体" panose="02010609060101010101" pitchFamily="49" charset="-122"/>
+              </a:rPr>
+              <a:t>获全国一、二等奖的比例远低于</a:t>
+            </a:r>
+            <a:r>
+              <a:rPr lang="en-US" altLang="zh-CN" b="0" i="0" u="none" strike="noStrike" baseline="0" dirty="0">
+                <a:solidFill>
+                  <a:srgbClr val="0806E3"/>
+                </a:solidFill>
+                <a:latin typeface="TimesNewRomanPSMT"/>
+                <a:ea typeface="楷体" panose="02010609060101010101" pitchFamily="49" charset="-122"/>
+              </a:rPr>
+              <a:t>A</a:t>
+            </a:r>
+            <a:r>
+              <a:rPr lang="zh-CN" altLang="en-US" b="0" i="0" u="none" strike="noStrike" baseline="0" dirty="0">
+                <a:solidFill>
+                  <a:srgbClr val="0806E3"/>
+                </a:solidFill>
+                <a:latin typeface="楷体" panose="02010609060101010101" pitchFamily="49" charset="-122"/>
+                <a:ea typeface="楷体" panose="02010609060101010101" pitchFamily="49" charset="-122"/>
+              </a:rPr>
+              <a:t>、</a:t>
+            </a:r>
+            <a:r>
+              <a:rPr lang="en-US" altLang="zh-CN" b="0" i="0" u="none" strike="noStrike" baseline="0" dirty="0">
+                <a:solidFill>
+                  <a:srgbClr val="0806E3"/>
+                </a:solidFill>
+                <a:latin typeface="TimesNewRomanPSMT"/>
+                <a:ea typeface="楷体" panose="02010609060101010101" pitchFamily="49" charset="-122"/>
+              </a:rPr>
+              <a:t>B</a:t>
+            </a:r>
+            <a:r>
+              <a:rPr lang="zh-CN" altLang="en-US" b="0" i="0" u="none" strike="noStrike" baseline="0" dirty="0">
+                <a:solidFill>
+                  <a:srgbClr val="0806E3"/>
+                </a:solidFill>
+                <a:latin typeface="楷体" panose="02010609060101010101" pitchFamily="49" charset="-122"/>
+                <a:ea typeface="楷体" panose="02010609060101010101" pitchFamily="49" charset="-122"/>
+              </a:rPr>
+              <a:t>题的获奖率。</a:t>
+            </a:r>
+            <a:endParaRPr lang="zh-CN" altLang="en-US" b="0" i="0" u="none" strike="noStrike" baseline="0" dirty="0">
+              <a:solidFill>
+                <a:srgbClr val="0806E3"/>
+              </a:solidFill>
+              <a:latin typeface="楷体" panose="02010609060101010101" pitchFamily="49" charset="-122"/>
+              <a:ea typeface="楷体" panose="02010609060101010101" pitchFamily="49" charset="-122"/>
+            </a:endParaRPr>
+          </a:p>
+          <a:p>
+            <a:pPr marL="0" indent="0" algn="l">
+              <a:buNone/>
+            </a:pPr>
+            <a:r>
+              <a:rPr lang="en-US" altLang="zh-CN" b="0" i="0" u="none" strike="noStrike" baseline="0" dirty="0">
+                <a:solidFill>
+                  <a:srgbClr val="000000"/>
+                </a:solidFill>
+                <a:latin typeface="TimesNewRomanPSMT"/>
+              </a:rPr>
+              <a:t>(2)</a:t>
+            </a:r>
+            <a:r>
+              <a:rPr lang="zh-CN" altLang="en-US" b="0" i="0" u="none" strike="noStrike" baseline="0" dirty="0">
+                <a:solidFill>
+                  <a:srgbClr val="000000"/>
+                </a:solidFill>
+                <a:latin typeface="楷体" panose="02010609060101010101" pitchFamily="49" charset="-122"/>
+                <a:ea typeface="楷体" panose="02010609060101010101" pitchFamily="49" charset="-122"/>
+              </a:rPr>
+              <a:t>大多数的参赛队对问题的理解是正确的，能够抓住问题</a:t>
+            </a:r>
+            <a:endParaRPr lang="zh-CN" altLang="en-US" b="0" i="0" u="none" strike="noStrike" baseline="0" dirty="0">
+              <a:solidFill>
+                <a:srgbClr val="000000"/>
+              </a:solidFill>
+              <a:latin typeface="楷体" panose="02010609060101010101" pitchFamily="49" charset="-122"/>
+              <a:ea typeface="楷体" panose="02010609060101010101" pitchFamily="49" charset="-122"/>
+            </a:endParaRPr>
+          </a:p>
+          <a:p>
+            <a:pPr marL="0" indent="0" algn="l">
+              <a:buNone/>
+            </a:pPr>
+            <a:r>
+              <a:rPr lang="zh-CN" altLang="en-US" b="0" i="0" u="none" strike="noStrike" baseline="0" dirty="0">
+                <a:solidFill>
+                  <a:srgbClr val="000000"/>
+                </a:solidFill>
+                <a:latin typeface="楷体" panose="02010609060101010101" pitchFamily="49" charset="-122"/>
+                <a:ea typeface="楷体" panose="02010609060101010101" pitchFamily="49" charset="-122"/>
+              </a:rPr>
+              <a:t>的核心和实际要求，正确地处理和利用实际数据，并做了相应</a:t>
+            </a:r>
+            <a:endParaRPr lang="zh-CN" altLang="en-US" b="0" i="0" u="none" strike="noStrike" baseline="0" dirty="0">
+              <a:solidFill>
+                <a:srgbClr val="000000"/>
+              </a:solidFill>
+              <a:latin typeface="楷体" panose="02010609060101010101" pitchFamily="49" charset="-122"/>
+              <a:ea typeface="楷体" panose="02010609060101010101" pitchFamily="49" charset="-122"/>
+            </a:endParaRPr>
+          </a:p>
+          <a:p>
+            <a:pPr marL="0" indent="0" algn="l">
+              <a:buNone/>
+            </a:pPr>
+            <a:r>
+              <a:rPr lang="zh-CN" altLang="en-US" b="0" i="0" u="none" strike="noStrike" baseline="0" dirty="0">
+                <a:solidFill>
+                  <a:srgbClr val="000000"/>
+                </a:solidFill>
+                <a:latin typeface="楷体" panose="02010609060101010101" pitchFamily="49" charset="-122"/>
+                <a:ea typeface="楷体" panose="02010609060101010101" pitchFamily="49" charset="-122"/>
+              </a:rPr>
+              <a:t>的机理分析，建立了信贷风险量化模型和信贷决策的优化模型。</a:t>
+            </a:r>
+            <a:endParaRPr lang="zh-CN" altLang="en-US" sz="4000" dirty="0"/>
           </a:p>
         </p:txBody>
       </p:sp>
     </p:spTree>
-    <p:extLst>
-      <p:ext uri="{BB962C8B-B14F-4D97-AF65-F5344CB8AC3E}">
-        <p14:creationId xmlns:p14="http://schemas.microsoft.com/office/powerpoint/2010/main" val="916857083"/>
-      </p:ext>
-    </p:extLst>
   </p:cSld>
   <p:clrMapOvr>
     <a:masterClrMapping/>
@@ -12588,13 +10280,270 @@
       </p:grpSpPr>
       <p:sp>
         <p:nvSpPr>
-          <p:cNvPr id="2" name="标题 1">
-            <a:extLst>
-              <a:ext uri="{FF2B5EF4-FFF2-40B4-BE49-F238E27FC236}">
-                <a16:creationId xmlns:a16="http://schemas.microsoft.com/office/drawing/2014/main" id="{1F3F46F1-E019-F3B2-11F7-DD893220EEBA}"/>
-              </a:ext>
-            </a:extLst>
-          </p:cNvPr>
+          <p:cNvPr id="3" name="内容占位符 2"/>
+          <p:cNvSpPr>
+            <a:spLocks noGrp="1"/>
+          </p:cNvSpPr>
+          <p:nvPr>
+            <p:ph idx="1"/>
+          </p:nvPr>
+        </p:nvSpPr>
+        <p:spPr/>
+        <p:txBody>
+          <a:bodyPr>
+            <a:normAutofit/>
+          </a:bodyPr>
+          <a:lstStyle/>
+          <a:p>
+            <a:pPr marL="0" indent="0">
+              <a:buNone/>
+            </a:pPr>
+            <a:r>
+              <a:rPr lang="en-US" altLang="zh-CN" b="0" i="0" u="none" strike="noStrike" baseline="0" dirty="0">
+                <a:solidFill>
+                  <a:srgbClr val="0806E2"/>
+                </a:solidFill>
+                <a:latin typeface="ArialMT"/>
+              </a:rPr>
+              <a:t>•</a:t>
+            </a:r>
+            <a:r>
+              <a:rPr lang="zh-CN" altLang="en-US" b="0" i="0" u="none" strike="noStrike" baseline="0" dirty="0">
+                <a:solidFill>
+                  <a:srgbClr val="0806E2"/>
+                </a:solidFill>
+                <a:latin typeface="楷体" panose="02010609060101010101" pitchFamily="49" charset="-122"/>
+                <a:ea typeface="楷体" panose="02010609060101010101" pitchFamily="49" charset="-122"/>
+              </a:rPr>
+              <a:t>能够准确地抓住了问题的核心，真正从问题出发深入地分析问</a:t>
+            </a:r>
+            <a:endParaRPr lang="zh-CN" altLang="en-US" b="0" i="0" u="none" strike="noStrike" baseline="0" dirty="0">
+              <a:solidFill>
+                <a:srgbClr val="0806E2"/>
+              </a:solidFill>
+              <a:latin typeface="楷体" panose="02010609060101010101" pitchFamily="49" charset="-122"/>
+              <a:ea typeface="楷体" panose="02010609060101010101" pitchFamily="49" charset="-122"/>
+            </a:endParaRPr>
+          </a:p>
+          <a:p>
+            <a:pPr marL="0" indent="0">
+              <a:buNone/>
+            </a:pPr>
+            <a:r>
+              <a:rPr lang="zh-CN" altLang="en-US" b="0" i="0" u="none" strike="noStrike" baseline="0" dirty="0">
+                <a:solidFill>
+                  <a:srgbClr val="0806E2"/>
+                </a:solidFill>
+                <a:latin typeface="楷体" panose="02010609060101010101" pitchFamily="49" charset="-122"/>
+                <a:ea typeface="楷体" panose="02010609060101010101" pitchFamily="49" charset="-122"/>
+              </a:rPr>
+              <a:t>题、自主地研究问题、很好地解决了问题。</a:t>
+            </a:r>
+            <a:r>
+              <a:rPr lang="en-US" altLang="zh-CN" b="0" i="0" u="none" strike="noStrike" baseline="0" dirty="0">
+                <a:solidFill>
+                  <a:srgbClr val="E4080E"/>
+                </a:solidFill>
+                <a:latin typeface="楷体" panose="02010609060101010101" pitchFamily="49" charset="-122"/>
+                <a:ea typeface="楷体" panose="02010609060101010101" pitchFamily="49" charset="-122"/>
+              </a:rPr>
+              <a:t>-</a:t>
+            </a:r>
+            <a:r>
+              <a:rPr lang="zh-CN" altLang="en-US" b="0" i="0" u="none" strike="noStrike" baseline="0" dirty="0">
+                <a:solidFill>
+                  <a:srgbClr val="E4080E"/>
+                </a:solidFill>
+                <a:latin typeface="楷体" panose="02010609060101010101" pitchFamily="49" charset="-122"/>
+                <a:ea typeface="楷体" panose="02010609060101010101" pitchFamily="49" charset="-122"/>
+              </a:rPr>
+              <a:t>真正在研究问题！</a:t>
+            </a:r>
+            <a:endParaRPr lang="zh-CN" altLang="en-US" b="0" i="0" u="none" strike="noStrike" baseline="0" dirty="0">
+              <a:solidFill>
+                <a:srgbClr val="E4080E"/>
+              </a:solidFill>
+              <a:latin typeface="楷体" panose="02010609060101010101" pitchFamily="49" charset="-122"/>
+              <a:ea typeface="楷体" panose="02010609060101010101" pitchFamily="49" charset="-122"/>
+            </a:endParaRPr>
+          </a:p>
+          <a:p>
+            <a:pPr marL="0" indent="0">
+              <a:buNone/>
+            </a:pPr>
+            <a:r>
+              <a:rPr lang="en-US" altLang="zh-CN" b="0" i="0" u="none" strike="noStrike" baseline="0" dirty="0">
+                <a:solidFill>
+                  <a:srgbClr val="000000"/>
+                </a:solidFill>
+                <a:latin typeface="ArialMT"/>
+              </a:rPr>
+              <a:t>•</a:t>
+            </a:r>
+            <a:r>
+              <a:rPr lang="zh-CN" altLang="en-US" b="0" i="0" u="none" strike="noStrike" baseline="0" dirty="0">
+                <a:solidFill>
+                  <a:srgbClr val="000000"/>
+                </a:solidFill>
+                <a:latin typeface="楷体" panose="02010609060101010101" pitchFamily="49" charset="-122"/>
+                <a:ea typeface="楷体" panose="02010609060101010101" pitchFamily="49" charset="-122"/>
+              </a:rPr>
+              <a:t>根据附件</a:t>
+            </a:r>
+            <a:r>
+              <a:rPr lang="en-US" altLang="zh-CN" b="0" i="0" u="none" strike="noStrike" baseline="0" dirty="0">
+                <a:solidFill>
+                  <a:srgbClr val="000000"/>
+                </a:solidFill>
+                <a:latin typeface="TimesNewRomanPSMT"/>
+                <a:ea typeface="楷体" panose="02010609060101010101" pitchFamily="49" charset="-122"/>
+              </a:rPr>
+              <a:t>1</a:t>
+            </a:r>
+            <a:r>
+              <a:rPr lang="zh-CN" altLang="en-US" b="0" i="0" u="none" strike="noStrike" baseline="0" dirty="0">
+                <a:solidFill>
+                  <a:srgbClr val="000000"/>
+                </a:solidFill>
+                <a:latin typeface="楷体" panose="02010609060101010101" pitchFamily="49" charset="-122"/>
+                <a:ea typeface="楷体" panose="02010609060101010101" pitchFamily="49" charset="-122"/>
+              </a:rPr>
+              <a:t>的数据，分析提炼出了反映企业综合实力和信誉的指</a:t>
+            </a:r>
+            <a:endParaRPr lang="zh-CN" altLang="en-US" b="0" i="0" u="none" strike="noStrike" baseline="0" dirty="0">
+              <a:solidFill>
+                <a:srgbClr val="000000"/>
+              </a:solidFill>
+              <a:latin typeface="楷体" panose="02010609060101010101" pitchFamily="49" charset="-122"/>
+              <a:ea typeface="楷体" panose="02010609060101010101" pitchFamily="49" charset="-122"/>
+            </a:endParaRPr>
+          </a:p>
+          <a:p>
+            <a:pPr marL="0" indent="0">
+              <a:buNone/>
+            </a:pPr>
+            <a:r>
+              <a:rPr lang="zh-CN" altLang="en-US" b="0" i="0" u="none" strike="noStrike" baseline="0" dirty="0">
+                <a:solidFill>
+                  <a:srgbClr val="000000"/>
+                </a:solidFill>
+                <a:latin typeface="楷体" panose="02010609060101010101" pitchFamily="49" charset="-122"/>
+                <a:ea typeface="楷体" panose="02010609060101010101" pitchFamily="49" charset="-122"/>
+              </a:rPr>
+              <a:t>标，利用机器学习方法得出了各企业的</a:t>
+            </a:r>
+            <a:r>
+              <a:rPr lang="zh-CN" altLang="en-US" b="0" i="0" u="none" strike="noStrike" baseline="0" dirty="0">
+                <a:solidFill>
+                  <a:srgbClr val="530607"/>
+                </a:solidFill>
+                <a:latin typeface="楷体" panose="02010609060101010101" pitchFamily="49" charset="-122"/>
+                <a:ea typeface="楷体" panose="02010609060101010101" pitchFamily="49" charset="-122"/>
+              </a:rPr>
+              <a:t>信贷违</a:t>
+            </a:r>
+            <a:r>
+              <a:rPr lang="zh-CN" altLang="en-US" b="0" i="0" u="none" strike="noStrike" baseline="0" dirty="0">
+                <a:solidFill>
+                  <a:srgbClr val="E4080E"/>
+                </a:solidFill>
+                <a:latin typeface="楷体" panose="02010609060101010101" pitchFamily="49" charset="-122"/>
+                <a:ea typeface="楷体" panose="02010609060101010101" pitchFamily="49" charset="-122"/>
+              </a:rPr>
+              <a:t>约概率</a:t>
+            </a:r>
+            <a:r>
+              <a:rPr lang="zh-CN" altLang="en-US" b="0" i="0" u="none" strike="noStrike" baseline="0" dirty="0">
+                <a:solidFill>
+                  <a:srgbClr val="000000"/>
+                </a:solidFill>
+                <a:latin typeface="楷体" panose="02010609060101010101" pitchFamily="49" charset="-122"/>
+                <a:ea typeface="楷体" panose="02010609060101010101" pitchFamily="49" charset="-122"/>
+              </a:rPr>
+              <a:t>一信贷风险。</a:t>
+            </a:r>
+            <a:endParaRPr lang="zh-CN" altLang="en-US" b="0" i="0" u="none" strike="noStrike" baseline="0" dirty="0">
+              <a:solidFill>
+                <a:srgbClr val="000000"/>
+              </a:solidFill>
+              <a:latin typeface="楷体" panose="02010609060101010101" pitchFamily="49" charset="-122"/>
+              <a:ea typeface="楷体" panose="02010609060101010101" pitchFamily="49" charset="-122"/>
+            </a:endParaRPr>
+          </a:p>
+          <a:p>
+            <a:pPr marL="0" indent="0">
+              <a:buNone/>
+            </a:pPr>
+            <a:r>
+              <a:rPr lang="en-US" altLang="zh-CN" b="0" i="0" u="none" strike="noStrike" baseline="0" dirty="0">
+                <a:solidFill>
+                  <a:srgbClr val="0806E2"/>
+                </a:solidFill>
+                <a:latin typeface="ArialMT"/>
+              </a:rPr>
+              <a:t>•</a:t>
+            </a:r>
+            <a:r>
+              <a:rPr lang="zh-CN" altLang="en-US" b="0" i="0" u="none" strike="noStrike" baseline="0" dirty="0">
+                <a:solidFill>
+                  <a:srgbClr val="0806E2"/>
+                </a:solidFill>
+                <a:latin typeface="楷体" panose="02010609060101010101" pitchFamily="49" charset="-122"/>
+                <a:ea typeface="楷体" panose="02010609060101010101" pitchFamily="49" charset="-122"/>
+              </a:rPr>
+              <a:t>依据实际，综合考虑银行放贷总额和总收益、企业贷款利率、</a:t>
+            </a:r>
+            <a:endParaRPr lang="zh-CN" altLang="en-US" b="0" i="0" u="none" strike="noStrike" baseline="0" dirty="0">
+              <a:solidFill>
+                <a:srgbClr val="0806E2"/>
+              </a:solidFill>
+              <a:latin typeface="楷体" panose="02010609060101010101" pitchFamily="49" charset="-122"/>
+              <a:ea typeface="楷体" panose="02010609060101010101" pitchFamily="49" charset="-122"/>
+            </a:endParaRPr>
+          </a:p>
+          <a:p>
+            <a:pPr marL="0" indent="0">
+              <a:buNone/>
+            </a:pPr>
+            <a:r>
+              <a:rPr lang="zh-CN" altLang="en-US" b="0" i="0" u="none" strike="noStrike" baseline="0" dirty="0">
+                <a:solidFill>
+                  <a:srgbClr val="0806E2"/>
+                </a:solidFill>
+                <a:latin typeface="楷体" panose="02010609060101010101" pitchFamily="49" charset="-122"/>
+                <a:ea typeface="楷体" panose="02010609060101010101" pitchFamily="49" charset="-122"/>
+              </a:rPr>
+              <a:t>额度、违约概率和利率与流失率的关系等，建立了以银行总期望</a:t>
+            </a:r>
+            <a:endParaRPr lang="zh-CN" altLang="en-US" b="0" i="0" u="none" strike="noStrike" baseline="0" dirty="0">
+              <a:solidFill>
+                <a:srgbClr val="0806E2"/>
+              </a:solidFill>
+              <a:latin typeface="楷体" panose="02010609060101010101" pitchFamily="49" charset="-122"/>
+              <a:ea typeface="楷体" panose="02010609060101010101" pitchFamily="49" charset="-122"/>
+            </a:endParaRPr>
+          </a:p>
+          <a:p>
+            <a:pPr marL="0" indent="0">
+              <a:buNone/>
+            </a:pPr>
+            <a:r>
+              <a:rPr lang="zh-CN" altLang="en-US" b="0" i="0" u="none" strike="noStrike" baseline="0" dirty="0">
+                <a:solidFill>
+                  <a:srgbClr val="0806E2"/>
+                </a:solidFill>
+                <a:latin typeface="楷体" panose="02010609060101010101" pitchFamily="49" charset="-122"/>
+                <a:ea typeface="楷体" panose="02010609060101010101" pitchFamily="49" charset="-122"/>
+              </a:rPr>
+              <a:t>收益最大化的优化决策模型，求解给出了合理的信贷策略。</a:t>
+            </a:r>
+            <a:endParaRPr lang="zh-CN" altLang="en-US" sz="4000" dirty="0"/>
+          </a:p>
+        </p:txBody>
+      </p:sp>
+      <p:sp>
+        <p:nvSpPr>
+          <p:cNvPr id="7" name="标题 1"/>
           <p:cNvSpPr>
             <a:spLocks noGrp="1"/>
           </p:cNvSpPr>
@@ -12602,248 +10551,25 @@
             <p:ph type="title"/>
           </p:nvPr>
         </p:nvSpPr>
-        <p:spPr/>
-        <p:txBody>
-          <a:bodyPr>
-            <a:normAutofit/>
-          </a:bodyPr>
+        <p:spPr>
+          <a:xfrm>
+            <a:off x="838200" y="365125"/>
+            <a:ext cx="10515600" cy="1325563"/>
+          </a:xfrm>
+        </p:spPr>
+        <p:txBody>
+          <a:bodyPr/>
           <a:lstStyle/>
           <a:p>
             <a:r>
-              <a:rPr lang="zh-CN" altLang="en-US" b="1" dirty="0"/>
-              <a:t>评委关于参赛论文的综合评述</a:t>
-            </a:r>
-          </a:p>
-        </p:txBody>
-      </p:sp>
-      <p:sp>
-        <p:nvSpPr>
-          <p:cNvPr id="3" name="内容占位符 2">
-            <a:extLst>
-              <a:ext uri="{FF2B5EF4-FFF2-40B4-BE49-F238E27FC236}">
-                <a16:creationId xmlns:a16="http://schemas.microsoft.com/office/drawing/2014/main" id="{92787A41-8CAB-8C9E-F3A5-D369017033B1}"/>
-              </a:ext>
-            </a:extLst>
-          </p:cNvPr>
-          <p:cNvSpPr>
-            <a:spLocks noGrp="1"/>
-          </p:cNvSpPr>
-          <p:nvPr>
-            <p:ph idx="1"/>
-          </p:nvPr>
-        </p:nvSpPr>
-        <p:spPr/>
-        <p:txBody>
-          <a:bodyPr>
-            <a:normAutofit/>
-          </a:bodyPr>
-          <a:lstStyle/>
-          <a:p>
-            <a:pPr marL="0" indent="0" algn="l">
-              <a:buNone/>
-            </a:pPr>
-            <a:r>
-              <a:rPr lang="en-US" altLang="zh-CN" b="0" i="0" u="none" strike="noStrike" baseline="0" dirty="0">
-                <a:solidFill>
-                  <a:srgbClr val="ED320C"/>
-                </a:solidFill>
-                <a:latin typeface="TimesNewRomanPSMT"/>
-              </a:rPr>
-              <a:t>1.</a:t>
-            </a:r>
-            <a:r>
-              <a:rPr lang="zh-CN" altLang="en-US" b="0" i="0" u="none" strike="noStrike" baseline="0" dirty="0">
-                <a:solidFill>
-                  <a:srgbClr val="ED320C"/>
-                </a:solidFill>
-                <a:latin typeface="楷体" panose="02010609060101010101" pitchFamily="49" charset="-122"/>
-                <a:ea typeface="楷体" panose="02010609060101010101" pitchFamily="49" charset="-122"/>
-              </a:rPr>
-              <a:t>总体情况概述</a:t>
-            </a:r>
-          </a:p>
-          <a:p>
-            <a:pPr marL="0" indent="0" algn="l">
-              <a:buNone/>
-            </a:pPr>
-            <a:r>
-              <a:rPr lang="en-US" altLang="zh-CN" b="0" i="0" u="none" strike="noStrike" baseline="0" dirty="0">
-                <a:solidFill>
-                  <a:srgbClr val="0806E3"/>
-                </a:solidFill>
-                <a:latin typeface="TimesNewRomanPSMT"/>
-              </a:rPr>
-              <a:t>(1)</a:t>
-            </a:r>
-            <a:r>
-              <a:rPr lang="zh-CN" altLang="en-US" b="0" i="0" u="none" strike="noStrike" baseline="0" dirty="0">
-                <a:solidFill>
-                  <a:srgbClr val="0806E3"/>
-                </a:solidFill>
-                <a:latin typeface="楷体" panose="02010609060101010101" pitchFamily="49" charset="-122"/>
-                <a:ea typeface="楷体" panose="02010609060101010101" pitchFamily="49" charset="-122"/>
-              </a:rPr>
-              <a:t>实际的问题，实际的数据；易读易懂、看似容易，但要</a:t>
-            </a:r>
-          </a:p>
-          <a:p>
-            <a:pPr marL="0" indent="0" algn="l">
-              <a:buNone/>
-            </a:pPr>
-            <a:r>
-              <a:rPr lang="zh-CN" altLang="en-US" b="0" i="0" u="none" strike="noStrike" baseline="0" dirty="0">
-                <a:solidFill>
-                  <a:srgbClr val="0806E3"/>
-                </a:solidFill>
-                <a:latin typeface="楷体" panose="02010609060101010101" pitchFamily="49" charset="-122"/>
-                <a:ea typeface="楷体" panose="02010609060101010101" pitchFamily="49" charset="-122"/>
-              </a:rPr>
-              <a:t>真实地解决问题很难；开放性很强，也很有挑战性。虽然选</a:t>
-            </a:r>
-            <a:r>
-              <a:rPr lang="en-US" altLang="zh-CN" b="0" i="0" u="none" strike="noStrike" baseline="0" dirty="0">
-                <a:solidFill>
-                  <a:srgbClr val="0806E3"/>
-                </a:solidFill>
-                <a:latin typeface="TimesNewRomanPSMT"/>
-                <a:ea typeface="楷体" panose="02010609060101010101" pitchFamily="49" charset="-122"/>
-              </a:rPr>
-              <a:t>C</a:t>
-            </a:r>
-          </a:p>
-          <a:p>
-            <a:pPr marL="0" indent="0" algn="l">
-              <a:buNone/>
-            </a:pPr>
-            <a:r>
-              <a:rPr lang="zh-CN" altLang="en-US" b="0" i="0" u="none" strike="noStrike" baseline="0" dirty="0">
-                <a:solidFill>
-                  <a:srgbClr val="0806E3"/>
-                </a:solidFill>
-                <a:latin typeface="楷体" panose="02010609060101010101" pitchFamily="49" charset="-122"/>
-                <a:ea typeface="楷体" panose="02010609060101010101" pitchFamily="49" charset="-122"/>
-              </a:rPr>
-              <a:t>题的很多，但针对问题深入研究的不多，完成质量高的更少。</a:t>
-            </a:r>
-          </a:p>
-          <a:p>
-            <a:pPr marL="0" indent="0" algn="l">
-              <a:buNone/>
-            </a:pPr>
-            <a:r>
-              <a:rPr lang="zh-CN" altLang="en-US" b="0" i="0" u="none" strike="noStrike" baseline="0" dirty="0">
-                <a:solidFill>
-                  <a:srgbClr val="0806E3"/>
-                </a:solidFill>
-                <a:latin typeface="楷体" panose="02010609060101010101" pitchFamily="49" charset="-122"/>
-                <a:ea typeface="楷体" panose="02010609060101010101" pitchFamily="49" charset="-122"/>
-              </a:rPr>
-              <a:t>获全国一、二等奖的比例远低于</a:t>
-            </a:r>
-            <a:r>
-              <a:rPr lang="en-US" altLang="zh-CN" b="0" i="0" u="none" strike="noStrike" baseline="0" dirty="0">
-                <a:solidFill>
-                  <a:srgbClr val="0806E3"/>
-                </a:solidFill>
-                <a:latin typeface="TimesNewRomanPSMT"/>
-                <a:ea typeface="楷体" panose="02010609060101010101" pitchFamily="49" charset="-122"/>
-              </a:rPr>
-              <a:t>A</a:t>
-            </a:r>
-            <a:r>
-              <a:rPr lang="zh-CN" altLang="en-US" b="0" i="0" u="none" strike="noStrike" baseline="0" dirty="0">
-                <a:solidFill>
-                  <a:srgbClr val="0806E3"/>
-                </a:solidFill>
-                <a:latin typeface="楷体" panose="02010609060101010101" pitchFamily="49" charset="-122"/>
-                <a:ea typeface="楷体" panose="02010609060101010101" pitchFamily="49" charset="-122"/>
-              </a:rPr>
-              <a:t>、</a:t>
-            </a:r>
-            <a:r>
-              <a:rPr lang="en-US" altLang="zh-CN" b="0" i="0" u="none" strike="noStrike" baseline="0" dirty="0">
-                <a:solidFill>
-                  <a:srgbClr val="0806E3"/>
-                </a:solidFill>
-                <a:latin typeface="TimesNewRomanPSMT"/>
-                <a:ea typeface="楷体" panose="02010609060101010101" pitchFamily="49" charset="-122"/>
-              </a:rPr>
-              <a:t>B</a:t>
-            </a:r>
-            <a:r>
-              <a:rPr lang="zh-CN" altLang="en-US" b="0" i="0" u="none" strike="noStrike" baseline="0" dirty="0">
-                <a:solidFill>
-                  <a:srgbClr val="0806E3"/>
-                </a:solidFill>
-                <a:latin typeface="楷体" panose="02010609060101010101" pitchFamily="49" charset="-122"/>
-                <a:ea typeface="楷体" panose="02010609060101010101" pitchFamily="49" charset="-122"/>
-              </a:rPr>
-              <a:t>题的获奖率。</a:t>
-            </a:r>
-          </a:p>
-          <a:p>
-            <a:pPr marL="0" indent="0" algn="l">
-              <a:buNone/>
-            </a:pPr>
-            <a:r>
-              <a:rPr lang="en-US" altLang="zh-CN" b="0" i="0" u="none" strike="noStrike" baseline="0" dirty="0">
-                <a:solidFill>
-                  <a:srgbClr val="000000"/>
-                </a:solidFill>
-                <a:latin typeface="TimesNewRomanPSMT"/>
-              </a:rPr>
-              <a:t>(2)</a:t>
-            </a:r>
-            <a:r>
-              <a:rPr lang="zh-CN" altLang="en-US" b="0" i="0" u="none" strike="noStrike" baseline="0" dirty="0">
-                <a:solidFill>
-                  <a:srgbClr val="000000"/>
-                </a:solidFill>
-                <a:latin typeface="楷体" panose="02010609060101010101" pitchFamily="49" charset="-122"/>
-                <a:ea typeface="楷体" panose="02010609060101010101" pitchFamily="49" charset="-122"/>
-              </a:rPr>
-              <a:t>大多数的参赛队对问题的理解是正确的，能够抓住问题</a:t>
-            </a:r>
-          </a:p>
-          <a:p>
-            <a:pPr marL="0" indent="0" algn="l">
-              <a:buNone/>
-            </a:pPr>
-            <a:r>
-              <a:rPr lang="zh-CN" altLang="en-US" b="0" i="0" u="none" strike="noStrike" baseline="0" dirty="0">
-                <a:solidFill>
-                  <a:srgbClr val="000000"/>
-                </a:solidFill>
-                <a:latin typeface="楷体" panose="02010609060101010101" pitchFamily="49" charset="-122"/>
-                <a:ea typeface="楷体" panose="02010609060101010101" pitchFamily="49" charset="-122"/>
-              </a:rPr>
-              <a:t>的核心和实际要求，正确地处理和利用实际数据，并做了相应</a:t>
-            </a:r>
-          </a:p>
-          <a:p>
-            <a:pPr marL="0" indent="0" algn="l">
-              <a:buNone/>
-            </a:pPr>
-            <a:r>
-              <a:rPr lang="zh-CN" altLang="en-US" b="0" i="0" u="none" strike="noStrike" baseline="0" dirty="0">
-                <a:solidFill>
-                  <a:srgbClr val="000000"/>
-                </a:solidFill>
-                <a:latin typeface="楷体" panose="02010609060101010101" pitchFamily="49" charset="-122"/>
-                <a:ea typeface="楷体" panose="02010609060101010101" pitchFamily="49" charset="-122"/>
-              </a:rPr>
-              <a:t>的机理分析，建立了信贷风险量化模型和信贷决策的优化模型。</a:t>
-            </a:r>
-            <a:endParaRPr lang="zh-CN" altLang="en-US" sz="4000" dirty="0"/>
+              <a:rPr lang="zh-CN" altLang="en-US" dirty="0"/>
+              <a:t>获奖队伍</a:t>
+            </a:r>
+            <a:endParaRPr lang="zh-CN" altLang="en-US" dirty="0"/>
           </a:p>
         </p:txBody>
       </p:sp>
     </p:spTree>
-    <p:extLst>
-      <p:ext uri="{BB962C8B-B14F-4D97-AF65-F5344CB8AC3E}">
-        <p14:creationId xmlns:p14="http://schemas.microsoft.com/office/powerpoint/2010/main" val="1742696996"/>
-      </p:ext>
-    </p:extLst>
   </p:cSld>
   <p:clrMapOvr>
     <a:masterClrMapping/>
@@ -12870,13 +10596,30 @@
       </p:grpSpPr>
       <p:sp>
         <p:nvSpPr>
-          <p:cNvPr id="3" name="内容占位符 2">
-            <a:extLst>
-              <a:ext uri="{FF2B5EF4-FFF2-40B4-BE49-F238E27FC236}">
-                <a16:creationId xmlns:a16="http://schemas.microsoft.com/office/drawing/2014/main" id="{53A56D8B-ED79-EBBC-4E30-7C2C2A23EA18}"/>
-              </a:ext>
-            </a:extLst>
-          </p:cNvPr>
+          <p:cNvPr id="2" name="标题 1"/>
+          <p:cNvSpPr>
+            <a:spLocks noGrp="1"/>
+          </p:cNvSpPr>
+          <p:nvPr>
+            <p:ph type="title"/>
+          </p:nvPr>
+        </p:nvSpPr>
+        <p:spPr/>
+        <p:txBody>
+          <a:bodyPr/>
+          <a:lstStyle/>
+          <a:p>
+            <a:r>
+              <a:rPr lang="zh-CN" altLang="en-US" dirty="0"/>
+              <a:t>存在问题</a:t>
+            </a:r>
+            <a:endParaRPr lang="zh-CN" altLang="en-US" dirty="0"/>
+          </a:p>
+        </p:txBody>
+      </p:sp>
+      <p:sp>
+        <p:nvSpPr>
+          <p:cNvPr id="3" name="内容占位符 2"/>
           <p:cNvSpPr>
             <a:spLocks noGrp="1"/>
           </p:cNvSpPr>
@@ -12887,253 +10630,107 @@
         <p:spPr/>
         <p:txBody>
           <a:bodyPr>
-            <a:normAutofit/>
+            <a:normAutofit fontScale="87500" lnSpcReduction="10000"/>
           </a:bodyPr>
           <a:lstStyle/>
           <a:p>
             <a:pPr marL="0" indent="0">
+              <a:lnSpc>
+                <a:spcPct val="120000"/>
+              </a:lnSpc>
               <a:buNone/>
             </a:pPr>
             <a:r>
-              <a:rPr lang="en-US" altLang="zh-CN" b="0" i="0" u="none" strike="noStrike" baseline="0" dirty="0">
-                <a:solidFill>
-                  <a:srgbClr val="0806E2"/>
-                </a:solidFill>
-                <a:latin typeface="ArialMT"/>
-              </a:rPr>
-              <a:t>•</a:t>
-            </a:r>
-            <a:r>
-              <a:rPr lang="zh-CN" altLang="en-US" b="0" i="0" u="none" strike="noStrike" baseline="0" dirty="0">
-                <a:solidFill>
-                  <a:srgbClr val="0806E2"/>
-                </a:solidFill>
-                <a:latin typeface="楷体" panose="02010609060101010101" pitchFamily="49" charset="-122"/>
-                <a:ea typeface="楷体" panose="02010609060101010101" pitchFamily="49" charset="-122"/>
-              </a:rPr>
-              <a:t>能够准确地抓住了问题的核心，真正从问题出发深入地分析问</a:t>
-            </a:r>
+              <a:rPr lang="zh-CN" altLang="en-US" dirty="0"/>
+              <a:t> </a:t>
+            </a:r>
+            <a:r>
+              <a:rPr lang="en-US" altLang="zh-CN" dirty="0"/>
+              <a:t>(1)</a:t>
+            </a:r>
+            <a:r>
+              <a:rPr lang="zh-CN" altLang="en-US" dirty="0"/>
+              <a:t>有些参赛论文不针对实际问题和数据，没有抓住核心问题，考虑了一些无知的因素，例如企业规模、人员数量、资产情况等因素。</a:t>
+            </a:r>
+            <a:r>
+              <a:rPr lang="en-US" altLang="zh-CN" dirty="0"/>
+              <a:t>--</a:t>
+            </a:r>
+            <a:r>
+              <a:rPr lang="zh-CN" altLang="en-US" dirty="0"/>
+              <a:t>抄文献</a:t>
+            </a:r>
+            <a:r>
+              <a:rPr lang="en-US" altLang="zh-CN" dirty="0"/>
+              <a:t>!</a:t>
+            </a:r>
+            <a:endParaRPr lang="en-US" altLang="zh-CN" dirty="0"/>
           </a:p>
           <a:p>
             <a:pPr marL="0" indent="0">
+              <a:lnSpc>
+                <a:spcPct val="120000"/>
+              </a:lnSpc>
               <a:buNone/>
             </a:pPr>
             <a:r>
-              <a:rPr lang="zh-CN" altLang="en-US" b="0" i="0" u="none" strike="noStrike" baseline="0" dirty="0">
-                <a:solidFill>
-                  <a:srgbClr val="0806E2"/>
-                </a:solidFill>
-                <a:latin typeface="楷体" panose="02010609060101010101" pitchFamily="49" charset="-122"/>
-                <a:ea typeface="楷体" panose="02010609060101010101" pitchFamily="49" charset="-122"/>
-              </a:rPr>
-              <a:t>题、自主地研究问题、很好地解决了问题。</a:t>
-            </a:r>
-            <a:r>
-              <a:rPr lang="en-US" altLang="zh-CN" b="0" i="0" u="none" strike="noStrike" baseline="0" dirty="0">
-                <a:solidFill>
-                  <a:srgbClr val="E4080E"/>
-                </a:solidFill>
-                <a:latin typeface="楷体" panose="02010609060101010101" pitchFamily="49" charset="-122"/>
-                <a:ea typeface="楷体" panose="02010609060101010101" pitchFamily="49" charset="-122"/>
-              </a:rPr>
-              <a:t>-</a:t>
-            </a:r>
-            <a:r>
-              <a:rPr lang="zh-CN" altLang="en-US" b="0" i="0" u="none" strike="noStrike" baseline="0" dirty="0">
-                <a:solidFill>
-                  <a:srgbClr val="E4080E"/>
-                </a:solidFill>
-                <a:latin typeface="楷体" panose="02010609060101010101" pitchFamily="49" charset="-122"/>
-                <a:ea typeface="楷体" panose="02010609060101010101" pitchFamily="49" charset="-122"/>
-              </a:rPr>
-              <a:t>真正在研究问题！</a:t>
-            </a:r>
+              <a:rPr lang="en-US" altLang="zh-CN" dirty="0"/>
+              <a:t> (2)</a:t>
+            </a:r>
+            <a:r>
+              <a:rPr lang="zh-CN" altLang="en-US" dirty="0"/>
+              <a:t>该问题是一个典型的风险决策问题，信贷风险的量化是一个重要内容。一些参赛队简单地将问题视为一个综合评价问题，把所有相关因素指标简单地用综合加权综合到一起，综合指标的含义是什么？</a:t>
+            </a:r>
+            <a:endParaRPr lang="zh-CN" altLang="en-US" dirty="0"/>
           </a:p>
           <a:p>
             <a:pPr marL="0" indent="0">
+              <a:lnSpc>
+                <a:spcPct val="120000"/>
+              </a:lnSpc>
               <a:buNone/>
             </a:pPr>
             <a:r>
-              <a:rPr lang="en-US" altLang="zh-CN" b="0" i="0" u="none" strike="noStrike" baseline="0" dirty="0">
-                <a:solidFill>
-                  <a:srgbClr val="000000"/>
-                </a:solidFill>
-                <a:latin typeface="ArialMT"/>
-              </a:rPr>
-              <a:t>•</a:t>
-            </a:r>
-            <a:r>
-              <a:rPr lang="zh-CN" altLang="en-US" b="0" i="0" u="none" strike="noStrike" baseline="0" dirty="0">
-                <a:solidFill>
-                  <a:srgbClr val="000000"/>
-                </a:solidFill>
-                <a:latin typeface="楷体" panose="02010609060101010101" pitchFamily="49" charset="-122"/>
-                <a:ea typeface="楷体" panose="02010609060101010101" pitchFamily="49" charset="-122"/>
-              </a:rPr>
-              <a:t>根据附件</a:t>
-            </a:r>
-            <a:r>
-              <a:rPr lang="en-US" altLang="zh-CN" b="0" i="0" u="none" strike="noStrike" baseline="0" dirty="0">
-                <a:solidFill>
-                  <a:srgbClr val="000000"/>
-                </a:solidFill>
-                <a:latin typeface="TimesNewRomanPSMT"/>
-                <a:ea typeface="楷体" panose="02010609060101010101" pitchFamily="49" charset="-122"/>
-              </a:rPr>
-              <a:t>1</a:t>
-            </a:r>
-            <a:r>
-              <a:rPr lang="zh-CN" altLang="en-US" b="0" i="0" u="none" strike="noStrike" baseline="0" dirty="0">
-                <a:solidFill>
-                  <a:srgbClr val="000000"/>
-                </a:solidFill>
-                <a:latin typeface="楷体" panose="02010609060101010101" pitchFamily="49" charset="-122"/>
-                <a:ea typeface="楷体" panose="02010609060101010101" pitchFamily="49" charset="-122"/>
-              </a:rPr>
-              <a:t>的数据，分析提炼出了反映企业综合实力和信誉的指</a:t>
-            </a:r>
+              <a:rPr lang="zh-CN" altLang="en-US" dirty="0"/>
+              <a:t> </a:t>
+            </a:r>
+            <a:r>
+              <a:rPr lang="en-US" altLang="zh-CN" dirty="0"/>
+              <a:t>(3)</a:t>
+            </a:r>
+            <a:r>
+              <a:rPr lang="zh-CN" altLang="en-US" dirty="0"/>
+              <a:t>有些参赛队忽视实际、不思机理、浮于表面，习惯于 “采用什么方法、借用什么文献、套用什么模型和算法”等 所谓的建模“技巧、套路”。</a:t>
+            </a:r>
+            <a:endParaRPr lang="zh-CN" altLang="en-US" dirty="0"/>
           </a:p>
           <a:p>
             <a:pPr marL="0" indent="0">
+              <a:lnSpc>
+                <a:spcPct val="120000"/>
+              </a:lnSpc>
               <a:buNone/>
             </a:pPr>
             <a:r>
-              <a:rPr lang="zh-CN" altLang="en-US" b="0" i="0" u="none" strike="noStrike" baseline="0" dirty="0">
-                <a:solidFill>
-                  <a:srgbClr val="000000"/>
-                </a:solidFill>
-                <a:latin typeface="楷体" panose="02010609060101010101" pitchFamily="49" charset="-122"/>
-                <a:ea typeface="楷体" panose="02010609060101010101" pitchFamily="49" charset="-122"/>
-              </a:rPr>
-              <a:t>标，利用机器学习方法得出了各企业的</a:t>
-            </a:r>
-            <a:r>
-              <a:rPr lang="zh-CN" altLang="en-US" b="0" i="0" u="none" strike="noStrike" baseline="0" dirty="0">
-                <a:solidFill>
-                  <a:srgbClr val="530607"/>
-                </a:solidFill>
-                <a:latin typeface="楷体" panose="02010609060101010101" pitchFamily="49" charset="-122"/>
-                <a:ea typeface="楷体" panose="02010609060101010101" pitchFamily="49" charset="-122"/>
-              </a:rPr>
-              <a:t>信贷违</a:t>
-            </a:r>
-            <a:r>
-              <a:rPr lang="zh-CN" altLang="en-US" b="0" i="0" u="none" strike="noStrike" baseline="0" dirty="0">
-                <a:solidFill>
-                  <a:srgbClr val="E4080E"/>
-                </a:solidFill>
-                <a:latin typeface="楷体" panose="02010609060101010101" pitchFamily="49" charset="-122"/>
-                <a:ea typeface="楷体" panose="02010609060101010101" pitchFamily="49" charset="-122"/>
-              </a:rPr>
-              <a:t>约概率</a:t>
-            </a:r>
-            <a:r>
-              <a:rPr lang="zh-CN" altLang="en-US" b="0" i="0" u="none" strike="noStrike" baseline="0" dirty="0">
-                <a:solidFill>
-                  <a:srgbClr val="000000"/>
-                </a:solidFill>
-                <a:latin typeface="楷体" panose="02010609060101010101" pitchFamily="49" charset="-122"/>
-                <a:ea typeface="楷体" panose="02010609060101010101" pitchFamily="49" charset="-122"/>
-              </a:rPr>
-              <a:t>一信贷风险。</a:t>
-            </a:r>
-          </a:p>
-          <a:p>
-            <a:pPr marL="0" indent="0">
-              <a:buNone/>
-            </a:pPr>
-            <a:r>
-              <a:rPr lang="en-US" altLang="zh-CN" b="0" i="0" u="none" strike="noStrike" baseline="0" dirty="0">
-                <a:solidFill>
-                  <a:srgbClr val="0806E2"/>
-                </a:solidFill>
-                <a:latin typeface="ArialMT"/>
-              </a:rPr>
-              <a:t>•</a:t>
-            </a:r>
-            <a:r>
-              <a:rPr lang="zh-CN" altLang="en-US" b="0" i="0" u="none" strike="noStrike" baseline="0" dirty="0">
-                <a:solidFill>
-                  <a:srgbClr val="0806E2"/>
-                </a:solidFill>
-                <a:latin typeface="楷体" panose="02010609060101010101" pitchFamily="49" charset="-122"/>
-                <a:ea typeface="楷体" panose="02010609060101010101" pitchFamily="49" charset="-122"/>
-              </a:rPr>
-              <a:t>依据实际，综合考虑银行放贷总额和总收益、企业贷款利率、</a:t>
-            </a:r>
-          </a:p>
-          <a:p>
-            <a:pPr marL="0" indent="0">
-              <a:buNone/>
-            </a:pPr>
-            <a:r>
-              <a:rPr lang="zh-CN" altLang="en-US" b="0" i="0" u="none" strike="noStrike" baseline="0" dirty="0">
-                <a:solidFill>
-                  <a:srgbClr val="0806E2"/>
-                </a:solidFill>
-                <a:latin typeface="楷体" panose="02010609060101010101" pitchFamily="49" charset="-122"/>
-                <a:ea typeface="楷体" panose="02010609060101010101" pitchFamily="49" charset="-122"/>
-              </a:rPr>
-              <a:t>额度、违约概率和利率与流失率的关系等，建立了以银行总期望</a:t>
-            </a:r>
-          </a:p>
-          <a:p>
-            <a:pPr marL="0" indent="0">
-              <a:buNone/>
-            </a:pPr>
-            <a:r>
-              <a:rPr lang="zh-CN" altLang="en-US" b="0" i="0" u="none" strike="noStrike" baseline="0" dirty="0">
-                <a:solidFill>
-                  <a:srgbClr val="0806E2"/>
-                </a:solidFill>
-                <a:latin typeface="楷体" panose="02010609060101010101" pitchFamily="49" charset="-122"/>
-                <a:ea typeface="楷体" panose="02010609060101010101" pitchFamily="49" charset="-122"/>
-              </a:rPr>
-              <a:t>收益最大化的优化决策模型，求解给出了合理的信贷策略。</a:t>
-            </a:r>
-            <a:endParaRPr lang="zh-CN" altLang="en-US" sz="4000" dirty="0"/>
-          </a:p>
-        </p:txBody>
-      </p:sp>
-      <p:sp>
-        <p:nvSpPr>
-          <p:cNvPr id="7" name="标题 1">
-            <a:extLst>
-              <a:ext uri="{FF2B5EF4-FFF2-40B4-BE49-F238E27FC236}">
-                <a16:creationId xmlns:a16="http://schemas.microsoft.com/office/drawing/2014/main" id="{2D42B351-BFBC-F9E1-16C7-71C917FD834B}"/>
-              </a:ext>
-            </a:extLst>
-          </p:cNvPr>
-          <p:cNvSpPr>
-            <a:spLocks noGrp="1"/>
-          </p:cNvSpPr>
-          <p:nvPr>
-            <p:ph type="title"/>
-          </p:nvPr>
-        </p:nvSpPr>
-        <p:spPr>
-          <a:xfrm>
-            <a:off x="838200" y="365125"/>
-            <a:ext cx="10515600" cy="1325563"/>
-          </a:xfrm>
-        </p:spPr>
-        <p:txBody>
-          <a:bodyPr/>
-          <a:lstStyle/>
-          <a:p>
-            <a:r>
-              <a:rPr lang="zh-CN" altLang="en-US" b="1" dirty="0"/>
-              <a:t>获奖队伍</a:t>
-            </a:r>
+              <a:rPr lang="zh-CN" altLang="en-US" dirty="0"/>
+              <a:t> </a:t>
+            </a:r>
+            <a:r>
+              <a:rPr lang="en-US" altLang="zh-CN" dirty="0"/>
+              <a:t>(4)</a:t>
+            </a:r>
+            <a:r>
+              <a:rPr lang="zh-CN" altLang="en-US" dirty="0"/>
+              <a:t>很多参赛队没有合理、充分地利用数据信息。有的把 问题视一个纯粹数据分析问题，用多种统计方法，得到了一 些与问题无关的结果。</a:t>
+            </a:r>
+            <a:endParaRPr lang="zh-CN" altLang="en-US" dirty="0"/>
+          </a:p>
+          <a:p>
+            <a:endParaRPr lang="zh-CN" altLang="en-US" dirty="0"/>
           </a:p>
         </p:txBody>
       </p:sp>
     </p:spTree>
-    <p:extLst>
-      <p:ext uri="{BB962C8B-B14F-4D97-AF65-F5344CB8AC3E}">
-        <p14:creationId xmlns:p14="http://schemas.microsoft.com/office/powerpoint/2010/main" val="1934890083"/>
-      </p:ext>
-    </p:extLst>
   </p:cSld>
   <p:clrMapOvr>
     <a:masterClrMapping/>
@@ -13160,13 +10757,7 @@
       </p:grpSpPr>
       <p:sp>
         <p:nvSpPr>
-          <p:cNvPr id="2" name="标题 1">
-            <a:extLst>
-              <a:ext uri="{FF2B5EF4-FFF2-40B4-BE49-F238E27FC236}">
-                <a16:creationId xmlns:a16="http://schemas.microsoft.com/office/drawing/2014/main" id="{61D3454A-6DA3-7B71-E38B-D8CF859388BC}"/>
-              </a:ext>
-            </a:extLst>
-          </p:cNvPr>
+          <p:cNvPr id="2" name="标题 1"/>
           <p:cNvSpPr>
             <a:spLocks noGrp="1"/>
           </p:cNvSpPr>
@@ -13180,21 +10771,16 @@
           <a:lstStyle/>
           <a:p>
             <a:r>
-              <a:rPr lang="zh-CN" altLang="en-US" b="1" dirty="0"/>
+              <a:rPr lang="zh-CN" altLang="en-US" dirty="0"/>
               <a:t>存在问题</a:t>
             </a:r>
-          </a:p>
-        </p:txBody>
-      </p:sp>
-      <p:sp>
-        <p:nvSpPr>
-          <p:cNvPr id="3" name="内容占位符 2">
-            <a:extLst>
-              <a:ext uri="{FF2B5EF4-FFF2-40B4-BE49-F238E27FC236}">
-                <a16:creationId xmlns:a16="http://schemas.microsoft.com/office/drawing/2014/main" id="{F20453D4-1A09-6726-C9E1-09FAEDE38CEE}"/>
-              </a:ext>
-            </a:extLst>
-          </p:cNvPr>
+            <a:endParaRPr lang="zh-CN" altLang="en-US" dirty="0"/>
+          </a:p>
+        </p:txBody>
+      </p:sp>
+      <p:sp>
+        <p:nvSpPr>
+          <p:cNvPr id="3" name="内容占位符 2"/>
           <p:cNvSpPr>
             <a:spLocks noGrp="1"/>
           </p:cNvSpPr>
@@ -13202,103 +10788,120 @@
             <p:ph idx="1"/>
           </p:nvPr>
         </p:nvSpPr>
-        <p:spPr/>
-        <p:txBody>
-          <a:bodyPr>
-            <a:normAutofit fontScale="92500" lnSpcReduction="20000"/>
-          </a:bodyPr>
+        <p:spPr>
+          <a:xfrm>
+            <a:off x="838200" y="1843405"/>
+            <a:ext cx="10515600" cy="4351338"/>
+          </a:xfrm>
+        </p:spPr>
+        <p:txBody>
+          <a:bodyPr/>
           <a:lstStyle/>
           <a:p>
-            <a:pPr marL="0" indent="0">
-              <a:lnSpc>
-                <a:spcPct val="120000"/>
-              </a:lnSpc>
-              <a:buNone/>
-            </a:pPr>
             <a:r>
               <a:rPr lang="zh-CN" altLang="en-US" dirty="0"/>
               <a:t> </a:t>
             </a:r>
             <a:r>
               <a:rPr lang="en-US" altLang="zh-CN" dirty="0"/>
-              <a:t>(1)</a:t>
+              <a:t>(5)</a:t>
             </a:r>
             <a:r>
               <a:rPr lang="zh-CN" altLang="en-US" dirty="0"/>
-              <a:t> 不针对实际问题和数据，没有抓住核心问题，考虑了一些无用的因素，例如企业规模、人员数量、资产情况等因素，一味抄文献。</a:t>
-            </a:r>
-            <a:endParaRPr lang="en-US" altLang="zh-CN" dirty="0"/>
-          </a:p>
-          <a:p>
-            <a:pPr marL="0" indent="0">
-              <a:lnSpc>
-                <a:spcPct val="120000"/>
-              </a:lnSpc>
-              <a:buNone/>
-            </a:pPr>
-            <a:r>
-              <a:rPr lang="en-US" altLang="zh-CN" dirty="0"/>
-              <a:t> (2)</a:t>
-            </a:r>
+              <a:t>有些信贷决策模型只是形式优化模型，单目标、变量</a:t>
+            </a:r>
+            <a:endParaRPr lang="zh-CN" altLang="en-US" dirty="0"/>
+          </a:p>
+          <a:p>
             <a:r>
               <a:rPr lang="zh-CN" altLang="en-US" dirty="0"/>
-              <a:t>该问题是一个典型的风险决策问题，信贷风险的量化是一个重要内容。不能简单地将问题视为一个综合评价问题，把所有相关因素指标简单地用综合加权综合到一起</a:t>
-            </a:r>
-            <a:endParaRPr lang="en-US" altLang="zh-CN" dirty="0"/>
-          </a:p>
-          <a:p>
-            <a:pPr marL="0" indent="0">
-              <a:lnSpc>
-                <a:spcPct val="120000"/>
-              </a:lnSpc>
-              <a:buNone/>
-            </a:pPr>
-            <a:r>
-              <a:rPr lang="zh-CN" altLang="en-US" dirty="0"/>
+              <a:t>多、约束少，直观的结果与模型无关。</a:t>
+            </a:r>
+            <a:endParaRPr lang="zh-CN" altLang="en-US" dirty="0"/>
+          </a:p>
+          <a:p>
+            <a:r>
+              <a:rPr lang="zh-CN" altLang="en-US" dirty="0">
+                <a:sym typeface="+mn-ea"/>
+              </a:rPr>
               <a:t> </a:t>
             </a:r>
             <a:r>
-              <a:rPr lang="en-US" altLang="zh-CN" dirty="0"/>
-              <a:t>(3)</a:t>
-            </a:r>
-            <a:r>
-              <a:rPr lang="zh-CN" altLang="en-US" dirty="0"/>
-              <a:t> 忽视实际、不思机理、浮于表面，习惯于 “采用什么方法、借用什么文献、套用什么模型和算法”等 所谓的建模“技巧、套路”。</a:t>
-            </a:r>
-          </a:p>
-          <a:p>
-            <a:pPr marL="0" indent="0">
-              <a:lnSpc>
-                <a:spcPct val="120000"/>
-              </a:lnSpc>
-              <a:buNone/>
-            </a:pPr>
-            <a:r>
-              <a:rPr lang="zh-CN" altLang="en-US" dirty="0"/>
+              <a:rPr lang="en-US" altLang="zh-CN" dirty="0">
+                <a:sym typeface="+mn-ea"/>
+              </a:rPr>
+              <a:t>(6)</a:t>
+            </a:r>
+            <a:r>
+              <a:rPr lang="zh-CN" altLang="en-US" dirty="0">
+                <a:sym typeface="+mn-ea"/>
+              </a:rPr>
+              <a:t>由于问题的开放性，无固定模型和方法，更无确定结 果，几乎无可参考的资料。有的参赛队死搬硬套或照抄了一 些不相关的模型、方法和不搭界的所谓“高大上”的算法。</a:t>
+            </a:r>
+            <a:endParaRPr lang="zh-CN" altLang="en-US" dirty="0"/>
+          </a:p>
+          <a:p>
+            <a:r>
+              <a:rPr lang="zh-CN" altLang="en-US" dirty="0">
+                <a:sym typeface="+mn-ea"/>
+              </a:rPr>
               <a:t> </a:t>
             </a:r>
             <a:r>
-              <a:rPr lang="en-US" altLang="zh-CN" dirty="0"/>
-              <a:t>(4)</a:t>
-            </a:r>
-            <a:r>
-              <a:rPr lang="zh-CN" altLang="en-US" dirty="0"/>
-              <a:t> 没有合理、充分地利用数据信息。把问题视一个纯粹数据分析问题，用多种统计方法，得到了一 些与问题无关的结果。</a:t>
-            </a:r>
+              <a:rPr lang="en-US" altLang="zh-CN" dirty="0">
+                <a:sym typeface="+mn-ea"/>
+              </a:rPr>
+              <a:t>(7)</a:t>
+            </a:r>
+            <a:r>
+              <a:rPr lang="zh-CN" altLang="en-US" dirty="0">
+                <a:sym typeface="+mn-ea"/>
+              </a:rPr>
+              <a:t>竞赛论文的表述看，搬方法、套模型、抄算法的 “套路化</a:t>
+            </a:r>
+            <a:r>
+              <a:rPr lang="en-US" altLang="zh-CN" dirty="0">
+                <a:sym typeface="+mn-ea"/>
+              </a:rPr>
+              <a:t>;</a:t>
+            </a:r>
+            <a:r>
+              <a:rPr lang="zh-CN" altLang="en-US" dirty="0">
+                <a:sym typeface="+mn-ea"/>
+              </a:rPr>
+              <a:t>做法仍存在，形式化和虚拟化的表面文章过多， 模板化”和“套路化”的论文较为普遍。没有特性 没</a:t>
+            </a:r>
+            <a:r>
+              <a:rPr lang="en-US" altLang="zh-CN" dirty="0">
+                <a:sym typeface="+mn-ea"/>
+              </a:rPr>
+              <a:t>, </a:t>
+            </a:r>
+            <a:r>
+              <a:rPr lang="zh-CN" altLang="en-US" dirty="0">
+                <a:sym typeface="+mn-ea"/>
+              </a:rPr>
+              <a:t>针对性，何以创新。</a:t>
+            </a:r>
+            <a:endParaRPr lang="zh-CN" altLang="en-US" dirty="0"/>
+          </a:p>
+          <a:p>
+            <a:endParaRPr lang="zh-CN" altLang="en-US" dirty="0"/>
           </a:p>
         </p:txBody>
       </p:sp>
     </p:spTree>
-    <p:extLst>
-      <p:ext uri="{BB962C8B-B14F-4D97-AF65-F5344CB8AC3E}">
-        <p14:creationId xmlns:p14="http://schemas.microsoft.com/office/powerpoint/2010/main" val="3288687767"/>
-      </p:ext>
-    </p:extLst>
   </p:cSld>
   <p:clrMapOvr>
     <a:masterClrMapping/>
   </p:clrMapOvr>
 </p:sld>
+</file>
+
+<file path=ppt/tags/tag1.xml><?xml version="1.0" encoding="utf-8"?>
+<p:tagLst xmlns:p="http://schemas.openxmlformats.org/presentationml/2006/main">
+  <p:tag name="COMMONDATA" val="eyJoZGlkIjoiMmMzNGU0NjgyOWRiNzgzYjc1Yzk5MTg0MGI0MThiMzkifQ=="/>
+</p:tagLst>
 </file>
 
 <file path=ppt/theme/theme1.xml><?xml version="1.0" encoding="utf-8"?>
@@ -13344,7 +10947,7 @@
     </a:clrScheme>
     <a:fontScheme name="Office">
       <a:majorFont>
-        <a:latin typeface="等线 Light" panose="020F0302020204030204"/>
+        <a:latin typeface="等线 Light"/>
         <a:ea typeface=""/>
         <a:cs typeface=""/>
         <a:font script="Jpan" typeface="游ゴシック Light"/>
@@ -13377,26 +10980,9 @@
         <a:font script="Viet" typeface="Times New Roman"/>
         <a:font script="Uigh" typeface="Microsoft Uighur"/>
         <a:font script="Geor" typeface="Sylfaen"/>
-        <a:font script="Armn" typeface="Arial"/>
-        <a:font script="Bugi" typeface="Leelawadee UI"/>
-        <a:font script="Bopo" typeface="Microsoft JhengHei"/>
-        <a:font script="Java" typeface="Javanese Text"/>
-        <a:font script="Lisu" typeface="Segoe UI"/>
-        <a:font script="Mymr" typeface="Myanmar Text"/>
-        <a:font script="Nkoo" typeface="Ebrima"/>
-        <a:font script="Olck" typeface="Nirmala UI"/>
-        <a:font script="Osma" typeface="Ebrima"/>
-        <a:font script="Phag" typeface="Phagspa"/>
-        <a:font script="Syrn" typeface="Estrangelo Edessa"/>
-        <a:font script="Syrj" typeface="Estrangelo Edessa"/>
-        <a:font script="Syre" typeface="Estrangelo Edessa"/>
-        <a:font script="Sora" typeface="Nirmala UI"/>
-        <a:font script="Tale" typeface="Microsoft Tai Le"/>
-        <a:font script="Talu" typeface="Microsoft New Tai Lue"/>
-        <a:font script="Tfng" typeface="Ebrima"/>
       </a:majorFont>
       <a:minorFont>
-        <a:latin typeface="等线" panose="020F0502020204030204"/>
+        <a:latin typeface="等线"/>
         <a:ea typeface=""/>
         <a:cs typeface=""/>
         <a:font script="Jpan" typeface="游ゴシック"/>
@@ -13429,23 +11015,6 @@
         <a:font script="Viet" typeface="Arial"/>
         <a:font script="Uigh" typeface="Microsoft Uighur"/>
         <a:font script="Geor" typeface="Sylfaen"/>
-        <a:font script="Armn" typeface="Arial"/>
-        <a:font script="Bugi" typeface="Leelawadee UI"/>
-        <a:font script="Bopo" typeface="Microsoft JhengHei"/>
-        <a:font script="Java" typeface="Javanese Text"/>
-        <a:font script="Lisu" typeface="Segoe UI"/>
-        <a:font script="Mymr" typeface="Myanmar Text"/>
-        <a:font script="Nkoo" typeface="Ebrima"/>
-        <a:font script="Olck" typeface="Nirmala UI"/>
-        <a:font script="Osma" typeface="Ebrima"/>
-        <a:font script="Phag" typeface="Phagspa"/>
-        <a:font script="Syrn" typeface="Estrangelo Edessa"/>
-        <a:font script="Syrj" typeface="Estrangelo Edessa"/>
-        <a:font script="Syre" typeface="Estrangelo Edessa"/>
-        <a:font script="Sora" typeface="Nirmala UI"/>
-        <a:font script="Tale" typeface="Microsoft Tai Le"/>
-        <a:font script="Talu" typeface="Microsoft New Tai Lue"/>
-        <a:font script="Tfng" typeface="Ebrima"/>
       </a:minorFont>
     </a:fontScheme>
     <a:fmtScheme name="Office">
@@ -13586,303 +11155,6 @@
       </a:bgFillStyleLst>
     </a:fmtScheme>
   </a:themeElements>
-  <a:objectDefaults/>
-  <a:extraClrSchemeLst/>
-  <a:extLst>
-    <a:ext uri="{05A4C25C-085E-4340-85A3-A5531E510DB2}">
-      <thm15:themeFamily xmlns:thm15="http://schemas.microsoft.com/office/thememl/2012/main" name="Office Theme" id="{62F939B6-93AF-4DB8-9C6B-D6C7DFDC589F}" vid="{4A3C46E8-61CC-4603-A589-7422A47A8E4A}"/>
-    </a:ext>
-  </a:extLst>
-</a:theme>
-</file>
-
-<file path=ppt/theme/theme2.xml><?xml version="1.0" encoding="utf-8"?>
-<a:theme xmlns:a="http://schemas.openxmlformats.org/drawingml/2006/main" name="Office 主题​​">
-  <a:themeElements>
-    <a:clrScheme name="Office">
-      <a:dk1>
-        <a:sysClr val="windowText" lastClr="000000"/>
-      </a:dk1>
-      <a:lt1>
-        <a:sysClr val="window" lastClr="FFFFFF"/>
-      </a:lt1>
-      <a:dk2>
-        <a:srgbClr val="44546A"/>
-      </a:dk2>
-      <a:lt2>
-        <a:srgbClr val="E7E6E6"/>
-      </a:lt2>
-      <a:accent1>
-        <a:srgbClr val="4472C4"/>
-      </a:accent1>
-      <a:accent2>
-        <a:srgbClr val="ED7D31"/>
-      </a:accent2>
-      <a:accent3>
-        <a:srgbClr val="A5A5A5"/>
-      </a:accent3>
-      <a:accent4>
-        <a:srgbClr val="FFC000"/>
-      </a:accent4>
-      <a:accent5>
-        <a:srgbClr val="5B9BD5"/>
-      </a:accent5>
-      <a:accent6>
-        <a:srgbClr val="70AD47"/>
-      </a:accent6>
-      <a:hlink>
-        <a:srgbClr val="0563C1"/>
-      </a:hlink>
-      <a:folHlink>
-        <a:srgbClr val="954F72"/>
-      </a:folHlink>
-    </a:clrScheme>
-    <a:fontScheme name="Office">
-      <a:majorFont>
-        <a:latin typeface="等线 Light" panose="020F0302020204030204"/>
-        <a:ea typeface=""/>
-        <a:cs typeface=""/>
-        <a:font script="Jpan" typeface="游ゴシック Light"/>
-        <a:font script="Hang" typeface="맑은 고딕"/>
-        <a:font script="Hans" typeface="等线 Light"/>
-        <a:font script="Hant" typeface="新細明體"/>
-        <a:font script="Arab" typeface="Times New Roman"/>
-        <a:font script="Hebr" typeface="Times New Roman"/>
-        <a:font script="Thai" typeface="Angsana New"/>
-        <a:font script="Ethi" typeface="Nyala"/>
-        <a:font script="Beng" typeface="Vrinda"/>
-        <a:font script="Gujr" typeface="Shruti"/>
-        <a:font script="Khmr" typeface="MoolBoran"/>
-        <a:font script="Knda" typeface="Tunga"/>
-        <a:font script="Guru" typeface="Raavi"/>
-        <a:font script="Cans" typeface="Euphemia"/>
-        <a:font script="Cher" typeface="Plantagenet Cherokee"/>
-        <a:font script="Yiii" typeface="Microsoft Yi Baiti"/>
-        <a:font script="Tibt" typeface="Microsoft Himalaya"/>
-        <a:font script="Thaa" typeface="MV Boli"/>
-        <a:font script="Deva" typeface="Mangal"/>
-        <a:font script="Telu" typeface="Gautami"/>
-        <a:font script="Taml" typeface="Latha"/>
-        <a:font script="Syrc" typeface="Estrangelo Edessa"/>
-        <a:font script="Orya" typeface="Kalinga"/>
-        <a:font script="Mlym" typeface="Kartika"/>
-        <a:font script="Laoo" typeface="DokChampa"/>
-        <a:font script="Sinh" typeface="Iskoola Pota"/>
-        <a:font script="Mong" typeface="Mongolian Baiti"/>
-        <a:font script="Viet" typeface="Times New Roman"/>
-        <a:font script="Uigh" typeface="Microsoft Uighur"/>
-        <a:font script="Geor" typeface="Sylfaen"/>
-        <a:font script="Armn" typeface="Arial"/>
-        <a:font script="Bugi" typeface="Leelawadee UI"/>
-        <a:font script="Bopo" typeface="Microsoft JhengHei"/>
-        <a:font script="Java" typeface="Javanese Text"/>
-        <a:font script="Lisu" typeface="Segoe UI"/>
-        <a:font script="Mymr" typeface="Myanmar Text"/>
-        <a:font script="Nkoo" typeface="Ebrima"/>
-        <a:font script="Olck" typeface="Nirmala UI"/>
-        <a:font script="Osma" typeface="Ebrima"/>
-        <a:font script="Phag" typeface="Phagspa"/>
-        <a:font script="Syrn" typeface="Estrangelo Edessa"/>
-        <a:font script="Syrj" typeface="Estrangelo Edessa"/>
-        <a:font script="Syre" typeface="Estrangelo Edessa"/>
-        <a:font script="Sora" typeface="Nirmala UI"/>
-        <a:font script="Tale" typeface="Microsoft Tai Le"/>
-        <a:font script="Talu" typeface="Microsoft New Tai Lue"/>
-        <a:font script="Tfng" typeface="Ebrima"/>
-      </a:majorFont>
-      <a:minorFont>
-        <a:latin typeface="等线" panose="020F0502020204030204"/>
-        <a:ea typeface=""/>
-        <a:cs typeface=""/>
-        <a:font script="Jpan" typeface="游ゴシック"/>
-        <a:font script="Hang" typeface="맑은 고딕"/>
-        <a:font script="Hans" typeface="等线"/>
-        <a:font script="Hant" typeface="新細明體"/>
-        <a:font script="Arab" typeface="Arial"/>
-        <a:font script="Hebr" typeface="Arial"/>
-        <a:font script="Thai" typeface="Cordia New"/>
-        <a:font script="Ethi" typeface="Nyala"/>
-        <a:font script="Beng" typeface="Vrinda"/>
-        <a:font script="Gujr" typeface="Shruti"/>
-        <a:font script="Khmr" typeface="DaunPenh"/>
-        <a:font script="Knda" typeface="Tunga"/>
-        <a:font script="Guru" typeface="Raavi"/>
-        <a:font script="Cans" typeface="Euphemia"/>
-        <a:font script="Cher" typeface="Plantagenet Cherokee"/>
-        <a:font script="Yiii" typeface="Microsoft Yi Baiti"/>
-        <a:font script="Tibt" typeface="Microsoft Himalaya"/>
-        <a:font script="Thaa" typeface="MV Boli"/>
-        <a:font script="Deva" typeface="Mangal"/>
-        <a:font script="Telu" typeface="Gautami"/>
-        <a:font script="Taml" typeface="Latha"/>
-        <a:font script="Syrc" typeface="Estrangelo Edessa"/>
-        <a:font script="Orya" typeface="Kalinga"/>
-        <a:font script="Mlym" typeface="Kartika"/>
-        <a:font script="Laoo" typeface="DokChampa"/>
-        <a:font script="Sinh" typeface="Iskoola Pota"/>
-        <a:font script="Mong" typeface="Mongolian Baiti"/>
-        <a:font script="Viet" typeface="Arial"/>
-        <a:font script="Uigh" typeface="Microsoft Uighur"/>
-        <a:font script="Geor" typeface="Sylfaen"/>
-        <a:font script="Armn" typeface="Arial"/>
-        <a:font script="Bugi" typeface="Leelawadee UI"/>
-        <a:font script="Bopo" typeface="Microsoft JhengHei"/>
-        <a:font script="Java" typeface="Javanese Text"/>
-        <a:font script="Lisu" typeface="Segoe UI"/>
-        <a:font script="Mymr" typeface="Myanmar Text"/>
-        <a:font script="Nkoo" typeface="Ebrima"/>
-        <a:font script="Olck" typeface="Nirmala UI"/>
-        <a:font script="Osma" typeface="Ebrima"/>
-        <a:font script="Phag" typeface="Phagspa"/>
-        <a:font script="Syrn" typeface="Estrangelo Edessa"/>
-        <a:font script="Syrj" typeface="Estrangelo Edessa"/>
-        <a:font script="Syre" typeface="Estrangelo Edessa"/>
-        <a:font script="Sora" typeface="Nirmala UI"/>
-        <a:font script="Tale" typeface="Microsoft Tai Le"/>
-        <a:font script="Talu" typeface="Microsoft New Tai Lue"/>
-        <a:font script="Tfng" typeface="Ebrima"/>
-      </a:minorFont>
-    </a:fontScheme>
-    <a:fmtScheme name="Office">
-      <a:fillStyleLst>
-        <a:solidFill>
-          <a:schemeClr val="phClr"/>
-        </a:solidFill>
-        <a:gradFill rotWithShape="1">
-          <a:gsLst>
-            <a:gs pos="0">
-              <a:schemeClr val="phClr">
-                <a:lumMod val="110000"/>
-                <a:satMod val="105000"/>
-                <a:tint val="67000"/>
-              </a:schemeClr>
-            </a:gs>
-            <a:gs pos="50000">
-              <a:schemeClr val="phClr">
-                <a:lumMod val="105000"/>
-                <a:satMod val="103000"/>
-                <a:tint val="73000"/>
-              </a:schemeClr>
-            </a:gs>
-            <a:gs pos="100000">
-              <a:schemeClr val="phClr">
-                <a:lumMod val="105000"/>
-                <a:satMod val="109000"/>
-                <a:tint val="81000"/>
-              </a:schemeClr>
-            </a:gs>
-          </a:gsLst>
-          <a:lin ang="5400000" scaled="0"/>
-        </a:gradFill>
-        <a:gradFill rotWithShape="1">
-          <a:gsLst>
-            <a:gs pos="0">
-              <a:schemeClr val="phClr">
-                <a:satMod val="103000"/>
-                <a:lumMod val="102000"/>
-                <a:tint val="94000"/>
-              </a:schemeClr>
-            </a:gs>
-            <a:gs pos="50000">
-              <a:schemeClr val="phClr">
-                <a:satMod val="110000"/>
-                <a:lumMod val="100000"/>
-                <a:shade val="100000"/>
-              </a:schemeClr>
-            </a:gs>
-            <a:gs pos="100000">
-              <a:schemeClr val="phClr">
-                <a:lumMod val="99000"/>
-                <a:satMod val="120000"/>
-                <a:shade val="78000"/>
-              </a:schemeClr>
-            </a:gs>
-          </a:gsLst>
-          <a:lin ang="5400000" scaled="0"/>
-        </a:gradFill>
-      </a:fillStyleLst>
-      <a:lnStyleLst>
-        <a:ln w="6350" cap="flat" cmpd="sng" algn="ctr">
-          <a:solidFill>
-            <a:schemeClr val="phClr"/>
-          </a:solidFill>
-          <a:prstDash val="solid"/>
-          <a:miter lim="800000"/>
-        </a:ln>
-        <a:ln w="12700" cap="flat" cmpd="sng" algn="ctr">
-          <a:solidFill>
-            <a:schemeClr val="phClr"/>
-          </a:solidFill>
-          <a:prstDash val="solid"/>
-          <a:miter lim="800000"/>
-        </a:ln>
-        <a:ln w="19050" cap="flat" cmpd="sng" algn="ctr">
-          <a:solidFill>
-            <a:schemeClr val="phClr"/>
-          </a:solidFill>
-          <a:prstDash val="solid"/>
-          <a:miter lim="800000"/>
-        </a:ln>
-      </a:lnStyleLst>
-      <a:effectStyleLst>
-        <a:effectStyle>
-          <a:effectLst/>
-        </a:effectStyle>
-        <a:effectStyle>
-          <a:effectLst/>
-        </a:effectStyle>
-        <a:effectStyle>
-          <a:effectLst>
-            <a:outerShdw blurRad="57150" dist="19050" dir="5400000" algn="ctr" rotWithShape="0">
-              <a:srgbClr val="000000">
-                <a:alpha val="63000"/>
-              </a:srgbClr>
-            </a:outerShdw>
-          </a:effectLst>
-        </a:effectStyle>
-      </a:effectStyleLst>
-      <a:bgFillStyleLst>
-        <a:solidFill>
-          <a:schemeClr val="phClr"/>
-        </a:solidFill>
-        <a:solidFill>
-          <a:schemeClr val="phClr">
-            <a:tint val="95000"/>
-            <a:satMod val="170000"/>
-          </a:schemeClr>
-        </a:solidFill>
-        <a:gradFill rotWithShape="1">
-          <a:gsLst>
-            <a:gs pos="0">
-              <a:schemeClr val="phClr">
-                <a:tint val="93000"/>
-                <a:satMod val="150000"/>
-                <a:shade val="98000"/>
-                <a:lumMod val="102000"/>
-              </a:schemeClr>
-            </a:gs>
-            <a:gs pos="50000">
-              <a:schemeClr val="phClr">
-                <a:tint val="98000"/>
-                <a:satMod val="130000"/>
-                <a:shade val="90000"/>
-                <a:lumMod val="103000"/>
-              </a:schemeClr>
-            </a:gs>
-            <a:gs pos="100000">
-              <a:schemeClr val="phClr">
-                <a:shade val="63000"/>
-                <a:satMod val="120000"/>
-              </a:schemeClr>
-            </a:gs>
-          </a:gsLst>
-          <a:lin ang="5400000" scaled="0"/>
-        </a:gradFill>
-      </a:bgFillStyleLst>
-    </a:fmtScheme>
-  </a:themeElements>
-  <a:objectDefaults/>
-  <a:extraClrSchemeLst/>
   <a:extLst>
     <a:ext uri="{05A4C25C-085E-4340-85A3-A5531E510DB2}">
       <thm15:themeFamily xmlns:thm15="http://schemas.microsoft.com/office/thememl/2012/main" name="Office Theme" id="{62F939B6-93AF-4DB8-9C6B-D6C7DFDC589F}" vid="{4A3C46E8-61CC-4603-A589-7422A47A8E4A}"/>
